--- a/_drafts/Oppgaver/Workshop/Workshop_2PP.pptx
+++ b/_drafts/Oppgaver/Workshop/Workshop_2PP.pptx
@@ -7,7 +7,7 @@
     <p:sldMasterId id="2147483692" r:id="rId6"/>
   </p:sldMasterIdLst>
   <p:notesMasterIdLst>
-    <p:notesMasterId r:id="rId24"/>
+    <p:notesMasterId r:id="rId20"/>
   </p:notesMasterIdLst>
   <p:sldIdLst>
     <p:sldId id="257" r:id="rId7"/>
@@ -16,17 +16,13 @@
     <p:sldId id="260" r:id="rId10"/>
     <p:sldId id="262" r:id="rId11"/>
     <p:sldId id="268" r:id="rId12"/>
-    <p:sldId id="271" r:id="rId13"/>
-    <p:sldId id="275" r:id="rId14"/>
-    <p:sldId id="263" r:id="rId15"/>
-    <p:sldId id="272" r:id="rId16"/>
-    <p:sldId id="264" r:id="rId17"/>
-    <p:sldId id="273" r:id="rId18"/>
-    <p:sldId id="266" r:id="rId19"/>
-    <p:sldId id="274" r:id="rId20"/>
-    <p:sldId id="267" r:id="rId21"/>
-    <p:sldId id="276" r:id="rId22"/>
-    <p:sldId id="270" r:id="rId23"/>
+    <p:sldId id="279" r:id="rId13"/>
+    <p:sldId id="281" r:id="rId14"/>
+    <p:sldId id="280" r:id="rId15"/>
+    <p:sldId id="282" r:id="rId16"/>
+    <p:sldId id="283" r:id="rId17"/>
+    <p:sldId id="284" r:id="rId18"/>
+    <p:sldId id="270" r:id="rId19"/>
   </p:sldIdLst>
   <p:sldSz cx="12192000" cy="6858000"/>
   <p:notesSz cx="6858000" cy="9144000"/>
@@ -136,7 +132,7 @@
 <file path=ppt/revisionInfo.xml><?xml version="1.0" encoding="utf-8"?>
 <p1510:revInfo xmlns:a="http://schemas.openxmlformats.org/drawingml/2006/main" xmlns:r="http://schemas.openxmlformats.org/officeDocument/2006/relationships" xmlns:p1510="http://schemas.microsoft.com/office/powerpoint/2015/10/main">
   <p1510:revLst>
-    <p1510:client id="{CC2E105E-BB4D-42C2-B1F2-7BEBE9E9C317}" v="265" dt="2020-11-19T08:50:11.039"/>
+    <p1510:client id="{CC2E105E-BB4D-42C2-B1F2-7BEBE9E9C317}" v="294" dt="2020-11-19T14:29:49.193"/>
   </p1510:revLst>
 </p1510:revInfo>
 </file>
@@ -209,7 +205,7 @@
   <pc:docChgLst>
     <pc:chgData name="Henrik Løvik Njølstad" userId="778659e2-5eca-412f-ba00-4d07a820fe1f" providerId="ADAL" clId="{CC2E105E-BB4D-42C2-B1F2-7BEBE9E9C317}"/>
     <pc:docChg chg="undo custSel addSld delSld modSld sldOrd">
-      <pc:chgData name="Henrik Løvik Njølstad" userId="778659e2-5eca-412f-ba00-4d07a820fe1f" providerId="ADAL" clId="{CC2E105E-BB4D-42C2-B1F2-7BEBE9E9C317}" dt="2020-11-19T08:50:11.039" v="336" actId="14"/>
+      <pc:chgData name="Henrik Løvik Njølstad" userId="778659e2-5eca-412f-ba00-4d07a820fe1f" providerId="ADAL" clId="{CC2E105E-BB4D-42C2-B1F2-7BEBE9E9C317}" dt="2020-11-20T07:47:27.247" v="1056" actId="14100"/>
       <pc:docMkLst>
         <pc:docMk/>
       </pc:docMkLst>
@@ -236,14 +232,14 @@
           </ac:spMkLst>
         </pc:spChg>
       </pc:sldChg>
-      <pc:sldChg chg="modSp modAnim">
-        <pc:chgData name="Henrik Løvik Njølstad" userId="778659e2-5eca-412f-ba00-4d07a820fe1f" providerId="ADAL" clId="{CC2E105E-BB4D-42C2-B1F2-7BEBE9E9C317}" dt="2020-11-19T08:46:16.391" v="273"/>
+      <pc:sldChg chg="modSp mod modAnim">
+        <pc:chgData name="Henrik Løvik Njølstad" userId="778659e2-5eca-412f-ba00-4d07a820fe1f" providerId="ADAL" clId="{CC2E105E-BB4D-42C2-B1F2-7BEBE9E9C317}" dt="2020-11-19T14:23:25.657" v="844" actId="2711"/>
         <pc:sldMkLst>
           <pc:docMk/>
           <pc:sldMk cId="689929228" sldId="260"/>
         </pc:sldMkLst>
         <pc:spChg chg="mod">
-          <ac:chgData name="Henrik Løvik Njølstad" userId="778659e2-5eca-412f-ba00-4d07a820fe1f" providerId="ADAL" clId="{CC2E105E-BB4D-42C2-B1F2-7BEBE9E9C317}" dt="2020-11-19T08:46:01.764" v="272"/>
+          <ac:chgData name="Henrik Løvik Njølstad" userId="778659e2-5eca-412f-ba00-4d07a820fe1f" providerId="ADAL" clId="{CC2E105E-BB4D-42C2-B1F2-7BEBE9E9C317}" dt="2020-11-19T14:02:31.414" v="560" actId="20577"/>
           <ac:spMkLst>
             <pc:docMk/>
             <pc:sldMk cId="689929228" sldId="260"/>
@@ -251,7 +247,7 @@
           </ac:spMkLst>
         </pc:spChg>
         <pc:spChg chg="mod">
-          <ac:chgData name="Henrik Løvik Njølstad" userId="778659e2-5eca-412f-ba00-4d07a820fe1f" providerId="ADAL" clId="{CC2E105E-BB4D-42C2-B1F2-7BEBE9E9C317}" dt="2020-11-19T08:45:56.018" v="271" actId="20577"/>
+          <ac:chgData name="Henrik Løvik Njølstad" userId="778659e2-5eca-412f-ba00-4d07a820fe1f" providerId="ADAL" clId="{CC2E105E-BB4D-42C2-B1F2-7BEBE9E9C317}" dt="2020-11-19T14:23:25.657" v="844" actId="2711"/>
           <ac:spMkLst>
             <pc:docMk/>
             <pc:sldMk cId="689929228" sldId="260"/>
@@ -305,20 +301,114 @@
           </ac:spMkLst>
         </pc:spChg>
       </pc:sldChg>
+      <pc:sldChg chg="del">
+        <pc:chgData name="Henrik Løvik Njølstad" userId="778659e2-5eca-412f-ba00-4d07a820fe1f" providerId="ADAL" clId="{CC2E105E-BB4D-42C2-B1F2-7BEBE9E9C317}" dt="2020-11-19T13:55:25.360" v="337" actId="47"/>
+        <pc:sldMkLst>
+          <pc:docMk/>
+          <pc:sldMk cId="1168703115" sldId="263"/>
+        </pc:sldMkLst>
+      </pc:sldChg>
+      <pc:sldChg chg="del">
+        <pc:chgData name="Henrik Løvik Njølstad" userId="778659e2-5eca-412f-ba00-4d07a820fe1f" providerId="ADAL" clId="{CC2E105E-BB4D-42C2-B1F2-7BEBE9E9C317}" dt="2020-11-19T13:55:25.360" v="337" actId="47"/>
+        <pc:sldMkLst>
+          <pc:docMk/>
+          <pc:sldMk cId="1669579861" sldId="264"/>
+        </pc:sldMkLst>
+      </pc:sldChg>
+      <pc:sldChg chg="del">
+        <pc:chgData name="Henrik Løvik Njølstad" userId="778659e2-5eca-412f-ba00-4d07a820fe1f" providerId="ADAL" clId="{CC2E105E-BB4D-42C2-B1F2-7BEBE9E9C317}" dt="2020-11-19T13:55:25.360" v="337" actId="47"/>
+        <pc:sldMkLst>
+          <pc:docMk/>
+          <pc:sldMk cId="3724844384" sldId="266"/>
+        </pc:sldMkLst>
+      </pc:sldChg>
+      <pc:sldChg chg="del">
+        <pc:chgData name="Henrik Løvik Njølstad" userId="778659e2-5eca-412f-ba00-4d07a820fe1f" providerId="ADAL" clId="{CC2E105E-BB4D-42C2-B1F2-7BEBE9E9C317}" dt="2020-11-19T13:55:25.360" v="337" actId="47"/>
+        <pc:sldMkLst>
+          <pc:docMk/>
+          <pc:sldMk cId="107482372" sldId="267"/>
+        </pc:sldMkLst>
+      </pc:sldChg>
       <pc:sldChg chg="modSp mod ord">
-        <pc:chgData name="Henrik Løvik Njølstad" userId="778659e2-5eca-412f-ba00-4d07a820fe1f" providerId="ADAL" clId="{CC2E105E-BB4D-42C2-B1F2-7BEBE9E9C317}" dt="2020-11-19T08:49:22.629" v="327" actId="207"/>
+        <pc:chgData name="Henrik Løvik Njølstad" userId="778659e2-5eca-412f-ba00-4d07a820fe1f" providerId="ADAL" clId="{CC2E105E-BB4D-42C2-B1F2-7BEBE9E9C317}" dt="2020-11-19T14:25:32.524" v="882" actId="20577"/>
         <pc:sldMkLst>
           <pc:docMk/>
           <pc:sldMk cId="1391517458" sldId="268"/>
         </pc:sldMkLst>
         <pc:spChg chg="mod">
-          <ac:chgData name="Henrik Løvik Njølstad" userId="778659e2-5eca-412f-ba00-4d07a820fe1f" providerId="ADAL" clId="{CC2E105E-BB4D-42C2-B1F2-7BEBE9E9C317}" dt="2020-11-19T08:49:22.629" v="327" actId="207"/>
+          <ac:chgData name="Henrik Løvik Njølstad" userId="778659e2-5eca-412f-ba00-4d07a820fe1f" providerId="ADAL" clId="{CC2E105E-BB4D-42C2-B1F2-7BEBE9E9C317}" dt="2020-11-19T14:25:32.524" v="882" actId="20577"/>
           <ac:spMkLst>
             <pc:docMk/>
             <pc:sldMk cId="1391517458" sldId="268"/>
             <ac:spMk id="3" creationId="{18166937-65B3-4DC8-BB43-63584E0D60E0}"/>
           </ac:spMkLst>
         </pc:spChg>
+      </pc:sldChg>
+      <pc:sldChg chg="modSp del mod">
+        <pc:chgData name="Henrik Løvik Njølstad" userId="778659e2-5eca-412f-ba00-4d07a820fe1f" providerId="ADAL" clId="{CC2E105E-BB4D-42C2-B1F2-7BEBE9E9C317}" dt="2020-11-19T14:24:54.962" v="872" actId="47"/>
+        <pc:sldMkLst>
+          <pc:docMk/>
+          <pc:sldMk cId="3516380177" sldId="271"/>
+        </pc:sldMkLst>
+        <pc:spChg chg="mod">
+          <ac:chgData name="Henrik Løvik Njølstad" userId="778659e2-5eca-412f-ba00-4d07a820fe1f" providerId="ADAL" clId="{CC2E105E-BB4D-42C2-B1F2-7BEBE9E9C317}" dt="2020-11-19T14:24:51.669" v="870" actId="21"/>
+          <ac:spMkLst>
+            <pc:docMk/>
+            <pc:sldMk cId="3516380177" sldId="271"/>
+            <ac:spMk id="2" creationId="{C3E6477F-AED9-484F-9621-C53F564119B4}"/>
+          </ac:spMkLst>
+        </pc:spChg>
+      </pc:sldChg>
+      <pc:sldChg chg="del">
+        <pc:chgData name="Henrik Løvik Njølstad" userId="778659e2-5eca-412f-ba00-4d07a820fe1f" providerId="ADAL" clId="{CC2E105E-BB4D-42C2-B1F2-7BEBE9E9C317}" dt="2020-11-19T13:55:25.360" v="337" actId="47"/>
+        <pc:sldMkLst>
+          <pc:docMk/>
+          <pc:sldMk cId="3298582045" sldId="272"/>
+        </pc:sldMkLst>
+      </pc:sldChg>
+      <pc:sldChg chg="del">
+        <pc:chgData name="Henrik Løvik Njølstad" userId="778659e2-5eca-412f-ba00-4d07a820fe1f" providerId="ADAL" clId="{CC2E105E-BB4D-42C2-B1F2-7BEBE9E9C317}" dt="2020-11-19T13:55:25.360" v="337" actId="47"/>
+        <pc:sldMkLst>
+          <pc:docMk/>
+          <pc:sldMk cId="1768192261" sldId="273"/>
+        </pc:sldMkLst>
+      </pc:sldChg>
+      <pc:sldChg chg="del">
+        <pc:chgData name="Henrik Løvik Njølstad" userId="778659e2-5eca-412f-ba00-4d07a820fe1f" providerId="ADAL" clId="{CC2E105E-BB4D-42C2-B1F2-7BEBE9E9C317}" dt="2020-11-19T13:55:25.360" v="337" actId="47"/>
+        <pc:sldMkLst>
+          <pc:docMk/>
+          <pc:sldMk cId="573663063" sldId="274"/>
+        </pc:sldMkLst>
+      </pc:sldChg>
+      <pc:sldChg chg="del">
+        <pc:chgData name="Henrik Løvik Njølstad" userId="778659e2-5eca-412f-ba00-4d07a820fe1f" providerId="ADAL" clId="{CC2E105E-BB4D-42C2-B1F2-7BEBE9E9C317}" dt="2020-11-19T13:55:25.360" v="337" actId="47"/>
+        <pc:sldMkLst>
+          <pc:docMk/>
+          <pc:sldMk cId="3769457134" sldId="275"/>
+        </pc:sldMkLst>
+      </pc:sldChg>
+      <pc:sldChg chg="addSp delSp modSp add del">
+        <pc:chgData name="Henrik Løvik Njølstad" userId="778659e2-5eca-412f-ba00-4d07a820fe1f" providerId="ADAL" clId="{CC2E105E-BB4D-42C2-B1F2-7BEBE9E9C317}" dt="2020-11-19T13:55:43.084" v="341" actId="47"/>
+        <pc:sldMkLst>
+          <pc:docMk/>
+          <pc:sldMk cId="93119560" sldId="276"/>
+        </pc:sldMkLst>
+        <pc:spChg chg="add mod">
+          <ac:chgData name="Henrik Løvik Njølstad" userId="778659e2-5eca-412f-ba00-4d07a820fe1f" providerId="ADAL" clId="{CC2E105E-BB4D-42C2-B1F2-7BEBE9E9C317}" dt="2020-11-19T13:55:39.531" v="340" actId="478"/>
+          <ac:spMkLst>
+            <pc:docMk/>
+            <pc:sldMk cId="93119560" sldId="276"/>
+            <ac:spMk id="3" creationId="{1C719A44-ECEC-4450-83F0-7BEC64CC778F}"/>
+          </ac:spMkLst>
+        </pc:spChg>
+        <pc:picChg chg="del">
+          <ac:chgData name="Henrik Løvik Njølstad" userId="778659e2-5eca-412f-ba00-4d07a820fe1f" providerId="ADAL" clId="{CC2E105E-BB4D-42C2-B1F2-7BEBE9E9C317}" dt="2020-11-19T13:55:39.531" v="340" actId="478"/>
+          <ac:picMkLst>
+            <pc:docMk/>
+            <pc:sldMk cId="93119560" sldId="276"/>
+            <ac:picMk id="1026" creationId="{4B4B2628-42BD-476D-8349-FCA1700EFAD7}"/>
+          </ac:picMkLst>
+        </pc:picChg>
       </pc:sldChg>
       <pc:sldChg chg="addSp delSp modSp mod">
         <pc:chgData name="Henrik Løvik Njølstad" userId="778659e2-5eca-412f-ba00-4d07a820fe1f" providerId="ADAL" clId="{CC2E105E-BB4D-42C2-B1F2-7BEBE9E9C317}" dt="2020-11-19T08:42:48.959" v="125" actId="478"/>
@@ -381,6 +471,120 @@
             <ac:picMk id="1028" creationId="{8046B53F-6BAB-470A-9CD1-26ADB55D3D03}"/>
           </ac:picMkLst>
         </pc:picChg>
+      </pc:sldChg>
+      <pc:sldChg chg="addSp modSp add mod modAnim">
+        <pc:chgData name="Henrik Løvik Njølstad" userId="778659e2-5eca-412f-ba00-4d07a820fe1f" providerId="ADAL" clId="{CC2E105E-BB4D-42C2-B1F2-7BEBE9E9C317}" dt="2020-11-19T14:18:23.166" v="665" actId="1076"/>
+        <pc:sldMkLst>
+          <pc:docMk/>
+          <pc:sldMk cId="657060802" sldId="279"/>
+        </pc:sldMkLst>
+        <pc:spChg chg="mod">
+          <ac:chgData name="Henrik Løvik Njølstad" userId="778659e2-5eca-412f-ba00-4d07a820fe1f" providerId="ADAL" clId="{CC2E105E-BB4D-42C2-B1F2-7BEBE9E9C317}" dt="2020-11-19T14:18:18.904" v="663" actId="1076"/>
+          <ac:spMkLst>
+            <pc:docMk/>
+            <pc:sldMk cId="657060802" sldId="279"/>
+            <ac:spMk id="2" creationId="{C3E6477F-AED9-484F-9621-C53F564119B4}"/>
+          </ac:spMkLst>
+        </pc:spChg>
+        <pc:spChg chg="mod">
+          <ac:chgData name="Henrik Løvik Njølstad" userId="778659e2-5eca-412f-ba00-4d07a820fe1f" providerId="ADAL" clId="{CC2E105E-BB4D-42C2-B1F2-7BEBE9E9C317}" dt="2020-11-19T14:18:20.558" v="664" actId="20577"/>
+          <ac:spMkLst>
+            <pc:docMk/>
+            <pc:sldMk cId="657060802" sldId="279"/>
+            <ac:spMk id="3" creationId="{18166937-65B3-4DC8-BB43-63584E0D60E0}"/>
+          </ac:spMkLst>
+        </pc:spChg>
+        <pc:picChg chg="add mod">
+          <ac:chgData name="Henrik Løvik Njølstad" userId="778659e2-5eca-412f-ba00-4d07a820fe1f" providerId="ADAL" clId="{CC2E105E-BB4D-42C2-B1F2-7BEBE9E9C317}" dt="2020-11-19T14:18:23.166" v="665" actId="1076"/>
+          <ac:picMkLst>
+            <pc:docMk/>
+            <pc:sldMk cId="657060802" sldId="279"/>
+            <ac:picMk id="6" creationId="{07328DD7-7C1F-4ABE-9456-36A31A8C81A4}"/>
+          </ac:picMkLst>
+        </pc:picChg>
+      </pc:sldChg>
+      <pc:sldChg chg="modSp add mod">
+        <pc:chgData name="Henrik Løvik Njølstad" userId="778659e2-5eca-412f-ba00-4d07a820fe1f" providerId="ADAL" clId="{CC2E105E-BB4D-42C2-B1F2-7BEBE9E9C317}" dt="2020-11-19T14:11:43.816" v="643" actId="20577"/>
+        <pc:sldMkLst>
+          <pc:docMk/>
+          <pc:sldMk cId="1957482780" sldId="280"/>
+        </pc:sldMkLst>
+        <pc:spChg chg="mod">
+          <ac:chgData name="Henrik Løvik Njølstad" userId="778659e2-5eca-412f-ba00-4d07a820fe1f" providerId="ADAL" clId="{CC2E105E-BB4D-42C2-B1F2-7BEBE9E9C317}" dt="2020-11-19T14:11:43.816" v="643" actId="20577"/>
+          <ac:spMkLst>
+            <pc:docMk/>
+            <pc:sldMk cId="1957482780" sldId="280"/>
+            <ac:spMk id="3" creationId="{18166937-65B3-4DC8-BB43-63584E0D60E0}"/>
+          </ac:spMkLst>
+        </pc:spChg>
+      </pc:sldChg>
+      <pc:sldChg chg="delSp add">
+        <pc:chgData name="Henrik Løvik Njølstad" userId="778659e2-5eca-412f-ba00-4d07a820fe1f" providerId="ADAL" clId="{CC2E105E-BB4D-42C2-B1F2-7BEBE9E9C317}" dt="2020-11-19T14:17:56.682" v="661" actId="478"/>
+        <pc:sldMkLst>
+          <pc:docMk/>
+          <pc:sldMk cId="3918470979" sldId="281"/>
+        </pc:sldMkLst>
+        <pc:picChg chg="del">
+          <ac:chgData name="Henrik Løvik Njølstad" userId="778659e2-5eca-412f-ba00-4d07a820fe1f" providerId="ADAL" clId="{CC2E105E-BB4D-42C2-B1F2-7BEBE9E9C317}" dt="2020-11-19T14:17:56.682" v="661" actId="478"/>
+          <ac:picMkLst>
+            <pc:docMk/>
+            <pc:sldMk cId="3918470979" sldId="281"/>
+            <ac:picMk id="6" creationId="{07328DD7-7C1F-4ABE-9456-36A31A8C81A4}"/>
+          </ac:picMkLst>
+        </pc:picChg>
+      </pc:sldChg>
+      <pc:sldChg chg="modSp add mod">
+        <pc:chgData name="Henrik Løvik Njølstad" userId="778659e2-5eca-412f-ba00-4d07a820fe1f" providerId="ADAL" clId="{CC2E105E-BB4D-42C2-B1F2-7BEBE9E9C317}" dt="2020-11-19T14:25:43.978" v="885" actId="5793"/>
+        <pc:sldMkLst>
+          <pc:docMk/>
+          <pc:sldMk cId="3783629730" sldId="282"/>
+        </pc:sldMkLst>
+        <pc:spChg chg="mod">
+          <ac:chgData name="Henrik Løvik Njølstad" userId="778659e2-5eca-412f-ba00-4d07a820fe1f" providerId="ADAL" clId="{CC2E105E-BB4D-42C2-B1F2-7BEBE9E9C317}" dt="2020-11-19T14:24:53.346" v="871"/>
+          <ac:spMkLst>
+            <pc:docMk/>
+            <pc:sldMk cId="3783629730" sldId="282"/>
+            <ac:spMk id="2" creationId="{C3E6477F-AED9-484F-9621-C53F564119B4}"/>
+          </ac:spMkLst>
+        </pc:spChg>
+        <pc:spChg chg="mod">
+          <ac:chgData name="Henrik Løvik Njølstad" userId="778659e2-5eca-412f-ba00-4d07a820fe1f" providerId="ADAL" clId="{CC2E105E-BB4D-42C2-B1F2-7BEBE9E9C317}" dt="2020-11-19T14:25:43.978" v="885" actId="5793"/>
+          <ac:spMkLst>
+            <pc:docMk/>
+            <pc:sldMk cId="3783629730" sldId="282"/>
+            <ac:spMk id="3" creationId="{18166937-65B3-4DC8-BB43-63584E0D60E0}"/>
+          </ac:spMkLst>
+        </pc:spChg>
+      </pc:sldChg>
+      <pc:sldChg chg="modSp add mod">
+        <pc:chgData name="Henrik Løvik Njølstad" userId="778659e2-5eca-412f-ba00-4d07a820fe1f" providerId="ADAL" clId="{CC2E105E-BB4D-42C2-B1F2-7BEBE9E9C317}" dt="2020-11-19T14:28:48.615" v="938" actId="20577"/>
+        <pc:sldMkLst>
+          <pc:docMk/>
+          <pc:sldMk cId="699952175" sldId="283"/>
+        </pc:sldMkLst>
+        <pc:spChg chg="mod">
+          <ac:chgData name="Henrik Løvik Njølstad" userId="778659e2-5eca-412f-ba00-4d07a820fe1f" providerId="ADAL" clId="{CC2E105E-BB4D-42C2-B1F2-7BEBE9E9C317}" dt="2020-11-19T14:28:48.615" v="938" actId="20577"/>
+          <ac:spMkLst>
+            <pc:docMk/>
+            <pc:sldMk cId="699952175" sldId="283"/>
+            <ac:spMk id="3" creationId="{18166937-65B3-4DC8-BB43-63584E0D60E0}"/>
+          </ac:spMkLst>
+        </pc:spChg>
+      </pc:sldChg>
+      <pc:sldChg chg="modSp add mod">
+        <pc:chgData name="Henrik Løvik Njølstad" userId="778659e2-5eca-412f-ba00-4d07a820fe1f" providerId="ADAL" clId="{CC2E105E-BB4D-42C2-B1F2-7BEBE9E9C317}" dt="2020-11-20T07:47:27.247" v="1056" actId="14100"/>
+        <pc:sldMkLst>
+          <pc:docMk/>
+          <pc:sldMk cId="1175986555" sldId="284"/>
+        </pc:sldMkLst>
+        <pc:spChg chg="mod">
+          <ac:chgData name="Henrik Løvik Njølstad" userId="778659e2-5eca-412f-ba00-4d07a820fe1f" providerId="ADAL" clId="{CC2E105E-BB4D-42C2-B1F2-7BEBE9E9C317}" dt="2020-11-20T07:47:27.247" v="1056" actId="14100"/>
+          <ac:spMkLst>
+            <pc:docMk/>
+            <pc:sldMk cId="1175986555" sldId="284"/>
+            <ac:spMk id="3" creationId="{18166937-65B3-4DC8-BB43-63584E0D60E0}"/>
+          </ac:spMkLst>
+        </pc:spChg>
       </pc:sldChg>
     </pc:docChg>
   </pc:docChgLst>
@@ -1390,6 +1594,90 @@
 </p:notesMaster>
 </file>
 
+<file path=ppt/notesSlides/notesSlide1.xml><?xml version="1.0" encoding="utf-8"?>
+<p:notes xmlns:a="http://schemas.openxmlformats.org/drawingml/2006/main" xmlns:r="http://schemas.openxmlformats.org/officeDocument/2006/relationships" xmlns:p="http://schemas.openxmlformats.org/presentationml/2006/main">
+  <p:cSld>
+    <p:spTree>
+      <p:nvGrpSpPr>
+        <p:cNvPr id="1" name=""/>
+        <p:cNvGrpSpPr/>
+        <p:nvPr/>
+      </p:nvGrpSpPr>
+      <p:grpSpPr>
+        <a:xfrm>
+          <a:off x="0" y="0"/>
+          <a:ext cx="0" cy="0"/>
+          <a:chOff x="0" y="0"/>
+          <a:chExt cx="0" cy="0"/>
+        </a:xfrm>
+      </p:grpSpPr>
+      <p:sp>
+        <p:nvSpPr>
+          <p:cNvPr id="2" name="Plassholder for lysbilde 1"/>
+          <p:cNvSpPr>
+            <a:spLocks noGrp="1" noRot="1" noChangeAspect="1"/>
+          </p:cNvSpPr>
+          <p:nvPr>
+            <p:ph type="sldImg"/>
+          </p:nvPr>
+        </p:nvSpPr>
+        <p:spPr/>
+      </p:sp>
+      <p:sp>
+        <p:nvSpPr>
+          <p:cNvPr id="3" name="Plassholder for notater 2"/>
+          <p:cNvSpPr>
+            <a:spLocks noGrp="1"/>
+          </p:cNvSpPr>
+          <p:nvPr>
+            <p:ph type="body" idx="1"/>
+          </p:nvPr>
+        </p:nvSpPr>
+        <p:spPr/>
+        <p:txBody>
+          <a:bodyPr/>
+          <a:lstStyle/>
+          <a:p>
+            <a:endParaRPr lang="nb-NO" dirty="0"/>
+          </a:p>
+        </p:txBody>
+      </p:sp>
+      <p:sp>
+        <p:nvSpPr>
+          <p:cNvPr id="4" name="Plassholder for lysbildenummer 3"/>
+          <p:cNvSpPr>
+            <a:spLocks noGrp="1"/>
+          </p:cNvSpPr>
+          <p:nvPr>
+            <p:ph type="sldNum" sz="quarter" idx="5"/>
+          </p:nvPr>
+        </p:nvSpPr>
+        <p:spPr/>
+        <p:txBody>
+          <a:bodyPr/>
+          <a:lstStyle/>
+          <a:p>
+            <a:fld id="{D95B9550-F2AC-4E79-AFA1-DC160CE0C43D}" type="slidenum">
+              <a:rPr lang="nb-NO" smtClean="0"/>
+              <a:t>12</a:t>
+            </a:fld>
+            <a:endParaRPr lang="nb-NO"/>
+          </a:p>
+        </p:txBody>
+      </p:sp>
+    </p:spTree>
+    <p:extLst>
+      <p:ext uri="{BB962C8B-B14F-4D97-AF65-F5344CB8AC3E}">
+        <p14:creationId xmlns:p14="http://schemas.microsoft.com/office/powerpoint/2010/main" val="2749309268"/>
+      </p:ext>
+    </p:extLst>
+  </p:cSld>
+  <p:clrMapOvr>
+    <a:masterClrMapping/>
+  </p:clrMapOvr>
+</p:notes>
+</file>
+
 <file path=ppt/slideLayouts/slideLayout1.xml><?xml version="1.0" encoding="utf-8"?>
 <p:sldLayout xmlns:a="http://schemas.openxmlformats.org/drawingml/2006/main" xmlns:r="http://schemas.openxmlformats.org/officeDocument/2006/relationships" xmlns:p="http://schemas.openxmlformats.org/presentationml/2006/main" preserve="1" userDrawn="1">
   <p:cSld name="Svart og tom">
@@ -8972,7 +9260,7 @@
           <a:p>
             <a:r>
               <a:rPr lang="nb-NO" dirty="0"/>
-              <a:t>fizzbuzz.py</a:t>
+              <a:t>Egendefinerte funksjoner</a:t>
             </a:r>
           </a:p>
         </p:txBody>
@@ -8995,8 +9283,8 @@
         </p:nvSpPr>
         <p:spPr>
           <a:xfrm>
-            <a:off x="838200" y="1572706"/>
-            <a:ext cx="10515600" cy="4351338"/>
+            <a:off x="838200" y="1572705"/>
+            <a:ext cx="11130280" cy="4920169"/>
           </a:xfrm>
         </p:spPr>
         <p:txBody>
@@ -9010,154 +9298,318 @@
             </a:pPr>
             <a:r>
               <a:rPr lang="nb-NO" dirty="0">
+                <a:latin typeface="Consolas" panose="020B0609020204030204" pitchFamily="49" charset="0"/>
+              </a:rPr>
+              <a:t>rundenummer = 1		</a:t>
+            </a:r>
+            <a:r>
+              <a:rPr lang="nb-NO" sz="2600" dirty="0">
                 <a:solidFill>
-                  <a:schemeClr val="bg1">
-                    <a:lumMod val="50000"/>
-                    <a:lumOff val="50000"/>
+                  <a:srgbClr val="48B295"/>
+                </a:solidFill>
+                <a:latin typeface="Consolas" panose="020B0609020204030204" pitchFamily="49" charset="0"/>
+              </a:rPr>
+              <a:t># Definerer variabelen rundenummer</a:t>
+            </a:r>
+          </a:p>
+          <a:p>
+            <a:pPr marL="0" indent="0">
+              <a:buNone/>
+            </a:pPr>
+            <a:r>
+              <a:rPr lang="nb-NO" dirty="0">
+                <a:latin typeface="Consolas" panose="020B0609020204030204" pitchFamily="49" charset="0"/>
+              </a:rPr>
+              <a:t>	</a:t>
+            </a:r>
+            <a:endParaRPr lang="nb-NO" dirty="0"/>
+          </a:p>
+          <a:p>
+            <a:pPr marL="0" indent="0">
+              <a:buNone/>
+            </a:pPr>
+            <a:r>
+              <a:rPr lang="nb-NO" dirty="0" err="1">
+                <a:latin typeface="Consolas" panose="020B0609020204030204" pitchFamily="49" charset="0"/>
+              </a:rPr>
+              <a:t>while</a:t>
+            </a:r>
+            <a:r>
+              <a:rPr lang="nb-NO" dirty="0">
+                <a:latin typeface="Consolas" panose="020B0609020204030204" pitchFamily="49" charset="0"/>
+              </a:rPr>
+              <a:t> rundenummer &lt;= 10: </a:t>
+            </a:r>
+            <a:r>
+              <a:rPr lang="nb-NO" sz="2600" dirty="0">
+                <a:solidFill>
+                  <a:srgbClr val="48B295"/>
+                </a:solidFill>
+                <a:latin typeface="Consolas" panose="020B0609020204030204" pitchFamily="49" charset="0"/>
+              </a:rPr>
+              <a:t># Løkke</a:t>
+            </a:r>
+          </a:p>
+          <a:p>
+            <a:pPr marL="0" indent="0">
+              <a:buNone/>
+            </a:pPr>
+            <a:r>
+              <a:rPr lang="nb-NO" dirty="0"/>
+              <a:t>	</a:t>
+            </a:r>
+            <a:r>
+              <a:rPr lang="nb-NO" dirty="0" err="1">
+                <a:latin typeface="Consolas" panose="020B0609020204030204" pitchFamily="49" charset="0"/>
+              </a:rPr>
+              <a:t>if</a:t>
+            </a:r>
+            <a:r>
+              <a:rPr lang="nb-NO" dirty="0">
+                <a:latin typeface="Consolas" panose="020B0609020204030204" pitchFamily="49" charset="0"/>
+              </a:rPr>
+              <a:t> </a:t>
+            </a:r>
+            <a:r>
+              <a:rPr lang="nb-NO" dirty="0" err="1">
+                <a:latin typeface="Consolas" panose="020B0609020204030204" pitchFamily="49" charset="0"/>
+              </a:rPr>
+              <a:t>ErDeleligMedTo</a:t>
+            </a:r>
+            <a:r>
+              <a:rPr lang="nb-NO" dirty="0">
+                <a:latin typeface="Consolas" panose="020B0609020204030204" pitchFamily="49" charset="0"/>
+              </a:rPr>
+              <a:t>(rundenummer): </a:t>
+            </a:r>
+            <a:r>
+              <a:rPr lang="nb-NO" sz="2600" dirty="0">
+                <a:solidFill>
+                  <a:srgbClr val="48B295"/>
+                </a:solidFill>
+                <a:latin typeface="Consolas" panose="020B0609020204030204" pitchFamily="49" charset="0"/>
+              </a:rPr>
+              <a:t># Vilkår</a:t>
+            </a:r>
+            <a:endParaRPr lang="nb-NO" dirty="0">
+              <a:solidFill>
+                <a:srgbClr val="48B295"/>
+              </a:solidFill>
+            </a:endParaRPr>
+          </a:p>
+          <a:p>
+            <a:pPr marL="914400" lvl="2" indent="0">
+              <a:buNone/>
+            </a:pPr>
+            <a:r>
+              <a:rPr lang="nb-NO" dirty="0"/>
+              <a:t>	</a:t>
+            </a:r>
+            <a:r>
+              <a:rPr lang="nb-NO" sz="2800" dirty="0" err="1">
+                <a:latin typeface="Consolas" panose="020B0609020204030204" pitchFamily="49" charset="0"/>
+              </a:rPr>
+              <a:t>print</a:t>
+            </a:r>
+            <a:r>
+              <a:rPr lang="nb-NO" sz="2800" dirty="0">
+                <a:latin typeface="Consolas" panose="020B0609020204030204" pitchFamily="49" charset="0"/>
+              </a:rPr>
+              <a:t>("FIZZ")</a:t>
+            </a:r>
+            <a:endParaRPr lang="nb-NO" dirty="0">
+              <a:latin typeface="Consolas" panose="020B0609020204030204" pitchFamily="49" charset="0"/>
+            </a:endParaRPr>
+          </a:p>
+          <a:p>
+            <a:pPr marL="0" indent="0">
+              <a:buNone/>
+            </a:pPr>
+            <a:r>
+              <a:rPr lang="nb-NO" dirty="0"/>
+              <a:t>	</a:t>
+            </a:r>
+            <a:r>
+              <a:rPr lang="nb-NO" dirty="0" err="1">
+                <a:latin typeface="Consolas" panose="020B0609020204030204" pitchFamily="49" charset="0"/>
+              </a:rPr>
+              <a:t>if</a:t>
+            </a:r>
+            <a:r>
+              <a:rPr lang="nb-NO" dirty="0">
+                <a:latin typeface="Consolas" panose="020B0609020204030204" pitchFamily="49" charset="0"/>
+              </a:rPr>
+              <a:t> </a:t>
+            </a:r>
+            <a:r>
+              <a:rPr lang="nb-NO" dirty="0" err="1">
+                <a:latin typeface="Consolas" panose="020B0609020204030204" pitchFamily="49" charset="0"/>
+              </a:rPr>
+              <a:t>ErDeleligMedTre</a:t>
+            </a:r>
+            <a:r>
+              <a:rPr lang="nb-NO" dirty="0">
+                <a:latin typeface="Consolas" panose="020B0609020204030204" pitchFamily="49" charset="0"/>
+              </a:rPr>
+              <a:t>(rundenummer): </a:t>
+            </a:r>
+            <a:endParaRPr lang="nb-NO" dirty="0"/>
+          </a:p>
+          <a:p>
+            <a:pPr marL="914400" lvl="2" indent="0">
+              <a:buNone/>
+            </a:pPr>
+            <a:r>
+              <a:rPr lang="nb-NO" dirty="0"/>
+              <a:t>	</a:t>
+            </a:r>
+            <a:r>
+              <a:rPr lang="nb-NO" sz="2800" dirty="0" err="1">
+                <a:latin typeface="Consolas" panose="020B0609020204030204" pitchFamily="49" charset="0"/>
+              </a:rPr>
+              <a:t>print</a:t>
+            </a:r>
+            <a:r>
+              <a:rPr lang="nb-NO" sz="2800" dirty="0">
+                <a:latin typeface="Consolas" panose="020B0609020204030204" pitchFamily="49" charset="0"/>
+              </a:rPr>
+              <a:t>("BUZZ")</a:t>
+            </a:r>
+          </a:p>
+          <a:p>
+            <a:pPr marL="0" indent="0">
+              <a:buNone/>
+            </a:pPr>
+            <a:r>
+              <a:rPr lang="nb-NO" dirty="0"/>
+              <a:t>	</a:t>
+            </a:r>
+            <a:r>
+              <a:rPr lang="nb-NO" dirty="0" err="1">
+                <a:latin typeface="Consolas" panose="020B0609020204030204" pitchFamily="49" charset="0"/>
+              </a:rPr>
+              <a:t>if</a:t>
+            </a:r>
+            <a:r>
+              <a:rPr lang="nb-NO" dirty="0">
+                <a:latin typeface="Consolas" panose="020B0609020204030204" pitchFamily="49" charset="0"/>
+              </a:rPr>
+              <a:t> </a:t>
+            </a:r>
+            <a:r>
+              <a:rPr lang="nb-NO" dirty="0" err="1">
+                <a:latin typeface="Consolas" panose="020B0609020204030204" pitchFamily="49" charset="0"/>
+              </a:rPr>
+              <a:t>ErDeleligMedToOgTre</a:t>
+            </a:r>
+            <a:r>
+              <a:rPr lang="nb-NO" dirty="0">
+                <a:latin typeface="Consolas" panose="020B0609020204030204" pitchFamily="49" charset="0"/>
+              </a:rPr>
+              <a:t>(rundenummer): </a:t>
+            </a:r>
+            <a:endParaRPr lang="nb-NO" dirty="0"/>
+          </a:p>
+          <a:p>
+            <a:pPr marL="914400" lvl="2" indent="0">
+              <a:buNone/>
+            </a:pPr>
+            <a:r>
+              <a:rPr lang="nb-NO" dirty="0"/>
+              <a:t>	</a:t>
+            </a:r>
+            <a:r>
+              <a:rPr lang="nb-NO" sz="2800" dirty="0" err="1">
+                <a:latin typeface="Consolas" panose="020B0609020204030204" pitchFamily="49" charset="0"/>
+              </a:rPr>
+              <a:t>print</a:t>
+            </a:r>
+            <a:r>
+              <a:rPr lang="nb-NO" sz="2800" dirty="0">
+                <a:latin typeface="Consolas" panose="020B0609020204030204" pitchFamily="49" charset="0"/>
+              </a:rPr>
+              <a:t>("FIZZBUZZ")</a:t>
+            </a:r>
+          </a:p>
+          <a:p>
+            <a:pPr marL="0" indent="0">
+              <a:buNone/>
+            </a:pPr>
+            <a:r>
+              <a:rPr lang="nb-NO" dirty="0"/>
+              <a:t>	</a:t>
+            </a:r>
+            <a:r>
+              <a:rPr lang="nb-NO" dirty="0" err="1">
+                <a:latin typeface="Consolas" panose="020B0609020204030204" pitchFamily="49" charset="0"/>
+              </a:rPr>
+              <a:t>else</a:t>
+            </a:r>
+            <a:r>
+              <a:rPr lang="nb-NO" dirty="0">
+                <a:latin typeface="Consolas" panose="020B0609020204030204" pitchFamily="49" charset="0"/>
+              </a:rPr>
+              <a:t>:</a:t>
+            </a:r>
+          </a:p>
+          <a:p>
+            <a:pPr marL="0" indent="0">
+              <a:buNone/>
+            </a:pPr>
+            <a:r>
+              <a:rPr lang="nb-NO" dirty="0"/>
+              <a:t>		</a:t>
+            </a:r>
+            <a:r>
+              <a:rPr lang="nb-NO" sz="2800" dirty="0" err="1">
+                <a:latin typeface="Consolas" panose="020B0609020204030204" pitchFamily="49" charset="0"/>
+              </a:rPr>
+              <a:t>print</a:t>
+            </a:r>
+            <a:r>
+              <a:rPr lang="nb-NO" sz="2800" dirty="0">
+                <a:latin typeface="Consolas" panose="020B0609020204030204" pitchFamily="49" charset="0"/>
+              </a:rPr>
+              <a:t>("rundenummer")</a:t>
+            </a:r>
+          </a:p>
+          <a:p>
+            <a:pPr marL="0" indent="0">
+              <a:buNone/>
+            </a:pPr>
+            <a:r>
+              <a:rPr lang="nb-NO" dirty="0">
+                <a:latin typeface="Consolas" panose="020B0609020204030204" pitchFamily="49" charset="0"/>
+              </a:rPr>
+              <a:t>	rundenummer = rundenummer + 1 </a:t>
+            </a:r>
+            <a:r>
+              <a:rPr lang="nb-NO" sz="2600" dirty="0">
+                <a:solidFill>
+                  <a:schemeClr val="accent1">
+                    <a:lumMod val="60000"/>
+                    <a:lumOff val="40000"/>
                   </a:schemeClr>
                 </a:solidFill>
                 <a:latin typeface="Consolas" panose="020B0609020204030204" pitchFamily="49" charset="0"/>
               </a:rPr>
-              <a:t>rundenummer = 1		</a:t>
-            </a:r>
-            <a:r>
-              <a:rPr lang="nb-NO" sz="2600" dirty="0">
-                <a:solidFill>
-                  <a:schemeClr val="bg1">
-                    <a:lumMod val="50000"/>
-                    <a:lumOff val="50000"/>
-                  </a:schemeClr>
-                </a:solidFill>
-                <a:latin typeface="Consolas" panose="020B0609020204030204" pitchFamily="49" charset="0"/>
-              </a:rPr>
-              <a:t># Definerer variabelen rundenummer</a:t>
-            </a:r>
+              <a:t># redefinerer variabelen</a:t>
+            </a:r>
+            <a:endParaRPr lang="nb-NO" sz="2800" dirty="0">
+              <a:solidFill>
+                <a:schemeClr val="accent1">
+                  <a:lumMod val="60000"/>
+                  <a:lumOff val="40000"/>
+                </a:schemeClr>
+              </a:solidFill>
+              <a:latin typeface="Consolas" panose="020B0609020204030204" pitchFamily="49" charset="0"/>
+            </a:endParaRPr>
           </a:p>
           <a:p>
             <a:pPr marL="0" indent="0">
               <a:buNone/>
             </a:pPr>
-            <a:r>
-              <a:rPr lang="nb-NO" dirty="0">
-                <a:latin typeface="Consolas" panose="020B0609020204030204" pitchFamily="49" charset="0"/>
-              </a:rPr>
-              <a:t>		</a:t>
-            </a:r>
             <a:endParaRPr lang="nb-NO" dirty="0"/>
-          </a:p>
-          <a:p>
-            <a:r>
-              <a:rPr lang="nb-NO" dirty="0"/>
-              <a:t>Vi teller fra 1 til 10 etter tur. </a:t>
-            </a:r>
-          </a:p>
-          <a:p>
-            <a:r>
-              <a:rPr lang="nb-NO" dirty="0">
-                <a:solidFill>
-                  <a:schemeClr val="bg1">
-                    <a:lumMod val="50000"/>
-                    <a:lumOff val="50000"/>
-                  </a:schemeClr>
-                </a:solidFill>
-              </a:rPr>
-              <a:t>Hvis tallet du skal si er delelig med 2:</a:t>
-            </a:r>
-          </a:p>
-          <a:p>
-            <a:pPr lvl="1"/>
-            <a:r>
-              <a:rPr lang="nb-NO" dirty="0">
-                <a:solidFill>
-                  <a:schemeClr val="bg1">
-                    <a:lumMod val="50000"/>
-                    <a:lumOff val="50000"/>
-                  </a:schemeClr>
-                </a:solidFill>
-              </a:rPr>
-              <a:t>Si «FIZZ»</a:t>
-            </a:r>
-          </a:p>
-          <a:p>
-            <a:r>
-              <a:rPr lang="nb-NO" dirty="0">
-                <a:solidFill>
-                  <a:schemeClr val="bg1">
-                    <a:lumMod val="50000"/>
-                    <a:lumOff val="50000"/>
-                  </a:schemeClr>
-                </a:solidFill>
-              </a:rPr>
-              <a:t>Hvis tallet du skal si er delelig med 3:</a:t>
-            </a:r>
-          </a:p>
-          <a:p>
-            <a:pPr lvl="1"/>
-            <a:r>
-              <a:rPr lang="nb-NO" dirty="0">
-                <a:solidFill>
-                  <a:schemeClr val="bg1">
-                    <a:lumMod val="50000"/>
-                    <a:lumOff val="50000"/>
-                  </a:schemeClr>
-                </a:solidFill>
-              </a:rPr>
-              <a:t>Si «BUZZ»</a:t>
-            </a:r>
-          </a:p>
-          <a:p>
-            <a:r>
-              <a:rPr lang="nb-NO" dirty="0">
-                <a:solidFill>
-                  <a:schemeClr val="bg1">
-                    <a:lumMod val="50000"/>
-                    <a:lumOff val="50000"/>
-                  </a:schemeClr>
-                </a:solidFill>
-              </a:rPr>
-              <a:t>Hvis tallet du skal si er delelig med 2 og 3:</a:t>
-            </a:r>
-          </a:p>
-          <a:p>
-            <a:pPr lvl="1"/>
-            <a:r>
-              <a:rPr lang="nb-NO" dirty="0">
-                <a:solidFill>
-                  <a:schemeClr val="bg1">
-                    <a:lumMod val="50000"/>
-                    <a:lumOff val="50000"/>
-                  </a:schemeClr>
-                </a:solidFill>
-              </a:rPr>
-              <a:t>Si «FIZZBUZZ»</a:t>
-            </a:r>
-          </a:p>
-          <a:p>
-            <a:r>
-              <a:rPr lang="nb-NO" dirty="0">
-                <a:solidFill>
-                  <a:schemeClr val="bg1">
-                    <a:lumMod val="50000"/>
-                    <a:lumOff val="50000"/>
-                  </a:schemeClr>
-                </a:solidFill>
-              </a:rPr>
-              <a:t>Ellers:</a:t>
-            </a:r>
-          </a:p>
-          <a:p>
-            <a:pPr lvl="1"/>
-            <a:r>
-              <a:rPr lang="nb-NO" dirty="0">
-                <a:solidFill>
-                  <a:schemeClr val="bg1">
-                    <a:lumMod val="50000"/>
-                    <a:lumOff val="50000"/>
-                  </a:schemeClr>
-                </a:solidFill>
-              </a:rPr>
-              <a:t>Si tallet.</a:t>
-            </a:r>
           </a:p>
           <a:p>
             <a:pPr lvl="1"/>
@@ -9178,7 +9630,7 @@
           <p:cNvPr id="5" name="Footer Placeholder 4">
             <a:extLst>
               <a:ext uri="{FF2B5EF4-FFF2-40B4-BE49-F238E27FC236}">
-                <a16:creationId xmlns:a16="http://schemas.microsoft.com/office/drawing/2014/main" id="{2E7C6A29-4518-43FB-B616-698ECD5554EE}"/>
+                <a16:creationId xmlns:a16="http://schemas.microsoft.com/office/drawing/2014/main" id="{767B00C4-1DF5-40AA-B029-F4C3630E7C6A}"/>
               </a:ext>
             </a:extLst>
           </p:cNvPr>
@@ -9218,7 +9670,7 @@
     </p:spTree>
     <p:extLst>
       <p:ext uri="{BB962C8B-B14F-4D97-AF65-F5344CB8AC3E}">
-        <p14:creationId xmlns:p14="http://schemas.microsoft.com/office/powerpoint/2010/main" val="3298582045"/>
+        <p14:creationId xmlns:p14="http://schemas.microsoft.com/office/powerpoint/2010/main" val="3783629730"/>
       </p:ext>
     </p:extLst>
   </p:cSld>
@@ -9268,7 +9720,7 @@
           <a:p>
             <a:r>
               <a:rPr lang="nb-NO" dirty="0"/>
-              <a:t>fizzbuzz.py</a:t>
+              <a:t>Egendefinerte funksjoner</a:t>
             </a:r>
           </a:p>
         </p:txBody>
@@ -9291,8 +9743,8 @@
         </p:nvSpPr>
         <p:spPr>
           <a:xfrm>
-            <a:off x="838200" y="1572706"/>
-            <a:ext cx="10515600" cy="4351338"/>
+            <a:off x="838200" y="1572705"/>
+            <a:ext cx="11130280" cy="4920169"/>
           </a:xfrm>
         </p:spPr>
         <p:txBody>
@@ -9308,8 +9760,8 @@
               <a:rPr lang="nb-NO" dirty="0">
                 <a:solidFill>
                   <a:schemeClr val="bg1">
-                    <a:lumMod val="50000"/>
-                    <a:lumOff val="50000"/>
+                    <a:lumMod val="75000"/>
+                    <a:lumOff val="25000"/>
                   </a:schemeClr>
                 </a:solidFill>
                 <a:latin typeface="Consolas" panose="020B0609020204030204" pitchFamily="49" charset="0"/>
@@ -9320,8 +9772,8 @@
               <a:rPr lang="nb-NO" sz="2600" dirty="0">
                 <a:solidFill>
                   <a:schemeClr val="bg1">
-                    <a:lumMod val="50000"/>
-                    <a:lumOff val="50000"/>
+                    <a:lumMod val="75000"/>
+                    <a:lumOff val="25000"/>
                   </a:schemeClr>
                 </a:solidFill>
                 <a:latin typeface="Consolas" panose="020B0609020204030204" pitchFamily="49" charset="0"/>
@@ -9335,11 +9787,24 @@
             </a:pPr>
             <a:r>
               <a:rPr lang="nb-NO" dirty="0">
+                <a:solidFill>
+                  <a:schemeClr val="bg1">
+                    <a:lumMod val="75000"/>
+                    <a:lumOff val="25000"/>
+                  </a:schemeClr>
+                </a:solidFill>
                 <a:latin typeface="Consolas" panose="020B0609020204030204" pitchFamily="49" charset="0"/>
               </a:rPr>
               <a:t>	</a:t>
             </a:r>
-            <a:endParaRPr lang="nb-NO" dirty="0"/>
+            <a:endParaRPr lang="nb-NO" dirty="0">
+              <a:solidFill>
+                <a:schemeClr val="bg1">
+                  <a:lumMod val="75000"/>
+                  <a:lumOff val="25000"/>
+                </a:schemeClr>
+              </a:solidFill>
+            </a:endParaRPr>
           </a:p>
           <a:p>
             <a:pPr marL="0" indent="0">
@@ -9347,12 +9812,24 @@
             </a:pPr>
             <a:r>
               <a:rPr lang="nb-NO" dirty="0" err="1">
+                <a:solidFill>
+                  <a:schemeClr val="bg1">
+                    <a:lumMod val="75000"/>
+                    <a:lumOff val="25000"/>
+                  </a:schemeClr>
+                </a:solidFill>
                 <a:latin typeface="Consolas" panose="020B0609020204030204" pitchFamily="49" charset="0"/>
               </a:rPr>
               <a:t>while</a:t>
             </a:r>
             <a:r>
               <a:rPr lang="nb-NO" dirty="0">
+                <a:solidFill>
+                  <a:schemeClr val="bg1">
+                    <a:lumMod val="75000"/>
+                    <a:lumOff val="25000"/>
+                  </a:schemeClr>
+                </a:solidFill>
                 <a:latin typeface="Consolas" panose="020B0609020204030204" pitchFamily="49" charset="0"/>
               </a:rPr>
               <a:t> rundenummer &lt;= 10: </a:t>
@@ -9360,7 +9837,10 @@
             <a:r>
               <a:rPr lang="nb-NO" sz="2600" dirty="0">
                 <a:solidFill>
-                  <a:srgbClr val="48B295"/>
+                  <a:schemeClr val="bg1">
+                    <a:lumMod val="75000"/>
+                    <a:lumOff val="25000"/>
+                  </a:schemeClr>
                 </a:solidFill>
                 <a:latin typeface="Consolas" panose="020B0609020204030204" pitchFamily="49" charset="0"/>
               </a:rPr>
@@ -9368,112 +9848,388 @@
             </a:r>
           </a:p>
           <a:p>
+            <a:pPr marL="0" indent="0">
+              <a:buNone/>
+            </a:pPr>
+            <a:r>
+              <a:rPr lang="nb-NO" dirty="0"/>
+              <a:t>	</a:t>
+            </a:r>
+            <a:r>
+              <a:rPr lang="nb-NO" dirty="0" err="1">
+                <a:solidFill>
+                  <a:schemeClr val="bg1">
+                    <a:lumMod val="75000"/>
+                    <a:lumOff val="25000"/>
+                  </a:schemeClr>
+                </a:solidFill>
+                <a:latin typeface="Consolas" panose="020B0609020204030204" pitchFamily="49" charset="0"/>
+              </a:rPr>
+              <a:t>if</a:t>
+            </a:r>
             <a:r>
               <a:rPr lang="nb-NO" dirty="0">
                 <a:solidFill>
                   <a:schemeClr val="bg1">
-                    <a:lumMod val="50000"/>
-                    <a:lumOff val="50000"/>
+                    <a:lumMod val="75000"/>
+                    <a:lumOff val="25000"/>
+                  </a:schemeClr>
+                </a:solidFill>
+                <a:latin typeface="Consolas" panose="020B0609020204030204" pitchFamily="49" charset="0"/>
+              </a:rPr>
+              <a:t> </a:t>
+            </a:r>
+            <a:r>
+              <a:rPr lang="nb-NO" dirty="0" err="1">
+                <a:latin typeface="Consolas" panose="020B0609020204030204" pitchFamily="49" charset="0"/>
+              </a:rPr>
+              <a:t>ErDeleligMedTo</a:t>
+            </a:r>
+            <a:r>
+              <a:rPr lang="nb-NO" dirty="0">
+                <a:latin typeface="Consolas" panose="020B0609020204030204" pitchFamily="49" charset="0"/>
+              </a:rPr>
+              <a:t>(rundenummer): </a:t>
+            </a:r>
+            <a:r>
+              <a:rPr lang="nb-NO" sz="2600" dirty="0">
+                <a:solidFill>
+                  <a:schemeClr val="bg1">
+                    <a:lumMod val="75000"/>
+                    <a:lumOff val="25000"/>
+                  </a:schemeClr>
+                </a:solidFill>
+                <a:latin typeface="Consolas" panose="020B0609020204030204" pitchFamily="49" charset="0"/>
+              </a:rPr>
+              <a:t># Vilkår</a:t>
+            </a:r>
+            <a:endParaRPr lang="nb-NO" dirty="0">
+              <a:solidFill>
+                <a:schemeClr val="bg1">
+                  <a:lumMod val="75000"/>
+                  <a:lumOff val="25000"/>
+                </a:schemeClr>
+              </a:solidFill>
+            </a:endParaRPr>
+          </a:p>
+          <a:p>
+            <a:pPr marL="914400" lvl="2" indent="0">
+              <a:buNone/>
+            </a:pPr>
+            <a:r>
+              <a:rPr lang="nb-NO" dirty="0"/>
+              <a:t>	</a:t>
+            </a:r>
+            <a:r>
+              <a:rPr lang="nb-NO" sz="2800" dirty="0" err="1">
+                <a:solidFill>
+                  <a:schemeClr val="bg1">
+                    <a:lumMod val="75000"/>
+                    <a:lumOff val="25000"/>
+                  </a:schemeClr>
+                </a:solidFill>
+                <a:latin typeface="Consolas" panose="020B0609020204030204" pitchFamily="49" charset="0"/>
+              </a:rPr>
+              <a:t>print</a:t>
+            </a:r>
+            <a:r>
+              <a:rPr lang="nb-NO" sz="2800" dirty="0">
+                <a:solidFill>
+                  <a:schemeClr val="bg1">
+                    <a:lumMod val="75000"/>
+                    <a:lumOff val="25000"/>
+                  </a:schemeClr>
+                </a:solidFill>
+                <a:latin typeface="Consolas" panose="020B0609020204030204" pitchFamily="49" charset="0"/>
+              </a:rPr>
+              <a:t>("FIZZ")</a:t>
+            </a:r>
+            <a:endParaRPr lang="nb-NO" dirty="0">
+              <a:solidFill>
+                <a:schemeClr val="bg1">
+                  <a:lumMod val="75000"/>
+                  <a:lumOff val="25000"/>
+                </a:schemeClr>
+              </a:solidFill>
+              <a:latin typeface="Consolas" panose="020B0609020204030204" pitchFamily="49" charset="0"/>
+            </a:endParaRPr>
+          </a:p>
+          <a:p>
+            <a:pPr marL="0" indent="0">
+              <a:buNone/>
+            </a:pPr>
+            <a:r>
+              <a:rPr lang="nb-NO" dirty="0"/>
+              <a:t>	</a:t>
+            </a:r>
+            <a:r>
+              <a:rPr lang="nb-NO" dirty="0" err="1">
+                <a:solidFill>
+                  <a:schemeClr val="bg1">
+                    <a:lumMod val="75000"/>
+                    <a:lumOff val="25000"/>
+                  </a:schemeClr>
+                </a:solidFill>
+                <a:latin typeface="Consolas" panose="020B0609020204030204" pitchFamily="49" charset="0"/>
+              </a:rPr>
+              <a:t>if</a:t>
+            </a:r>
+            <a:r>
+              <a:rPr lang="nb-NO" dirty="0">
+                <a:latin typeface="Consolas" panose="020B0609020204030204" pitchFamily="49" charset="0"/>
+              </a:rPr>
+              <a:t> </a:t>
+            </a:r>
+            <a:r>
+              <a:rPr lang="nb-NO" dirty="0" err="1">
+                <a:latin typeface="Consolas" panose="020B0609020204030204" pitchFamily="49" charset="0"/>
+              </a:rPr>
+              <a:t>ErDeleligMedTre</a:t>
+            </a:r>
+            <a:r>
+              <a:rPr lang="nb-NO" dirty="0">
+                <a:latin typeface="Consolas" panose="020B0609020204030204" pitchFamily="49" charset="0"/>
+              </a:rPr>
+              <a:t>(rundenummer): </a:t>
+            </a:r>
+            <a:endParaRPr lang="nb-NO" dirty="0"/>
+          </a:p>
+          <a:p>
+            <a:pPr marL="914400" lvl="2" indent="0">
+              <a:buNone/>
+            </a:pPr>
+            <a:r>
+              <a:rPr lang="nb-NO" dirty="0"/>
+              <a:t>	</a:t>
+            </a:r>
+            <a:r>
+              <a:rPr lang="nb-NO" sz="2800" dirty="0" err="1">
+                <a:solidFill>
+                  <a:schemeClr val="bg1">
+                    <a:lumMod val="75000"/>
+                    <a:lumOff val="25000"/>
+                  </a:schemeClr>
+                </a:solidFill>
+                <a:latin typeface="Consolas" panose="020B0609020204030204" pitchFamily="49" charset="0"/>
+              </a:rPr>
+              <a:t>print</a:t>
+            </a:r>
+            <a:r>
+              <a:rPr lang="nb-NO" sz="2800" dirty="0">
+                <a:solidFill>
+                  <a:schemeClr val="bg1">
+                    <a:lumMod val="75000"/>
+                    <a:lumOff val="25000"/>
+                  </a:schemeClr>
+                </a:solidFill>
+                <a:latin typeface="Consolas" panose="020B0609020204030204" pitchFamily="49" charset="0"/>
+              </a:rPr>
+              <a:t>("BUZZ")</a:t>
+            </a:r>
+          </a:p>
+          <a:p>
+            <a:pPr marL="0" indent="0">
+              <a:buNone/>
+            </a:pPr>
+            <a:r>
+              <a:rPr lang="nb-NO" dirty="0"/>
+              <a:t>	</a:t>
+            </a:r>
+            <a:r>
+              <a:rPr lang="nb-NO" dirty="0" err="1">
+                <a:solidFill>
+                  <a:schemeClr val="bg1">
+                    <a:lumMod val="75000"/>
+                    <a:lumOff val="25000"/>
+                  </a:schemeClr>
+                </a:solidFill>
+                <a:latin typeface="Consolas" panose="020B0609020204030204" pitchFamily="49" charset="0"/>
+              </a:rPr>
+              <a:t>if</a:t>
+            </a:r>
+            <a:r>
+              <a:rPr lang="nb-NO" dirty="0">
+                <a:latin typeface="Consolas" panose="020B0609020204030204" pitchFamily="49" charset="0"/>
+              </a:rPr>
+              <a:t> </a:t>
+            </a:r>
+            <a:r>
+              <a:rPr lang="nb-NO" dirty="0" err="1">
+                <a:latin typeface="Consolas" panose="020B0609020204030204" pitchFamily="49" charset="0"/>
+              </a:rPr>
+              <a:t>ErDeleligMedToOgTre</a:t>
+            </a:r>
+            <a:r>
+              <a:rPr lang="nb-NO" dirty="0">
+                <a:latin typeface="Consolas" panose="020B0609020204030204" pitchFamily="49" charset="0"/>
+              </a:rPr>
+              <a:t>(rundenummer):</a:t>
+            </a:r>
+            <a:endParaRPr lang="nb-NO" dirty="0"/>
+          </a:p>
+          <a:p>
+            <a:pPr marL="914400" lvl="2" indent="0">
+              <a:buNone/>
+            </a:pPr>
+            <a:r>
+              <a:rPr lang="nb-NO" dirty="0">
+                <a:solidFill>
+                  <a:schemeClr val="bg1">
+                    <a:lumMod val="75000"/>
+                    <a:lumOff val="25000"/>
                   </a:schemeClr>
                 </a:solidFill>
               </a:rPr>
-              <a:t>Hvis tallet du skal si er delelig med 2:</a:t>
-            </a:r>
-          </a:p>
-          <a:p>
-            <a:pPr lvl="1"/>
+              <a:t>	</a:t>
+            </a:r>
+            <a:r>
+              <a:rPr lang="nb-NO" sz="2800" dirty="0" err="1">
+                <a:solidFill>
+                  <a:schemeClr val="bg1">
+                    <a:lumMod val="75000"/>
+                    <a:lumOff val="25000"/>
+                  </a:schemeClr>
+                </a:solidFill>
+                <a:latin typeface="Consolas" panose="020B0609020204030204" pitchFamily="49" charset="0"/>
+              </a:rPr>
+              <a:t>print</a:t>
+            </a:r>
+            <a:r>
+              <a:rPr lang="nb-NO" sz="2800" dirty="0">
+                <a:solidFill>
+                  <a:schemeClr val="bg1">
+                    <a:lumMod val="75000"/>
+                    <a:lumOff val="25000"/>
+                  </a:schemeClr>
+                </a:solidFill>
+                <a:latin typeface="Consolas" panose="020B0609020204030204" pitchFamily="49" charset="0"/>
+              </a:rPr>
+              <a:t>("FIZZBUZZ")</a:t>
+            </a:r>
+          </a:p>
+          <a:p>
+            <a:pPr marL="0" indent="0">
+              <a:buNone/>
+            </a:pPr>
             <a:r>
               <a:rPr lang="nb-NO" dirty="0">
                 <a:solidFill>
                   <a:schemeClr val="bg1">
-                    <a:lumMod val="50000"/>
-                    <a:lumOff val="50000"/>
+                    <a:lumMod val="75000"/>
+                    <a:lumOff val="25000"/>
                   </a:schemeClr>
                 </a:solidFill>
               </a:rPr>
-              <a:t>Si «FIZZ»</a:t>
-            </a:r>
-          </a:p>
-          <a:p>
+              <a:t>	</a:t>
+            </a:r>
+            <a:r>
+              <a:rPr lang="nb-NO" dirty="0" err="1">
+                <a:solidFill>
+                  <a:schemeClr val="bg1">
+                    <a:lumMod val="75000"/>
+                    <a:lumOff val="25000"/>
+                  </a:schemeClr>
+                </a:solidFill>
+                <a:latin typeface="Consolas" panose="020B0609020204030204" pitchFamily="49" charset="0"/>
+              </a:rPr>
+              <a:t>else</a:t>
+            </a:r>
             <a:r>
               <a:rPr lang="nb-NO" dirty="0">
                 <a:solidFill>
                   <a:schemeClr val="bg1">
-                    <a:lumMod val="50000"/>
-                    <a:lumOff val="50000"/>
+                    <a:lumMod val="75000"/>
+                    <a:lumOff val="25000"/>
+                  </a:schemeClr>
+                </a:solidFill>
+                <a:latin typeface="Consolas" panose="020B0609020204030204" pitchFamily="49" charset="0"/>
+              </a:rPr>
+              <a:t>:</a:t>
+            </a:r>
+          </a:p>
+          <a:p>
+            <a:pPr marL="0" indent="0">
+              <a:buNone/>
+            </a:pPr>
+            <a:r>
+              <a:rPr lang="nb-NO" dirty="0">
+                <a:solidFill>
+                  <a:schemeClr val="bg1">
+                    <a:lumMod val="75000"/>
+                    <a:lumOff val="25000"/>
                   </a:schemeClr>
                 </a:solidFill>
               </a:rPr>
-              <a:t>Hvis tallet du skal si er delelig med 3:</a:t>
-            </a:r>
-          </a:p>
-          <a:p>
-            <a:pPr lvl="1"/>
+              <a:t>		</a:t>
+            </a:r>
+            <a:r>
+              <a:rPr lang="nb-NO" sz="2800" dirty="0" err="1">
+                <a:solidFill>
+                  <a:schemeClr val="bg1">
+                    <a:lumMod val="75000"/>
+                    <a:lumOff val="25000"/>
+                  </a:schemeClr>
+                </a:solidFill>
+                <a:latin typeface="Consolas" panose="020B0609020204030204" pitchFamily="49" charset="0"/>
+              </a:rPr>
+              <a:t>print</a:t>
+            </a:r>
+            <a:r>
+              <a:rPr lang="nb-NO" sz="2800" dirty="0">
+                <a:solidFill>
+                  <a:schemeClr val="bg1">
+                    <a:lumMod val="75000"/>
+                    <a:lumOff val="25000"/>
+                  </a:schemeClr>
+                </a:solidFill>
+                <a:latin typeface="Consolas" panose="020B0609020204030204" pitchFamily="49" charset="0"/>
+              </a:rPr>
+              <a:t>("rundenummer")</a:t>
+            </a:r>
+          </a:p>
+          <a:p>
+            <a:pPr marL="0" indent="0">
+              <a:buNone/>
+            </a:pPr>
             <a:r>
               <a:rPr lang="nb-NO" dirty="0">
                 <a:solidFill>
                   <a:schemeClr val="bg1">
-                    <a:lumMod val="50000"/>
-                    <a:lumOff val="50000"/>
+                    <a:lumMod val="75000"/>
+                    <a:lumOff val="25000"/>
                   </a:schemeClr>
                 </a:solidFill>
+                <a:latin typeface="Consolas" panose="020B0609020204030204" pitchFamily="49" charset="0"/>
               </a:rPr>
-              <a:t>Si «BUZZ»</a:t>
-            </a:r>
-          </a:p>
-          <a:p>
-            <a:r>
-              <a:rPr lang="nb-NO" dirty="0">
+              <a:t>	rundenummer = rundenummer + 1 </a:t>
+            </a:r>
+            <a:r>
+              <a:rPr lang="nb-NO" sz="2600" dirty="0">
                 <a:solidFill>
                   <a:schemeClr val="bg1">
-                    <a:lumMod val="50000"/>
-                    <a:lumOff val="50000"/>
+                    <a:lumMod val="75000"/>
+                    <a:lumOff val="25000"/>
                   </a:schemeClr>
                 </a:solidFill>
+                <a:latin typeface="Consolas" panose="020B0609020204030204" pitchFamily="49" charset="0"/>
               </a:rPr>
-              <a:t>Hvis tallet du skal si er delelig med 2 og 3:</a:t>
-            </a:r>
-          </a:p>
-          <a:p>
-            <a:pPr lvl="1"/>
-            <a:r>
-              <a:rPr lang="nb-NO" dirty="0">
-                <a:solidFill>
-                  <a:schemeClr val="bg1">
-                    <a:lumMod val="50000"/>
-                    <a:lumOff val="50000"/>
-                  </a:schemeClr>
-                </a:solidFill>
-              </a:rPr>
-              <a:t>Si «FIZZBUZZ»</a:t>
-            </a:r>
-          </a:p>
-          <a:p>
-            <a:r>
-              <a:rPr lang="nb-NO" dirty="0">
-                <a:solidFill>
-                  <a:schemeClr val="bg1">
-                    <a:lumMod val="50000"/>
-                    <a:lumOff val="50000"/>
-                  </a:schemeClr>
-                </a:solidFill>
-              </a:rPr>
-              <a:t>Ellers:</a:t>
-            </a:r>
-          </a:p>
-          <a:p>
-            <a:pPr lvl="1"/>
-            <a:r>
-              <a:rPr lang="nb-NO" dirty="0">
-                <a:solidFill>
-                  <a:schemeClr val="bg1">
-                    <a:lumMod val="50000"/>
-                    <a:lumOff val="50000"/>
-                  </a:schemeClr>
-                </a:solidFill>
-              </a:rPr>
-              <a:t>Si tallet.</a:t>
-            </a:r>
+              <a:t># redefinerer variabelen</a:t>
+            </a:r>
+            <a:endParaRPr lang="nb-NO" sz="2800" dirty="0">
+              <a:solidFill>
+                <a:schemeClr val="bg1">
+                  <a:lumMod val="75000"/>
+                  <a:lumOff val="25000"/>
+                </a:schemeClr>
+              </a:solidFill>
+              <a:latin typeface="Consolas" panose="020B0609020204030204" pitchFamily="49" charset="0"/>
+            </a:endParaRPr>
+          </a:p>
+          <a:p>
+            <a:pPr marL="0" indent="0">
+              <a:buNone/>
+            </a:pPr>
+            <a:endParaRPr lang="nb-NO" dirty="0"/>
           </a:p>
           <a:p>
             <a:pPr lvl="1"/>
@@ -9494,7 +10250,7 @@
           <p:cNvPr id="5" name="Footer Placeholder 4">
             <a:extLst>
               <a:ext uri="{FF2B5EF4-FFF2-40B4-BE49-F238E27FC236}">
-                <a16:creationId xmlns:a16="http://schemas.microsoft.com/office/drawing/2014/main" id="{10DBAB81-3814-4563-BED3-569BCE962398}"/>
+                <a16:creationId xmlns:a16="http://schemas.microsoft.com/office/drawing/2014/main" id="{767B00C4-1DF5-40AA-B029-F4C3630E7C6A}"/>
               </a:ext>
             </a:extLst>
           </p:cNvPr>
@@ -9534,7 +10290,7 @@
     </p:spTree>
     <p:extLst>
       <p:ext uri="{BB962C8B-B14F-4D97-AF65-F5344CB8AC3E}">
-        <p14:creationId xmlns:p14="http://schemas.microsoft.com/office/powerpoint/2010/main" val="1669579861"/>
+        <p14:creationId xmlns:p14="http://schemas.microsoft.com/office/powerpoint/2010/main" val="699952175"/>
       </p:ext>
     </p:extLst>
   </p:cSld>
@@ -9584,7 +10340,7 @@
           <a:p>
             <a:r>
               <a:rPr lang="nb-NO" dirty="0"/>
-              <a:t>fizzbuzz.py</a:t>
+              <a:t>Egendefinerte funksjoner</a:t>
             </a:r>
           </a:p>
         </p:txBody>
@@ -9607,13 +10363,13 @@
         </p:nvSpPr>
         <p:spPr>
           <a:xfrm>
-            <a:off x="838200" y="1572706"/>
-            <a:ext cx="10515600" cy="4351338"/>
+            <a:off x="838200" y="1572705"/>
+            <a:ext cx="11130280" cy="4370895"/>
           </a:xfrm>
         </p:spPr>
         <p:txBody>
           <a:bodyPr>
-            <a:normAutofit fontScale="92500" lnSpcReduction="20000"/>
+            <a:normAutofit/>
           </a:bodyPr>
           <a:lstStyle/>
           <a:p>
@@ -9621,180 +10377,177 @@
               <a:buNone/>
             </a:pPr>
             <a:r>
+              <a:rPr lang="nb-NO" dirty="0" err="1">
+                <a:solidFill>
+                  <a:srgbClr val="C44026"/>
+                </a:solidFill>
+                <a:latin typeface="Consolas" panose="020B0609020204030204" pitchFamily="49" charset="0"/>
+              </a:rPr>
+              <a:t>def</a:t>
+            </a:r>
+            <a:r>
+              <a:rPr lang="nb-NO" dirty="0">
+                <a:latin typeface="Consolas" panose="020B0609020204030204" pitchFamily="49" charset="0"/>
+              </a:rPr>
+              <a:t> </a:t>
+            </a:r>
+            <a:r>
+              <a:rPr lang="nb-NO" dirty="0" err="1">
+                <a:solidFill>
+                  <a:srgbClr val="9751CB"/>
+                </a:solidFill>
+                <a:latin typeface="Consolas" panose="020B0609020204030204" pitchFamily="49" charset="0"/>
+              </a:rPr>
+              <a:t>ErDeleligMedTo</a:t>
+            </a:r>
+            <a:r>
+              <a:rPr lang="nb-NO" dirty="0">
+                <a:latin typeface="Consolas" panose="020B0609020204030204" pitchFamily="49" charset="0"/>
+              </a:rPr>
+              <a:t>(rundenummer):</a:t>
+            </a:r>
+          </a:p>
+          <a:p>
+            <a:pPr marL="0" indent="0">
+              <a:buNone/>
+            </a:pPr>
+            <a:r>
+              <a:rPr lang="nb-NO" dirty="0">
+                <a:latin typeface="Consolas" panose="020B0609020204030204" pitchFamily="49" charset="0"/>
+              </a:rPr>
+              <a:t>	</a:t>
+            </a:r>
+            <a:r>
+              <a:rPr lang="nb-NO" dirty="0" err="1">
+                <a:solidFill>
+                  <a:srgbClr val="C44026"/>
+                </a:solidFill>
+                <a:latin typeface="Consolas" panose="020B0609020204030204" pitchFamily="49" charset="0"/>
+              </a:rPr>
+              <a:t>if</a:t>
+            </a:r>
+            <a:r>
+              <a:rPr lang="nb-NO" dirty="0">
+                <a:latin typeface="Consolas" panose="020B0609020204030204" pitchFamily="49" charset="0"/>
+              </a:rPr>
+              <a:t> rundenummer % 2 == 0:</a:t>
+            </a:r>
+          </a:p>
+          <a:p>
+            <a:pPr marL="0" indent="0">
+              <a:buNone/>
+            </a:pPr>
+            <a:r>
+              <a:rPr lang="nb-NO" dirty="0">
+                <a:latin typeface="Consolas" panose="020B0609020204030204" pitchFamily="49" charset="0"/>
+              </a:rPr>
+              <a:t>		</a:t>
+            </a:r>
+            <a:r>
+              <a:rPr lang="nb-NO" dirty="0" err="1">
+                <a:solidFill>
+                  <a:srgbClr val="C44026"/>
+                </a:solidFill>
+                <a:latin typeface="Consolas" panose="020B0609020204030204" pitchFamily="49" charset="0"/>
+              </a:rPr>
+              <a:t>return</a:t>
+            </a:r>
+            <a:r>
+              <a:rPr lang="nb-NO" dirty="0">
+                <a:latin typeface="Consolas" panose="020B0609020204030204" pitchFamily="49" charset="0"/>
+              </a:rPr>
+              <a:t> </a:t>
+            </a:r>
+            <a:r>
               <a:rPr lang="nb-NO" dirty="0">
                 <a:solidFill>
-                  <a:schemeClr val="bg1">
-                    <a:lumMod val="50000"/>
-                    <a:lumOff val="50000"/>
+                  <a:schemeClr val="accent4">
+                    <a:lumMod val="60000"/>
+                    <a:lumOff val="40000"/>
                   </a:schemeClr>
                 </a:solidFill>
                 <a:latin typeface="Consolas" panose="020B0609020204030204" pitchFamily="49" charset="0"/>
               </a:rPr>
-              <a:t>rundenummer = 1		</a:t>
-            </a:r>
-            <a:r>
-              <a:rPr lang="nb-NO" sz="2600" dirty="0">
+              <a:t>True</a:t>
+            </a:r>
+          </a:p>
+          <a:p>
+            <a:pPr marL="0" indent="0">
+              <a:buNone/>
+            </a:pPr>
+            <a:r>
+              <a:rPr lang="nb-NO" dirty="0">
+                <a:latin typeface="Consolas" panose="020B0609020204030204" pitchFamily="49" charset="0"/>
+              </a:rPr>
+              <a:t>	</a:t>
+            </a:r>
+            <a:r>
+              <a:rPr lang="nb-NO" dirty="0" err="1">
                 <a:solidFill>
-                  <a:schemeClr val="bg1">
-                    <a:lumMod val="50000"/>
-                    <a:lumOff val="50000"/>
+                  <a:srgbClr val="C44026"/>
+                </a:solidFill>
+                <a:latin typeface="Consolas" panose="020B0609020204030204" pitchFamily="49" charset="0"/>
+              </a:rPr>
+              <a:t>else</a:t>
+            </a:r>
+            <a:r>
+              <a:rPr lang="nb-NO" dirty="0">
+                <a:latin typeface="Consolas" panose="020B0609020204030204" pitchFamily="49" charset="0"/>
+              </a:rPr>
+              <a:t>:</a:t>
+            </a:r>
+          </a:p>
+          <a:p>
+            <a:pPr marL="0" indent="0">
+              <a:buNone/>
+            </a:pPr>
+            <a:r>
+              <a:rPr lang="nb-NO" dirty="0">
+                <a:solidFill>
+                  <a:srgbClr val="C44026"/>
+                </a:solidFill>
+                <a:latin typeface="Consolas" panose="020B0609020204030204" pitchFamily="49" charset="0"/>
+              </a:rPr>
+              <a:t>		</a:t>
+            </a:r>
+            <a:r>
+              <a:rPr lang="nb-NO" dirty="0" err="1">
+                <a:solidFill>
+                  <a:srgbClr val="C44026"/>
+                </a:solidFill>
+                <a:latin typeface="Consolas" panose="020B0609020204030204" pitchFamily="49" charset="0"/>
+              </a:rPr>
+              <a:t>return</a:t>
+            </a:r>
+            <a:r>
+              <a:rPr lang="nb-NO" dirty="0">
+                <a:solidFill>
+                  <a:srgbClr val="C44026"/>
+                </a:solidFill>
+                <a:latin typeface="Consolas" panose="020B0609020204030204" pitchFamily="49" charset="0"/>
+              </a:rPr>
+              <a:t> </a:t>
+            </a:r>
+            <a:r>
+              <a:rPr lang="nb-NO" dirty="0">
+                <a:solidFill>
+                  <a:schemeClr val="accent4">
+                    <a:lumMod val="60000"/>
+                    <a:lumOff val="40000"/>
                   </a:schemeClr>
                 </a:solidFill>
                 <a:latin typeface="Consolas" panose="020B0609020204030204" pitchFamily="49" charset="0"/>
               </a:rPr>
-              <a:t># Definerer variabelen rundenummer</a:t>
-            </a:r>
-          </a:p>
-          <a:p>
-            <a:pPr marL="0" indent="0">
-              <a:buNone/>
-            </a:pPr>
-            <a:r>
-              <a:rPr lang="nb-NO" dirty="0">
-                <a:latin typeface="Consolas" panose="020B0609020204030204" pitchFamily="49" charset="0"/>
-              </a:rPr>
-              <a:t>	</a:t>
-            </a:r>
-            <a:endParaRPr lang="nb-NO" dirty="0"/>
-          </a:p>
-          <a:p>
-            <a:pPr marL="0" indent="0">
-              <a:buNone/>
-            </a:pPr>
-            <a:r>
-              <a:rPr lang="nb-NO" dirty="0" err="1">
-                <a:solidFill>
-                  <a:schemeClr val="bg1">
-                    <a:lumMod val="50000"/>
-                    <a:lumOff val="50000"/>
-                  </a:schemeClr>
-                </a:solidFill>
-                <a:latin typeface="Consolas" panose="020B0609020204030204" pitchFamily="49" charset="0"/>
-              </a:rPr>
-              <a:t>while</a:t>
-            </a:r>
-            <a:r>
-              <a:rPr lang="nb-NO" dirty="0">
-                <a:solidFill>
-                  <a:schemeClr val="bg1">
-                    <a:lumMod val="50000"/>
-                    <a:lumOff val="50000"/>
-                  </a:schemeClr>
-                </a:solidFill>
-                <a:latin typeface="Consolas" panose="020B0609020204030204" pitchFamily="49" charset="0"/>
-              </a:rPr>
-              <a:t> rundenummer &lt;= 10: </a:t>
-            </a:r>
-            <a:r>
-              <a:rPr lang="nb-NO" sz="2600" dirty="0">
-                <a:solidFill>
-                  <a:schemeClr val="bg1">
-                    <a:lumMod val="50000"/>
-                    <a:lumOff val="50000"/>
-                  </a:schemeClr>
-                </a:solidFill>
-                <a:latin typeface="Consolas" panose="020B0609020204030204" pitchFamily="49" charset="0"/>
-              </a:rPr>
-              <a:t># Løkke</a:t>
-            </a:r>
-          </a:p>
-          <a:p>
-            <a:r>
-              <a:rPr lang="nb-NO" dirty="0"/>
-              <a:t>Hvis tallet du skal si er delelig med 2:</a:t>
-            </a:r>
-          </a:p>
-          <a:p>
-            <a:pPr lvl="1"/>
-            <a:r>
-              <a:rPr lang="nb-NO" dirty="0"/>
-              <a:t>Si «FIZZ»</a:t>
-            </a:r>
-          </a:p>
-          <a:p>
-            <a:r>
-              <a:rPr lang="nb-NO" dirty="0">
-                <a:solidFill>
-                  <a:schemeClr val="bg1">
-                    <a:lumMod val="50000"/>
-                    <a:lumOff val="50000"/>
-                  </a:schemeClr>
-                </a:solidFill>
-              </a:rPr>
-              <a:t>Hvis tallet du skal si er delelig med 3:</a:t>
-            </a:r>
-          </a:p>
-          <a:p>
-            <a:pPr lvl="1"/>
-            <a:r>
-              <a:rPr lang="nb-NO" dirty="0">
-                <a:solidFill>
-                  <a:schemeClr val="bg1">
-                    <a:lumMod val="50000"/>
-                    <a:lumOff val="50000"/>
-                  </a:schemeClr>
-                </a:solidFill>
-              </a:rPr>
-              <a:t>Si «BUZZ»</a:t>
-            </a:r>
-          </a:p>
-          <a:p>
-            <a:r>
-              <a:rPr lang="nb-NO" dirty="0">
-                <a:solidFill>
-                  <a:schemeClr val="bg1">
-                    <a:lumMod val="50000"/>
-                    <a:lumOff val="50000"/>
-                  </a:schemeClr>
-                </a:solidFill>
-              </a:rPr>
-              <a:t>Hvis tallet du skal si er delelig med 2 og 3:</a:t>
-            </a:r>
-          </a:p>
-          <a:p>
-            <a:pPr lvl="1"/>
-            <a:r>
-              <a:rPr lang="nb-NO" dirty="0">
-                <a:solidFill>
-                  <a:schemeClr val="bg1">
-                    <a:lumMod val="50000"/>
-                    <a:lumOff val="50000"/>
-                  </a:schemeClr>
-                </a:solidFill>
-              </a:rPr>
-              <a:t>Si «FIZZBUZZ»</a:t>
-            </a:r>
-          </a:p>
-          <a:p>
-            <a:r>
-              <a:rPr lang="nb-NO" dirty="0">
-                <a:solidFill>
-                  <a:schemeClr val="bg1">
-                    <a:lumMod val="50000"/>
-                    <a:lumOff val="50000"/>
-                  </a:schemeClr>
-                </a:solidFill>
-              </a:rPr>
-              <a:t>Ellers:</a:t>
-            </a:r>
-          </a:p>
-          <a:p>
-            <a:pPr lvl="1"/>
-            <a:r>
-              <a:rPr lang="nb-NO" dirty="0">
-                <a:solidFill>
-                  <a:schemeClr val="bg1">
-                    <a:lumMod val="50000"/>
-                    <a:lumOff val="50000"/>
-                  </a:schemeClr>
-                </a:solidFill>
-              </a:rPr>
-              <a:t>Si tallet.</a:t>
-            </a:r>
-          </a:p>
-          <a:p>
-            <a:pPr lvl="1"/>
-            <a:endParaRPr lang="nb-NO" dirty="0"/>
+              <a:t>False</a:t>
+            </a:r>
+            <a:endParaRPr lang="nb-NO" dirty="0">
+              <a:solidFill>
+                <a:schemeClr val="accent4">
+                  <a:lumMod val="60000"/>
+                  <a:lumOff val="40000"/>
+                </a:schemeClr>
+              </a:solidFill>
+            </a:endParaRPr>
           </a:p>
           <a:p>
             <a:pPr lvl="1"/>
@@ -9811,7 +10564,7 @@
           <p:cNvPr id="5" name="Footer Placeholder 4">
             <a:extLst>
               <a:ext uri="{FF2B5EF4-FFF2-40B4-BE49-F238E27FC236}">
-                <a16:creationId xmlns:a16="http://schemas.microsoft.com/office/drawing/2014/main" id="{FAC8CAAC-AE7C-4431-8415-1EAE49B7BCFA}"/>
+                <a16:creationId xmlns:a16="http://schemas.microsoft.com/office/drawing/2014/main" id="{767B00C4-1DF5-40AA-B029-F4C3630E7C6A}"/>
               </a:ext>
             </a:extLst>
           </p:cNvPr>
@@ -9851,7 +10604,7 @@
     </p:spTree>
     <p:extLst>
       <p:ext uri="{BB962C8B-B14F-4D97-AF65-F5344CB8AC3E}">
-        <p14:creationId xmlns:p14="http://schemas.microsoft.com/office/powerpoint/2010/main" val="1768192261"/>
+        <p14:creationId xmlns:p14="http://schemas.microsoft.com/office/powerpoint/2010/main" val="1175986555"/>
       </p:ext>
     </p:extLst>
   </p:cSld>
@@ -9862,1473 +10615,6 @@
 </file>
 
 <file path=ppt/slides/slide13.xml><?xml version="1.0" encoding="utf-8"?>
-<p:sld xmlns:a="http://schemas.openxmlformats.org/drawingml/2006/main" xmlns:r="http://schemas.openxmlformats.org/officeDocument/2006/relationships" xmlns:p="http://schemas.openxmlformats.org/presentationml/2006/main">
-  <p:cSld>
-    <p:spTree>
-      <p:nvGrpSpPr>
-        <p:cNvPr id="1" name=""/>
-        <p:cNvGrpSpPr/>
-        <p:nvPr/>
-      </p:nvGrpSpPr>
-      <p:grpSpPr>
-        <a:xfrm>
-          <a:off x="0" y="0"/>
-          <a:ext cx="0" cy="0"/>
-          <a:chOff x="0" y="0"/>
-          <a:chExt cx="0" cy="0"/>
-        </a:xfrm>
-      </p:grpSpPr>
-      <p:sp>
-        <p:nvSpPr>
-          <p:cNvPr id="2" name="Tittel 1">
-            <a:extLst>
-              <a:ext uri="{FF2B5EF4-FFF2-40B4-BE49-F238E27FC236}">
-                <a16:creationId xmlns:a16="http://schemas.microsoft.com/office/drawing/2014/main" id="{C3E6477F-AED9-484F-9621-C53F564119B4}"/>
-              </a:ext>
-            </a:extLst>
-          </p:cNvPr>
-          <p:cNvSpPr>
-            <a:spLocks noGrp="1"/>
-          </p:cNvSpPr>
-          <p:nvPr>
-            <p:ph type="title"/>
-          </p:nvPr>
-        </p:nvSpPr>
-        <p:spPr/>
-        <p:txBody>
-          <a:bodyPr/>
-          <a:lstStyle/>
-          <a:p>
-            <a:r>
-              <a:rPr lang="nb-NO" dirty="0"/>
-              <a:t>fizzbuzz.py</a:t>
-            </a:r>
-          </a:p>
-        </p:txBody>
-      </p:sp>
-      <p:sp>
-        <p:nvSpPr>
-          <p:cNvPr id="3" name="Plassholder for innhold 2">
-            <a:extLst>
-              <a:ext uri="{FF2B5EF4-FFF2-40B4-BE49-F238E27FC236}">
-                <a16:creationId xmlns:a16="http://schemas.microsoft.com/office/drawing/2014/main" id="{18166937-65B3-4DC8-BB43-63584E0D60E0}"/>
-              </a:ext>
-            </a:extLst>
-          </p:cNvPr>
-          <p:cNvSpPr>
-            <a:spLocks noGrp="1"/>
-          </p:cNvSpPr>
-          <p:nvPr>
-            <p:ph idx="4294967295"/>
-          </p:nvPr>
-        </p:nvSpPr>
-        <p:spPr>
-          <a:xfrm>
-            <a:off x="838200" y="1572706"/>
-            <a:ext cx="10515600" cy="4351338"/>
-          </a:xfrm>
-        </p:spPr>
-        <p:txBody>
-          <a:bodyPr>
-            <a:normAutofit fontScale="92500" lnSpcReduction="20000"/>
-          </a:bodyPr>
-          <a:lstStyle/>
-          <a:p>
-            <a:pPr marL="0" indent="0">
-              <a:buNone/>
-            </a:pPr>
-            <a:r>
-              <a:rPr lang="nb-NO" dirty="0">
-                <a:solidFill>
-                  <a:schemeClr val="bg1">
-                    <a:lumMod val="50000"/>
-                    <a:lumOff val="50000"/>
-                  </a:schemeClr>
-                </a:solidFill>
-                <a:latin typeface="Consolas" panose="020B0609020204030204" pitchFamily="49" charset="0"/>
-              </a:rPr>
-              <a:t>rundenummer = 1		</a:t>
-            </a:r>
-            <a:r>
-              <a:rPr lang="nb-NO" sz="2600" dirty="0">
-                <a:solidFill>
-                  <a:schemeClr val="bg1">
-                    <a:lumMod val="50000"/>
-                    <a:lumOff val="50000"/>
-                  </a:schemeClr>
-                </a:solidFill>
-                <a:latin typeface="Consolas" panose="020B0609020204030204" pitchFamily="49" charset="0"/>
-              </a:rPr>
-              <a:t># Definerer variabelen rundenummer</a:t>
-            </a:r>
-          </a:p>
-          <a:p>
-            <a:pPr marL="0" indent="0">
-              <a:buNone/>
-            </a:pPr>
-            <a:r>
-              <a:rPr lang="nb-NO" dirty="0">
-                <a:solidFill>
-                  <a:schemeClr val="bg1">
-                    <a:lumMod val="50000"/>
-                    <a:lumOff val="50000"/>
-                  </a:schemeClr>
-                </a:solidFill>
-                <a:latin typeface="Consolas" panose="020B0609020204030204" pitchFamily="49" charset="0"/>
-              </a:rPr>
-              <a:t>	</a:t>
-            </a:r>
-            <a:endParaRPr lang="nb-NO" dirty="0">
-              <a:solidFill>
-                <a:schemeClr val="bg1">
-                  <a:lumMod val="50000"/>
-                  <a:lumOff val="50000"/>
-                </a:schemeClr>
-              </a:solidFill>
-            </a:endParaRPr>
-          </a:p>
-          <a:p>
-            <a:pPr marL="0" indent="0">
-              <a:buNone/>
-            </a:pPr>
-            <a:r>
-              <a:rPr lang="nb-NO" dirty="0" err="1">
-                <a:solidFill>
-                  <a:schemeClr val="bg1">
-                    <a:lumMod val="50000"/>
-                    <a:lumOff val="50000"/>
-                  </a:schemeClr>
-                </a:solidFill>
-                <a:latin typeface="Consolas" panose="020B0609020204030204" pitchFamily="49" charset="0"/>
-              </a:rPr>
-              <a:t>while</a:t>
-            </a:r>
-            <a:r>
-              <a:rPr lang="nb-NO" dirty="0">
-                <a:solidFill>
-                  <a:schemeClr val="bg1">
-                    <a:lumMod val="50000"/>
-                    <a:lumOff val="50000"/>
-                  </a:schemeClr>
-                </a:solidFill>
-                <a:latin typeface="Consolas" panose="020B0609020204030204" pitchFamily="49" charset="0"/>
-              </a:rPr>
-              <a:t> rundenummer &lt;= 10: </a:t>
-            </a:r>
-            <a:r>
-              <a:rPr lang="nb-NO" sz="2600" dirty="0">
-                <a:solidFill>
-                  <a:schemeClr val="bg1">
-                    <a:lumMod val="50000"/>
-                    <a:lumOff val="50000"/>
-                  </a:schemeClr>
-                </a:solidFill>
-                <a:latin typeface="Consolas" panose="020B0609020204030204" pitchFamily="49" charset="0"/>
-              </a:rPr>
-              <a:t># Løkke</a:t>
-            </a:r>
-          </a:p>
-          <a:p>
-            <a:pPr marL="0" indent="0">
-              <a:buNone/>
-            </a:pPr>
-            <a:r>
-              <a:rPr lang="nb-NO" dirty="0"/>
-              <a:t>	</a:t>
-            </a:r>
-            <a:r>
-              <a:rPr lang="nb-NO" dirty="0" err="1">
-                <a:latin typeface="Consolas" panose="020B0609020204030204" pitchFamily="49" charset="0"/>
-              </a:rPr>
-              <a:t>if</a:t>
-            </a:r>
-            <a:r>
-              <a:rPr lang="nb-NO" dirty="0">
-                <a:latin typeface="Consolas" panose="020B0609020204030204" pitchFamily="49" charset="0"/>
-              </a:rPr>
-              <a:t> </a:t>
-            </a:r>
-            <a:r>
-              <a:rPr lang="nb-NO" dirty="0" err="1">
-                <a:latin typeface="Consolas" panose="020B0609020204030204" pitchFamily="49" charset="0"/>
-              </a:rPr>
-              <a:t>ErDeleligMedTo</a:t>
-            </a:r>
-            <a:r>
-              <a:rPr lang="nb-NO" dirty="0">
-                <a:latin typeface="Consolas" panose="020B0609020204030204" pitchFamily="49" charset="0"/>
-              </a:rPr>
-              <a:t>(rundenummer): </a:t>
-            </a:r>
-            <a:r>
-              <a:rPr lang="nb-NO" sz="2600" dirty="0">
-                <a:solidFill>
-                  <a:schemeClr val="accent1">
-                    <a:lumMod val="60000"/>
-                    <a:lumOff val="40000"/>
-                  </a:schemeClr>
-                </a:solidFill>
-                <a:latin typeface="Consolas" panose="020B0609020204030204" pitchFamily="49" charset="0"/>
-              </a:rPr>
-              <a:t># Vilkår</a:t>
-            </a:r>
-            <a:endParaRPr lang="nb-NO" sz="2600" dirty="0">
-              <a:solidFill>
-                <a:schemeClr val="accent1">
-                  <a:lumMod val="60000"/>
-                  <a:lumOff val="40000"/>
-                </a:schemeClr>
-              </a:solidFill>
-            </a:endParaRPr>
-          </a:p>
-          <a:p>
-            <a:pPr marL="914400" lvl="2" indent="0">
-              <a:buNone/>
-            </a:pPr>
-            <a:r>
-              <a:rPr lang="nb-NO" dirty="0"/>
-              <a:t>	</a:t>
-            </a:r>
-            <a:r>
-              <a:rPr lang="nb-NO" sz="2800" dirty="0" err="1">
-                <a:latin typeface="Consolas" panose="020B0609020204030204" pitchFamily="49" charset="0"/>
-              </a:rPr>
-              <a:t>print</a:t>
-            </a:r>
-            <a:r>
-              <a:rPr lang="nb-NO" sz="2800" dirty="0">
-                <a:latin typeface="Consolas" panose="020B0609020204030204" pitchFamily="49" charset="0"/>
-              </a:rPr>
-              <a:t>("FIZZ")</a:t>
-            </a:r>
-            <a:endParaRPr lang="nb-NO" dirty="0">
-              <a:latin typeface="Consolas" panose="020B0609020204030204" pitchFamily="49" charset="0"/>
-            </a:endParaRPr>
-          </a:p>
-          <a:p>
-            <a:r>
-              <a:rPr lang="nb-NO" dirty="0">
-                <a:solidFill>
-                  <a:schemeClr val="bg1">
-                    <a:lumMod val="50000"/>
-                    <a:lumOff val="50000"/>
-                  </a:schemeClr>
-                </a:solidFill>
-              </a:rPr>
-              <a:t>Hvis tallet du skal si er delelig med 3:</a:t>
-            </a:r>
-          </a:p>
-          <a:p>
-            <a:pPr lvl="1"/>
-            <a:r>
-              <a:rPr lang="nb-NO" dirty="0">
-                <a:solidFill>
-                  <a:schemeClr val="bg1">
-                    <a:lumMod val="50000"/>
-                    <a:lumOff val="50000"/>
-                  </a:schemeClr>
-                </a:solidFill>
-              </a:rPr>
-              <a:t>Si «BUZZ»</a:t>
-            </a:r>
-          </a:p>
-          <a:p>
-            <a:r>
-              <a:rPr lang="nb-NO" dirty="0">
-                <a:solidFill>
-                  <a:schemeClr val="bg1">
-                    <a:lumMod val="50000"/>
-                    <a:lumOff val="50000"/>
-                  </a:schemeClr>
-                </a:solidFill>
-              </a:rPr>
-              <a:t>Hvis tallet du skal si er delelig med 2 og 3:</a:t>
-            </a:r>
-          </a:p>
-          <a:p>
-            <a:pPr lvl="1"/>
-            <a:r>
-              <a:rPr lang="nb-NO" dirty="0">
-                <a:solidFill>
-                  <a:schemeClr val="bg1">
-                    <a:lumMod val="50000"/>
-                    <a:lumOff val="50000"/>
-                  </a:schemeClr>
-                </a:solidFill>
-              </a:rPr>
-              <a:t>Si «FIZZBUZZ»</a:t>
-            </a:r>
-          </a:p>
-          <a:p>
-            <a:r>
-              <a:rPr lang="nb-NO" dirty="0">
-                <a:solidFill>
-                  <a:schemeClr val="bg1">
-                    <a:lumMod val="50000"/>
-                    <a:lumOff val="50000"/>
-                  </a:schemeClr>
-                </a:solidFill>
-              </a:rPr>
-              <a:t>Ellers:</a:t>
-            </a:r>
-          </a:p>
-          <a:p>
-            <a:pPr lvl="1"/>
-            <a:r>
-              <a:rPr lang="nb-NO" dirty="0">
-                <a:solidFill>
-                  <a:schemeClr val="bg1">
-                    <a:lumMod val="50000"/>
-                    <a:lumOff val="50000"/>
-                  </a:schemeClr>
-                </a:solidFill>
-              </a:rPr>
-              <a:t>Si tallet.</a:t>
-            </a:r>
-          </a:p>
-          <a:p>
-            <a:endParaRPr lang="nb-NO" dirty="0"/>
-          </a:p>
-          <a:p>
-            <a:pPr lvl="1"/>
-            <a:endParaRPr lang="nb-NO" dirty="0"/>
-          </a:p>
-          <a:p>
-            <a:pPr lvl="1"/>
-            <a:endParaRPr lang="nb-NO" dirty="0"/>
-          </a:p>
-          <a:p>
-            <a:pPr lvl="1"/>
-            <a:endParaRPr lang="nb-NO" dirty="0"/>
-          </a:p>
-        </p:txBody>
-      </p:sp>
-      <p:sp>
-        <p:nvSpPr>
-          <p:cNvPr id="5" name="Footer Placeholder 4">
-            <a:extLst>
-              <a:ext uri="{FF2B5EF4-FFF2-40B4-BE49-F238E27FC236}">
-                <a16:creationId xmlns:a16="http://schemas.microsoft.com/office/drawing/2014/main" id="{EE53B70D-2F2D-41B8-92EC-E4B32AFF9E49}"/>
-              </a:ext>
-            </a:extLst>
-          </p:cNvPr>
-          <p:cNvSpPr>
-            <a:spLocks noGrp="1"/>
-          </p:cNvSpPr>
-          <p:nvPr>
-            <p:ph type="ftr" sz="quarter" idx="11"/>
-          </p:nvPr>
-        </p:nvSpPr>
-        <p:spPr>
-          <a:xfrm>
-            <a:off x="6937075" y="6310312"/>
-            <a:ext cx="4114800" cy="365125"/>
-          </a:xfrm>
-        </p:spPr>
-        <p:txBody>
-          <a:bodyPr/>
-          <a:lstStyle/>
-          <a:p>
-            <a:pPr>
-              <a:spcAft>
-                <a:spcPts val="600"/>
-              </a:spcAft>
-            </a:pPr>
-            <a:r>
-              <a:rPr lang="nb-NO" dirty="0">
-                <a:solidFill>
-                  <a:schemeClr val="tx1"/>
-                </a:solidFill>
-              </a:rPr>
-              <a:t>Henrik Njølstad &amp; André Martiny</a:t>
-            </a:r>
-          </a:p>
-        </p:txBody>
-      </p:sp>
-    </p:spTree>
-    <p:extLst>
-      <p:ext uri="{BB962C8B-B14F-4D97-AF65-F5344CB8AC3E}">
-        <p14:creationId xmlns:p14="http://schemas.microsoft.com/office/powerpoint/2010/main" val="3724844384"/>
-      </p:ext>
-    </p:extLst>
-  </p:cSld>
-  <p:clrMapOvr>
-    <a:masterClrMapping/>
-  </p:clrMapOvr>
-</p:sld>
-</file>
-
-<file path=ppt/slides/slide14.xml><?xml version="1.0" encoding="utf-8"?>
-<p:sld xmlns:a="http://schemas.openxmlformats.org/drawingml/2006/main" xmlns:r="http://schemas.openxmlformats.org/officeDocument/2006/relationships" xmlns:p="http://schemas.openxmlformats.org/presentationml/2006/main">
-  <p:cSld>
-    <p:spTree>
-      <p:nvGrpSpPr>
-        <p:cNvPr id="1" name=""/>
-        <p:cNvGrpSpPr/>
-        <p:nvPr/>
-      </p:nvGrpSpPr>
-      <p:grpSpPr>
-        <a:xfrm>
-          <a:off x="0" y="0"/>
-          <a:ext cx="0" cy="0"/>
-          <a:chOff x="0" y="0"/>
-          <a:chExt cx="0" cy="0"/>
-        </a:xfrm>
-      </p:grpSpPr>
-      <p:sp>
-        <p:nvSpPr>
-          <p:cNvPr id="2" name="Tittel 1">
-            <a:extLst>
-              <a:ext uri="{FF2B5EF4-FFF2-40B4-BE49-F238E27FC236}">
-                <a16:creationId xmlns:a16="http://schemas.microsoft.com/office/drawing/2014/main" id="{C3E6477F-AED9-484F-9621-C53F564119B4}"/>
-              </a:ext>
-            </a:extLst>
-          </p:cNvPr>
-          <p:cNvSpPr>
-            <a:spLocks noGrp="1"/>
-          </p:cNvSpPr>
-          <p:nvPr>
-            <p:ph type="title"/>
-          </p:nvPr>
-        </p:nvSpPr>
-        <p:spPr/>
-        <p:txBody>
-          <a:bodyPr/>
-          <a:lstStyle/>
-          <a:p>
-            <a:r>
-              <a:rPr lang="nb-NO" dirty="0"/>
-              <a:t>fizzbuzz.py</a:t>
-            </a:r>
-          </a:p>
-        </p:txBody>
-      </p:sp>
-      <p:sp>
-        <p:nvSpPr>
-          <p:cNvPr id="3" name="Plassholder for innhold 2">
-            <a:extLst>
-              <a:ext uri="{FF2B5EF4-FFF2-40B4-BE49-F238E27FC236}">
-                <a16:creationId xmlns:a16="http://schemas.microsoft.com/office/drawing/2014/main" id="{18166937-65B3-4DC8-BB43-63584E0D60E0}"/>
-              </a:ext>
-            </a:extLst>
-          </p:cNvPr>
-          <p:cNvSpPr>
-            <a:spLocks noGrp="1"/>
-          </p:cNvSpPr>
-          <p:nvPr>
-            <p:ph idx="4294967295"/>
-          </p:nvPr>
-        </p:nvSpPr>
-        <p:spPr>
-          <a:xfrm>
-            <a:off x="838200" y="1572706"/>
-            <a:ext cx="10515600" cy="4351338"/>
-          </a:xfrm>
-        </p:spPr>
-        <p:txBody>
-          <a:bodyPr>
-            <a:normAutofit fontScale="92500" lnSpcReduction="20000"/>
-          </a:bodyPr>
-          <a:lstStyle/>
-          <a:p>
-            <a:pPr marL="0" indent="0">
-              <a:buNone/>
-            </a:pPr>
-            <a:r>
-              <a:rPr lang="nb-NO" dirty="0">
-                <a:solidFill>
-                  <a:schemeClr val="bg1">
-                    <a:lumMod val="50000"/>
-                    <a:lumOff val="50000"/>
-                  </a:schemeClr>
-                </a:solidFill>
-                <a:latin typeface="Consolas" panose="020B0609020204030204" pitchFamily="49" charset="0"/>
-              </a:rPr>
-              <a:t>rundenummer = 1		</a:t>
-            </a:r>
-            <a:r>
-              <a:rPr lang="nb-NO" sz="2600" dirty="0">
-                <a:solidFill>
-                  <a:schemeClr val="bg1">
-                    <a:lumMod val="50000"/>
-                    <a:lumOff val="50000"/>
-                  </a:schemeClr>
-                </a:solidFill>
-                <a:latin typeface="Consolas" panose="020B0609020204030204" pitchFamily="49" charset="0"/>
-              </a:rPr>
-              <a:t># Definerer variabelen rundenummer</a:t>
-            </a:r>
-          </a:p>
-          <a:p>
-            <a:pPr marL="0" indent="0">
-              <a:buNone/>
-            </a:pPr>
-            <a:r>
-              <a:rPr lang="nb-NO" dirty="0">
-                <a:solidFill>
-                  <a:schemeClr val="bg1">
-                    <a:lumMod val="50000"/>
-                    <a:lumOff val="50000"/>
-                  </a:schemeClr>
-                </a:solidFill>
-                <a:latin typeface="Consolas" panose="020B0609020204030204" pitchFamily="49" charset="0"/>
-              </a:rPr>
-              <a:t>	</a:t>
-            </a:r>
-            <a:endParaRPr lang="nb-NO" dirty="0">
-              <a:solidFill>
-                <a:schemeClr val="bg1">
-                  <a:lumMod val="50000"/>
-                  <a:lumOff val="50000"/>
-                </a:schemeClr>
-              </a:solidFill>
-            </a:endParaRPr>
-          </a:p>
-          <a:p>
-            <a:pPr marL="0" indent="0">
-              <a:buNone/>
-            </a:pPr>
-            <a:r>
-              <a:rPr lang="nb-NO" dirty="0" err="1">
-                <a:solidFill>
-                  <a:schemeClr val="bg1">
-                    <a:lumMod val="50000"/>
-                    <a:lumOff val="50000"/>
-                  </a:schemeClr>
-                </a:solidFill>
-                <a:latin typeface="Consolas" panose="020B0609020204030204" pitchFamily="49" charset="0"/>
-              </a:rPr>
-              <a:t>while</a:t>
-            </a:r>
-            <a:r>
-              <a:rPr lang="nb-NO" dirty="0">
-                <a:solidFill>
-                  <a:schemeClr val="bg1">
-                    <a:lumMod val="50000"/>
-                    <a:lumOff val="50000"/>
-                  </a:schemeClr>
-                </a:solidFill>
-                <a:latin typeface="Consolas" panose="020B0609020204030204" pitchFamily="49" charset="0"/>
-              </a:rPr>
-              <a:t> rundenummer &lt;= 10: </a:t>
-            </a:r>
-            <a:r>
-              <a:rPr lang="nb-NO" sz="2600" dirty="0">
-                <a:solidFill>
-                  <a:schemeClr val="bg1">
-                    <a:lumMod val="50000"/>
-                    <a:lumOff val="50000"/>
-                  </a:schemeClr>
-                </a:solidFill>
-                <a:latin typeface="Consolas" panose="020B0609020204030204" pitchFamily="49" charset="0"/>
-              </a:rPr>
-              <a:t># Løkke</a:t>
-            </a:r>
-          </a:p>
-          <a:p>
-            <a:pPr marL="0" indent="0">
-              <a:buNone/>
-            </a:pPr>
-            <a:r>
-              <a:rPr lang="nb-NO" dirty="0"/>
-              <a:t>	</a:t>
-            </a:r>
-            <a:r>
-              <a:rPr lang="nb-NO" dirty="0" err="1">
-                <a:solidFill>
-                  <a:schemeClr val="bg1">
-                    <a:lumMod val="50000"/>
-                    <a:lumOff val="50000"/>
-                  </a:schemeClr>
-                </a:solidFill>
-                <a:latin typeface="Consolas" panose="020B0609020204030204" pitchFamily="49" charset="0"/>
-              </a:rPr>
-              <a:t>if</a:t>
-            </a:r>
-            <a:r>
-              <a:rPr lang="nb-NO" dirty="0">
-                <a:solidFill>
-                  <a:schemeClr val="bg1">
-                    <a:lumMod val="50000"/>
-                    <a:lumOff val="50000"/>
-                  </a:schemeClr>
-                </a:solidFill>
-                <a:latin typeface="Consolas" panose="020B0609020204030204" pitchFamily="49" charset="0"/>
-              </a:rPr>
-              <a:t> </a:t>
-            </a:r>
-            <a:r>
-              <a:rPr lang="nb-NO" dirty="0" err="1">
-                <a:solidFill>
-                  <a:schemeClr val="bg1">
-                    <a:lumMod val="50000"/>
-                    <a:lumOff val="50000"/>
-                  </a:schemeClr>
-                </a:solidFill>
-                <a:latin typeface="Consolas" panose="020B0609020204030204" pitchFamily="49" charset="0"/>
-              </a:rPr>
-              <a:t>ErDeleligMedTo</a:t>
-            </a:r>
-            <a:r>
-              <a:rPr lang="nb-NO" dirty="0">
-                <a:solidFill>
-                  <a:schemeClr val="bg1">
-                    <a:lumMod val="50000"/>
-                    <a:lumOff val="50000"/>
-                  </a:schemeClr>
-                </a:solidFill>
-                <a:latin typeface="Consolas" panose="020B0609020204030204" pitchFamily="49" charset="0"/>
-              </a:rPr>
-              <a:t>(rundenummer): </a:t>
-            </a:r>
-            <a:r>
-              <a:rPr lang="nb-NO" sz="2600" dirty="0">
-                <a:solidFill>
-                  <a:schemeClr val="bg1">
-                    <a:lumMod val="50000"/>
-                    <a:lumOff val="50000"/>
-                  </a:schemeClr>
-                </a:solidFill>
-                <a:latin typeface="Consolas" panose="020B0609020204030204" pitchFamily="49" charset="0"/>
-              </a:rPr>
-              <a:t># Vilkår</a:t>
-            </a:r>
-            <a:endParaRPr lang="nb-NO" sz="2600" dirty="0">
-              <a:solidFill>
-                <a:schemeClr val="bg1">
-                  <a:lumMod val="50000"/>
-                  <a:lumOff val="50000"/>
-                </a:schemeClr>
-              </a:solidFill>
-            </a:endParaRPr>
-          </a:p>
-          <a:p>
-            <a:pPr marL="914400" lvl="2" indent="0">
-              <a:buNone/>
-            </a:pPr>
-            <a:r>
-              <a:rPr lang="nb-NO" dirty="0">
-                <a:solidFill>
-                  <a:schemeClr val="bg1">
-                    <a:lumMod val="50000"/>
-                    <a:lumOff val="50000"/>
-                  </a:schemeClr>
-                </a:solidFill>
-              </a:rPr>
-              <a:t>	</a:t>
-            </a:r>
-            <a:r>
-              <a:rPr lang="nb-NO" sz="2800" dirty="0" err="1">
-                <a:solidFill>
-                  <a:schemeClr val="bg1">
-                    <a:lumMod val="50000"/>
-                    <a:lumOff val="50000"/>
-                  </a:schemeClr>
-                </a:solidFill>
-                <a:latin typeface="Consolas" panose="020B0609020204030204" pitchFamily="49" charset="0"/>
-              </a:rPr>
-              <a:t>print</a:t>
-            </a:r>
-            <a:r>
-              <a:rPr lang="nb-NO" sz="2800" dirty="0">
-                <a:solidFill>
-                  <a:schemeClr val="bg1">
-                    <a:lumMod val="50000"/>
-                    <a:lumOff val="50000"/>
-                  </a:schemeClr>
-                </a:solidFill>
-                <a:latin typeface="Consolas" panose="020B0609020204030204" pitchFamily="49" charset="0"/>
-              </a:rPr>
-              <a:t>("FIZZ")</a:t>
-            </a:r>
-            <a:endParaRPr lang="nb-NO" dirty="0">
-              <a:solidFill>
-                <a:schemeClr val="bg1">
-                  <a:lumMod val="50000"/>
-                  <a:lumOff val="50000"/>
-                </a:schemeClr>
-              </a:solidFill>
-              <a:latin typeface="Consolas" panose="020B0609020204030204" pitchFamily="49" charset="0"/>
-            </a:endParaRPr>
-          </a:p>
-          <a:p>
-            <a:r>
-              <a:rPr lang="nb-NO" dirty="0"/>
-              <a:t>Hvis tallet du skal si er delelig med 3:</a:t>
-            </a:r>
-          </a:p>
-          <a:p>
-            <a:pPr lvl="1"/>
-            <a:r>
-              <a:rPr lang="nb-NO" dirty="0"/>
-              <a:t>Si «BUZZ»</a:t>
-            </a:r>
-          </a:p>
-          <a:p>
-            <a:r>
-              <a:rPr lang="nb-NO" dirty="0"/>
-              <a:t>Hvis tallet du skal si er delelig med 2 og 3:</a:t>
-            </a:r>
-          </a:p>
-          <a:p>
-            <a:pPr lvl="1"/>
-            <a:r>
-              <a:rPr lang="nb-NO" dirty="0"/>
-              <a:t>Si «FIZZBUZZ»</a:t>
-            </a:r>
-          </a:p>
-          <a:p>
-            <a:r>
-              <a:rPr lang="nb-NO" dirty="0"/>
-              <a:t>Ellers:</a:t>
-            </a:r>
-          </a:p>
-          <a:p>
-            <a:pPr lvl="1"/>
-            <a:r>
-              <a:rPr lang="nb-NO" dirty="0"/>
-              <a:t>Si tallet.</a:t>
-            </a:r>
-          </a:p>
-          <a:p>
-            <a:endParaRPr lang="nb-NO" dirty="0"/>
-          </a:p>
-          <a:p>
-            <a:pPr lvl="1"/>
-            <a:endParaRPr lang="nb-NO" dirty="0"/>
-          </a:p>
-          <a:p>
-            <a:pPr lvl="1"/>
-            <a:endParaRPr lang="nb-NO" dirty="0"/>
-          </a:p>
-          <a:p>
-            <a:pPr lvl="1"/>
-            <a:endParaRPr lang="nb-NO" dirty="0"/>
-          </a:p>
-        </p:txBody>
-      </p:sp>
-      <p:sp>
-        <p:nvSpPr>
-          <p:cNvPr id="5" name="Footer Placeholder 4">
-            <a:extLst>
-              <a:ext uri="{FF2B5EF4-FFF2-40B4-BE49-F238E27FC236}">
-                <a16:creationId xmlns:a16="http://schemas.microsoft.com/office/drawing/2014/main" id="{5F98C037-84E9-43BE-A243-02B50AEF9071}"/>
-              </a:ext>
-            </a:extLst>
-          </p:cNvPr>
-          <p:cNvSpPr>
-            <a:spLocks noGrp="1"/>
-          </p:cNvSpPr>
-          <p:nvPr>
-            <p:ph type="ftr" sz="quarter" idx="11"/>
-          </p:nvPr>
-        </p:nvSpPr>
-        <p:spPr>
-          <a:xfrm>
-            <a:off x="6937075" y="6310312"/>
-            <a:ext cx="4114800" cy="365125"/>
-          </a:xfrm>
-        </p:spPr>
-        <p:txBody>
-          <a:bodyPr/>
-          <a:lstStyle/>
-          <a:p>
-            <a:pPr>
-              <a:spcAft>
-                <a:spcPts val="600"/>
-              </a:spcAft>
-            </a:pPr>
-            <a:r>
-              <a:rPr lang="nb-NO" dirty="0">
-                <a:solidFill>
-                  <a:schemeClr val="tx1"/>
-                </a:solidFill>
-              </a:rPr>
-              <a:t>Henrik Njølstad &amp; André Martiny</a:t>
-            </a:r>
-          </a:p>
-        </p:txBody>
-      </p:sp>
-    </p:spTree>
-    <p:extLst>
-      <p:ext uri="{BB962C8B-B14F-4D97-AF65-F5344CB8AC3E}">
-        <p14:creationId xmlns:p14="http://schemas.microsoft.com/office/powerpoint/2010/main" val="573663063"/>
-      </p:ext>
-    </p:extLst>
-  </p:cSld>
-  <p:clrMapOvr>
-    <a:masterClrMapping/>
-  </p:clrMapOvr>
-</p:sld>
-</file>
-
-<file path=ppt/slides/slide15.xml><?xml version="1.0" encoding="utf-8"?>
-<p:sld xmlns:a="http://schemas.openxmlformats.org/drawingml/2006/main" xmlns:r="http://schemas.openxmlformats.org/officeDocument/2006/relationships" xmlns:p="http://schemas.openxmlformats.org/presentationml/2006/main">
-  <p:cSld>
-    <p:spTree>
-      <p:nvGrpSpPr>
-        <p:cNvPr id="1" name=""/>
-        <p:cNvGrpSpPr/>
-        <p:nvPr/>
-      </p:nvGrpSpPr>
-      <p:grpSpPr>
-        <a:xfrm>
-          <a:off x="0" y="0"/>
-          <a:ext cx="0" cy="0"/>
-          <a:chOff x="0" y="0"/>
-          <a:chExt cx="0" cy="0"/>
-        </a:xfrm>
-      </p:grpSpPr>
-      <p:sp>
-        <p:nvSpPr>
-          <p:cNvPr id="2" name="Tittel 1">
-            <a:extLst>
-              <a:ext uri="{FF2B5EF4-FFF2-40B4-BE49-F238E27FC236}">
-                <a16:creationId xmlns:a16="http://schemas.microsoft.com/office/drawing/2014/main" id="{C3E6477F-AED9-484F-9621-C53F564119B4}"/>
-              </a:ext>
-            </a:extLst>
-          </p:cNvPr>
-          <p:cNvSpPr>
-            <a:spLocks noGrp="1"/>
-          </p:cNvSpPr>
-          <p:nvPr>
-            <p:ph type="title"/>
-          </p:nvPr>
-        </p:nvSpPr>
-        <p:spPr/>
-        <p:txBody>
-          <a:bodyPr/>
-          <a:lstStyle/>
-          <a:p>
-            <a:r>
-              <a:rPr lang="nb-NO" dirty="0"/>
-              <a:t>fizzbuzz.py</a:t>
-            </a:r>
-          </a:p>
-        </p:txBody>
-      </p:sp>
-      <p:sp>
-        <p:nvSpPr>
-          <p:cNvPr id="3" name="Plassholder for innhold 2">
-            <a:extLst>
-              <a:ext uri="{FF2B5EF4-FFF2-40B4-BE49-F238E27FC236}">
-                <a16:creationId xmlns:a16="http://schemas.microsoft.com/office/drawing/2014/main" id="{18166937-65B3-4DC8-BB43-63584E0D60E0}"/>
-              </a:ext>
-            </a:extLst>
-          </p:cNvPr>
-          <p:cNvSpPr>
-            <a:spLocks noGrp="1"/>
-          </p:cNvSpPr>
-          <p:nvPr>
-            <p:ph idx="4294967295"/>
-          </p:nvPr>
-        </p:nvSpPr>
-        <p:spPr>
-          <a:xfrm>
-            <a:off x="838200" y="1572706"/>
-            <a:ext cx="10515600" cy="4351338"/>
-          </a:xfrm>
-        </p:spPr>
-        <p:txBody>
-          <a:bodyPr>
-            <a:normAutofit fontScale="92500" lnSpcReduction="20000"/>
-          </a:bodyPr>
-          <a:lstStyle/>
-          <a:p>
-            <a:pPr marL="0" indent="0">
-              <a:buNone/>
-            </a:pPr>
-            <a:r>
-              <a:rPr lang="nb-NO" dirty="0">
-                <a:solidFill>
-                  <a:schemeClr val="bg1">
-                    <a:lumMod val="50000"/>
-                    <a:lumOff val="50000"/>
-                  </a:schemeClr>
-                </a:solidFill>
-                <a:latin typeface="Consolas" panose="020B0609020204030204" pitchFamily="49" charset="0"/>
-              </a:rPr>
-              <a:t>rundenummer = 1		</a:t>
-            </a:r>
-            <a:r>
-              <a:rPr lang="nb-NO" sz="2600" dirty="0">
-                <a:solidFill>
-                  <a:schemeClr val="bg1">
-                    <a:lumMod val="50000"/>
-                    <a:lumOff val="50000"/>
-                  </a:schemeClr>
-                </a:solidFill>
-                <a:latin typeface="Consolas" panose="020B0609020204030204" pitchFamily="49" charset="0"/>
-              </a:rPr>
-              <a:t># Definerer variabelen rundenummer</a:t>
-            </a:r>
-          </a:p>
-          <a:p>
-            <a:pPr marL="0" indent="0">
-              <a:buNone/>
-            </a:pPr>
-            <a:r>
-              <a:rPr lang="nb-NO" dirty="0">
-                <a:solidFill>
-                  <a:schemeClr val="bg1">
-                    <a:lumMod val="50000"/>
-                    <a:lumOff val="50000"/>
-                  </a:schemeClr>
-                </a:solidFill>
-                <a:latin typeface="Consolas" panose="020B0609020204030204" pitchFamily="49" charset="0"/>
-              </a:rPr>
-              <a:t>	</a:t>
-            </a:r>
-            <a:endParaRPr lang="nb-NO" dirty="0">
-              <a:solidFill>
-                <a:schemeClr val="bg1">
-                  <a:lumMod val="50000"/>
-                  <a:lumOff val="50000"/>
-                </a:schemeClr>
-              </a:solidFill>
-            </a:endParaRPr>
-          </a:p>
-          <a:p>
-            <a:pPr marL="0" indent="0">
-              <a:buNone/>
-            </a:pPr>
-            <a:r>
-              <a:rPr lang="nb-NO" dirty="0" err="1">
-                <a:solidFill>
-                  <a:schemeClr val="bg1">
-                    <a:lumMod val="50000"/>
-                    <a:lumOff val="50000"/>
-                  </a:schemeClr>
-                </a:solidFill>
-                <a:latin typeface="Consolas" panose="020B0609020204030204" pitchFamily="49" charset="0"/>
-              </a:rPr>
-              <a:t>while</a:t>
-            </a:r>
-            <a:r>
-              <a:rPr lang="nb-NO" dirty="0">
-                <a:solidFill>
-                  <a:schemeClr val="bg1">
-                    <a:lumMod val="50000"/>
-                    <a:lumOff val="50000"/>
-                  </a:schemeClr>
-                </a:solidFill>
-                <a:latin typeface="Consolas" panose="020B0609020204030204" pitchFamily="49" charset="0"/>
-              </a:rPr>
-              <a:t> rundenummer &lt;= 10: </a:t>
-            </a:r>
-            <a:r>
-              <a:rPr lang="nb-NO" sz="2600" dirty="0">
-                <a:solidFill>
-                  <a:schemeClr val="bg1">
-                    <a:lumMod val="50000"/>
-                    <a:lumOff val="50000"/>
-                  </a:schemeClr>
-                </a:solidFill>
-                <a:latin typeface="Consolas" panose="020B0609020204030204" pitchFamily="49" charset="0"/>
-              </a:rPr>
-              <a:t># Løkke</a:t>
-            </a:r>
-          </a:p>
-          <a:p>
-            <a:pPr marL="0" indent="0">
-              <a:buNone/>
-            </a:pPr>
-            <a:r>
-              <a:rPr lang="nb-NO" dirty="0">
-                <a:solidFill>
-                  <a:schemeClr val="bg1">
-                    <a:lumMod val="50000"/>
-                    <a:lumOff val="50000"/>
-                  </a:schemeClr>
-                </a:solidFill>
-              </a:rPr>
-              <a:t>	</a:t>
-            </a:r>
-            <a:r>
-              <a:rPr lang="nb-NO" dirty="0" err="1">
-                <a:solidFill>
-                  <a:schemeClr val="bg1">
-                    <a:lumMod val="50000"/>
-                    <a:lumOff val="50000"/>
-                  </a:schemeClr>
-                </a:solidFill>
-                <a:latin typeface="Consolas" panose="020B0609020204030204" pitchFamily="49" charset="0"/>
-              </a:rPr>
-              <a:t>if</a:t>
-            </a:r>
-            <a:r>
-              <a:rPr lang="nb-NO" dirty="0">
-                <a:solidFill>
-                  <a:schemeClr val="bg1">
-                    <a:lumMod val="50000"/>
-                    <a:lumOff val="50000"/>
-                  </a:schemeClr>
-                </a:solidFill>
-                <a:latin typeface="Consolas" panose="020B0609020204030204" pitchFamily="49" charset="0"/>
-              </a:rPr>
-              <a:t> </a:t>
-            </a:r>
-            <a:r>
-              <a:rPr lang="nb-NO" dirty="0" err="1">
-                <a:solidFill>
-                  <a:schemeClr val="bg1">
-                    <a:lumMod val="50000"/>
-                    <a:lumOff val="50000"/>
-                  </a:schemeClr>
-                </a:solidFill>
-                <a:latin typeface="Consolas" panose="020B0609020204030204" pitchFamily="49" charset="0"/>
-              </a:rPr>
-              <a:t>ErDeleligMedTo</a:t>
-            </a:r>
-            <a:r>
-              <a:rPr lang="nb-NO" dirty="0">
-                <a:solidFill>
-                  <a:schemeClr val="bg1">
-                    <a:lumMod val="50000"/>
-                    <a:lumOff val="50000"/>
-                  </a:schemeClr>
-                </a:solidFill>
-                <a:latin typeface="Consolas" panose="020B0609020204030204" pitchFamily="49" charset="0"/>
-              </a:rPr>
-              <a:t>(rundenummer): </a:t>
-            </a:r>
-            <a:r>
-              <a:rPr lang="nb-NO" sz="2600" dirty="0">
-                <a:solidFill>
-                  <a:schemeClr val="bg1">
-                    <a:lumMod val="50000"/>
-                    <a:lumOff val="50000"/>
-                  </a:schemeClr>
-                </a:solidFill>
-                <a:latin typeface="Consolas" panose="020B0609020204030204" pitchFamily="49" charset="0"/>
-              </a:rPr>
-              <a:t># Vilkår</a:t>
-            </a:r>
-            <a:endParaRPr lang="nb-NO" sz="2600" dirty="0">
-              <a:solidFill>
-                <a:schemeClr val="bg1">
-                  <a:lumMod val="50000"/>
-                  <a:lumOff val="50000"/>
-                </a:schemeClr>
-              </a:solidFill>
-            </a:endParaRPr>
-          </a:p>
-          <a:p>
-            <a:pPr marL="914400" lvl="2" indent="0">
-              <a:buNone/>
-            </a:pPr>
-            <a:r>
-              <a:rPr lang="nb-NO" dirty="0">
-                <a:solidFill>
-                  <a:schemeClr val="bg1">
-                    <a:lumMod val="50000"/>
-                    <a:lumOff val="50000"/>
-                  </a:schemeClr>
-                </a:solidFill>
-              </a:rPr>
-              <a:t>	</a:t>
-            </a:r>
-            <a:r>
-              <a:rPr lang="nb-NO" sz="2800" dirty="0" err="1">
-                <a:solidFill>
-                  <a:schemeClr val="bg1">
-                    <a:lumMod val="50000"/>
-                    <a:lumOff val="50000"/>
-                  </a:schemeClr>
-                </a:solidFill>
-                <a:latin typeface="Consolas" panose="020B0609020204030204" pitchFamily="49" charset="0"/>
-              </a:rPr>
-              <a:t>print</a:t>
-            </a:r>
-            <a:r>
-              <a:rPr lang="nb-NO" sz="2800" dirty="0">
-                <a:solidFill>
-                  <a:schemeClr val="bg1">
-                    <a:lumMod val="50000"/>
-                    <a:lumOff val="50000"/>
-                  </a:schemeClr>
-                </a:solidFill>
-                <a:latin typeface="Consolas" panose="020B0609020204030204" pitchFamily="49" charset="0"/>
-              </a:rPr>
-              <a:t>("FIZZ")</a:t>
-            </a:r>
-            <a:endParaRPr lang="nb-NO" dirty="0">
-              <a:solidFill>
-                <a:schemeClr val="bg1">
-                  <a:lumMod val="50000"/>
-                  <a:lumOff val="50000"/>
-                </a:schemeClr>
-              </a:solidFill>
-              <a:latin typeface="Consolas" panose="020B0609020204030204" pitchFamily="49" charset="0"/>
-            </a:endParaRPr>
-          </a:p>
-          <a:p>
-            <a:pPr marL="0" indent="0">
-              <a:buNone/>
-            </a:pPr>
-            <a:r>
-              <a:rPr lang="nb-NO" dirty="0"/>
-              <a:t>	</a:t>
-            </a:r>
-            <a:r>
-              <a:rPr lang="nb-NO" dirty="0" err="1">
-                <a:latin typeface="Consolas" panose="020B0609020204030204" pitchFamily="49" charset="0"/>
-              </a:rPr>
-              <a:t>if</a:t>
-            </a:r>
-            <a:r>
-              <a:rPr lang="nb-NO" dirty="0">
-                <a:latin typeface="Consolas" panose="020B0609020204030204" pitchFamily="49" charset="0"/>
-              </a:rPr>
-              <a:t> </a:t>
-            </a:r>
-            <a:r>
-              <a:rPr lang="nb-NO" dirty="0" err="1">
-                <a:latin typeface="Consolas" panose="020B0609020204030204" pitchFamily="49" charset="0"/>
-              </a:rPr>
-              <a:t>ErDeleligMedTre</a:t>
-            </a:r>
-            <a:r>
-              <a:rPr lang="nb-NO" dirty="0">
-                <a:latin typeface="Consolas" panose="020B0609020204030204" pitchFamily="49" charset="0"/>
-              </a:rPr>
-              <a:t>(rundenummer): </a:t>
-            </a:r>
-            <a:endParaRPr lang="nb-NO" dirty="0"/>
-          </a:p>
-          <a:p>
-            <a:pPr marL="914400" lvl="2" indent="0">
-              <a:buNone/>
-            </a:pPr>
-            <a:r>
-              <a:rPr lang="nb-NO" dirty="0"/>
-              <a:t>	</a:t>
-            </a:r>
-            <a:r>
-              <a:rPr lang="nb-NO" sz="2800" dirty="0" err="1">
-                <a:latin typeface="Consolas" panose="020B0609020204030204" pitchFamily="49" charset="0"/>
-              </a:rPr>
-              <a:t>print</a:t>
-            </a:r>
-            <a:r>
-              <a:rPr lang="nb-NO" sz="2800" dirty="0">
-                <a:latin typeface="Consolas" panose="020B0609020204030204" pitchFamily="49" charset="0"/>
-              </a:rPr>
-              <a:t>("BUZZ")</a:t>
-            </a:r>
-          </a:p>
-          <a:p>
-            <a:pPr marL="0" indent="0">
-              <a:buNone/>
-            </a:pPr>
-            <a:r>
-              <a:rPr lang="nb-NO" dirty="0"/>
-              <a:t>	</a:t>
-            </a:r>
-            <a:r>
-              <a:rPr lang="nb-NO" dirty="0" err="1">
-                <a:latin typeface="Consolas" panose="020B0609020204030204" pitchFamily="49" charset="0"/>
-              </a:rPr>
-              <a:t>if</a:t>
-            </a:r>
-            <a:r>
-              <a:rPr lang="nb-NO" dirty="0">
-                <a:latin typeface="Consolas" panose="020B0609020204030204" pitchFamily="49" charset="0"/>
-              </a:rPr>
-              <a:t> </a:t>
-            </a:r>
-            <a:r>
-              <a:rPr lang="nb-NO" dirty="0" err="1">
-                <a:latin typeface="Consolas" panose="020B0609020204030204" pitchFamily="49" charset="0"/>
-              </a:rPr>
-              <a:t>ErDeleligMedToOgTre</a:t>
-            </a:r>
-            <a:r>
-              <a:rPr lang="nb-NO" dirty="0">
-                <a:latin typeface="Consolas" panose="020B0609020204030204" pitchFamily="49" charset="0"/>
-              </a:rPr>
-              <a:t>(rundenummer): </a:t>
-            </a:r>
-            <a:endParaRPr lang="nb-NO" dirty="0"/>
-          </a:p>
-          <a:p>
-            <a:pPr marL="914400" lvl="2" indent="0">
-              <a:buNone/>
-            </a:pPr>
-            <a:r>
-              <a:rPr lang="nb-NO" dirty="0"/>
-              <a:t>	</a:t>
-            </a:r>
-            <a:r>
-              <a:rPr lang="nb-NO" sz="2800" dirty="0" err="1">
-                <a:latin typeface="Consolas" panose="020B0609020204030204" pitchFamily="49" charset="0"/>
-              </a:rPr>
-              <a:t>print</a:t>
-            </a:r>
-            <a:r>
-              <a:rPr lang="nb-NO" sz="2800" dirty="0">
-                <a:latin typeface="Consolas" panose="020B0609020204030204" pitchFamily="49" charset="0"/>
-              </a:rPr>
-              <a:t>("FIZZBUZZ")</a:t>
-            </a:r>
-          </a:p>
-          <a:p>
-            <a:pPr marL="0" indent="0">
-              <a:buNone/>
-            </a:pPr>
-            <a:r>
-              <a:rPr lang="nb-NO" dirty="0"/>
-              <a:t>	</a:t>
-            </a:r>
-            <a:r>
-              <a:rPr lang="nb-NO" dirty="0" err="1">
-                <a:latin typeface="Consolas" panose="020B0609020204030204" pitchFamily="49" charset="0"/>
-              </a:rPr>
-              <a:t>else</a:t>
-            </a:r>
-            <a:r>
-              <a:rPr lang="nb-NO" dirty="0">
-                <a:latin typeface="Consolas" panose="020B0609020204030204" pitchFamily="49" charset="0"/>
-              </a:rPr>
-              <a:t>:</a:t>
-            </a:r>
-          </a:p>
-          <a:p>
-            <a:pPr marL="0" indent="0">
-              <a:buNone/>
-            </a:pPr>
-            <a:r>
-              <a:rPr lang="nb-NO" dirty="0"/>
-              <a:t>		</a:t>
-            </a:r>
-            <a:r>
-              <a:rPr lang="nb-NO" sz="2800" dirty="0" err="1">
-                <a:latin typeface="Consolas" panose="020B0609020204030204" pitchFamily="49" charset="0"/>
-              </a:rPr>
-              <a:t>print</a:t>
-            </a:r>
-            <a:r>
-              <a:rPr lang="nb-NO" sz="2800" dirty="0">
-                <a:latin typeface="Consolas" panose="020B0609020204030204" pitchFamily="49" charset="0"/>
-              </a:rPr>
-              <a:t>("rundenummer")</a:t>
-            </a:r>
-          </a:p>
-          <a:p>
-            <a:pPr marL="0" indent="0">
-              <a:buNone/>
-            </a:pPr>
-            <a:endParaRPr lang="nb-NO" dirty="0">
-              <a:latin typeface="Consolas" panose="020B0609020204030204" pitchFamily="49" charset="0"/>
-            </a:endParaRPr>
-          </a:p>
-          <a:p>
-            <a:endParaRPr lang="nb-NO" dirty="0"/>
-          </a:p>
-          <a:p>
-            <a:pPr lvl="1"/>
-            <a:endParaRPr lang="nb-NO" dirty="0"/>
-          </a:p>
-          <a:p>
-            <a:pPr lvl="1"/>
-            <a:endParaRPr lang="nb-NO" dirty="0"/>
-          </a:p>
-          <a:p>
-            <a:pPr lvl="1"/>
-            <a:endParaRPr lang="nb-NO" dirty="0"/>
-          </a:p>
-        </p:txBody>
-      </p:sp>
-      <p:sp>
-        <p:nvSpPr>
-          <p:cNvPr id="5" name="Footer Placeholder 4">
-            <a:extLst>
-              <a:ext uri="{FF2B5EF4-FFF2-40B4-BE49-F238E27FC236}">
-                <a16:creationId xmlns:a16="http://schemas.microsoft.com/office/drawing/2014/main" id="{E361C35D-F854-46C4-B355-B2E289E9DC23}"/>
-              </a:ext>
-            </a:extLst>
-          </p:cNvPr>
-          <p:cNvSpPr>
-            <a:spLocks noGrp="1"/>
-          </p:cNvSpPr>
-          <p:nvPr>
-            <p:ph type="ftr" sz="quarter" idx="11"/>
-          </p:nvPr>
-        </p:nvSpPr>
-        <p:spPr>
-          <a:xfrm>
-            <a:off x="6937075" y="6310312"/>
-            <a:ext cx="4114800" cy="365125"/>
-          </a:xfrm>
-        </p:spPr>
-        <p:txBody>
-          <a:bodyPr/>
-          <a:lstStyle/>
-          <a:p>
-            <a:pPr>
-              <a:spcAft>
-                <a:spcPts val="600"/>
-              </a:spcAft>
-            </a:pPr>
-            <a:r>
-              <a:rPr lang="nb-NO" dirty="0">
-                <a:solidFill>
-                  <a:schemeClr val="tx1"/>
-                </a:solidFill>
-              </a:rPr>
-              <a:t>Henrik Njølstad &amp; André Martiny</a:t>
-            </a:r>
-          </a:p>
-        </p:txBody>
-      </p:sp>
-    </p:spTree>
-    <p:extLst>
-      <p:ext uri="{BB962C8B-B14F-4D97-AF65-F5344CB8AC3E}">
-        <p14:creationId xmlns:p14="http://schemas.microsoft.com/office/powerpoint/2010/main" val="107482372"/>
-      </p:ext>
-    </p:extLst>
-  </p:cSld>
-  <p:clrMapOvr>
-    <a:masterClrMapping/>
-  </p:clrMapOvr>
-</p:sld>
-</file>
-
-<file path=ppt/slides/slide16.xml><?xml version="1.0" encoding="utf-8"?>
-<p:sld xmlns:a="http://schemas.openxmlformats.org/drawingml/2006/main" xmlns:r="http://schemas.openxmlformats.org/officeDocument/2006/relationships" xmlns:p="http://schemas.openxmlformats.org/presentationml/2006/main">
-  <p:cSld>
-    <p:spTree>
-      <p:nvGrpSpPr>
-        <p:cNvPr id="1" name=""/>
-        <p:cNvGrpSpPr/>
-        <p:nvPr/>
-      </p:nvGrpSpPr>
-      <p:grpSpPr>
-        <a:xfrm>
-          <a:off x="0" y="0"/>
-          <a:ext cx="0" cy="0"/>
-          <a:chOff x="0" y="0"/>
-          <a:chExt cx="0" cy="0"/>
-        </a:xfrm>
-      </p:grpSpPr>
-      <p:sp>
-        <p:nvSpPr>
-          <p:cNvPr id="2" name="Tittel 1">
-            <a:extLst>
-              <a:ext uri="{FF2B5EF4-FFF2-40B4-BE49-F238E27FC236}">
-                <a16:creationId xmlns:a16="http://schemas.microsoft.com/office/drawing/2014/main" id="{816A124A-532B-4492-8FE5-0B25E8DD1AA0}"/>
-              </a:ext>
-            </a:extLst>
-          </p:cNvPr>
-          <p:cNvSpPr>
-            <a:spLocks noGrp="1"/>
-          </p:cNvSpPr>
-          <p:nvPr>
-            <p:ph type="title"/>
-          </p:nvPr>
-        </p:nvSpPr>
-        <p:spPr/>
-        <p:txBody>
-          <a:bodyPr/>
-          <a:lstStyle/>
-          <a:p>
-            <a:r>
-              <a:rPr lang="nb-NO" dirty="0"/>
-              <a:t>fizzbuzz.py</a:t>
-            </a:r>
-          </a:p>
-        </p:txBody>
-      </p:sp>
-      <p:sp>
-        <p:nvSpPr>
-          <p:cNvPr id="4" name="Plassholder for bunntekst 3">
-            <a:extLst>
-              <a:ext uri="{FF2B5EF4-FFF2-40B4-BE49-F238E27FC236}">
-                <a16:creationId xmlns:a16="http://schemas.microsoft.com/office/drawing/2014/main" id="{7E433243-9C1A-400D-A4D0-403CDD94582B}"/>
-              </a:ext>
-            </a:extLst>
-          </p:cNvPr>
-          <p:cNvSpPr>
-            <a:spLocks noGrp="1"/>
-          </p:cNvSpPr>
-          <p:nvPr>
-            <p:ph type="ftr" sz="quarter" idx="11"/>
-          </p:nvPr>
-        </p:nvSpPr>
-        <p:spPr/>
-        <p:txBody>
-          <a:bodyPr/>
-          <a:lstStyle/>
-          <a:p>
-            <a:r>
-              <a:rPr lang="nb-NO"/>
-              <a:t>Henrik Njølstad &amp; André Martiny</a:t>
-            </a:r>
-          </a:p>
-        </p:txBody>
-      </p:sp>
-      <p:pic>
-        <p:nvPicPr>
-          <p:cNvPr id="1026" name="Picture 2" descr="10 Essential VS Code Extensions for JavaScript Developers in 2019 | Hacker  Noon">
-            <a:hlinkClick r:id="rId2" action="ppaction://program"/>
-            <a:extLst>
-              <a:ext uri="{FF2B5EF4-FFF2-40B4-BE49-F238E27FC236}">
-                <a16:creationId xmlns:a16="http://schemas.microsoft.com/office/drawing/2014/main" id="{4B4B2628-42BD-476D-8349-FCA1700EFAD7}"/>
-              </a:ext>
-            </a:extLst>
-          </p:cNvPr>
-          <p:cNvPicPr>
-            <a:picLocks noGrp="1" noChangeAspect="1" noChangeArrowheads="1"/>
-          </p:cNvPicPr>
-          <p:nvPr>
-            <p:ph idx="1"/>
-          </p:nvPr>
-        </p:nvPicPr>
-        <p:blipFill rotWithShape="1">
-          <a:blip r:embed="rId3">
-            <a:extLst>
-              <a:ext uri="{28A0092B-C50C-407E-A947-70E740481C1C}">
-                <a14:useLocalDpi xmlns:a14="http://schemas.microsoft.com/office/drawing/2010/main" val="0"/>
-              </a:ext>
-            </a:extLst>
-          </a:blip>
-          <a:srcRect t="31010" b="25526"/>
-          <a:stretch/>
-        </p:blipFill>
-        <p:spPr bwMode="auto">
-          <a:xfrm>
-            <a:off x="3045666" y="3540868"/>
-            <a:ext cx="5913343" cy="1213695"/>
-          </a:xfrm>
-          <a:prstGeom prst="rect">
-            <a:avLst/>
-          </a:prstGeom>
-          <a:noFill/>
-          <a:extLst>
-            <a:ext uri="{909E8E84-426E-40DD-AFC4-6F175D3DCCD1}">
-              <a14:hiddenFill xmlns:a14="http://schemas.microsoft.com/office/drawing/2010/main">
-                <a:solidFill>
-                  <a:srgbClr val="FFFFFF"/>
-                </a:solidFill>
-              </a14:hiddenFill>
-            </a:ext>
-          </a:extLst>
-        </p:spPr>
-      </p:pic>
-    </p:spTree>
-    <p:extLst>
-      <p:ext uri="{BB962C8B-B14F-4D97-AF65-F5344CB8AC3E}">
-        <p14:creationId xmlns:p14="http://schemas.microsoft.com/office/powerpoint/2010/main" val="93119560"/>
-      </p:ext>
-    </p:extLst>
-  </p:cSld>
-  <p:clrMapOvr>
-    <a:masterClrMapping/>
-  </p:clrMapOvr>
-</p:sld>
-</file>
-
-<file path=ppt/slides/slide17.xml><?xml version="1.0" encoding="utf-8"?>
 <p:sld xmlns:a="http://schemas.openxmlformats.org/drawingml/2006/main" xmlns:r="http://schemas.openxmlformats.org/officeDocument/2006/relationships" xmlns:p="http://schemas.openxmlformats.org/presentationml/2006/main">
   <p:cSld>
     <p:spTree>
@@ -11920,51 +11206,132 @@
         </p:nvSpPr>
         <p:spPr>
           <a:xfrm>
-            <a:off x="838200" y="1825625"/>
-            <a:ext cx="10017868" cy="4351338"/>
+            <a:off x="838200" y="1690688"/>
+            <a:ext cx="10017868" cy="4486275"/>
           </a:xfrm>
         </p:spPr>
         <p:txBody>
           <a:bodyPr>
-            <a:normAutofit/>
+            <a:normAutofit lnSpcReduction="10000"/>
           </a:bodyPr>
           <a:lstStyle/>
           <a:p>
             <a:r>
-              <a:rPr lang="nb-NO" sz="2400" dirty="0"/>
-              <a:t>Valg av editor</a:t>
+              <a:rPr lang="nb-NO" dirty="0"/>
+              <a:t>Problemløsningsstrategier</a:t>
             </a:r>
           </a:p>
           <a:p>
             <a:pPr lvl="1"/>
             <a:r>
-              <a:rPr lang="nb-NO" sz="1600" dirty="0"/>
-              <a:t>Kriterier</a:t>
+              <a:rPr lang="nb-NO" dirty="0"/>
+              <a:t>Pseudokode</a:t>
             </a:r>
           </a:p>
           <a:p>
             <a:pPr lvl="1"/>
             <a:r>
-              <a:rPr lang="nb-NO" sz="1600" dirty="0"/>
-              <a:t>Brukergrensesnitt</a:t>
+              <a:rPr lang="nb-NO" dirty="0"/>
+              <a:t>Flytdiagram</a:t>
             </a:r>
           </a:p>
           <a:p>
             <a:pPr lvl="1"/>
-            <a:endParaRPr lang="nb-NO" sz="1600" dirty="0"/>
-          </a:p>
-          <a:p>
-            <a:r>
-              <a:rPr lang="nb-NO" sz="2000" dirty="0"/>
-              <a:t>Pseudokode</a:t>
-            </a:r>
-          </a:p>
-          <a:p>
-            <a:endParaRPr lang="nb-NO" sz="2000" dirty="0"/>
+            <a:r>
+              <a:rPr lang="nb-NO" dirty="0"/>
+              <a:t>Spesialisering (</a:t>
+            </a:r>
+            <a:r>
+              <a:rPr lang="nb-NO" dirty="0" err="1"/>
+              <a:t>Pólya</a:t>
+            </a:r>
+            <a:r>
+              <a:rPr lang="nb-NO" dirty="0"/>
+              <a:t>)</a:t>
+            </a:r>
+          </a:p>
+          <a:p>
+            <a:r>
+              <a:rPr lang="nb-NO" dirty="0"/>
+              <a:t>Teknikker for feilsøking</a:t>
+            </a:r>
           </a:p>
           <a:p>
             <a:pPr lvl="1"/>
-            <a:endParaRPr lang="nb-NO" sz="2000" dirty="0"/>
+            <a:r>
+              <a:rPr lang="nb-NO" dirty="0"/>
+              <a:t>Bruk terminalvinduet</a:t>
+            </a:r>
+          </a:p>
+          <a:p>
+            <a:pPr lvl="2"/>
+            <a:r>
+              <a:rPr lang="nb-NO" dirty="0"/>
+              <a:t>Les feilmeldingen</a:t>
+            </a:r>
+          </a:p>
+          <a:p>
+            <a:pPr lvl="2"/>
+            <a:r>
+              <a:rPr lang="nb-NO" dirty="0"/>
+              <a:t>Bruk funksjonen</a:t>
+            </a:r>
+            <a:r>
+              <a:rPr lang="nb-NO" dirty="0">
+                <a:latin typeface="Consolas" panose="020B0609020204030204" pitchFamily="49" charset="0"/>
+              </a:rPr>
+              <a:t> </a:t>
+            </a:r>
+            <a:r>
+              <a:rPr lang="nb-NO" dirty="0" err="1">
+                <a:latin typeface="Consolas" panose="020B0609020204030204" pitchFamily="49" charset="0"/>
+              </a:rPr>
+              <a:t>print</a:t>
+            </a:r>
+            <a:r>
+              <a:rPr lang="nb-NO" dirty="0">
+                <a:latin typeface="Consolas" panose="020B0609020204030204" pitchFamily="49" charset="0"/>
+              </a:rPr>
+              <a:t>()</a:t>
+            </a:r>
+          </a:p>
+          <a:p>
+            <a:pPr lvl="1"/>
+            <a:r>
+              <a:rPr lang="nb-NO" dirty="0"/>
+              <a:t>Google</a:t>
+            </a:r>
+          </a:p>
+          <a:p>
+            <a:pPr lvl="1"/>
+            <a:r>
+              <a:rPr lang="nb-NO" dirty="0"/>
+              <a:t>Spør en venn</a:t>
+            </a:r>
+          </a:p>
+          <a:p>
+            <a:pPr lvl="1"/>
+            <a:r>
+              <a:rPr lang="nb-NO" dirty="0" err="1"/>
+              <a:t>Debug</a:t>
+            </a:r>
+            <a:r>
+              <a:rPr lang="nb-NO" dirty="0"/>
+              <a:t>-funksjon</a:t>
+            </a:r>
+          </a:p>
+          <a:p>
+            <a:r>
+              <a:rPr lang="nb-NO" dirty="0"/>
+              <a:t>Ikke vær redd for å prøve.</a:t>
+            </a:r>
+          </a:p>
+          <a:p>
+            <a:endParaRPr lang="nb-NO" dirty="0"/>
+          </a:p>
+          <a:p>
+            <a:pPr lvl="2"/>
+            <a:endParaRPr lang="nb-NO" dirty="0"/>
           </a:p>
         </p:txBody>
       </p:sp>
@@ -12740,37 +12107,6 @@
               <a:latin typeface="Consolas" panose="020B0609020204030204" pitchFamily="49" charset="0"/>
             </a:endParaRPr>
           </a:p>
-          <a:p>
-            <a:pPr marL="0" indent="0">
-              <a:buNone/>
-            </a:pPr>
-            <a:endParaRPr lang="nb-NO" sz="2800" dirty="0">
-              <a:latin typeface="Consolas" panose="020B0609020204030204" pitchFamily="49" charset="0"/>
-            </a:endParaRPr>
-          </a:p>
-          <a:p>
-            <a:pPr marL="0" indent="0">
-              <a:buNone/>
-            </a:pPr>
-            <a:endParaRPr lang="nb-NO" dirty="0">
-              <a:latin typeface="Consolas" panose="020B0609020204030204" pitchFamily="49" charset="0"/>
-            </a:endParaRPr>
-          </a:p>
-          <a:p>
-            <a:endParaRPr lang="nb-NO" dirty="0"/>
-          </a:p>
-          <a:p>
-            <a:pPr lvl="1"/>
-            <a:endParaRPr lang="nb-NO" dirty="0"/>
-          </a:p>
-          <a:p>
-            <a:pPr lvl="1"/>
-            <a:endParaRPr lang="nb-NO" dirty="0"/>
-          </a:p>
-          <a:p>
-            <a:pPr lvl="1"/>
-            <a:endParaRPr lang="nb-NO" dirty="0"/>
-          </a:p>
         </p:txBody>
       </p:sp>
       <p:sp>
@@ -12861,24 +12197,73 @@
             <p:ph type="title"/>
           </p:nvPr>
         </p:nvSpPr>
-        <p:spPr/>
+        <p:spPr>
+          <a:xfrm>
+            <a:off x="838200" y="365126"/>
+            <a:ext cx="10515600" cy="1325563"/>
+          </a:xfrm>
+        </p:spPr>
         <p:txBody>
           <a:bodyPr/>
           <a:lstStyle/>
           <a:p>
             <a:r>
               <a:rPr lang="nb-NO" dirty="0"/>
-              <a:t>fizzbuzz.py</a:t>
-            </a:r>
-          </a:p>
-        </p:txBody>
-      </p:sp>
-      <p:sp>
-        <p:nvSpPr>
-          <p:cNvPr id="6" name="Footer Placeholder 4">
+              <a:t>Flytdiagram</a:t>
+            </a:r>
+          </a:p>
+        </p:txBody>
+      </p:sp>
+      <p:sp>
+        <p:nvSpPr>
+          <p:cNvPr id="3" name="Plassholder for innhold 2">
             <a:extLst>
               <a:ext uri="{FF2B5EF4-FFF2-40B4-BE49-F238E27FC236}">
-                <a16:creationId xmlns:a16="http://schemas.microsoft.com/office/drawing/2014/main" id="{3BB08354-AA73-4489-9BD5-576264F4E158}"/>
+                <a16:creationId xmlns:a16="http://schemas.microsoft.com/office/drawing/2014/main" id="{18166937-65B3-4DC8-BB43-63584E0D60E0}"/>
+              </a:ext>
+            </a:extLst>
+          </p:cNvPr>
+          <p:cNvSpPr>
+            <a:spLocks noGrp="1"/>
+          </p:cNvSpPr>
+          <p:nvPr>
+            <p:ph idx="4294967295"/>
+          </p:nvPr>
+        </p:nvSpPr>
+        <p:spPr>
+          <a:xfrm>
+            <a:off x="838200" y="1572705"/>
+            <a:ext cx="11130280" cy="4920169"/>
+          </a:xfrm>
+        </p:spPr>
+        <p:txBody>
+          <a:bodyPr>
+            <a:normAutofit/>
+          </a:bodyPr>
+          <a:lstStyle/>
+          <a:p>
+            <a:endParaRPr lang="nb-NO" dirty="0"/>
+          </a:p>
+          <a:p>
+            <a:pPr lvl="1"/>
+            <a:endParaRPr lang="nb-NO" dirty="0"/>
+          </a:p>
+          <a:p>
+            <a:pPr lvl="1"/>
+            <a:endParaRPr lang="nb-NO" dirty="0"/>
+          </a:p>
+          <a:p>
+            <a:pPr lvl="1"/>
+            <a:endParaRPr lang="nb-NO" dirty="0"/>
+          </a:p>
+        </p:txBody>
+      </p:sp>
+      <p:sp>
+        <p:nvSpPr>
+          <p:cNvPr id="5" name="Footer Placeholder 4">
+            <a:extLst>
+              <a:ext uri="{FF2B5EF4-FFF2-40B4-BE49-F238E27FC236}">
+                <a16:creationId xmlns:a16="http://schemas.microsoft.com/office/drawing/2014/main" id="{767B00C4-1DF5-40AA-B029-F4C3630E7C6A}"/>
               </a:ext>
             </a:extLst>
           </p:cNvPr>
@@ -12915,16 +12300,189 @@
           </a:p>
         </p:txBody>
       </p:sp>
+      <p:pic>
+        <p:nvPicPr>
+          <p:cNvPr id="6" name="Picture 2" descr="skrudd på, flat, skjerm, følge, desktop, utvikleren, utvikle, hacker, CC0,  offentlig domene, opphavsrett gratis | Piqsels">
+            <a:extLst>
+              <a:ext uri="{FF2B5EF4-FFF2-40B4-BE49-F238E27FC236}">
+                <a16:creationId xmlns:a16="http://schemas.microsoft.com/office/drawing/2014/main" id="{07328DD7-7C1F-4ABE-9456-36A31A8C81A4}"/>
+              </a:ext>
+            </a:extLst>
+          </p:cNvPr>
+          <p:cNvPicPr>
+            <a:picLocks noChangeAspect="1" noChangeArrowheads="1"/>
+          </p:cNvPicPr>
+          <p:nvPr/>
+        </p:nvPicPr>
+        <p:blipFill>
+          <a:blip r:embed="rId2">
+            <a:extLst>
+              <a:ext uri="{28A0092B-C50C-407E-A947-70E740481C1C}">
+                <a14:useLocalDpi xmlns:a14="http://schemas.microsoft.com/office/drawing/2010/main" val="0"/>
+              </a:ext>
+            </a:extLst>
+          </a:blip>
+          <a:srcRect/>
+          <a:stretch>
+            <a:fillRect/>
+          </a:stretch>
+        </p:blipFill>
+        <p:spPr bwMode="auto">
+          <a:xfrm>
+            <a:off x="-491419" y="-141912"/>
+            <a:ext cx="12785019" cy="8349401"/>
+          </a:xfrm>
+          <a:prstGeom prst="rect">
+            <a:avLst/>
+          </a:prstGeom>
+          <a:noFill/>
+          <a:extLst>
+            <a:ext uri="{909E8E84-426E-40DD-AFC4-6F175D3DCCD1}">
+              <a14:hiddenFill xmlns:a14="http://schemas.microsoft.com/office/drawing/2010/main">
+                <a:solidFill>
+                  <a:srgbClr val="FFFFFF"/>
+                </a:solidFill>
+              </a14:hiddenFill>
+            </a:ext>
+          </a:extLst>
+        </p:spPr>
+      </p:pic>
     </p:spTree>
     <p:extLst>
       <p:ext uri="{BB962C8B-B14F-4D97-AF65-F5344CB8AC3E}">
-        <p14:creationId xmlns:p14="http://schemas.microsoft.com/office/powerpoint/2010/main" val="3516380177"/>
+        <p14:creationId xmlns:p14="http://schemas.microsoft.com/office/powerpoint/2010/main" val="657060802"/>
       </p:ext>
     </p:extLst>
   </p:cSld>
   <p:clrMapOvr>
     <a:masterClrMapping/>
   </p:clrMapOvr>
+  <p:timing>
+    <p:tnLst>
+      <p:par>
+        <p:cTn id="1" dur="indefinite" restart="never" nodeType="tmRoot">
+          <p:childTnLst>
+            <p:seq concurrent="1" nextAc="seek">
+              <p:cTn id="2" dur="indefinite" nodeType="mainSeq">
+                <p:childTnLst>
+                  <p:par>
+                    <p:cTn id="3" fill="hold">
+                      <p:stCondLst>
+                        <p:cond delay="indefinite"/>
+                        <p:cond evt="onBegin" delay="0">
+                          <p:tn val="2"/>
+                        </p:cond>
+                      </p:stCondLst>
+                      <p:childTnLst>
+                        <p:par>
+                          <p:cTn id="4" fill="hold">
+                            <p:stCondLst>
+                              <p:cond delay="0"/>
+                            </p:stCondLst>
+                            <p:childTnLst>
+                              <p:par>
+                                <p:cTn id="5" presetID="1" presetClass="entr" presetSubtype="0" fill="hold" grpId="0" nodeType="withEffect">
+                                  <p:stCondLst>
+                                    <p:cond delay="0"/>
+                                  </p:stCondLst>
+                                  <p:childTnLst>
+                                    <p:set>
+                                      <p:cBhvr>
+                                        <p:cTn id="6" dur="1" fill="hold">
+                                          <p:stCondLst>
+                                            <p:cond delay="0"/>
+                                          </p:stCondLst>
+                                        </p:cTn>
+                                        <p:tgtEl>
+                                          <p:spTgt spid="2"/>
+                                        </p:tgtEl>
+                                        <p:attrNameLst>
+                                          <p:attrName>style.visibility</p:attrName>
+                                        </p:attrNameLst>
+                                      </p:cBhvr>
+                                      <p:to>
+                                        <p:strVal val="visible"/>
+                                      </p:to>
+                                    </p:set>
+                                  </p:childTnLst>
+                                </p:cTn>
+                              </p:par>
+                            </p:childTnLst>
+                          </p:cTn>
+                        </p:par>
+                      </p:childTnLst>
+                    </p:cTn>
+                  </p:par>
+                  <p:par>
+                    <p:cTn id="7" fill="hold">
+                      <p:stCondLst>
+                        <p:cond delay="indefinite"/>
+                      </p:stCondLst>
+                      <p:childTnLst>
+                        <p:par>
+                          <p:cTn id="8" fill="hold">
+                            <p:stCondLst>
+                              <p:cond delay="0"/>
+                            </p:stCondLst>
+                            <p:childTnLst>
+                              <p:par>
+                                <p:cTn id="9" presetID="1" presetClass="entr" presetSubtype="0" fill="hold" nodeType="clickEffect">
+                                  <p:stCondLst>
+                                    <p:cond delay="0"/>
+                                  </p:stCondLst>
+                                  <p:childTnLst>
+                                    <p:set>
+                                      <p:cBhvr>
+                                        <p:cTn id="10" dur="1" fill="hold">
+                                          <p:stCondLst>
+                                            <p:cond delay="0"/>
+                                          </p:stCondLst>
+                                        </p:cTn>
+                                        <p:tgtEl>
+                                          <p:spTgt spid="6"/>
+                                        </p:tgtEl>
+                                        <p:attrNameLst>
+                                          <p:attrName>style.visibility</p:attrName>
+                                        </p:attrNameLst>
+                                      </p:cBhvr>
+                                      <p:to>
+                                        <p:strVal val="visible"/>
+                                      </p:to>
+                                    </p:set>
+                                  </p:childTnLst>
+                                </p:cTn>
+                              </p:par>
+                            </p:childTnLst>
+                          </p:cTn>
+                        </p:par>
+                      </p:childTnLst>
+                    </p:cTn>
+                  </p:par>
+                </p:childTnLst>
+              </p:cTn>
+              <p:prevCondLst>
+                <p:cond evt="onPrev" delay="0">
+                  <p:tgtEl>
+                    <p:sldTgt/>
+                  </p:tgtEl>
+                </p:cond>
+              </p:prevCondLst>
+              <p:nextCondLst>
+                <p:cond evt="onNext" delay="0">
+                  <p:tgtEl>
+                    <p:sldTgt/>
+                  </p:tgtEl>
+                </p:cond>
+              </p:nextCondLst>
+            </p:seq>
+          </p:childTnLst>
+        </p:cTn>
+      </p:par>
+    </p:tnLst>
+    <p:bldLst>
+      <p:bldP spid="2" grpId="0"/>
+    </p:bldLst>
+  </p:timing>
 </p:sld>
 </file>
 
@@ -12968,7 +12526,7 @@
           <a:p>
             <a:r>
               <a:rPr lang="nb-NO" dirty="0"/>
-              <a:t>fizzbuzz.py</a:t>
+              <a:t>Flytdiagram</a:t>
             </a:r>
           </a:p>
         </p:txBody>
@@ -12991,13 +12549,13 @@
         </p:nvSpPr>
         <p:spPr>
           <a:xfrm>
-            <a:off x="838200" y="1572706"/>
-            <a:ext cx="10515600" cy="4351338"/>
+            <a:off x="838200" y="1572705"/>
+            <a:ext cx="11130280" cy="4920169"/>
           </a:xfrm>
         </p:spPr>
         <p:txBody>
           <a:bodyPr>
-            <a:normAutofit fontScale="92500" lnSpcReduction="20000"/>
+            <a:normAutofit/>
           </a:bodyPr>
           <a:lstStyle/>
           <a:p>
@@ -13008,143 +12566,11 @@
               <a:rPr lang="nb-NO" dirty="0">
                 <a:latin typeface="Consolas" panose="020B0609020204030204" pitchFamily="49" charset="0"/>
               </a:rPr>
-              <a:t>	</a:t>
-            </a:r>
-            <a:endParaRPr lang="nb-NO" sz="2600" dirty="0">
-              <a:solidFill>
-                <a:schemeClr val="accent1">
-                  <a:lumMod val="60000"/>
-                  <a:lumOff val="40000"/>
-                </a:schemeClr>
-              </a:solidFill>
-              <a:latin typeface="Consolas" panose="020B0609020204030204" pitchFamily="49" charset="0"/>
-            </a:endParaRPr>
-          </a:p>
-          <a:p>
-            <a:pPr marL="0" indent="0">
-              <a:buNone/>
-            </a:pPr>
-            <a:r>
-              <a:rPr lang="nb-NO" dirty="0">
-                <a:latin typeface="Consolas" panose="020B0609020204030204" pitchFamily="49" charset="0"/>
-              </a:rPr>
-              <a:t>		</a:t>
-            </a:r>
+              <a:t>Eksempel</a:t>
+            </a:r>
+          </a:p>
+          <a:p>
             <a:endParaRPr lang="nb-NO" dirty="0"/>
-          </a:p>
-          <a:p>
-            <a:r>
-              <a:rPr lang="nb-NO" dirty="0"/>
-              <a:t>Vi teller fra 1 til 10 etter tur. </a:t>
-            </a:r>
-          </a:p>
-          <a:p>
-            <a:r>
-              <a:rPr lang="nb-NO" dirty="0">
-                <a:solidFill>
-                  <a:schemeClr val="bg1">
-                    <a:lumMod val="50000"/>
-                    <a:lumOff val="50000"/>
-                  </a:schemeClr>
-                </a:solidFill>
-              </a:rPr>
-              <a:t>Hvis tallet du skal si er delelig med 2:</a:t>
-            </a:r>
-          </a:p>
-          <a:p>
-            <a:pPr lvl="1"/>
-            <a:r>
-              <a:rPr lang="nb-NO" dirty="0">
-                <a:solidFill>
-                  <a:schemeClr val="bg1">
-                    <a:lumMod val="50000"/>
-                    <a:lumOff val="50000"/>
-                  </a:schemeClr>
-                </a:solidFill>
-              </a:rPr>
-              <a:t>Si «FIZZ»</a:t>
-            </a:r>
-          </a:p>
-          <a:p>
-            <a:r>
-              <a:rPr lang="nb-NO" dirty="0">
-                <a:solidFill>
-                  <a:schemeClr val="bg1">
-                    <a:lumMod val="50000"/>
-                    <a:lumOff val="50000"/>
-                  </a:schemeClr>
-                </a:solidFill>
-              </a:rPr>
-              <a:t>Hvis tallet du skal si er delelig med 3:</a:t>
-            </a:r>
-          </a:p>
-          <a:p>
-            <a:pPr lvl="1"/>
-            <a:r>
-              <a:rPr lang="nb-NO" dirty="0">
-                <a:solidFill>
-                  <a:schemeClr val="bg1">
-                    <a:lumMod val="50000"/>
-                    <a:lumOff val="50000"/>
-                  </a:schemeClr>
-                </a:solidFill>
-              </a:rPr>
-              <a:t>Si «BUZZ»</a:t>
-            </a:r>
-          </a:p>
-          <a:p>
-            <a:r>
-              <a:rPr lang="nb-NO" dirty="0">
-                <a:solidFill>
-                  <a:schemeClr val="bg1">
-                    <a:lumMod val="50000"/>
-                    <a:lumOff val="50000"/>
-                  </a:schemeClr>
-                </a:solidFill>
-              </a:rPr>
-              <a:t>Hvis tallet du skal si er delelig med 2 og 3:</a:t>
-            </a:r>
-          </a:p>
-          <a:p>
-            <a:pPr lvl="1"/>
-            <a:r>
-              <a:rPr lang="nb-NO" dirty="0">
-                <a:solidFill>
-                  <a:schemeClr val="bg1">
-                    <a:lumMod val="50000"/>
-                    <a:lumOff val="50000"/>
-                  </a:schemeClr>
-                </a:solidFill>
-              </a:rPr>
-              <a:t>Si «FIZZBUZZ»</a:t>
-            </a:r>
-          </a:p>
-          <a:p>
-            <a:r>
-              <a:rPr lang="nb-NO" dirty="0">
-                <a:solidFill>
-                  <a:schemeClr val="bg1">
-                    <a:lumMod val="50000"/>
-                    <a:lumOff val="50000"/>
-                  </a:schemeClr>
-                </a:solidFill>
-              </a:rPr>
-              <a:t>Ellers:</a:t>
-            </a:r>
-          </a:p>
-          <a:p>
-            <a:pPr lvl="1"/>
-            <a:r>
-              <a:rPr lang="nb-NO" dirty="0">
-                <a:solidFill>
-                  <a:schemeClr val="bg1">
-                    <a:lumMod val="50000"/>
-                    <a:lumOff val="50000"/>
-                  </a:schemeClr>
-                </a:solidFill>
-              </a:rPr>
-              <a:t>Si tallet.</a:t>
-            </a:r>
           </a:p>
           <a:p>
             <a:pPr lvl="1"/>
@@ -13165,7 +12591,7 @@
           <p:cNvPr id="5" name="Footer Placeholder 4">
             <a:extLst>
               <a:ext uri="{FF2B5EF4-FFF2-40B4-BE49-F238E27FC236}">
-                <a16:creationId xmlns:a16="http://schemas.microsoft.com/office/drawing/2014/main" id="{D44DA1F1-BA14-4E83-AD27-0C0508B02969}"/>
+                <a16:creationId xmlns:a16="http://schemas.microsoft.com/office/drawing/2014/main" id="{767B00C4-1DF5-40AA-B029-F4C3630E7C6A}"/>
               </a:ext>
             </a:extLst>
           </p:cNvPr>
@@ -13205,7 +12631,7 @@
     </p:spTree>
     <p:extLst>
       <p:ext uri="{BB962C8B-B14F-4D97-AF65-F5344CB8AC3E}">
-        <p14:creationId xmlns:p14="http://schemas.microsoft.com/office/powerpoint/2010/main" val="3769457134"/>
+        <p14:creationId xmlns:p14="http://schemas.microsoft.com/office/powerpoint/2010/main" val="3918470979"/>
       </p:ext>
     </p:extLst>
   </p:cSld>
@@ -13255,7 +12681,7 @@
           <a:p>
             <a:r>
               <a:rPr lang="nb-NO" dirty="0"/>
-              <a:t>fizzbuzz.py</a:t>
+              <a:t>Flytdiagram</a:t>
             </a:r>
           </a:p>
         </p:txBody>
@@ -13278,13 +12704,13 @@
         </p:nvSpPr>
         <p:spPr>
           <a:xfrm>
-            <a:off x="838200" y="1572706"/>
-            <a:ext cx="10515600" cy="4351338"/>
+            <a:off x="838200" y="1572705"/>
+            <a:ext cx="11130280" cy="4920169"/>
           </a:xfrm>
         </p:spPr>
         <p:txBody>
           <a:bodyPr>
-            <a:normAutofit fontScale="92500" lnSpcReduction="20000"/>
+            <a:normAutofit/>
           </a:bodyPr>
           <a:lstStyle/>
           <a:p>
@@ -13295,167 +12721,11 @@
               <a:rPr lang="nb-NO" dirty="0">
                 <a:latin typeface="Consolas" panose="020B0609020204030204" pitchFamily="49" charset="0"/>
               </a:rPr>
-              <a:t>rundenummer = 1		</a:t>
-            </a:r>
-            <a:r>
-              <a:rPr lang="nb-NO" sz="2600" dirty="0">
-                <a:solidFill>
-                  <a:schemeClr val="accent1">
-                    <a:lumMod val="60000"/>
-                    <a:lumOff val="40000"/>
-                  </a:schemeClr>
-                </a:solidFill>
-                <a:latin typeface="Consolas" panose="020B0609020204030204" pitchFamily="49" charset="0"/>
-              </a:rPr>
-              <a:t># Definerer </a:t>
-            </a:r>
-            <a:r>
-              <a:rPr lang="nb-NO" sz="2600" dirty="0">
-                <a:solidFill>
-                  <a:srgbClr val="48B295"/>
-                </a:solidFill>
-                <a:latin typeface="Consolas" panose="020B0609020204030204" pitchFamily="49" charset="0"/>
-              </a:rPr>
-              <a:t>variabelen</a:t>
-            </a:r>
-            <a:r>
-              <a:rPr lang="nb-NO" sz="2600" dirty="0">
-                <a:solidFill>
-                  <a:schemeClr val="accent1">
-                    <a:lumMod val="60000"/>
-                    <a:lumOff val="40000"/>
-                  </a:schemeClr>
-                </a:solidFill>
-                <a:latin typeface="Consolas" panose="020B0609020204030204" pitchFamily="49" charset="0"/>
-              </a:rPr>
-              <a:t> rundenummer</a:t>
-            </a:r>
-          </a:p>
-          <a:p>
-            <a:pPr marL="0" indent="0">
-              <a:buNone/>
-            </a:pPr>
-            <a:r>
-              <a:rPr lang="nb-NO" dirty="0">
-                <a:latin typeface="Consolas" panose="020B0609020204030204" pitchFamily="49" charset="0"/>
-              </a:rPr>
-              <a:t>		</a:t>
-            </a:r>
+              <a:t>FIZZBUZZ</a:t>
+            </a:r>
+          </a:p>
+          <a:p>
             <a:endParaRPr lang="nb-NO" dirty="0"/>
-          </a:p>
-          <a:p>
-            <a:r>
-              <a:rPr lang="nb-NO" dirty="0"/>
-              <a:t>Vi teller fra 1 til 10 etter tur. </a:t>
-            </a:r>
-          </a:p>
-          <a:p>
-            <a:r>
-              <a:rPr lang="nb-NO" dirty="0">
-                <a:solidFill>
-                  <a:schemeClr val="bg1">
-                    <a:lumMod val="50000"/>
-                    <a:lumOff val="50000"/>
-                  </a:schemeClr>
-                </a:solidFill>
-              </a:rPr>
-              <a:t>Hvis tallet du skal si er delelig med 2:</a:t>
-            </a:r>
-          </a:p>
-          <a:p>
-            <a:pPr lvl="1"/>
-            <a:r>
-              <a:rPr lang="nb-NO" dirty="0">
-                <a:solidFill>
-                  <a:schemeClr val="bg1">
-                    <a:lumMod val="50000"/>
-                    <a:lumOff val="50000"/>
-                  </a:schemeClr>
-                </a:solidFill>
-              </a:rPr>
-              <a:t>Si «FIZZ»</a:t>
-            </a:r>
-          </a:p>
-          <a:p>
-            <a:r>
-              <a:rPr lang="nb-NO" dirty="0">
-                <a:solidFill>
-                  <a:schemeClr val="bg1">
-                    <a:lumMod val="50000"/>
-                    <a:lumOff val="50000"/>
-                  </a:schemeClr>
-                </a:solidFill>
-              </a:rPr>
-              <a:t>Hvis tallet du skal si er delelig med 3:</a:t>
-            </a:r>
-          </a:p>
-          <a:p>
-            <a:pPr lvl="1"/>
-            <a:r>
-              <a:rPr lang="nb-NO" dirty="0">
-                <a:solidFill>
-                  <a:schemeClr val="bg1">
-                    <a:lumMod val="50000"/>
-                    <a:lumOff val="50000"/>
-                  </a:schemeClr>
-                </a:solidFill>
-              </a:rPr>
-              <a:t>Si «BUZZ»</a:t>
-            </a:r>
-          </a:p>
-          <a:p>
-            <a:r>
-              <a:rPr lang="nb-NO" dirty="0">
-                <a:solidFill>
-                  <a:schemeClr val="bg1">
-                    <a:lumMod val="50000"/>
-                    <a:lumOff val="50000"/>
-                  </a:schemeClr>
-                </a:solidFill>
-              </a:rPr>
-              <a:t>Hvis tallet du skal si er delelig med 2 og 3:</a:t>
-            </a:r>
-          </a:p>
-          <a:p>
-            <a:pPr lvl="1"/>
-            <a:r>
-              <a:rPr lang="nb-NO" dirty="0">
-                <a:solidFill>
-                  <a:schemeClr val="bg1">
-                    <a:lumMod val="50000"/>
-                    <a:lumOff val="50000"/>
-                  </a:schemeClr>
-                </a:solidFill>
-              </a:rPr>
-              <a:t>Si «FIZZBUZZ»</a:t>
-            </a:r>
-          </a:p>
-          <a:p>
-            <a:r>
-              <a:rPr lang="nb-NO" dirty="0">
-                <a:solidFill>
-                  <a:schemeClr val="bg1">
-                    <a:lumMod val="50000"/>
-                    <a:lumOff val="50000"/>
-                  </a:schemeClr>
-                </a:solidFill>
-              </a:rPr>
-              <a:t>Ellers:</a:t>
-            </a:r>
-          </a:p>
-          <a:p>
-            <a:pPr lvl="1"/>
-            <a:r>
-              <a:rPr lang="nb-NO" dirty="0">
-                <a:solidFill>
-                  <a:schemeClr val="bg1">
-                    <a:lumMod val="50000"/>
-                    <a:lumOff val="50000"/>
-                  </a:schemeClr>
-                </a:solidFill>
-              </a:rPr>
-              <a:t>Si tallet.</a:t>
-            </a:r>
           </a:p>
           <a:p>
             <a:pPr lvl="1"/>
@@ -13476,7 +12746,7 @@
           <p:cNvPr id="5" name="Footer Placeholder 4">
             <a:extLst>
               <a:ext uri="{FF2B5EF4-FFF2-40B4-BE49-F238E27FC236}">
-                <a16:creationId xmlns:a16="http://schemas.microsoft.com/office/drawing/2014/main" id="{D44DA1F1-BA14-4E83-AD27-0C0508B02969}"/>
+                <a16:creationId xmlns:a16="http://schemas.microsoft.com/office/drawing/2014/main" id="{767B00C4-1DF5-40AA-B029-F4C3630E7C6A}"/>
               </a:ext>
             </a:extLst>
           </p:cNvPr>
@@ -13516,7 +12786,7 @@
     </p:spTree>
     <p:extLst>
       <p:ext uri="{BB962C8B-B14F-4D97-AF65-F5344CB8AC3E}">
-        <p14:creationId xmlns:p14="http://schemas.microsoft.com/office/powerpoint/2010/main" val="1168703115"/>
+        <p14:creationId xmlns:p14="http://schemas.microsoft.com/office/powerpoint/2010/main" val="1957482780"/>
       </p:ext>
     </p:extLst>
   </p:cSld>
@@ -14605,21 +13875,6 @@
 </file>
 
 <file path=customXml/item1.xml><?xml version="1.0" encoding="utf-8"?>
-<p:properties xmlns:p="http://schemas.microsoft.com/office/2006/metadata/properties" xmlns:xsi="http://www.w3.org/2001/XMLSchema-instance" xmlns:pc="http://schemas.microsoft.com/office/infopath/2007/PartnerControls">
-  <documentManagement/>
-</p:properties>
-</file>
-
-<file path=customXml/item2.xml><?xml version="1.0" encoding="utf-8"?>
-<?mso-contentType ?>
-<FormTemplates xmlns="http://schemas.microsoft.com/sharepoint/v3/contenttype/forms">
-  <Display>DocumentLibraryForm</Display>
-  <Edit>DocumentLibraryForm</Edit>
-  <New>DocumentLibraryForm</New>
-</FormTemplates>
-</file>
-
-<file path=customXml/item3.xml><?xml version="1.0" encoding="utf-8"?>
 <ct:contentTypeSchema xmlns:ct="http://schemas.microsoft.com/office/2006/metadata/contentType" xmlns:ma="http://schemas.microsoft.com/office/2006/metadata/properties/metaAttributes" ct:_="" ma:_="" ma:contentTypeName="Document" ma:contentTypeID="0x01010016C8866D03E34B48841686518579C82E" ma:contentTypeVersion="9" ma:contentTypeDescription="Create a new document." ma:contentTypeScope="" ma:versionID="fdc90dfaa38f62fbf710a40f032d942a">
   <xsd:schema xmlns:xsd="http://www.w3.org/2001/XMLSchema" xmlns:xs="http://www.w3.org/2001/XMLSchema" xmlns:p="http://schemas.microsoft.com/office/2006/metadata/properties" xmlns:ns3="d6825be3-6367-44d3-85f5-b39c113bb9e2" xmlns:ns4="fc4421ab-83fb-4986-8788-82ed978005be" targetNamespace="http://schemas.microsoft.com/office/2006/metadata/properties" ma:root="true" ma:fieldsID="23bf39b307e2c9cf8ede89b1c3f8734b" ns3:_="" ns4:_="">
     <xsd:import namespace="d6825be3-6367-44d3-85f5-b39c113bb9e2"/>
@@ -14816,24 +14071,22 @@
 </ct:contentTypeSchema>
 </file>
 
-<file path=customXml/itemProps1.xml><?xml version="1.0" encoding="utf-8"?>
-<ds:datastoreItem xmlns:ds="http://schemas.openxmlformats.org/officeDocument/2006/customXml" ds:itemID="{28591F37-1B9F-40A3-900D-791619430ABD}">
-  <ds:schemaRefs>
-    <ds:schemaRef ds:uri="http://schemas.microsoft.com/office/2006/metadata/properties"/>
-    <ds:schemaRef ds:uri="http://schemas.microsoft.com/office/infopath/2007/PartnerControls"/>
-  </ds:schemaRefs>
-</ds:datastoreItem>
+<file path=customXml/item2.xml><?xml version="1.0" encoding="utf-8"?>
+<?mso-contentType ?>
+<FormTemplates xmlns="http://schemas.microsoft.com/sharepoint/v3/contenttype/forms">
+  <Display>DocumentLibraryForm</Display>
+  <Edit>DocumentLibraryForm</Edit>
+  <New>DocumentLibraryForm</New>
+</FormTemplates>
 </file>
 
-<file path=customXml/itemProps2.xml><?xml version="1.0" encoding="utf-8"?>
-<ds:datastoreItem xmlns:ds="http://schemas.openxmlformats.org/officeDocument/2006/customXml" ds:itemID="{A91E972C-1908-4138-8F23-71EEEC3AAB70}">
-  <ds:schemaRefs>
-    <ds:schemaRef ds:uri="http://schemas.microsoft.com/sharepoint/v3/contenttype/forms"/>
-  </ds:schemaRefs>
-</ds:datastoreItem>
+<file path=customXml/item3.xml><?xml version="1.0" encoding="utf-8"?>
+<p:properties xmlns:p="http://schemas.microsoft.com/office/2006/metadata/properties" xmlns:xsi="http://www.w3.org/2001/XMLSchema-instance" xmlns:pc="http://schemas.microsoft.com/office/infopath/2007/PartnerControls">
+  <documentManagement/>
+</p:properties>
 </file>
 
-<file path=customXml/itemProps3.xml><?xml version="1.0" encoding="utf-8"?>
+<file path=customXml/itemProps1.xml><?xml version="1.0" encoding="utf-8"?>
 <ds:datastoreItem xmlns:ds="http://schemas.openxmlformats.org/officeDocument/2006/customXml" ds:itemID="{EF40A0E1-43B2-4845-A4D9-24DE681333A9}">
   <ds:schemaRefs>
     <ds:schemaRef ds:uri="http://schemas.microsoft.com/office/2006/metadata/contentType"/>
@@ -14850,4 +14103,21 @@
     <ds:schemaRef ds:uri="http://schemas.microsoft.com/internal/obd"/>
   </ds:schemaRefs>
 </ds:datastoreItem>
+</file>
+
+<file path=customXml/itemProps2.xml><?xml version="1.0" encoding="utf-8"?>
+<ds:datastoreItem xmlns:ds="http://schemas.openxmlformats.org/officeDocument/2006/customXml" ds:itemID="{A91E972C-1908-4138-8F23-71EEEC3AAB70}">
+  <ds:schemaRefs>
+    <ds:schemaRef ds:uri="http://schemas.microsoft.com/sharepoint/v3/contenttype/forms"/>
+  </ds:schemaRefs>
+</ds:datastoreItem>
+</file>
+
+<file path=customXml/itemProps3.xml><?xml version="1.0" encoding="utf-8"?>
+<ds:datastoreItem xmlns:ds="http://schemas.openxmlformats.org/officeDocument/2006/customXml" ds:itemID="{28591F37-1B9F-40A3-900D-791619430ABD}">
+  <ds:schemaRefs>
+    <ds:schemaRef ds:uri="http://schemas.microsoft.com/office/2006/metadata/properties"/>
+    <ds:schemaRef ds:uri="http://schemas.microsoft.com/office/infopath/2007/PartnerControls"/>
+  </ds:schemaRefs>
+</ds:datastoreItem>
 </file>
--- a/_drafts/Oppgaver/Workshop/Workshop_2PP.pptx
+++ b/_drafts/Oppgaver/Workshop/Workshop_2PP.pptx
@@ -132,7 +132,7 @@
 <file path=ppt/revisionInfo.xml><?xml version="1.0" encoding="utf-8"?>
 <p1510:revInfo xmlns:a="http://schemas.openxmlformats.org/drawingml/2006/main" xmlns:r="http://schemas.openxmlformats.org/officeDocument/2006/relationships" xmlns:p1510="http://schemas.microsoft.com/office/powerpoint/2015/10/main">
   <p1510:revLst>
-    <p1510:client id="{CC2E105E-BB4D-42C2-B1F2-7BEBE9E9C317}" v="294" dt="2020-11-19T14:29:49.193"/>
+    <p1510:client id="{CC2E105E-BB4D-42C2-B1F2-7BEBE9E9C317}" v="297" dt="2020-11-23T14:01:53.518"/>
   </p1510:revLst>
 </p1510:revInfo>
 </file>
@@ -205,7 +205,7 @@
   <pc:docChgLst>
     <pc:chgData name="Henrik Løvik Njølstad" userId="778659e2-5eca-412f-ba00-4d07a820fe1f" providerId="ADAL" clId="{CC2E105E-BB4D-42C2-B1F2-7BEBE9E9C317}"/>
     <pc:docChg chg="undo custSel addSld delSld modSld sldOrd">
-      <pc:chgData name="Henrik Løvik Njølstad" userId="778659e2-5eca-412f-ba00-4d07a820fe1f" providerId="ADAL" clId="{CC2E105E-BB4D-42C2-B1F2-7BEBE9E9C317}" dt="2020-11-20T07:47:27.247" v="1056" actId="14100"/>
+      <pc:chgData name="Henrik Løvik Njølstad" userId="778659e2-5eca-412f-ba00-4d07a820fe1f" providerId="ADAL" clId="{CC2E105E-BB4D-42C2-B1F2-7BEBE9E9C317}" dt="2020-11-23T14:02:03.870" v="1068" actId="478"/>
       <pc:docMkLst>
         <pc:docMk/>
       </pc:docMkLst>
@@ -503,8 +503,8 @@
           </ac:picMkLst>
         </pc:picChg>
       </pc:sldChg>
-      <pc:sldChg chg="modSp add mod">
-        <pc:chgData name="Henrik Løvik Njølstad" userId="778659e2-5eca-412f-ba00-4d07a820fe1f" providerId="ADAL" clId="{CC2E105E-BB4D-42C2-B1F2-7BEBE9E9C317}" dt="2020-11-19T14:11:43.816" v="643" actId="20577"/>
+      <pc:sldChg chg="addSp delSp modSp add mod">
+        <pc:chgData name="Henrik Løvik Njølstad" userId="778659e2-5eca-412f-ba00-4d07a820fe1f" providerId="ADAL" clId="{CC2E105E-BB4D-42C2-B1F2-7BEBE9E9C317}" dt="2020-11-23T14:02:00.032" v="1067" actId="1076"/>
         <pc:sldMkLst>
           <pc:docMk/>
           <pc:sldMk cId="1957482780" sldId="280"/>
@@ -517,9 +517,25 @@
             <ac:spMk id="3" creationId="{18166937-65B3-4DC8-BB43-63584E0D60E0}"/>
           </ac:spMkLst>
         </pc:spChg>
+        <pc:picChg chg="add del mod">
+          <ac:chgData name="Henrik Løvik Njølstad" userId="778659e2-5eca-412f-ba00-4d07a820fe1f" providerId="ADAL" clId="{CC2E105E-BB4D-42C2-B1F2-7BEBE9E9C317}" dt="2020-11-23T14:01:43.551" v="1059" actId="21"/>
+          <ac:picMkLst>
+            <pc:docMk/>
+            <pc:sldMk cId="1957482780" sldId="280"/>
+            <ac:picMk id="4" creationId="{BF3BFAC4-C137-47D3-A75E-410694DE6322}"/>
+          </ac:picMkLst>
+        </pc:picChg>
+        <pc:picChg chg="add mod">
+          <ac:chgData name="Henrik Løvik Njølstad" userId="778659e2-5eca-412f-ba00-4d07a820fe1f" providerId="ADAL" clId="{CC2E105E-BB4D-42C2-B1F2-7BEBE9E9C317}" dt="2020-11-23T14:02:00.032" v="1067" actId="1076"/>
+          <ac:picMkLst>
+            <pc:docMk/>
+            <pc:sldMk cId="1957482780" sldId="280"/>
+            <ac:picMk id="6" creationId="{8EE9994E-7D7E-4F16-ACF9-D85B96375680}"/>
+          </ac:picMkLst>
+        </pc:picChg>
       </pc:sldChg>
-      <pc:sldChg chg="delSp add">
-        <pc:chgData name="Henrik Løvik Njølstad" userId="778659e2-5eca-412f-ba00-4d07a820fe1f" providerId="ADAL" clId="{CC2E105E-BB4D-42C2-B1F2-7BEBE9E9C317}" dt="2020-11-19T14:17:56.682" v="661" actId="478"/>
+      <pc:sldChg chg="addSp delSp modSp add mod">
+        <pc:chgData name="Henrik Løvik Njølstad" userId="778659e2-5eca-412f-ba00-4d07a820fe1f" providerId="ADAL" clId="{CC2E105E-BB4D-42C2-B1F2-7BEBE9E9C317}" dt="2020-11-23T14:02:03.870" v="1068" actId="478"/>
         <pc:sldMkLst>
           <pc:docMk/>
           <pc:sldMk cId="3918470979" sldId="281"/>
@@ -530,6 +546,14 @@
             <pc:docMk/>
             <pc:sldMk cId="3918470979" sldId="281"/>
             <ac:picMk id="6" creationId="{07328DD7-7C1F-4ABE-9456-36A31A8C81A4}"/>
+          </ac:picMkLst>
+        </pc:picChg>
+        <pc:picChg chg="add del mod">
+          <ac:chgData name="Henrik Løvik Njølstad" userId="778659e2-5eca-412f-ba00-4d07a820fe1f" providerId="ADAL" clId="{CC2E105E-BB4D-42C2-B1F2-7BEBE9E9C317}" dt="2020-11-23T14:02:03.870" v="1068" actId="478"/>
+          <ac:picMkLst>
+            <pc:docMk/>
+            <pc:sldMk cId="3918470979" sldId="281"/>
+            <ac:picMk id="6" creationId="{70D367F5-4081-49C8-B443-1FF66CD226A3}"/>
           </ac:picMkLst>
         </pc:picChg>
       </pc:sldChg>
@@ -1327,7 +1351,7 @@
           <a:p>
             <a:fld id="{1C183416-4547-4DE4-A491-59E4C0EC875B}" type="datetimeFigureOut">
               <a:rPr lang="nb-NO" smtClean="0"/>
-              <a:t>19.11.2020</a:t>
+              <a:t>23.11.2020</a:t>
             </a:fld>
             <a:endParaRPr lang="nb-NO"/>
           </a:p>
@@ -1659,6 +1683,90 @@
           <a:p>
             <a:fld id="{D95B9550-F2AC-4E79-AFA1-DC160CE0C43D}" type="slidenum">
               <a:rPr lang="nb-NO" smtClean="0"/>
+              <a:t>9</a:t>
+            </a:fld>
+            <a:endParaRPr lang="nb-NO"/>
+          </a:p>
+        </p:txBody>
+      </p:sp>
+    </p:spTree>
+    <p:extLst>
+      <p:ext uri="{BB962C8B-B14F-4D97-AF65-F5344CB8AC3E}">
+        <p14:creationId xmlns:p14="http://schemas.microsoft.com/office/powerpoint/2010/main" val="795777145"/>
+      </p:ext>
+    </p:extLst>
+  </p:cSld>
+  <p:clrMapOvr>
+    <a:masterClrMapping/>
+  </p:clrMapOvr>
+</p:notes>
+</file>
+
+<file path=ppt/notesSlides/notesSlide2.xml><?xml version="1.0" encoding="utf-8"?>
+<p:notes xmlns:a="http://schemas.openxmlformats.org/drawingml/2006/main" xmlns:r="http://schemas.openxmlformats.org/officeDocument/2006/relationships" xmlns:p="http://schemas.openxmlformats.org/presentationml/2006/main">
+  <p:cSld>
+    <p:spTree>
+      <p:nvGrpSpPr>
+        <p:cNvPr id="1" name=""/>
+        <p:cNvGrpSpPr/>
+        <p:nvPr/>
+      </p:nvGrpSpPr>
+      <p:grpSpPr>
+        <a:xfrm>
+          <a:off x="0" y="0"/>
+          <a:ext cx="0" cy="0"/>
+          <a:chOff x="0" y="0"/>
+          <a:chExt cx="0" cy="0"/>
+        </a:xfrm>
+      </p:grpSpPr>
+      <p:sp>
+        <p:nvSpPr>
+          <p:cNvPr id="2" name="Plassholder for lysbilde 1"/>
+          <p:cNvSpPr>
+            <a:spLocks noGrp="1" noRot="1" noChangeAspect="1"/>
+          </p:cNvSpPr>
+          <p:nvPr>
+            <p:ph type="sldImg"/>
+          </p:nvPr>
+        </p:nvSpPr>
+        <p:spPr/>
+      </p:sp>
+      <p:sp>
+        <p:nvSpPr>
+          <p:cNvPr id="3" name="Plassholder for notater 2"/>
+          <p:cNvSpPr>
+            <a:spLocks noGrp="1"/>
+          </p:cNvSpPr>
+          <p:nvPr>
+            <p:ph type="body" idx="1"/>
+          </p:nvPr>
+        </p:nvSpPr>
+        <p:spPr/>
+        <p:txBody>
+          <a:bodyPr/>
+          <a:lstStyle/>
+          <a:p>
+            <a:endParaRPr lang="nb-NO" dirty="0"/>
+          </a:p>
+        </p:txBody>
+      </p:sp>
+      <p:sp>
+        <p:nvSpPr>
+          <p:cNvPr id="4" name="Plassholder for lysbildenummer 3"/>
+          <p:cNvSpPr>
+            <a:spLocks noGrp="1"/>
+          </p:cNvSpPr>
+          <p:nvPr>
+            <p:ph type="sldNum" sz="quarter" idx="5"/>
+          </p:nvPr>
+        </p:nvSpPr>
+        <p:spPr/>
+        <p:txBody>
+          <a:bodyPr/>
+          <a:lstStyle/>
+          <a:p>
+            <a:fld id="{D95B9550-F2AC-4E79-AFA1-DC160CE0C43D}" type="slidenum">
+              <a:rPr lang="nb-NO" smtClean="0"/>
               <a:t>12</a:t>
             </a:fld>
             <a:endParaRPr lang="nb-NO"/>
@@ -1942,7 +2050,7 @@
           <a:p>
             <a:fld id="{689B78D6-20BD-4846-B0D0-B1807AA89A6A}" type="datetime1">
               <a:rPr lang="en-US" smtClean="0"/>
-              <a:t>11/19/2020</a:t>
+              <a:t>11/23/2020</a:t>
             </a:fld>
             <a:endParaRPr lang="en-US" dirty="0"/>
           </a:p>
@@ -2187,7 +2295,7 @@
           <a:p>
             <a:fld id="{CAC49898-619D-4EBA-9825-E85E94553AD2}" type="datetime1">
               <a:rPr lang="en-US" smtClean="0"/>
-              <a:t>11/19/2020</a:t>
+              <a:t>11/23/2020</a:t>
             </a:fld>
             <a:endParaRPr lang="nb-NO"/>
           </a:p>
@@ -2557,7 +2665,7 @@
           <a:p>
             <a:fld id="{4BBABEDE-746E-4986-ACEC-2DF96833B480}" type="datetime1">
               <a:rPr lang="en-US" smtClean="0"/>
-              <a:t>11/19/2020</a:t>
+              <a:t>11/23/2020</a:t>
             </a:fld>
             <a:endParaRPr lang="nb-NO"/>
           </a:p>
@@ -2678,7 +2786,7 @@
           <a:p>
             <a:fld id="{0B792F04-B201-4600-99E5-FFE097731B7F}" type="datetime1">
               <a:rPr lang="en-US" smtClean="0"/>
-              <a:t>11/19/2020</a:t>
+              <a:t>11/23/2020</a:t>
             </a:fld>
             <a:endParaRPr lang="nb-NO"/>
           </a:p>
@@ -2776,7 +2884,7 @@
           <a:p>
             <a:fld id="{A896B82A-4593-4349-B4F4-52B06B60F019}" type="datetime1">
               <a:rPr lang="en-US" smtClean="0"/>
-              <a:t>11/19/2020</a:t>
+              <a:t>11/23/2020</a:t>
             </a:fld>
             <a:endParaRPr lang="nb-NO"/>
           </a:p>
@@ -3056,7 +3164,7 @@
           <a:p>
             <a:fld id="{83077056-5187-4605-9A04-9F83E59F6785}" type="datetime1">
               <a:rPr lang="en-US" smtClean="0"/>
-              <a:t>11/19/2020</a:t>
+              <a:t>11/23/2020</a:t>
             </a:fld>
             <a:endParaRPr lang="nb-NO"/>
           </a:p>
@@ -3316,7 +3424,7 @@
           <a:p>
             <a:fld id="{1F02436D-1B29-4D0E-A891-F1B8C2AA612D}" type="datetime1">
               <a:rPr lang="en-US" smtClean="0"/>
-              <a:t>11/19/2020</a:t>
+              <a:t>11/23/2020</a:t>
             </a:fld>
             <a:endParaRPr lang="nb-NO"/>
           </a:p>
@@ -3458,7 +3566,7 @@
           <a:p>
             <a:fld id="{7F92C38A-00CC-4578-ABA8-6DDF940EFFC6}" type="datetime1">
               <a:rPr lang="en-US" smtClean="0"/>
-              <a:t>11/19/2020</a:t>
+              <a:t>11/23/2020</a:t>
             </a:fld>
             <a:endParaRPr lang="en-US" dirty="0"/>
           </a:p>
@@ -3652,7 +3760,7 @@
           <a:p>
             <a:fld id="{0F0876E8-1776-4A9D-AA9F-26E16A31783E}" type="datetime1">
               <a:rPr lang="en-US" smtClean="0"/>
-              <a:t>11/19/2020</a:t>
+              <a:t>11/23/2020</a:t>
             </a:fld>
             <a:endParaRPr lang="en-US" dirty="0"/>
           </a:p>
@@ -3897,7 +4005,7 @@
           <a:p>
             <a:fld id="{8B145C51-195A-4AD4-A9E7-5662BE6BA4D0}" type="datetime1">
               <a:rPr lang="en-US" smtClean="0"/>
-              <a:t>11/19/2020</a:t>
+              <a:t>11/23/2020</a:t>
             </a:fld>
             <a:endParaRPr lang="nb-NO"/>
           </a:p>
@@ -4070,7 +4178,7 @@
           <a:p>
             <a:fld id="{8EC67227-D3D4-490D-B16D-FCA5F18FF075}" type="datetime1">
               <a:rPr lang="en-US" smtClean="0"/>
-              <a:t>11/19/2020</a:t>
+              <a:t>11/23/2020</a:t>
             </a:fld>
             <a:endParaRPr lang="en-US" dirty="0"/>
           </a:p>
@@ -4440,7 +4548,7 @@
           <a:p>
             <a:fld id="{0CCFE2AC-89A1-4D53-AF25-27121FF59245}" type="datetime1">
               <a:rPr lang="en-US" smtClean="0"/>
-              <a:t>11/19/2020</a:t>
+              <a:t>11/23/2020</a:t>
             </a:fld>
             <a:endParaRPr lang="nb-NO"/>
           </a:p>
@@ -4561,7 +4669,7 @@
           <a:p>
             <a:fld id="{6B77C13B-6B0A-4B20-A4F5-40FE5F8CF7E5}" type="datetime1">
               <a:rPr lang="en-US" smtClean="0"/>
-              <a:t>11/19/2020</a:t>
+              <a:t>11/23/2020</a:t>
             </a:fld>
             <a:endParaRPr lang="nb-NO"/>
           </a:p>
@@ -4659,7 +4767,7 @@
           <a:p>
             <a:fld id="{09AB79EF-2957-491B-AAC8-322C806EFFD9}" type="datetime1">
               <a:rPr lang="en-US" smtClean="0"/>
-              <a:t>11/19/2020</a:t>
+              <a:t>11/23/2020</a:t>
             </a:fld>
             <a:endParaRPr lang="nb-NO"/>
           </a:p>
@@ -4939,7 +5047,7 @@
           <a:p>
             <a:fld id="{F0E7E48C-2BCC-498B-B35C-B93F7D43789F}" type="datetime1">
               <a:rPr lang="en-US" smtClean="0"/>
-              <a:t>11/19/2020</a:t>
+              <a:t>11/23/2020</a:t>
             </a:fld>
             <a:endParaRPr lang="nb-NO"/>
           </a:p>
@@ -5199,7 +5307,7 @@
           <a:p>
             <a:fld id="{BACB5408-DC42-44CF-8A3B-974FDC745E1A}" type="datetime1">
               <a:rPr lang="en-US" smtClean="0"/>
-              <a:t>11/19/2020</a:t>
+              <a:t>11/23/2020</a:t>
             </a:fld>
             <a:endParaRPr lang="nb-NO"/>
           </a:p>
@@ -5444,7 +5552,7 @@
           <a:p>
             <a:fld id="{0954A5A9-3A74-4FD4-9B3D-84F2CEB8CA5D}" type="datetime1">
               <a:rPr lang="en-US" smtClean="0"/>
-              <a:t>11/19/2020</a:t>
+              <a:t>11/23/2020</a:t>
             </a:fld>
             <a:endParaRPr lang="nb-NO"/>
           </a:p>
@@ -5814,7 +5922,7 @@
           <a:p>
             <a:fld id="{F8E9ACD6-42D8-47F5-88E0-D9CA32C9F8A1}" type="datetime1">
               <a:rPr lang="en-US" smtClean="0"/>
-              <a:t>11/19/2020</a:t>
+              <a:t>11/23/2020</a:t>
             </a:fld>
             <a:endParaRPr lang="nb-NO"/>
           </a:p>
@@ -5935,7 +6043,7 @@
           <a:p>
             <a:fld id="{2CF6ED32-7C1B-4D12-A32C-52A5945BFBE7}" type="datetime1">
               <a:rPr lang="en-US" smtClean="0"/>
-              <a:t>11/19/2020</a:t>
+              <a:t>11/23/2020</a:t>
             </a:fld>
             <a:endParaRPr lang="nb-NO"/>
           </a:p>
@@ -6033,7 +6141,7 @@
           <a:p>
             <a:fld id="{64182CD4-752B-4B6C-9DCC-297F228CBFE6}" type="datetime1">
               <a:rPr lang="en-US" smtClean="0"/>
-              <a:t>11/19/2020</a:t>
+              <a:t>11/23/2020</a:t>
             </a:fld>
             <a:endParaRPr lang="nb-NO"/>
           </a:p>
@@ -6313,7 +6421,7 @@
           <a:p>
             <a:fld id="{FF92BD09-88A7-48A3-9438-8F11B44DB753}" type="datetime1">
               <a:rPr lang="en-US" smtClean="0"/>
-              <a:t>11/19/2020</a:t>
+              <a:t>11/23/2020</a:t>
             </a:fld>
             <a:endParaRPr lang="nb-NO"/>
           </a:p>
@@ -6573,7 +6681,7 @@
           <a:p>
             <a:fld id="{78F519AB-9467-4563-B2E4-E70C348AB1BE}" type="datetime1">
               <a:rPr lang="en-US" smtClean="0"/>
-              <a:t>11/19/2020</a:t>
+              <a:t>11/23/2020</a:t>
             </a:fld>
             <a:endParaRPr lang="nb-NO"/>
           </a:p>
@@ -6715,7 +6823,7 @@
           <a:p>
             <a:fld id="{CDF62041-14DA-4A9B-A639-05A164CA2E4C}" type="datetime1">
               <a:rPr lang="en-US" smtClean="0"/>
-              <a:t>11/19/2020</a:t>
+              <a:t>11/23/2020</a:t>
             </a:fld>
             <a:endParaRPr lang="en-US" dirty="0"/>
           </a:p>
@@ -6991,7 +7099,7 @@
           <a:p>
             <a:fld id="{785B8D15-6870-4E1B-811C-57994D71C5B6}" type="datetime1">
               <a:rPr lang="en-US" smtClean="0"/>
-              <a:t>11/19/2020</a:t>
+              <a:t>11/23/2020</a:t>
             </a:fld>
             <a:endParaRPr lang="en-US" dirty="0"/>
           </a:p>
@@ -7532,7 +7640,7 @@
           <a:p>
             <a:fld id="{60FC07E0-8E40-4B6C-B24F-7CF0305B9C7B}" type="datetime1">
               <a:rPr lang="en-US" smtClean="0"/>
-              <a:t>11/19/2020</a:t>
+              <a:t>11/23/2020</a:t>
             </a:fld>
             <a:endParaRPr lang="en-US" dirty="0"/>
           </a:p>
@@ -8151,7 +8259,7 @@
           <a:p>
             <a:fld id="{BAA7CB9B-2627-411A-9C37-CCC42B5F422C}" type="datetime1">
               <a:rPr lang="en-US" smtClean="0"/>
-              <a:t>11/19/2020</a:t>
+              <a:t>11/23/2020</a:t>
             </a:fld>
             <a:endParaRPr lang="en-US" dirty="0"/>
           </a:p>
@@ -12783,6 +12891,36 @@
           </a:p>
         </p:txBody>
       </p:sp>
+      <p:pic>
+        <p:nvPicPr>
+          <p:cNvPr id="6" name="Bilde 5">
+            <a:extLst>
+              <a:ext uri="{FF2B5EF4-FFF2-40B4-BE49-F238E27FC236}">
+                <a16:creationId xmlns:a16="http://schemas.microsoft.com/office/drawing/2014/main" id="{8EE9994E-7D7E-4F16-ACF9-D85B96375680}"/>
+              </a:ext>
+            </a:extLst>
+          </p:cNvPr>
+          <p:cNvPicPr>
+            <a:picLocks noChangeAspect="1"/>
+          </p:cNvPicPr>
+          <p:nvPr/>
+        </p:nvPicPr>
+        <p:blipFill>
+          <a:blip r:embed="rId3"/>
+          <a:stretch>
+            <a:fillRect/>
+          </a:stretch>
+        </p:blipFill>
+        <p:spPr>
+          <a:xfrm>
+            <a:off x="940378" y="1572705"/>
+            <a:ext cx="3165416" cy="4477053"/>
+          </a:xfrm>
+          <a:prstGeom prst="rect">
+            <a:avLst/>
+          </a:prstGeom>
+        </p:spPr>
+      </p:pic>
     </p:spTree>
     <p:extLst>
       <p:ext uri="{BB962C8B-B14F-4D97-AF65-F5344CB8AC3E}">
@@ -13875,6 +14013,21 @@
 </file>
 
 <file path=customXml/item1.xml><?xml version="1.0" encoding="utf-8"?>
+<p:properties xmlns:p="http://schemas.microsoft.com/office/2006/metadata/properties" xmlns:xsi="http://www.w3.org/2001/XMLSchema-instance" xmlns:pc="http://schemas.microsoft.com/office/infopath/2007/PartnerControls">
+  <documentManagement/>
+</p:properties>
+</file>
+
+<file path=customXml/item2.xml><?xml version="1.0" encoding="utf-8"?>
+<?mso-contentType ?>
+<FormTemplates xmlns="http://schemas.microsoft.com/sharepoint/v3/contenttype/forms">
+  <Display>DocumentLibraryForm</Display>
+  <Edit>DocumentLibraryForm</Edit>
+  <New>DocumentLibraryForm</New>
+</FormTemplates>
+</file>
+
+<file path=customXml/item3.xml><?xml version="1.0" encoding="utf-8"?>
 <ct:contentTypeSchema xmlns:ct="http://schemas.microsoft.com/office/2006/metadata/contentType" xmlns:ma="http://schemas.microsoft.com/office/2006/metadata/properties/metaAttributes" ct:_="" ma:_="" ma:contentTypeName="Document" ma:contentTypeID="0x01010016C8866D03E34B48841686518579C82E" ma:contentTypeVersion="9" ma:contentTypeDescription="Create a new document." ma:contentTypeScope="" ma:versionID="fdc90dfaa38f62fbf710a40f032d942a">
   <xsd:schema xmlns:xsd="http://www.w3.org/2001/XMLSchema" xmlns:xs="http://www.w3.org/2001/XMLSchema" xmlns:p="http://schemas.microsoft.com/office/2006/metadata/properties" xmlns:ns3="d6825be3-6367-44d3-85f5-b39c113bb9e2" xmlns:ns4="fc4421ab-83fb-4986-8788-82ed978005be" targetNamespace="http://schemas.microsoft.com/office/2006/metadata/properties" ma:root="true" ma:fieldsID="23bf39b307e2c9cf8ede89b1c3f8734b" ns3:_="" ns4:_="">
     <xsd:import namespace="d6825be3-6367-44d3-85f5-b39c113bb9e2"/>
@@ -14071,22 +14224,24 @@
 </ct:contentTypeSchema>
 </file>
 
-<file path=customXml/item2.xml><?xml version="1.0" encoding="utf-8"?>
-<?mso-contentType ?>
-<FormTemplates xmlns="http://schemas.microsoft.com/sharepoint/v3/contenttype/forms">
-  <Display>DocumentLibraryForm</Display>
-  <Edit>DocumentLibraryForm</Edit>
-  <New>DocumentLibraryForm</New>
-</FormTemplates>
+<file path=customXml/itemProps1.xml><?xml version="1.0" encoding="utf-8"?>
+<ds:datastoreItem xmlns:ds="http://schemas.openxmlformats.org/officeDocument/2006/customXml" ds:itemID="{28591F37-1B9F-40A3-900D-791619430ABD}">
+  <ds:schemaRefs>
+    <ds:schemaRef ds:uri="http://schemas.microsoft.com/office/2006/metadata/properties"/>
+    <ds:schemaRef ds:uri="http://schemas.microsoft.com/office/infopath/2007/PartnerControls"/>
+  </ds:schemaRefs>
+</ds:datastoreItem>
 </file>
 
-<file path=customXml/item3.xml><?xml version="1.0" encoding="utf-8"?>
-<p:properties xmlns:p="http://schemas.microsoft.com/office/2006/metadata/properties" xmlns:xsi="http://www.w3.org/2001/XMLSchema-instance" xmlns:pc="http://schemas.microsoft.com/office/infopath/2007/PartnerControls">
-  <documentManagement/>
-</p:properties>
+<file path=customXml/itemProps2.xml><?xml version="1.0" encoding="utf-8"?>
+<ds:datastoreItem xmlns:ds="http://schemas.openxmlformats.org/officeDocument/2006/customXml" ds:itemID="{A91E972C-1908-4138-8F23-71EEEC3AAB70}">
+  <ds:schemaRefs>
+    <ds:schemaRef ds:uri="http://schemas.microsoft.com/sharepoint/v3/contenttype/forms"/>
+  </ds:schemaRefs>
+</ds:datastoreItem>
 </file>
 
-<file path=customXml/itemProps1.xml><?xml version="1.0" encoding="utf-8"?>
+<file path=customXml/itemProps3.xml><?xml version="1.0" encoding="utf-8"?>
 <ds:datastoreItem xmlns:ds="http://schemas.openxmlformats.org/officeDocument/2006/customXml" ds:itemID="{EF40A0E1-43B2-4845-A4D9-24DE681333A9}">
   <ds:schemaRefs>
     <ds:schemaRef ds:uri="http://schemas.microsoft.com/office/2006/metadata/contentType"/>
@@ -14103,21 +14258,4 @@
     <ds:schemaRef ds:uri="http://schemas.microsoft.com/internal/obd"/>
   </ds:schemaRefs>
 </ds:datastoreItem>
-</file>
-
-<file path=customXml/itemProps2.xml><?xml version="1.0" encoding="utf-8"?>
-<ds:datastoreItem xmlns:ds="http://schemas.openxmlformats.org/officeDocument/2006/customXml" ds:itemID="{A91E972C-1908-4138-8F23-71EEEC3AAB70}">
-  <ds:schemaRefs>
-    <ds:schemaRef ds:uri="http://schemas.microsoft.com/sharepoint/v3/contenttype/forms"/>
-  </ds:schemaRefs>
-</ds:datastoreItem>
-</file>
-
-<file path=customXml/itemProps3.xml><?xml version="1.0" encoding="utf-8"?>
-<ds:datastoreItem xmlns:ds="http://schemas.openxmlformats.org/officeDocument/2006/customXml" ds:itemID="{28591F37-1B9F-40A3-900D-791619430ABD}">
-  <ds:schemaRefs>
-    <ds:schemaRef ds:uri="http://schemas.microsoft.com/office/2006/metadata/properties"/>
-    <ds:schemaRef ds:uri="http://schemas.microsoft.com/office/infopath/2007/PartnerControls"/>
-  </ds:schemaRefs>
-</ds:datastoreItem>
 </file>
--- a/_drafts/Oppgaver/Workshop/Workshop_2PP.pptx
+++ b/_drafts/Oppgaver/Workshop/Workshop_2PP.pptx
@@ -7,7 +7,7 @@
     <p:sldMasterId id="2147483692" r:id="rId6"/>
   </p:sldMasterIdLst>
   <p:notesMasterIdLst>
-    <p:notesMasterId r:id="rId20"/>
+    <p:notesMasterId r:id="rId28"/>
   </p:notesMasterIdLst>
   <p:sldIdLst>
     <p:sldId id="257" r:id="rId7"/>
@@ -22,7 +22,15 @@
     <p:sldId id="282" r:id="rId16"/>
     <p:sldId id="283" r:id="rId17"/>
     <p:sldId id="284" r:id="rId18"/>
-    <p:sldId id="270" r:id="rId19"/>
+    <p:sldId id="285" r:id="rId19"/>
+    <p:sldId id="286" r:id="rId20"/>
+    <p:sldId id="291" r:id="rId21"/>
+    <p:sldId id="292" r:id="rId22"/>
+    <p:sldId id="293" r:id="rId23"/>
+    <p:sldId id="287" r:id="rId24"/>
+    <p:sldId id="288" r:id="rId25"/>
+    <p:sldId id="289" r:id="rId26"/>
+    <p:sldId id="270" r:id="rId27"/>
   </p:sldIdLst>
   <p:sldSz cx="12192000" cy="6858000"/>
   <p:notesSz cx="6858000" cy="9144000"/>
@@ -132,7 +140,7 @@
 <file path=ppt/revisionInfo.xml><?xml version="1.0" encoding="utf-8"?>
 <p1510:revInfo xmlns:a="http://schemas.openxmlformats.org/drawingml/2006/main" xmlns:r="http://schemas.openxmlformats.org/officeDocument/2006/relationships" xmlns:p1510="http://schemas.microsoft.com/office/powerpoint/2015/10/main">
   <p1510:revLst>
-    <p1510:client id="{CC2E105E-BB4D-42C2-B1F2-7BEBE9E9C317}" v="297" dt="2020-11-23T14:01:53.518"/>
+    <p1510:client id="{CC2E105E-BB4D-42C2-B1F2-7BEBE9E9C317}" v="331" dt="2020-11-23T14:50:58.728"/>
   </p1510:revLst>
 </p1510:revInfo>
 </file>
@@ -205,7 +213,7 @@
   <pc:docChgLst>
     <pc:chgData name="Henrik Løvik Njølstad" userId="778659e2-5eca-412f-ba00-4d07a820fe1f" providerId="ADAL" clId="{CC2E105E-BB4D-42C2-B1F2-7BEBE9E9C317}"/>
     <pc:docChg chg="undo custSel addSld delSld modSld sldOrd">
-      <pc:chgData name="Henrik Løvik Njølstad" userId="778659e2-5eca-412f-ba00-4d07a820fe1f" providerId="ADAL" clId="{CC2E105E-BB4D-42C2-B1F2-7BEBE9E9C317}" dt="2020-11-23T14:02:03.870" v="1068" actId="478"/>
+      <pc:chgData name="Henrik Løvik Njølstad" userId="778659e2-5eca-412f-ba00-4d07a820fe1f" providerId="ADAL" clId="{CC2E105E-BB4D-42C2-B1F2-7BEBE9E9C317}" dt="2020-11-23T14:51:49.978" v="1285" actId="20577"/>
       <pc:docMkLst>
         <pc:docMk/>
       </pc:docMkLst>
@@ -503,14 +511,14 @@
           </ac:picMkLst>
         </pc:picChg>
       </pc:sldChg>
-      <pc:sldChg chg="addSp delSp modSp add mod">
-        <pc:chgData name="Henrik Løvik Njølstad" userId="778659e2-5eca-412f-ba00-4d07a820fe1f" providerId="ADAL" clId="{CC2E105E-BB4D-42C2-B1F2-7BEBE9E9C317}" dt="2020-11-23T14:02:00.032" v="1067" actId="1076"/>
+      <pc:sldChg chg="addSp delSp modSp add mod modAnim">
+        <pc:chgData name="Henrik Løvik Njølstad" userId="778659e2-5eca-412f-ba00-4d07a820fe1f" providerId="ADAL" clId="{CC2E105E-BB4D-42C2-B1F2-7BEBE9E9C317}" dt="2020-11-23T14:42:15.048" v="1089"/>
         <pc:sldMkLst>
           <pc:docMk/>
           <pc:sldMk cId="1957482780" sldId="280"/>
         </pc:sldMkLst>
         <pc:spChg chg="mod">
-          <ac:chgData name="Henrik Løvik Njølstad" userId="778659e2-5eca-412f-ba00-4d07a820fe1f" providerId="ADAL" clId="{CC2E105E-BB4D-42C2-B1F2-7BEBE9E9C317}" dt="2020-11-19T14:11:43.816" v="643" actId="20577"/>
+          <ac:chgData name="Henrik Løvik Njølstad" userId="778659e2-5eca-412f-ba00-4d07a820fe1f" providerId="ADAL" clId="{CC2E105E-BB4D-42C2-B1F2-7BEBE9E9C317}" dt="2020-11-23T14:41:48.907" v="1084" actId="20577"/>
           <ac:spMkLst>
             <pc:docMk/>
             <pc:sldMk cId="1957482780" sldId="280"/>
@@ -525,12 +533,52 @@
             <ac:picMk id="4" creationId="{BF3BFAC4-C137-47D3-A75E-410694DE6322}"/>
           </ac:picMkLst>
         </pc:picChg>
-        <pc:picChg chg="add mod">
-          <ac:chgData name="Henrik Løvik Njølstad" userId="778659e2-5eca-412f-ba00-4d07a820fe1f" providerId="ADAL" clId="{CC2E105E-BB4D-42C2-B1F2-7BEBE9E9C317}" dt="2020-11-23T14:02:00.032" v="1067" actId="1076"/>
+        <pc:picChg chg="add del mod">
+          <ac:chgData name="Henrik Løvik Njølstad" userId="778659e2-5eca-412f-ba00-4d07a820fe1f" providerId="ADAL" clId="{CC2E105E-BB4D-42C2-B1F2-7BEBE9E9C317}" dt="2020-11-23T14:41:27.813" v="1078" actId="478"/>
           <ac:picMkLst>
             <pc:docMk/>
             <pc:sldMk cId="1957482780" sldId="280"/>
             <ac:picMk id="6" creationId="{8EE9994E-7D7E-4F16-ACF9-D85B96375680}"/>
+          </ac:picMkLst>
+        </pc:picChg>
+        <pc:picChg chg="add del mod">
+          <ac:chgData name="Henrik Løvik Njølstad" userId="778659e2-5eca-412f-ba00-4d07a820fe1f" providerId="ADAL" clId="{CC2E105E-BB4D-42C2-B1F2-7BEBE9E9C317}" dt="2020-11-23T14:37:54.294" v="1072" actId="478"/>
+          <ac:picMkLst>
+            <pc:docMk/>
+            <pc:sldMk cId="1957482780" sldId="280"/>
+            <ac:picMk id="1026" creationId="{9BFCBA1C-CAD3-4D4D-B69E-F3D1C3CD5E4E}"/>
+          </ac:picMkLst>
+        </pc:picChg>
+        <pc:picChg chg="add del">
+          <ac:chgData name="Henrik Løvik Njølstad" userId="778659e2-5eca-412f-ba00-4d07a820fe1f" providerId="ADAL" clId="{CC2E105E-BB4D-42C2-B1F2-7BEBE9E9C317}" dt="2020-11-23T14:37:54.294" v="1072" actId="478"/>
+          <ac:picMkLst>
+            <pc:docMk/>
+            <pc:sldMk cId="1957482780" sldId="280"/>
+            <ac:picMk id="1028" creationId="{DC05D943-AC99-4AEE-95C0-1481EB016310}"/>
+          </ac:picMkLst>
+        </pc:picChg>
+        <pc:picChg chg="add del mod">
+          <ac:chgData name="Henrik Løvik Njølstad" userId="778659e2-5eca-412f-ba00-4d07a820fe1f" providerId="ADAL" clId="{CC2E105E-BB4D-42C2-B1F2-7BEBE9E9C317}" dt="2020-11-23T14:38:53.911" v="1075" actId="478"/>
+          <ac:picMkLst>
+            <pc:docMk/>
+            <pc:sldMk cId="1957482780" sldId="280"/>
+            <ac:picMk id="1030" creationId="{0E03AB79-C275-4DDD-9173-1D58A75F75B4}"/>
+          </ac:picMkLst>
+        </pc:picChg>
+        <pc:picChg chg="add mod">
+          <ac:chgData name="Henrik Løvik Njølstad" userId="778659e2-5eca-412f-ba00-4d07a820fe1f" providerId="ADAL" clId="{CC2E105E-BB4D-42C2-B1F2-7BEBE9E9C317}" dt="2020-11-23T14:42:01.109" v="1086" actId="1076"/>
+          <ac:picMkLst>
+            <pc:docMk/>
+            <pc:sldMk cId="1957482780" sldId="280"/>
+            <ac:picMk id="1032" creationId="{0FB1949E-CB87-44AD-B2AF-37A797B6240B}"/>
+          </ac:picMkLst>
+        </pc:picChg>
+        <pc:picChg chg="add mod">
+          <ac:chgData name="Henrik Løvik Njølstad" userId="778659e2-5eca-412f-ba00-4d07a820fe1f" providerId="ADAL" clId="{CC2E105E-BB4D-42C2-B1F2-7BEBE9E9C317}" dt="2020-11-23T14:42:07.298" v="1087" actId="1076"/>
+          <ac:picMkLst>
+            <pc:docMk/>
+            <pc:sldMk cId="1957482780" sldId="280"/>
+            <ac:picMk id="1034" creationId="{BF98F9A7-C1AC-44FA-ADC5-DE669DFF785F}"/>
           </ac:picMkLst>
         </pc:picChg>
       </pc:sldChg>
@@ -596,16 +644,149 @@
         </pc:spChg>
       </pc:sldChg>
       <pc:sldChg chg="modSp add mod">
-        <pc:chgData name="Henrik Løvik Njølstad" userId="778659e2-5eca-412f-ba00-4d07a820fe1f" providerId="ADAL" clId="{CC2E105E-BB4D-42C2-B1F2-7BEBE9E9C317}" dt="2020-11-20T07:47:27.247" v="1056" actId="14100"/>
+        <pc:chgData name="Henrik Løvik Njølstad" userId="778659e2-5eca-412f-ba00-4d07a820fe1f" providerId="ADAL" clId="{CC2E105E-BB4D-42C2-B1F2-7BEBE9E9C317}" dt="2020-11-23T14:44:38.618" v="1143" actId="20577"/>
         <pc:sldMkLst>
           <pc:docMk/>
           <pc:sldMk cId="1175986555" sldId="284"/>
         </pc:sldMkLst>
         <pc:spChg chg="mod">
-          <ac:chgData name="Henrik Løvik Njølstad" userId="778659e2-5eca-412f-ba00-4d07a820fe1f" providerId="ADAL" clId="{CC2E105E-BB4D-42C2-B1F2-7BEBE9E9C317}" dt="2020-11-20T07:47:27.247" v="1056" actId="14100"/>
+          <ac:chgData name="Henrik Løvik Njølstad" userId="778659e2-5eca-412f-ba00-4d07a820fe1f" providerId="ADAL" clId="{CC2E105E-BB4D-42C2-B1F2-7BEBE9E9C317}" dt="2020-11-23T14:44:38.618" v="1143" actId="20577"/>
           <ac:spMkLst>
             <pc:docMk/>
             <pc:sldMk cId="1175986555" sldId="284"/>
+            <ac:spMk id="3" creationId="{18166937-65B3-4DC8-BB43-63584E0D60E0}"/>
+          </ac:spMkLst>
+        </pc:spChg>
+      </pc:sldChg>
+      <pc:sldChg chg="add">
+        <pc:chgData name="Henrik Løvik Njølstad" userId="778659e2-5eca-412f-ba00-4d07a820fe1f" providerId="ADAL" clId="{CC2E105E-BB4D-42C2-B1F2-7BEBE9E9C317}" dt="2020-11-23T14:44:33.998" v="1140"/>
+        <pc:sldMkLst>
+          <pc:docMk/>
+          <pc:sldMk cId="1856889016" sldId="285"/>
+        </pc:sldMkLst>
+      </pc:sldChg>
+      <pc:sldChg chg="addSp modSp add del mod">
+        <pc:chgData name="Henrik Løvik Njølstad" userId="778659e2-5eca-412f-ba00-4d07a820fe1f" providerId="ADAL" clId="{CC2E105E-BB4D-42C2-B1F2-7BEBE9E9C317}" dt="2020-11-23T14:50:00.956" v="1231" actId="47"/>
+        <pc:sldMkLst>
+          <pc:docMk/>
+          <pc:sldMk cId="59968565" sldId="286"/>
+        </pc:sldMkLst>
+        <pc:spChg chg="mod">
+          <ac:chgData name="Henrik Løvik Njølstad" userId="778659e2-5eca-412f-ba00-4d07a820fe1f" providerId="ADAL" clId="{CC2E105E-BB4D-42C2-B1F2-7BEBE9E9C317}" dt="2020-11-23T14:49:21.352" v="1220" actId="20577"/>
+          <ac:spMkLst>
+            <pc:docMk/>
+            <pc:sldMk cId="59968565" sldId="286"/>
+            <ac:spMk id="3" creationId="{18166937-65B3-4DC8-BB43-63584E0D60E0}"/>
+          </ac:spMkLst>
+        </pc:spChg>
+        <pc:picChg chg="add mod">
+          <ac:chgData name="Henrik Løvik Njølstad" userId="778659e2-5eca-412f-ba00-4d07a820fe1f" providerId="ADAL" clId="{CC2E105E-BB4D-42C2-B1F2-7BEBE9E9C317}" dt="2020-11-23T14:47:36.437" v="1148" actId="1076"/>
+          <ac:picMkLst>
+            <pc:docMk/>
+            <pc:sldMk cId="59968565" sldId="286"/>
+            <ac:picMk id="2050" creationId="{497BAC9D-3202-437C-B12B-E3164F1AB1E7}"/>
+          </ac:picMkLst>
+        </pc:picChg>
+      </pc:sldChg>
+      <pc:sldChg chg="modSp add mod">
+        <pc:chgData name="Henrik Løvik Njølstad" userId="778659e2-5eca-412f-ba00-4d07a820fe1f" providerId="ADAL" clId="{CC2E105E-BB4D-42C2-B1F2-7BEBE9E9C317}" dt="2020-11-23T14:51:16.617" v="1269" actId="6549"/>
+        <pc:sldMkLst>
+          <pc:docMk/>
+          <pc:sldMk cId="3470671077" sldId="287"/>
+        </pc:sldMkLst>
+        <pc:spChg chg="mod">
+          <ac:chgData name="Henrik Løvik Njølstad" userId="778659e2-5eca-412f-ba00-4d07a820fe1f" providerId="ADAL" clId="{CC2E105E-BB4D-42C2-B1F2-7BEBE9E9C317}" dt="2020-11-23T14:51:16.617" v="1269" actId="6549"/>
+          <ac:spMkLst>
+            <pc:docMk/>
+            <pc:sldMk cId="3470671077" sldId="287"/>
+            <ac:spMk id="3" creationId="{18166937-65B3-4DC8-BB43-63584E0D60E0}"/>
+          </ac:spMkLst>
+        </pc:spChg>
+      </pc:sldChg>
+      <pc:sldChg chg="modSp add mod">
+        <pc:chgData name="Henrik Løvik Njølstad" userId="778659e2-5eca-412f-ba00-4d07a820fe1f" providerId="ADAL" clId="{CC2E105E-BB4D-42C2-B1F2-7BEBE9E9C317}" dt="2020-11-23T14:49:31.482" v="1225" actId="20577"/>
+        <pc:sldMkLst>
+          <pc:docMk/>
+          <pc:sldMk cId="3513622728" sldId="288"/>
+        </pc:sldMkLst>
+        <pc:spChg chg="mod">
+          <ac:chgData name="Henrik Løvik Njølstad" userId="778659e2-5eca-412f-ba00-4d07a820fe1f" providerId="ADAL" clId="{CC2E105E-BB4D-42C2-B1F2-7BEBE9E9C317}" dt="2020-11-23T14:49:31.482" v="1225" actId="20577"/>
+          <ac:spMkLst>
+            <pc:docMk/>
+            <pc:sldMk cId="3513622728" sldId="288"/>
+            <ac:spMk id="3" creationId="{18166937-65B3-4DC8-BB43-63584E0D60E0}"/>
+          </ac:spMkLst>
+        </pc:spChg>
+      </pc:sldChg>
+      <pc:sldChg chg="add">
+        <pc:chgData name="Henrik Løvik Njølstad" userId="778659e2-5eca-412f-ba00-4d07a820fe1f" providerId="ADAL" clId="{CC2E105E-BB4D-42C2-B1F2-7BEBE9E9C317}" dt="2020-11-23T14:49:28.228" v="1223"/>
+        <pc:sldMkLst>
+          <pc:docMk/>
+          <pc:sldMk cId="436915314" sldId="289"/>
+        </pc:sldMkLst>
+      </pc:sldChg>
+      <pc:sldChg chg="add del">
+        <pc:chgData name="Henrik Løvik Njølstad" userId="778659e2-5eca-412f-ba00-4d07a820fe1f" providerId="ADAL" clId="{CC2E105E-BB4D-42C2-B1F2-7BEBE9E9C317}" dt="2020-11-23T14:49:50.962" v="1228" actId="47"/>
+        <pc:sldMkLst>
+          <pc:docMk/>
+          <pc:sldMk cId="680791875" sldId="290"/>
+        </pc:sldMkLst>
+      </pc:sldChg>
+      <pc:sldChg chg="modSp add mod">
+        <pc:chgData name="Henrik Løvik Njølstad" userId="778659e2-5eca-412f-ba00-4d07a820fe1f" providerId="ADAL" clId="{CC2E105E-BB4D-42C2-B1F2-7BEBE9E9C317}" dt="2020-11-23T14:50:27.722" v="1258" actId="20577"/>
+        <pc:sldMkLst>
+          <pc:docMk/>
+          <pc:sldMk cId="1040056657" sldId="291"/>
+        </pc:sldMkLst>
+        <pc:spChg chg="mod">
+          <ac:chgData name="Henrik Løvik Njølstad" userId="778659e2-5eca-412f-ba00-4d07a820fe1f" providerId="ADAL" clId="{CC2E105E-BB4D-42C2-B1F2-7BEBE9E9C317}" dt="2020-11-23T14:50:27.722" v="1258" actId="20577"/>
+          <ac:spMkLst>
+            <pc:docMk/>
+            <pc:sldMk cId="1040056657" sldId="291"/>
+            <ac:spMk id="3" creationId="{18166937-65B3-4DC8-BB43-63584E0D60E0}"/>
+          </ac:spMkLst>
+        </pc:spChg>
+      </pc:sldChg>
+      <pc:sldChg chg="add del">
+        <pc:chgData name="Henrik Løvik Njølstad" userId="778659e2-5eca-412f-ba00-4d07a820fe1f" providerId="ADAL" clId="{CC2E105E-BB4D-42C2-B1F2-7BEBE9E9C317}" dt="2020-11-23T14:50:28.643" v="1260"/>
+        <pc:sldMkLst>
+          <pc:docMk/>
+          <pc:sldMk cId="1219285030" sldId="292"/>
+        </pc:sldMkLst>
+      </pc:sldChg>
+      <pc:sldChg chg="modSp add mod">
+        <pc:chgData name="Henrik Løvik Njølstad" userId="778659e2-5eca-412f-ba00-4d07a820fe1f" providerId="ADAL" clId="{CC2E105E-BB4D-42C2-B1F2-7BEBE9E9C317}" dt="2020-11-23T14:50:42.127" v="1262"/>
+        <pc:sldMkLst>
+          <pc:docMk/>
+          <pc:sldMk cId="3374629622" sldId="292"/>
+        </pc:sldMkLst>
+        <pc:spChg chg="mod">
+          <ac:chgData name="Henrik Løvik Njølstad" userId="778659e2-5eca-412f-ba00-4d07a820fe1f" providerId="ADAL" clId="{CC2E105E-BB4D-42C2-B1F2-7BEBE9E9C317}" dt="2020-11-23T14:50:42.127" v="1262"/>
+          <ac:spMkLst>
+            <pc:docMk/>
+            <pc:sldMk cId="3374629622" sldId="292"/>
+            <ac:spMk id="3" creationId="{18166937-65B3-4DC8-BB43-63584E0D60E0}"/>
+          </ac:spMkLst>
+        </pc:spChg>
+      </pc:sldChg>
+      <pc:sldChg chg="add del">
+        <pc:chgData name="Henrik Løvik Njølstad" userId="778659e2-5eca-412f-ba00-4d07a820fe1f" providerId="ADAL" clId="{CC2E105E-BB4D-42C2-B1F2-7BEBE9E9C317}" dt="2020-11-23T14:50:02.935" v="1232" actId="47"/>
+        <pc:sldMkLst>
+          <pc:docMk/>
+          <pc:sldMk cId="3755456630" sldId="292"/>
+        </pc:sldMkLst>
+      </pc:sldChg>
+      <pc:sldChg chg="modSp add mod">
+        <pc:chgData name="Henrik Løvik Njølstad" userId="778659e2-5eca-412f-ba00-4d07a820fe1f" providerId="ADAL" clId="{CC2E105E-BB4D-42C2-B1F2-7BEBE9E9C317}" dt="2020-11-23T14:51:49.978" v="1285" actId="20577"/>
+        <pc:sldMkLst>
+          <pc:docMk/>
+          <pc:sldMk cId="2355140278" sldId="293"/>
+        </pc:sldMkLst>
+        <pc:spChg chg="mod">
+          <ac:chgData name="Henrik Løvik Njølstad" userId="778659e2-5eca-412f-ba00-4d07a820fe1f" providerId="ADAL" clId="{CC2E105E-BB4D-42C2-B1F2-7BEBE9E9C317}" dt="2020-11-23T14:51:49.978" v="1285" actId="20577"/>
+          <ac:spMkLst>
+            <pc:docMk/>
+            <pc:sldMk cId="2355140278" sldId="293"/>
             <ac:spMk id="3" creationId="{18166937-65B3-4DC8-BB43-63584E0D60E0}"/>
           </ac:spMkLst>
         </pc:spChg>
@@ -1702,6 +1883,90 @@
 </p:notes>
 </file>
 
+<file path=ppt/notesSlides/notesSlide10.xml><?xml version="1.0" encoding="utf-8"?>
+<p:notes xmlns:a="http://schemas.openxmlformats.org/drawingml/2006/main" xmlns:r="http://schemas.openxmlformats.org/officeDocument/2006/relationships" xmlns:p="http://schemas.openxmlformats.org/presentationml/2006/main">
+  <p:cSld>
+    <p:spTree>
+      <p:nvGrpSpPr>
+        <p:cNvPr id="1" name=""/>
+        <p:cNvGrpSpPr/>
+        <p:nvPr/>
+      </p:nvGrpSpPr>
+      <p:grpSpPr>
+        <a:xfrm>
+          <a:off x="0" y="0"/>
+          <a:ext cx="0" cy="0"/>
+          <a:chOff x="0" y="0"/>
+          <a:chExt cx="0" cy="0"/>
+        </a:xfrm>
+      </p:grpSpPr>
+      <p:sp>
+        <p:nvSpPr>
+          <p:cNvPr id="2" name="Plassholder for lysbilde 1"/>
+          <p:cNvSpPr>
+            <a:spLocks noGrp="1" noRot="1" noChangeAspect="1"/>
+          </p:cNvSpPr>
+          <p:nvPr>
+            <p:ph type="sldImg"/>
+          </p:nvPr>
+        </p:nvSpPr>
+        <p:spPr/>
+      </p:sp>
+      <p:sp>
+        <p:nvSpPr>
+          <p:cNvPr id="3" name="Plassholder for notater 2"/>
+          <p:cNvSpPr>
+            <a:spLocks noGrp="1"/>
+          </p:cNvSpPr>
+          <p:nvPr>
+            <p:ph type="body" idx="1"/>
+          </p:nvPr>
+        </p:nvSpPr>
+        <p:spPr/>
+        <p:txBody>
+          <a:bodyPr/>
+          <a:lstStyle/>
+          <a:p>
+            <a:endParaRPr lang="nb-NO" dirty="0"/>
+          </a:p>
+        </p:txBody>
+      </p:sp>
+      <p:sp>
+        <p:nvSpPr>
+          <p:cNvPr id="4" name="Plassholder for lysbildenummer 3"/>
+          <p:cNvSpPr>
+            <a:spLocks noGrp="1"/>
+          </p:cNvSpPr>
+          <p:nvPr>
+            <p:ph type="sldNum" sz="quarter" idx="5"/>
+          </p:nvPr>
+        </p:nvSpPr>
+        <p:spPr/>
+        <p:txBody>
+          <a:bodyPr/>
+          <a:lstStyle/>
+          <a:p>
+            <a:fld id="{D95B9550-F2AC-4E79-AFA1-DC160CE0C43D}" type="slidenum">
+              <a:rPr lang="nb-NO" smtClean="0"/>
+              <a:t>20</a:t>
+            </a:fld>
+            <a:endParaRPr lang="nb-NO"/>
+          </a:p>
+        </p:txBody>
+      </p:sp>
+    </p:spTree>
+    <p:extLst>
+      <p:ext uri="{BB962C8B-B14F-4D97-AF65-F5344CB8AC3E}">
+        <p14:creationId xmlns:p14="http://schemas.microsoft.com/office/powerpoint/2010/main" val="1967120508"/>
+      </p:ext>
+    </p:extLst>
+  </p:cSld>
+  <p:clrMapOvr>
+    <a:masterClrMapping/>
+  </p:clrMapOvr>
+</p:notes>
+</file>
+
 <file path=ppt/notesSlides/notesSlide2.xml><?xml version="1.0" encoding="utf-8"?>
 <p:notes xmlns:a="http://schemas.openxmlformats.org/drawingml/2006/main" xmlns:r="http://schemas.openxmlformats.org/officeDocument/2006/relationships" xmlns:p="http://schemas.openxmlformats.org/presentationml/2006/main">
   <p:cSld>
@@ -1777,6 +2042,594 @@
     <p:extLst>
       <p:ext uri="{BB962C8B-B14F-4D97-AF65-F5344CB8AC3E}">
         <p14:creationId xmlns:p14="http://schemas.microsoft.com/office/powerpoint/2010/main" val="2749309268"/>
+      </p:ext>
+    </p:extLst>
+  </p:cSld>
+  <p:clrMapOvr>
+    <a:masterClrMapping/>
+  </p:clrMapOvr>
+</p:notes>
+</file>
+
+<file path=ppt/notesSlides/notesSlide3.xml><?xml version="1.0" encoding="utf-8"?>
+<p:notes xmlns:a="http://schemas.openxmlformats.org/drawingml/2006/main" xmlns:r="http://schemas.openxmlformats.org/officeDocument/2006/relationships" xmlns:p="http://schemas.openxmlformats.org/presentationml/2006/main">
+  <p:cSld>
+    <p:spTree>
+      <p:nvGrpSpPr>
+        <p:cNvPr id="1" name=""/>
+        <p:cNvGrpSpPr/>
+        <p:nvPr/>
+      </p:nvGrpSpPr>
+      <p:grpSpPr>
+        <a:xfrm>
+          <a:off x="0" y="0"/>
+          <a:ext cx="0" cy="0"/>
+          <a:chOff x="0" y="0"/>
+          <a:chExt cx="0" cy="0"/>
+        </a:xfrm>
+      </p:grpSpPr>
+      <p:sp>
+        <p:nvSpPr>
+          <p:cNvPr id="2" name="Plassholder for lysbilde 1"/>
+          <p:cNvSpPr>
+            <a:spLocks noGrp="1" noRot="1" noChangeAspect="1"/>
+          </p:cNvSpPr>
+          <p:nvPr>
+            <p:ph type="sldImg"/>
+          </p:nvPr>
+        </p:nvSpPr>
+        <p:spPr/>
+      </p:sp>
+      <p:sp>
+        <p:nvSpPr>
+          <p:cNvPr id="3" name="Plassholder for notater 2"/>
+          <p:cNvSpPr>
+            <a:spLocks noGrp="1"/>
+          </p:cNvSpPr>
+          <p:nvPr>
+            <p:ph type="body" idx="1"/>
+          </p:nvPr>
+        </p:nvSpPr>
+        <p:spPr/>
+        <p:txBody>
+          <a:bodyPr/>
+          <a:lstStyle/>
+          <a:p>
+            <a:endParaRPr lang="nb-NO" dirty="0"/>
+          </a:p>
+        </p:txBody>
+      </p:sp>
+      <p:sp>
+        <p:nvSpPr>
+          <p:cNvPr id="4" name="Plassholder for lysbildenummer 3"/>
+          <p:cNvSpPr>
+            <a:spLocks noGrp="1"/>
+          </p:cNvSpPr>
+          <p:nvPr>
+            <p:ph type="sldNum" sz="quarter" idx="5"/>
+          </p:nvPr>
+        </p:nvSpPr>
+        <p:spPr/>
+        <p:txBody>
+          <a:bodyPr/>
+          <a:lstStyle/>
+          <a:p>
+            <a:fld id="{D95B9550-F2AC-4E79-AFA1-DC160CE0C43D}" type="slidenum">
+              <a:rPr lang="nb-NO" smtClean="0"/>
+              <a:t>13</a:t>
+            </a:fld>
+            <a:endParaRPr lang="nb-NO"/>
+          </a:p>
+        </p:txBody>
+      </p:sp>
+    </p:spTree>
+    <p:extLst>
+      <p:ext uri="{BB962C8B-B14F-4D97-AF65-F5344CB8AC3E}">
+        <p14:creationId xmlns:p14="http://schemas.microsoft.com/office/powerpoint/2010/main" val="1708859480"/>
+      </p:ext>
+    </p:extLst>
+  </p:cSld>
+  <p:clrMapOvr>
+    <a:masterClrMapping/>
+  </p:clrMapOvr>
+</p:notes>
+</file>
+
+<file path=ppt/notesSlides/notesSlide4.xml><?xml version="1.0" encoding="utf-8"?>
+<p:notes xmlns:a="http://schemas.openxmlformats.org/drawingml/2006/main" xmlns:r="http://schemas.openxmlformats.org/officeDocument/2006/relationships" xmlns:p="http://schemas.openxmlformats.org/presentationml/2006/main">
+  <p:cSld>
+    <p:spTree>
+      <p:nvGrpSpPr>
+        <p:cNvPr id="1" name=""/>
+        <p:cNvGrpSpPr/>
+        <p:nvPr/>
+      </p:nvGrpSpPr>
+      <p:grpSpPr>
+        <a:xfrm>
+          <a:off x="0" y="0"/>
+          <a:ext cx="0" cy="0"/>
+          <a:chOff x="0" y="0"/>
+          <a:chExt cx="0" cy="0"/>
+        </a:xfrm>
+      </p:grpSpPr>
+      <p:sp>
+        <p:nvSpPr>
+          <p:cNvPr id="2" name="Plassholder for lysbilde 1"/>
+          <p:cNvSpPr>
+            <a:spLocks noGrp="1" noRot="1" noChangeAspect="1"/>
+          </p:cNvSpPr>
+          <p:nvPr>
+            <p:ph type="sldImg"/>
+          </p:nvPr>
+        </p:nvSpPr>
+        <p:spPr/>
+      </p:sp>
+      <p:sp>
+        <p:nvSpPr>
+          <p:cNvPr id="3" name="Plassholder for notater 2"/>
+          <p:cNvSpPr>
+            <a:spLocks noGrp="1"/>
+          </p:cNvSpPr>
+          <p:nvPr>
+            <p:ph type="body" idx="1"/>
+          </p:nvPr>
+        </p:nvSpPr>
+        <p:spPr/>
+        <p:txBody>
+          <a:bodyPr/>
+          <a:lstStyle/>
+          <a:p>
+            <a:endParaRPr lang="nb-NO" dirty="0"/>
+          </a:p>
+        </p:txBody>
+      </p:sp>
+      <p:sp>
+        <p:nvSpPr>
+          <p:cNvPr id="4" name="Plassholder for lysbildenummer 3"/>
+          <p:cNvSpPr>
+            <a:spLocks noGrp="1"/>
+          </p:cNvSpPr>
+          <p:nvPr>
+            <p:ph type="sldNum" sz="quarter" idx="5"/>
+          </p:nvPr>
+        </p:nvSpPr>
+        <p:spPr/>
+        <p:txBody>
+          <a:bodyPr/>
+          <a:lstStyle/>
+          <a:p>
+            <a:fld id="{D95B9550-F2AC-4E79-AFA1-DC160CE0C43D}" type="slidenum">
+              <a:rPr lang="nb-NO" smtClean="0"/>
+              <a:t>14</a:t>
+            </a:fld>
+            <a:endParaRPr lang="nb-NO"/>
+          </a:p>
+        </p:txBody>
+      </p:sp>
+    </p:spTree>
+    <p:extLst>
+      <p:ext uri="{BB962C8B-B14F-4D97-AF65-F5344CB8AC3E}">
+        <p14:creationId xmlns:p14="http://schemas.microsoft.com/office/powerpoint/2010/main" val="2878090989"/>
+      </p:ext>
+    </p:extLst>
+  </p:cSld>
+  <p:clrMapOvr>
+    <a:masterClrMapping/>
+  </p:clrMapOvr>
+</p:notes>
+</file>
+
+<file path=ppt/notesSlides/notesSlide5.xml><?xml version="1.0" encoding="utf-8"?>
+<p:notes xmlns:a="http://schemas.openxmlformats.org/drawingml/2006/main" xmlns:r="http://schemas.openxmlformats.org/officeDocument/2006/relationships" xmlns:p="http://schemas.openxmlformats.org/presentationml/2006/main">
+  <p:cSld>
+    <p:spTree>
+      <p:nvGrpSpPr>
+        <p:cNvPr id="1" name=""/>
+        <p:cNvGrpSpPr/>
+        <p:nvPr/>
+      </p:nvGrpSpPr>
+      <p:grpSpPr>
+        <a:xfrm>
+          <a:off x="0" y="0"/>
+          <a:ext cx="0" cy="0"/>
+          <a:chOff x="0" y="0"/>
+          <a:chExt cx="0" cy="0"/>
+        </a:xfrm>
+      </p:grpSpPr>
+      <p:sp>
+        <p:nvSpPr>
+          <p:cNvPr id="2" name="Plassholder for lysbilde 1"/>
+          <p:cNvSpPr>
+            <a:spLocks noGrp="1" noRot="1" noChangeAspect="1"/>
+          </p:cNvSpPr>
+          <p:nvPr>
+            <p:ph type="sldImg"/>
+          </p:nvPr>
+        </p:nvSpPr>
+        <p:spPr/>
+      </p:sp>
+      <p:sp>
+        <p:nvSpPr>
+          <p:cNvPr id="3" name="Plassholder for notater 2"/>
+          <p:cNvSpPr>
+            <a:spLocks noGrp="1"/>
+          </p:cNvSpPr>
+          <p:nvPr>
+            <p:ph type="body" idx="1"/>
+          </p:nvPr>
+        </p:nvSpPr>
+        <p:spPr/>
+        <p:txBody>
+          <a:bodyPr/>
+          <a:lstStyle/>
+          <a:p>
+            <a:endParaRPr lang="nb-NO" dirty="0"/>
+          </a:p>
+        </p:txBody>
+      </p:sp>
+      <p:sp>
+        <p:nvSpPr>
+          <p:cNvPr id="4" name="Plassholder for lysbildenummer 3"/>
+          <p:cNvSpPr>
+            <a:spLocks noGrp="1"/>
+          </p:cNvSpPr>
+          <p:nvPr>
+            <p:ph type="sldNum" sz="quarter" idx="5"/>
+          </p:nvPr>
+        </p:nvSpPr>
+        <p:spPr/>
+        <p:txBody>
+          <a:bodyPr/>
+          <a:lstStyle/>
+          <a:p>
+            <a:fld id="{D95B9550-F2AC-4E79-AFA1-DC160CE0C43D}" type="slidenum">
+              <a:rPr lang="nb-NO" smtClean="0"/>
+              <a:t>15</a:t>
+            </a:fld>
+            <a:endParaRPr lang="nb-NO"/>
+          </a:p>
+        </p:txBody>
+      </p:sp>
+    </p:spTree>
+    <p:extLst>
+      <p:ext uri="{BB962C8B-B14F-4D97-AF65-F5344CB8AC3E}">
+        <p14:creationId xmlns:p14="http://schemas.microsoft.com/office/powerpoint/2010/main" val="2683542885"/>
+      </p:ext>
+    </p:extLst>
+  </p:cSld>
+  <p:clrMapOvr>
+    <a:masterClrMapping/>
+  </p:clrMapOvr>
+</p:notes>
+</file>
+
+<file path=ppt/notesSlides/notesSlide6.xml><?xml version="1.0" encoding="utf-8"?>
+<p:notes xmlns:a="http://schemas.openxmlformats.org/drawingml/2006/main" xmlns:r="http://schemas.openxmlformats.org/officeDocument/2006/relationships" xmlns:p="http://schemas.openxmlformats.org/presentationml/2006/main">
+  <p:cSld>
+    <p:spTree>
+      <p:nvGrpSpPr>
+        <p:cNvPr id="1" name=""/>
+        <p:cNvGrpSpPr/>
+        <p:nvPr/>
+      </p:nvGrpSpPr>
+      <p:grpSpPr>
+        <a:xfrm>
+          <a:off x="0" y="0"/>
+          <a:ext cx="0" cy="0"/>
+          <a:chOff x="0" y="0"/>
+          <a:chExt cx="0" cy="0"/>
+        </a:xfrm>
+      </p:grpSpPr>
+      <p:sp>
+        <p:nvSpPr>
+          <p:cNvPr id="2" name="Plassholder for lysbilde 1"/>
+          <p:cNvSpPr>
+            <a:spLocks noGrp="1" noRot="1" noChangeAspect="1"/>
+          </p:cNvSpPr>
+          <p:nvPr>
+            <p:ph type="sldImg"/>
+          </p:nvPr>
+        </p:nvSpPr>
+        <p:spPr/>
+      </p:sp>
+      <p:sp>
+        <p:nvSpPr>
+          <p:cNvPr id="3" name="Plassholder for notater 2"/>
+          <p:cNvSpPr>
+            <a:spLocks noGrp="1"/>
+          </p:cNvSpPr>
+          <p:nvPr>
+            <p:ph type="body" idx="1"/>
+          </p:nvPr>
+        </p:nvSpPr>
+        <p:spPr/>
+        <p:txBody>
+          <a:bodyPr/>
+          <a:lstStyle/>
+          <a:p>
+            <a:endParaRPr lang="nb-NO" dirty="0"/>
+          </a:p>
+        </p:txBody>
+      </p:sp>
+      <p:sp>
+        <p:nvSpPr>
+          <p:cNvPr id="4" name="Plassholder for lysbildenummer 3"/>
+          <p:cNvSpPr>
+            <a:spLocks noGrp="1"/>
+          </p:cNvSpPr>
+          <p:nvPr>
+            <p:ph type="sldNum" sz="quarter" idx="5"/>
+          </p:nvPr>
+        </p:nvSpPr>
+        <p:spPr/>
+        <p:txBody>
+          <a:bodyPr/>
+          <a:lstStyle/>
+          <a:p>
+            <a:fld id="{D95B9550-F2AC-4E79-AFA1-DC160CE0C43D}" type="slidenum">
+              <a:rPr lang="nb-NO" smtClean="0"/>
+              <a:t>16</a:t>
+            </a:fld>
+            <a:endParaRPr lang="nb-NO"/>
+          </a:p>
+        </p:txBody>
+      </p:sp>
+    </p:spTree>
+    <p:extLst>
+      <p:ext uri="{BB962C8B-B14F-4D97-AF65-F5344CB8AC3E}">
+        <p14:creationId xmlns:p14="http://schemas.microsoft.com/office/powerpoint/2010/main" val="4275217733"/>
+      </p:ext>
+    </p:extLst>
+  </p:cSld>
+  <p:clrMapOvr>
+    <a:masterClrMapping/>
+  </p:clrMapOvr>
+</p:notes>
+</file>
+
+<file path=ppt/notesSlides/notesSlide7.xml><?xml version="1.0" encoding="utf-8"?>
+<p:notes xmlns:a="http://schemas.openxmlformats.org/drawingml/2006/main" xmlns:r="http://schemas.openxmlformats.org/officeDocument/2006/relationships" xmlns:p="http://schemas.openxmlformats.org/presentationml/2006/main">
+  <p:cSld>
+    <p:spTree>
+      <p:nvGrpSpPr>
+        <p:cNvPr id="1" name=""/>
+        <p:cNvGrpSpPr/>
+        <p:nvPr/>
+      </p:nvGrpSpPr>
+      <p:grpSpPr>
+        <a:xfrm>
+          <a:off x="0" y="0"/>
+          <a:ext cx="0" cy="0"/>
+          <a:chOff x="0" y="0"/>
+          <a:chExt cx="0" cy="0"/>
+        </a:xfrm>
+      </p:grpSpPr>
+      <p:sp>
+        <p:nvSpPr>
+          <p:cNvPr id="2" name="Plassholder for lysbilde 1"/>
+          <p:cNvSpPr>
+            <a:spLocks noGrp="1" noRot="1" noChangeAspect="1"/>
+          </p:cNvSpPr>
+          <p:nvPr>
+            <p:ph type="sldImg"/>
+          </p:nvPr>
+        </p:nvSpPr>
+        <p:spPr/>
+      </p:sp>
+      <p:sp>
+        <p:nvSpPr>
+          <p:cNvPr id="3" name="Plassholder for notater 2"/>
+          <p:cNvSpPr>
+            <a:spLocks noGrp="1"/>
+          </p:cNvSpPr>
+          <p:nvPr>
+            <p:ph type="body" idx="1"/>
+          </p:nvPr>
+        </p:nvSpPr>
+        <p:spPr/>
+        <p:txBody>
+          <a:bodyPr/>
+          <a:lstStyle/>
+          <a:p>
+            <a:endParaRPr lang="nb-NO" dirty="0"/>
+          </a:p>
+        </p:txBody>
+      </p:sp>
+      <p:sp>
+        <p:nvSpPr>
+          <p:cNvPr id="4" name="Plassholder for lysbildenummer 3"/>
+          <p:cNvSpPr>
+            <a:spLocks noGrp="1"/>
+          </p:cNvSpPr>
+          <p:nvPr>
+            <p:ph type="sldNum" sz="quarter" idx="5"/>
+          </p:nvPr>
+        </p:nvSpPr>
+        <p:spPr/>
+        <p:txBody>
+          <a:bodyPr/>
+          <a:lstStyle/>
+          <a:p>
+            <a:fld id="{D95B9550-F2AC-4E79-AFA1-DC160CE0C43D}" type="slidenum">
+              <a:rPr lang="nb-NO" smtClean="0"/>
+              <a:t>17</a:t>
+            </a:fld>
+            <a:endParaRPr lang="nb-NO"/>
+          </a:p>
+        </p:txBody>
+      </p:sp>
+    </p:spTree>
+    <p:extLst>
+      <p:ext uri="{BB962C8B-B14F-4D97-AF65-F5344CB8AC3E}">
+        <p14:creationId xmlns:p14="http://schemas.microsoft.com/office/powerpoint/2010/main" val="157575892"/>
+      </p:ext>
+    </p:extLst>
+  </p:cSld>
+  <p:clrMapOvr>
+    <a:masterClrMapping/>
+  </p:clrMapOvr>
+</p:notes>
+</file>
+
+<file path=ppt/notesSlides/notesSlide8.xml><?xml version="1.0" encoding="utf-8"?>
+<p:notes xmlns:a="http://schemas.openxmlformats.org/drawingml/2006/main" xmlns:r="http://schemas.openxmlformats.org/officeDocument/2006/relationships" xmlns:p="http://schemas.openxmlformats.org/presentationml/2006/main">
+  <p:cSld>
+    <p:spTree>
+      <p:nvGrpSpPr>
+        <p:cNvPr id="1" name=""/>
+        <p:cNvGrpSpPr/>
+        <p:nvPr/>
+      </p:nvGrpSpPr>
+      <p:grpSpPr>
+        <a:xfrm>
+          <a:off x="0" y="0"/>
+          <a:ext cx="0" cy="0"/>
+          <a:chOff x="0" y="0"/>
+          <a:chExt cx="0" cy="0"/>
+        </a:xfrm>
+      </p:grpSpPr>
+      <p:sp>
+        <p:nvSpPr>
+          <p:cNvPr id="2" name="Plassholder for lysbilde 1"/>
+          <p:cNvSpPr>
+            <a:spLocks noGrp="1" noRot="1" noChangeAspect="1"/>
+          </p:cNvSpPr>
+          <p:nvPr>
+            <p:ph type="sldImg"/>
+          </p:nvPr>
+        </p:nvSpPr>
+        <p:spPr/>
+      </p:sp>
+      <p:sp>
+        <p:nvSpPr>
+          <p:cNvPr id="3" name="Plassholder for notater 2"/>
+          <p:cNvSpPr>
+            <a:spLocks noGrp="1"/>
+          </p:cNvSpPr>
+          <p:nvPr>
+            <p:ph type="body" idx="1"/>
+          </p:nvPr>
+        </p:nvSpPr>
+        <p:spPr/>
+        <p:txBody>
+          <a:bodyPr/>
+          <a:lstStyle/>
+          <a:p>
+            <a:endParaRPr lang="nb-NO" dirty="0"/>
+          </a:p>
+        </p:txBody>
+      </p:sp>
+      <p:sp>
+        <p:nvSpPr>
+          <p:cNvPr id="4" name="Plassholder for lysbildenummer 3"/>
+          <p:cNvSpPr>
+            <a:spLocks noGrp="1"/>
+          </p:cNvSpPr>
+          <p:nvPr>
+            <p:ph type="sldNum" sz="quarter" idx="5"/>
+          </p:nvPr>
+        </p:nvSpPr>
+        <p:spPr/>
+        <p:txBody>
+          <a:bodyPr/>
+          <a:lstStyle/>
+          <a:p>
+            <a:fld id="{D95B9550-F2AC-4E79-AFA1-DC160CE0C43D}" type="slidenum">
+              <a:rPr lang="nb-NO" smtClean="0"/>
+              <a:t>18</a:t>
+            </a:fld>
+            <a:endParaRPr lang="nb-NO"/>
+          </a:p>
+        </p:txBody>
+      </p:sp>
+    </p:spTree>
+    <p:extLst>
+      <p:ext uri="{BB962C8B-B14F-4D97-AF65-F5344CB8AC3E}">
+        <p14:creationId xmlns:p14="http://schemas.microsoft.com/office/powerpoint/2010/main" val="796502633"/>
+      </p:ext>
+    </p:extLst>
+  </p:cSld>
+  <p:clrMapOvr>
+    <a:masterClrMapping/>
+  </p:clrMapOvr>
+</p:notes>
+</file>
+
+<file path=ppt/notesSlides/notesSlide9.xml><?xml version="1.0" encoding="utf-8"?>
+<p:notes xmlns:a="http://schemas.openxmlformats.org/drawingml/2006/main" xmlns:r="http://schemas.openxmlformats.org/officeDocument/2006/relationships" xmlns:p="http://schemas.openxmlformats.org/presentationml/2006/main">
+  <p:cSld>
+    <p:spTree>
+      <p:nvGrpSpPr>
+        <p:cNvPr id="1" name=""/>
+        <p:cNvGrpSpPr/>
+        <p:nvPr/>
+      </p:nvGrpSpPr>
+      <p:grpSpPr>
+        <a:xfrm>
+          <a:off x="0" y="0"/>
+          <a:ext cx="0" cy="0"/>
+          <a:chOff x="0" y="0"/>
+          <a:chExt cx="0" cy="0"/>
+        </a:xfrm>
+      </p:grpSpPr>
+      <p:sp>
+        <p:nvSpPr>
+          <p:cNvPr id="2" name="Plassholder for lysbilde 1"/>
+          <p:cNvSpPr>
+            <a:spLocks noGrp="1" noRot="1" noChangeAspect="1"/>
+          </p:cNvSpPr>
+          <p:nvPr>
+            <p:ph type="sldImg"/>
+          </p:nvPr>
+        </p:nvSpPr>
+        <p:spPr/>
+      </p:sp>
+      <p:sp>
+        <p:nvSpPr>
+          <p:cNvPr id="3" name="Plassholder for notater 2"/>
+          <p:cNvSpPr>
+            <a:spLocks noGrp="1"/>
+          </p:cNvSpPr>
+          <p:nvPr>
+            <p:ph type="body" idx="1"/>
+          </p:nvPr>
+        </p:nvSpPr>
+        <p:spPr/>
+        <p:txBody>
+          <a:bodyPr/>
+          <a:lstStyle/>
+          <a:p>
+            <a:endParaRPr lang="nb-NO" dirty="0"/>
+          </a:p>
+        </p:txBody>
+      </p:sp>
+      <p:sp>
+        <p:nvSpPr>
+          <p:cNvPr id="4" name="Plassholder for lysbildenummer 3"/>
+          <p:cNvSpPr>
+            <a:spLocks noGrp="1"/>
+          </p:cNvSpPr>
+          <p:nvPr>
+            <p:ph type="sldNum" sz="quarter" idx="5"/>
+          </p:nvPr>
+        </p:nvSpPr>
+        <p:spPr/>
+        <p:txBody>
+          <a:bodyPr/>
+          <a:lstStyle/>
+          <a:p>
+            <a:fld id="{D95B9550-F2AC-4E79-AFA1-DC160CE0C43D}" type="slidenum">
+              <a:rPr lang="nb-NO" smtClean="0"/>
+              <a:t>19</a:t>
+            </a:fld>
+            <a:endParaRPr lang="nb-NO"/>
+          </a:p>
+        </p:txBody>
+      </p:sp>
+    </p:spTree>
+    <p:extLst>
+      <p:ext uri="{BB962C8B-B14F-4D97-AF65-F5344CB8AC3E}">
+        <p14:creationId xmlns:p14="http://schemas.microsoft.com/office/powerpoint/2010/main" val="980987763"/>
       </p:ext>
     </p:extLst>
   </p:cSld>
@@ -10648,22 +11501,17 @@
               </a:rPr>
               <a:t>False</a:t>
             </a:r>
+          </a:p>
+          <a:p>
+            <a:pPr marL="0" indent="0">
+              <a:buNone/>
+            </a:pPr>
             <a:endParaRPr lang="nb-NO" dirty="0">
               <a:solidFill>
-                <a:schemeClr val="accent4">
-                  <a:lumMod val="60000"/>
-                  <a:lumOff val="40000"/>
-                </a:schemeClr>
+                <a:srgbClr val="C44026"/>
               </a:solidFill>
+              <a:latin typeface="Consolas" panose="020B0609020204030204" pitchFamily="49" charset="0"/>
             </a:endParaRPr>
-          </a:p>
-          <a:p>
-            <a:pPr lvl="1"/>
-            <a:endParaRPr lang="nb-NO" dirty="0"/>
-          </a:p>
-          <a:p>
-            <a:pPr lvl="1"/>
-            <a:endParaRPr lang="nb-NO" dirty="0"/>
           </a:p>
         </p:txBody>
       </p:sp>
@@ -10762,7 +11610,7 @@
           <a:p>
             <a:r>
               <a:rPr lang="nb-NO" dirty="0"/>
-              <a:t>Prøv selv</a:t>
+              <a:t>Egendefinerte funksjoner</a:t>
             </a:r>
           </a:p>
         </p:txBody>
@@ -10785,31 +11633,192 @@
         </p:nvSpPr>
         <p:spPr>
           <a:xfrm>
-            <a:off x="762000" y="2411952"/>
-            <a:ext cx="10515600" cy="3003328"/>
+            <a:off x="838200" y="1572705"/>
+            <a:ext cx="11130280" cy="4370895"/>
           </a:xfrm>
         </p:spPr>
         <p:txBody>
           <a:bodyPr>
-            <a:normAutofit lnSpcReduction="10000"/>
+            <a:normAutofit/>
           </a:bodyPr>
           <a:lstStyle/>
           <a:p>
-            <a:pPr marL="0" indent="0" algn="ctr">
+            <a:pPr marL="0" indent="0">
               <a:buNone/>
             </a:pPr>
             <a:r>
-              <a:rPr lang="nb-NO" sz="4400" dirty="0">
-                <a:latin typeface="Consolas" panose="020B0609020204030204" pitchFamily="49" charset="0"/>
-              </a:rPr>
-              <a:t>uia-mn.github.io/workshop</a:t>
+              <a:rPr lang="nb-NO" dirty="0" err="1">
+                <a:solidFill>
+                  <a:srgbClr val="C44026"/>
+                </a:solidFill>
+                <a:latin typeface="Consolas" panose="020B0609020204030204" pitchFamily="49" charset="0"/>
+              </a:rPr>
+              <a:t>def</a:t>
+            </a:r>
+            <a:r>
+              <a:rPr lang="nb-NO" dirty="0">
+                <a:latin typeface="Consolas" panose="020B0609020204030204" pitchFamily="49" charset="0"/>
+              </a:rPr>
+              <a:t> </a:t>
+            </a:r>
+            <a:r>
+              <a:rPr lang="nb-NO" dirty="0" err="1">
+                <a:solidFill>
+                  <a:srgbClr val="9751CB"/>
+                </a:solidFill>
+                <a:latin typeface="Consolas" panose="020B0609020204030204" pitchFamily="49" charset="0"/>
+              </a:rPr>
+              <a:t>ErDeleligMedTo</a:t>
+            </a:r>
+            <a:r>
+              <a:rPr lang="nb-NO" dirty="0">
+                <a:latin typeface="Consolas" panose="020B0609020204030204" pitchFamily="49" charset="0"/>
+              </a:rPr>
+              <a:t>(rundenummer):</a:t>
             </a:r>
           </a:p>
           <a:p>
             <a:pPr marL="0" indent="0">
               <a:buNone/>
             </a:pPr>
-            <a:endParaRPr lang="nb-NO" sz="4000" dirty="0">
+            <a:r>
+              <a:rPr lang="nb-NO" dirty="0">
+                <a:latin typeface="Consolas" panose="020B0609020204030204" pitchFamily="49" charset="0"/>
+              </a:rPr>
+              <a:t>	</a:t>
+            </a:r>
+            <a:r>
+              <a:rPr lang="nb-NO" dirty="0" err="1">
+                <a:solidFill>
+                  <a:srgbClr val="C44026"/>
+                </a:solidFill>
+                <a:latin typeface="Consolas" panose="020B0609020204030204" pitchFamily="49" charset="0"/>
+              </a:rPr>
+              <a:t>if</a:t>
+            </a:r>
+            <a:r>
+              <a:rPr lang="nb-NO" dirty="0">
+                <a:latin typeface="Consolas" panose="020B0609020204030204" pitchFamily="49" charset="0"/>
+              </a:rPr>
+              <a:t> rundenummer % 2 == 0:</a:t>
+            </a:r>
+          </a:p>
+          <a:p>
+            <a:pPr marL="0" indent="0">
+              <a:buNone/>
+            </a:pPr>
+            <a:r>
+              <a:rPr lang="nb-NO" dirty="0">
+                <a:latin typeface="Consolas" panose="020B0609020204030204" pitchFamily="49" charset="0"/>
+              </a:rPr>
+              <a:t>		</a:t>
+            </a:r>
+            <a:r>
+              <a:rPr lang="nb-NO" dirty="0" err="1">
+                <a:solidFill>
+                  <a:srgbClr val="C44026"/>
+                </a:solidFill>
+                <a:latin typeface="Consolas" panose="020B0609020204030204" pitchFamily="49" charset="0"/>
+              </a:rPr>
+              <a:t>return</a:t>
+            </a:r>
+            <a:r>
+              <a:rPr lang="nb-NO" dirty="0">
+                <a:latin typeface="Consolas" panose="020B0609020204030204" pitchFamily="49" charset="0"/>
+              </a:rPr>
+              <a:t> </a:t>
+            </a:r>
+            <a:r>
+              <a:rPr lang="nb-NO" dirty="0">
+                <a:solidFill>
+                  <a:schemeClr val="accent4">
+                    <a:lumMod val="60000"/>
+                    <a:lumOff val="40000"/>
+                  </a:schemeClr>
+                </a:solidFill>
+                <a:latin typeface="Consolas" panose="020B0609020204030204" pitchFamily="49" charset="0"/>
+              </a:rPr>
+              <a:t>True</a:t>
+            </a:r>
+          </a:p>
+          <a:p>
+            <a:pPr marL="0" indent="0">
+              <a:buNone/>
+            </a:pPr>
+            <a:r>
+              <a:rPr lang="nb-NO" dirty="0">
+                <a:latin typeface="Consolas" panose="020B0609020204030204" pitchFamily="49" charset="0"/>
+              </a:rPr>
+              <a:t>	</a:t>
+            </a:r>
+            <a:r>
+              <a:rPr lang="nb-NO" dirty="0" err="1">
+                <a:solidFill>
+                  <a:srgbClr val="C44026"/>
+                </a:solidFill>
+                <a:latin typeface="Consolas" panose="020B0609020204030204" pitchFamily="49" charset="0"/>
+              </a:rPr>
+              <a:t>else</a:t>
+            </a:r>
+            <a:r>
+              <a:rPr lang="nb-NO" dirty="0">
+                <a:latin typeface="Consolas" panose="020B0609020204030204" pitchFamily="49" charset="0"/>
+              </a:rPr>
+              <a:t>:</a:t>
+            </a:r>
+          </a:p>
+          <a:p>
+            <a:pPr marL="0" indent="0">
+              <a:buNone/>
+            </a:pPr>
+            <a:r>
+              <a:rPr lang="nb-NO" dirty="0">
+                <a:solidFill>
+                  <a:srgbClr val="C44026"/>
+                </a:solidFill>
+                <a:latin typeface="Consolas" panose="020B0609020204030204" pitchFamily="49" charset="0"/>
+              </a:rPr>
+              <a:t>		</a:t>
+            </a:r>
+            <a:r>
+              <a:rPr lang="nb-NO" dirty="0" err="1">
+                <a:solidFill>
+                  <a:srgbClr val="C44026"/>
+                </a:solidFill>
+                <a:latin typeface="Consolas" panose="020B0609020204030204" pitchFamily="49" charset="0"/>
+              </a:rPr>
+              <a:t>return</a:t>
+            </a:r>
+            <a:r>
+              <a:rPr lang="nb-NO" dirty="0">
+                <a:solidFill>
+                  <a:srgbClr val="C44026"/>
+                </a:solidFill>
+                <a:latin typeface="Consolas" panose="020B0609020204030204" pitchFamily="49" charset="0"/>
+              </a:rPr>
+              <a:t> </a:t>
+            </a:r>
+            <a:r>
+              <a:rPr lang="nb-NO" dirty="0">
+                <a:solidFill>
+                  <a:schemeClr val="accent4">
+                    <a:lumMod val="60000"/>
+                    <a:lumOff val="40000"/>
+                  </a:schemeClr>
+                </a:solidFill>
+                <a:latin typeface="Consolas" panose="020B0609020204030204" pitchFamily="49" charset="0"/>
+              </a:rPr>
+              <a:t>False</a:t>
+            </a:r>
+          </a:p>
+          <a:p>
+            <a:pPr marL="0" indent="0">
+              <a:buNone/>
+            </a:pPr>
+            <a:endParaRPr lang="nb-NO" dirty="0">
+              <a:solidFill>
+                <a:srgbClr val="C44026"/>
+              </a:solidFill>
               <a:latin typeface="Consolas" panose="020B0609020204030204" pitchFamily="49" charset="0"/>
             </a:endParaRPr>
           </a:p>
@@ -10818,34 +11827,66 @@
               <a:buNone/>
             </a:pPr>
             <a:r>
-              <a:rPr lang="nb-NO" sz="3200" dirty="0">
-                <a:latin typeface="Consolas" panose="020B0609020204030204" pitchFamily="49" charset="0"/>
-              </a:rPr>
-              <a:t>Til hver oppgave har vi valgt ut én eller to konsept som du skal bli kjent med. Klikk på lenken i oppgaven mer informasjon om hvordan den fungerer.</a:t>
-            </a:r>
-          </a:p>
-          <a:p>
-            <a:endParaRPr lang="nb-NO" sz="4000" dirty="0">
-              <a:latin typeface="Consolas" panose="020B0609020204030204" pitchFamily="49" charset="0"/>
-            </a:endParaRPr>
+              <a:rPr lang="nb-NO" dirty="0" err="1">
+                <a:solidFill>
+                  <a:srgbClr val="C44026"/>
+                </a:solidFill>
+                <a:latin typeface="Consolas" panose="020B0609020204030204" pitchFamily="49" charset="0"/>
+              </a:rPr>
+              <a:t>def</a:t>
+            </a:r>
+            <a:r>
+              <a:rPr lang="nb-NO" dirty="0">
+                <a:latin typeface="Consolas" panose="020B0609020204030204" pitchFamily="49" charset="0"/>
+              </a:rPr>
+              <a:t> </a:t>
+            </a:r>
+            <a:r>
+              <a:rPr lang="nb-NO" dirty="0" err="1">
+                <a:solidFill>
+                  <a:srgbClr val="9751CB"/>
+                </a:solidFill>
+                <a:latin typeface="Consolas" panose="020B0609020204030204" pitchFamily="49" charset="0"/>
+              </a:rPr>
+              <a:t>ErDeleligMedTo</a:t>
+            </a:r>
+            <a:r>
+              <a:rPr lang="nb-NO" dirty="0">
+                <a:latin typeface="Consolas" panose="020B0609020204030204" pitchFamily="49" charset="0"/>
+              </a:rPr>
+              <a:t>(rundenummer):</a:t>
+            </a:r>
+          </a:p>
+          <a:p>
+            <a:pPr marL="0" indent="0">
+              <a:buNone/>
+            </a:pPr>
+            <a:r>
+              <a:rPr lang="nb-NO" dirty="0">
+                <a:latin typeface="Consolas" panose="020B0609020204030204" pitchFamily="49" charset="0"/>
+              </a:rPr>
+              <a:t>	</a:t>
+            </a:r>
+            <a:r>
+              <a:rPr lang="nb-NO" dirty="0" err="1">
+                <a:solidFill>
+                  <a:srgbClr val="C44026"/>
+                </a:solidFill>
+                <a:latin typeface="Consolas" panose="020B0609020204030204" pitchFamily="49" charset="0"/>
+              </a:rPr>
+              <a:t>return</a:t>
+            </a:r>
+            <a:r>
+              <a:rPr lang="nb-NO" dirty="0">
+                <a:latin typeface="Consolas" panose="020B0609020204030204" pitchFamily="49" charset="0"/>
+              </a:rPr>
+              <a:t> rundenummer % 2 == 0</a:t>
+            </a:r>
+            <a:endParaRPr lang="nb-NO" dirty="0"/>
           </a:p>
           <a:p>
             <a:pPr lvl="1"/>
-            <a:endParaRPr lang="nb-NO" sz="3600" dirty="0">
-              <a:latin typeface="Consolas" panose="020B0609020204030204" pitchFamily="49" charset="0"/>
-            </a:endParaRPr>
-          </a:p>
-          <a:p>
-            <a:pPr lvl="1"/>
-            <a:endParaRPr lang="nb-NO" sz="3600" dirty="0">
-              <a:latin typeface="Consolas" panose="020B0609020204030204" pitchFamily="49" charset="0"/>
-            </a:endParaRPr>
-          </a:p>
-          <a:p>
-            <a:pPr lvl="1"/>
-            <a:endParaRPr lang="nb-NO" sz="3600" dirty="0">
-              <a:latin typeface="Consolas" panose="020B0609020204030204" pitchFamily="49" charset="0"/>
-            </a:endParaRPr>
+            <a:endParaRPr lang="nb-NO" dirty="0"/>
           </a:p>
         </p:txBody>
       </p:sp>
@@ -10854,7 +11895,7 @@
           <p:cNvPr id="5" name="Footer Placeholder 4">
             <a:extLst>
               <a:ext uri="{FF2B5EF4-FFF2-40B4-BE49-F238E27FC236}">
-                <a16:creationId xmlns:a16="http://schemas.microsoft.com/office/drawing/2014/main" id="{2D147248-02D2-4FB6-802E-640535C4B302}"/>
+                <a16:creationId xmlns:a16="http://schemas.microsoft.com/office/drawing/2014/main" id="{767B00C4-1DF5-40AA-B029-F4C3630E7C6A}"/>
               </a:ext>
             </a:extLst>
           </p:cNvPr>
@@ -10894,7 +11935,1632 @@
     </p:spTree>
     <p:extLst>
       <p:ext uri="{BB962C8B-B14F-4D97-AF65-F5344CB8AC3E}">
-        <p14:creationId xmlns:p14="http://schemas.microsoft.com/office/powerpoint/2010/main" val="2476041199"/>
+        <p14:creationId xmlns:p14="http://schemas.microsoft.com/office/powerpoint/2010/main" val="1856889016"/>
+      </p:ext>
+    </p:extLst>
+  </p:cSld>
+  <p:clrMapOvr>
+    <a:masterClrMapping/>
+  </p:clrMapOvr>
+</p:sld>
+</file>
+
+<file path=ppt/slides/slide14.xml><?xml version="1.0" encoding="utf-8"?>
+<p:sld xmlns:a="http://schemas.openxmlformats.org/drawingml/2006/main" xmlns:r="http://schemas.openxmlformats.org/officeDocument/2006/relationships" xmlns:p="http://schemas.openxmlformats.org/presentationml/2006/main">
+  <p:cSld>
+    <p:spTree>
+      <p:nvGrpSpPr>
+        <p:cNvPr id="1" name=""/>
+        <p:cNvGrpSpPr/>
+        <p:nvPr/>
+      </p:nvGrpSpPr>
+      <p:grpSpPr>
+        <a:xfrm>
+          <a:off x="0" y="0"/>
+          <a:ext cx="0" cy="0"/>
+          <a:chOff x="0" y="0"/>
+          <a:chExt cx="0" cy="0"/>
+        </a:xfrm>
+      </p:grpSpPr>
+      <p:sp>
+        <p:nvSpPr>
+          <p:cNvPr id="2" name="Tittel 1">
+            <a:extLst>
+              <a:ext uri="{FF2B5EF4-FFF2-40B4-BE49-F238E27FC236}">
+                <a16:creationId xmlns:a16="http://schemas.microsoft.com/office/drawing/2014/main" id="{C3E6477F-AED9-484F-9621-C53F564119B4}"/>
+              </a:ext>
+            </a:extLst>
+          </p:cNvPr>
+          <p:cNvSpPr>
+            <a:spLocks noGrp="1"/>
+          </p:cNvSpPr>
+          <p:nvPr>
+            <p:ph type="title"/>
+          </p:nvPr>
+        </p:nvSpPr>
+        <p:spPr/>
+        <p:txBody>
+          <a:bodyPr/>
+          <a:lstStyle/>
+          <a:p>
+            <a:r>
+              <a:rPr lang="nb-NO" dirty="0"/>
+              <a:t>Egendefinerte funksjoner</a:t>
+            </a:r>
+          </a:p>
+        </p:txBody>
+      </p:sp>
+      <p:sp>
+        <p:nvSpPr>
+          <p:cNvPr id="3" name="Plassholder for innhold 2">
+            <a:extLst>
+              <a:ext uri="{FF2B5EF4-FFF2-40B4-BE49-F238E27FC236}">
+                <a16:creationId xmlns:a16="http://schemas.microsoft.com/office/drawing/2014/main" id="{18166937-65B3-4DC8-BB43-63584E0D60E0}"/>
+              </a:ext>
+            </a:extLst>
+          </p:cNvPr>
+          <p:cNvSpPr>
+            <a:spLocks noGrp="1"/>
+          </p:cNvSpPr>
+          <p:nvPr>
+            <p:ph idx="4294967295"/>
+          </p:nvPr>
+        </p:nvSpPr>
+        <p:spPr>
+          <a:xfrm>
+            <a:off x="838200" y="1572705"/>
+            <a:ext cx="11130280" cy="4370895"/>
+          </a:xfrm>
+        </p:spPr>
+        <p:txBody>
+          <a:bodyPr>
+            <a:normAutofit/>
+          </a:bodyPr>
+          <a:lstStyle/>
+          <a:p>
+            <a:pPr marL="0" indent="0">
+              <a:buNone/>
+            </a:pPr>
+            <a:r>
+              <a:rPr lang="nb-NO" dirty="0" err="1">
+                <a:solidFill>
+                  <a:srgbClr val="C44026"/>
+                </a:solidFill>
+                <a:latin typeface="Consolas" panose="020B0609020204030204" pitchFamily="49" charset="0"/>
+              </a:rPr>
+              <a:t>def</a:t>
+            </a:r>
+            <a:r>
+              <a:rPr lang="nb-NO" dirty="0">
+                <a:latin typeface="Consolas" panose="020B0609020204030204" pitchFamily="49" charset="0"/>
+              </a:rPr>
+              <a:t> </a:t>
+            </a:r>
+            <a:r>
+              <a:rPr lang="nb-NO" dirty="0" err="1">
+                <a:solidFill>
+                  <a:srgbClr val="9751CB"/>
+                </a:solidFill>
+                <a:latin typeface="Consolas" panose="020B0609020204030204" pitchFamily="49" charset="0"/>
+              </a:rPr>
+              <a:t>ErDeleligMedTo</a:t>
+            </a:r>
+            <a:r>
+              <a:rPr lang="nb-NO" dirty="0">
+                <a:latin typeface="Consolas" panose="020B0609020204030204" pitchFamily="49" charset="0"/>
+              </a:rPr>
+              <a:t>(rundenummer):</a:t>
+            </a:r>
+          </a:p>
+          <a:p>
+            <a:pPr marL="0" indent="0">
+              <a:buNone/>
+            </a:pPr>
+            <a:r>
+              <a:rPr lang="nb-NO" dirty="0">
+                <a:latin typeface="Consolas" panose="020B0609020204030204" pitchFamily="49" charset="0"/>
+              </a:rPr>
+              <a:t>	</a:t>
+            </a:r>
+            <a:r>
+              <a:rPr lang="nb-NO" dirty="0" err="1">
+                <a:solidFill>
+                  <a:srgbClr val="C44026"/>
+                </a:solidFill>
+                <a:latin typeface="Consolas" panose="020B0609020204030204" pitchFamily="49" charset="0"/>
+              </a:rPr>
+              <a:t>return</a:t>
+            </a:r>
+            <a:r>
+              <a:rPr lang="nb-NO" dirty="0">
+                <a:latin typeface="Consolas" panose="020B0609020204030204" pitchFamily="49" charset="0"/>
+              </a:rPr>
+              <a:t> rundenummer % 2 == 0</a:t>
+            </a:r>
+          </a:p>
+          <a:p>
+            <a:pPr marL="0" indent="0">
+              <a:buNone/>
+            </a:pPr>
+            <a:endParaRPr lang="nb-NO" dirty="0">
+              <a:latin typeface="Consolas" panose="020B0609020204030204" pitchFamily="49" charset="0"/>
+            </a:endParaRPr>
+          </a:p>
+          <a:p>
+            <a:pPr marL="0" indent="0">
+              <a:buNone/>
+            </a:pPr>
+            <a:endParaRPr lang="nb-NO" dirty="0"/>
+          </a:p>
+        </p:txBody>
+      </p:sp>
+      <p:sp>
+        <p:nvSpPr>
+          <p:cNvPr id="5" name="Footer Placeholder 4">
+            <a:extLst>
+              <a:ext uri="{FF2B5EF4-FFF2-40B4-BE49-F238E27FC236}">
+                <a16:creationId xmlns:a16="http://schemas.microsoft.com/office/drawing/2014/main" id="{767B00C4-1DF5-40AA-B029-F4C3630E7C6A}"/>
+              </a:ext>
+            </a:extLst>
+          </p:cNvPr>
+          <p:cNvSpPr>
+            <a:spLocks noGrp="1"/>
+          </p:cNvSpPr>
+          <p:nvPr>
+            <p:ph type="ftr" sz="quarter" idx="11"/>
+          </p:nvPr>
+        </p:nvSpPr>
+        <p:spPr>
+          <a:xfrm>
+            <a:off x="6937075" y="6310312"/>
+            <a:ext cx="4114800" cy="365125"/>
+          </a:xfrm>
+        </p:spPr>
+        <p:txBody>
+          <a:bodyPr/>
+          <a:lstStyle/>
+          <a:p>
+            <a:pPr>
+              <a:spcAft>
+                <a:spcPts val="600"/>
+              </a:spcAft>
+            </a:pPr>
+            <a:r>
+              <a:rPr lang="nb-NO" dirty="0">
+                <a:solidFill>
+                  <a:schemeClr val="tx1"/>
+                </a:solidFill>
+              </a:rPr>
+              <a:t>Henrik Njølstad &amp; André Martiny</a:t>
+            </a:r>
+          </a:p>
+        </p:txBody>
+      </p:sp>
+      <p:pic>
+        <p:nvPicPr>
+          <p:cNvPr id="2050" name="Picture 2">
+            <a:extLst>
+              <a:ext uri="{FF2B5EF4-FFF2-40B4-BE49-F238E27FC236}">
+                <a16:creationId xmlns:a16="http://schemas.microsoft.com/office/drawing/2014/main" id="{497BAC9D-3202-437C-B12B-E3164F1AB1E7}"/>
+              </a:ext>
+            </a:extLst>
+          </p:cNvPr>
+          <p:cNvPicPr>
+            <a:picLocks noChangeAspect="1" noChangeArrowheads="1"/>
+          </p:cNvPicPr>
+          <p:nvPr/>
+        </p:nvPicPr>
+        <p:blipFill>
+          <a:blip r:embed="rId3">
+            <a:extLst>
+              <a:ext uri="{28A0092B-C50C-407E-A947-70E740481C1C}">
+                <a14:useLocalDpi xmlns:a14="http://schemas.microsoft.com/office/drawing/2010/main" val="0"/>
+              </a:ext>
+            </a:extLst>
+          </a:blip>
+          <a:srcRect/>
+          <a:stretch>
+            <a:fillRect/>
+          </a:stretch>
+        </p:blipFill>
+        <p:spPr bwMode="auto">
+          <a:xfrm>
+            <a:off x="8613475" y="1679068"/>
+            <a:ext cx="2438400" cy="2438400"/>
+          </a:xfrm>
+          <a:prstGeom prst="rect">
+            <a:avLst/>
+          </a:prstGeom>
+          <a:noFill/>
+          <a:extLst>
+            <a:ext uri="{909E8E84-426E-40DD-AFC4-6F175D3DCCD1}">
+              <a14:hiddenFill xmlns:a14="http://schemas.microsoft.com/office/drawing/2010/main">
+                <a:solidFill>
+                  <a:srgbClr val="FFFFFF"/>
+                </a:solidFill>
+              </a14:hiddenFill>
+            </a:ext>
+          </a:extLst>
+        </p:spPr>
+      </p:pic>
+    </p:spTree>
+    <p:extLst>
+      <p:ext uri="{BB962C8B-B14F-4D97-AF65-F5344CB8AC3E}">
+        <p14:creationId xmlns:p14="http://schemas.microsoft.com/office/powerpoint/2010/main" val="59968565"/>
+      </p:ext>
+    </p:extLst>
+  </p:cSld>
+  <p:clrMapOvr>
+    <a:masterClrMapping/>
+  </p:clrMapOvr>
+</p:sld>
+</file>
+
+<file path=ppt/slides/slide15.xml><?xml version="1.0" encoding="utf-8"?>
+<p:sld xmlns:a="http://schemas.openxmlformats.org/drawingml/2006/main" xmlns:r="http://schemas.openxmlformats.org/officeDocument/2006/relationships" xmlns:p="http://schemas.openxmlformats.org/presentationml/2006/main">
+  <p:cSld>
+    <p:spTree>
+      <p:nvGrpSpPr>
+        <p:cNvPr id="1" name=""/>
+        <p:cNvGrpSpPr/>
+        <p:nvPr/>
+      </p:nvGrpSpPr>
+      <p:grpSpPr>
+        <a:xfrm>
+          <a:off x="0" y="0"/>
+          <a:ext cx="0" cy="0"/>
+          <a:chOff x="0" y="0"/>
+          <a:chExt cx="0" cy="0"/>
+        </a:xfrm>
+      </p:grpSpPr>
+      <p:sp>
+        <p:nvSpPr>
+          <p:cNvPr id="2" name="Tittel 1">
+            <a:extLst>
+              <a:ext uri="{FF2B5EF4-FFF2-40B4-BE49-F238E27FC236}">
+                <a16:creationId xmlns:a16="http://schemas.microsoft.com/office/drawing/2014/main" id="{C3E6477F-AED9-484F-9621-C53F564119B4}"/>
+              </a:ext>
+            </a:extLst>
+          </p:cNvPr>
+          <p:cNvSpPr>
+            <a:spLocks noGrp="1"/>
+          </p:cNvSpPr>
+          <p:nvPr>
+            <p:ph type="title"/>
+          </p:nvPr>
+        </p:nvSpPr>
+        <p:spPr/>
+        <p:txBody>
+          <a:bodyPr/>
+          <a:lstStyle/>
+          <a:p>
+            <a:r>
+              <a:rPr lang="nb-NO" dirty="0"/>
+              <a:t>Egendefinerte funksjoner</a:t>
+            </a:r>
+          </a:p>
+        </p:txBody>
+      </p:sp>
+      <p:sp>
+        <p:nvSpPr>
+          <p:cNvPr id="3" name="Plassholder for innhold 2">
+            <a:extLst>
+              <a:ext uri="{FF2B5EF4-FFF2-40B4-BE49-F238E27FC236}">
+                <a16:creationId xmlns:a16="http://schemas.microsoft.com/office/drawing/2014/main" id="{18166937-65B3-4DC8-BB43-63584E0D60E0}"/>
+              </a:ext>
+            </a:extLst>
+          </p:cNvPr>
+          <p:cNvSpPr>
+            <a:spLocks noGrp="1"/>
+          </p:cNvSpPr>
+          <p:nvPr>
+            <p:ph idx="4294967295"/>
+          </p:nvPr>
+        </p:nvSpPr>
+        <p:spPr>
+          <a:xfrm>
+            <a:off x="838200" y="1572705"/>
+            <a:ext cx="11130280" cy="4370895"/>
+          </a:xfrm>
+        </p:spPr>
+        <p:txBody>
+          <a:bodyPr>
+            <a:normAutofit/>
+          </a:bodyPr>
+          <a:lstStyle/>
+          <a:p>
+            <a:pPr marL="0" indent="0">
+              <a:buNone/>
+            </a:pPr>
+            <a:r>
+              <a:rPr lang="nb-NO" dirty="0" err="1">
+                <a:solidFill>
+                  <a:srgbClr val="C44026"/>
+                </a:solidFill>
+                <a:latin typeface="Consolas" panose="020B0609020204030204" pitchFamily="49" charset="0"/>
+              </a:rPr>
+              <a:t>def</a:t>
+            </a:r>
+            <a:r>
+              <a:rPr lang="nb-NO" dirty="0">
+                <a:latin typeface="Consolas" panose="020B0609020204030204" pitchFamily="49" charset="0"/>
+              </a:rPr>
+              <a:t> </a:t>
+            </a:r>
+            <a:r>
+              <a:rPr lang="nb-NO" dirty="0" err="1">
+                <a:solidFill>
+                  <a:srgbClr val="9751CB"/>
+                </a:solidFill>
+                <a:latin typeface="Consolas" panose="020B0609020204030204" pitchFamily="49" charset="0"/>
+              </a:rPr>
+              <a:t>ErDeleligMedTo</a:t>
+            </a:r>
+            <a:r>
+              <a:rPr lang="nb-NO" dirty="0">
+                <a:latin typeface="Consolas" panose="020B0609020204030204" pitchFamily="49" charset="0"/>
+              </a:rPr>
+              <a:t>(rundenummer):</a:t>
+            </a:r>
+          </a:p>
+          <a:p>
+            <a:pPr marL="0" indent="0">
+              <a:buNone/>
+            </a:pPr>
+            <a:r>
+              <a:rPr lang="nb-NO" dirty="0">
+                <a:latin typeface="Consolas" panose="020B0609020204030204" pitchFamily="49" charset="0"/>
+              </a:rPr>
+              <a:t>	</a:t>
+            </a:r>
+            <a:r>
+              <a:rPr lang="nb-NO" dirty="0" err="1">
+                <a:solidFill>
+                  <a:srgbClr val="C44026"/>
+                </a:solidFill>
+                <a:latin typeface="Consolas" panose="020B0609020204030204" pitchFamily="49" charset="0"/>
+              </a:rPr>
+              <a:t>return</a:t>
+            </a:r>
+            <a:r>
+              <a:rPr lang="nb-NO" dirty="0">
+                <a:latin typeface="Consolas" panose="020B0609020204030204" pitchFamily="49" charset="0"/>
+              </a:rPr>
+              <a:t> rundenummer % 2 == 0</a:t>
+            </a:r>
+          </a:p>
+          <a:p>
+            <a:pPr marL="0" indent="0">
+              <a:buNone/>
+            </a:pPr>
+            <a:endParaRPr lang="nb-NO" dirty="0">
+              <a:latin typeface="Consolas" panose="020B0609020204030204" pitchFamily="49" charset="0"/>
+            </a:endParaRPr>
+          </a:p>
+          <a:p>
+            <a:pPr marL="0" indent="0">
+              <a:buNone/>
+            </a:pPr>
+            <a:r>
+              <a:rPr lang="nb-NO" dirty="0">
+                <a:latin typeface="Consolas" panose="020B0609020204030204" pitchFamily="49" charset="0"/>
+              </a:rPr>
+              <a:t>&gt;&gt;&gt; </a:t>
+            </a:r>
+            <a:r>
+              <a:rPr lang="nb-NO" dirty="0" err="1">
+                <a:latin typeface="Consolas" panose="020B0609020204030204" pitchFamily="49" charset="0"/>
+              </a:rPr>
+              <a:t>ErDeleligMedTo</a:t>
+            </a:r>
+            <a:r>
+              <a:rPr lang="nb-NO" dirty="0">
+                <a:latin typeface="Consolas" panose="020B0609020204030204" pitchFamily="49" charset="0"/>
+              </a:rPr>
+              <a:t>(4)</a:t>
+            </a:r>
+          </a:p>
+          <a:p>
+            <a:pPr marL="0" indent="0">
+              <a:buNone/>
+            </a:pPr>
+            <a:endParaRPr lang="nb-NO" dirty="0">
+              <a:latin typeface="Consolas" panose="020B0609020204030204" pitchFamily="49" charset="0"/>
+            </a:endParaRPr>
+          </a:p>
+          <a:p>
+            <a:pPr marL="0" indent="0">
+              <a:buNone/>
+            </a:pPr>
+            <a:endParaRPr lang="nb-NO" dirty="0"/>
+          </a:p>
+        </p:txBody>
+      </p:sp>
+      <p:sp>
+        <p:nvSpPr>
+          <p:cNvPr id="5" name="Footer Placeholder 4">
+            <a:extLst>
+              <a:ext uri="{FF2B5EF4-FFF2-40B4-BE49-F238E27FC236}">
+                <a16:creationId xmlns:a16="http://schemas.microsoft.com/office/drawing/2014/main" id="{767B00C4-1DF5-40AA-B029-F4C3630E7C6A}"/>
+              </a:ext>
+            </a:extLst>
+          </p:cNvPr>
+          <p:cNvSpPr>
+            <a:spLocks noGrp="1"/>
+          </p:cNvSpPr>
+          <p:nvPr>
+            <p:ph type="ftr" sz="quarter" idx="11"/>
+          </p:nvPr>
+        </p:nvSpPr>
+        <p:spPr>
+          <a:xfrm>
+            <a:off x="6937075" y="6310312"/>
+            <a:ext cx="4114800" cy="365125"/>
+          </a:xfrm>
+        </p:spPr>
+        <p:txBody>
+          <a:bodyPr/>
+          <a:lstStyle/>
+          <a:p>
+            <a:pPr>
+              <a:spcAft>
+                <a:spcPts val="600"/>
+              </a:spcAft>
+            </a:pPr>
+            <a:r>
+              <a:rPr lang="nb-NO" dirty="0">
+                <a:solidFill>
+                  <a:schemeClr val="tx1"/>
+                </a:solidFill>
+              </a:rPr>
+              <a:t>Henrik Njølstad &amp; André Martiny</a:t>
+            </a:r>
+          </a:p>
+        </p:txBody>
+      </p:sp>
+      <p:pic>
+        <p:nvPicPr>
+          <p:cNvPr id="2050" name="Picture 2">
+            <a:extLst>
+              <a:ext uri="{FF2B5EF4-FFF2-40B4-BE49-F238E27FC236}">
+                <a16:creationId xmlns:a16="http://schemas.microsoft.com/office/drawing/2014/main" id="{497BAC9D-3202-437C-B12B-E3164F1AB1E7}"/>
+              </a:ext>
+            </a:extLst>
+          </p:cNvPr>
+          <p:cNvPicPr>
+            <a:picLocks noChangeAspect="1" noChangeArrowheads="1"/>
+          </p:cNvPicPr>
+          <p:nvPr/>
+        </p:nvPicPr>
+        <p:blipFill>
+          <a:blip r:embed="rId3">
+            <a:extLst>
+              <a:ext uri="{28A0092B-C50C-407E-A947-70E740481C1C}">
+                <a14:useLocalDpi xmlns:a14="http://schemas.microsoft.com/office/drawing/2010/main" val="0"/>
+              </a:ext>
+            </a:extLst>
+          </a:blip>
+          <a:srcRect/>
+          <a:stretch>
+            <a:fillRect/>
+          </a:stretch>
+        </p:blipFill>
+        <p:spPr bwMode="auto">
+          <a:xfrm>
+            <a:off x="8613475" y="1679068"/>
+            <a:ext cx="2438400" cy="2438400"/>
+          </a:xfrm>
+          <a:prstGeom prst="rect">
+            <a:avLst/>
+          </a:prstGeom>
+          <a:noFill/>
+          <a:extLst>
+            <a:ext uri="{909E8E84-426E-40DD-AFC4-6F175D3DCCD1}">
+              <a14:hiddenFill xmlns:a14="http://schemas.microsoft.com/office/drawing/2010/main">
+                <a:solidFill>
+                  <a:srgbClr val="FFFFFF"/>
+                </a:solidFill>
+              </a14:hiddenFill>
+            </a:ext>
+          </a:extLst>
+        </p:spPr>
+      </p:pic>
+    </p:spTree>
+    <p:extLst>
+      <p:ext uri="{BB962C8B-B14F-4D97-AF65-F5344CB8AC3E}">
+        <p14:creationId xmlns:p14="http://schemas.microsoft.com/office/powerpoint/2010/main" val="1040056657"/>
+      </p:ext>
+    </p:extLst>
+  </p:cSld>
+  <p:clrMapOvr>
+    <a:masterClrMapping/>
+  </p:clrMapOvr>
+</p:sld>
+</file>
+
+<file path=ppt/slides/slide16.xml><?xml version="1.0" encoding="utf-8"?>
+<p:sld xmlns:a="http://schemas.openxmlformats.org/drawingml/2006/main" xmlns:r="http://schemas.openxmlformats.org/officeDocument/2006/relationships" xmlns:p="http://schemas.openxmlformats.org/presentationml/2006/main">
+  <p:cSld>
+    <p:spTree>
+      <p:nvGrpSpPr>
+        <p:cNvPr id="1" name=""/>
+        <p:cNvGrpSpPr/>
+        <p:nvPr/>
+      </p:nvGrpSpPr>
+      <p:grpSpPr>
+        <a:xfrm>
+          <a:off x="0" y="0"/>
+          <a:ext cx="0" cy="0"/>
+          <a:chOff x="0" y="0"/>
+          <a:chExt cx="0" cy="0"/>
+        </a:xfrm>
+      </p:grpSpPr>
+      <p:sp>
+        <p:nvSpPr>
+          <p:cNvPr id="2" name="Tittel 1">
+            <a:extLst>
+              <a:ext uri="{FF2B5EF4-FFF2-40B4-BE49-F238E27FC236}">
+                <a16:creationId xmlns:a16="http://schemas.microsoft.com/office/drawing/2014/main" id="{C3E6477F-AED9-484F-9621-C53F564119B4}"/>
+              </a:ext>
+            </a:extLst>
+          </p:cNvPr>
+          <p:cNvSpPr>
+            <a:spLocks noGrp="1"/>
+          </p:cNvSpPr>
+          <p:nvPr>
+            <p:ph type="title"/>
+          </p:nvPr>
+        </p:nvSpPr>
+        <p:spPr/>
+        <p:txBody>
+          <a:bodyPr/>
+          <a:lstStyle/>
+          <a:p>
+            <a:r>
+              <a:rPr lang="nb-NO" dirty="0"/>
+              <a:t>Egendefinerte funksjoner</a:t>
+            </a:r>
+          </a:p>
+        </p:txBody>
+      </p:sp>
+      <p:sp>
+        <p:nvSpPr>
+          <p:cNvPr id="3" name="Plassholder for innhold 2">
+            <a:extLst>
+              <a:ext uri="{FF2B5EF4-FFF2-40B4-BE49-F238E27FC236}">
+                <a16:creationId xmlns:a16="http://schemas.microsoft.com/office/drawing/2014/main" id="{18166937-65B3-4DC8-BB43-63584E0D60E0}"/>
+              </a:ext>
+            </a:extLst>
+          </p:cNvPr>
+          <p:cNvSpPr>
+            <a:spLocks noGrp="1"/>
+          </p:cNvSpPr>
+          <p:nvPr>
+            <p:ph idx="4294967295"/>
+          </p:nvPr>
+        </p:nvSpPr>
+        <p:spPr>
+          <a:xfrm>
+            <a:off x="838200" y="1572705"/>
+            <a:ext cx="11130280" cy="4370895"/>
+          </a:xfrm>
+        </p:spPr>
+        <p:txBody>
+          <a:bodyPr>
+            <a:normAutofit/>
+          </a:bodyPr>
+          <a:lstStyle/>
+          <a:p>
+            <a:pPr marL="0" indent="0">
+              <a:buNone/>
+            </a:pPr>
+            <a:r>
+              <a:rPr lang="nb-NO" dirty="0" err="1">
+                <a:solidFill>
+                  <a:srgbClr val="C44026"/>
+                </a:solidFill>
+                <a:latin typeface="Consolas" panose="020B0609020204030204" pitchFamily="49" charset="0"/>
+              </a:rPr>
+              <a:t>def</a:t>
+            </a:r>
+            <a:r>
+              <a:rPr lang="nb-NO" dirty="0">
+                <a:latin typeface="Consolas" panose="020B0609020204030204" pitchFamily="49" charset="0"/>
+              </a:rPr>
+              <a:t> </a:t>
+            </a:r>
+            <a:r>
+              <a:rPr lang="nb-NO" dirty="0" err="1">
+                <a:solidFill>
+                  <a:srgbClr val="9751CB"/>
+                </a:solidFill>
+                <a:latin typeface="Consolas" panose="020B0609020204030204" pitchFamily="49" charset="0"/>
+              </a:rPr>
+              <a:t>ErDeleligMedTo</a:t>
+            </a:r>
+            <a:r>
+              <a:rPr lang="nb-NO" dirty="0">
+                <a:latin typeface="Consolas" panose="020B0609020204030204" pitchFamily="49" charset="0"/>
+              </a:rPr>
+              <a:t>(rundenummer):</a:t>
+            </a:r>
+          </a:p>
+          <a:p>
+            <a:pPr marL="0" indent="0">
+              <a:buNone/>
+            </a:pPr>
+            <a:r>
+              <a:rPr lang="nb-NO" dirty="0">
+                <a:latin typeface="Consolas" panose="020B0609020204030204" pitchFamily="49" charset="0"/>
+              </a:rPr>
+              <a:t>	</a:t>
+            </a:r>
+            <a:r>
+              <a:rPr lang="nb-NO" dirty="0" err="1">
+                <a:solidFill>
+                  <a:srgbClr val="C44026"/>
+                </a:solidFill>
+                <a:latin typeface="Consolas" panose="020B0609020204030204" pitchFamily="49" charset="0"/>
+              </a:rPr>
+              <a:t>return</a:t>
+            </a:r>
+            <a:r>
+              <a:rPr lang="nb-NO" dirty="0">
+                <a:latin typeface="Consolas" panose="020B0609020204030204" pitchFamily="49" charset="0"/>
+              </a:rPr>
+              <a:t> rundenummer % 2 == 0</a:t>
+            </a:r>
+          </a:p>
+          <a:p>
+            <a:pPr marL="0" indent="0">
+              <a:buNone/>
+            </a:pPr>
+            <a:endParaRPr lang="nb-NO" dirty="0">
+              <a:latin typeface="Consolas" panose="020B0609020204030204" pitchFamily="49" charset="0"/>
+            </a:endParaRPr>
+          </a:p>
+          <a:p>
+            <a:pPr marL="0" indent="0">
+              <a:buNone/>
+            </a:pPr>
+            <a:r>
+              <a:rPr lang="nb-NO" dirty="0">
+                <a:latin typeface="Consolas" panose="020B0609020204030204" pitchFamily="49" charset="0"/>
+              </a:rPr>
+              <a:t>&gt;&gt;&gt; </a:t>
+            </a:r>
+            <a:r>
+              <a:rPr lang="nb-NO" dirty="0" err="1">
+                <a:latin typeface="Consolas" panose="020B0609020204030204" pitchFamily="49" charset="0"/>
+              </a:rPr>
+              <a:t>ErDeleligMedTo</a:t>
+            </a:r>
+            <a:r>
+              <a:rPr lang="nb-NO" dirty="0">
+                <a:latin typeface="Consolas" panose="020B0609020204030204" pitchFamily="49" charset="0"/>
+              </a:rPr>
+              <a:t>(4)</a:t>
+            </a:r>
+          </a:p>
+          <a:p>
+            <a:pPr marL="0" indent="0">
+              <a:buNone/>
+            </a:pPr>
+            <a:r>
+              <a:rPr lang="nb-NO" dirty="0">
+                <a:solidFill>
+                  <a:schemeClr val="accent4">
+                    <a:lumMod val="60000"/>
+                    <a:lumOff val="40000"/>
+                  </a:schemeClr>
+                </a:solidFill>
+                <a:latin typeface="Consolas" panose="020B0609020204030204" pitchFamily="49" charset="0"/>
+              </a:rPr>
+              <a:t>True</a:t>
+            </a:r>
+            <a:endParaRPr lang="nb-NO" dirty="0">
+              <a:latin typeface="Consolas" panose="020B0609020204030204" pitchFamily="49" charset="0"/>
+            </a:endParaRPr>
+          </a:p>
+          <a:p>
+            <a:pPr marL="0" indent="0">
+              <a:buNone/>
+            </a:pPr>
+            <a:endParaRPr lang="nb-NO" dirty="0"/>
+          </a:p>
+        </p:txBody>
+      </p:sp>
+      <p:sp>
+        <p:nvSpPr>
+          <p:cNvPr id="5" name="Footer Placeholder 4">
+            <a:extLst>
+              <a:ext uri="{FF2B5EF4-FFF2-40B4-BE49-F238E27FC236}">
+                <a16:creationId xmlns:a16="http://schemas.microsoft.com/office/drawing/2014/main" id="{767B00C4-1DF5-40AA-B029-F4C3630E7C6A}"/>
+              </a:ext>
+            </a:extLst>
+          </p:cNvPr>
+          <p:cNvSpPr>
+            <a:spLocks noGrp="1"/>
+          </p:cNvSpPr>
+          <p:nvPr>
+            <p:ph type="ftr" sz="quarter" idx="11"/>
+          </p:nvPr>
+        </p:nvSpPr>
+        <p:spPr>
+          <a:xfrm>
+            <a:off x="6937075" y="6310312"/>
+            <a:ext cx="4114800" cy="365125"/>
+          </a:xfrm>
+        </p:spPr>
+        <p:txBody>
+          <a:bodyPr/>
+          <a:lstStyle/>
+          <a:p>
+            <a:pPr>
+              <a:spcAft>
+                <a:spcPts val="600"/>
+              </a:spcAft>
+            </a:pPr>
+            <a:r>
+              <a:rPr lang="nb-NO" dirty="0">
+                <a:solidFill>
+                  <a:schemeClr val="tx1"/>
+                </a:solidFill>
+              </a:rPr>
+              <a:t>Henrik Njølstad &amp; André Martiny</a:t>
+            </a:r>
+          </a:p>
+        </p:txBody>
+      </p:sp>
+      <p:pic>
+        <p:nvPicPr>
+          <p:cNvPr id="2050" name="Picture 2">
+            <a:extLst>
+              <a:ext uri="{FF2B5EF4-FFF2-40B4-BE49-F238E27FC236}">
+                <a16:creationId xmlns:a16="http://schemas.microsoft.com/office/drawing/2014/main" id="{497BAC9D-3202-437C-B12B-E3164F1AB1E7}"/>
+              </a:ext>
+            </a:extLst>
+          </p:cNvPr>
+          <p:cNvPicPr>
+            <a:picLocks noChangeAspect="1" noChangeArrowheads="1"/>
+          </p:cNvPicPr>
+          <p:nvPr/>
+        </p:nvPicPr>
+        <p:blipFill>
+          <a:blip r:embed="rId3">
+            <a:extLst>
+              <a:ext uri="{28A0092B-C50C-407E-A947-70E740481C1C}">
+                <a14:useLocalDpi xmlns:a14="http://schemas.microsoft.com/office/drawing/2010/main" val="0"/>
+              </a:ext>
+            </a:extLst>
+          </a:blip>
+          <a:srcRect/>
+          <a:stretch>
+            <a:fillRect/>
+          </a:stretch>
+        </p:blipFill>
+        <p:spPr bwMode="auto">
+          <a:xfrm>
+            <a:off x="8613475" y="1679068"/>
+            <a:ext cx="2438400" cy="2438400"/>
+          </a:xfrm>
+          <a:prstGeom prst="rect">
+            <a:avLst/>
+          </a:prstGeom>
+          <a:noFill/>
+          <a:extLst>
+            <a:ext uri="{909E8E84-426E-40DD-AFC4-6F175D3DCCD1}">
+              <a14:hiddenFill xmlns:a14="http://schemas.microsoft.com/office/drawing/2010/main">
+                <a:solidFill>
+                  <a:srgbClr val="FFFFFF"/>
+                </a:solidFill>
+              </a14:hiddenFill>
+            </a:ext>
+          </a:extLst>
+        </p:spPr>
+      </p:pic>
+    </p:spTree>
+    <p:extLst>
+      <p:ext uri="{BB962C8B-B14F-4D97-AF65-F5344CB8AC3E}">
+        <p14:creationId xmlns:p14="http://schemas.microsoft.com/office/powerpoint/2010/main" val="3374629622"/>
+      </p:ext>
+    </p:extLst>
+  </p:cSld>
+  <p:clrMapOvr>
+    <a:masterClrMapping/>
+  </p:clrMapOvr>
+</p:sld>
+</file>
+
+<file path=ppt/slides/slide17.xml><?xml version="1.0" encoding="utf-8"?>
+<p:sld xmlns:a="http://schemas.openxmlformats.org/drawingml/2006/main" xmlns:r="http://schemas.openxmlformats.org/officeDocument/2006/relationships" xmlns:p="http://schemas.openxmlformats.org/presentationml/2006/main">
+  <p:cSld>
+    <p:spTree>
+      <p:nvGrpSpPr>
+        <p:cNvPr id="1" name=""/>
+        <p:cNvGrpSpPr/>
+        <p:nvPr/>
+      </p:nvGrpSpPr>
+      <p:grpSpPr>
+        <a:xfrm>
+          <a:off x="0" y="0"/>
+          <a:ext cx="0" cy="0"/>
+          <a:chOff x="0" y="0"/>
+          <a:chExt cx="0" cy="0"/>
+        </a:xfrm>
+      </p:grpSpPr>
+      <p:sp>
+        <p:nvSpPr>
+          <p:cNvPr id="2" name="Tittel 1">
+            <a:extLst>
+              <a:ext uri="{FF2B5EF4-FFF2-40B4-BE49-F238E27FC236}">
+                <a16:creationId xmlns:a16="http://schemas.microsoft.com/office/drawing/2014/main" id="{C3E6477F-AED9-484F-9621-C53F564119B4}"/>
+              </a:ext>
+            </a:extLst>
+          </p:cNvPr>
+          <p:cNvSpPr>
+            <a:spLocks noGrp="1"/>
+          </p:cNvSpPr>
+          <p:nvPr>
+            <p:ph type="title"/>
+          </p:nvPr>
+        </p:nvSpPr>
+        <p:spPr/>
+        <p:txBody>
+          <a:bodyPr/>
+          <a:lstStyle/>
+          <a:p>
+            <a:r>
+              <a:rPr lang="nb-NO" dirty="0"/>
+              <a:t>Egendefinerte funksjoner</a:t>
+            </a:r>
+          </a:p>
+        </p:txBody>
+      </p:sp>
+      <p:sp>
+        <p:nvSpPr>
+          <p:cNvPr id="3" name="Plassholder for innhold 2">
+            <a:extLst>
+              <a:ext uri="{FF2B5EF4-FFF2-40B4-BE49-F238E27FC236}">
+                <a16:creationId xmlns:a16="http://schemas.microsoft.com/office/drawing/2014/main" id="{18166937-65B3-4DC8-BB43-63584E0D60E0}"/>
+              </a:ext>
+            </a:extLst>
+          </p:cNvPr>
+          <p:cNvSpPr>
+            <a:spLocks noGrp="1"/>
+          </p:cNvSpPr>
+          <p:nvPr>
+            <p:ph idx="4294967295"/>
+          </p:nvPr>
+        </p:nvSpPr>
+        <p:spPr>
+          <a:xfrm>
+            <a:off x="838200" y="1572705"/>
+            <a:ext cx="11130280" cy="4370895"/>
+          </a:xfrm>
+        </p:spPr>
+        <p:txBody>
+          <a:bodyPr>
+            <a:normAutofit/>
+          </a:bodyPr>
+          <a:lstStyle/>
+          <a:p>
+            <a:pPr marL="0" indent="0">
+              <a:buNone/>
+            </a:pPr>
+            <a:r>
+              <a:rPr lang="nb-NO" dirty="0" err="1">
+                <a:solidFill>
+                  <a:srgbClr val="C44026"/>
+                </a:solidFill>
+                <a:latin typeface="Consolas" panose="020B0609020204030204" pitchFamily="49" charset="0"/>
+              </a:rPr>
+              <a:t>def</a:t>
+            </a:r>
+            <a:r>
+              <a:rPr lang="nb-NO" dirty="0">
+                <a:latin typeface="Consolas" panose="020B0609020204030204" pitchFamily="49" charset="0"/>
+              </a:rPr>
+              <a:t> </a:t>
+            </a:r>
+            <a:r>
+              <a:rPr lang="nb-NO" dirty="0" err="1">
+                <a:solidFill>
+                  <a:srgbClr val="9751CB"/>
+                </a:solidFill>
+                <a:latin typeface="Consolas" panose="020B0609020204030204" pitchFamily="49" charset="0"/>
+              </a:rPr>
+              <a:t>ErDeleligMedTo</a:t>
+            </a:r>
+            <a:r>
+              <a:rPr lang="nb-NO" dirty="0">
+                <a:latin typeface="Consolas" panose="020B0609020204030204" pitchFamily="49" charset="0"/>
+              </a:rPr>
+              <a:t>(rundenummer):</a:t>
+            </a:r>
+          </a:p>
+          <a:p>
+            <a:pPr marL="0" indent="0">
+              <a:buNone/>
+            </a:pPr>
+            <a:r>
+              <a:rPr lang="nb-NO" dirty="0">
+                <a:latin typeface="Consolas" panose="020B0609020204030204" pitchFamily="49" charset="0"/>
+              </a:rPr>
+              <a:t>	</a:t>
+            </a:r>
+            <a:r>
+              <a:rPr lang="nb-NO" dirty="0" err="1">
+                <a:solidFill>
+                  <a:srgbClr val="C44026"/>
+                </a:solidFill>
+                <a:latin typeface="Consolas" panose="020B0609020204030204" pitchFamily="49" charset="0"/>
+              </a:rPr>
+              <a:t>return</a:t>
+            </a:r>
+            <a:r>
+              <a:rPr lang="nb-NO" dirty="0">
+                <a:latin typeface="Consolas" panose="020B0609020204030204" pitchFamily="49" charset="0"/>
+              </a:rPr>
+              <a:t> rundenummer % 2 == 0</a:t>
+            </a:r>
+          </a:p>
+          <a:p>
+            <a:pPr marL="0" indent="0">
+              <a:buNone/>
+            </a:pPr>
+            <a:endParaRPr lang="nb-NO" dirty="0">
+              <a:latin typeface="Consolas" panose="020B0609020204030204" pitchFamily="49" charset="0"/>
+            </a:endParaRPr>
+          </a:p>
+          <a:p>
+            <a:pPr marL="0" indent="0">
+              <a:buNone/>
+            </a:pPr>
+            <a:r>
+              <a:rPr lang="nb-NO" dirty="0">
+                <a:latin typeface="Consolas" panose="020B0609020204030204" pitchFamily="49" charset="0"/>
+              </a:rPr>
+              <a:t>&gt;&gt;&gt;</a:t>
+            </a:r>
+            <a:endParaRPr lang="nb-NO" dirty="0"/>
+          </a:p>
+        </p:txBody>
+      </p:sp>
+      <p:sp>
+        <p:nvSpPr>
+          <p:cNvPr id="5" name="Footer Placeholder 4">
+            <a:extLst>
+              <a:ext uri="{FF2B5EF4-FFF2-40B4-BE49-F238E27FC236}">
+                <a16:creationId xmlns:a16="http://schemas.microsoft.com/office/drawing/2014/main" id="{767B00C4-1DF5-40AA-B029-F4C3630E7C6A}"/>
+              </a:ext>
+            </a:extLst>
+          </p:cNvPr>
+          <p:cNvSpPr>
+            <a:spLocks noGrp="1"/>
+          </p:cNvSpPr>
+          <p:nvPr>
+            <p:ph type="ftr" sz="quarter" idx="11"/>
+          </p:nvPr>
+        </p:nvSpPr>
+        <p:spPr>
+          <a:xfrm>
+            <a:off x="6937075" y="6310312"/>
+            <a:ext cx="4114800" cy="365125"/>
+          </a:xfrm>
+        </p:spPr>
+        <p:txBody>
+          <a:bodyPr/>
+          <a:lstStyle/>
+          <a:p>
+            <a:pPr>
+              <a:spcAft>
+                <a:spcPts val="600"/>
+              </a:spcAft>
+            </a:pPr>
+            <a:r>
+              <a:rPr lang="nb-NO" dirty="0">
+                <a:solidFill>
+                  <a:schemeClr val="tx1"/>
+                </a:solidFill>
+              </a:rPr>
+              <a:t>Henrik Njølstad &amp; André Martiny</a:t>
+            </a:r>
+          </a:p>
+        </p:txBody>
+      </p:sp>
+      <p:pic>
+        <p:nvPicPr>
+          <p:cNvPr id="2050" name="Picture 2">
+            <a:extLst>
+              <a:ext uri="{FF2B5EF4-FFF2-40B4-BE49-F238E27FC236}">
+                <a16:creationId xmlns:a16="http://schemas.microsoft.com/office/drawing/2014/main" id="{497BAC9D-3202-437C-B12B-E3164F1AB1E7}"/>
+              </a:ext>
+            </a:extLst>
+          </p:cNvPr>
+          <p:cNvPicPr>
+            <a:picLocks noChangeAspect="1" noChangeArrowheads="1"/>
+          </p:cNvPicPr>
+          <p:nvPr/>
+        </p:nvPicPr>
+        <p:blipFill>
+          <a:blip r:embed="rId3">
+            <a:extLst>
+              <a:ext uri="{28A0092B-C50C-407E-A947-70E740481C1C}">
+                <a14:useLocalDpi xmlns:a14="http://schemas.microsoft.com/office/drawing/2010/main" val="0"/>
+              </a:ext>
+            </a:extLst>
+          </a:blip>
+          <a:srcRect/>
+          <a:stretch>
+            <a:fillRect/>
+          </a:stretch>
+        </p:blipFill>
+        <p:spPr bwMode="auto">
+          <a:xfrm>
+            <a:off x="8613475" y="1679068"/>
+            <a:ext cx="2438400" cy="2438400"/>
+          </a:xfrm>
+          <a:prstGeom prst="rect">
+            <a:avLst/>
+          </a:prstGeom>
+          <a:noFill/>
+          <a:extLst>
+            <a:ext uri="{909E8E84-426E-40DD-AFC4-6F175D3DCCD1}">
+              <a14:hiddenFill xmlns:a14="http://schemas.microsoft.com/office/drawing/2010/main">
+                <a:solidFill>
+                  <a:srgbClr val="FFFFFF"/>
+                </a:solidFill>
+              </a14:hiddenFill>
+            </a:ext>
+          </a:extLst>
+        </p:spPr>
+      </p:pic>
+    </p:spTree>
+    <p:extLst>
+      <p:ext uri="{BB962C8B-B14F-4D97-AF65-F5344CB8AC3E}">
+        <p14:creationId xmlns:p14="http://schemas.microsoft.com/office/powerpoint/2010/main" val="2355140278"/>
+      </p:ext>
+    </p:extLst>
+  </p:cSld>
+  <p:clrMapOvr>
+    <a:masterClrMapping/>
+  </p:clrMapOvr>
+</p:sld>
+</file>
+
+<file path=ppt/slides/slide18.xml><?xml version="1.0" encoding="utf-8"?>
+<p:sld xmlns:a="http://schemas.openxmlformats.org/drawingml/2006/main" xmlns:r="http://schemas.openxmlformats.org/officeDocument/2006/relationships" xmlns:p="http://schemas.openxmlformats.org/presentationml/2006/main">
+  <p:cSld>
+    <p:spTree>
+      <p:nvGrpSpPr>
+        <p:cNvPr id="1" name=""/>
+        <p:cNvGrpSpPr/>
+        <p:nvPr/>
+      </p:nvGrpSpPr>
+      <p:grpSpPr>
+        <a:xfrm>
+          <a:off x="0" y="0"/>
+          <a:ext cx="0" cy="0"/>
+          <a:chOff x="0" y="0"/>
+          <a:chExt cx="0" cy="0"/>
+        </a:xfrm>
+      </p:grpSpPr>
+      <p:sp>
+        <p:nvSpPr>
+          <p:cNvPr id="2" name="Tittel 1">
+            <a:extLst>
+              <a:ext uri="{FF2B5EF4-FFF2-40B4-BE49-F238E27FC236}">
+                <a16:creationId xmlns:a16="http://schemas.microsoft.com/office/drawing/2014/main" id="{C3E6477F-AED9-484F-9621-C53F564119B4}"/>
+              </a:ext>
+            </a:extLst>
+          </p:cNvPr>
+          <p:cNvSpPr>
+            <a:spLocks noGrp="1"/>
+          </p:cNvSpPr>
+          <p:nvPr>
+            <p:ph type="title"/>
+          </p:nvPr>
+        </p:nvSpPr>
+        <p:spPr/>
+        <p:txBody>
+          <a:bodyPr/>
+          <a:lstStyle/>
+          <a:p>
+            <a:r>
+              <a:rPr lang="nb-NO" dirty="0"/>
+              <a:t>Egendefinerte funksjoner</a:t>
+            </a:r>
+          </a:p>
+        </p:txBody>
+      </p:sp>
+      <p:sp>
+        <p:nvSpPr>
+          <p:cNvPr id="3" name="Plassholder for innhold 2">
+            <a:extLst>
+              <a:ext uri="{FF2B5EF4-FFF2-40B4-BE49-F238E27FC236}">
+                <a16:creationId xmlns:a16="http://schemas.microsoft.com/office/drawing/2014/main" id="{18166937-65B3-4DC8-BB43-63584E0D60E0}"/>
+              </a:ext>
+            </a:extLst>
+          </p:cNvPr>
+          <p:cNvSpPr>
+            <a:spLocks noGrp="1"/>
+          </p:cNvSpPr>
+          <p:nvPr>
+            <p:ph idx="4294967295"/>
+          </p:nvPr>
+        </p:nvSpPr>
+        <p:spPr>
+          <a:xfrm>
+            <a:off x="838200" y="1572705"/>
+            <a:ext cx="11130280" cy="4370895"/>
+          </a:xfrm>
+        </p:spPr>
+        <p:txBody>
+          <a:bodyPr>
+            <a:normAutofit/>
+          </a:bodyPr>
+          <a:lstStyle/>
+          <a:p>
+            <a:pPr marL="0" indent="0">
+              <a:buNone/>
+            </a:pPr>
+            <a:r>
+              <a:rPr lang="nb-NO" dirty="0" err="1">
+                <a:solidFill>
+                  <a:srgbClr val="C44026"/>
+                </a:solidFill>
+                <a:latin typeface="Consolas" panose="020B0609020204030204" pitchFamily="49" charset="0"/>
+              </a:rPr>
+              <a:t>def</a:t>
+            </a:r>
+            <a:r>
+              <a:rPr lang="nb-NO" dirty="0">
+                <a:latin typeface="Consolas" panose="020B0609020204030204" pitchFamily="49" charset="0"/>
+              </a:rPr>
+              <a:t> </a:t>
+            </a:r>
+            <a:r>
+              <a:rPr lang="nb-NO" dirty="0" err="1">
+                <a:solidFill>
+                  <a:srgbClr val="9751CB"/>
+                </a:solidFill>
+                <a:latin typeface="Consolas" panose="020B0609020204030204" pitchFamily="49" charset="0"/>
+              </a:rPr>
+              <a:t>ErDeleligMedTo</a:t>
+            </a:r>
+            <a:r>
+              <a:rPr lang="nb-NO" dirty="0">
+                <a:latin typeface="Consolas" panose="020B0609020204030204" pitchFamily="49" charset="0"/>
+              </a:rPr>
+              <a:t>(rundenummer):</a:t>
+            </a:r>
+          </a:p>
+          <a:p>
+            <a:pPr marL="0" indent="0">
+              <a:buNone/>
+            </a:pPr>
+            <a:r>
+              <a:rPr lang="nb-NO" dirty="0">
+                <a:latin typeface="Consolas" panose="020B0609020204030204" pitchFamily="49" charset="0"/>
+              </a:rPr>
+              <a:t>	</a:t>
+            </a:r>
+            <a:r>
+              <a:rPr lang="nb-NO" dirty="0" err="1">
+                <a:solidFill>
+                  <a:srgbClr val="C44026"/>
+                </a:solidFill>
+                <a:latin typeface="Consolas" panose="020B0609020204030204" pitchFamily="49" charset="0"/>
+              </a:rPr>
+              <a:t>return</a:t>
+            </a:r>
+            <a:r>
+              <a:rPr lang="nb-NO" dirty="0">
+                <a:latin typeface="Consolas" panose="020B0609020204030204" pitchFamily="49" charset="0"/>
+              </a:rPr>
+              <a:t> rundenummer % 2 == 0</a:t>
+            </a:r>
+          </a:p>
+          <a:p>
+            <a:pPr marL="0" indent="0">
+              <a:buNone/>
+            </a:pPr>
+            <a:endParaRPr lang="nb-NO" dirty="0">
+              <a:latin typeface="Consolas" panose="020B0609020204030204" pitchFamily="49" charset="0"/>
+            </a:endParaRPr>
+          </a:p>
+          <a:p>
+            <a:pPr marL="0" indent="0">
+              <a:buNone/>
+            </a:pPr>
+            <a:r>
+              <a:rPr lang="nb-NO" dirty="0">
+                <a:latin typeface="Consolas" panose="020B0609020204030204" pitchFamily="49" charset="0"/>
+              </a:rPr>
+              <a:t>&gt;&gt;&gt; test = rundenummer % 2 == 0</a:t>
+            </a:r>
+          </a:p>
+          <a:p>
+            <a:pPr marL="0" indent="0">
+              <a:buNone/>
+            </a:pPr>
+            <a:endParaRPr lang="nb-NO" dirty="0"/>
+          </a:p>
+        </p:txBody>
+      </p:sp>
+      <p:sp>
+        <p:nvSpPr>
+          <p:cNvPr id="5" name="Footer Placeholder 4">
+            <a:extLst>
+              <a:ext uri="{FF2B5EF4-FFF2-40B4-BE49-F238E27FC236}">
+                <a16:creationId xmlns:a16="http://schemas.microsoft.com/office/drawing/2014/main" id="{767B00C4-1DF5-40AA-B029-F4C3630E7C6A}"/>
+              </a:ext>
+            </a:extLst>
+          </p:cNvPr>
+          <p:cNvSpPr>
+            <a:spLocks noGrp="1"/>
+          </p:cNvSpPr>
+          <p:nvPr>
+            <p:ph type="ftr" sz="quarter" idx="11"/>
+          </p:nvPr>
+        </p:nvSpPr>
+        <p:spPr>
+          <a:xfrm>
+            <a:off x="6937075" y="6310312"/>
+            <a:ext cx="4114800" cy="365125"/>
+          </a:xfrm>
+        </p:spPr>
+        <p:txBody>
+          <a:bodyPr/>
+          <a:lstStyle/>
+          <a:p>
+            <a:pPr>
+              <a:spcAft>
+                <a:spcPts val="600"/>
+              </a:spcAft>
+            </a:pPr>
+            <a:r>
+              <a:rPr lang="nb-NO" dirty="0">
+                <a:solidFill>
+                  <a:schemeClr val="tx1"/>
+                </a:solidFill>
+              </a:rPr>
+              <a:t>Henrik Njølstad &amp; André Martiny</a:t>
+            </a:r>
+          </a:p>
+        </p:txBody>
+      </p:sp>
+      <p:pic>
+        <p:nvPicPr>
+          <p:cNvPr id="2050" name="Picture 2">
+            <a:extLst>
+              <a:ext uri="{FF2B5EF4-FFF2-40B4-BE49-F238E27FC236}">
+                <a16:creationId xmlns:a16="http://schemas.microsoft.com/office/drawing/2014/main" id="{497BAC9D-3202-437C-B12B-E3164F1AB1E7}"/>
+              </a:ext>
+            </a:extLst>
+          </p:cNvPr>
+          <p:cNvPicPr>
+            <a:picLocks noChangeAspect="1" noChangeArrowheads="1"/>
+          </p:cNvPicPr>
+          <p:nvPr/>
+        </p:nvPicPr>
+        <p:blipFill>
+          <a:blip r:embed="rId3">
+            <a:extLst>
+              <a:ext uri="{28A0092B-C50C-407E-A947-70E740481C1C}">
+                <a14:useLocalDpi xmlns:a14="http://schemas.microsoft.com/office/drawing/2010/main" val="0"/>
+              </a:ext>
+            </a:extLst>
+          </a:blip>
+          <a:srcRect/>
+          <a:stretch>
+            <a:fillRect/>
+          </a:stretch>
+        </p:blipFill>
+        <p:spPr bwMode="auto">
+          <a:xfrm>
+            <a:off x="8613475" y="1679068"/>
+            <a:ext cx="2438400" cy="2438400"/>
+          </a:xfrm>
+          <a:prstGeom prst="rect">
+            <a:avLst/>
+          </a:prstGeom>
+          <a:noFill/>
+          <a:extLst>
+            <a:ext uri="{909E8E84-426E-40DD-AFC4-6F175D3DCCD1}">
+              <a14:hiddenFill xmlns:a14="http://schemas.microsoft.com/office/drawing/2010/main">
+                <a:solidFill>
+                  <a:srgbClr val="FFFFFF"/>
+                </a:solidFill>
+              </a14:hiddenFill>
+            </a:ext>
+          </a:extLst>
+        </p:spPr>
+      </p:pic>
+    </p:spTree>
+    <p:extLst>
+      <p:ext uri="{BB962C8B-B14F-4D97-AF65-F5344CB8AC3E}">
+        <p14:creationId xmlns:p14="http://schemas.microsoft.com/office/powerpoint/2010/main" val="3470671077"/>
+      </p:ext>
+    </p:extLst>
+  </p:cSld>
+  <p:clrMapOvr>
+    <a:masterClrMapping/>
+  </p:clrMapOvr>
+</p:sld>
+</file>
+
+<file path=ppt/slides/slide19.xml><?xml version="1.0" encoding="utf-8"?>
+<p:sld xmlns:a="http://schemas.openxmlformats.org/drawingml/2006/main" xmlns:r="http://schemas.openxmlformats.org/officeDocument/2006/relationships" xmlns:p="http://schemas.openxmlformats.org/presentationml/2006/main">
+  <p:cSld>
+    <p:spTree>
+      <p:nvGrpSpPr>
+        <p:cNvPr id="1" name=""/>
+        <p:cNvGrpSpPr/>
+        <p:nvPr/>
+      </p:nvGrpSpPr>
+      <p:grpSpPr>
+        <a:xfrm>
+          <a:off x="0" y="0"/>
+          <a:ext cx="0" cy="0"/>
+          <a:chOff x="0" y="0"/>
+          <a:chExt cx="0" cy="0"/>
+        </a:xfrm>
+      </p:grpSpPr>
+      <p:sp>
+        <p:nvSpPr>
+          <p:cNvPr id="2" name="Tittel 1">
+            <a:extLst>
+              <a:ext uri="{FF2B5EF4-FFF2-40B4-BE49-F238E27FC236}">
+                <a16:creationId xmlns:a16="http://schemas.microsoft.com/office/drawing/2014/main" id="{C3E6477F-AED9-484F-9621-C53F564119B4}"/>
+              </a:ext>
+            </a:extLst>
+          </p:cNvPr>
+          <p:cNvSpPr>
+            <a:spLocks noGrp="1"/>
+          </p:cNvSpPr>
+          <p:nvPr>
+            <p:ph type="title"/>
+          </p:nvPr>
+        </p:nvSpPr>
+        <p:spPr/>
+        <p:txBody>
+          <a:bodyPr/>
+          <a:lstStyle/>
+          <a:p>
+            <a:r>
+              <a:rPr lang="nb-NO" dirty="0"/>
+              <a:t>Egendefinerte funksjoner</a:t>
+            </a:r>
+          </a:p>
+        </p:txBody>
+      </p:sp>
+      <p:sp>
+        <p:nvSpPr>
+          <p:cNvPr id="3" name="Plassholder for innhold 2">
+            <a:extLst>
+              <a:ext uri="{FF2B5EF4-FFF2-40B4-BE49-F238E27FC236}">
+                <a16:creationId xmlns:a16="http://schemas.microsoft.com/office/drawing/2014/main" id="{18166937-65B3-4DC8-BB43-63584E0D60E0}"/>
+              </a:ext>
+            </a:extLst>
+          </p:cNvPr>
+          <p:cNvSpPr>
+            <a:spLocks noGrp="1"/>
+          </p:cNvSpPr>
+          <p:nvPr>
+            <p:ph idx="4294967295"/>
+          </p:nvPr>
+        </p:nvSpPr>
+        <p:spPr>
+          <a:xfrm>
+            <a:off x="838200" y="1572705"/>
+            <a:ext cx="11130280" cy="4370895"/>
+          </a:xfrm>
+        </p:spPr>
+        <p:txBody>
+          <a:bodyPr>
+            <a:normAutofit/>
+          </a:bodyPr>
+          <a:lstStyle/>
+          <a:p>
+            <a:pPr marL="0" indent="0">
+              <a:buNone/>
+            </a:pPr>
+            <a:r>
+              <a:rPr lang="nb-NO" dirty="0" err="1">
+                <a:solidFill>
+                  <a:srgbClr val="C44026"/>
+                </a:solidFill>
+                <a:latin typeface="Consolas" panose="020B0609020204030204" pitchFamily="49" charset="0"/>
+              </a:rPr>
+              <a:t>def</a:t>
+            </a:r>
+            <a:r>
+              <a:rPr lang="nb-NO" dirty="0">
+                <a:latin typeface="Consolas" panose="020B0609020204030204" pitchFamily="49" charset="0"/>
+              </a:rPr>
+              <a:t> </a:t>
+            </a:r>
+            <a:r>
+              <a:rPr lang="nb-NO" dirty="0" err="1">
+                <a:solidFill>
+                  <a:srgbClr val="9751CB"/>
+                </a:solidFill>
+                <a:latin typeface="Consolas" panose="020B0609020204030204" pitchFamily="49" charset="0"/>
+              </a:rPr>
+              <a:t>ErDeleligMedTo</a:t>
+            </a:r>
+            <a:r>
+              <a:rPr lang="nb-NO" dirty="0">
+                <a:latin typeface="Consolas" panose="020B0609020204030204" pitchFamily="49" charset="0"/>
+              </a:rPr>
+              <a:t>(rundenummer):</a:t>
+            </a:r>
+          </a:p>
+          <a:p>
+            <a:pPr marL="0" indent="0">
+              <a:buNone/>
+            </a:pPr>
+            <a:r>
+              <a:rPr lang="nb-NO" dirty="0">
+                <a:latin typeface="Consolas" panose="020B0609020204030204" pitchFamily="49" charset="0"/>
+              </a:rPr>
+              <a:t>	</a:t>
+            </a:r>
+            <a:r>
+              <a:rPr lang="nb-NO" dirty="0" err="1">
+                <a:solidFill>
+                  <a:srgbClr val="C44026"/>
+                </a:solidFill>
+                <a:latin typeface="Consolas" panose="020B0609020204030204" pitchFamily="49" charset="0"/>
+              </a:rPr>
+              <a:t>return</a:t>
+            </a:r>
+            <a:r>
+              <a:rPr lang="nb-NO" dirty="0">
+                <a:latin typeface="Consolas" panose="020B0609020204030204" pitchFamily="49" charset="0"/>
+              </a:rPr>
+              <a:t> rundenummer % 2 == 0</a:t>
+            </a:r>
+          </a:p>
+          <a:p>
+            <a:pPr marL="0" indent="0">
+              <a:buNone/>
+            </a:pPr>
+            <a:endParaRPr lang="nb-NO" dirty="0">
+              <a:latin typeface="Consolas" panose="020B0609020204030204" pitchFamily="49" charset="0"/>
+            </a:endParaRPr>
+          </a:p>
+          <a:p>
+            <a:pPr marL="0" indent="0">
+              <a:buNone/>
+            </a:pPr>
+            <a:r>
+              <a:rPr lang="nb-NO" dirty="0">
+                <a:latin typeface="Consolas" panose="020B0609020204030204" pitchFamily="49" charset="0"/>
+              </a:rPr>
+              <a:t>&gt;&gt;&gt; test = rundenummer % 2 == 0</a:t>
+            </a:r>
+          </a:p>
+          <a:p>
+            <a:pPr marL="0" indent="0">
+              <a:buNone/>
+            </a:pPr>
+            <a:r>
+              <a:rPr lang="nb-NO" dirty="0">
+                <a:latin typeface="Consolas" panose="020B0609020204030204" pitchFamily="49" charset="0"/>
+              </a:rPr>
+              <a:t>&gt;&gt;&gt; </a:t>
+            </a:r>
+            <a:r>
+              <a:rPr lang="nb-NO" dirty="0" err="1">
+                <a:latin typeface="Consolas" panose="020B0609020204030204" pitchFamily="49" charset="0"/>
+              </a:rPr>
+              <a:t>print</a:t>
+            </a:r>
+            <a:r>
+              <a:rPr lang="nb-NO" dirty="0">
+                <a:latin typeface="Consolas" panose="020B0609020204030204" pitchFamily="49" charset="0"/>
+              </a:rPr>
+              <a:t>(test)</a:t>
+            </a:r>
+          </a:p>
+        </p:txBody>
+      </p:sp>
+      <p:sp>
+        <p:nvSpPr>
+          <p:cNvPr id="5" name="Footer Placeholder 4">
+            <a:extLst>
+              <a:ext uri="{FF2B5EF4-FFF2-40B4-BE49-F238E27FC236}">
+                <a16:creationId xmlns:a16="http://schemas.microsoft.com/office/drawing/2014/main" id="{767B00C4-1DF5-40AA-B029-F4C3630E7C6A}"/>
+              </a:ext>
+            </a:extLst>
+          </p:cNvPr>
+          <p:cNvSpPr>
+            <a:spLocks noGrp="1"/>
+          </p:cNvSpPr>
+          <p:nvPr>
+            <p:ph type="ftr" sz="quarter" idx="11"/>
+          </p:nvPr>
+        </p:nvSpPr>
+        <p:spPr>
+          <a:xfrm>
+            <a:off x="6937075" y="6310312"/>
+            <a:ext cx="4114800" cy="365125"/>
+          </a:xfrm>
+        </p:spPr>
+        <p:txBody>
+          <a:bodyPr/>
+          <a:lstStyle/>
+          <a:p>
+            <a:pPr>
+              <a:spcAft>
+                <a:spcPts val="600"/>
+              </a:spcAft>
+            </a:pPr>
+            <a:r>
+              <a:rPr lang="nb-NO" dirty="0">
+                <a:solidFill>
+                  <a:schemeClr val="tx1"/>
+                </a:solidFill>
+              </a:rPr>
+              <a:t>Henrik Njølstad &amp; André Martiny</a:t>
+            </a:r>
+          </a:p>
+        </p:txBody>
+      </p:sp>
+      <p:pic>
+        <p:nvPicPr>
+          <p:cNvPr id="2050" name="Picture 2">
+            <a:extLst>
+              <a:ext uri="{FF2B5EF4-FFF2-40B4-BE49-F238E27FC236}">
+                <a16:creationId xmlns:a16="http://schemas.microsoft.com/office/drawing/2014/main" id="{497BAC9D-3202-437C-B12B-E3164F1AB1E7}"/>
+              </a:ext>
+            </a:extLst>
+          </p:cNvPr>
+          <p:cNvPicPr>
+            <a:picLocks noChangeAspect="1" noChangeArrowheads="1"/>
+          </p:cNvPicPr>
+          <p:nvPr/>
+        </p:nvPicPr>
+        <p:blipFill>
+          <a:blip r:embed="rId3">
+            <a:extLst>
+              <a:ext uri="{28A0092B-C50C-407E-A947-70E740481C1C}">
+                <a14:useLocalDpi xmlns:a14="http://schemas.microsoft.com/office/drawing/2010/main" val="0"/>
+              </a:ext>
+            </a:extLst>
+          </a:blip>
+          <a:srcRect/>
+          <a:stretch>
+            <a:fillRect/>
+          </a:stretch>
+        </p:blipFill>
+        <p:spPr bwMode="auto">
+          <a:xfrm>
+            <a:off x="8613475" y="1679068"/>
+            <a:ext cx="2438400" cy="2438400"/>
+          </a:xfrm>
+          <a:prstGeom prst="rect">
+            <a:avLst/>
+          </a:prstGeom>
+          <a:noFill/>
+          <a:extLst>
+            <a:ext uri="{909E8E84-426E-40DD-AFC4-6F175D3DCCD1}">
+              <a14:hiddenFill xmlns:a14="http://schemas.microsoft.com/office/drawing/2010/main">
+                <a:solidFill>
+                  <a:srgbClr val="FFFFFF"/>
+                </a:solidFill>
+              </a14:hiddenFill>
+            </a:ext>
+          </a:extLst>
+        </p:spPr>
+      </p:pic>
+    </p:spTree>
+    <p:extLst>
+      <p:ext uri="{BB962C8B-B14F-4D97-AF65-F5344CB8AC3E}">
+        <p14:creationId xmlns:p14="http://schemas.microsoft.com/office/powerpoint/2010/main" val="3513622728"/>
       </p:ext>
     </p:extLst>
   </p:cSld>
@@ -11174,6 +13840,490 @@
 </p:sld>
 </file>
 
+<file path=ppt/slides/slide20.xml><?xml version="1.0" encoding="utf-8"?>
+<p:sld xmlns:a="http://schemas.openxmlformats.org/drawingml/2006/main" xmlns:r="http://schemas.openxmlformats.org/officeDocument/2006/relationships" xmlns:p="http://schemas.openxmlformats.org/presentationml/2006/main">
+  <p:cSld>
+    <p:spTree>
+      <p:nvGrpSpPr>
+        <p:cNvPr id="1" name=""/>
+        <p:cNvGrpSpPr/>
+        <p:nvPr/>
+      </p:nvGrpSpPr>
+      <p:grpSpPr>
+        <a:xfrm>
+          <a:off x="0" y="0"/>
+          <a:ext cx="0" cy="0"/>
+          <a:chOff x="0" y="0"/>
+          <a:chExt cx="0" cy="0"/>
+        </a:xfrm>
+      </p:grpSpPr>
+      <p:sp>
+        <p:nvSpPr>
+          <p:cNvPr id="2" name="Tittel 1">
+            <a:extLst>
+              <a:ext uri="{FF2B5EF4-FFF2-40B4-BE49-F238E27FC236}">
+                <a16:creationId xmlns:a16="http://schemas.microsoft.com/office/drawing/2014/main" id="{C3E6477F-AED9-484F-9621-C53F564119B4}"/>
+              </a:ext>
+            </a:extLst>
+          </p:cNvPr>
+          <p:cNvSpPr>
+            <a:spLocks noGrp="1"/>
+          </p:cNvSpPr>
+          <p:nvPr>
+            <p:ph type="title"/>
+          </p:nvPr>
+        </p:nvSpPr>
+        <p:spPr/>
+        <p:txBody>
+          <a:bodyPr/>
+          <a:lstStyle/>
+          <a:p>
+            <a:r>
+              <a:rPr lang="nb-NO" dirty="0"/>
+              <a:t>Egendefinerte funksjoner</a:t>
+            </a:r>
+          </a:p>
+        </p:txBody>
+      </p:sp>
+      <p:sp>
+        <p:nvSpPr>
+          <p:cNvPr id="3" name="Plassholder for innhold 2">
+            <a:extLst>
+              <a:ext uri="{FF2B5EF4-FFF2-40B4-BE49-F238E27FC236}">
+                <a16:creationId xmlns:a16="http://schemas.microsoft.com/office/drawing/2014/main" id="{18166937-65B3-4DC8-BB43-63584E0D60E0}"/>
+              </a:ext>
+            </a:extLst>
+          </p:cNvPr>
+          <p:cNvSpPr>
+            <a:spLocks noGrp="1"/>
+          </p:cNvSpPr>
+          <p:nvPr>
+            <p:ph idx="4294967295"/>
+          </p:nvPr>
+        </p:nvSpPr>
+        <p:spPr>
+          <a:xfrm>
+            <a:off x="838200" y="1572705"/>
+            <a:ext cx="11130280" cy="4370895"/>
+          </a:xfrm>
+        </p:spPr>
+        <p:txBody>
+          <a:bodyPr>
+            <a:normAutofit/>
+          </a:bodyPr>
+          <a:lstStyle/>
+          <a:p>
+            <a:pPr marL="0" indent="0">
+              <a:buNone/>
+            </a:pPr>
+            <a:r>
+              <a:rPr lang="nb-NO" dirty="0" err="1">
+                <a:solidFill>
+                  <a:srgbClr val="C44026"/>
+                </a:solidFill>
+                <a:latin typeface="Consolas" panose="020B0609020204030204" pitchFamily="49" charset="0"/>
+              </a:rPr>
+              <a:t>def</a:t>
+            </a:r>
+            <a:r>
+              <a:rPr lang="nb-NO" dirty="0">
+                <a:latin typeface="Consolas" panose="020B0609020204030204" pitchFamily="49" charset="0"/>
+              </a:rPr>
+              <a:t> </a:t>
+            </a:r>
+            <a:r>
+              <a:rPr lang="nb-NO" dirty="0" err="1">
+                <a:solidFill>
+                  <a:srgbClr val="9751CB"/>
+                </a:solidFill>
+                <a:latin typeface="Consolas" panose="020B0609020204030204" pitchFamily="49" charset="0"/>
+              </a:rPr>
+              <a:t>ErDeleligMedTo</a:t>
+            </a:r>
+            <a:r>
+              <a:rPr lang="nb-NO" dirty="0">
+                <a:latin typeface="Consolas" panose="020B0609020204030204" pitchFamily="49" charset="0"/>
+              </a:rPr>
+              <a:t>(rundenummer):</a:t>
+            </a:r>
+          </a:p>
+          <a:p>
+            <a:pPr marL="0" indent="0">
+              <a:buNone/>
+            </a:pPr>
+            <a:r>
+              <a:rPr lang="nb-NO" dirty="0">
+                <a:latin typeface="Consolas" panose="020B0609020204030204" pitchFamily="49" charset="0"/>
+              </a:rPr>
+              <a:t>	</a:t>
+            </a:r>
+            <a:r>
+              <a:rPr lang="nb-NO" dirty="0" err="1">
+                <a:solidFill>
+                  <a:srgbClr val="C44026"/>
+                </a:solidFill>
+                <a:latin typeface="Consolas" panose="020B0609020204030204" pitchFamily="49" charset="0"/>
+              </a:rPr>
+              <a:t>return</a:t>
+            </a:r>
+            <a:r>
+              <a:rPr lang="nb-NO" dirty="0">
+                <a:latin typeface="Consolas" panose="020B0609020204030204" pitchFamily="49" charset="0"/>
+              </a:rPr>
+              <a:t> rundenummer % 2 == 0</a:t>
+            </a:r>
+          </a:p>
+          <a:p>
+            <a:pPr marL="0" indent="0">
+              <a:buNone/>
+            </a:pPr>
+            <a:endParaRPr lang="nb-NO" dirty="0">
+              <a:latin typeface="Consolas" panose="020B0609020204030204" pitchFamily="49" charset="0"/>
+            </a:endParaRPr>
+          </a:p>
+          <a:p>
+            <a:pPr marL="0" indent="0">
+              <a:buNone/>
+            </a:pPr>
+            <a:r>
+              <a:rPr lang="nb-NO" dirty="0">
+                <a:latin typeface="Consolas" panose="020B0609020204030204" pitchFamily="49" charset="0"/>
+              </a:rPr>
+              <a:t>&gt;&gt;&gt; test = rundenummer % 2 == 0</a:t>
+            </a:r>
+          </a:p>
+          <a:p>
+            <a:pPr marL="0" indent="0">
+              <a:buNone/>
+            </a:pPr>
+            <a:r>
+              <a:rPr lang="nb-NO" dirty="0">
+                <a:latin typeface="Consolas" panose="020B0609020204030204" pitchFamily="49" charset="0"/>
+              </a:rPr>
+              <a:t>&gt;&gt;&gt; </a:t>
+            </a:r>
+            <a:r>
+              <a:rPr lang="nb-NO" dirty="0" err="1">
+                <a:latin typeface="Consolas" panose="020B0609020204030204" pitchFamily="49" charset="0"/>
+              </a:rPr>
+              <a:t>print</a:t>
+            </a:r>
+            <a:r>
+              <a:rPr lang="nb-NO" dirty="0">
+                <a:latin typeface="Consolas" panose="020B0609020204030204" pitchFamily="49" charset="0"/>
+              </a:rPr>
+              <a:t>(test)</a:t>
+            </a:r>
+          </a:p>
+          <a:p>
+            <a:pPr marL="0" indent="0">
+              <a:buNone/>
+            </a:pPr>
+            <a:r>
+              <a:rPr lang="nb-NO" dirty="0">
+                <a:solidFill>
+                  <a:schemeClr val="accent4">
+                    <a:lumMod val="60000"/>
+                    <a:lumOff val="40000"/>
+                  </a:schemeClr>
+                </a:solidFill>
+                <a:latin typeface="Consolas" panose="020B0609020204030204" pitchFamily="49" charset="0"/>
+              </a:rPr>
+              <a:t>True</a:t>
+            </a:r>
+          </a:p>
+          <a:p>
+            <a:pPr marL="0" indent="0">
+              <a:buNone/>
+            </a:pPr>
+            <a:endParaRPr lang="nb-NO" dirty="0"/>
+          </a:p>
+        </p:txBody>
+      </p:sp>
+      <p:sp>
+        <p:nvSpPr>
+          <p:cNvPr id="5" name="Footer Placeholder 4">
+            <a:extLst>
+              <a:ext uri="{FF2B5EF4-FFF2-40B4-BE49-F238E27FC236}">
+                <a16:creationId xmlns:a16="http://schemas.microsoft.com/office/drawing/2014/main" id="{767B00C4-1DF5-40AA-B029-F4C3630E7C6A}"/>
+              </a:ext>
+            </a:extLst>
+          </p:cNvPr>
+          <p:cNvSpPr>
+            <a:spLocks noGrp="1"/>
+          </p:cNvSpPr>
+          <p:nvPr>
+            <p:ph type="ftr" sz="quarter" idx="11"/>
+          </p:nvPr>
+        </p:nvSpPr>
+        <p:spPr>
+          <a:xfrm>
+            <a:off x="6937075" y="6310312"/>
+            <a:ext cx="4114800" cy="365125"/>
+          </a:xfrm>
+        </p:spPr>
+        <p:txBody>
+          <a:bodyPr/>
+          <a:lstStyle/>
+          <a:p>
+            <a:pPr>
+              <a:spcAft>
+                <a:spcPts val="600"/>
+              </a:spcAft>
+            </a:pPr>
+            <a:r>
+              <a:rPr lang="nb-NO" dirty="0">
+                <a:solidFill>
+                  <a:schemeClr val="tx1"/>
+                </a:solidFill>
+              </a:rPr>
+              <a:t>Henrik Njølstad &amp; André Martiny</a:t>
+            </a:r>
+          </a:p>
+        </p:txBody>
+      </p:sp>
+      <p:pic>
+        <p:nvPicPr>
+          <p:cNvPr id="2050" name="Picture 2">
+            <a:extLst>
+              <a:ext uri="{FF2B5EF4-FFF2-40B4-BE49-F238E27FC236}">
+                <a16:creationId xmlns:a16="http://schemas.microsoft.com/office/drawing/2014/main" id="{497BAC9D-3202-437C-B12B-E3164F1AB1E7}"/>
+              </a:ext>
+            </a:extLst>
+          </p:cNvPr>
+          <p:cNvPicPr>
+            <a:picLocks noChangeAspect="1" noChangeArrowheads="1"/>
+          </p:cNvPicPr>
+          <p:nvPr/>
+        </p:nvPicPr>
+        <p:blipFill>
+          <a:blip r:embed="rId3">
+            <a:extLst>
+              <a:ext uri="{28A0092B-C50C-407E-A947-70E740481C1C}">
+                <a14:useLocalDpi xmlns:a14="http://schemas.microsoft.com/office/drawing/2010/main" val="0"/>
+              </a:ext>
+            </a:extLst>
+          </a:blip>
+          <a:srcRect/>
+          <a:stretch>
+            <a:fillRect/>
+          </a:stretch>
+        </p:blipFill>
+        <p:spPr bwMode="auto">
+          <a:xfrm>
+            <a:off x="8613475" y="1679068"/>
+            <a:ext cx="2438400" cy="2438400"/>
+          </a:xfrm>
+          <a:prstGeom prst="rect">
+            <a:avLst/>
+          </a:prstGeom>
+          <a:noFill/>
+          <a:extLst>
+            <a:ext uri="{909E8E84-426E-40DD-AFC4-6F175D3DCCD1}">
+              <a14:hiddenFill xmlns:a14="http://schemas.microsoft.com/office/drawing/2010/main">
+                <a:solidFill>
+                  <a:srgbClr val="FFFFFF"/>
+                </a:solidFill>
+              </a14:hiddenFill>
+            </a:ext>
+          </a:extLst>
+        </p:spPr>
+      </p:pic>
+    </p:spTree>
+    <p:extLst>
+      <p:ext uri="{BB962C8B-B14F-4D97-AF65-F5344CB8AC3E}">
+        <p14:creationId xmlns:p14="http://schemas.microsoft.com/office/powerpoint/2010/main" val="436915314"/>
+      </p:ext>
+    </p:extLst>
+  </p:cSld>
+  <p:clrMapOvr>
+    <a:masterClrMapping/>
+  </p:clrMapOvr>
+</p:sld>
+</file>
+
+<file path=ppt/slides/slide21.xml><?xml version="1.0" encoding="utf-8"?>
+<p:sld xmlns:a="http://schemas.openxmlformats.org/drawingml/2006/main" xmlns:r="http://schemas.openxmlformats.org/officeDocument/2006/relationships" xmlns:p="http://schemas.openxmlformats.org/presentationml/2006/main">
+  <p:cSld>
+    <p:spTree>
+      <p:nvGrpSpPr>
+        <p:cNvPr id="1" name=""/>
+        <p:cNvGrpSpPr/>
+        <p:nvPr/>
+      </p:nvGrpSpPr>
+      <p:grpSpPr>
+        <a:xfrm>
+          <a:off x="0" y="0"/>
+          <a:ext cx="0" cy="0"/>
+          <a:chOff x="0" y="0"/>
+          <a:chExt cx="0" cy="0"/>
+        </a:xfrm>
+      </p:grpSpPr>
+      <p:sp>
+        <p:nvSpPr>
+          <p:cNvPr id="2" name="Tittel 1">
+            <a:extLst>
+              <a:ext uri="{FF2B5EF4-FFF2-40B4-BE49-F238E27FC236}">
+                <a16:creationId xmlns:a16="http://schemas.microsoft.com/office/drawing/2014/main" id="{C3E6477F-AED9-484F-9621-C53F564119B4}"/>
+              </a:ext>
+            </a:extLst>
+          </p:cNvPr>
+          <p:cNvSpPr>
+            <a:spLocks noGrp="1"/>
+          </p:cNvSpPr>
+          <p:nvPr>
+            <p:ph type="title"/>
+          </p:nvPr>
+        </p:nvSpPr>
+        <p:spPr/>
+        <p:txBody>
+          <a:bodyPr/>
+          <a:lstStyle/>
+          <a:p>
+            <a:r>
+              <a:rPr lang="nb-NO" dirty="0"/>
+              <a:t>Prøv selv</a:t>
+            </a:r>
+          </a:p>
+        </p:txBody>
+      </p:sp>
+      <p:sp>
+        <p:nvSpPr>
+          <p:cNvPr id="3" name="Plassholder for innhold 2">
+            <a:extLst>
+              <a:ext uri="{FF2B5EF4-FFF2-40B4-BE49-F238E27FC236}">
+                <a16:creationId xmlns:a16="http://schemas.microsoft.com/office/drawing/2014/main" id="{18166937-65B3-4DC8-BB43-63584E0D60E0}"/>
+              </a:ext>
+            </a:extLst>
+          </p:cNvPr>
+          <p:cNvSpPr>
+            <a:spLocks noGrp="1"/>
+          </p:cNvSpPr>
+          <p:nvPr>
+            <p:ph idx="4294967295"/>
+          </p:nvPr>
+        </p:nvSpPr>
+        <p:spPr>
+          <a:xfrm>
+            <a:off x="762000" y="2411952"/>
+            <a:ext cx="10515600" cy="3003328"/>
+          </a:xfrm>
+        </p:spPr>
+        <p:txBody>
+          <a:bodyPr>
+            <a:normAutofit lnSpcReduction="10000"/>
+          </a:bodyPr>
+          <a:lstStyle/>
+          <a:p>
+            <a:pPr marL="0" indent="0" algn="ctr">
+              <a:buNone/>
+            </a:pPr>
+            <a:r>
+              <a:rPr lang="nb-NO" sz="4400" dirty="0">
+                <a:latin typeface="Consolas" panose="020B0609020204030204" pitchFamily="49" charset="0"/>
+              </a:rPr>
+              <a:t>uia-mn.github.io/workshop</a:t>
+            </a:r>
+          </a:p>
+          <a:p>
+            <a:pPr marL="0" indent="0">
+              <a:buNone/>
+            </a:pPr>
+            <a:endParaRPr lang="nb-NO" sz="4000" dirty="0">
+              <a:latin typeface="Consolas" panose="020B0609020204030204" pitchFamily="49" charset="0"/>
+            </a:endParaRPr>
+          </a:p>
+          <a:p>
+            <a:pPr marL="0" indent="0">
+              <a:buNone/>
+            </a:pPr>
+            <a:r>
+              <a:rPr lang="nb-NO" sz="3200" dirty="0">
+                <a:latin typeface="Consolas" panose="020B0609020204030204" pitchFamily="49" charset="0"/>
+              </a:rPr>
+              <a:t>Til hver oppgave har vi valgt ut én eller to konsept som du skal bli kjent med. Klikk på lenken i oppgaven mer informasjon om hvordan den fungerer.</a:t>
+            </a:r>
+          </a:p>
+          <a:p>
+            <a:endParaRPr lang="nb-NO" sz="4000" dirty="0">
+              <a:latin typeface="Consolas" panose="020B0609020204030204" pitchFamily="49" charset="0"/>
+            </a:endParaRPr>
+          </a:p>
+          <a:p>
+            <a:pPr lvl="1"/>
+            <a:endParaRPr lang="nb-NO" sz="3600" dirty="0">
+              <a:latin typeface="Consolas" panose="020B0609020204030204" pitchFamily="49" charset="0"/>
+            </a:endParaRPr>
+          </a:p>
+          <a:p>
+            <a:pPr lvl="1"/>
+            <a:endParaRPr lang="nb-NO" sz="3600" dirty="0">
+              <a:latin typeface="Consolas" panose="020B0609020204030204" pitchFamily="49" charset="0"/>
+            </a:endParaRPr>
+          </a:p>
+          <a:p>
+            <a:pPr lvl="1"/>
+            <a:endParaRPr lang="nb-NO" sz="3600" dirty="0">
+              <a:latin typeface="Consolas" panose="020B0609020204030204" pitchFamily="49" charset="0"/>
+            </a:endParaRPr>
+          </a:p>
+        </p:txBody>
+      </p:sp>
+      <p:sp>
+        <p:nvSpPr>
+          <p:cNvPr id="5" name="Footer Placeholder 4">
+            <a:extLst>
+              <a:ext uri="{FF2B5EF4-FFF2-40B4-BE49-F238E27FC236}">
+                <a16:creationId xmlns:a16="http://schemas.microsoft.com/office/drawing/2014/main" id="{2D147248-02D2-4FB6-802E-640535C4B302}"/>
+              </a:ext>
+            </a:extLst>
+          </p:cNvPr>
+          <p:cNvSpPr>
+            <a:spLocks noGrp="1"/>
+          </p:cNvSpPr>
+          <p:nvPr>
+            <p:ph type="ftr" sz="quarter" idx="11"/>
+          </p:nvPr>
+        </p:nvSpPr>
+        <p:spPr>
+          <a:xfrm>
+            <a:off x="6937075" y="6310312"/>
+            <a:ext cx="4114800" cy="365125"/>
+          </a:xfrm>
+        </p:spPr>
+        <p:txBody>
+          <a:bodyPr/>
+          <a:lstStyle/>
+          <a:p>
+            <a:pPr>
+              <a:spcAft>
+                <a:spcPts val="600"/>
+              </a:spcAft>
+            </a:pPr>
+            <a:r>
+              <a:rPr lang="nb-NO" dirty="0">
+                <a:solidFill>
+                  <a:schemeClr val="tx1"/>
+                </a:solidFill>
+              </a:rPr>
+              <a:t>Henrik Njølstad &amp; André Martiny</a:t>
+            </a:r>
+          </a:p>
+        </p:txBody>
+      </p:sp>
+    </p:spTree>
+    <p:extLst>
+      <p:ext uri="{BB962C8B-B14F-4D97-AF65-F5344CB8AC3E}">
+        <p14:creationId xmlns:p14="http://schemas.microsoft.com/office/powerpoint/2010/main" val="2476041199"/>
+      </p:ext>
+    </p:extLst>
+  </p:cSld>
+  <p:clrMapOvr>
+    <a:masterClrMapping/>
+  </p:clrMapOvr>
+</p:sld>
+</file>
+
 <file path=ppt/slides/slide3.xml><?xml version="1.0" encoding="utf-8"?>
 <p:sld xmlns:a="http://schemas.openxmlformats.org/drawingml/2006/main" xmlns:r="http://schemas.openxmlformats.org/officeDocument/2006/relationships" xmlns:p="http://schemas.openxmlformats.org/presentationml/2006/main">
   <p:cSld>
@@ -12822,17 +15972,6 @@
           </a:bodyPr>
           <a:lstStyle/>
           <a:p>
-            <a:pPr marL="0" indent="0">
-              <a:buNone/>
-            </a:pPr>
-            <a:r>
-              <a:rPr lang="nb-NO" dirty="0">
-                <a:latin typeface="Consolas" panose="020B0609020204030204" pitchFamily="49" charset="0"/>
-              </a:rPr>
-              <a:t>FIZZBUZZ</a:t>
-            </a:r>
-          </a:p>
-          <a:p>
             <a:endParaRPr lang="nb-NO" dirty="0"/>
           </a:p>
           <a:p>
@@ -12893,32 +16032,96 @@
       </p:sp>
       <p:pic>
         <p:nvPicPr>
-          <p:cNvPr id="6" name="Bilde 5">
+          <p:cNvPr id="1032" name="Picture 8">
             <a:extLst>
               <a:ext uri="{FF2B5EF4-FFF2-40B4-BE49-F238E27FC236}">
-                <a16:creationId xmlns:a16="http://schemas.microsoft.com/office/drawing/2014/main" id="{8EE9994E-7D7E-4F16-ACF9-D85B96375680}"/>
+                <a16:creationId xmlns:a16="http://schemas.microsoft.com/office/drawing/2014/main" id="{0FB1949E-CB87-44AD-B2AF-37A797B6240B}"/>
               </a:ext>
             </a:extLst>
           </p:cNvPr>
           <p:cNvPicPr>
-            <a:picLocks noChangeAspect="1"/>
+            <a:picLocks noChangeAspect="1" noChangeArrowheads="1"/>
           </p:cNvPicPr>
           <p:nvPr/>
         </p:nvPicPr>
         <p:blipFill>
-          <a:blip r:embed="rId3"/>
+          <a:blip r:embed="rId3">
+            <a:extLst>
+              <a:ext uri="{28A0092B-C50C-407E-A947-70E740481C1C}">
+                <a14:useLocalDpi xmlns:a14="http://schemas.microsoft.com/office/drawing/2010/main" val="0"/>
+              </a:ext>
+            </a:extLst>
+          </a:blip>
+          <a:srcRect/>
           <a:stretch>
             <a:fillRect/>
           </a:stretch>
         </p:blipFill>
-        <p:spPr>
+        <p:spPr bwMode="auto">
           <a:xfrm>
-            <a:off x="940378" y="1572705"/>
-            <a:ext cx="3165416" cy="4477053"/>
+            <a:off x="6574790" y="1433512"/>
+            <a:ext cx="3390900" cy="4876800"/>
           </a:xfrm>
           <a:prstGeom prst="rect">
             <a:avLst/>
           </a:prstGeom>
+          <a:noFill/>
+          <a:extLst>
+            <a:ext uri="{909E8E84-426E-40DD-AFC4-6F175D3DCCD1}">
+              <a14:hiddenFill xmlns:a14="http://schemas.microsoft.com/office/drawing/2010/main">
+                <a:solidFill>
+                  <a:srgbClr val="FFFFFF"/>
+                </a:solidFill>
+              </a14:hiddenFill>
+            </a:ext>
+          </a:extLst>
+        </p:spPr>
+      </p:pic>
+      <p:pic>
+        <p:nvPicPr>
+          <p:cNvPr id="1034" name="Picture 10">
+            <a:extLst>
+              <a:ext uri="{FF2B5EF4-FFF2-40B4-BE49-F238E27FC236}">
+                <a16:creationId xmlns:a16="http://schemas.microsoft.com/office/drawing/2014/main" id="{BF98F9A7-C1AC-44FA-ADC5-DE669DFF785F}"/>
+              </a:ext>
+            </a:extLst>
+          </p:cNvPr>
+          <p:cNvPicPr>
+            <a:picLocks noChangeAspect="1" noChangeArrowheads="1"/>
+          </p:cNvPicPr>
+          <p:nvPr/>
+        </p:nvPicPr>
+        <p:blipFill>
+          <a:blip r:embed="rId4">
+            <a:extLst>
+              <a:ext uri="{28A0092B-C50C-407E-A947-70E740481C1C}">
+                <a14:useLocalDpi xmlns:a14="http://schemas.microsoft.com/office/drawing/2010/main" val="0"/>
+              </a:ext>
+            </a:extLst>
+          </a:blip>
+          <a:srcRect/>
+          <a:stretch>
+            <a:fillRect/>
+          </a:stretch>
+        </p:blipFill>
+        <p:spPr bwMode="auto">
+          <a:xfrm>
+            <a:off x="2226311" y="1433512"/>
+            <a:ext cx="3390900" cy="4867275"/>
+          </a:xfrm>
+          <a:prstGeom prst="rect">
+            <a:avLst/>
+          </a:prstGeom>
+          <a:noFill/>
+          <a:extLst>
+            <a:ext uri="{909E8E84-426E-40DD-AFC4-6F175D3DCCD1}">
+              <a14:hiddenFill xmlns:a14="http://schemas.microsoft.com/office/drawing/2010/main">
+                <a:solidFill>
+                  <a:srgbClr val="FFFFFF"/>
+                </a:solidFill>
+              </a14:hiddenFill>
+            </a:ext>
+          </a:extLst>
         </p:spPr>
       </p:pic>
     </p:spTree>
@@ -12931,6 +16134,126 @@
   <p:clrMapOvr>
     <a:masterClrMapping/>
   </p:clrMapOvr>
+  <p:timing>
+    <p:tnLst>
+      <p:par>
+        <p:cTn id="1" dur="indefinite" restart="never" nodeType="tmRoot">
+          <p:childTnLst>
+            <p:seq concurrent="1" nextAc="seek">
+              <p:cTn id="2" dur="indefinite" nodeType="mainSeq">
+                <p:childTnLst>
+                  <p:par>
+                    <p:cTn id="3" fill="hold">
+                      <p:stCondLst>
+                        <p:cond delay="indefinite"/>
+                      </p:stCondLst>
+                      <p:childTnLst>
+                        <p:par>
+                          <p:cTn id="4" fill="hold">
+                            <p:stCondLst>
+                              <p:cond delay="0"/>
+                            </p:stCondLst>
+                            <p:childTnLst>
+                              <p:par>
+                                <p:cTn id="5" presetID="1" presetClass="entr" presetSubtype="0" fill="hold" nodeType="clickEffect">
+                                  <p:stCondLst>
+                                    <p:cond delay="0"/>
+                                  </p:stCondLst>
+                                  <p:childTnLst>
+                                    <p:set>
+                                      <p:cBhvr>
+                                        <p:cTn id="6" dur="1" fill="hold">
+                                          <p:stCondLst>
+                                            <p:cond delay="0"/>
+                                          </p:stCondLst>
+                                        </p:cTn>
+                                        <p:tgtEl>
+                                          <p:spTgt spid="1034"/>
+                                        </p:tgtEl>
+                                        <p:attrNameLst>
+                                          <p:attrName>style.visibility</p:attrName>
+                                        </p:attrNameLst>
+                                      </p:cBhvr>
+                                      <p:to>
+                                        <p:strVal val="visible"/>
+                                      </p:to>
+                                    </p:set>
+                                  </p:childTnLst>
+                                </p:cTn>
+                              </p:par>
+                            </p:childTnLst>
+                          </p:cTn>
+                        </p:par>
+                      </p:childTnLst>
+                    </p:cTn>
+                  </p:par>
+                  <p:par>
+                    <p:cTn id="7" fill="hold">
+                      <p:stCondLst>
+                        <p:cond delay="indefinite"/>
+                      </p:stCondLst>
+                      <p:childTnLst>
+                        <p:par>
+                          <p:cTn id="8" fill="hold">
+                            <p:stCondLst>
+                              <p:cond delay="0"/>
+                            </p:stCondLst>
+                            <p:childTnLst>
+                              <p:par>
+                                <p:cTn id="9" presetID="1" presetClass="entr" presetSubtype="0" fill="hold" nodeType="clickEffect">
+                                  <p:stCondLst>
+                                    <p:cond delay="0"/>
+                                  </p:stCondLst>
+                                  <p:childTnLst>
+                                    <p:set>
+                                      <p:cBhvr>
+                                        <p:cTn id="10" dur="1" fill="hold">
+                                          <p:stCondLst>
+                                            <p:cond delay="0"/>
+                                          </p:stCondLst>
+                                        </p:cTn>
+                                        <p:tgtEl>
+                                          <p:spTgt spid="1032"/>
+                                        </p:tgtEl>
+                                        <p:attrNameLst>
+                                          <p:attrName>style.visibility</p:attrName>
+                                        </p:attrNameLst>
+                                      </p:cBhvr>
+                                      <p:to>
+                                        <p:strVal val="visible"/>
+                                      </p:to>
+                                    </p:set>
+                                  </p:childTnLst>
+                                </p:cTn>
+                              </p:par>
+                            </p:childTnLst>
+                          </p:cTn>
+                        </p:par>
+                      </p:childTnLst>
+                    </p:cTn>
+                  </p:par>
+                </p:childTnLst>
+              </p:cTn>
+              <p:prevCondLst>
+                <p:cond evt="onPrev" delay="0">
+                  <p:tgtEl>
+                    <p:sldTgt/>
+                  </p:tgtEl>
+                </p:cond>
+              </p:prevCondLst>
+              <p:nextCondLst>
+                <p:cond evt="onNext" delay="0">
+                  <p:tgtEl>
+                    <p:sldTgt/>
+                  </p:tgtEl>
+                </p:cond>
+              </p:nextCondLst>
+            </p:seq>
+          </p:childTnLst>
+        </p:cTn>
+      </p:par>
+    </p:tnLst>
+  </p:timing>
 </p:sld>
 </file>
 
@@ -14013,21 +17336,6 @@
 </file>
 
 <file path=customXml/item1.xml><?xml version="1.0" encoding="utf-8"?>
-<p:properties xmlns:p="http://schemas.microsoft.com/office/2006/metadata/properties" xmlns:xsi="http://www.w3.org/2001/XMLSchema-instance" xmlns:pc="http://schemas.microsoft.com/office/infopath/2007/PartnerControls">
-  <documentManagement/>
-</p:properties>
-</file>
-
-<file path=customXml/item2.xml><?xml version="1.0" encoding="utf-8"?>
-<?mso-contentType ?>
-<FormTemplates xmlns="http://schemas.microsoft.com/sharepoint/v3/contenttype/forms">
-  <Display>DocumentLibraryForm</Display>
-  <Edit>DocumentLibraryForm</Edit>
-  <New>DocumentLibraryForm</New>
-</FormTemplates>
-</file>
-
-<file path=customXml/item3.xml><?xml version="1.0" encoding="utf-8"?>
 <ct:contentTypeSchema xmlns:ct="http://schemas.microsoft.com/office/2006/metadata/contentType" xmlns:ma="http://schemas.microsoft.com/office/2006/metadata/properties/metaAttributes" ct:_="" ma:_="" ma:contentTypeName="Document" ma:contentTypeID="0x01010016C8866D03E34B48841686518579C82E" ma:contentTypeVersion="9" ma:contentTypeDescription="Create a new document." ma:contentTypeScope="" ma:versionID="fdc90dfaa38f62fbf710a40f032d942a">
   <xsd:schema xmlns:xsd="http://www.w3.org/2001/XMLSchema" xmlns:xs="http://www.w3.org/2001/XMLSchema" xmlns:p="http://schemas.microsoft.com/office/2006/metadata/properties" xmlns:ns3="d6825be3-6367-44d3-85f5-b39c113bb9e2" xmlns:ns4="fc4421ab-83fb-4986-8788-82ed978005be" targetNamespace="http://schemas.microsoft.com/office/2006/metadata/properties" ma:root="true" ma:fieldsID="23bf39b307e2c9cf8ede89b1c3f8734b" ns3:_="" ns4:_="">
     <xsd:import namespace="d6825be3-6367-44d3-85f5-b39c113bb9e2"/>
@@ -14224,24 +17532,22 @@
 </ct:contentTypeSchema>
 </file>
 
-<file path=customXml/itemProps1.xml><?xml version="1.0" encoding="utf-8"?>
-<ds:datastoreItem xmlns:ds="http://schemas.openxmlformats.org/officeDocument/2006/customXml" ds:itemID="{28591F37-1B9F-40A3-900D-791619430ABD}">
-  <ds:schemaRefs>
-    <ds:schemaRef ds:uri="http://schemas.microsoft.com/office/2006/metadata/properties"/>
-    <ds:schemaRef ds:uri="http://schemas.microsoft.com/office/infopath/2007/PartnerControls"/>
-  </ds:schemaRefs>
-</ds:datastoreItem>
+<file path=customXml/item2.xml><?xml version="1.0" encoding="utf-8"?>
+<?mso-contentType ?>
+<FormTemplates xmlns="http://schemas.microsoft.com/sharepoint/v3/contenttype/forms">
+  <Display>DocumentLibraryForm</Display>
+  <Edit>DocumentLibraryForm</Edit>
+  <New>DocumentLibraryForm</New>
+</FormTemplates>
 </file>
 
-<file path=customXml/itemProps2.xml><?xml version="1.0" encoding="utf-8"?>
-<ds:datastoreItem xmlns:ds="http://schemas.openxmlformats.org/officeDocument/2006/customXml" ds:itemID="{A91E972C-1908-4138-8F23-71EEEC3AAB70}">
-  <ds:schemaRefs>
-    <ds:schemaRef ds:uri="http://schemas.microsoft.com/sharepoint/v3/contenttype/forms"/>
-  </ds:schemaRefs>
-</ds:datastoreItem>
+<file path=customXml/item3.xml><?xml version="1.0" encoding="utf-8"?>
+<p:properties xmlns:p="http://schemas.microsoft.com/office/2006/metadata/properties" xmlns:xsi="http://www.w3.org/2001/XMLSchema-instance" xmlns:pc="http://schemas.microsoft.com/office/infopath/2007/PartnerControls">
+  <documentManagement/>
+</p:properties>
 </file>
 
-<file path=customXml/itemProps3.xml><?xml version="1.0" encoding="utf-8"?>
+<file path=customXml/itemProps1.xml><?xml version="1.0" encoding="utf-8"?>
 <ds:datastoreItem xmlns:ds="http://schemas.openxmlformats.org/officeDocument/2006/customXml" ds:itemID="{EF40A0E1-43B2-4845-A4D9-24DE681333A9}">
   <ds:schemaRefs>
     <ds:schemaRef ds:uri="http://schemas.microsoft.com/office/2006/metadata/contentType"/>
@@ -14258,4 +17564,21 @@
     <ds:schemaRef ds:uri="http://schemas.microsoft.com/internal/obd"/>
   </ds:schemaRefs>
 </ds:datastoreItem>
+</file>
+
+<file path=customXml/itemProps2.xml><?xml version="1.0" encoding="utf-8"?>
+<ds:datastoreItem xmlns:ds="http://schemas.openxmlformats.org/officeDocument/2006/customXml" ds:itemID="{A91E972C-1908-4138-8F23-71EEEC3AAB70}">
+  <ds:schemaRefs>
+    <ds:schemaRef ds:uri="http://schemas.microsoft.com/sharepoint/v3/contenttype/forms"/>
+  </ds:schemaRefs>
+</ds:datastoreItem>
+</file>
+
+<file path=customXml/itemProps3.xml><?xml version="1.0" encoding="utf-8"?>
+<ds:datastoreItem xmlns:ds="http://schemas.openxmlformats.org/officeDocument/2006/customXml" ds:itemID="{28591F37-1B9F-40A3-900D-791619430ABD}">
+  <ds:schemaRefs>
+    <ds:schemaRef ds:uri="http://schemas.microsoft.com/office/2006/metadata/properties"/>
+    <ds:schemaRef ds:uri="http://schemas.microsoft.com/office/infopath/2007/PartnerControls"/>
+  </ds:schemaRefs>
+</ds:datastoreItem>
 </file>
--- a/_drafts/Oppgaver/Workshop/Workshop_2PP.pptx
+++ b/_drafts/Oppgaver/Workshop/Workshop_2PP.pptx
@@ -17,19 +17,19 @@
     <p:sldId id="262" r:id="rId11"/>
     <p:sldId id="268" r:id="rId12"/>
     <p:sldId id="279" r:id="rId13"/>
-    <p:sldId id="281" r:id="rId14"/>
-    <p:sldId id="280" r:id="rId15"/>
+    <p:sldId id="280" r:id="rId14"/>
+    <p:sldId id="294" r:id="rId15"/>
     <p:sldId id="282" r:id="rId16"/>
     <p:sldId id="283" r:id="rId17"/>
-    <p:sldId id="284" r:id="rId18"/>
-    <p:sldId id="285" r:id="rId19"/>
-    <p:sldId id="286" r:id="rId20"/>
-    <p:sldId id="291" r:id="rId21"/>
-    <p:sldId id="292" r:id="rId22"/>
-    <p:sldId id="293" r:id="rId23"/>
-    <p:sldId id="287" r:id="rId24"/>
-    <p:sldId id="288" r:id="rId25"/>
-    <p:sldId id="289" r:id="rId26"/>
+    <p:sldId id="295" r:id="rId18"/>
+    <p:sldId id="300" r:id="rId19"/>
+    <p:sldId id="284" r:id="rId20"/>
+    <p:sldId id="296" r:id="rId21"/>
+    <p:sldId id="297" r:id="rId22"/>
+    <p:sldId id="298" r:id="rId23"/>
+    <p:sldId id="299" r:id="rId24"/>
+    <p:sldId id="285" r:id="rId25"/>
+    <p:sldId id="286" r:id="rId26"/>
     <p:sldId id="270" r:id="rId27"/>
   </p:sldIdLst>
   <p:sldSz cx="12192000" cy="6858000"/>
@@ -140,7 +140,7 @@
 <file path=ppt/revisionInfo.xml><?xml version="1.0" encoding="utf-8"?>
 <p1510:revInfo xmlns:a="http://schemas.openxmlformats.org/drawingml/2006/main" xmlns:r="http://schemas.openxmlformats.org/officeDocument/2006/relationships" xmlns:p1510="http://schemas.microsoft.com/office/powerpoint/2015/10/main">
   <p1510:revLst>
-    <p1510:client id="{CC2E105E-BB4D-42C2-B1F2-7BEBE9E9C317}" v="331" dt="2020-11-23T14:50:58.728"/>
+    <p1510:client id="{CC2E105E-BB4D-42C2-B1F2-7BEBE9E9C317}" v="440" dt="2020-11-24T09:53:59.719"/>
   </p1510:revLst>
 </p1510:revInfo>
 </file>
@@ -213,7 +213,7 @@
   <pc:docChgLst>
     <pc:chgData name="Henrik Løvik Njølstad" userId="778659e2-5eca-412f-ba00-4d07a820fe1f" providerId="ADAL" clId="{CC2E105E-BB4D-42C2-B1F2-7BEBE9E9C317}"/>
     <pc:docChg chg="undo custSel addSld delSld modSld sldOrd">
-      <pc:chgData name="Henrik Løvik Njølstad" userId="778659e2-5eca-412f-ba00-4d07a820fe1f" providerId="ADAL" clId="{CC2E105E-BB4D-42C2-B1F2-7BEBE9E9C317}" dt="2020-11-23T14:51:49.978" v="1285" actId="20577"/>
+      <pc:chgData name="Henrik Løvik Njølstad" userId="778659e2-5eca-412f-ba00-4d07a820fe1f" providerId="ADAL" clId="{CC2E105E-BB4D-42C2-B1F2-7BEBE9E9C317}" dt="2020-11-24T09:50:58.011" v="1555" actId="1076"/>
       <pc:docMkLst>
         <pc:docMk/>
       </pc:docMkLst>
@@ -241,7 +241,7 @@
         </pc:spChg>
       </pc:sldChg>
       <pc:sldChg chg="modSp mod modAnim">
-        <pc:chgData name="Henrik Løvik Njølstad" userId="778659e2-5eca-412f-ba00-4d07a820fe1f" providerId="ADAL" clId="{CC2E105E-BB4D-42C2-B1F2-7BEBE9E9C317}" dt="2020-11-19T14:23:25.657" v="844" actId="2711"/>
+        <pc:chgData name="Henrik Løvik Njølstad" userId="778659e2-5eca-412f-ba00-4d07a820fe1f" providerId="ADAL" clId="{CC2E105E-BB4D-42C2-B1F2-7BEBE9E9C317}" dt="2020-11-24T09:12:35.423" v="1347"/>
         <pc:sldMkLst>
           <pc:docMk/>
           <pc:sldMk cId="689929228" sldId="260"/>
@@ -512,7 +512,7 @@
         </pc:picChg>
       </pc:sldChg>
       <pc:sldChg chg="addSp delSp modSp add mod modAnim">
-        <pc:chgData name="Henrik Løvik Njølstad" userId="778659e2-5eca-412f-ba00-4d07a820fe1f" providerId="ADAL" clId="{CC2E105E-BB4D-42C2-B1F2-7BEBE9E9C317}" dt="2020-11-23T14:42:15.048" v="1089"/>
+        <pc:chgData name="Henrik Løvik Njølstad" userId="778659e2-5eca-412f-ba00-4d07a820fe1f" providerId="ADAL" clId="{CC2E105E-BB4D-42C2-B1F2-7BEBE9E9C317}" dt="2020-11-24T09:13:34.206" v="1348"/>
         <pc:sldMkLst>
           <pc:docMk/>
           <pc:sldMk cId="1957482780" sldId="280"/>
@@ -525,6 +525,14 @@
             <ac:spMk id="3" creationId="{18166937-65B3-4DC8-BB43-63584E0D60E0}"/>
           </ac:spMkLst>
         </pc:spChg>
+        <pc:picChg chg="add mod">
+          <ac:chgData name="Henrik Løvik Njølstad" userId="778659e2-5eca-412f-ba00-4d07a820fe1f" providerId="ADAL" clId="{CC2E105E-BB4D-42C2-B1F2-7BEBE9E9C317}" dt="2020-11-24T09:07:15.213" v="1320" actId="1076"/>
+          <ac:picMkLst>
+            <pc:docMk/>
+            <pc:sldMk cId="1957482780" sldId="280"/>
+            <ac:picMk id="4" creationId="{27364815-0529-4467-A4E0-9A0BBE96B931}"/>
+          </ac:picMkLst>
+        </pc:picChg>
         <pc:picChg chg="add del mod">
           <ac:chgData name="Henrik Løvik Njølstad" userId="778659e2-5eca-412f-ba00-4d07a820fe1f" providerId="ADAL" clId="{CC2E105E-BB4D-42C2-B1F2-7BEBE9E9C317}" dt="2020-11-23T14:01:43.551" v="1059" actId="21"/>
           <ac:picMkLst>
@@ -542,11 +550,27 @@
           </ac:picMkLst>
         </pc:picChg>
         <pc:picChg chg="add del mod">
+          <ac:chgData name="Henrik Løvik Njølstad" userId="778659e2-5eca-412f-ba00-4d07a820fe1f" providerId="ADAL" clId="{CC2E105E-BB4D-42C2-B1F2-7BEBE9E9C317}" dt="2020-11-24T08:49:52.036" v="1289" actId="478"/>
+          <ac:picMkLst>
+            <pc:docMk/>
+            <pc:sldMk cId="1957482780" sldId="280"/>
+            <ac:picMk id="1026" creationId="{2967F51C-6160-4A21-829C-C834A5A7BF62}"/>
+          </ac:picMkLst>
+        </pc:picChg>
+        <pc:picChg chg="add del mod">
           <ac:chgData name="Henrik Løvik Njølstad" userId="778659e2-5eca-412f-ba00-4d07a820fe1f" providerId="ADAL" clId="{CC2E105E-BB4D-42C2-B1F2-7BEBE9E9C317}" dt="2020-11-23T14:37:54.294" v="1072" actId="478"/>
           <ac:picMkLst>
             <pc:docMk/>
             <pc:sldMk cId="1957482780" sldId="280"/>
             <ac:picMk id="1026" creationId="{9BFCBA1C-CAD3-4D4D-B69E-F3D1C3CD5E4E}"/>
+          </ac:picMkLst>
+        </pc:picChg>
+        <pc:picChg chg="add del mod">
+          <ac:chgData name="Henrik Løvik Njølstad" userId="778659e2-5eca-412f-ba00-4d07a820fe1f" providerId="ADAL" clId="{CC2E105E-BB4D-42C2-B1F2-7BEBE9E9C317}" dt="2020-11-24T09:07:45.131" v="1326" actId="478"/>
+          <ac:picMkLst>
+            <pc:docMk/>
+            <pc:sldMk cId="1957482780" sldId="280"/>
+            <ac:picMk id="1028" creationId="{37BA4304-C955-4AE7-82DB-9AD066C9CEE4}"/>
           </ac:picMkLst>
         </pc:picChg>
         <pc:picChg chg="add del">
@@ -565,16 +589,24 @@
             <ac:picMk id="1030" creationId="{0E03AB79-C275-4DDD-9173-1D58A75F75B4}"/>
           </ac:picMkLst>
         </pc:picChg>
-        <pc:picChg chg="add mod">
-          <ac:chgData name="Henrik Løvik Njølstad" userId="778659e2-5eca-412f-ba00-4d07a820fe1f" providerId="ADAL" clId="{CC2E105E-BB4D-42C2-B1F2-7BEBE9E9C317}" dt="2020-11-23T14:42:01.109" v="1086" actId="1076"/>
+        <pc:picChg chg="add del mod">
+          <ac:chgData name="Henrik Løvik Njølstad" userId="778659e2-5eca-412f-ba00-4d07a820fe1f" providerId="ADAL" clId="{CC2E105E-BB4D-42C2-B1F2-7BEBE9E9C317}" dt="2020-11-24T09:07:43.490" v="1325" actId="478"/>
+          <ac:picMkLst>
+            <pc:docMk/>
+            <pc:sldMk cId="1957482780" sldId="280"/>
+            <ac:picMk id="1030" creationId="{E6AACAFB-24DA-4B3A-8C40-DC7B1A4E00E8}"/>
+          </ac:picMkLst>
+        </pc:picChg>
+        <pc:picChg chg="add del mod">
+          <ac:chgData name="Henrik Løvik Njølstad" userId="778659e2-5eca-412f-ba00-4d07a820fe1f" providerId="ADAL" clId="{CC2E105E-BB4D-42C2-B1F2-7BEBE9E9C317}" dt="2020-11-24T08:47:04.396" v="1286" actId="478"/>
           <ac:picMkLst>
             <pc:docMk/>
             <pc:sldMk cId="1957482780" sldId="280"/>
             <ac:picMk id="1032" creationId="{0FB1949E-CB87-44AD-B2AF-37A797B6240B}"/>
           </ac:picMkLst>
         </pc:picChg>
-        <pc:picChg chg="add mod">
-          <ac:chgData name="Henrik Løvik Njølstad" userId="778659e2-5eca-412f-ba00-4d07a820fe1f" providerId="ADAL" clId="{CC2E105E-BB4D-42C2-B1F2-7BEBE9E9C317}" dt="2020-11-23T14:42:07.298" v="1087" actId="1076"/>
+        <pc:picChg chg="add del mod">
+          <ac:chgData name="Henrik Løvik Njølstad" userId="778659e2-5eca-412f-ba00-4d07a820fe1f" providerId="ADAL" clId="{CC2E105E-BB4D-42C2-B1F2-7BEBE9E9C317}" dt="2020-11-24T08:52:13.480" v="1298" actId="478"/>
           <ac:picMkLst>
             <pc:docMk/>
             <pc:sldMk cId="1957482780" sldId="280"/>
@@ -582,8 +614,8 @@
           </ac:picMkLst>
         </pc:picChg>
       </pc:sldChg>
-      <pc:sldChg chg="addSp delSp modSp add mod">
-        <pc:chgData name="Henrik Løvik Njølstad" userId="778659e2-5eca-412f-ba00-4d07a820fe1f" providerId="ADAL" clId="{CC2E105E-BB4D-42C2-B1F2-7BEBE9E9C317}" dt="2020-11-23T14:02:03.870" v="1068" actId="478"/>
+      <pc:sldChg chg="addSp delSp modSp add del mod">
+        <pc:chgData name="Henrik Løvik Njølstad" userId="778659e2-5eca-412f-ba00-4d07a820fe1f" providerId="ADAL" clId="{CC2E105E-BB4D-42C2-B1F2-7BEBE9E9C317}" dt="2020-11-24T09:01:30.164" v="1307" actId="47"/>
         <pc:sldMkLst>
           <pc:docMk/>
           <pc:sldMk cId="3918470979" sldId="281"/>
@@ -605,8 +637,8 @@
           </ac:picMkLst>
         </pc:picChg>
       </pc:sldChg>
-      <pc:sldChg chg="modSp add mod">
-        <pc:chgData name="Henrik Løvik Njølstad" userId="778659e2-5eca-412f-ba00-4d07a820fe1f" providerId="ADAL" clId="{CC2E105E-BB4D-42C2-B1F2-7BEBE9E9C317}" dt="2020-11-19T14:25:43.978" v="885" actId="5793"/>
+      <pc:sldChg chg="modSp add mod modAnim">
+        <pc:chgData name="Henrik Løvik Njølstad" userId="778659e2-5eca-412f-ba00-4d07a820fe1f" providerId="ADAL" clId="{CC2E105E-BB4D-42C2-B1F2-7BEBE9E9C317}" dt="2020-11-24T09:14:29.765" v="1350"/>
         <pc:sldMkLst>
           <pc:docMk/>
           <pc:sldMk cId="3783629730" sldId="282"/>
@@ -643,36 +675,68 @@
           </ac:spMkLst>
         </pc:spChg>
       </pc:sldChg>
-      <pc:sldChg chg="modSp add mod">
-        <pc:chgData name="Henrik Løvik Njølstad" userId="778659e2-5eca-412f-ba00-4d07a820fe1f" providerId="ADAL" clId="{CC2E105E-BB4D-42C2-B1F2-7BEBE9E9C317}" dt="2020-11-23T14:44:38.618" v="1143" actId="20577"/>
+      <pc:sldChg chg="addSp modSp add mod">
+        <pc:chgData name="Henrik Løvik Njølstad" userId="778659e2-5eca-412f-ba00-4d07a820fe1f" providerId="ADAL" clId="{CC2E105E-BB4D-42C2-B1F2-7BEBE9E9C317}" dt="2020-11-24T09:45:42.783" v="1542"/>
         <pc:sldMkLst>
           <pc:docMk/>
           <pc:sldMk cId="1175986555" sldId="284"/>
         </pc:sldMkLst>
         <pc:spChg chg="mod">
-          <ac:chgData name="Henrik Løvik Njølstad" userId="778659e2-5eca-412f-ba00-4d07a820fe1f" providerId="ADAL" clId="{CC2E105E-BB4D-42C2-B1F2-7BEBE9E9C317}" dt="2020-11-23T14:44:38.618" v="1143" actId="20577"/>
+          <ac:chgData name="Henrik Løvik Njølstad" userId="778659e2-5eca-412f-ba00-4d07a820fe1f" providerId="ADAL" clId="{CC2E105E-BB4D-42C2-B1F2-7BEBE9E9C317}" dt="2020-11-24T09:45:32.481" v="1541" actId="20577"/>
+          <ac:spMkLst>
+            <pc:docMk/>
+            <pc:sldMk cId="1175986555" sldId="284"/>
+            <ac:spMk id="2" creationId="{C3E6477F-AED9-484F-9621-C53F564119B4}"/>
+          </ac:spMkLst>
+        </pc:spChg>
+        <pc:spChg chg="mod">
+          <ac:chgData name="Henrik Løvik Njølstad" userId="778659e2-5eca-412f-ba00-4d07a820fe1f" providerId="ADAL" clId="{CC2E105E-BB4D-42C2-B1F2-7BEBE9E9C317}" dt="2020-11-24T09:31:06.671" v="1469" actId="20577"/>
           <ac:spMkLst>
             <pc:docMk/>
             <pc:sldMk cId="1175986555" sldId="284"/>
             <ac:spMk id="3" creationId="{18166937-65B3-4DC8-BB43-63584E0D60E0}"/>
           </ac:spMkLst>
         </pc:spChg>
+        <pc:picChg chg="add mod">
+          <ac:chgData name="Henrik Løvik Njølstad" userId="778659e2-5eca-412f-ba00-4d07a820fe1f" providerId="ADAL" clId="{CC2E105E-BB4D-42C2-B1F2-7BEBE9E9C317}" dt="2020-11-24T09:45:42.783" v="1542"/>
+          <ac:picMkLst>
+            <pc:docMk/>
+            <pc:sldMk cId="1175986555" sldId="284"/>
+            <ac:picMk id="6" creationId="{7DDA2FC6-BD13-4600-8F6C-5CC3D71B9F3D}"/>
+          </ac:picMkLst>
+        </pc:picChg>
       </pc:sldChg>
-      <pc:sldChg chg="add">
-        <pc:chgData name="Henrik Løvik Njølstad" userId="778659e2-5eca-412f-ba00-4d07a820fe1f" providerId="ADAL" clId="{CC2E105E-BB4D-42C2-B1F2-7BEBE9E9C317}" dt="2020-11-23T14:44:33.998" v="1140"/>
+      <pc:sldChg chg="modSp add mod">
+        <pc:chgData name="Henrik Løvik Njølstad" userId="778659e2-5eca-412f-ba00-4d07a820fe1f" providerId="ADAL" clId="{CC2E105E-BB4D-42C2-B1F2-7BEBE9E9C317}" dt="2020-11-24T09:43:08.979" v="1528" actId="20577"/>
         <pc:sldMkLst>
           <pc:docMk/>
           <pc:sldMk cId="1856889016" sldId="285"/>
         </pc:sldMkLst>
+        <pc:spChg chg="mod">
+          <ac:chgData name="Henrik Løvik Njølstad" userId="778659e2-5eca-412f-ba00-4d07a820fe1f" providerId="ADAL" clId="{CC2E105E-BB4D-42C2-B1F2-7BEBE9E9C317}" dt="2020-11-24T09:43:08.979" v="1528" actId="20577"/>
+          <ac:spMkLst>
+            <pc:docMk/>
+            <pc:sldMk cId="1856889016" sldId="285"/>
+            <ac:spMk id="3" creationId="{18166937-65B3-4DC8-BB43-63584E0D60E0}"/>
+          </ac:spMkLst>
+        </pc:spChg>
       </pc:sldChg>
       <pc:sldChg chg="addSp modSp add del mod">
-        <pc:chgData name="Henrik Løvik Njølstad" userId="778659e2-5eca-412f-ba00-4d07a820fe1f" providerId="ADAL" clId="{CC2E105E-BB4D-42C2-B1F2-7BEBE9E9C317}" dt="2020-11-23T14:50:00.956" v="1231" actId="47"/>
+        <pc:chgData name="Henrik Løvik Njølstad" userId="778659e2-5eca-412f-ba00-4d07a820fe1f" providerId="ADAL" clId="{CC2E105E-BB4D-42C2-B1F2-7BEBE9E9C317}" dt="2020-11-24T09:43:38.057" v="1539" actId="20577"/>
         <pc:sldMkLst>
           <pc:docMk/>
           <pc:sldMk cId="59968565" sldId="286"/>
         </pc:sldMkLst>
         <pc:spChg chg="mod">
-          <ac:chgData name="Henrik Løvik Njølstad" userId="778659e2-5eca-412f-ba00-4d07a820fe1f" providerId="ADAL" clId="{CC2E105E-BB4D-42C2-B1F2-7BEBE9E9C317}" dt="2020-11-23T14:49:21.352" v="1220" actId="20577"/>
+          <ac:chgData name="Henrik Løvik Njølstad" userId="778659e2-5eca-412f-ba00-4d07a820fe1f" providerId="ADAL" clId="{CC2E105E-BB4D-42C2-B1F2-7BEBE9E9C317}" dt="2020-11-24T09:43:38.057" v="1539" actId="20577"/>
+          <ac:spMkLst>
+            <pc:docMk/>
+            <pc:sldMk cId="59968565" sldId="286"/>
+            <ac:spMk id="2" creationId="{C3E6477F-AED9-484F-9621-C53F564119B4}"/>
+          </ac:spMkLst>
+        </pc:spChg>
+        <pc:spChg chg="mod">
+          <ac:chgData name="Henrik Løvik Njølstad" userId="778659e2-5eca-412f-ba00-4d07a820fe1f" providerId="ADAL" clId="{CC2E105E-BB4D-42C2-B1F2-7BEBE9E9C317}" dt="2020-11-24T09:43:24.310" v="1537" actId="207"/>
           <ac:spMkLst>
             <pc:docMk/>
             <pc:sldMk cId="59968565" sldId="286"/>
@@ -688,8 +752,8 @@
           </ac:picMkLst>
         </pc:picChg>
       </pc:sldChg>
-      <pc:sldChg chg="modSp add mod">
-        <pc:chgData name="Henrik Løvik Njølstad" userId="778659e2-5eca-412f-ba00-4d07a820fe1f" providerId="ADAL" clId="{CC2E105E-BB4D-42C2-B1F2-7BEBE9E9C317}" dt="2020-11-23T14:51:16.617" v="1269" actId="6549"/>
+      <pc:sldChg chg="modSp add del mod">
+        <pc:chgData name="Henrik Løvik Njølstad" userId="778659e2-5eca-412f-ba00-4d07a820fe1f" providerId="ADAL" clId="{CC2E105E-BB4D-42C2-B1F2-7BEBE9E9C317}" dt="2020-11-24T09:41:42.734" v="1506" actId="47"/>
         <pc:sldMkLst>
           <pc:docMk/>
           <pc:sldMk cId="3470671077" sldId="287"/>
@@ -703,8 +767,8 @@
           </ac:spMkLst>
         </pc:spChg>
       </pc:sldChg>
-      <pc:sldChg chg="modSp add mod">
-        <pc:chgData name="Henrik Løvik Njølstad" userId="778659e2-5eca-412f-ba00-4d07a820fe1f" providerId="ADAL" clId="{CC2E105E-BB4D-42C2-B1F2-7BEBE9E9C317}" dt="2020-11-23T14:49:31.482" v="1225" actId="20577"/>
+      <pc:sldChg chg="modSp add del mod">
+        <pc:chgData name="Henrik Løvik Njølstad" userId="778659e2-5eca-412f-ba00-4d07a820fe1f" providerId="ADAL" clId="{CC2E105E-BB4D-42C2-B1F2-7BEBE9E9C317}" dt="2020-11-24T09:41:41.975" v="1505" actId="47"/>
         <pc:sldMkLst>
           <pc:docMk/>
           <pc:sldMk cId="3513622728" sldId="288"/>
@@ -718,8 +782,8 @@
           </ac:spMkLst>
         </pc:spChg>
       </pc:sldChg>
-      <pc:sldChg chg="add">
-        <pc:chgData name="Henrik Løvik Njølstad" userId="778659e2-5eca-412f-ba00-4d07a820fe1f" providerId="ADAL" clId="{CC2E105E-BB4D-42C2-B1F2-7BEBE9E9C317}" dt="2020-11-23T14:49:28.228" v="1223"/>
+      <pc:sldChg chg="add del">
+        <pc:chgData name="Henrik Løvik Njølstad" userId="778659e2-5eca-412f-ba00-4d07a820fe1f" providerId="ADAL" clId="{CC2E105E-BB4D-42C2-B1F2-7BEBE9E9C317}" dt="2020-11-24T09:41:41.191" v="1504" actId="47"/>
         <pc:sldMkLst>
           <pc:docMk/>
           <pc:sldMk cId="436915314" sldId="289"/>
@@ -732,8 +796,8 @@
           <pc:sldMk cId="680791875" sldId="290"/>
         </pc:sldMkLst>
       </pc:sldChg>
-      <pc:sldChg chg="modSp add mod">
-        <pc:chgData name="Henrik Løvik Njølstad" userId="778659e2-5eca-412f-ba00-4d07a820fe1f" providerId="ADAL" clId="{CC2E105E-BB4D-42C2-B1F2-7BEBE9E9C317}" dt="2020-11-23T14:50:27.722" v="1258" actId="20577"/>
+      <pc:sldChg chg="modSp add del mod">
+        <pc:chgData name="Henrik Løvik Njølstad" userId="778659e2-5eca-412f-ba00-4d07a820fe1f" providerId="ADAL" clId="{CC2E105E-BB4D-42C2-B1F2-7BEBE9E9C317}" dt="2020-11-24T09:41:44.654" v="1509" actId="47"/>
         <pc:sldMkLst>
           <pc:docMk/>
           <pc:sldMk cId="1040056657" sldId="291"/>
@@ -754,8 +818,8 @@
           <pc:sldMk cId="1219285030" sldId="292"/>
         </pc:sldMkLst>
       </pc:sldChg>
-      <pc:sldChg chg="modSp add mod">
-        <pc:chgData name="Henrik Løvik Njølstad" userId="778659e2-5eca-412f-ba00-4d07a820fe1f" providerId="ADAL" clId="{CC2E105E-BB4D-42C2-B1F2-7BEBE9E9C317}" dt="2020-11-23T14:50:42.127" v="1262"/>
+      <pc:sldChg chg="modSp add del mod">
+        <pc:chgData name="Henrik Løvik Njølstad" userId="778659e2-5eca-412f-ba00-4d07a820fe1f" providerId="ADAL" clId="{CC2E105E-BB4D-42C2-B1F2-7BEBE9E9C317}" dt="2020-11-24T09:41:44.006" v="1508" actId="47"/>
         <pc:sldMkLst>
           <pc:docMk/>
           <pc:sldMk cId="3374629622" sldId="292"/>
@@ -776,8 +840,8 @@
           <pc:sldMk cId="3755456630" sldId="292"/>
         </pc:sldMkLst>
       </pc:sldChg>
-      <pc:sldChg chg="modSp add mod">
-        <pc:chgData name="Henrik Løvik Njølstad" userId="778659e2-5eca-412f-ba00-4d07a820fe1f" providerId="ADAL" clId="{CC2E105E-BB4D-42C2-B1F2-7BEBE9E9C317}" dt="2020-11-23T14:51:49.978" v="1285" actId="20577"/>
+      <pc:sldChg chg="modSp add del mod">
+        <pc:chgData name="Henrik Løvik Njølstad" userId="778659e2-5eca-412f-ba00-4d07a820fe1f" providerId="ADAL" clId="{CC2E105E-BB4D-42C2-B1F2-7BEBE9E9C317}" dt="2020-11-24T09:41:43.414" v="1507" actId="47"/>
         <pc:sldMkLst>
           <pc:docMk/>
           <pc:sldMk cId="2355140278" sldId="293"/>
@@ -790,6 +854,167 @@
             <ac:spMk id="3" creationId="{18166937-65B3-4DC8-BB43-63584E0D60E0}"/>
           </ac:spMkLst>
         </pc:spChg>
+      </pc:sldChg>
+      <pc:sldChg chg="delSp modSp add mod modAnim">
+        <pc:chgData name="Henrik Løvik Njølstad" userId="778659e2-5eca-412f-ba00-4d07a820fe1f" providerId="ADAL" clId="{CC2E105E-BB4D-42C2-B1F2-7BEBE9E9C317}" dt="2020-11-24T09:10:08.892" v="1336"/>
+        <pc:sldMkLst>
+          <pc:docMk/>
+          <pc:sldMk cId="3780945416" sldId="294"/>
+        </pc:sldMkLst>
+        <pc:spChg chg="ord">
+          <ac:chgData name="Henrik Løvik Njølstad" userId="778659e2-5eca-412f-ba00-4d07a820fe1f" providerId="ADAL" clId="{CC2E105E-BB4D-42C2-B1F2-7BEBE9E9C317}" dt="2020-11-24T09:08:13.485" v="1329" actId="166"/>
+          <ac:spMkLst>
+            <pc:docMk/>
+            <pc:sldMk cId="3780945416" sldId="294"/>
+            <ac:spMk id="2" creationId="{C3E6477F-AED9-484F-9621-C53F564119B4}"/>
+          </ac:spMkLst>
+        </pc:spChg>
+        <pc:spChg chg="ord">
+          <ac:chgData name="Henrik Løvik Njølstad" userId="778659e2-5eca-412f-ba00-4d07a820fe1f" providerId="ADAL" clId="{CC2E105E-BB4D-42C2-B1F2-7BEBE9E9C317}" dt="2020-11-24T09:09:39.039" v="1335" actId="166"/>
+          <ac:spMkLst>
+            <pc:docMk/>
+            <pc:sldMk cId="3780945416" sldId="294"/>
+            <ac:spMk id="5" creationId="{767B00C4-1DF5-40AA-B029-F4C3630E7C6A}"/>
+          </ac:spMkLst>
+        </pc:spChg>
+        <pc:picChg chg="del">
+          <ac:chgData name="Henrik Løvik Njølstad" userId="778659e2-5eca-412f-ba00-4d07a820fe1f" providerId="ADAL" clId="{CC2E105E-BB4D-42C2-B1F2-7BEBE9E9C317}" dt="2020-11-24T09:07:47.466" v="1327" actId="478"/>
+          <ac:picMkLst>
+            <pc:docMk/>
+            <pc:sldMk cId="3780945416" sldId="294"/>
+            <ac:picMk id="4" creationId="{27364815-0529-4467-A4E0-9A0BBE96B931}"/>
+          </ac:picMkLst>
+        </pc:picChg>
+        <pc:picChg chg="mod">
+          <ac:chgData name="Henrik Løvik Njølstad" userId="778659e2-5eca-412f-ba00-4d07a820fe1f" providerId="ADAL" clId="{CC2E105E-BB4D-42C2-B1F2-7BEBE9E9C317}" dt="2020-11-24T09:08:43.417" v="1334"/>
+          <ac:picMkLst>
+            <pc:docMk/>
+            <pc:sldMk cId="3780945416" sldId="294"/>
+            <ac:picMk id="1028" creationId="{37BA4304-C955-4AE7-82DB-9AD066C9CEE4}"/>
+          </ac:picMkLst>
+        </pc:picChg>
+        <pc:picChg chg="mod">
+          <ac:chgData name="Henrik Løvik Njølstad" userId="778659e2-5eca-412f-ba00-4d07a820fe1f" providerId="ADAL" clId="{CC2E105E-BB4D-42C2-B1F2-7BEBE9E9C317}" dt="2020-11-24T09:08:33.620" v="1333" actId="1076"/>
+          <ac:picMkLst>
+            <pc:docMk/>
+            <pc:sldMk cId="3780945416" sldId="294"/>
+            <ac:picMk id="1030" creationId="{E6AACAFB-24DA-4B3A-8C40-DC7B1A4E00E8}"/>
+          </ac:picMkLst>
+        </pc:picChg>
+      </pc:sldChg>
+      <pc:sldChg chg="addSp delSp modSp add mod ord modAnim">
+        <pc:chgData name="Henrik Løvik Njølstad" userId="778659e2-5eca-412f-ba00-4d07a820fe1f" providerId="ADAL" clId="{CC2E105E-BB4D-42C2-B1F2-7BEBE9E9C317}" dt="2020-11-24T09:30:35.992" v="1467" actId="14100"/>
+        <pc:sldMkLst>
+          <pc:docMk/>
+          <pc:sldMk cId="117971214" sldId="295"/>
+        </pc:sldMkLst>
+        <pc:spChg chg="mod">
+          <ac:chgData name="Henrik Løvik Njølstad" userId="778659e2-5eca-412f-ba00-4d07a820fe1f" providerId="ADAL" clId="{CC2E105E-BB4D-42C2-B1F2-7BEBE9E9C317}" dt="2020-11-24T09:30:33.061" v="1466" actId="207"/>
+          <ac:spMkLst>
+            <pc:docMk/>
+            <pc:sldMk cId="117971214" sldId="295"/>
+            <ac:spMk id="3" creationId="{18166937-65B3-4DC8-BB43-63584E0D60E0}"/>
+          </ac:spMkLst>
+        </pc:spChg>
+        <pc:spChg chg="add mod">
+          <ac:chgData name="Henrik Løvik Njølstad" userId="778659e2-5eca-412f-ba00-4d07a820fe1f" providerId="ADAL" clId="{CC2E105E-BB4D-42C2-B1F2-7BEBE9E9C317}" dt="2020-11-24T09:22:56.848" v="1426" actId="1076"/>
+          <ac:spMkLst>
+            <pc:docMk/>
+            <pc:sldMk cId="117971214" sldId="295"/>
+            <ac:spMk id="4" creationId="{F0A41587-12DD-44D4-A804-23E42C3E2AE8}"/>
+          </ac:spMkLst>
+        </pc:spChg>
+        <pc:spChg chg="add del mod">
+          <ac:chgData name="Henrik Løvik Njølstad" userId="778659e2-5eca-412f-ba00-4d07a820fe1f" providerId="ADAL" clId="{CC2E105E-BB4D-42C2-B1F2-7BEBE9E9C317}" dt="2020-11-24T09:30:35.992" v="1467" actId="14100"/>
+          <ac:spMkLst>
+            <pc:docMk/>
+            <pc:sldMk cId="117971214" sldId="295"/>
+            <ac:spMk id="6" creationId="{824C87E9-B5D1-4B37-A12E-5CBD07C5AC6E}"/>
+          </ac:spMkLst>
+        </pc:spChg>
+      </pc:sldChg>
+      <pc:sldChg chg="modSp add mod">
+        <pc:chgData name="Henrik Løvik Njølstad" userId="778659e2-5eca-412f-ba00-4d07a820fe1f" providerId="ADAL" clId="{CC2E105E-BB4D-42C2-B1F2-7BEBE9E9C317}" dt="2020-11-24T09:33:07.157" v="1495" actId="207"/>
+        <pc:sldMkLst>
+          <pc:docMk/>
+          <pc:sldMk cId="388221404" sldId="296"/>
+        </pc:sldMkLst>
+        <pc:spChg chg="mod">
+          <ac:chgData name="Henrik Løvik Njølstad" userId="778659e2-5eca-412f-ba00-4d07a820fe1f" providerId="ADAL" clId="{CC2E105E-BB4D-42C2-B1F2-7BEBE9E9C317}" dt="2020-11-24T09:33:07.157" v="1495" actId="207"/>
+          <ac:spMkLst>
+            <pc:docMk/>
+            <pc:sldMk cId="388221404" sldId="296"/>
+            <ac:spMk id="3" creationId="{18166937-65B3-4DC8-BB43-63584E0D60E0}"/>
+          </ac:spMkLst>
+        </pc:spChg>
+      </pc:sldChg>
+      <pc:sldChg chg="modSp add mod">
+        <pc:chgData name="Henrik Løvik Njølstad" userId="778659e2-5eca-412f-ba00-4d07a820fe1f" providerId="ADAL" clId="{CC2E105E-BB4D-42C2-B1F2-7BEBE9E9C317}" dt="2020-11-24T09:34:19.935" v="1503" actId="20577"/>
+        <pc:sldMkLst>
+          <pc:docMk/>
+          <pc:sldMk cId="2287785116" sldId="297"/>
+        </pc:sldMkLst>
+        <pc:spChg chg="mod">
+          <ac:chgData name="Henrik Løvik Njølstad" userId="778659e2-5eca-412f-ba00-4d07a820fe1f" providerId="ADAL" clId="{CC2E105E-BB4D-42C2-B1F2-7BEBE9E9C317}" dt="2020-11-24T09:34:19.935" v="1503" actId="20577"/>
+          <ac:spMkLst>
+            <pc:docMk/>
+            <pc:sldMk cId="2287785116" sldId="297"/>
+            <ac:spMk id="3" creationId="{18166937-65B3-4DC8-BB43-63584E0D60E0}"/>
+          </ac:spMkLst>
+        </pc:spChg>
+      </pc:sldChg>
+      <pc:sldChg chg="modSp add mod">
+        <pc:chgData name="Henrik Løvik Njølstad" userId="778659e2-5eca-412f-ba00-4d07a820fe1f" providerId="ADAL" clId="{CC2E105E-BB4D-42C2-B1F2-7BEBE9E9C317}" dt="2020-11-24T09:42:13.959" v="1522" actId="20577"/>
+        <pc:sldMkLst>
+          <pc:docMk/>
+          <pc:sldMk cId="4265240899" sldId="298"/>
+        </pc:sldMkLst>
+        <pc:spChg chg="mod">
+          <ac:chgData name="Henrik Løvik Njølstad" userId="778659e2-5eca-412f-ba00-4d07a820fe1f" providerId="ADAL" clId="{CC2E105E-BB4D-42C2-B1F2-7BEBE9E9C317}" dt="2020-11-24T09:42:13.959" v="1522" actId="20577"/>
+          <ac:spMkLst>
+            <pc:docMk/>
+            <pc:sldMk cId="4265240899" sldId="298"/>
+            <ac:spMk id="3" creationId="{18166937-65B3-4DC8-BB43-63584E0D60E0}"/>
+          </ac:spMkLst>
+        </pc:spChg>
+      </pc:sldChg>
+      <pc:sldChg chg="add">
+        <pc:chgData name="Henrik Løvik Njølstad" userId="778659e2-5eca-412f-ba00-4d07a820fe1f" providerId="ADAL" clId="{CC2E105E-BB4D-42C2-B1F2-7BEBE9E9C317}" dt="2020-11-24T09:42:01.653" v="1510"/>
+        <pc:sldMkLst>
+          <pc:docMk/>
+          <pc:sldMk cId="173324159" sldId="299"/>
+        </pc:sldMkLst>
+      </pc:sldChg>
+      <pc:sldChg chg="delSp modSp add mod ord">
+        <pc:chgData name="Henrik Løvik Njølstad" userId="778659e2-5eca-412f-ba00-4d07a820fe1f" providerId="ADAL" clId="{CC2E105E-BB4D-42C2-B1F2-7BEBE9E9C317}" dt="2020-11-24T09:50:58.011" v="1555" actId="1076"/>
+        <pc:sldMkLst>
+          <pc:docMk/>
+          <pc:sldMk cId="1412072464" sldId="300"/>
+        </pc:sldMkLst>
+        <pc:spChg chg="del mod">
+          <ac:chgData name="Henrik Løvik Njølstad" userId="778659e2-5eca-412f-ba00-4d07a820fe1f" providerId="ADAL" clId="{CC2E105E-BB4D-42C2-B1F2-7BEBE9E9C317}" dt="2020-11-24T09:46:33.233" v="1549" actId="478"/>
+          <ac:spMkLst>
+            <pc:docMk/>
+            <pc:sldMk cId="1412072464" sldId="300"/>
+            <ac:spMk id="2" creationId="{C3E6477F-AED9-484F-9621-C53F564119B4}"/>
+          </ac:spMkLst>
+        </pc:spChg>
+        <pc:spChg chg="mod">
+          <ac:chgData name="Henrik Løvik Njølstad" userId="778659e2-5eca-412f-ba00-4d07a820fe1f" providerId="ADAL" clId="{CC2E105E-BB4D-42C2-B1F2-7BEBE9E9C317}" dt="2020-11-24T09:46:28.914" v="1546" actId="20577"/>
+          <ac:spMkLst>
+            <pc:docMk/>
+            <pc:sldMk cId="1412072464" sldId="300"/>
+            <ac:spMk id="3" creationId="{18166937-65B3-4DC8-BB43-63584E0D60E0}"/>
+          </ac:spMkLst>
+        </pc:spChg>
+        <pc:picChg chg="mod">
+          <ac:chgData name="Henrik Løvik Njølstad" userId="778659e2-5eca-412f-ba00-4d07a820fe1f" providerId="ADAL" clId="{CC2E105E-BB4D-42C2-B1F2-7BEBE9E9C317}" dt="2020-11-24T09:50:58.011" v="1555" actId="1076"/>
+          <ac:picMkLst>
+            <pc:docMk/>
+            <pc:sldMk cId="1412072464" sldId="300"/>
+            <ac:picMk id="6" creationId="{7DDA2FC6-BD13-4600-8F6C-5CC3D71B9F3D}"/>
+          </ac:picMkLst>
+        </pc:picChg>
       </pc:sldChg>
     </pc:docChg>
   </pc:docChgLst>
@@ -1532,7 +1757,7 @@
           <a:p>
             <a:fld id="{1C183416-4547-4DE4-A491-59E4C0EC875B}" type="datetimeFigureOut">
               <a:rPr lang="nb-NO" smtClean="0"/>
-              <a:t>23.11.2020</a:t>
+              <a:t>24.11.2020</a:t>
             </a:fld>
             <a:endParaRPr lang="nb-NO"/>
           </a:p>
@@ -1864,7 +2089,7 @@
           <a:p>
             <a:fld id="{D95B9550-F2AC-4E79-AFA1-DC160CE0C43D}" type="slidenum">
               <a:rPr lang="nb-NO" smtClean="0"/>
-              <a:t>9</a:t>
+              <a:t>8</a:t>
             </a:fld>
             <a:endParaRPr lang="nb-NO"/>
           </a:p>
@@ -1948,6 +2173,90 @@
           <a:p>
             <a:fld id="{D95B9550-F2AC-4E79-AFA1-DC160CE0C43D}" type="slidenum">
               <a:rPr lang="nb-NO" smtClean="0"/>
+              <a:t>19</a:t>
+            </a:fld>
+            <a:endParaRPr lang="nb-NO"/>
+          </a:p>
+        </p:txBody>
+      </p:sp>
+    </p:spTree>
+    <p:extLst>
+      <p:ext uri="{BB962C8B-B14F-4D97-AF65-F5344CB8AC3E}">
+        <p14:creationId xmlns:p14="http://schemas.microsoft.com/office/powerpoint/2010/main" val="1708859480"/>
+      </p:ext>
+    </p:extLst>
+  </p:cSld>
+  <p:clrMapOvr>
+    <a:masterClrMapping/>
+  </p:clrMapOvr>
+</p:notes>
+</file>
+
+<file path=ppt/notesSlides/notesSlide11.xml><?xml version="1.0" encoding="utf-8"?>
+<p:notes xmlns:a="http://schemas.openxmlformats.org/drawingml/2006/main" xmlns:r="http://schemas.openxmlformats.org/officeDocument/2006/relationships" xmlns:p="http://schemas.openxmlformats.org/presentationml/2006/main">
+  <p:cSld>
+    <p:spTree>
+      <p:nvGrpSpPr>
+        <p:cNvPr id="1" name=""/>
+        <p:cNvGrpSpPr/>
+        <p:nvPr/>
+      </p:nvGrpSpPr>
+      <p:grpSpPr>
+        <a:xfrm>
+          <a:off x="0" y="0"/>
+          <a:ext cx="0" cy="0"/>
+          <a:chOff x="0" y="0"/>
+          <a:chExt cx="0" cy="0"/>
+        </a:xfrm>
+      </p:grpSpPr>
+      <p:sp>
+        <p:nvSpPr>
+          <p:cNvPr id="2" name="Plassholder for lysbilde 1"/>
+          <p:cNvSpPr>
+            <a:spLocks noGrp="1" noRot="1" noChangeAspect="1"/>
+          </p:cNvSpPr>
+          <p:nvPr>
+            <p:ph type="sldImg"/>
+          </p:nvPr>
+        </p:nvSpPr>
+        <p:spPr/>
+      </p:sp>
+      <p:sp>
+        <p:nvSpPr>
+          <p:cNvPr id="3" name="Plassholder for notater 2"/>
+          <p:cNvSpPr>
+            <a:spLocks noGrp="1"/>
+          </p:cNvSpPr>
+          <p:nvPr>
+            <p:ph type="body" idx="1"/>
+          </p:nvPr>
+        </p:nvSpPr>
+        <p:spPr/>
+        <p:txBody>
+          <a:bodyPr/>
+          <a:lstStyle/>
+          <a:p>
+            <a:endParaRPr lang="nb-NO" dirty="0"/>
+          </a:p>
+        </p:txBody>
+      </p:sp>
+      <p:sp>
+        <p:nvSpPr>
+          <p:cNvPr id="4" name="Plassholder for lysbildenummer 3"/>
+          <p:cNvSpPr>
+            <a:spLocks noGrp="1"/>
+          </p:cNvSpPr>
+          <p:nvPr>
+            <p:ph type="sldNum" sz="quarter" idx="5"/>
+          </p:nvPr>
+        </p:nvSpPr>
+        <p:spPr/>
+        <p:txBody>
+          <a:bodyPr/>
+          <a:lstStyle/>
+          <a:p>
+            <a:fld id="{D95B9550-F2AC-4E79-AFA1-DC160CE0C43D}" type="slidenum">
+              <a:rPr lang="nb-NO" smtClean="0"/>
               <a:t>20</a:t>
             </a:fld>
             <a:endParaRPr lang="nb-NO"/>
@@ -1957,7 +2266,7 @@
     </p:spTree>
     <p:extLst>
       <p:ext uri="{BB962C8B-B14F-4D97-AF65-F5344CB8AC3E}">
-        <p14:creationId xmlns:p14="http://schemas.microsoft.com/office/powerpoint/2010/main" val="1967120508"/>
+        <p14:creationId xmlns:p14="http://schemas.microsoft.com/office/powerpoint/2010/main" val="2878090989"/>
       </p:ext>
     </p:extLst>
   </p:cSld>
@@ -2032,7 +2341,7 @@
           <a:p>
             <a:fld id="{D95B9550-F2AC-4E79-AFA1-DC160CE0C43D}" type="slidenum">
               <a:rPr lang="nb-NO" smtClean="0"/>
-              <a:t>12</a:t>
+              <a:t>9</a:t>
             </a:fld>
             <a:endParaRPr lang="nb-NO"/>
           </a:p>
@@ -2041,7 +2350,7 @@
     </p:spTree>
     <p:extLst>
       <p:ext uri="{BB962C8B-B14F-4D97-AF65-F5344CB8AC3E}">
-        <p14:creationId xmlns:p14="http://schemas.microsoft.com/office/powerpoint/2010/main" val="2749309268"/>
+        <p14:creationId xmlns:p14="http://schemas.microsoft.com/office/powerpoint/2010/main" val="1342501881"/>
       </p:ext>
     </p:extLst>
   </p:cSld>
@@ -2116,7 +2425,7 @@
           <a:p>
             <a:fld id="{D95B9550-F2AC-4E79-AFA1-DC160CE0C43D}" type="slidenum">
               <a:rPr lang="nb-NO" smtClean="0"/>
-              <a:t>13</a:t>
+              <a:t>12</a:t>
             </a:fld>
             <a:endParaRPr lang="nb-NO"/>
           </a:p>
@@ -2125,7 +2434,7 @@
     </p:spTree>
     <p:extLst>
       <p:ext uri="{BB962C8B-B14F-4D97-AF65-F5344CB8AC3E}">
-        <p14:creationId xmlns:p14="http://schemas.microsoft.com/office/powerpoint/2010/main" val="1708859480"/>
+        <p14:creationId xmlns:p14="http://schemas.microsoft.com/office/powerpoint/2010/main" val="3717349871"/>
       </p:ext>
     </p:extLst>
   </p:cSld>
@@ -2200,7 +2509,7 @@
           <a:p>
             <a:fld id="{D95B9550-F2AC-4E79-AFA1-DC160CE0C43D}" type="slidenum">
               <a:rPr lang="nb-NO" smtClean="0"/>
-              <a:t>14</a:t>
+              <a:t>13</a:t>
             </a:fld>
             <a:endParaRPr lang="nb-NO"/>
           </a:p>
@@ -2209,7 +2518,7 @@
     </p:spTree>
     <p:extLst>
       <p:ext uri="{BB962C8B-B14F-4D97-AF65-F5344CB8AC3E}">
-        <p14:creationId xmlns:p14="http://schemas.microsoft.com/office/powerpoint/2010/main" val="2878090989"/>
+        <p14:creationId xmlns:p14="http://schemas.microsoft.com/office/powerpoint/2010/main" val="3588242282"/>
       </p:ext>
     </p:extLst>
   </p:cSld>
@@ -2284,7 +2593,7 @@
           <a:p>
             <a:fld id="{D95B9550-F2AC-4E79-AFA1-DC160CE0C43D}" type="slidenum">
               <a:rPr lang="nb-NO" smtClean="0"/>
-              <a:t>15</a:t>
+              <a:t>14</a:t>
             </a:fld>
             <a:endParaRPr lang="nb-NO"/>
           </a:p>
@@ -2293,7 +2602,7 @@
     </p:spTree>
     <p:extLst>
       <p:ext uri="{BB962C8B-B14F-4D97-AF65-F5344CB8AC3E}">
-        <p14:creationId xmlns:p14="http://schemas.microsoft.com/office/powerpoint/2010/main" val="2683542885"/>
+        <p14:creationId xmlns:p14="http://schemas.microsoft.com/office/powerpoint/2010/main" val="2749309268"/>
       </p:ext>
     </p:extLst>
   </p:cSld>
@@ -2368,7 +2677,7 @@
           <a:p>
             <a:fld id="{D95B9550-F2AC-4E79-AFA1-DC160CE0C43D}" type="slidenum">
               <a:rPr lang="nb-NO" smtClean="0"/>
-              <a:t>16</a:t>
+              <a:t>15</a:t>
             </a:fld>
             <a:endParaRPr lang="nb-NO"/>
           </a:p>
@@ -2377,7 +2686,7 @@
     </p:spTree>
     <p:extLst>
       <p:ext uri="{BB962C8B-B14F-4D97-AF65-F5344CB8AC3E}">
-        <p14:creationId xmlns:p14="http://schemas.microsoft.com/office/powerpoint/2010/main" val="4275217733"/>
+        <p14:creationId xmlns:p14="http://schemas.microsoft.com/office/powerpoint/2010/main" val="691445521"/>
       </p:ext>
     </p:extLst>
   </p:cSld>
@@ -2452,7 +2761,7 @@
           <a:p>
             <a:fld id="{D95B9550-F2AC-4E79-AFA1-DC160CE0C43D}" type="slidenum">
               <a:rPr lang="nb-NO" smtClean="0"/>
-              <a:t>17</a:t>
+              <a:t>16</a:t>
             </a:fld>
             <a:endParaRPr lang="nb-NO"/>
           </a:p>
@@ -2461,7 +2770,7 @@
     </p:spTree>
     <p:extLst>
       <p:ext uri="{BB962C8B-B14F-4D97-AF65-F5344CB8AC3E}">
-        <p14:creationId xmlns:p14="http://schemas.microsoft.com/office/powerpoint/2010/main" val="157575892"/>
+        <p14:creationId xmlns:p14="http://schemas.microsoft.com/office/powerpoint/2010/main" val="444607585"/>
       </p:ext>
     </p:extLst>
   </p:cSld>
@@ -2536,7 +2845,7 @@
           <a:p>
             <a:fld id="{D95B9550-F2AC-4E79-AFA1-DC160CE0C43D}" type="slidenum">
               <a:rPr lang="nb-NO" smtClean="0"/>
-              <a:t>18</a:t>
+              <a:t>17</a:t>
             </a:fld>
             <a:endParaRPr lang="nb-NO"/>
           </a:p>
@@ -2545,7 +2854,7 @@
     </p:spTree>
     <p:extLst>
       <p:ext uri="{BB962C8B-B14F-4D97-AF65-F5344CB8AC3E}">
-        <p14:creationId xmlns:p14="http://schemas.microsoft.com/office/powerpoint/2010/main" val="796502633"/>
+        <p14:creationId xmlns:p14="http://schemas.microsoft.com/office/powerpoint/2010/main" val="21372367"/>
       </p:ext>
     </p:extLst>
   </p:cSld>
@@ -2620,7 +2929,7 @@
           <a:p>
             <a:fld id="{D95B9550-F2AC-4E79-AFA1-DC160CE0C43D}" type="slidenum">
               <a:rPr lang="nb-NO" smtClean="0"/>
-              <a:t>19</a:t>
+              <a:t>18</a:t>
             </a:fld>
             <a:endParaRPr lang="nb-NO"/>
           </a:p>
@@ -2629,7 +2938,7 @@
     </p:spTree>
     <p:extLst>
       <p:ext uri="{BB962C8B-B14F-4D97-AF65-F5344CB8AC3E}">
-        <p14:creationId xmlns:p14="http://schemas.microsoft.com/office/powerpoint/2010/main" val="980987763"/>
+        <p14:creationId xmlns:p14="http://schemas.microsoft.com/office/powerpoint/2010/main" val="3382854026"/>
       </p:ext>
     </p:extLst>
   </p:cSld>
@@ -2903,7 +3212,7 @@
           <a:p>
             <a:fld id="{689B78D6-20BD-4846-B0D0-B1807AA89A6A}" type="datetime1">
               <a:rPr lang="en-US" smtClean="0"/>
-              <a:t>11/23/2020</a:t>
+              <a:t>11/24/2020</a:t>
             </a:fld>
             <a:endParaRPr lang="en-US" dirty="0"/>
           </a:p>
@@ -3148,7 +3457,7 @@
           <a:p>
             <a:fld id="{CAC49898-619D-4EBA-9825-E85E94553AD2}" type="datetime1">
               <a:rPr lang="en-US" smtClean="0"/>
-              <a:t>11/23/2020</a:t>
+              <a:t>11/24/2020</a:t>
             </a:fld>
             <a:endParaRPr lang="nb-NO"/>
           </a:p>
@@ -3518,7 +3827,7 @@
           <a:p>
             <a:fld id="{4BBABEDE-746E-4986-ACEC-2DF96833B480}" type="datetime1">
               <a:rPr lang="en-US" smtClean="0"/>
-              <a:t>11/23/2020</a:t>
+              <a:t>11/24/2020</a:t>
             </a:fld>
             <a:endParaRPr lang="nb-NO"/>
           </a:p>
@@ -3639,7 +3948,7 @@
           <a:p>
             <a:fld id="{0B792F04-B201-4600-99E5-FFE097731B7F}" type="datetime1">
               <a:rPr lang="en-US" smtClean="0"/>
-              <a:t>11/23/2020</a:t>
+              <a:t>11/24/2020</a:t>
             </a:fld>
             <a:endParaRPr lang="nb-NO"/>
           </a:p>
@@ -3737,7 +4046,7 @@
           <a:p>
             <a:fld id="{A896B82A-4593-4349-B4F4-52B06B60F019}" type="datetime1">
               <a:rPr lang="en-US" smtClean="0"/>
-              <a:t>11/23/2020</a:t>
+              <a:t>11/24/2020</a:t>
             </a:fld>
             <a:endParaRPr lang="nb-NO"/>
           </a:p>
@@ -4017,7 +4326,7 @@
           <a:p>
             <a:fld id="{83077056-5187-4605-9A04-9F83E59F6785}" type="datetime1">
               <a:rPr lang="en-US" smtClean="0"/>
-              <a:t>11/23/2020</a:t>
+              <a:t>11/24/2020</a:t>
             </a:fld>
             <a:endParaRPr lang="nb-NO"/>
           </a:p>
@@ -4277,7 +4586,7 @@
           <a:p>
             <a:fld id="{1F02436D-1B29-4D0E-A891-F1B8C2AA612D}" type="datetime1">
               <a:rPr lang="en-US" smtClean="0"/>
-              <a:t>11/23/2020</a:t>
+              <a:t>11/24/2020</a:t>
             </a:fld>
             <a:endParaRPr lang="nb-NO"/>
           </a:p>
@@ -4419,7 +4728,7 @@
           <a:p>
             <a:fld id="{7F92C38A-00CC-4578-ABA8-6DDF940EFFC6}" type="datetime1">
               <a:rPr lang="en-US" smtClean="0"/>
-              <a:t>11/23/2020</a:t>
+              <a:t>11/24/2020</a:t>
             </a:fld>
             <a:endParaRPr lang="en-US" dirty="0"/>
           </a:p>
@@ -4613,7 +4922,7 @@
           <a:p>
             <a:fld id="{0F0876E8-1776-4A9D-AA9F-26E16A31783E}" type="datetime1">
               <a:rPr lang="en-US" smtClean="0"/>
-              <a:t>11/23/2020</a:t>
+              <a:t>11/24/2020</a:t>
             </a:fld>
             <a:endParaRPr lang="en-US" dirty="0"/>
           </a:p>
@@ -4858,7 +5167,7 @@
           <a:p>
             <a:fld id="{8B145C51-195A-4AD4-A9E7-5662BE6BA4D0}" type="datetime1">
               <a:rPr lang="en-US" smtClean="0"/>
-              <a:t>11/23/2020</a:t>
+              <a:t>11/24/2020</a:t>
             </a:fld>
             <a:endParaRPr lang="nb-NO"/>
           </a:p>
@@ -5031,7 +5340,7 @@
           <a:p>
             <a:fld id="{8EC67227-D3D4-490D-B16D-FCA5F18FF075}" type="datetime1">
               <a:rPr lang="en-US" smtClean="0"/>
-              <a:t>11/23/2020</a:t>
+              <a:t>11/24/2020</a:t>
             </a:fld>
             <a:endParaRPr lang="en-US" dirty="0"/>
           </a:p>
@@ -5401,7 +5710,7 @@
           <a:p>
             <a:fld id="{0CCFE2AC-89A1-4D53-AF25-27121FF59245}" type="datetime1">
               <a:rPr lang="en-US" smtClean="0"/>
-              <a:t>11/23/2020</a:t>
+              <a:t>11/24/2020</a:t>
             </a:fld>
             <a:endParaRPr lang="nb-NO"/>
           </a:p>
@@ -5522,7 +5831,7 @@
           <a:p>
             <a:fld id="{6B77C13B-6B0A-4B20-A4F5-40FE5F8CF7E5}" type="datetime1">
               <a:rPr lang="en-US" smtClean="0"/>
-              <a:t>11/23/2020</a:t>
+              <a:t>11/24/2020</a:t>
             </a:fld>
             <a:endParaRPr lang="nb-NO"/>
           </a:p>
@@ -5620,7 +5929,7 @@
           <a:p>
             <a:fld id="{09AB79EF-2957-491B-AAC8-322C806EFFD9}" type="datetime1">
               <a:rPr lang="en-US" smtClean="0"/>
-              <a:t>11/23/2020</a:t>
+              <a:t>11/24/2020</a:t>
             </a:fld>
             <a:endParaRPr lang="nb-NO"/>
           </a:p>
@@ -5900,7 +6209,7 @@
           <a:p>
             <a:fld id="{F0E7E48C-2BCC-498B-B35C-B93F7D43789F}" type="datetime1">
               <a:rPr lang="en-US" smtClean="0"/>
-              <a:t>11/23/2020</a:t>
+              <a:t>11/24/2020</a:t>
             </a:fld>
             <a:endParaRPr lang="nb-NO"/>
           </a:p>
@@ -6160,7 +6469,7 @@
           <a:p>
             <a:fld id="{BACB5408-DC42-44CF-8A3B-974FDC745E1A}" type="datetime1">
               <a:rPr lang="en-US" smtClean="0"/>
-              <a:t>11/23/2020</a:t>
+              <a:t>11/24/2020</a:t>
             </a:fld>
             <a:endParaRPr lang="nb-NO"/>
           </a:p>
@@ -6405,7 +6714,7 @@
           <a:p>
             <a:fld id="{0954A5A9-3A74-4FD4-9B3D-84F2CEB8CA5D}" type="datetime1">
               <a:rPr lang="en-US" smtClean="0"/>
-              <a:t>11/23/2020</a:t>
+              <a:t>11/24/2020</a:t>
             </a:fld>
             <a:endParaRPr lang="nb-NO"/>
           </a:p>
@@ -6775,7 +7084,7 @@
           <a:p>
             <a:fld id="{F8E9ACD6-42D8-47F5-88E0-D9CA32C9F8A1}" type="datetime1">
               <a:rPr lang="en-US" smtClean="0"/>
-              <a:t>11/23/2020</a:t>
+              <a:t>11/24/2020</a:t>
             </a:fld>
             <a:endParaRPr lang="nb-NO"/>
           </a:p>
@@ -6896,7 +7205,7 @@
           <a:p>
             <a:fld id="{2CF6ED32-7C1B-4D12-A32C-52A5945BFBE7}" type="datetime1">
               <a:rPr lang="en-US" smtClean="0"/>
-              <a:t>11/23/2020</a:t>
+              <a:t>11/24/2020</a:t>
             </a:fld>
             <a:endParaRPr lang="nb-NO"/>
           </a:p>
@@ -6994,7 +7303,7 @@
           <a:p>
             <a:fld id="{64182CD4-752B-4B6C-9DCC-297F228CBFE6}" type="datetime1">
               <a:rPr lang="en-US" smtClean="0"/>
-              <a:t>11/23/2020</a:t>
+              <a:t>11/24/2020</a:t>
             </a:fld>
             <a:endParaRPr lang="nb-NO"/>
           </a:p>
@@ -7274,7 +7583,7 @@
           <a:p>
             <a:fld id="{FF92BD09-88A7-48A3-9438-8F11B44DB753}" type="datetime1">
               <a:rPr lang="en-US" smtClean="0"/>
-              <a:t>11/23/2020</a:t>
+              <a:t>11/24/2020</a:t>
             </a:fld>
             <a:endParaRPr lang="nb-NO"/>
           </a:p>
@@ -7534,7 +7843,7 @@
           <a:p>
             <a:fld id="{78F519AB-9467-4563-B2E4-E70C348AB1BE}" type="datetime1">
               <a:rPr lang="en-US" smtClean="0"/>
-              <a:t>11/23/2020</a:t>
+              <a:t>11/24/2020</a:t>
             </a:fld>
             <a:endParaRPr lang="nb-NO"/>
           </a:p>
@@ -7676,7 +7985,7 @@
           <a:p>
             <a:fld id="{CDF62041-14DA-4A9B-A639-05A164CA2E4C}" type="datetime1">
               <a:rPr lang="en-US" smtClean="0"/>
-              <a:t>11/23/2020</a:t>
+              <a:t>11/24/2020</a:t>
             </a:fld>
             <a:endParaRPr lang="en-US" dirty="0"/>
           </a:p>
@@ -7952,7 +8261,7 @@
           <a:p>
             <a:fld id="{785B8D15-6870-4E1B-811C-57994D71C5B6}" type="datetime1">
               <a:rPr lang="en-US" smtClean="0"/>
-              <a:t>11/23/2020</a:t>
+              <a:t>11/24/2020</a:t>
             </a:fld>
             <a:endParaRPr lang="en-US" dirty="0"/>
           </a:p>
@@ -8493,7 +8802,7 @@
           <a:p>
             <a:fld id="{60FC07E0-8E40-4B6C-B24F-7CF0305B9C7B}" type="datetime1">
               <a:rPr lang="en-US" smtClean="0"/>
-              <a:t>11/23/2020</a:t>
+              <a:t>11/24/2020</a:t>
             </a:fld>
             <a:endParaRPr lang="en-US" dirty="0"/>
           </a:p>
@@ -9112,7 +9421,7 @@
           <a:p>
             <a:fld id="{BAA7CB9B-2627-411A-9C37-CCC42B5F422C}" type="datetime1">
               <a:rPr lang="en-US" smtClean="0"/>
-              <a:t>11/23/2020</a:t>
+              <a:t>11/24/2020</a:t>
             </a:fld>
             <a:endParaRPr lang="en-US" dirty="0"/>
           </a:p>
@@ -10638,6 +10947,429 @@
   <p:clrMapOvr>
     <a:masterClrMapping/>
   </p:clrMapOvr>
+  <p:timing>
+    <p:tnLst>
+      <p:par>
+        <p:cTn id="1" dur="indefinite" restart="never" nodeType="tmRoot">
+          <p:childTnLst>
+            <p:seq concurrent="1" nextAc="seek">
+              <p:cTn id="2" dur="indefinite" nodeType="mainSeq">
+                <p:childTnLst>
+                  <p:par>
+                    <p:cTn id="3" fill="hold">
+                      <p:stCondLst>
+                        <p:cond delay="indefinite"/>
+                      </p:stCondLst>
+                      <p:childTnLst>
+                        <p:par>
+                          <p:cTn id="4" fill="hold">
+                            <p:stCondLst>
+                              <p:cond delay="0"/>
+                            </p:stCondLst>
+                            <p:childTnLst>
+                              <p:par>
+                                <p:cTn id="5" presetID="1" presetClass="entr" presetSubtype="0" fill="hold" grpId="0" nodeType="clickEffect">
+                                  <p:stCondLst>
+                                    <p:cond delay="0"/>
+                                  </p:stCondLst>
+                                  <p:childTnLst>
+                                    <p:set>
+                                      <p:cBhvr>
+                                        <p:cTn id="6" dur="1" fill="hold">
+                                          <p:stCondLst>
+                                            <p:cond delay="0"/>
+                                          </p:stCondLst>
+                                        </p:cTn>
+                                        <p:tgtEl>
+                                          <p:spTgt spid="3">
+                                            <p:txEl>
+                                              <p:pRg st="0" end="0"/>
+                                            </p:txEl>
+                                          </p:spTgt>
+                                        </p:tgtEl>
+                                        <p:attrNameLst>
+                                          <p:attrName>style.visibility</p:attrName>
+                                        </p:attrNameLst>
+                                      </p:cBhvr>
+                                      <p:to>
+                                        <p:strVal val="visible"/>
+                                      </p:to>
+                                    </p:set>
+                                  </p:childTnLst>
+                                </p:cTn>
+                              </p:par>
+                              <p:par>
+                                <p:cTn id="7" presetID="1" presetClass="entr" presetSubtype="0" fill="hold" grpId="0" nodeType="withEffect">
+                                  <p:stCondLst>
+                                    <p:cond delay="0"/>
+                                  </p:stCondLst>
+                                  <p:childTnLst>
+                                    <p:set>
+                                      <p:cBhvr>
+                                        <p:cTn id="8" dur="1" fill="hold">
+                                          <p:stCondLst>
+                                            <p:cond delay="0"/>
+                                          </p:stCondLst>
+                                        </p:cTn>
+                                        <p:tgtEl>
+                                          <p:spTgt spid="3">
+                                            <p:txEl>
+                                              <p:pRg st="1" end="1"/>
+                                            </p:txEl>
+                                          </p:spTgt>
+                                        </p:tgtEl>
+                                        <p:attrNameLst>
+                                          <p:attrName>style.visibility</p:attrName>
+                                        </p:attrNameLst>
+                                      </p:cBhvr>
+                                      <p:to>
+                                        <p:strVal val="visible"/>
+                                      </p:to>
+                                    </p:set>
+                                  </p:childTnLst>
+                                </p:cTn>
+                              </p:par>
+                              <p:par>
+                                <p:cTn id="9" presetID="1" presetClass="entr" presetSubtype="0" fill="hold" grpId="0" nodeType="withEffect">
+                                  <p:stCondLst>
+                                    <p:cond delay="0"/>
+                                  </p:stCondLst>
+                                  <p:childTnLst>
+                                    <p:set>
+                                      <p:cBhvr>
+                                        <p:cTn id="10" dur="1" fill="hold">
+                                          <p:stCondLst>
+                                            <p:cond delay="0"/>
+                                          </p:stCondLst>
+                                        </p:cTn>
+                                        <p:tgtEl>
+                                          <p:spTgt spid="3">
+                                            <p:txEl>
+                                              <p:pRg st="2" end="2"/>
+                                            </p:txEl>
+                                          </p:spTgt>
+                                        </p:tgtEl>
+                                        <p:attrNameLst>
+                                          <p:attrName>style.visibility</p:attrName>
+                                        </p:attrNameLst>
+                                      </p:cBhvr>
+                                      <p:to>
+                                        <p:strVal val="visible"/>
+                                      </p:to>
+                                    </p:set>
+                                  </p:childTnLst>
+                                </p:cTn>
+                              </p:par>
+                              <p:par>
+                                <p:cTn id="11" presetID="1" presetClass="entr" presetSubtype="0" fill="hold" grpId="0" nodeType="withEffect">
+                                  <p:stCondLst>
+                                    <p:cond delay="0"/>
+                                  </p:stCondLst>
+                                  <p:childTnLst>
+                                    <p:set>
+                                      <p:cBhvr>
+                                        <p:cTn id="12" dur="1" fill="hold">
+                                          <p:stCondLst>
+                                            <p:cond delay="0"/>
+                                          </p:stCondLst>
+                                        </p:cTn>
+                                        <p:tgtEl>
+                                          <p:spTgt spid="3">
+                                            <p:txEl>
+                                              <p:pRg st="3" end="3"/>
+                                            </p:txEl>
+                                          </p:spTgt>
+                                        </p:tgtEl>
+                                        <p:attrNameLst>
+                                          <p:attrName>style.visibility</p:attrName>
+                                        </p:attrNameLst>
+                                      </p:cBhvr>
+                                      <p:to>
+                                        <p:strVal val="visible"/>
+                                      </p:to>
+                                    </p:set>
+                                  </p:childTnLst>
+                                </p:cTn>
+                              </p:par>
+                              <p:par>
+                                <p:cTn id="13" presetID="1" presetClass="entr" presetSubtype="0" fill="hold" grpId="0" nodeType="withEffect">
+                                  <p:stCondLst>
+                                    <p:cond delay="0"/>
+                                  </p:stCondLst>
+                                  <p:childTnLst>
+                                    <p:set>
+                                      <p:cBhvr>
+                                        <p:cTn id="14" dur="1" fill="hold">
+                                          <p:stCondLst>
+                                            <p:cond delay="0"/>
+                                          </p:stCondLst>
+                                        </p:cTn>
+                                        <p:tgtEl>
+                                          <p:spTgt spid="3">
+                                            <p:txEl>
+                                              <p:pRg st="4" end="4"/>
+                                            </p:txEl>
+                                          </p:spTgt>
+                                        </p:tgtEl>
+                                        <p:attrNameLst>
+                                          <p:attrName>style.visibility</p:attrName>
+                                        </p:attrNameLst>
+                                      </p:cBhvr>
+                                      <p:to>
+                                        <p:strVal val="visible"/>
+                                      </p:to>
+                                    </p:set>
+                                  </p:childTnLst>
+                                </p:cTn>
+                              </p:par>
+                              <p:par>
+                                <p:cTn id="15" presetID="1" presetClass="entr" presetSubtype="0" fill="hold" grpId="0" nodeType="withEffect">
+                                  <p:stCondLst>
+                                    <p:cond delay="0"/>
+                                  </p:stCondLst>
+                                  <p:childTnLst>
+                                    <p:set>
+                                      <p:cBhvr>
+                                        <p:cTn id="16" dur="1" fill="hold">
+                                          <p:stCondLst>
+                                            <p:cond delay="0"/>
+                                          </p:stCondLst>
+                                        </p:cTn>
+                                        <p:tgtEl>
+                                          <p:spTgt spid="3">
+                                            <p:txEl>
+                                              <p:pRg st="5" end="5"/>
+                                            </p:txEl>
+                                          </p:spTgt>
+                                        </p:tgtEl>
+                                        <p:attrNameLst>
+                                          <p:attrName>style.visibility</p:attrName>
+                                        </p:attrNameLst>
+                                      </p:cBhvr>
+                                      <p:to>
+                                        <p:strVal val="visible"/>
+                                      </p:to>
+                                    </p:set>
+                                  </p:childTnLst>
+                                </p:cTn>
+                              </p:par>
+                              <p:par>
+                                <p:cTn id="17" presetID="1" presetClass="entr" presetSubtype="0" fill="hold" grpId="0" nodeType="withEffect">
+                                  <p:stCondLst>
+                                    <p:cond delay="0"/>
+                                  </p:stCondLst>
+                                  <p:childTnLst>
+                                    <p:set>
+                                      <p:cBhvr>
+                                        <p:cTn id="18" dur="1" fill="hold">
+                                          <p:stCondLst>
+                                            <p:cond delay="0"/>
+                                          </p:stCondLst>
+                                        </p:cTn>
+                                        <p:tgtEl>
+                                          <p:spTgt spid="3">
+                                            <p:txEl>
+                                              <p:pRg st="6" end="6"/>
+                                            </p:txEl>
+                                          </p:spTgt>
+                                        </p:tgtEl>
+                                        <p:attrNameLst>
+                                          <p:attrName>style.visibility</p:attrName>
+                                        </p:attrNameLst>
+                                      </p:cBhvr>
+                                      <p:to>
+                                        <p:strVal val="visible"/>
+                                      </p:to>
+                                    </p:set>
+                                  </p:childTnLst>
+                                </p:cTn>
+                              </p:par>
+                              <p:par>
+                                <p:cTn id="19" presetID="1" presetClass="entr" presetSubtype="0" fill="hold" grpId="0" nodeType="withEffect">
+                                  <p:stCondLst>
+                                    <p:cond delay="0"/>
+                                  </p:stCondLst>
+                                  <p:childTnLst>
+                                    <p:set>
+                                      <p:cBhvr>
+                                        <p:cTn id="20" dur="1" fill="hold">
+                                          <p:stCondLst>
+                                            <p:cond delay="0"/>
+                                          </p:stCondLst>
+                                        </p:cTn>
+                                        <p:tgtEl>
+                                          <p:spTgt spid="3">
+                                            <p:txEl>
+                                              <p:pRg st="7" end="7"/>
+                                            </p:txEl>
+                                          </p:spTgt>
+                                        </p:tgtEl>
+                                        <p:attrNameLst>
+                                          <p:attrName>style.visibility</p:attrName>
+                                        </p:attrNameLst>
+                                      </p:cBhvr>
+                                      <p:to>
+                                        <p:strVal val="visible"/>
+                                      </p:to>
+                                    </p:set>
+                                  </p:childTnLst>
+                                </p:cTn>
+                              </p:par>
+                              <p:par>
+                                <p:cTn id="21" presetID="1" presetClass="entr" presetSubtype="0" fill="hold" grpId="0" nodeType="withEffect">
+                                  <p:stCondLst>
+                                    <p:cond delay="0"/>
+                                  </p:stCondLst>
+                                  <p:childTnLst>
+                                    <p:set>
+                                      <p:cBhvr>
+                                        <p:cTn id="22" dur="1" fill="hold">
+                                          <p:stCondLst>
+                                            <p:cond delay="0"/>
+                                          </p:stCondLst>
+                                        </p:cTn>
+                                        <p:tgtEl>
+                                          <p:spTgt spid="3">
+                                            <p:txEl>
+                                              <p:pRg st="8" end="8"/>
+                                            </p:txEl>
+                                          </p:spTgt>
+                                        </p:tgtEl>
+                                        <p:attrNameLst>
+                                          <p:attrName>style.visibility</p:attrName>
+                                        </p:attrNameLst>
+                                      </p:cBhvr>
+                                      <p:to>
+                                        <p:strVal val="visible"/>
+                                      </p:to>
+                                    </p:set>
+                                  </p:childTnLst>
+                                </p:cTn>
+                              </p:par>
+                              <p:par>
+                                <p:cTn id="23" presetID="1" presetClass="entr" presetSubtype="0" fill="hold" grpId="0" nodeType="withEffect">
+                                  <p:stCondLst>
+                                    <p:cond delay="0"/>
+                                  </p:stCondLst>
+                                  <p:childTnLst>
+                                    <p:set>
+                                      <p:cBhvr>
+                                        <p:cTn id="24" dur="1" fill="hold">
+                                          <p:stCondLst>
+                                            <p:cond delay="0"/>
+                                          </p:stCondLst>
+                                        </p:cTn>
+                                        <p:tgtEl>
+                                          <p:spTgt spid="3">
+                                            <p:txEl>
+                                              <p:pRg st="9" end="9"/>
+                                            </p:txEl>
+                                          </p:spTgt>
+                                        </p:tgtEl>
+                                        <p:attrNameLst>
+                                          <p:attrName>style.visibility</p:attrName>
+                                        </p:attrNameLst>
+                                      </p:cBhvr>
+                                      <p:to>
+                                        <p:strVal val="visible"/>
+                                      </p:to>
+                                    </p:set>
+                                  </p:childTnLst>
+                                </p:cTn>
+                              </p:par>
+                              <p:par>
+                                <p:cTn id="25" presetID="1" presetClass="entr" presetSubtype="0" fill="hold" grpId="0" nodeType="withEffect">
+                                  <p:stCondLst>
+                                    <p:cond delay="0"/>
+                                  </p:stCondLst>
+                                  <p:childTnLst>
+                                    <p:set>
+                                      <p:cBhvr>
+                                        <p:cTn id="26" dur="1" fill="hold">
+                                          <p:stCondLst>
+                                            <p:cond delay="0"/>
+                                          </p:stCondLst>
+                                        </p:cTn>
+                                        <p:tgtEl>
+                                          <p:spTgt spid="3">
+                                            <p:txEl>
+                                              <p:pRg st="10" end="10"/>
+                                            </p:txEl>
+                                          </p:spTgt>
+                                        </p:tgtEl>
+                                        <p:attrNameLst>
+                                          <p:attrName>style.visibility</p:attrName>
+                                        </p:attrNameLst>
+                                      </p:cBhvr>
+                                      <p:to>
+                                        <p:strVal val="visible"/>
+                                      </p:to>
+                                    </p:set>
+                                  </p:childTnLst>
+                                </p:cTn>
+                              </p:par>
+                              <p:par>
+                                <p:cTn id="27" presetID="1" presetClass="entr" presetSubtype="0" fill="hold" grpId="0" nodeType="withEffect">
+                                  <p:stCondLst>
+                                    <p:cond delay="0"/>
+                                  </p:stCondLst>
+                                  <p:childTnLst>
+                                    <p:set>
+                                      <p:cBhvr>
+                                        <p:cTn id="28" dur="1" fill="hold">
+                                          <p:stCondLst>
+                                            <p:cond delay="0"/>
+                                          </p:stCondLst>
+                                        </p:cTn>
+                                        <p:tgtEl>
+                                          <p:spTgt spid="3">
+                                            <p:txEl>
+                                              <p:pRg st="11" end="11"/>
+                                            </p:txEl>
+                                          </p:spTgt>
+                                        </p:tgtEl>
+                                        <p:attrNameLst>
+                                          <p:attrName>style.visibility</p:attrName>
+                                        </p:attrNameLst>
+                                      </p:cBhvr>
+                                      <p:to>
+                                        <p:strVal val="visible"/>
+                                      </p:to>
+                                    </p:set>
+                                  </p:childTnLst>
+                                </p:cTn>
+                              </p:par>
+                            </p:childTnLst>
+                          </p:cTn>
+                        </p:par>
+                      </p:childTnLst>
+                    </p:cTn>
+                  </p:par>
+                </p:childTnLst>
+              </p:cTn>
+              <p:prevCondLst>
+                <p:cond evt="onPrev" delay="0">
+                  <p:tgtEl>
+                    <p:sldTgt/>
+                  </p:tgtEl>
+                </p:cond>
+              </p:prevCondLst>
+              <p:nextCondLst>
+                <p:cond evt="onNext" delay="0">
+                  <p:tgtEl>
+                    <p:sldTgt/>
+                  </p:tgtEl>
+                </p:cond>
+              </p:nextCondLst>
+            </p:seq>
+          </p:childTnLst>
+        </p:cTn>
+      </p:par>
+    </p:tnLst>
+    <p:bldLst>
+      <p:bldP spid="3" grpId="0" uiExpand="1" build="p"/>
+    </p:bldLst>
+  </p:timing>
 </p:sld>
 </file>
 
@@ -11324,8 +12056,8 @@
         </p:nvSpPr>
         <p:spPr>
           <a:xfrm>
-            <a:off x="838200" y="1572705"/>
-            <a:ext cx="11130280" cy="4370895"/>
+            <a:off x="838200" y="1559445"/>
+            <a:ext cx="11130280" cy="4384155"/>
           </a:xfrm>
         </p:spPr>
         <p:txBody>
@@ -11340,7 +12072,7 @@
             <a:r>
               <a:rPr lang="nb-NO" dirty="0" err="1">
                 <a:solidFill>
-                  <a:srgbClr val="C44026"/>
+                  <a:schemeClr val="bg1"/>
                 </a:solidFill>
                 <a:latin typeface="Consolas" panose="020B0609020204030204" pitchFamily="49" charset="0"/>
               </a:rPr>
@@ -11348,6 +12080,9 @@
             </a:r>
             <a:r>
               <a:rPr lang="nb-NO" dirty="0">
+                <a:solidFill>
+                  <a:schemeClr val="bg1"/>
+                </a:solidFill>
                 <a:latin typeface="Consolas" panose="020B0609020204030204" pitchFamily="49" charset="0"/>
               </a:rPr>
               <a:t> </a:t>
@@ -11355,107 +12090,62 @@
             <a:r>
               <a:rPr lang="nb-NO" dirty="0" err="1">
                 <a:solidFill>
-                  <a:srgbClr val="9751CB"/>
+                  <a:schemeClr val="bg1"/>
                 </a:solidFill>
                 <a:latin typeface="Consolas" panose="020B0609020204030204" pitchFamily="49" charset="0"/>
               </a:rPr>
               <a:t>ErDeleligMedTo</a:t>
-            </a:r>
-            <a:r>
-              <a:rPr lang="nb-NO" dirty="0">
-                <a:latin typeface="Consolas" panose="020B0609020204030204" pitchFamily="49" charset="0"/>
-              </a:rPr>
-              <a:t>(rundenummer):</a:t>
-            </a:r>
-          </a:p>
-          <a:p>
-            <a:pPr marL="0" indent="0">
-              <a:buNone/>
-            </a:pPr>
-            <a:r>
-              <a:rPr lang="nb-NO" dirty="0">
-                <a:latin typeface="Consolas" panose="020B0609020204030204" pitchFamily="49" charset="0"/>
-              </a:rPr>
-              <a:t>	</a:t>
-            </a:r>
-            <a:r>
-              <a:rPr lang="nb-NO" dirty="0" err="1">
-                <a:solidFill>
-                  <a:srgbClr val="C44026"/>
-                </a:solidFill>
-                <a:latin typeface="Consolas" panose="020B0609020204030204" pitchFamily="49" charset="0"/>
-              </a:rPr>
-              <a:t>if</a:t>
-            </a:r>
-            <a:r>
-              <a:rPr lang="nb-NO" dirty="0">
-                <a:latin typeface="Consolas" panose="020B0609020204030204" pitchFamily="49" charset="0"/>
-              </a:rPr>
-              <a:t> rundenummer % 2 == 0:</a:t>
-            </a:r>
-          </a:p>
-          <a:p>
-            <a:pPr marL="0" indent="0">
-              <a:buNone/>
-            </a:pPr>
-            <a:r>
-              <a:rPr lang="nb-NO" dirty="0">
-                <a:latin typeface="Consolas" panose="020B0609020204030204" pitchFamily="49" charset="0"/>
-              </a:rPr>
-              <a:t>		</a:t>
-            </a:r>
-            <a:r>
-              <a:rPr lang="nb-NO" dirty="0" err="1">
-                <a:solidFill>
-                  <a:srgbClr val="C44026"/>
-                </a:solidFill>
-                <a:latin typeface="Consolas" panose="020B0609020204030204" pitchFamily="49" charset="0"/>
-              </a:rPr>
-              <a:t>return</a:t>
-            </a:r>
-            <a:r>
-              <a:rPr lang="nb-NO" dirty="0">
-                <a:latin typeface="Consolas" panose="020B0609020204030204" pitchFamily="49" charset="0"/>
-              </a:rPr>
-              <a:t> </a:t>
             </a:r>
             <a:r>
               <a:rPr lang="nb-NO" dirty="0">
                 <a:solidFill>
-                  <a:schemeClr val="accent4">
-                    <a:lumMod val="60000"/>
-                    <a:lumOff val="40000"/>
-                  </a:schemeClr>
+                  <a:schemeClr val="bg1"/>
                 </a:solidFill>
                 <a:latin typeface="Consolas" panose="020B0609020204030204" pitchFamily="49" charset="0"/>
               </a:rPr>
+              <a:t>(rundenummer):</a:t>
+            </a:r>
+          </a:p>
+          <a:p>
+            <a:pPr marL="0" indent="0">
+              <a:buNone/>
+            </a:pPr>
+            <a:endParaRPr lang="nb-NO" dirty="0">
+              <a:latin typeface="Consolas" panose="020B0609020204030204" pitchFamily="49" charset="0"/>
+            </a:endParaRPr>
+          </a:p>
+          <a:p>
+            <a:pPr marL="0" indent="0">
+              <a:buNone/>
+            </a:pPr>
+            <a:endParaRPr lang="nb-NO" dirty="0">
+              <a:latin typeface="Consolas" panose="020B0609020204030204" pitchFamily="49" charset="0"/>
+            </a:endParaRPr>
+          </a:p>
+          <a:p>
+            <a:pPr marL="0" indent="0">
+              <a:buNone/>
+            </a:pPr>
+            <a:r>
+              <a:rPr lang="nb-NO" dirty="0">
+                <a:latin typeface="Consolas" panose="020B0609020204030204" pitchFamily="49" charset="0"/>
+              </a:rPr>
+              <a:t>			</a:t>
+            </a:r>
+            <a:r>
+              <a:rPr lang="nb-NO" dirty="0">
+                <a:solidFill>
+                  <a:srgbClr val="00B0F0"/>
+                </a:solidFill>
+                <a:latin typeface="Consolas" panose="020B0609020204030204" pitchFamily="49" charset="0"/>
+              </a:rPr>
               <a:t>True</a:t>
             </a:r>
-          </a:p>
-          <a:p>
-            <a:pPr marL="0" indent="0">
-              <a:buNone/>
-            </a:pPr>
             <a:r>
               <a:rPr lang="nb-NO" dirty="0">
                 <a:latin typeface="Consolas" panose="020B0609020204030204" pitchFamily="49" charset="0"/>
               </a:rPr>
-              <a:t>	</a:t>
-            </a:r>
-            <a:r>
-              <a:rPr lang="nb-NO" dirty="0" err="1">
-                <a:solidFill>
-                  <a:srgbClr val="C44026"/>
-                </a:solidFill>
-                <a:latin typeface="Consolas" panose="020B0609020204030204" pitchFamily="49" charset="0"/>
-              </a:rPr>
-              <a:t>else</a:t>
-            </a:r>
-            <a:r>
-              <a:rPr lang="nb-NO" dirty="0">
-                <a:latin typeface="Consolas" panose="020B0609020204030204" pitchFamily="49" charset="0"/>
-              </a:rPr>
-              <a:t>:</a:t>
+              <a:t>,	x/2 er heltall</a:t>
             </a:r>
           </a:p>
           <a:p>
@@ -11469,17 +12159,13 @@
                 </a:solidFill>
                 <a:latin typeface="Consolas" panose="020B0609020204030204" pitchFamily="49" charset="0"/>
               </a:rPr>
-              <a:t>		</a:t>
-            </a:r>
-            <a:r>
-              <a:rPr lang="nb-NO" dirty="0" err="1">
-                <a:solidFill>
-                  <a:srgbClr val="C44026"/>
-                </a:solidFill>
-                <a:latin typeface="Consolas" panose="020B0609020204030204" pitchFamily="49" charset="0"/>
-              </a:rPr>
-              <a:t>return</a:t>
-            </a:r>
+              <a:t>	f(x):=</a:t>
+            </a:r>
+          </a:p>
+          <a:p>
+            <a:pPr marL="0" indent="0">
+              <a:buNone/>
+            </a:pPr>
             <a:r>
               <a:rPr lang="nb-NO" dirty="0">
                 <a:solidFill>
@@ -11487,31 +12173,38 @@
                 </a:solidFill>
                 <a:latin typeface="Consolas" panose="020B0609020204030204" pitchFamily="49" charset="0"/>
               </a:rPr>
-              <a:t> </a:t>
+              <a:t>			</a:t>
             </a:r>
             <a:r>
               <a:rPr lang="nb-NO" dirty="0">
                 <a:solidFill>
-                  <a:schemeClr val="accent4">
-                    <a:lumMod val="60000"/>
-                    <a:lumOff val="40000"/>
-                  </a:schemeClr>
+                  <a:srgbClr val="00B0F0"/>
                 </a:solidFill>
                 <a:latin typeface="Consolas" panose="020B0609020204030204" pitchFamily="49" charset="0"/>
               </a:rPr>
               <a:t>False</a:t>
             </a:r>
-          </a:p>
-          <a:p>
-            <a:pPr marL="0" indent="0">
-              <a:buNone/>
-            </a:pPr>
-            <a:endParaRPr lang="nb-NO" dirty="0">
-              <a:solidFill>
-                <a:srgbClr val="C44026"/>
-              </a:solidFill>
-              <a:latin typeface="Consolas" panose="020B0609020204030204" pitchFamily="49" charset="0"/>
-            </a:endParaRPr>
+            <a:r>
+              <a:rPr lang="nb-NO" dirty="0">
+                <a:latin typeface="Consolas" panose="020B0609020204030204" pitchFamily="49" charset="0"/>
+              </a:rPr>
+              <a:t>,</a:t>
+            </a:r>
+            <a:r>
+              <a:rPr lang="nb-NO" dirty="0">
+                <a:solidFill>
+                  <a:srgbClr val="C44026"/>
+                </a:solidFill>
+                <a:latin typeface="Consolas" panose="020B0609020204030204" pitchFamily="49" charset="0"/>
+              </a:rPr>
+              <a:t> 	</a:t>
+            </a:r>
+            <a:r>
+              <a:rPr lang="nb-NO" dirty="0">
+                <a:latin typeface="Consolas" panose="020B0609020204030204" pitchFamily="49" charset="0"/>
+              </a:rPr>
+              <a:t>ellers</a:t>
+            </a:r>
           </a:p>
         </p:txBody>
       </p:sp>
@@ -11557,16 +12250,538 @@
           </a:p>
         </p:txBody>
       </p:sp>
+      <p:sp>
+        <p:nvSpPr>
+          <p:cNvPr id="4" name="Venstre klammeparentes 3">
+            <a:extLst>
+              <a:ext uri="{FF2B5EF4-FFF2-40B4-BE49-F238E27FC236}">
+                <a16:creationId xmlns:a16="http://schemas.microsoft.com/office/drawing/2014/main" id="{F0A41587-12DD-44D4-A804-23E42C3E2AE8}"/>
+              </a:ext>
+            </a:extLst>
+          </p:cNvPr>
+          <p:cNvSpPr/>
+          <p:nvPr/>
+        </p:nvSpPr>
+        <p:spPr>
+          <a:xfrm>
+            <a:off x="3352800" y="3154362"/>
+            <a:ext cx="213360" cy="1325563"/>
+          </a:xfrm>
+          <a:prstGeom prst="leftBrace">
+            <a:avLst>
+              <a:gd name="adj1" fmla="val 63988"/>
+              <a:gd name="adj2" fmla="val 52071"/>
+            </a:avLst>
+          </a:prstGeom>
+          <a:noFill/>
+          <a:ln w="28575">
+            <a:solidFill>
+              <a:schemeClr val="tx1"/>
+            </a:solidFill>
+          </a:ln>
+        </p:spPr>
+        <p:style>
+          <a:lnRef idx="1">
+            <a:schemeClr val="accent1"/>
+          </a:lnRef>
+          <a:fillRef idx="0">
+            <a:schemeClr val="accent1"/>
+          </a:fillRef>
+          <a:effectRef idx="0">
+            <a:schemeClr val="accent1"/>
+          </a:effectRef>
+          <a:fontRef idx="minor">
+            <a:schemeClr val="tx1"/>
+          </a:fontRef>
+        </p:style>
+        <p:txBody>
+          <a:bodyPr rtlCol="0" anchor="ctr"/>
+          <a:lstStyle/>
+          <a:p>
+            <a:pPr algn="ctr"/>
+            <a:endParaRPr lang="nb-NO" dirty="0"/>
+          </a:p>
+        </p:txBody>
+      </p:sp>
+      <p:sp>
+        <p:nvSpPr>
+          <p:cNvPr id="6" name="Plassholder for innhold 2">
+            <a:extLst>
+              <a:ext uri="{FF2B5EF4-FFF2-40B4-BE49-F238E27FC236}">
+                <a16:creationId xmlns:a16="http://schemas.microsoft.com/office/drawing/2014/main" id="{824C87E9-B5D1-4B37-A12E-5CBD07C5AC6E}"/>
+              </a:ext>
+            </a:extLst>
+          </p:cNvPr>
+          <p:cNvSpPr txBox="1">
+            <a:spLocks/>
+          </p:cNvSpPr>
+          <p:nvPr/>
+        </p:nvSpPr>
+        <p:spPr>
+          <a:xfrm>
+            <a:off x="838200" y="1546185"/>
+            <a:ext cx="11137872" cy="4384155"/>
+          </a:xfrm>
+          <a:prstGeom prst="rect">
+            <a:avLst/>
+          </a:prstGeom>
+        </p:spPr>
+        <p:txBody>
+          <a:bodyPr vert="horz" lIns="91440" tIns="45720" rIns="91440" bIns="45720" rtlCol="0">
+            <a:normAutofit/>
+          </a:bodyPr>
+          <a:lstStyle>
+            <a:lvl1pPr marL="228600" indent="-228600" algn="l" defTabSz="914400" rtl="0" eaLnBrk="1" latinLnBrk="0" hangingPunct="1">
+              <a:lnSpc>
+                <a:spcPct val="90000"/>
+              </a:lnSpc>
+              <a:spcBef>
+                <a:spcPts val="1000"/>
+              </a:spcBef>
+              <a:buFont typeface="Arial" panose="020B0604020202020204" pitchFamily="34" charset="0"/>
+              <a:buChar char="•"/>
+              <a:defRPr sz="2800" kern="1200">
+                <a:solidFill>
+                  <a:schemeClr val="tx1"/>
+                </a:solidFill>
+                <a:latin typeface="Helvetica" panose="020B0604020202020204" pitchFamily="34" charset="0"/>
+                <a:ea typeface="+mn-ea"/>
+                <a:cs typeface="Helvetica" panose="020B0604020202020204" pitchFamily="34" charset="0"/>
+              </a:defRPr>
+            </a:lvl1pPr>
+            <a:lvl2pPr marL="685800" indent="-228600" algn="l" defTabSz="914400" rtl="0" eaLnBrk="1" latinLnBrk="0" hangingPunct="1">
+              <a:lnSpc>
+                <a:spcPct val="90000"/>
+              </a:lnSpc>
+              <a:spcBef>
+                <a:spcPts val="500"/>
+              </a:spcBef>
+              <a:buFont typeface="Arial" panose="020B0604020202020204" pitchFamily="34" charset="0"/>
+              <a:buChar char="•"/>
+              <a:defRPr sz="2400" kern="1200">
+                <a:solidFill>
+                  <a:schemeClr val="tx1"/>
+                </a:solidFill>
+                <a:latin typeface="Helvetica" panose="020B0604020202020204" pitchFamily="34" charset="0"/>
+                <a:ea typeface="+mn-ea"/>
+                <a:cs typeface="Helvetica" panose="020B0604020202020204" pitchFamily="34" charset="0"/>
+              </a:defRPr>
+            </a:lvl2pPr>
+            <a:lvl3pPr marL="1143000" indent="-228600" algn="l" defTabSz="914400" rtl="0" eaLnBrk="1" latinLnBrk="0" hangingPunct="1">
+              <a:lnSpc>
+                <a:spcPct val="90000"/>
+              </a:lnSpc>
+              <a:spcBef>
+                <a:spcPts val="500"/>
+              </a:spcBef>
+              <a:buFont typeface="Arial" panose="020B0604020202020204" pitchFamily="34" charset="0"/>
+              <a:buChar char="•"/>
+              <a:defRPr sz="2000" kern="1200">
+                <a:solidFill>
+                  <a:schemeClr val="tx1"/>
+                </a:solidFill>
+                <a:latin typeface="Helvetica" panose="020B0604020202020204" pitchFamily="34" charset="0"/>
+                <a:ea typeface="+mn-ea"/>
+                <a:cs typeface="Helvetica" panose="020B0604020202020204" pitchFamily="34" charset="0"/>
+              </a:defRPr>
+            </a:lvl3pPr>
+            <a:lvl4pPr marL="1600200" indent="-228600" algn="l" defTabSz="914400" rtl="0" eaLnBrk="1" latinLnBrk="0" hangingPunct="1">
+              <a:lnSpc>
+                <a:spcPct val="90000"/>
+              </a:lnSpc>
+              <a:spcBef>
+                <a:spcPts val="500"/>
+              </a:spcBef>
+              <a:buFont typeface="Arial" panose="020B0604020202020204" pitchFamily="34" charset="0"/>
+              <a:buChar char="•"/>
+              <a:defRPr sz="1800" kern="1200">
+                <a:solidFill>
+                  <a:schemeClr val="tx1"/>
+                </a:solidFill>
+                <a:latin typeface="Helvetica" panose="020B0604020202020204" pitchFamily="34" charset="0"/>
+                <a:ea typeface="+mn-ea"/>
+                <a:cs typeface="Helvetica" panose="020B0604020202020204" pitchFamily="34" charset="0"/>
+              </a:defRPr>
+            </a:lvl4pPr>
+            <a:lvl5pPr marL="2057400" indent="-228600" algn="l" defTabSz="914400" rtl="0" eaLnBrk="1" latinLnBrk="0" hangingPunct="1">
+              <a:lnSpc>
+                <a:spcPct val="90000"/>
+              </a:lnSpc>
+              <a:spcBef>
+                <a:spcPts val="500"/>
+              </a:spcBef>
+              <a:buFont typeface="Arial" panose="020B0604020202020204" pitchFamily="34" charset="0"/>
+              <a:buChar char="•"/>
+              <a:defRPr sz="1800" kern="1200">
+                <a:solidFill>
+                  <a:schemeClr val="tx1"/>
+                </a:solidFill>
+                <a:latin typeface="Helvetica" panose="020B0604020202020204" pitchFamily="34" charset="0"/>
+                <a:ea typeface="+mn-ea"/>
+                <a:cs typeface="Helvetica" panose="020B0604020202020204" pitchFamily="34" charset="0"/>
+              </a:defRPr>
+            </a:lvl5pPr>
+            <a:lvl6pPr marL="2514600" indent="-228600" algn="l" defTabSz="914400" rtl="0" eaLnBrk="1" latinLnBrk="0" hangingPunct="1">
+              <a:lnSpc>
+                <a:spcPct val="90000"/>
+              </a:lnSpc>
+              <a:spcBef>
+                <a:spcPts val="500"/>
+              </a:spcBef>
+              <a:buFont typeface="Arial" panose="020B0604020202020204" pitchFamily="34" charset="0"/>
+              <a:buChar char="•"/>
+              <a:defRPr sz="1800" kern="1200">
+                <a:solidFill>
+                  <a:schemeClr val="tx1"/>
+                </a:solidFill>
+                <a:latin typeface="+mn-lt"/>
+                <a:ea typeface="+mn-ea"/>
+                <a:cs typeface="+mn-cs"/>
+              </a:defRPr>
+            </a:lvl6pPr>
+            <a:lvl7pPr marL="2971800" indent="-228600" algn="l" defTabSz="914400" rtl="0" eaLnBrk="1" latinLnBrk="0" hangingPunct="1">
+              <a:lnSpc>
+                <a:spcPct val="90000"/>
+              </a:lnSpc>
+              <a:spcBef>
+                <a:spcPts val="500"/>
+              </a:spcBef>
+              <a:buFont typeface="Arial" panose="020B0604020202020204" pitchFamily="34" charset="0"/>
+              <a:buChar char="•"/>
+              <a:defRPr sz="1800" kern="1200">
+                <a:solidFill>
+                  <a:schemeClr val="tx1"/>
+                </a:solidFill>
+                <a:latin typeface="+mn-lt"/>
+                <a:ea typeface="+mn-ea"/>
+                <a:cs typeface="+mn-cs"/>
+              </a:defRPr>
+            </a:lvl7pPr>
+            <a:lvl8pPr marL="3429000" indent="-228600" algn="l" defTabSz="914400" rtl="0" eaLnBrk="1" latinLnBrk="0" hangingPunct="1">
+              <a:lnSpc>
+                <a:spcPct val="90000"/>
+              </a:lnSpc>
+              <a:spcBef>
+                <a:spcPts val="500"/>
+              </a:spcBef>
+              <a:buFont typeface="Arial" panose="020B0604020202020204" pitchFamily="34" charset="0"/>
+              <a:buChar char="•"/>
+              <a:defRPr sz="1800" kern="1200">
+                <a:solidFill>
+                  <a:schemeClr val="tx1"/>
+                </a:solidFill>
+                <a:latin typeface="+mn-lt"/>
+                <a:ea typeface="+mn-ea"/>
+                <a:cs typeface="+mn-cs"/>
+              </a:defRPr>
+            </a:lvl8pPr>
+            <a:lvl9pPr marL="3886200" indent="-228600" algn="l" defTabSz="914400" rtl="0" eaLnBrk="1" latinLnBrk="0" hangingPunct="1">
+              <a:lnSpc>
+                <a:spcPct val="90000"/>
+              </a:lnSpc>
+              <a:spcBef>
+                <a:spcPts val="500"/>
+              </a:spcBef>
+              <a:buFont typeface="Arial" panose="020B0604020202020204" pitchFamily="34" charset="0"/>
+              <a:buChar char="•"/>
+              <a:defRPr sz="1800" kern="1200">
+                <a:solidFill>
+                  <a:schemeClr val="tx1"/>
+                </a:solidFill>
+                <a:latin typeface="+mn-lt"/>
+                <a:ea typeface="+mn-ea"/>
+                <a:cs typeface="+mn-cs"/>
+              </a:defRPr>
+            </a:lvl9pPr>
+          </a:lstStyle>
+          <a:p>
+            <a:pPr marL="0" indent="0">
+              <a:buFont typeface="Arial" panose="020B0604020202020204" pitchFamily="34" charset="0"/>
+              <a:buNone/>
+            </a:pPr>
+            <a:r>
+              <a:rPr lang="nb-NO" dirty="0" err="1">
+                <a:solidFill>
+                  <a:schemeClr val="bg1"/>
+                </a:solidFill>
+                <a:latin typeface="Consolas" panose="020B0609020204030204" pitchFamily="49" charset="0"/>
+              </a:rPr>
+              <a:t>def</a:t>
+            </a:r>
+            <a:r>
+              <a:rPr lang="nb-NO" dirty="0">
+                <a:solidFill>
+                  <a:schemeClr val="bg1"/>
+                </a:solidFill>
+                <a:latin typeface="Consolas" panose="020B0609020204030204" pitchFamily="49" charset="0"/>
+              </a:rPr>
+              <a:t> </a:t>
+            </a:r>
+            <a:r>
+              <a:rPr lang="nb-NO" dirty="0" err="1">
+                <a:solidFill>
+                  <a:srgbClr val="9751CB"/>
+                </a:solidFill>
+                <a:latin typeface="Consolas" panose="020B0609020204030204" pitchFamily="49" charset="0"/>
+              </a:rPr>
+              <a:t>ErDeleligMedTo</a:t>
+            </a:r>
+            <a:r>
+              <a:rPr lang="nb-NO" dirty="0">
+                <a:solidFill>
+                  <a:schemeClr val="bg1"/>
+                </a:solidFill>
+                <a:latin typeface="Consolas" panose="020B0609020204030204" pitchFamily="49" charset="0"/>
+              </a:rPr>
+              <a:t>(rundenummer):</a:t>
+            </a:r>
+          </a:p>
+          <a:p>
+            <a:pPr marL="0" indent="0">
+              <a:buFont typeface="Arial" panose="020B0604020202020204" pitchFamily="34" charset="0"/>
+              <a:buNone/>
+            </a:pPr>
+            <a:endParaRPr lang="nb-NO" dirty="0">
+              <a:latin typeface="Consolas" panose="020B0609020204030204" pitchFamily="49" charset="0"/>
+            </a:endParaRPr>
+          </a:p>
+        </p:txBody>
+      </p:sp>
     </p:spTree>
     <p:extLst>
       <p:ext uri="{BB962C8B-B14F-4D97-AF65-F5344CB8AC3E}">
-        <p14:creationId xmlns:p14="http://schemas.microsoft.com/office/powerpoint/2010/main" val="1175986555"/>
+        <p14:creationId xmlns:p14="http://schemas.microsoft.com/office/powerpoint/2010/main" val="117971214"/>
       </p:ext>
     </p:extLst>
   </p:cSld>
   <p:clrMapOvr>
     <a:masterClrMapping/>
   </p:clrMapOvr>
+  <p:timing>
+    <p:tnLst>
+      <p:par>
+        <p:cTn id="1" dur="indefinite" restart="never" nodeType="tmRoot">
+          <p:childTnLst>
+            <p:seq concurrent="1" nextAc="seek">
+              <p:cTn id="2" dur="indefinite" nodeType="mainSeq">
+                <p:childTnLst>
+                  <p:par>
+                    <p:cTn id="3" fill="hold">
+                      <p:stCondLst>
+                        <p:cond delay="indefinite"/>
+                        <p:cond evt="onBegin" delay="0">
+                          <p:tn val="2"/>
+                        </p:cond>
+                      </p:stCondLst>
+                      <p:childTnLst>
+                        <p:par>
+                          <p:cTn id="4" fill="hold">
+                            <p:stCondLst>
+                              <p:cond delay="0"/>
+                            </p:stCondLst>
+                            <p:childTnLst>
+                              <p:par>
+                                <p:cTn id="5" presetID="1" presetClass="entr" presetSubtype="0" fill="hold" grpId="0" nodeType="withEffect">
+                                  <p:stCondLst>
+                                    <p:cond delay="0"/>
+                                  </p:stCondLst>
+                                  <p:childTnLst>
+                                    <p:set>
+                                      <p:cBhvr>
+                                        <p:cTn id="6" dur="1" fill="hold">
+                                          <p:stCondLst>
+                                            <p:cond delay="0"/>
+                                          </p:stCondLst>
+                                        </p:cTn>
+                                        <p:tgtEl>
+                                          <p:spTgt spid="6">
+                                            <p:txEl>
+                                              <p:pRg st="0" end="0"/>
+                                            </p:txEl>
+                                          </p:spTgt>
+                                        </p:tgtEl>
+                                        <p:attrNameLst>
+                                          <p:attrName>style.visibility</p:attrName>
+                                        </p:attrNameLst>
+                                      </p:cBhvr>
+                                      <p:to>
+                                        <p:strVal val="visible"/>
+                                      </p:to>
+                                    </p:set>
+                                  </p:childTnLst>
+                                </p:cTn>
+                              </p:par>
+                            </p:childTnLst>
+                          </p:cTn>
+                        </p:par>
+                      </p:childTnLst>
+                    </p:cTn>
+                  </p:par>
+                  <p:par>
+                    <p:cTn id="7" fill="hold">
+                      <p:stCondLst>
+                        <p:cond delay="indefinite"/>
+                      </p:stCondLst>
+                      <p:childTnLst>
+                        <p:par>
+                          <p:cTn id="8" fill="hold">
+                            <p:stCondLst>
+                              <p:cond delay="0"/>
+                            </p:stCondLst>
+                            <p:childTnLst>
+                              <p:par>
+                                <p:cTn id="9" presetID="1" presetClass="entr" presetSubtype="0" fill="hold" grpId="0" nodeType="clickEffect">
+                                  <p:stCondLst>
+                                    <p:cond delay="0"/>
+                                  </p:stCondLst>
+                                  <p:childTnLst>
+                                    <p:set>
+                                      <p:cBhvr>
+                                        <p:cTn id="10" dur="1" fill="hold">
+                                          <p:stCondLst>
+                                            <p:cond delay="0"/>
+                                          </p:stCondLst>
+                                        </p:cTn>
+                                        <p:tgtEl>
+                                          <p:spTgt spid="3">
+                                            <p:txEl>
+                                              <p:pRg st="3" end="3"/>
+                                            </p:txEl>
+                                          </p:spTgt>
+                                        </p:tgtEl>
+                                        <p:attrNameLst>
+                                          <p:attrName>style.visibility</p:attrName>
+                                        </p:attrNameLst>
+                                      </p:cBhvr>
+                                      <p:to>
+                                        <p:strVal val="visible"/>
+                                      </p:to>
+                                    </p:set>
+                                  </p:childTnLst>
+                                </p:cTn>
+                              </p:par>
+                              <p:par>
+                                <p:cTn id="11" presetID="1" presetClass="entr" presetSubtype="0" fill="hold" grpId="0" nodeType="withEffect">
+                                  <p:stCondLst>
+                                    <p:cond delay="0"/>
+                                  </p:stCondLst>
+                                  <p:childTnLst>
+                                    <p:set>
+                                      <p:cBhvr>
+                                        <p:cTn id="12" dur="1" fill="hold">
+                                          <p:stCondLst>
+                                            <p:cond delay="0"/>
+                                          </p:stCondLst>
+                                        </p:cTn>
+                                        <p:tgtEl>
+                                          <p:spTgt spid="3">
+                                            <p:txEl>
+                                              <p:pRg st="4" end="4"/>
+                                            </p:txEl>
+                                          </p:spTgt>
+                                        </p:tgtEl>
+                                        <p:attrNameLst>
+                                          <p:attrName>style.visibility</p:attrName>
+                                        </p:attrNameLst>
+                                      </p:cBhvr>
+                                      <p:to>
+                                        <p:strVal val="visible"/>
+                                      </p:to>
+                                    </p:set>
+                                  </p:childTnLst>
+                                </p:cTn>
+                              </p:par>
+                              <p:par>
+                                <p:cTn id="13" presetID="1" presetClass="entr" presetSubtype="0" fill="hold" grpId="0" nodeType="withEffect">
+                                  <p:stCondLst>
+                                    <p:cond delay="0"/>
+                                  </p:stCondLst>
+                                  <p:childTnLst>
+                                    <p:set>
+                                      <p:cBhvr>
+                                        <p:cTn id="14" dur="1" fill="hold">
+                                          <p:stCondLst>
+                                            <p:cond delay="0"/>
+                                          </p:stCondLst>
+                                        </p:cTn>
+                                        <p:tgtEl>
+                                          <p:spTgt spid="3">
+                                            <p:txEl>
+                                              <p:pRg st="5" end="5"/>
+                                            </p:txEl>
+                                          </p:spTgt>
+                                        </p:tgtEl>
+                                        <p:attrNameLst>
+                                          <p:attrName>style.visibility</p:attrName>
+                                        </p:attrNameLst>
+                                      </p:cBhvr>
+                                      <p:to>
+                                        <p:strVal val="visible"/>
+                                      </p:to>
+                                    </p:set>
+                                  </p:childTnLst>
+                                </p:cTn>
+                              </p:par>
+                              <p:par>
+                                <p:cTn id="15" presetID="1" presetClass="entr" presetSubtype="0" fill="hold" grpId="0" nodeType="withEffect">
+                                  <p:stCondLst>
+                                    <p:cond delay="0"/>
+                                  </p:stCondLst>
+                                  <p:childTnLst>
+                                    <p:set>
+                                      <p:cBhvr>
+                                        <p:cTn id="16" dur="1" fill="hold">
+                                          <p:stCondLst>
+                                            <p:cond delay="0"/>
+                                          </p:stCondLst>
+                                        </p:cTn>
+                                        <p:tgtEl>
+                                          <p:spTgt spid="4"/>
+                                        </p:tgtEl>
+                                        <p:attrNameLst>
+                                          <p:attrName>style.visibility</p:attrName>
+                                        </p:attrNameLst>
+                                      </p:cBhvr>
+                                      <p:to>
+                                        <p:strVal val="visible"/>
+                                      </p:to>
+                                    </p:set>
+                                  </p:childTnLst>
+                                </p:cTn>
+                              </p:par>
+                            </p:childTnLst>
+                          </p:cTn>
+                        </p:par>
+                      </p:childTnLst>
+                    </p:cTn>
+                  </p:par>
+                </p:childTnLst>
+              </p:cTn>
+              <p:prevCondLst>
+                <p:cond evt="onPrev" delay="0">
+                  <p:tgtEl>
+                    <p:sldTgt/>
+                  </p:tgtEl>
+                </p:cond>
+              </p:prevCondLst>
+              <p:nextCondLst>
+                <p:cond evt="onNext" delay="0">
+                  <p:tgtEl>
+                    <p:sldTgt/>
+                  </p:tgtEl>
+                </p:cond>
+              </p:nextCondLst>
+            </p:seq>
+          </p:childTnLst>
+        </p:cTn>
+      </p:par>
+    </p:tnLst>
+    <p:bldLst>
+      <p:bldP spid="3" grpId="0" uiExpand="1" build="p"/>
+      <p:bldP spid="4" grpId="0" animBg="1"/>
+      <p:bldP spid="6" grpId="0" uiExpand="1" build="p"/>
+    </p:bldLst>
+  </p:timing>
 </p:sld>
 </file>
 
@@ -11589,34 +12804,6 @@
       </p:grpSpPr>
       <p:sp>
         <p:nvSpPr>
-          <p:cNvPr id="2" name="Tittel 1">
-            <a:extLst>
-              <a:ext uri="{FF2B5EF4-FFF2-40B4-BE49-F238E27FC236}">
-                <a16:creationId xmlns:a16="http://schemas.microsoft.com/office/drawing/2014/main" id="{C3E6477F-AED9-484F-9621-C53F564119B4}"/>
-              </a:ext>
-            </a:extLst>
-          </p:cNvPr>
-          <p:cNvSpPr>
-            <a:spLocks noGrp="1"/>
-          </p:cNvSpPr>
-          <p:nvPr>
-            <p:ph type="title"/>
-          </p:nvPr>
-        </p:nvSpPr>
-        <p:spPr/>
-        <p:txBody>
-          <a:bodyPr/>
-          <a:lstStyle/>
-          <a:p>
-            <a:r>
-              <a:rPr lang="nb-NO" dirty="0"/>
-              <a:t>Egendefinerte funksjoner</a:t>
-            </a:r>
-          </a:p>
-        </p:txBody>
-      </p:sp>
-      <p:sp>
-        <p:nvSpPr>
           <p:cNvPr id="3" name="Plassholder for innhold 2">
             <a:extLst>
               <a:ext uri="{FF2B5EF4-FFF2-40B4-BE49-F238E27FC236}">
@@ -11647,246 +12834,17 @@
               <a:buNone/>
             </a:pPr>
             <a:r>
-              <a:rPr lang="nb-NO" dirty="0" err="1">
-                <a:solidFill>
-                  <a:srgbClr val="C44026"/>
-                </a:solidFill>
-                <a:latin typeface="Consolas" panose="020B0609020204030204" pitchFamily="49" charset="0"/>
-              </a:rPr>
-              <a:t>def</a:t>
-            </a:r>
-            <a:r>
               <a:rPr lang="nb-NO" dirty="0">
                 <a:latin typeface="Consolas" panose="020B0609020204030204" pitchFamily="49" charset="0"/>
               </a:rPr>
-              <a:t> </a:t>
-            </a:r>
-            <a:r>
-              <a:rPr lang="nb-NO" dirty="0" err="1">
-                <a:solidFill>
-                  <a:srgbClr val="9751CB"/>
-                </a:solidFill>
-                <a:latin typeface="Consolas" panose="020B0609020204030204" pitchFamily="49" charset="0"/>
-              </a:rPr>
-              <a:t>ErDeleligMedTo</a:t>
-            </a:r>
-            <a:r>
-              <a:rPr lang="nb-NO" dirty="0">
-                <a:latin typeface="Consolas" panose="020B0609020204030204" pitchFamily="49" charset="0"/>
-              </a:rPr>
-              <a:t>(rundenummer):</a:t>
-            </a:r>
-          </a:p>
-          <a:p>
-            <a:pPr marL="0" indent="0">
-              <a:buNone/>
-            </a:pPr>
-            <a:r>
-              <a:rPr lang="nb-NO" dirty="0">
-                <a:latin typeface="Consolas" panose="020B0609020204030204" pitchFamily="49" charset="0"/>
-              </a:rPr>
               <a:t>	</a:t>
             </a:r>
-            <a:r>
-              <a:rPr lang="nb-NO" dirty="0" err="1">
-                <a:solidFill>
-                  <a:srgbClr val="C44026"/>
-                </a:solidFill>
-                <a:latin typeface="Consolas" panose="020B0609020204030204" pitchFamily="49" charset="0"/>
-              </a:rPr>
-              <a:t>if</a:t>
-            </a:r>
-            <a:r>
-              <a:rPr lang="nb-NO" dirty="0">
-                <a:latin typeface="Consolas" panose="020B0609020204030204" pitchFamily="49" charset="0"/>
-              </a:rPr>
-              <a:t> rundenummer % 2 == 0:</a:t>
-            </a:r>
-          </a:p>
-          <a:p>
-            <a:pPr marL="0" indent="0">
-              <a:buNone/>
-            </a:pPr>
-            <a:r>
-              <a:rPr lang="nb-NO" dirty="0">
-                <a:latin typeface="Consolas" panose="020B0609020204030204" pitchFamily="49" charset="0"/>
-              </a:rPr>
-              <a:t>		</a:t>
-            </a:r>
-            <a:r>
-              <a:rPr lang="nb-NO" dirty="0" err="1">
-                <a:solidFill>
-                  <a:srgbClr val="C44026"/>
-                </a:solidFill>
-                <a:latin typeface="Consolas" panose="020B0609020204030204" pitchFamily="49" charset="0"/>
-              </a:rPr>
-              <a:t>return</a:t>
-            </a:r>
-            <a:r>
-              <a:rPr lang="nb-NO" dirty="0">
-                <a:latin typeface="Consolas" panose="020B0609020204030204" pitchFamily="49" charset="0"/>
-              </a:rPr>
-              <a:t> </a:t>
-            </a:r>
-            <a:r>
-              <a:rPr lang="nb-NO" dirty="0">
-                <a:solidFill>
-                  <a:schemeClr val="accent4">
-                    <a:lumMod val="60000"/>
-                    <a:lumOff val="40000"/>
-                  </a:schemeClr>
-                </a:solidFill>
-                <a:latin typeface="Consolas" panose="020B0609020204030204" pitchFamily="49" charset="0"/>
-              </a:rPr>
-              <a:t>True</a:t>
-            </a:r>
-          </a:p>
-          <a:p>
-            <a:pPr marL="0" indent="0">
-              <a:buNone/>
-            </a:pPr>
-            <a:r>
-              <a:rPr lang="nb-NO" dirty="0">
-                <a:latin typeface="Consolas" panose="020B0609020204030204" pitchFamily="49" charset="0"/>
-              </a:rPr>
-              <a:t>	</a:t>
-            </a:r>
-            <a:r>
-              <a:rPr lang="nb-NO" dirty="0" err="1">
-                <a:solidFill>
-                  <a:srgbClr val="C44026"/>
-                </a:solidFill>
-                <a:latin typeface="Consolas" panose="020B0609020204030204" pitchFamily="49" charset="0"/>
-              </a:rPr>
-              <a:t>else</a:t>
-            </a:r>
-            <a:r>
-              <a:rPr lang="nb-NO" dirty="0">
-                <a:latin typeface="Consolas" panose="020B0609020204030204" pitchFamily="49" charset="0"/>
-              </a:rPr>
-              <a:t>:</a:t>
-            </a:r>
-          </a:p>
-          <a:p>
-            <a:pPr marL="0" indent="0">
-              <a:buNone/>
-            </a:pPr>
-            <a:r>
-              <a:rPr lang="nb-NO" dirty="0">
-                <a:solidFill>
-                  <a:srgbClr val="C44026"/>
-                </a:solidFill>
-                <a:latin typeface="Consolas" panose="020B0609020204030204" pitchFamily="49" charset="0"/>
-              </a:rPr>
-              <a:t>		</a:t>
-            </a:r>
-            <a:r>
-              <a:rPr lang="nb-NO" dirty="0" err="1">
-                <a:solidFill>
-                  <a:srgbClr val="C44026"/>
-                </a:solidFill>
-                <a:latin typeface="Consolas" panose="020B0609020204030204" pitchFamily="49" charset="0"/>
-              </a:rPr>
-              <a:t>return</a:t>
-            </a:r>
-            <a:r>
-              <a:rPr lang="nb-NO" dirty="0">
-                <a:solidFill>
-                  <a:srgbClr val="C44026"/>
-                </a:solidFill>
-                <a:latin typeface="Consolas" panose="020B0609020204030204" pitchFamily="49" charset="0"/>
-              </a:rPr>
-              <a:t> </a:t>
-            </a:r>
-            <a:r>
-              <a:rPr lang="nb-NO" dirty="0">
-                <a:solidFill>
-                  <a:schemeClr val="accent4">
-                    <a:lumMod val="60000"/>
-                    <a:lumOff val="40000"/>
-                  </a:schemeClr>
-                </a:solidFill>
-                <a:latin typeface="Consolas" panose="020B0609020204030204" pitchFamily="49" charset="0"/>
-              </a:rPr>
-              <a:t>False</a:t>
-            </a:r>
-          </a:p>
-          <a:p>
-            <a:pPr marL="0" indent="0">
-              <a:buNone/>
-            </a:pPr>
             <a:endParaRPr lang="nb-NO" dirty="0">
               <a:solidFill>
                 <a:srgbClr val="C44026"/>
               </a:solidFill>
               <a:latin typeface="Consolas" panose="020B0609020204030204" pitchFamily="49" charset="0"/>
             </a:endParaRPr>
-          </a:p>
-          <a:p>
-            <a:pPr marL="0" indent="0">
-              <a:buNone/>
-            </a:pPr>
-            <a:r>
-              <a:rPr lang="nb-NO" dirty="0" err="1">
-                <a:solidFill>
-                  <a:srgbClr val="C44026"/>
-                </a:solidFill>
-                <a:latin typeface="Consolas" panose="020B0609020204030204" pitchFamily="49" charset="0"/>
-              </a:rPr>
-              <a:t>def</a:t>
-            </a:r>
-            <a:r>
-              <a:rPr lang="nb-NO" dirty="0">
-                <a:latin typeface="Consolas" panose="020B0609020204030204" pitchFamily="49" charset="0"/>
-              </a:rPr>
-              <a:t> </a:t>
-            </a:r>
-            <a:r>
-              <a:rPr lang="nb-NO" dirty="0" err="1">
-                <a:solidFill>
-                  <a:srgbClr val="9751CB"/>
-                </a:solidFill>
-                <a:latin typeface="Consolas" panose="020B0609020204030204" pitchFamily="49" charset="0"/>
-              </a:rPr>
-              <a:t>ErDeleligMedTo</a:t>
-            </a:r>
-            <a:r>
-              <a:rPr lang="nb-NO" dirty="0">
-                <a:latin typeface="Consolas" panose="020B0609020204030204" pitchFamily="49" charset="0"/>
-              </a:rPr>
-              <a:t>(rundenummer):</a:t>
-            </a:r>
-          </a:p>
-          <a:p>
-            <a:pPr marL="0" indent="0">
-              <a:buNone/>
-            </a:pPr>
-            <a:r>
-              <a:rPr lang="nb-NO" dirty="0">
-                <a:latin typeface="Consolas" panose="020B0609020204030204" pitchFamily="49" charset="0"/>
-              </a:rPr>
-              <a:t>	</a:t>
-            </a:r>
-            <a:r>
-              <a:rPr lang="nb-NO" dirty="0" err="1">
-                <a:solidFill>
-                  <a:srgbClr val="C44026"/>
-                </a:solidFill>
-                <a:latin typeface="Consolas" panose="020B0609020204030204" pitchFamily="49" charset="0"/>
-              </a:rPr>
-              <a:t>return</a:t>
-            </a:r>
-            <a:r>
-              <a:rPr lang="nb-NO" dirty="0">
-                <a:latin typeface="Consolas" panose="020B0609020204030204" pitchFamily="49" charset="0"/>
-              </a:rPr>
-              <a:t> rundenummer % 2 == 0</a:t>
-            </a:r>
-            <a:endParaRPr lang="nb-NO" dirty="0"/>
-          </a:p>
-          <a:p>
-            <a:pPr lvl="1"/>
-            <a:endParaRPr lang="nb-NO" dirty="0"/>
           </a:p>
         </p:txBody>
       </p:sp>
@@ -11932,10 +12890,58 @@
           </a:p>
         </p:txBody>
       </p:sp>
+      <p:pic>
+        <p:nvPicPr>
+          <p:cNvPr id="6" name="Picture 2">
+            <a:hlinkClick r:id="rId3" action="ppaction://program"/>
+            <a:extLst>
+              <a:ext uri="{FF2B5EF4-FFF2-40B4-BE49-F238E27FC236}">
+                <a16:creationId xmlns:a16="http://schemas.microsoft.com/office/drawing/2014/main" id="{7DDA2FC6-BD13-4600-8F6C-5CC3D71B9F3D}"/>
+              </a:ext>
+            </a:extLst>
+          </p:cNvPr>
+          <p:cNvPicPr>
+            <a:picLocks noChangeAspect="1" noChangeArrowheads="1"/>
+          </p:cNvPicPr>
+          <p:nvPr/>
+        </p:nvPicPr>
+        <p:blipFill>
+          <a:blip r:embed="rId4">
+            <a:extLst>
+              <a:ext uri="{28A0092B-C50C-407E-A947-70E740481C1C}">
+                <a14:useLocalDpi xmlns:a14="http://schemas.microsoft.com/office/drawing/2010/main" val="0"/>
+              </a:ext>
+            </a:extLst>
+          </a:blip>
+          <a:srcRect/>
+          <a:stretch>
+            <a:fillRect/>
+          </a:stretch>
+        </p:blipFill>
+        <p:spPr bwMode="auto">
+          <a:xfrm>
+            <a:off x="3541862" y="835325"/>
+            <a:ext cx="5108275" cy="5108275"/>
+          </a:xfrm>
+          <a:prstGeom prst="rect">
+            <a:avLst/>
+          </a:prstGeom>
+          <a:noFill/>
+          <a:extLst>
+            <a:ext uri="{909E8E84-426E-40DD-AFC4-6F175D3DCCD1}">
+              <a14:hiddenFill xmlns:a14="http://schemas.microsoft.com/office/drawing/2010/main">
+                <a:solidFill>
+                  <a:srgbClr val="FFFFFF"/>
+                </a:solidFill>
+              </a14:hiddenFill>
+            </a:ext>
+          </a:extLst>
+        </p:spPr>
+      </p:pic>
     </p:spTree>
     <p:extLst>
       <p:ext uri="{BB962C8B-B14F-4D97-AF65-F5344CB8AC3E}">
-        <p14:creationId xmlns:p14="http://schemas.microsoft.com/office/powerpoint/2010/main" val="1856889016"/>
+        <p14:creationId xmlns:p14="http://schemas.microsoft.com/office/powerpoint/2010/main" val="1412072464"/>
       </p:ext>
     </p:extLst>
   </p:cSld>
@@ -11984,9 +12990,10 @@
           <a:lstStyle/>
           <a:p>
             <a:r>
-              <a:rPr lang="nb-NO" dirty="0"/>
-              <a:t>Egendefinerte funksjoner</a:t>
-            </a:r>
+              <a:rPr lang="nb-NO" dirty="0" err="1"/>
+              <a:t>Mu</a:t>
+            </a:r>
+            <a:endParaRPr lang="nb-NO" dirty="0"/>
           </a:p>
         </p:txBody>
       </p:sp>
@@ -12062,35 +13069,12 @@
               </a:rPr>
               <a:t>	</a:t>
             </a:r>
-            <a:r>
-              <a:rPr lang="nb-NO" dirty="0" err="1">
-                <a:solidFill>
-                  <a:srgbClr val="C44026"/>
-                </a:solidFill>
-                <a:latin typeface="Consolas" panose="020B0609020204030204" pitchFamily="49" charset="0"/>
-              </a:rPr>
-              <a:t>return</a:t>
-            </a:r>
-            <a:r>
-              <a:rPr lang="nb-NO" dirty="0">
-                <a:latin typeface="Consolas" panose="020B0609020204030204" pitchFamily="49" charset="0"/>
-              </a:rPr>
-              <a:t> rundenummer % 2 == 0</a:t>
-            </a:r>
-          </a:p>
-          <a:p>
-            <a:pPr marL="0" indent="0">
-              <a:buNone/>
-            </a:pPr>
             <a:endParaRPr lang="nb-NO" dirty="0">
+              <a:solidFill>
+                <a:srgbClr val="C44026"/>
+              </a:solidFill>
               <a:latin typeface="Consolas" panose="020B0609020204030204" pitchFamily="49" charset="0"/>
             </a:endParaRPr>
-          </a:p>
-          <a:p>
-            <a:pPr marL="0" indent="0">
-              <a:buNone/>
-            </a:pPr>
-            <a:endParaRPr lang="nb-NO" dirty="0"/>
           </a:p>
         </p:txBody>
       </p:sp>
@@ -12138,10 +13122,10 @@
       </p:sp>
       <p:pic>
         <p:nvPicPr>
-          <p:cNvPr id="2050" name="Picture 2">
+          <p:cNvPr id="6" name="Picture 2">
             <a:extLst>
               <a:ext uri="{FF2B5EF4-FFF2-40B4-BE49-F238E27FC236}">
-                <a16:creationId xmlns:a16="http://schemas.microsoft.com/office/drawing/2014/main" id="{497BAC9D-3202-437C-B12B-E3164F1AB1E7}"/>
+                <a16:creationId xmlns:a16="http://schemas.microsoft.com/office/drawing/2014/main" id="{7DDA2FC6-BD13-4600-8F6C-5CC3D71B9F3D}"/>
               </a:ext>
             </a:extLst>
           </p:cNvPr>
@@ -12186,7 +13170,7 @@
     </p:spTree>
     <p:extLst>
       <p:ext uri="{BB962C8B-B14F-4D97-AF65-F5344CB8AC3E}">
-        <p14:creationId xmlns:p14="http://schemas.microsoft.com/office/powerpoint/2010/main" val="59968565"/>
+        <p14:creationId xmlns:p14="http://schemas.microsoft.com/office/powerpoint/2010/main" val="1175986555"/>
       </p:ext>
     </p:extLst>
   </p:cSld>
@@ -12275,7 +13259,10 @@
             <a:r>
               <a:rPr lang="nb-NO" dirty="0" err="1">
                 <a:solidFill>
-                  <a:srgbClr val="C44026"/>
+                  <a:schemeClr val="bg1">
+                    <a:lumMod val="50000"/>
+                    <a:lumOff val="50000"/>
+                  </a:schemeClr>
                 </a:solidFill>
                 <a:latin typeface="Consolas" panose="020B0609020204030204" pitchFamily="49" charset="0"/>
               </a:rPr>
@@ -12283,6 +13270,12 @@
             </a:r>
             <a:r>
               <a:rPr lang="nb-NO" dirty="0">
+                <a:solidFill>
+                  <a:schemeClr val="bg1">
+                    <a:lumMod val="50000"/>
+                    <a:lumOff val="50000"/>
+                  </a:schemeClr>
+                </a:solidFill>
                 <a:latin typeface="Consolas" panose="020B0609020204030204" pitchFamily="49" charset="0"/>
               </a:rPr>
               <a:t> </a:t>
@@ -12290,7 +13283,10 @@
             <a:r>
               <a:rPr lang="nb-NO" dirty="0" err="1">
                 <a:solidFill>
-                  <a:srgbClr val="9751CB"/>
+                  <a:schemeClr val="bg1">
+                    <a:lumMod val="50000"/>
+                    <a:lumOff val="50000"/>
+                  </a:schemeClr>
                 </a:solidFill>
                 <a:latin typeface="Consolas" panose="020B0609020204030204" pitchFamily="49" charset="0"/>
               </a:rPr>
@@ -12298,6 +13294,12 @@
             </a:r>
             <a:r>
               <a:rPr lang="nb-NO" dirty="0">
+                <a:solidFill>
+                  <a:schemeClr val="bg1">
+                    <a:lumMod val="50000"/>
+                    <a:lumOff val="50000"/>
+                  </a:schemeClr>
+                </a:solidFill>
                 <a:latin typeface="Consolas" panose="020B0609020204030204" pitchFamily="49" charset="0"/>
               </a:rPr>
               <a:t>(rundenummer):</a:t>
@@ -12320,22 +13322,25 @@
                 </a:solidFill>
                 <a:latin typeface="Consolas" panose="020B0609020204030204" pitchFamily="49" charset="0"/>
               </a:rPr>
-              <a:t>return</a:t>
+              <a:t>if</a:t>
             </a:r>
             <a:r>
               <a:rPr lang="nb-NO" dirty="0">
                 <a:latin typeface="Consolas" panose="020B0609020204030204" pitchFamily="49" charset="0"/>
               </a:rPr>
-              <a:t> rundenummer % 2 == 0</a:t>
+              <a:t> rundenummer % 2 == 0:</a:t>
             </a:r>
           </a:p>
           <a:p>
             <a:pPr marL="0" indent="0">
               <a:buNone/>
             </a:pPr>
-            <a:endParaRPr lang="nb-NO" dirty="0">
-              <a:latin typeface="Consolas" panose="020B0609020204030204" pitchFamily="49" charset="0"/>
-            </a:endParaRPr>
+            <a:r>
+              <a:rPr lang="nb-NO" dirty="0">
+                <a:latin typeface="Consolas" panose="020B0609020204030204" pitchFamily="49" charset="0"/>
+              </a:rPr>
+              <a:t>		...</a:t>
+            </a:r>
           </a:p>
           <a:p>
             <a:pPr marL="0" indent="0">
@@ -12345,34 +13350,46 @@
               <a:rPr lang="nb-NO" dirty="0">
                 <a:latin typeface="Consolas" panose="020B0609020204030204" pitchFamily="49" charset="0"/>
               </a:rPr>
-              <a:t>&gt;&gt;&gt; </a:t>
+              <a:t>	</a:t>
             </a:r>
             <a:r>
               <a:rPr lang="nb-NO" dirty="0" err="1">
-                <a:latin typeface="Consolas" panose="020B0609020204030204" pitchFamily="49" charset="0"/>
-              </a:rPr>
-              <a:t>ErDeleligMedTo</a:t>
+                <a:solidFill>
+                  <a:srgbClr val="C44026"/>
+                </a:solidFill>
+                <a:latin typeface="Consolas" panose="020B0609020204030204" pitchFamily="49" charset="0"/>
+              </a:rPr>
+              <a:t>else</a:t>
             </a:r>
             <a:r>
               <a:rPr lang="nb-NO" dirty="0">
                 <a:latin typeface="Consolas" panose="020B0609020204030204" pitchFamily="49" charset="0"/>
               </a:rPr>
-              <a:t>(4)</a:t>
+              <a:t>:</a:t>
             </a:r>
           </a:p>
           <a:p>
             <a:pPr marL="0" indent="0">
               <a:buNone/>
             </a:pPr>
-            <a:endParaRPr lang="nb-NO" dirty="0">
-              <a:latin typeface="Consolas" panose="020B0609020204030204" pitchFamily="49" charset="0"/>
-            </a:endParaRPr>
-          </a:p>
-          <a:p>
-            <a:pPr marL="0" indent="0">
-              <a:buNone/>
-            </a:pPr>
-            <a:endParaRPr lang="nb-NO" dirty="0"/>
+            <a:r>
+              <a:rPr lang="nb-NO" dirty="0">
+                <a:solidFill>
+                  <a:srgbClr val="C44026"/>
+                </a:solidFill>
+                <a:latin typeface="Consolas" panose="020B0609020204030204" pitchFamily="49" charset="0"/>
+              </a:rPr>
+              <a:t>		</a:t>
+            </a:r>
+            <a:r>
+              <a:rPr lang="nb-NO" dirty="0">
+                <a:solidFill>
+                  <a:schemeClr val="tx2"/>
+                </a:solidFill>
+                <a:latin typeface="Consolas" panose="020B0609020204030204" pitchFamily="49" charset="0"/>
+              </a:rPr>
+              <a:t>...</a:t>
+            </a:r>
           </a:p>
         </p:txBody>
       </p:sp>
@@ -12418,57 +13435,10 @@
           </a:p>
         </p:txBody>
       </p:sp>
-      <p:pic>
-        <p:nvPicPr>
-          <p:cNvPr id="2050" name="Picture 2">
-            <a:extLst>
-              <a:ext uri="{FF2B5EF4-FFF2-40B4-BE49-F238E27FC236}">
-                <a16:creationId xmlns:a16="http://schemas.microsoft.com/office/drawing/2014/main" id="{497BAC9D-3202-437C-B12B-E3164F1AB1E7}"/>
-              </a:ext>
-            </a:extLst>
-          </p:cNvPr>
-          <p:cNvPicPr>
-            <a:picLocks noChangeAspect="1" noChangeArrowheads="1"/>
-          </p:cNvPicPr>
-          <p:nvPr/>
-        </p:nvPicPr>
-        <p:blipFill>
-          <a:blip r:embed="rId3">
-            <a:extLst>
-              <a:ext uri="{28A0092B-C50C-407E-A947-70E740481C1C}">
-                <a14:useLocalDpi xmlns:a14="http://schemas.microsoft.com/office/drawing/2010/main" val="0"/>
-              </a:ext>
-            </a:extLst>
-          </a:blip>
-          <a:srcRect/>
-          <a:stretch>
-            <a:fillRect/>
-          </a:stretch>
-        </p:blipFill>
-        <p:spPr bwMode="auto">
-          <a:xfrm>
-            <a:off x="8613475" y="1679068"/>
-            <a:ext cx="2438400" cy="2438400"/>
-          </a:xfrm>
-          <a:prstGeom prst="rect">
-            <a:avLst/>
-          </a:prstGeom>
-          <a:noFill/>
-          <a:extLst>
-            <a:ext uri="{909E8E84-426E-40DD-AFC4-6F175D3DCCD1}">
-              <a14:hiddenFill xmlns:a14="http://schemas.microsoft.com/office/drawing/2010/main">
-                <a:solidFill>
-                  <a:srgbClr val="FFFFFF"/>
-                </a:solidFill>
-              </a14:hiddenFill>
-            </a:ext>
-          </a:extLst>
-        </p:spPr>
-      </p:pic>
     </p:spTree>
     <p:extLst>
       <p:ext uri="{BB962C8B-B14F-4D97-AF65-F5344CB8AC3E}">
-        <p14:creationId xmlns:p14="http://schemas.microsoft.com/office/powerpoint/2010/main" val="1040056657"/>
+        <p14:creationId xmlns:p14="http://schemas.microsoft.com/office/powerpoint/2010/main" val="388221404"/>
       </p:ext>
     </p:extLst>
   </p:cSld>
@@ -12557,7 +13527,10 @@
             <a:r>
               <a:rPr lang="nb-NO" dirty="0" err="1">
                 <a:solidFill>
-                  <a:srgbClr val="C44026"/>
+                  <a:schemeClr val="bg1">
+                    <a:lumMod val="50000"/>
+                    <a:lumOff val="50000"/>
+                  </a:schemeClr>
                 </a:solidFill>
                 <a:latin typeface="Consolas" panose="020B0609020204030204" pitchFamily="49" charset="0"/>
               </a:rPr>
@@ -12565,6 +13538,12 @@
             </a:r>
             <a:r>
               <a:rPr lang="nb-NO" dirty="0">
+                <a:solidFill>
+                  <a:schemeClr val="bg1">
+                    <a:lumMod val="50000"/>
+                    <a:lumOff val="50000"/>
+                  </a:schemeClr>
+                </a:solidFill>
                 <a:latin typeface="Consolas" panose="020B0609020204030204" pitchFamily="49" charset="0"/>
               </a:rPr>
               <a:t> </a:t>
@@ -12572,7 +13551,10 @@
             <a:r>
               <a:rPr lang="nb-NO" dirty="0" err="1">
                 <a:solidFill>
-                  <a:srgbClr val="9751CB"/>
+                  <a:schemeClr val="bg1">
+                    <a:lumMod val="50000"/>
+                    <a:lumOff val="50000"/>
+                  </a:schemeClr>
                 </a:solidFill>
                 <a:latin typeface="Consolas" panose="020B0609020204030204" pitchFamily="49" charset="0"/>
               </a:rPr>
@@ -12580,6 +13562,12 @@
             </a:r>
             <a:r>
               <a:rPr lang="nb-NO" dirty="0">
+                <a:solidFill>
+                  <a:schemeClr val="bg1">
+                    <a:lumMod val="50000"/>
+                    <a:lumOff val="50000"/>
+                  </a:schemeClr>
+                </a:solidFill>
                 <a:latin typeface="Consolas" panose="020B0609020204030204" pitchFamily="49" charset="0"/>
               </a:rPr>
               <a:t>(rundenummer):</a:t>
@@ -12602,71 +13590,95 @@
                 </a:solidFill>
                 <a:latin typeface="Consolas" panose="020B0609020204030204" pitchFamily="49" charset="0"/>
               </a:rPr>
+              <a:t>if</a:t>
+            </a:r>
+            <a:r>
+              <a:rPr lang="nb-NO" dirty="0">
+                <a:latin typeface="Consolas" panose="020B0609020204030204" pitchFamily="49" charset="0"/>
+              </a:rPr>
+              <a:t> rundenummer % 2 == 0:</a:t>
+            </a:r>
+          </a:p>
+          <a:p>
+            <a:pPr marL="0" indent="0">
+              <a:buNone/>
+            </a:pPr>
+            <a:r>
+              <a:rPr lang="nb-NO" dirty="0">
+                <a:latin typeface="Consolas" panose="020B0609020204030204" pitchFamily="49" charset="0"/>
+              </a:rPr>
+              <a:t>		</a:t>
+            </a:r>
+            <a:r>
+              <a:rPr lang="nb-NO" dirty="0" err="1">
+                <a:solidFill>
+                  <a:srgbClr val="C44026"/>
+                </a:solidFill>
+                <a:latin typeface="Consolas" panose="020B0609020204030204" pitchFamily="49" charset="0"/>
+              </a:rPr>
               <a:t>return</a:t>
             </a:r>
             <a:r>
               <a:rPr lang="nb-NO" dirty="0">
                 <a:latin typeface="Consolas" panose="020B0609020204030204" pitchFamily="49" charset="0"/>
               </a:rPr>
-              <a:t> rundenummer % 2 == 0</a:t>
+              <a:t> </a:t>
             </a:r>
           </a:p>
           <a:p>
             <a:pPr marL="0" indent="0">
               <a:buNone/>
             </a:pPr>
+            <a:r>
+              <a:rPr lang="nb-NO" dirty="0">
+                <a:latin typeface="Consolas" panose="020B0609020204030204" pitchFamily="49" charset="0"/>
+              </a:rPr>
+              <a:t>	</a:t>
+            </a:r>
+            <a:r>
+              <a:rPr lang="nb-NO" dirty="0" err="1">
+                <a:solidFill>
+                  <a:srgbClr val="C44026"/>
+                </a:solidFill>
+                <a:latin typeface="Consolas" panose="020B0609020204030204" pitchFamily="49" charset="0"/>
+              </a:rPr>
+              <a:t>else</a:t>
+            </a:r>
+            <a:r>
+              <a:rPr lang="nb-NO" dirty="0">
+                <a:latin typeface="Consolas" panose="020B0609020204030204" pitchFamily="49" charset="0"/>
+              </a:rPr>
+              <a:t>:</a:t>
+            </a:r>
+          </a:p>
+          <a:p>
+            <a:pPr marL="0" indent="0">
+              <a:buNone/>
+            </a:pPr>
+            <a:r>
+              <a:rPr lang="nb-NO" dirty="0">
+                <a:solidFill>
+                  <a:srgbClr val="C44026"/>
+                </a:solidFill>
+                <a:latin typeface="Consolas" panose="020B0609020204030204" pitchFamily="49" charset="0"/>
+              </a:rPr>
+              <a:t>		</a:t>
+            </a:r>
+            <a:r>
+              <a:rPr lang="nb-NO" dirty="0" err="1">
+                <a:solidFill>
+                  <a:srgbClr val="C44026"/>
+                </a:solidFill>
+                <a:latin typeface="Consolas" panose="020B0609020204030204" pitchFamily="49" charset="0"/>
+              </a:rPr>
+              <a:t>return</a:t>
+            </a:r>
             <a:endParaRPr lang="nb-NO" dirty="0">
+              <a:solidFill>
+                <a:srgbClr val="C44026"/>
+              </a:solidFill>
               <a:latin typeface="Consolas" panose="020B0609020204030204" pitchFamily="49" charset="0"/>
             </a:endParaRPr>
-          </a:p>
-          <a:p>
-            <a:pPr marL="0" indent="0">
-              <a:buNone/>
-            </a:pPr>
-            <a:r>
-              <a:rPr lang="nb-NO" dirty="0">
-                <a:latin typeface="Consolas" panose="020B0609020204030204" pitchFamily="49" charset="0"/>
-              </a:rPr>
-              <a:t>&gt;&gt;&gt; </a:t>
-            </a:r>
-            <a:r>
-              <a:rPr lang="nb-NO" dirty="0" err="1">
-                <a:latin typeface="Consolas" panose="020B0609020204030204" pitchFamily="49" charset="0"/>
-              </a:rPr>
-              <a:t>ErDeleligMedTo</a:t>
-            </a:r>
-            <a:r>
-              <a:rPr lang="nb-NO" dirty="0">
-                <a:latin typeface="Consolas" panose="020B0609020204030204" pitchFamily="49" charset="0"/>
-              </a:rPr>
-              <a:t>(4)</a:t>
-            </a:r>
-          </a:p>
-          <a:p>
-            <a:pPr marL="0" indent="0">
-              <a:buNone/>
-            </a:pPr>
-            <a:r>
-              <a:rPr lang="nb-NO" dirty="0">
-                <a:solidFill>
-                  <a:schemeClr val="accent4">
-                    <a:lumMod val="60000"/>
-                    <a:lumOff val="40000"/>
-                  </a:schemeClr>
-                </a:solidFill>
-                <a:latin typeface="Consolas" panose="020B0609020204030204" pitchFamily="49" charset="0"/>
-              </a:rPr>
-              <a:t>True</a:t>
-            </a:r>
-            <a:endParaRPr lang="nb-NO" dirty="0">
-              <a:latin typeface="Consolas" panose="020B0609020204030204" pitchFamily="49" charset="0"/>
-            </a:endParaRPr>
-          </a:p>
-          <a:p>
-            <a:pPr marL="0" indent="0">
-              <a:buNone/>
-            </a:pPr>
-            <a:endParaRPr lang="nb-NO" dirty="0"/>
           </a:p>
         </p:txBody>
       </p:sp>
@@ -12712,57 +13724,10 @@
           </a:p>
         </p:txBody>
       </p:sp>
-      <p:pic>
-        <p:nvPicPr>
-          <p:cNvPr id="2050" name="Picture 2">
-            <a:extLst>
-              <a:ext uri="{FF2B5EF4-FFF2-40B4-BE49-F238E27FC236}">
-                <a16:creationId xmlns:a16="http://schemas.microsoft.com/office/drawing/2014/main" id="{497BAC9D-3202-437C-B12B-E3164F1AB1E7}"/>
-              </a:ext>
-            </a:extLst>
-          </p:cNvPr>
-          <p:cNvPicPr>
-            <a:picLocks noChangeAspect="1" noChangeArrowheads="1"/>
-          </p:cNvPicPr>
-          <p:nvPr/>
-        </p:nvPicPr>
-        <p:blipFill>
-          <a:blip r:embed="rId3">
-            <a:extLst>
-              <a:ext uri="{28A0092B-C50C-407E-A947-70E740481C1C}">
-                <a14:useLocalDpi xmlns:a14="http://schemas.microsoft.com/office/drawing/2010/main" val="0"/>
-              </a:ext>
-            </a:extLst>
-          </a:blip>
-          <a:srcRect/>
-          <a:stretch>
-            <a:fillRect/>
-          </a:stretch>
-        </p:blipFill>
-        <p:spPr bwMode="auto">
-          <a:xfrm>
-            <a:off x="8613475" y="1679068"/>
-            <a:ext cx="2438400" cy="2438400"/>
-          </a:xfrm>
-          <a:prstGeom prst="rect">
-            <a:avLst/>
-          </a:prstGeom>
-          <a:noFill/>
-          <a:extLst>
-            <a:ext uri="{909E8E84-426E-40DD-AFC4-6F175D3DCCD1}">
-              <a14:hiddenFill xmlns:a14="http://schemas.microsoft.com/office/drawing/2010/main">
-                <a:solidFill>
-                  <a:srgbClr val="FFFFFF"/>
-                </a:solidFill>
-              </a14:hiddenFill>
-            </a:ext>
-          </a:extLst>
-        </p:spPr>
-      </p:pic>
     </p:spTree>
     <p:extLst>
       <p:ext uri="{BB962C8B-B14F-4D97-AF65-F5344CB8AC3E}">
-        <p14:creationId xmlns:p14="http://schemas.microsoft.com/office/powerpoint/2010/main" val="3374629622"/>
+        <p14:creationId xmlns:p14="http://schemas.microsoft.com/office/powerpoint/2010/main" val="2287785116"/>
       </p:ext>
     </p:extLst>
   </p:cSld>
@@ -12851,7 +13816,10 @@
             <a:r>
               <a:rPr lang="nb-NO" dirty="0" err="1">
                 <a:solidFill>
-                  <a:srgbClr val="C44026"/>
+                  <a:schemeClr val="bg1">
+                    <a:lumMod val="50000"/>
+                    <a:lumOff val="50000"/>
+                  </a:schemeClr>
                 </a:solidFill>
                 <a:latin typeface="Consolas" panose="020B0609020204030204" pitchFamily="49" charset="0"/>
               </a:rPr>
@@ -12859,6 +13827,12 @@
             </a:r>
             <a:r>
               <a:rPr lang="nb-NO" dirty="0">
+                <a:solidFill>
+                  <a:schemeClr val="bg1">
+                    <a:lumMod val="50000"/>
+                    <a:lumOff val="50000"/>
+                  </a:schemeClr>
+                </a:solidFill>
                 <a:latin typeface="Consolas" panose="020B0609020204030204" pitchFamily="49" charset="0"/>
               </a:rPr>
               <a:t> </a:t>
@@ -12866,7 +13840,10 @@
             <a:r>
               <a:rPr lang="nb-NO" dirty="0" err="1">
                 <a:solidFill>
-                  <a:srgbClr val="9751CB"/>
+                  <a:schemeClr val="bg1">
+                    <a:lumMod val="50000"/>
+                    <a:lumOff val="50000"/>
+                  </a:schemeClr>
                 </a:solidFill>
                 <a:latin typeface="Consolas" panose="020B0609020204030204" pitchFamily="49" charset="0"/>
               </a:rPr>
@@ -12874,6 +13851,12 @@
             </a:r>
             <a:r>
               <a:rPr lang="nb-NO" dirty="0">
+                <a:solidFill>
+                  <a:schemeClr val="bg1">
+                    <a:lumMod val="50000"/>
+                    <a:lumOff val="50000"/>
+                  </a:schemeClr>
+                </a:solidFill>
                 <a:latin typeface="Consolas" panose="020B0609020204030204" pitchFamily="49" charset="0"/>
               </a:rPr>
               <a:t>(rundenummer):</a:t>
@@ -12896,13 +13879,103 @@
                 </a:solidFill>
                 <a:latin typeface="Consolas" panose="020B0609020204030204" pitchFamily="49" charset="0"/>
               </a:rPr>
-              <a:t>return</a:t>
+              <a:t>if</a:t>
             </a:r>
             <a:r>
               <a:rPr lang="nb-NO" dirty="0">
                 <a:latin typeface="Consolas" panose="020B0609020204030204" pitchFamily="49" charset="0"/>
               </a:rPr>
-              <a:t> rundenummer % 2 == 0</a:t>
+              <a:t> rundenummer % 2 == 0:</a:t>
+            </a:r>
+          </a:p>
+          <a:p>
+            <a:pPr marL="0" indent="0">
+              <a:buNone/>
+            </a:pPr>
+            <a:r>
+              <a:rPr lang="nb-NO" dirty="0">
+                <a:latin typeface="Consolas" panose="020B0609020204030204" pitchFamily="49" charset="0"/>
+              </a:rPr>
+              <a:t>		</a:t>
+            </a:r>
+            <a:r>
+              <a:rPr lang="nb-NO" dirty="0">
+                <a:solidFill>
+                  <a:srgbClr val="C44026"/>
+                </a:solidFill>
+                <a:latin typeface="Consolas" panose="020B0609020204030204" pitchFamily="49" charset="0"/>
+              </a:rPr>
+              <a:t>      </a:t>
+            </a:r>
+            <a:r>
+              <a:rPr lang="nb-NO" dirty="0">
+                <a:latin typeface="Consolas" panose="020B0609020204030204" pitchFamily="49" charset="0"/>
+              </a:rPr>
+              <a:t> </a:t>
+            </a:r>
+            <a:r>
+              <a:rPr lang="nb-NO" dirty="0">
+                <a:solidFill>
+                  <a:schemeClr val="accent4">
+                    <a:lumMod val="60000"/>
+                    <a:lumOff val="40000"/>
+                  </a:schemeClr>
+                </a:solidFill>
+                <a:latin typeface="Consolas" panose="020B0609020204030204" pitchFamily="49" charset="0"/>
+              </a:rPr>
+              <a:t>True</a:t>
+            </a:r>
+          </a:p>
+          <a:p>
+            <a:pPr marL="0" indent="0">
+              <a:buNone/>
+            </a:pPr>
+            <a:r>
+              <a:rPr lang="nb-NO" dirty="0">
+                <a:latin typeface="Consolas" panose="020B0609020204030204" pitchFamily="49" charset="0"/>
+              </a:rPr>
+              <a:t>	</a:t>
+            </a:r>
+            <a:r>
+              <a:rPr lang="nb-NO" dirty="0" err="1">
+                <a:solidFill>
+                  <a:srgbClr val="C44026"/>
+                </a:solidFill>
+                <a:latin typeface="Consolas" panose="020B0609020204030204" pitchFamily="49" charset="0"/>
+              </a:rPr>
+              <a:t>else</a:t>
+            </a:r>
+            <a:r>
+              <a:rPr lang="nb-NO" dirty="0">
+                <a:latin typeface="Consolas" panose="020B0609020204030204" pitchFamily="49" charset="0"/>
+              </a:rPr>
+              <a:t>:</a:t>
+            </a:r>
+          </a:p>
+          <a:p>
+            <a:pPr marL="0" indent="0">
+              <a:buNone/>
+            </a:pPr>
+            <a:r>
+              <a:rPr lang="nb-NO" dirty="0">
+                <a:solidFill>
+                  <a:srgbClr val="C44026"/>
+                </a:solidFill>
+                <a:latin typeface="Consolas" panose="020B0609020204030204" pitchFamily="49" charset="0"/>
+              </a:rPr>
+              <a:t>		       </a:t>
+            </a:r>
+            <a:r>
+              <a:rPr lang="nb-NO" dirty="0">
+                <a:solidFill>
+                  <a:schemeClr val="accent4">
+                    <a:lumMod val="60000"/>
+                    <a:lumOff val="40000"/>
+                  </a:schemeClr>
+                </a:solidFill>
+                <a:latin typeface="Consolas" panose="020B0609020204030204" pitchFamily="49" charset="0"/>
+              </a:rPr>
+              <a:t>False</a:t>
             </a:r>
           </a:p>
           <a:p>
@@ -12910,20 +13983,11 @@
               <a:buNone/>
             </a:pPr>
             <a:endParaRPr lang="nb-NO" dirty="0">
+              <a:solidFill>
+                <a:srgbClr val="C44026"/>
+              </a:solidFill>
               <a:latin typeface="Consolas" panose="020B0609020204030204" pitchFamily="49" charset="0"/>
             </a:endParaRPr>
-          </a:p>
-          <a:p>
-            <a:pPr marL="0" indent="0">
-              <a:buNone/>
-            </a:pPr>
-            <a:r>
-              <a:rPr lang="nb-NO" dirty="0">
-                <a:latin typeface="Consolas" panose="020B0609020204030204" pitchFamily="49" charset="0"/>
-              </a:rPr>
-              <a:t>&gt;&gt;&gt;</a:t>
-            </a:r>
-            <a:endParaRPr lang="nb-NO" dirty="0"/>
           </a:p>
         </p:txBody>
       </p:sp>
@@ -12969,57 +14033,10 @@
           </a:p>
         </p:txBody>
       </p:sp>
-      <p:pic>
-        <p:nvPicPr>
-          <p:cNvPr id="2050" name="Picture 2">
-            <a:extLst>
-              <a:ext uri="{FF2B5EF4-FFF2-40B4-BE49-F238E27FC236}">
-                <a16:creationId xmlns:a16="http://schemas.microsoft.com/office/drawing/2014/main" id="{497BAC9D-3202-437C-B12B-E3164F1AB1E7}"/>
-              </a:ext>
-            </a:extLst>
-          </p:cNvPr>
-          <p:cNvPicPr>
-            <a:picLocks noChangeAspect="1" noChangeArrowheads="1"/>
-          </p:cNvPicPr>
-          <p:nvPr/>
-        </p:nvPicPr>
-        <p:blipFill>
-          <a:blip r:embed="rId3">
-            <a:extLst>
-              <a:ext uri="{28A0092B-C50C-407E-A947-70E740481C1C}">
-                <a14:useLocalDpi xmlns:a14="http://schemas.microsoft.com/office/drawing/2010/main" val="0"/>
-              </a:ext>
-            </a:extLst>
-          </a:blip>
-          <a:srcRect/>
-          <a:stretch>
-            <a:fillRect/>
-          </a:stretch>
-        </p:blipFill>
-        <p:spPr bwMode="auto">
-          <a:xfrm>
-            <a:off x="8613475" y="1679068"/>
-            <a:ext cx="2438400" cy="2438400"/>
-          </a:xfrm>
-          <a:prstGeom prst="rect">
-            <a:avLst/>
-          </a:prstGeom>
-          <a:noFill/>
-          <a:extLst>
-            <a:ext uri="{909E8E84-426E-40DD-AFC4-6F175D3DCCD1}">
-              <a14:hiddenFill xmlns:a14="http://schemas.microsoft.com/office/drawing/2010/main">
-                <a:solidFill>
-                  <a:srgbClr val="FFFFFF"/>
-                </a:solidFill>
-              </a14:hiddenFill>
-            </a:ext>
-          </a:extLst>
-        </p:spPr>
-      </p:pic>
     </p:spTree>
     <p:extLst>
       <p:ext uri="{BB962C8B-B14F-4D97-AF65-F5344CB8AC3E}">
-        <p14:creationId xmlns:p14="http://schemas.microsoft.com/office/powerpoint/2010/main" val="2355140278"/>
+        <p14:creationId xmlns:p14="http://schemas.microsoft.com/office/powerpoint/2010/main" val="4265240899"/>
       </p:ext>
     </p:extLst>
   </p:cSld>
@@ -13108,7 +14125,10 @@
             <a:r>
               <a:rPr lang="nb-NO" dirty="0" err="1">
                 <a:solidFill>
-                  <a:srgbClr val="C44026"/>
+                  <a:schemeClr val="bg1">
+                    <a:lumMod val="50000"/>
+                    <a:lumOff val="50000"/>
+                  </a:schemeClr>
                 </a:solidFill>
                 <a:latin typeface="Consolas" panose="020B0609020204030204" pitchFamily="49" charset="0"/>
               </a:rPr>
@@ -13116,6 +14136,12 @@
             </a:r>
             <a:r>
               <a:rPr lang="nb-NO" dirty="0">
+                <a:solidFill>
+                  <a:schemeClr val="bg1">
+                    <a:lumMod val="50000"/>
+                    <a:lumOff val="50000"/>
+                  </a:schemeClr>
+                </a:solidFill>
                 <a:latin typeface="Consolas" panose="020B0609020204030204" pitchFamily="49" charset="0"/>
               </a:rPr>
               <a:t> </a:t>
@@ -13123,7 +14149,10 @@
             <a:r>
               <a:rPr lang="nb-NO" dirty="0" err="1">
                 <a:solidFill>
-                  <a:srgbClr val="9751CB"/>
+                  <a:schemeClr val="bg1">
+                    <a:lumMod val="50000"/>
+                    <a:lumOff val="50000"/>
+                  </a:schemeClr>
                 </a:solidFill>
                 <a:latin typeface="Consolas" panose="020B0609020204030204" pitchFamily="49" charset="0"/>
               </a:rPr>
@@ -13131,6 +14160,12 @@
             </a:r>
             <a:r>
               <a:rPr lang="nb-NO" dirty="0">
+                <a:solidFill>
+                  <a:schemeClr val="bg1">
+                    <a:lumMod val="50000"/>
+                    <a:lumOff val="50000"/>
+                  </a:schemeClr>
+                </a:solidFill>
                 <a:latin typeface="Consolas" panose="020B0609020204030204" pitchFamily="49" charset="0"/>
               </a:rPr>
               <a:t>(rundenummer):</a:t>
@@ -13153,13 +14188,121 @@
                 </a:solidFill>
                 <a:latin typeface="Consolas" panose="020B0609020204030204" pitchFamily="49" charset="0"/>
               </a:rPr>
+              <a:t>if</a:t>
+            </a:r>
+            <a:r>
+              <a:rPr lang="nb-NO" dirty="0">
+                <a:latin typeface="Consolas" panose="020B0609020204030204" pitchFamily="49" charset="0"/>
+              </a:rPr>
+              <a:t> rundenummer % 2 == 0:</a:t>
+            </a:r>
+          </a:p>
+          <a:p>
+            <a:pPr marL="0" indent="0">
+              <a:buNone/>
+            </a:pPr>
+            <a:r>
+              <a:rPr lang="nb-NO" dirty="0">
+                <a:latin typeface="Consolas" panose="020B0609020204030204" pitchFamily="49" charset="0"/>
+              </a:rPr>
+              <a:t>		</a:t>
+            </a:r>
+            <a:r>
+              <a:rPr lang="nb-NO" dirty="0" err="1">
+                <a:solidFill>
+                  <a:srgbClr val="C44026"/>
+                </a:solidFill>
+                <a:latin typeface="Consolas" panose="020B0609020204030204" pitchFamily="49" charset="0"/>
+              </a:rPr>
               <a:t>return</a:t>
             </a:r>
             <a:r>
               <a:rPr lang="nb-NO" dirty="0">
                 <a:latin typeface="Consolas" panose="020B0609020204030204" pitchFamily="49" charset="0"/>
               </a:rPr>
-              <a:t> rundenummer % 2 == 0</a:t>
+              <a:t> </a:t>
+            </a:r>
+            <a:r>
+              <a:rPr lang="nb-NO" dirty="0">
+                <a:solidFill>
+                  <a:schemeClr val="accent4">
+                    <a:lumMod val="60000"/>
+                    <a:lumOff val="40000"/>
+                  </a:schemeClr>
+                </a:solidFill>
+                <a:latin typeface="Consolas" panose="020B0609020204030204" pitchFamily="49" charset="0"/>
+              </a:rPr>
+              <a:t>True</a:t>
+            </a:r>
+          </a:p>
+          <a:p>
+            <a:pPr marL="0" indent="0">
+              <a:buNone/>
+            </a:pPr>
+            <a:r>
+              <a:rPr lang="nb-NO" dirty="0">
+                <a:latin typeface="Consolas" panose="020B0609020204030204" pitchFamily="49" charset="0"/>
+              </a:rPr>
+              <a:t>	</a:t>
+            </a:r>
+            <a:r>
+              <a:rPr lang="nb-NO" dirty="0" err="1">
+                <a:solidFill>
+                  <a:srgbClr val="C44026"/>
+                </a:solidFill>
+                <a:latin typeface="Consolas" panose="020B0609020204030204" pitchFamily="49" charset="0"/>
+              </a:rPr>
+              <a:t>else</a:t>
+            </a:r>
+            <a:r>
+              <a:rPr lang="nb-NO" dirty="0">
+                <a:latin typeface="Consolas" panose="020B0609020204030204" pitchFamily="49" charset="0"/>
+              </a:rPr>
+              <a:t>:</a:t>
+            </a:r>
+          </a:p>
+          <a:p>
+            <a:pPr marL="0" indent="0">
+              <a:buNone/>
+            </a:pPr>
+            <a:r>
+              <a:rPr lang="nb-NO" dirty="0">
+                <a:solidFill>
+                  <a:srgbClr val="C44026"/>
+                </a:solidFill>
+                <a:latin typeface="Consolas" panose="020B0609020204030204" pitchFamily="49" charset="0"/>
+              </a:rPr>
+              <a:t>		</a:t>
+            </a:r>
+            <a:r>
+              <a:rPr lang="nb-NO" dirty="0" err="1">
+                <a:solidFill>
+                  <a:srgbClr val="C44026"/>
+                </a:solidFill>
+                <a:latin typeface="Consolas" panose="020B0609020204030204" pitchFamily="49" charset="0"/>
+              </a:rPr>
+              <a:t>return</a:t>
+            </a:r>
+            <a:r>
+              <a:rPr lang="nb-NO" dirty="0">
+                <a:solidFill>
+                  <a:srgbClr val="C44026"/>
+                </a:solidFill>
+                <a:latin typeface="Consolas" panose="020B0609020204030204" pitchFamily="49" charset="0"/>
+              </a:rPr>
+              <a:t> </a:t>
+            </a:r>
+            <a:r>
+              <a:rPr lang="nb-NO" dirty="0">
+                <a:solidFill>
+                  <a:schemeClr val="accent4">
+                    <a:lumMod val="60000"/>
+                    <a:lumOff val="40000"/>
+                  </a:schemeClr>
+                </a:solidFill>
+                <a:latin typeface="Consolas" panose="020B0609020204030204" pitchFamily="49" charset="0"/>
+              </a:rPr>
+              <a:t>False</a:t>
             </a:r>
           </a:p>
           <a:p>
@@ -13167,25 +14310,11 @@
               <a:buNone/>
             </a:pPr>
             <a:endParaRPr lang="nb-NO" dirty="0">
+              <a:solidFill>
+                <a:srgbClr val="C44026"/>
+              </a:solidFill>
               <a:latin typeface="Consolas" panose="020B0609020204030204" pitchFamily="49" charset="0"/>
             </a:endParaRPr>
-          </a:p>
-          <a:p>
-            <a:pPr marL="0" indent="0">
-              <a:buNone/>
-            </a:pPr>
-            <a:r>
-              <a:rPr lang="nb-NO" dirty="0">
-                <a:latin typeface="Consolas" panose="020B0609020204030204" pitchFamily="49" charset="0"/>
-              </a:rPr>
-              <a:t>&gt;&gt;&gt; test = rundenummer % 2 == 0</a:t>
-            </a:r>
-          </a:p>
-          <a:p>
-            <a:pPr marL="0" indent="0">
-              <a:buNone/>
-            </a:pPr>
-            <a:endParaRPr lang="nb-NO" dirty="0"/>
           </a:p>
         </p:txBody>
       </p:sp>
@@ -13231,57 +14360,10 @@
           </a:p>
         </p:txBody>
       </p:sp>
-      <p:pic>
-        <p:nvPicPr>
-          <p:cNvPr id="2050" name="Picture 2">
-            <a:extLst>
-              <a:ext uri="{FF2B5EF4-FFF2-40B4-BE49-F238E27FC236}">
-                <a16:creationId xmlns:a16="http://schemas.microsoft.com/office/drawing/2014/main" id="{497BAC9D-3202-437C-B12B-E3164F1AB1E7}"/>
-              </a:ext>
-            </a:extLst>
-          </p:cNvPr>
-          <p:cNvPicPr>
-            <a:picLocks noChangeAspect="1" noChangeArrowheads="1"/>
-          </p:cNvPicPr>
-          <p:nvPr/>
-        </p:nvPicPr>
-        <p:blipFill>
-          <a:blip r:embed="rId3">
-            <a:extLst>
-              <a:ext uri="{28A0092B-C50C-407E-A947-70E740481C1C}">
-                <a14:useLocalDpi xmlns:a14="http://schemas.microsoft.com/office/drawing/2010/main" val="0"/>
-              </a:ext>
-            </a:extLst>
-          </a:blip>
-          <a:srcRect/>
-          <a:stretch>
-            <a:fillRect/>
-          </a:stretch>
-        </p:blipFill>
-        <p:spPr bwMode="auto">
-          <a:xfrm>
-            <a:off x="8613475" y="1679068"/>
-            <a:ext cx="2438400" cy="2438400"/>
-          </a:xfrm>
-          <a:prstGeom prst="rect">
-            <a:avLst/>
-          </a:prstGeom>
-          <a:noFill/>
-          <a:extLst>
-            <a:ext uri="{909E8E84-426E-40DD-AFC4-6F175D3DCCD1}">
-              <a14:hiddenFill xmlns:a14="http://schemas.microsoft.com/office/drawing/2010/main">
-                <a:solidFill>
-                  <a:srgbClr val="FFFFFF"/>
-                </a:solidFill>
-              </a14:hiddenFill>
-            </a:ext>
-          </a:extLst>
-        </p:spPr>
-      </p:pic>
     </p:spTree>
     <p:extLst>
       <p:ext uri="{BB962C8B-B14F-4D97-AF65-F5344CB8AC3E}">
-        <p14:creationId xmlns:p14="http://schemas.microsoft.com/office/powerpoint/2010/main" val="3470671077"/>
+        <p14:creationId xmlns:p14="http://schemas.microsoft.com/office/powerpoint/2010/main" val="173324159"/>
       </p:ext>
     </p:extLst>
   </p:cSld>
@@ -13415,13 +14497,121 @@
                 </a:solidFill>
                 <a:latin typeface="Consolas" panose="020B0609020204030204" pitchFamily="49" charset="0"/>
               </a:rPr>
+              <a:t>if</a:t>
+            </a:r>
+            <a:r>
+              <a:rPr lang="nb-NO" dirty="0">
+                <a:latin typeface="Consolas" panose="020B0609020204030204" pitchFamily="49" charset="0"/>
+              </a:rPr>
+              <a:t> rundenummer % 2 == 0:</a:t>
+            </a:r>
+          </a:p>
+          <a:p>
+            <a:pPr marL="0" indent="0">
+              <a:buNone/>
+            </a:pPr>
+            <a:r>
+              <a:rPr lang="nb-NO" dirty="0">
+                <a:latin typeface="Consolas" panose="020B0609020204030204" pitchFamily="49" charset="0"/>
+              </a:rPr>
+              <a:t>		</a:t>
+            </a:r>
+            <a:r>
+              <a:rPr lang="nb-NO" dirty="0" err="1">
+                <a:solidFill>
+                  <a:srgbClr val="C44026"/>
+                </a:solidFill>
+                <a:latin typeface="Consolas" panose="020B0609020204030204" pitchFamily="49" charset="0"/>
+              </a:rPr>
               <a:t>return</a:t>
             </a:r>
             <a:r>
               <a:rPr lang="nb-NO" dirty="0">
                 <a:latin typeface="Consolas" panose="020B0609020204030204" pitchFamily="49" charset="0"/>
               </a:rPr>
-              <a:t> rundenummer % 2 == 0</a:t>
+              <a:t> </a:t>
+            </a:r>
+            <a:r>
+              <a:rPr lang="nb-NO" dirty="0">
+                <a:solidFill>
+                  <a:schemeClr val="accent4">
+                    <a:lumMod val="60000"/>
+                    <a:lumOff val="40000"/>
+                  </a:schemeClr>
+                </a:solidFill>
+                <a:latin typeface="Consolas" panose="020B0609020204030204" pitchFamily="49" charset="0"/>
+              </a:rPr>
+              <a:t>True</a:t>
+            </a:r>
+          </a:p>
+          <a:p>
+            <a:pPr marL="0" indent="0">
+              <a:buNone/>
+            </a:pPr>
+            <a:r>
+              <a:rPr lang="nb-NO" dirty="0">
+                <a:latin typeface="Consolas" panose="020B0609020204030204" pitchFamily="49" charset="0"/>
+              </a:rPr>
+              <a:t>	</a:t>
+            </a:r>
+            <a:r>
+              <a:rPr lang="nb-NO" dirty="0" err="1">
+                <a:solidFill>
+                  <a:srgbClr val="C44026"/>
+                </a:solidFill>
+                <a:latin typeface="Consolas" panose="020B0609020204030204" pitchFamily="49" charset="0"/>
+              </a:rPr>
+              <a:t>else</a:t>
+            </a:r>
+            <a:r>
+              <a:rPr lang="nb-NO" dirty="0">
+                <a:latin typeface="Consolas" panose="020B0609020204030204" pitchFamily="49" charset="0"/>
+              </a:rPr>
+              <a:t>:</a:t>
+            </a:r>
+          </a:p>
+          <a:p>
+            <a:pPr marL="0" indent="0">
+              <a:buNone/>
+            </a:pPr>
+            <a:r>
+              <a:rPr lang="nb-NO" dirty="0">
+                <a:solidFill>
+                  <a:srgbClr val="C44026"/>
+                </a:solidFill>
+                <a:latin typeface="Consolas" panose="020B0609020204030204" pitchFamily="49" charset="0"/>
+              </a:rPr>
+              <a:t>		</a:t>
+            </a:r>
+            <a:r>
+              <a:rPr lang="nb-NO" dirty="0" err="1">
+                <a:solidFill>
+                  <a:srgbClr val="C44026"/>
+                </a:solidFill>
+                <a:latin typeface="Consolas" panose="020B0609020204030204" pitchFamily="49" charset="0"/>
+              </a:rPr>
+              <a:t>return</a:t>
+            </a:r>
+            <a:r>
+              <a:rPr lang="nb-NO" dirty="0">
+                <a:solidFill>
+                  <a:srgbClr val="C44026"/>
+                </a:solidFill>
+                <a:latin typeface="Consolas" panose="020B0609020204030204" pitchFamily="49" charset="0"/>
+              </a:rPr>
+              <a:t> </a:t>
+            </a:r>
+            <a:r>
+              <a:rPr lang="nb-NO" dirty="0">
+                <a:solidFill>
+                  <a:schemeClr val="accent4">
+                    <a:lumMod val="60000"/>
+                    <a:lumOff val="40000"/>
+                  </a:schemeClr>
+                </a:solidFill>
+                <a:latin typeface="Consolas" panose="020B0609020204030204" pitchFamily="49" charset="0"/>
+              </a:rPr>
+              <a:t>False</a:t>
             </a:r>
           </a:p>
           <a:p>
@@ -13429,6 +14619,9 @@
               <a:buNone/>
             </a:pPr>
             <a:endParaRPr lang="nb-NO" dirty="0">
+              <a:solidFill>
+                <a:srgbClr val="C44026"/>
+              </a:solidFill>
               <a:latin typeface="Consolas" panose="020B0609020204030204" pitchFamily="49" charset="0"/>
             </a:endParaRPr>
           </a:p>
@@ -13437,10 +14630,34 @@
               <a:buNone/>
             </a:pPr>
             <a:r>
+              <a:rPr lang="nb-NO" dirty="0" err="1">
+                <a:solidFill>
+                  <a:srgbClr val="C44026"/>
+                </a:solidFill>
+                <a:latin typeface="Consolas" panose="020B0609020204030204" pitchFamily="49" charset="0"/>
+              </a:rPr>
+              <a:t>def</a:t>
+            </a:r>
+            <a:r>
               <a:rPr lang="nb-NO" dirty="0">
                 <a:latin typeface="Consolas" panose="020B0609020204030204" pitchFamily="49" charset="0"/>
               </a:rPr>
-              <a:t>&gt;&gt;&gt; test = rundenummer % 2 == 0</a:t>
+              <a:t> </a:t>
+            </a:r>
+            <a:r>
+              <a:rPr lang="nb-NO" dirty="0" err="1">
+                <a:solidFill>
+                  <a:srgbClr val="9751CB"/>
+                </a:solidFill>
+                <a:latin typeface="Consolas" panose="020B0609020204030204" pitchFamily="49" charset="0"/>
+              </a:rPr>
+              <a:t>ErDeleligMedTo</a:t>
+            </a:r>
+            <a:r>
+              <a:rPr lang="nb-NO" dirty="0">
+                <a:latin typeface="Consolas" panose="020B0609020204030204" pitchFamily="49" charset="0"/>
+              </a:rPr>
+              <a:t>(rundenummer):</a:t>
             </a:r>
           </a:p>
           <a:p>
@@ -13451,20 +14668,28 @@
               <a:rPr lang="nb-NO" dirty="0">
                 <a:latin typeface="Consolas" panose="020B0609020204030204" pitchFamily="49" charset="0"/>
               </a:rPr>
-              <a:t>&gt;&gt;&gt; </a:t>
+              <a:t>	</a:t>
             </a:r>
             <a:r>
               <a:rPr lang="nb-NO" dirty="0" err="1">
-                <a:latin typeface="Consolas" panose="020B0609020204030204" pitchFamily="49" charset="0"/>
-              </a:rPr>
-              <a:t>print</a:t>
+                <a:solidFill>
+                  <a:srgbClr val="C44026"/>
+                </a:solidFill>
+                <a:latin typeface="Consolas" panose="020B0609020204030204" pitchFamily="49" charset="0"/>
+              </a:rPr>
+              <a:t>return</a:t>
             </a:r>
             <a:r>
               <a:rPr lang="nb-NO" dirty="0">
                 <a:latin typeface="Consolas" panose="020B0609020204030204" pitchFamily="49" charset="0"/>
               </a:rPr>
-              <a:t>(test)</a:t>
-            </a:r>
+              <a:t> rundenummer % 2 == 0</a:t>
+            </a:r>
+            <a:endParaRPr lang="nb-NO" dirty="0"/>
+          </a:p>
+          <a:p>
+            <a:pPr lvl="1"/>
+            <a:endParaRPr lang="nb-NO" dirty="0"/>
           </a:p>
         </p:txBody>
       </p:sp>
@@ -13510,57 +14735,10 @@
           </a:p>
         </p:txBody>
       </p:sp>
-      <p:pic>
-        <p:nvPicPr>
-          <p:cNvPr id="2050" name="Picture 2">
-            <a:extLst>
-              <a:ext uri="{FF2B5EF4-FFF2-40B4-BE49-F238E27FC236}">
-                <a16:creationId xmlns:a16="http://schemas.microsoft.com/office/drawing/2014/main" id="{497BAC9D-3202-437C-B12B-E3164F1AB1E7}"/>
-              </a:ext>
-            </a:extLst>
-          </p:cNvPr>
-          <p:cNvPicPr>
-            <a:picLocks noChangeAspect="1" noChangeArrowheads="1"/>
-          </p:cNvPicPr>
-          <p:nvPr/>
-        </p:nvPicPr>
-        <p:blipFill>
-          <a:blip r:embed="rId3">
-            <a:extLst>
-              <a:ext uri="{28A0092B-C50C-407E-A947-70E740481C1C}">
-                <a14:useLocalDpi xmlns:a14="http://schemas.microsoft.com/office/drawing/2010/main" val="0"/>
-              </a:ext>
-            </a:extLst>
-          </a:blip>
-          <a:srcRect/>
-          <a:stretch>
-            <a:fillRect/>
-          </a:stretch>
-        </p:blipFill>
-        <p:spPr bwMode="auto">
-          <a:xfrm>
-            <a:off x="8613475" y="1679068"/>
-            <a:ext cx="2438400" cy="2438400"/>
-          </a:xfrm>
-          <a:prstGeom prst="rect">
-            <a:avLst/>
-          </a:prstGeom>
-          <a:noFill/>
-          <a:extLst>
-            <a:ext uri="{909E8E84-426E-40DD-AFC4-6F175D3DCCD1}">
-              <a14:hiddenFill xmlns:a14="http://schemas.microsoft.com/office/drawing/2010/main">
-                <a:solidFill>
-                  <a:srgbClr val="FFFFFF"/>
-                </a:solidFill>
-              </a14:hiddenFill>
-            </a:ext>
-          </a:extLst>
-        </p:spPr>
-      </p:pic>
     </p:spTree>
     <p:extLst>
       <p:ext uri="{BB962C8B-B14F-4D97-AF65-F5344CB8AC3E}">
-        <p14:creationId xmlns:p14="http://schemas.microsoft.com/office/powerpoint/2010/main" val="3513622728"/>
+        <p14:creationId xmlns:p14="http://schemas.microsoft.com/office/powerpoint/2010/main" val="1856889016"/>
       </p:ext>
     </p:extLst>
   </p:cSld>
@@ -13609,7 +14787,7 @@
           <a:lstStyle/>
           <a:p>
             <a:r>
-              <a:rPr lang="nb-NO"/>
+              <a:rPr lang="nb-NO" dirty="0"/>
               <a:t>Henrik Njølstad &amp; André Martiny</a:t>
             </a:r>
           </a:p>
@@ -13879,9 +15057,10 @@
           <a:lstStyle/>
           <a:p>
             <a:r>
-              <a:rPr lang="nb-NO" dirty="0"/>
-              <a:t>Egendefinerte funksjoner</a:t>
-            </a:r>
+              <a:rPr lang="nb-NO" dirty="0" err="1"/>
+              <a:t>Mu</a:t>
+            </a:r>
+            <a:endParaRPr lang="nb-NO" dirty="0"/>
           </a:p>
         </p:txBody>
       </p:sp>
@@ -13919,7 +15098,7 @@
             <a:r>
               <a:rPr lang="nb-NO" dirty="0" err="1">
                 <a:solidFill>
-                  <a:srgbClr val="C44026"/>
+                  <a:schemeClr val="bg1"/>
                 </a:solidFill>
                 <a:latin typeface="Consolas" panose="020B0609020204030204" pitchFamily="49" charset="0"/>
               </a:rPr>
@@ -13927,6 +15106,9 @@
             </a:r>
             <a:r>
               <a:rPr lang="nb-NO" dirty="0">
+                <a:solidFill>
+                  <a:schemeClr val="bg1"/>
+                </a:solidFill>
                 <a:latin typeface="Consolas" panose="020B0609020204030204" pitchFamily="49" charset="0"/>
               </a:rPr>
               <a:t> </a:t>
@@ -13934,7 +15116,7 @@
             <a:r>
               <a:rPr lang="nb-NO" dirty="0" err="1">
                 <a:solidFill>
-                  <a:srgbClr val="9751CB"/>
+                  <a:schemeClr val="bg1"/>
                 </a:solidFill>
                 <a:latin typeface="Consolas" panose="020B0609020204030204" pitchFamily="49" charset="0"/>
               </a:rPr>
@@ -13942,6 +15124,9 @@
             </a:r>
             <a:r>
               <a:rPr lang="nb-NO" dirty="0">
+                <a:solidFill>
+                  <a:schemeClr val="bg1"/>
+                </a:solidFill>
                 <a:latin typeface="Consolas" panose="020B0609020204030204" pitchFamily="49" charset="0"/>
               </a:rPr>
               <a:t>(rundenummer):</a:t>
@@ -13960,7 +15145,7 @@
             <a:r>
               <a:rPr lang="nb-NO" dirty="0" err="1">
                 <a:solidFill>
-                  <a:srgbClr val="C44026"/>
+                  <a:schemeClr val="bg1"/>
                 </a:solidFill>
                 <a:latin typeface="Consolas" panose="020B0609020204030204" pitchFamily="49" charset="0"/>
               </a:rPr>
@@ -13980,57 +15165,6 @@
             <a:endParaRPr lang="nb-NO" dirty="0">
               <a:latin typeface="Consolas" panose="020B0609020204030204" pitchFamily="49" charset="0"/>
             </a:endParaRPr>
-          </a:p>
-          <a:p>
-            <a:pPr marL="0" indent="0">
-              <a:buNone/>
-            </a:pPr>
-            <a:r>
-              <a:rPr lang="nb-NO" dirty="0">
-                <a:latin typeface="Consolas" panose="020B0609020204030204" pitchFamily="49" charset="0"/>
-              </a:rPr>
-              <a:t>&gt;&gt;&gt; test = rundenummer % 2 == 0</a:t>
-            </a:r>
-          </a:p>
-          <a:p>
-            <a:pPr marL="0" indent="0">
-              <a:buNone/>
-            </a:pPr>
-            <a:r>
-              <a:rPr lang="nb-NO" dirty="0">
-                <a:latin typeface="Consolas" panose="020B0609020204030204" pitchFamily="49" charset="0"/>
-              </a:rPr>
-              <a:t>&gt;&gt;&gt; </a:t>
-            </a:r>
-            <a:r>
-              <a:rPr lang="nb-NO" dirty="0" err="1">
-                <a:latin typeface="Consolas" panose="020B0609020204030204" pitchFamily="49" charset="0"/>
-              </a:rPr>
-              <a:t>print</a:t>
-            </a:r>
-            <a:r>
-              <a:rPr lang="nb-NO" dirty="0">
-                <a:latin typeface="Consolas" panose="020B0609020204030204" pitchFamily="49" charset="0"/>
-              </a:rPr>
-              <a:t>(test)</a:t>
-            </a:r>
-          </a:p>
-          <a:p>
-            <a:pPr marL="0" indent="0">
-              <a:buNone/>
-            </a:pPr>
-            <a:r>
-              <a:rPr lang="nb-NO" dirty="0">
-                <a:solidFill>
-                  <a:schemeClr val="accent4">
-                    <a:lumMod val="60000"/>
-                    <a:lumOff val="40000"/>
-                  </a:schemeClr>
-                </a:solidFill>
-                <a:latin typeface="Consolas" panose="020B0609020204030204" pitchFamily="49" charset="0"/>
-              </a:rPr>
-              <a:t>True</a:t>
-            </a:r>
           </a:p>
           <a:p>
             <a:pPr marL="0" indent="0">
@@ -14132,7 +15266,7 @@
     </p:spTree>
     <p:extLst>
       <p:ext uri="{BB962C8B-B14F-4D97-AF65-F5344CB8AC3E}">
-        <p14:creationId xmlns:p14="http://schemas.microsoft.com/office/powerpoint/2010/main" val="436915314"/>
+        <p14:creationId xmlns:p14="http://schemas.microsoft.com/office/powerpoint/2010/main" val="59968565"/>
       </p:ext>
     </p:extLst>
   </p:cSld>
@@ -14724,12 +15858,716 @@
                                       </p:to>
                                     </p:set>
                                   </p:childTnLst>
+                                </p:cTn>
+                              </p:par>
+                            </p:childTnLst>
+                          </p:cTn>
+                        </p:par>
+                      </p:childTnLst>
+                    </p:cTn>
+                  </p:par>
+                  <p:par>
+                    <p:cTn id="7" fill="hold">
+                      <p:stCondLst>
+                        <p:cond delay="indefinite"/>
+                      </p:stCondLst>
+                      <p:childTnLst>
+                        <p:par>
+                          <p:cTn id="8" fill="hold">
+                            <p:stCondLst>
+                              <p:cond delay="0"/>
+                            </p:stCondLst>
+                            <p:childTnLst>
+                              <p:par>
+                                <p:cTn id="9" presetID="1" presetClass="entr" presetSubtype="0" fill="hold" nodeType="clickEffect">
+                                  <p:stCondLst>
+                                    <p:cond delay="0"/>
+                                  </p:stCondLst>
+                                  <p:childTnLst>
+                                    <p:set>
+                                      <p:cBhvr>
+                                        <p:cTn id="10" dur="1" fill="hold">
+                                          <p:stCondLst>
+                                            <p:cond delay="0"/>
+                                          </p:stCondLst>
+                                        </p:cTn>
+                                        <p:tgtEl>
+                                          <p:spTgt spid="3">
+                                            <p:txEl>
+                                              <p:pRg st="0" end="0"/>
+                                            </p:txEl>
+                                          </p:spTgt>
+                                        </p:tgtEl>
+                                        <p:attrNameLst>
+                                          <p:attrName>style.visibility</p:attrName>
+                                        </p:attrNameLst>
+                                      </p:cBhvr>
+                                      <p:to>
+                                        <p:strVal val="visible"/>
+                                      </p:to>
+                                    </p:set>
+                                  </p:childTnLst>
                                   <p:subTnLst>
                                     <p:animClr clrSpc="rgb" dir="cw">
                                       <p:cBhvr override="childStyle">
                                         <p:cTn dur="1" fill="hold" display="0" masterRel="nextClick" afterEffect="1"/>
                                         <p:tgtEl>
-                                          <p:spTgt spid="2"/>
+                                          <p:spTgt spid="3">
+                                            <p:txEl>
+                                              <p:pRg st="0" end="0"/>
+                                            </p:txEl>
+                                          </p:spTgt>
+                                        </p:tgtEl>
+                                        <p:attrNameLst>
+                                          <p:attrName>ppt_c</p:attrName>
+                                        </p:attrNameLst>
+                                      </p:cBhvr>
+                                      <p:to>
+                                        <a:schemeClr val="bg2"/>
+                                      </p:to>
+                                    </p:animClr>
+                                  </p:subTnLst>
+                                </p:cTn>
+                              </p:par>
+                            </p:childTnLst>
+                          </p:cTn>
+                        </p:par>
+                      </p:childTnLst>
+                    </p:cTn>
+                  </p:par>
+                  <p:par>
+                    <p:cTn id="11" fill="hold">
+                      <p:stCondLst>
+                        <p:cond delay="indefinite"/>
+                      </p:stCondLst>
+                      <p:childTnLst>
+                        <p:par>
+                          <p:cTn id="12" fill="hold">
+                            <p:stCondLst>
+                              <p:cond delay="0"/>
+                            </p:stCondLst>
+                            <p:childTnLst>
+                              <p:par>
+                                <p:cTn id="13" presetID="1" presetClass="entr" presetSubtype="0" fill="hold" nodeType="clickEffect">
+                                  <p:stCondLst>
+                                    <p:cond delay="0"/>
+                                  </p:stCondLst>
+                                  <p:childTnLst>
+                                    <p:set>
+                                      <p:cBhvr>
+                                        <p:cTn id="14" dur="1" fill="hold">
+                                          <p:stCondLst>
+                                            <p:cond delay="0"/>
+                                          </p:stCondLst>
+                                        </p:cTn>
+                                        <p:tgtEl>
+                                          <p:spTgt spid="3">
+                                            <p:txEl>
+                                              <p:pRg st="1" end="1"/>
+                                            </p:txEl>
+                                          </p:spTgt>
+                                        </p:tgtEl>
+                                        <p:attrNameLst>
+                                          <p:attrName>style.visibility</p:attrName>
+                                        </p:attrNameLst>
+                                      </p:cBhvr>
+                                      <p:to>
+                                        <p:strVal val="visible"/>
+                                      </p:to>
+                                    </p:set>
+                                  </p:childTnLst>
+                                  <p:subTnLst>
+                                    <p:animClr clrSpc="rgb" dir="cw">
+                                      <p:cBhvr override="childStyle">
+                                        <p:cTn dur="1" fill="hold" display="0" masterRel="nextClick" afterEffect="1"/>
+                                        <p:tgtEl>
+                                          <p:spTgt spid="3">
+                                            <p:txEl>
+                                              <p:pRg st="1" end="1"/>
+                                            </p:txEl>
+                                          </p:spTgt>
+                                        </p:tgtEl>
+                                        <p:attrNameLst>
+                                          <p:attrName>ppt_c</p:attrName>
+                                        </p:attrNameLst>
+                                      </p:cBhvr>
+                                      <p:to>
+                                        <a:schemeClr val="bg2"/>
+                                      </p:to>
+                                    </p:animClr>
+                                  </p:subTnLst>
+                                </p:cTn>
+                              </p:par>
+                              <p:par>
+                                <p:cTn id="15" presetID="1" presetClass="entr" presetSubtype="0" fill="hold" nodeType="withEffect">
+                                  <p:stCondLst>
+                                    <p:cond delay="0"/>
+                                  </p:stCondLst>
+                                  <p:childTnLst>
+                                    <p:set>
+                                      <p:cBhvr>
+                                        <p:cTn id="16" dur="1" fill="hold">
+                                          <p:stCondLst>
+                                            <p:cond delay="0"/>
+                                          </p:stCondLst>
+                                        </p:cTn>
+                                        <p:tgtEl>
+                                          <p:spTgt spid="3">
+                                            <p:txEl>
+                                              <p:pRg st="2" end="2"/>
+                                            </p:txEl>
+                                          </p:spTgt>
+                                        </p:tgtEl>
+                                        <p:attrNameLst>
+                                          <p:attrName>style.visibility</p:attrName>
+                                        </p:attrNameLst>
+                                      </p:cBhvr>
+                                      <p:to>
+                                        <p:strVal val="visible"/>
+                                      </p:to>
+                                    </p:set>
+                                  </p:childTnLst>
+                                  <p:subTnLst>
+                                    <p:animClr clrSpc="rgb" dir="cw">
+                                      <p:cBhvr override="childStyle">
+                                        <p:cTn dur="1" fill="hold" display="0" masterRel="nextClick" afterEffect="1"/>
+                                        <p:tgtEl>
+                                          <p:spTgt spid="3">
+                                            <p:txEl>
+                                              <p:pRg st="2" end="2"/>
+                                            </p:txEl>
+                                          </p:spTgt>
+                                        </p:tgtEl>
+                                        <p:attrNameLst>
+                                          <p:attrName>ppt_c</p:attrName>
+                                        </p:attrNameLst>
+                                      </p:cBhvr>
+                                      <p:to>
+                                        <a:schemeClr val="bg2"/>
+                                      </p:to>
+                                    </p:animClr>
+                                  </p:subTnLst>
+                                </p:cTn>
+                              </p:par>
+                              <p:par>
+                                <p:cTn id="17" presetID="1" presetClass="entr" presetSubtype="0" fill="hold" nodeType="withEffect">
+                                  <p:stCondLst>
+                                    <p:cond delay="0"/>
+                                  </p:stCondLst>
+                                  <p:childTnLst>
+                                    <p:set>
+                                      <p:cBhvr>
+                                        <p:cTn id="18" dur="1" fill="hold">
+                                          <p:stCondLst>
+                                            <p:cond delay="0"/>
+                                          </p:stCondLst>
+                                        </p:cTn>
+                                        <p:tgtEl>
+                                          <p:spTgt spid="3">
+                                            <p:txEl>
+                                              <p:pRg st="3" end="3"/>
+                                            </p:txEl>
+                                          </p:spTgt>
+                                        </p:tgtEl>
+                                        <p:attrNameLst>
+                                          <p:attrName>style.visibility</p:attrName>
+                                        </p:attrNameLst>
+                                      </p:cBhvr>
+                                      <p:to>
+                                        <p:strVal val="visible"/>
+                                      </p:to>
+                                    </p:set>
+                                  </p:childTnLst>
+                                  <p:subTnLst>
+                                    <p:animClr clrSpc="rgb" dir="cw">
+                                      <p:cBhvr override="childStyle">
+                                        <p:cTn dur="1" fill="hold" display="0" masterRel="nextClick" afterEffect="1"/>
+                                        <p:tgtEl>
+                                          <p:spTgt spid="3">
+                                            <p:txEl>
+                                              <p:pRg st="3" end="3"/>
+                                            </p:txEl>
+                                          </p:spTgt>
+                                        </p:tgtEl>
+                                        <p:attrNameLst>
+                                          <p:attrName>ppt_c</p:attrName>
+                                        </p:attrNameLst>
+                                      </p:cBhvr>
+                                      <p:to>
+                                        <a:schemeClr val="bg2"/>
+                                      </p:to>
+                                    </p:animClr>
+                                  </p:subTnLst>
+                                </p:cTn>
+                              </p:par>
+                            </p:childTnLst>
+                          </p:cTn>
+                        </p:par>
+                      </p:childTnLst>
+                    </p:cTn>
+                  </p:par>
+                  <p:par>
+                    <p:cTn id="19" fill="hold">
+                      <p:stCondLst>
+                        <p:cond delay="indefinite"/>
+                      </p:stCondLst>
+                      <p:childTnLst>
+                        <p:par>
+                          <p:cTn id="20" fill="hold">
+                            <p:stCondLst>
+                              <p:cond delay="0"/>
+                            </p:stCondLst>
+                            <p:childTnLst>
+                              <p:par>
+                                <p:cTn id="21" presetID="1" presetClass="entr" presetSubtype="0" fill="hold" nodeType="clickEffect">
+                                  <p:stCondLst>
+                                    <p:cond delay="0"/>
+                                  </p:stCondLst>
+                                  <p:childTnLst>
+                                    <p:set>
+                                      <p:cBhvr>
+                                        <p:cTn id="22" dur="1" fill="hold">
+                                          <p:stCondLst>
+                                            <p:cond delay="0"/>
+                                          </p:stCondLst>
+                                        </p:cTn>
+                                        <p:tgtEl>
+                                          <p:spTgt spid="3">
+                                            <p:txEl>
+                                              <p:pRg st="4" end="4"/>
+                                            </p:txEl>
+                                          </p:spTgt>
+                                        </p:tgtEl>
+                                        <p:attrNameLst>
+                                          <p:attrName>style.visibility</p:attrName>
+                                        </p:attrNameLst>
+                                      </p:cBhvr>
+                                      <p:to>
+                                        <p:strVal val="visible"/>
+                                      </p:to>
+                                    </p:set>
+                                  </p:childTnLst>
+                                  <p:subTnLst>
+                                    <p:animClr clrSpc="rgb" dir="cw">
+                                      <p:cBhvr override="childStyle">
+                                        <p:cTn dur="1" fill="hold" display="0" masterRel="nextClick" afterEffect="1"/>
+                                        <p:tgtEl>
+                                          <p:spTgt spid="3">
+                                            <p:txEl>
+                                              <p:pRg st="4" end="4"/>
+                                            </p:txEl>
+                                          </p:spTgt>
+                                        </p:tgtEl>
+                                        <p:attrNameLst>
+                                          <p:attrName>ppt_c</p:attrName>
+                                        </p:attrNameLst>
+                                      </p:cBhvr>
+                                      <p:to>
+                                        <a:schemeClr val="bg2"/>
+                                      </p:to>
+                                    </p:animClr>
+                                  </p:subTnLst>
+                                </p:cTn>
+                              </p:par>
+                            </p:childTnLst>
+                          </p:cTn>
+                        </p:par>
+                      </p:childTnLst>
+                    </p:cTn>
+                  </p:par>
+                  <p:par>
+                    <p:cTn id="23" fill="hold">
+                      <p:stCondLst>
+                        <p:cond delay="indefinite"/>
+                      </p:stCondLst>
+                      <p:childTnLst>
+                        <p:par>
+                          <p:cTn id="24" fill="hold">
+                            <p:stCondLst>
+                              <p:cond delay="0"/>
+                            </p:stCondLst>
+                            <p:childTnLst>
+                              <p:par>
+                                <p:cTn id="25" presetID="1" presetClass="entr" presetSubtype="0" fill="hold" nodeType="clickEffect">
+                                  <p:stCondLst>
+                                    <p:cond delay="0"/>
+                                  </p:stCondLst>
+                                  <p:childTnLst>
+                                    <p:set>
+                                      <p:cBhvr>
+                                        <p:cTn id="26" dur="1" fill="hold">
+                                          <p:stCondLst>
+                                            <p:cond delay="0"/>
+                                          </p:stCondLst>
+                                        </p:cTn>
+                                        <p:tgtEl>
+                                          <p:spTgt spid="3">
+                                            <p:txEl>
+                                              <p:pRg st="5" end="5"/>
+                                            </p:txEl>
+                                          </p:spTgt>
+                                        </p:tgtEl>
+                                        <p:attrNameLst>
+                                          <p:attrName>style.visibility</p:attrName>
+                                        </p:attrNameLst>
+                                      </p:cBhvr>
+                                      <p:to>
+                                        <p:strVal val="visible"/>
+                                      </p:to>
+                                    </p:set>
+                                  </p:childTnLst>
+                                  <p:subTnLst>
+                                    <p:animClr clrSpc="rgb" dir="cw">
+                                      <p:cBhvr override="childStyle">
+                                        <p:cTn dur="1" fill="hold" display="0" masterRel="nextClick" afterEffect="1"/>
+                                        <p:tgtEl>
+                                          <p:spTgt spid="3">
+                                            <p:txEl>
+                                              <p:pRg st="5" end="5"/>
+                                            </p:txEl>
+                                          </p:spTgt>
+                                        </p:tgtEl>
+                                        <p:attrNameLst>
+                                          <p:attrName>ppt_c</p:attrName>
+                                        </p:attrNameLst>
+                                      </p:cBhvr>
+                                      <p:to>
+                                        <a:schemeClr val="bg2"/>
+                                      </p:to>
+                                    </p:animClr>
+                                  </p:subTnLst>
+                                </p:cTn>
+                              </p:par>
+                              <p:par>
+                                <p:cTn id="27" presetID="1" presetClass="entr" presetSubtype="0" fill="hold" nodeType="withEffect">
+                                  <p:stCondLst>
+                                    <p:cond delay="0"/>
+                                  </p:stCondLst>
+                                  <p:childTnLst>
+                                    <p:set>
+                                      <p:cBhvr>
+                                        <p:cTn id="28" dur="1" fill="hold">
+                                          <p:stCondLst>
+                                            <p:cond delay="0"/>
+                                          </p:stCondLst>
+                                        </p:cTn>
+                                        <p:tgtEl>
+                                          <p:spTgt spid="3">
+                                            <p:txEl>
+                                              <p:pRg st="6" end="6"/>
+                                            </p:txEl>
+                                          </p:spTgt>
+                                        </p:tgtEl>
+                                        <p:attrNameLst>
+                                          <p:attrName>style.visibility</p:attrName>
+                                        </p:attrNameLst>
+                                      </p:cBhvr>
+                                      <p:to>
+                                        <p:strVal val="visible"/>
+                                      </p:to>
+                                    </p:set>
+                                  </p:childTnLst>
+                                  <p:subTnLst>
+                                    <p:animClr clrSpc="rgb" dir="cw">
+                                      <p:cBhvr override="childStyle">
+                                        <p:cTn dur="1" fill="hold" display="0" masterRel="nextClick" afterEffect="1"/>
+                                        <p:tgtEl>
+                                          <p:spTgt spid="3">
+                                            <p:txEl>
+                                              <p:pRg st="6" end="6"/>
+                                            </p:txEl>
+                                          </p:spTgt>
+                                        </p:tgtEl>
+                                        <p:attrNameLst>
+                                          <p:attrName>ppt_c</p:attrName>
+                                        </p:attrNameLst>
+                                      </p:cBhvr>
+                                      <p:to>
+                                        <a:schemeClr val="bg2"/>
+                                      </p:to>
+                                    </p:animClr>
+                                  </p:subTnLst>
+                                </p:cTn>
+                              </p:par>
+                              <p:par>
+                                <p:cTn id="29" presetID="1" presetClass="entr" presetSubtype="0" fill="hold" nodeType="withEffect">
+                                  <p:stCondLst>
+                                    <p:cond delay="0"/>
+                                  </p:stCondLst>
+                                  <p:childTnLst>
+                                    <p:set>
+                                      <p:cBhvr>
+                                        <p:cTn id="30" dur="1" fill="hold">
+                                          <p:stCondLst>
+                                            <p:cond delay="0"/>
+                                          </p:stCondLst>
+                                        </p:cTn>
+                                        <p:tgtEl>
+                                          <p:spTgt spid="3">
+                                            <p:txEl>
+                                              <p:pRg st="7" end="7"/>
+                                            </p:txEl>
+                                          </p:spTgt>
+                                        </p:tgtEl>
+                                        <p:attrNameLst>
+                                          <p:attrName>style.visibility</p:attrName>
+                                        </p:attrNameLst>
+                                      </p:cBhvr>
+                                      <p:to>
+                                        <p:strVal val="visible"/>
+                                      </p:to>
+                                    </p:set>
+                                  </p:childTnLst>
+                                  <p:subTnLst>
+                                    <p:animClr clrSpc="rgb" dir="cw">
+                                      <p:cBhvr override="childStyle">
+                                        <p:cTn dur="1" fill="hold" display="0" masterRel="nextClick" afterEffect="1"/>
+                                        <p:tgtEl>
+                                          <p:spTgt spid="3">
+                                            <p:txEl>
+                                              <p:pRg st="7" end="7"/>
+                                            </p:txEl>
+                                          </p:spTgt>
+                                        </p:tgtEl>
+                                        <p:attrNameLst>
+                                          <p:attrName>ppt_c</p:attrName>
+                                        </p:attrNameLst>
+                                      </p:cBhvr>
+                                      <p:to>
+                                        <a:schemeClr val="bg2"/>
+                                      </p:to>
+                                    </p:animClr>
+                                  </p:subTnLst>
+                                </p:cTn>
+                              </p:par>
+                            </p:childTnLst>
+                          </p:cTn>
+                        </p:par>
+                      </p:childTnLst>
+                    </p:cTn>
+                  </p:par>
+                  <p:par>
+                    <p:cTn id="31" fill="hold">
+                      <p:stCondLst>
+                        <p:cond delay="indefinite"/>
+                      </p:stCondLst>
+                      <p:childTnLst>
+                        <p:par>
+                          <p:cTn id="32" fill="hold">
+                            <p:stCondLst>
+                              <p:cond delay="0"/>
+                            </p:stCondLst>
+                            <p:childTnLst>
+                              <p:par>
+                                <p:cTn id="33" presetID="1" presetClass="entr" presetSubtype="0" fill="hold" nodeType="clickEffect">
+                                  <p:stCondLst>
+                                    <p:cond delay="0"/>
+                                  </p:stCondLst>
+                                  <p:childTnLst>
+                                    <p:set>
+                                      <p:cBhvr>
+                                        <p:cTn id="34" dur="1" fill="hold">
+                                          <p:stCondLst>
+                                            <p:cond delay="0"/>
+                                          </p:stCondLst>
+                                        </p:cTn>
+                                        <p:tgtEl>
+                                          <p:spTgt spid="3">
+                                            <p:txEl>
+                                              <p:pRg st="8" end="8"/>
+                                            </p:txEl>
+                                          </p:spTgt>
+                                        </p:tgtEl>
+                                        <p:attrNameLst>
+                                          <p:attrName>style.visibility</p:attrName>
+                                        </p:attrNameLst>
+                                      </p:cBhvr>
+                                      <p:to>
+                                        <p:strVal val="visible"/>
+                                      </p:to>
+                                    </p:set>
+                                  </p:childTnLst>
+                                  <p:subTnLst>
+                                    <p:animClr clrSpc="rgb" dir="cw">
+                                      <p:cBhvr override="childStyle">
+                                        <p:cTn dur="1" fill="hold" display="0" masterRel="nextClick" afterEffect="1"/>
+                                        <p:tgtEl>
+                                          <p:spTgt spid="3">
+                                            <p:txEl>
+                                              <p:pRg st="8" end="8"/>
+                                            </p:txEl>
+                                          </p:spTgt>
+                                        </p:tgtEl>
+                                        <p:attrNameLst>
+                                          <p:attrName>ppt_c</p:attrName>
+                                        </p:attrNameLst>
+                                      </p:cBhvr>
+                                      <p:to>
+                                        <a:schemeClr val="bg2"/>
+                                      </p:to>
+                                    </p:animClr>
+                                  </p:subTnLst>
+                                </p:cTn>
+                              </p:par>
+                              <p:par>
+                                <p:cTn id="35" presetID="1" presetClass="entr" presetSubtype="0" fill="hold" nodeType="withEffect">
+                                  <p:stCondLst>
+                                    <p:cond delay="0"/>
+                                  </p:stCondLst>
+                                  <p:childTnLst>
+                                    <p:set>
+                                      <p:cBhvr>
+                                        <p:cTn id="36" dur="1" fill="hold">
+                                          <p:stCondLst>
+                                            <p:cond delay="0"/>
+                                          </p:stCondLst>
+                                        </p:cTn>
+                                        <p:tgtEl>
+                                          <p:spTgt spid="3">
+                                            <p:txEl>
+                                              <p:pRg st="9" end="9"/>
+                                            </p:txEl>
+                                          </p:spTgt>
+                                        </p:tgtEl>
+                                        <p:attrNameLst>
+                                          <p:attrName>style.visibility</p:attrName>
+                                        </p:attrNameLst>
+                                      </p:cBhvr>
+                                      <p:to>
+                                        <p:strVal val="visible"/>
+                                      </p:to>
+                                    </p:set>
+                                  </p:childTnLst>
+                                  <p:subTnLst>
+                                    <p:animClr clrSpc="rgb" dir="cw">
+                                      <p:cBhvr override="childStyle">
+                                        <p:cTn dur="1" fill="hold" display="0" masterRel="nextClick" afterEffect="1"/>
+                                        <p:tgtEl>
+                                          <p:spTgt spid="3">
+                                            <p:txEl>
+                                              <p:pRg st="9" end="9"/>
+                                            </p:txEl>
+                                          </p:spTgt>
+                                        </p:tgtEl>
+                                        <p:attrNameLst>
+                                          <p:attrName>ppt_c</p:attrName>
+                                        </p:attrNameLst>
+                                      </p:cBhvr>
+                                      <p:to>
+                                        <a:schemeClr val="bg2"/>
+                                      </p:to>
+                                    </p:animClr>
+                                  </p:subTnLst>
+                                </p:cTn>
+                              </p:par>
+                              <p:par>
+                                <p:cTn id="37" presetID="1" presetClass="entr" presetSubtype="0" fill="hold" nodeType="withEffect">
+                                  <p:stCondLst>
+                                    <p:cond delay="0"/>
+                                  </p:stCondLst>
+                                  <p:childTnLst>
+                                    <p:set>
+                                      <p:cBhvr>
+                                        <p:cTn id="38" dur="1" fill="hold">
+                                          <p:stCondLst>
+                                            <p:cond delay="0"/>
+                                          </p:stCondLst>
+                                        </p:cTn>
+                                        <p:tgtEl>
+                                          <p:spTgt spid="3">
+                                            <p:txEl>
+                                              <p:pRg st="10" end="10"/>
+                                            </p:txEl>
+                                          </p:spTgt>
+                                        </p:tgtEl>
+                                        <p:attrNameLst>
+                                          <p:attrName>style.visibility</p:attrName>
+                                        </p:attrNameLst>
+                                      </p:cBhvr>
+                                      <p:to>
+                                        <p:strVal val="visible"/>
+                                      </p:to>
+                                    </p:set>
+                                  </p:childTnLst>
+                                  <p:subTnLst>
+                                    <p:animClr clrSpc="rgb" dir="cw">
+                                      <p:cBhvr override="childStyle">
+                                        <p:cTn dur="1" fill="hold" display="0" masterRel="nextClick" afterEffect="1"/>
+                                        <p:tgtEl>
+                                          <p:spTgt spid="3">
+                                            <p:txEl>
+                                              <p:pRg st="10" end="10"/>
+                                            </p:txEl>
+                                          </p:spTgt>
+                                        </p:tgtEl>
+                                        <p:attrNameLst>
+                                          <p:attrName>ppt_c</p:attrName>
+                                        </p:attrNameLst>
+                                      </p:cBhvr>
+                                      <p:to>
+                                        <a:schemeClr val="bg2"/>
+                                      </p:to>
+                                    </p:animClr>
+                                  </p:subTnLst>
+                                </p:cTn>
+                              </p:par>
+                            </p:childTnLst>
+                          </p:cTn>
+                        </p:par>
+                      </p:childTnLst>
+                    </p:cTn>
+                  </p:par>
+                  <p:par>
+                    <p:cTn id="39" fill="hold">
+                      <p:stCondLst>
+                        <p:cond delay="indefinite"/>
+                      </p:stCondLst>
+                      <p:childTnLst>
+                        <p:par>
+                          <p:cTn id="40" fill="hold">
+                            <p:stCondLst>
+                              <p:cond delay="0"/>
+                            </p:stCondLst>
+                            <p:childTnLst>
+                              <p:par>
+                                <p:cTn id="41" presetID="1" presetClass="entr" presetSubtype="0" fill="hold" nodeType="clickEffect">
+                                  <p:stCondLst>
+                                    <p:cond delay="0"/>
+                                  </p:stCondLst>
+                                  <p:childTnLst>
+                                    <p:set>
+                                      <p:cBhvr>
+                                        <p:cTn id="42" dur="1" fill="hold">
+                                          <p:stCondLst>
+                                            <p:cond delay="0"/>
+                                          </p:stCondLst>
+                                        </p:cTn>
+                                        <p:tgtEl>
+                                          <p:spTgt spid="3">
+                                            <p:txEl>
+                                              <p:pRg st="11" end="11"/>
+                                            </p:txEl>
+                                          </p:spTgt>
+                                        </p:tgtEl>
+                                        <p:attrNameLst>
+                                          <p:attrName>style.visibility</p:attrName>
+                                        </p:attrNameLst>
+                                      </p:cBhvr>
+                                      <p:to>
+                                        <p:strVal val="visible"/>
+                                      </p:to>
+                                    </p:set>
+                                  </p:childTnLst>
+                                  <p:subTnLst>
+                                    <p:animClr clrSpc="rgb" dir="cw">
+                                      <p:cBhvr override="childStyle">
+                                        <p:cTn dur="1" fill="hold" display="0" masterRel="nextClick" afterEffect="1"/>
+                                        <p:tgtEl>
+                                          <p:spTgt spid="3">
+                                            <p:txEl>
+                                              <p:pRg st="11" end="11"/>
+                                            </p:txEl>
+                                          </p:spTgt>
                                         </p:tgtEl>
                                         <p:attrNameLst>
                                           <p:attrName>ppt_c</p:attrName>
@@ -15817,17 +17655,6 @@
           </a:bodyPr>
           <a:lstStyle/>
           <a:p>
-            <a:pPr marL="0" indent="0">
-              <a:buNone/>
-            </a:pPr>
-            <a:r>
-              <a:rPr lang="nb-NO" dirty="0">
-                <a:latin typeface="Consolas" panose="020B0609020204030204" pitchFamily="49" charset="0"/>
-              </a:rPr>
-              <a:t>Eksempel</a:t>
-            </a:r>
-          </a:p>
-          <a:p>
             <a:endParaRPr lang="nb-NO" dirty="0"/>
           </a:p>
           <a:p>
@@ -15886,156 +17713,12 @@
           </a:p>
         </p:txBody>
       </p:sp>
-    </p:spTree>
-    <p:extLst>
-      <p:ext uri="{BB962C8B-B14F-4D97-AF65-F5344CB8AC3E}">
-        <p14:creationId xmlns:p14="http://schemas.microsoft.com/office/powerpoint/2010/main" val="3918470979"/>
-      </p:ext>
-    </p:extLst>
-  </p:cSld>
-  <p:clrMapOvr>
-    <a:masterClrMapping/>
-  </p:clrMapOvr>
-</p:sld>
-</file>
-
-<file path=ppt/slides/slide9.xml><?xml version="1.0" encoding="utf-8"?>
-<p:sld xmlns:a="http://schemas.openxmlformats.org/drawingml/2006/main" xmlns:r="http://schemas.openxmlformats.org/officeDocument/2006/relationships" xmlns:p="http://schemas.openxmlformats.org/presentationml/2006/main">
-  <p:cSld>
-    <p:spTree>
-      <p:nvGrpSpPr>
-        <p:cNvPr id="1" name=""/>
-        <p:cNvGrpSpPr/>
-        <p:nvPr/>
-      </p:nvGrpSpPr>
-      <p:grpSpPr>
-        <a:xfrm>
-          <a:off x="0" y="0"/>
-          <a:ext cx="0" cy="0"/>
-          <a:chOff x="0" y="0"/>
-          <a:chExt cx="0" cy="0"/>
-        </a:xfrm>
-      </p:grpSpPr>
-      <p:sp>
-        <p:nvSpPr>
-          <p:cNvPr id="2" name="Tittel 1">
+      <p:pic>
+        <p:nvPicPr>
+          <p:cNvPr id="4" name="Picture 8">
             <a:extLst>
               <a:ext uri="{FF2B5EF4-FFF2-40B4-BE49-F238E27FC236}">
-                <a16:creationId xmlns:a16="http://schemas.microsoft.com/office/drawing/2014/main" id="{C3E6477F-AED9-484F-9621-C53F564119B4}"/>
-              </a:ext>
-            </a:extLst>
-          </p:cNvPr>
-          <p:cNvSpPr>
-            <a:spLocks noGrp="1"/>
-          </p:cNvSpPr>
-          <p:nvPr>
-            <p:ph type="title"/>
-          </p:nvPr>
-        </p:nvSpPr>
-        <p:spPr/>
-        <p:txBody>
-          <a:bodyPr/>
-          <a:lstStyle/>
-          <a:p>
-            <a:r>
-              <a:rPr lang="nb-NO" dirty="0"/>
-              <a:t>Flytdiagram</a:t>
-            </a:r>
-          </a:p>
-        </p:txBody>
-      </p:sp>
-      <p:sp>
-        <p:nvSpPr>
-          <p:cNvPr id="3" name="Plassholder for innhold 2">
-            <a:extLst>
-              <a:ext uri="{FF2B5EF4-FFF2-40B4-BE49-F238E27FC236}">
-                <a16:creationId xmlns:a16="http://schemas.microsoft.com/office/drawing/2014/main" id="{18166937-65B3-4DC8-BB43-63584E0D60E0}"/>
-              </a:ext>
-            </a:extLst>
-          </p:cNvPr>
-          <p:cNvSpPr>
-            <a:spLocks noGrp="1"/>
-          </p:cNvSpPr>
-          <p:nvPr>
-            <p:ph idx="4294967295"/>
-          </p:nvPr>
-        </p:nvSpPr>
-        <p:spPr>
-          <a:xfrm>
-            <a:off x="838200" y="1572705"/>
-            <a:ext cx="11130280" cy="4920169"/>
-          </a:xfrm>
-        </p:spPr>
-        <p:txBody>
-          <a:bodyPr>
-            <a:normAutofit/>
-          </a:bodyPr>
-          <a:lstStyle/>
-          <a:p>
-            <a:endParaRPr lang="nb-NO" dirty="0"/>
-          </a:p>
-          <a:p>
-            <a:pPr lvl="1"/>
-            <a:endParaRPr lang="nb-NO" dirty="0"/>
-          </a:p>
-          <a:p>
-            <a:pPr lvl="1"/>
-            <a:endParaRPr lang="nb-NO" dirty="0"/>
-          </a:p>
-          <a:p>
-            <a:pPr lvl="1"/>
-            <a:endParaRPr lang="nb-NO" dirty="0"/>
-          </a:p>
-        </p:txBody>
-      </p:sp>
-      <p:sp>
-        <p:nvSpPr>
-          <p:cNvPr id="5" name="Footer Placeholder 4">
-            <a:extLst>
-              <a:ext uri="{FF2B5EF4-FFF2-40B4-BE49-F238E27FC236}">
-                <a16:creationId xmlns:a16="http://schemas.microsoft.com/office/drawing/2014/main" id="{767B00C4-1DF5-40AA-B029-F4C3630E7C6A}"/>
-              </a:ext>
-            </a:extLst>
-          </p:cNvPr>
-          <p:cNvSpPr>
-            <a:spLocks noGrp="1"/>
-          </p:cNvSpPr>
-          <p:nvPr>
-            <p:ph type="ftr" sz="quarter" idx="11"/>
-          </p:nvPr>
-        </p:nvSpPr>
-        <p:spPr>
-          <a:xfrm>
-            <a:off x="6937075" y="6310312"/>
-            <a:ext cx="4114800" cy="365125"/>
-          </a:xfrm>
-        </p:spPr>
-        <p:txBody>
-          <a:bodyPr/>
-          <a:lstStyle/>
-          <a:p>
-            <a:pPr>
-              <a:spcAft>
-                <a:spcPts val="600"/>
-              </a:spcAft>
-            </a:pPr>
-            <a:r>
-              <a:rPr lang="nb-NO" dirty="0">
-                <a:solidFill>
-                  <a:schemeClr val="tx1"/>
-                </a:solidFill>
-              </a:rPr>
-              <a:t>Henrik Njølstad &amp; André Martiny</a:t>
-            </a:r>
-          </a:p>
-        </p:txBody>
-      </p:sp>
-      <p:pic>
-        <p:nvPicPr>
-          <p:cNvPr id="1032" name="Picture 8">
-            <a:extLst>
-              <a:ext uri="{FF2B5EF4-FFF2-40B4-BE49-F238E27FC236}">
-                <a16:creationId xmlns:a16="http://schemas.microsoft.com/office/drawing/2014/main" id="{0FB1949E-CB87-44AD-B2AF-37A797B6240B}"/>
+                <a16:creationId xmlns:a16="http://schemas.microsoft.com/office/drawing/2014/main" id="{27364815-0529-4467-A4E0-9A0BBE96B931}"/>
               </a:ext>
             </a:extLst>
           </p:cNvPr>
@@ -16059,55 +17742,8 @@
         </p:blipFill>
         <p:spPr bwMode="auto">
           <a:xfrm>
-            <a:off x="6574790" y="1433512"/>
-            <a:ext cx="3390900" cy="4876800"/>
-          </a:xfrm>
-          <a:prstGeom prst="rect">
-            <a:avLst/>
-          </a:prstGeom>
-          <a:noFill/>
-          <a:extLst>
-            <a:ext uri="{909E8E84-426E-40DD-AFC4-6F175D3DCCD1}">
-              <a14:hiddenFill xmlns:a14="http://schemas.microsoft.com/office/drawing/2010/main">
-                <a:solidFill>
-                  <a:srgbClr val="FFFFFF"/>
-                </a:solidFill>
-              </a14:hiddenFill>
-            </a:ext>
-          </a:extLst>
-        </p:spPr>
-      </p:pic>
-      <p:pic>
-        <p:nvPicPr>
-          <p:cNvPr id="1034" name="Picture 10">
-            <a:extLst>
-              <a:ext uri="{FF2B5EF4-FFF2-40B4-BE49-F238E27FC236}">
-                <a16:creationId xmlns:a16="http://schemas.microsoft.com/office/drawing/2014/main" id="{BF98F9A7-C1AC-44FA-ADC5-DE669DFF785F}"/>
-              </a:ext>
-            </a:extLst>
-          </p:cNvPr>
-          <p:cNvPicPr>
-            <a:picLocks noChangeAspect="1" noChangeArrowheads="1"/>
-          </p:cNvPicPr>
-          <p:nvPr/>
-        </p:nvPicPr>
-        <p:blipFill>
-          <a:blip r:embed="rId4">
-            <a:extLst>
-              <a:ext uri="{28A0092B-C50C-407E-A947-70E740481C1C}">
-                <a14:useLocalDpi xmlns:a14="http://schemas.microsoft.com/office/drawing/2010/main" val="0"/>
-              </a:ext>
-            </a:extLst>
-          </a:blip>
-          <a:srcRect/>
-          <a:stretch>
-            <a:fillRect/>
-          </a:stretch>
-        </p:blipFill>
-        <p:spPr bwMode="auto">
-          <a:xfrm>
-            <a:off x="2226311" y="1433512"/>
-            <a:ext cx="3390900" cy="4867275"/>
+            <a:off x="3402365" y="1390142"/>
+            <a:ext cx="6001950" cy="4467249"/>
           </a:xfrm>
           <a:prstGeom prst="rect">
             <a:avLst/>
@@ -16146,6 +17782,9 @@
                     <p:cTn id="3" fill="hold">
                       <p:stCondLst>
                         <p:cond delay="indefinite"/>
+                        <p:cond evt="onBegin" delay="0">
+                          <p:tn val="2"/>
+                        </p:cond>
                       </p:stCondLst>
                       <p:childTnLst>
                         <p:par>
@@ -16155,7 +17794,7 @@
                             </p:stCondLst>
                             <p:childTnLst>
                               <p:par>
-                                <p:cTn id="5" presetID="1" presetClass="entr" presetSubtype="0" fill="hold" nodeType="clickEffect">
+                                <p:cTn id="5" presetID="1" presetClass="entr" presetSubtype="0" fill="hold" grpId="0" nodeType="withEffect">
                                   <p:stCondLst>
                                     <p:cond delay="0"/>
                                   </p:stCondLst>
@@ -16168,7 +17807,7 @@
                                           </p:stCondLst>
                                         </p:cTn>
                                         <p:tgtEl>
-                                          <p:spTgt spid="1034"/>
+                                          <p:spTgt spid="2"/>
                                         </p:tgtEl>
                                         <p:attrNameLst>
                                           <p:attrName>style.visibility</p:attrName>
@@ -16213,7 +17852,7 @@
                                           </p:stCondLst>
                                         </p:cTn>
                                         <p:tgtEl>
-                                          <p:spTgt spid="1032"/>
+                                          <p:spTgt spid="4"/>
                                         </p:tgtEl>
                                         <p:attrNameLst>
                                           <p:attrName>style.visibility</p:attrName>
@@ -16253,6 +17892,402 @@
         </p:cTn>
       </p:par>
     </p:tnLst>
+    <p:bldLst>
+      <p:bldP spid="2" grpId="0"/>
+    </p:bldLst>
+  </p:timing>
+</p:sld>
+</file>
+
+<file path=ppt/slides/slide9.xml><?xml version="1.0" encoding="utf-8"?>
+<p:sld xmlns:a="http://schemas.openxmlformats.org/drawingml/2006/main" xmlns:r="http://schemas.openxmlformats.org/officeDocument/2006/relationships" xmlns:p="http://schemas.openxmlformats.org/presentationml/2006/main">
+  <p:cSld>
+    <p:spTree>
+      <p:nvGrpSpPr>
+        <p:cNvPr id="1" name=""/>
+        <p:cNvGrpSpPr/>
+        <p:nvPr/>
+      </p:nvGrpSpPr>
+      <p:grpSpPr>
+        <a:xfrm>
+          <a:off x="0" y="0"/>
+          <a:ext cx="0" cy="0"/>
+          <a:chOff x="0" y="0"/>
+          <a:chExt cx="0" cy="0"/>
+        </a:xfrm>
+      </p:grpSpPr>
+      <p:sp>
+        <p:nvSpPr>
+          <p:cNvPr id="3" name="Plassholder for innhold 2">
+            <a:extLst>
+              <a:ext uri="{FF2B5EF4-FFF2-40B4-BE49-F238E27FC236}">
+                <a16:creationId xmlns:a16="http://schemas.microsoft.com/office/drawing/2014/main" id="{18166937-65B3-4DC8-BB43-63584E0D60E0}"/>
+              </a:ext>
+            </a:extLst>
+          </p:cNvPr>
+          <p:cNvSpPr>
+            <a:spLocks noGrp="1"/>
+          </p:cNvSpPr>
+          <p:nvPr>
+            <p:ph idx="4294967295"/>
+          </p:nvPr>
+        </p:nvSpPr>
+        <p:spPr>
+          <a:xfrm>
+            <a:off x="838200" y="1572705"/>
+            <a:ext cx="11130280" cy="4920169"/>
+          </a:xfrm>
+        </p:spPr>
+        <p:txBody>
+          <a:bodyPr>
+            <a:normAutofit/>
+          </a:bodyPr>
+          <a:lstStyle/>
+          <a:p>
+            <a:endParaRPr lang="nb-NO" dirty="0"/>
+          </a:p>
+          <a:p>
+            <a:pPr lvl="1"/>
+            <a:endParaRPr lang="nb-NO" dirty="0"/>
+          </a:p>
+          <a:p>
+            <a:pPr lvl="1"/>
+            <a:endParaRPr lang="nb-NO" dirty="0"/>
+          </a:p>
+          <a:p>
+            <a:pPr lvl="1"/>
+            <a:endParaRPr lang="nb-NO" dirty="0"/>
+          </a:p>
+        </p:txBody>
+      </p:sp>
+      <p:pic>
+        <p:nvPicPr>
+          <p:cNvPr id="1030" name="Picture 6">
+            <a:extLst>
+              <a:ext uri="{FF2B5EF4-FFF2-40B4-BE49-F238E27FC236}">
+                <a16:creationId xmlns:a16="http://schemas.microsoft.com/office/drawing/2014/main" id="{E6AACAFB-24DA-4B3A-8C40-DC7B1A4E00E8}"/>
+              </a:ext>
+            </a:extLst>
+          </p:cNvPr>
+          <p:cNvPicPr>
+            <a:picLocks noChangeAspect="1" noChangeArrowheads="1"/>
+          </p:cNvPicPr>
+          <p:nvPr/>
+        </p:nvPicPr>
+        <p:blipFill>
+          <a:blip r:embed="rId3">
+            <a:alphaModFix/>
+            <a:extLst>
+              <a:ext uri="{28A0092B-C50C-407E-A947-70E740481C1C}">
+                <a14:useLocalDpi xmlns:a14="http://schemas.microsoft.com/office/drawing/2010/main" val="0"/>
+              </a:ext>
+            </a:extLst>
+          </a:blip>
+          <a:srcRect/>
+          <a:stretch>
+            <a:fillRect/>
+          </a:stretch>
+        </p:blipFill>
+        <p:spPr bwMode="auto">
+          <a:xfrm>
+            <a:off x="5005169" y="892174"/>
+            <a:ext cx="3657600" cy="5600700"/>
+          </a:xfrm>
+          <a:prstGeom prst="rect">
+            <a:avLst/>
+          </a:prstGeom>
+          <a:noFill/>
+          <a:extLst>
+            <a:ext uri="{909E8E84-426E-40DD-AFC4-6F175D3DCCD1}">
+              <a14:hiddenFill xmlns:a14="http://schemas.microsoft.com/office/drawing/2010/main">
+                <a:solidFill>
+                  <a:srgbClr val="FFFFFF"/>
+                </a:solidFill>
+              </a14:hiddenFill>
+            </a:ext>
+          </a:extLst>
+        </p:spPr>
+      </p:pic>
+      <p:pic>
+        <p:nvPicPr>
+          <p:cNvPr id="1028" name="Picture 4">
+            <a:extLst>
+              <a:ext uri="{FF2B5EF4-FFF2-40B4-BE49-F238E27FC236}">
+                <a16:creationId xmlns:a16="http://schemas.microsoft.com/office/drawing/2014/main" id="{37BA4304-C955-4AE7-82DB-9AD066C9CEE4}"/>
+              </a:ext>
+            </a:extLst>
+          </p:cNvPr>
+          <p:cNvPicPr>
+            <a:picLocks noChangeAspect="1" noChangeArrowheads="1"/>
+          </p:cNvPicPr>
+          <p:nvPr/>
+        </p:nvPicPr>
+        <p:blipFill>
+          <a:blip r:embed="rId4">
+            <a:alphaModFix/>
+            <a:extLst>
+              <a:ext uri="{28A0092B-C50C-407E-A947-70E740481C1C}">
+                <a14:useLocalDpi xmlns:a14="http://schemas.microsoft.com/office/drawing/2010/main" val="0"/>
+              </a:ext>
+            </a:extLst>
+          </a:blip>
+          <a:srcRect/>
+          <a:stretch>
+            <a:fillRect/>
+          </a:stretch>
+        </p:blipFill>
+        <p:spPr bwMode="auto">
+          <a:xfrm>
+            <a:off x="3634302" y="473074"/>
+            <a:ext cx="5324475" cy="6019800"/>
+          </a:xfrm>
+          <a:prstGeom prst="rect">
+            <a:avLst/>
+          </a:prstGeom>
+          <a:noFill/>
+          <a:extLst>
+            <a:ext uri="{909E8E84-426E-40DD-AFC4-6F175D3DCCD1}">
+              <a14:hiddenFill xmlns:a14="http://schemas.microsoft.com/office/drawing/2010/main">
+                <a:solidFill>
+                  <a:srgbClr val="FFFFFF"/>
+                </a:solidFill>
+              </a14:hiddenFill>
+            </a:ext>
+          </a:extLst>
+        </p:spPr>
+      </p:pic>
+      <p:sp>
+        <p:nvSpPr>
+          <p:cNvPr id="2" name="Tittel 1">
+            <a:extLst>
+              <a:ext uri="{FF2B5EF4-FFF2-40B4-BE49-F238E27FC236}">
+                <a16:creationId xmlns:a16="http://schemas.microsoft.com/office/drawing/2014/main" id="{C3E6477F-AED9-484F-9621-C53F564119B4}"/>
+              </a:ext>
+            </a:extLst>
+          </p:cNvPr>
+          <p:cNvSpPr>
+            <a:spLocks noGrp="1"/>
+          </p:cNvSpPr>
+          <p:nvPr>
+            <p:ph type="title"/>
+          </p:nvPr>
+        </p:nvSpPr>
+        <p:spPr/>
+        <p:txBody>
+          <a:bodyPr/>
+          <a:lstStyle/>
+          <a:p>
+            <a:r>
+              <a:rPr lang="nb-NO" dirty="0"/>
+              <a:t>Flytdiagram</a:t>
+            </a:r>
+          </a:p>
+        </p:txBody>
+      </p:sp>
+      <p:sp>
+        <p:nvSpPr>
+          <p:cNvPr id="5" name="Footer Placeholder 4">
+            <a:extLst>
+              <a:ext uri="{FF2B5EF4-FFF2-40B4-BE49-F238E27FC236}">
+                <a16:creationId xmlns:a16="http://schemas.microsoft.com/office/drawing/2014/main" id="{767B00C4-1DF5-40AA-B029-F4C3630E7C6A}"/>
+              </a:ext>
+            </a:extLst>
+          </p:cNvPr>
+          <p:cNvSpPr>
+            <a:spLocks noGrp="1"/>
+          </p:cNvSpPr>
+          <p:nvPr>
+            <p:ph type="ftr" sz="quarter" idx="11"/>
+          </p:nvPr>
+        </p:nvSpPr>
+        <p:spPr>
+          <a:xfrm>
+            <a:off x="6937075" y="6310312"/>
+            <a:ext cx="4114800" cy="365125"/>
+          </a:xfrm>
+        </p:spPr>
+        <p:txBody>
+          <a:bodyPr/>
+          <a:lstStyle/>
+          <a:p>
+            <a:pPr>
+              <a:spcAft>
+                <a:spcPts val="600"/>
+              </a:spcAft>
+            </a:pPr>
+            <a:r>
+              <a:rPr lang="nb-NO" dirty="0">
+                <a:solidFill>
+                  <a:schemeClr val="tx1"/>
+                </a:solidFill>
+              </a:rPr>
+              <a:t>Henrik Njølstad &amp; André Martiny</a:t>
+            </a:r>
+          </a:p>
+        </p:txBody>
+      </p:sp>
+    </p:spTree>
+    <p:extLst>
+      <p:ext uri="{BB962C8B-B14F-4D97-AF65-F5344CB8AC3E}">
+        <p14:creationId xmlns:p14="http://schemas.microsoft.com/office/powerpoint/2010/main" val="3780945416"/>
+      </p:ext>
+    </p:extLst>
+  </p:cSld>
+  <p:clrMapOvr>
+    <a:masterClrMapping/>
+  </p:clrMapOvr>
+  <p:timing>
+    <p:tnLst>
+      <p:par>
+        <p:cTn id="1" dur="indefinite" restart="never" nodeType="tmRoot">
+          <p:childTnLst>
+            <p:seq concurrent="1" nextAc="seek">
+              <p:cTn id="2" dur="indefinite" nodeType="mainSeq">
+                <p:childTnLst>
+                  <p:par>
+                    <p:cTn id="3" fill="hold">
+                      <p:stCondLst>
+                        <p:cond delay="indefinite"/>
+                        <p:cond evt="onBegin" delay="0">
+                          <p:tn val="2"/>
+                        </p:cond>
+                      </p:stCondLst>
+                      <p:childTnLst>
+                        <p:par>
+                          <p:cTn id="4" fill="hold">
+                            <p:stCondLst>
+                              <p:cond delay="0"/>
+                            </p:stCondLst>
+                            <p:childTnLst>
+                              <p:par>
+                                <p:cTn id="5" presetID="1" presetClass="entr" presetSubtype="0" fill="hold" grpId="0" nodeType="withEffect">
+                                  <p:stCondLst>
+                                    <p:cond delay="0"/>
+                                  </p:stCondLst>
+                                  <p:childTnLst>
+                                    <p:set>
+                                      <p:cBhvr>
+                                        <p:cTn id="6" dur="1" fill="hold">
+                                          <p:stCondLst>
+                                            <p:cond delay="0"/>
+                                          </p:stCondLst>
+                                        </p:cTn>
+                                        <p:tgtEl>
+                                          <p:spTgt spid="2"/>
+                                        </p:tgtEl>
+                                        <p:attrNameLst>
+                                          <p:attrName>style.visibility</p:attrName>
+                                        </p:attrNameLst>
+                                      </p:cBhvr>
+                                      <p:to>
+                                        <p:strVal val="visible"/>
+                                      </p:to>
+                                    </p:set>
+                                  </p:childTnLst>
+                                </p:cTn>
+                              </p:par>
+                              <p:par>
+                                <p:cTn id="7" presetID="1" presetClass="entr" presetSubtype="0" fill="hold" nodeType="withEffect">
+                                  <p:stCondLst>
+                                    <p:cond delay="0"/>
+                                  </p:stCondLst>
+                                  <p:childTnLst>
+                                    <p:set>
+                                      <p:cBhvr>
+                                        <p:cTn id="8" dur="1" fill="hold">
+                                          <p:stCondLst>
+                                            <p:cond delay="0"/>
+                                          </p:stCondLst>
+                                        </p:cTn>
+                                        <p:tgtEl>
+                                          <p:spTgt spid="1030"/>
+                                        </p:tgtEl>
+                                        <p:attrNameLst>
+                                          <p:attrName>style.visibility</p:attrName>
+                                        </p:attrNameLst>
+                                      </p:cBhvr>
+                                      <p:to>
+                                        <p:strVal val="visible"/>
+                                      </p:to>
+                                    </p:set>
+                                  </p:childTnLst>
+                                </p:cTn>
+                              </p:par>
+                            </p:childTnLst>
+                          </p:cTn>
+                        </p:par>
+                      </p:childTnLst>
+                    </p:cTn>
+                  </p:par>
+                  <p:par>
+                    <p:cTn id="9" fill="hold">
+                      <p:stCondLst>
+                        <p:cond delay="indefinite"/>
+                      </p:stCondLst>
+                      <p:childTnLst>
+                        <p:par>
+                          <p:cTn id="10" fill="hold">
+                            <p:stCondLst>
+                              <p:cond delay="0"/>
+                            </p:stCondLst>
+                            <p:childTnLst>
+                              <p:par>
+                                <p:cTn id="11" presetID="1" presetClass="entr" presetSubtype="0" fill="hold" nodeType="clickEffect">
+                                  <p:stCondLst>
+                                    <p:cond delay="0"/>
+                                  </p:stCondLst>
+                                  <p:childTnLst>
+                                    <p:set>
+                                      <p:cBhvr>
+                                        <p:cTn id="12" dur="1" fill="hold">
+                                          <p:stCondLst>
+                                            <p:cond delay="0"/>
+                                          </p:stCondLst>
+                                        </p:cTn>
+                                        <p:tgtEl>
+                                          <p:spTgt spid="1028"/>
+                                        </p:tgtEl>
+                                        <p:attrNameLst>
+                                          <p:attrName>style.visibility</p:attrName>
+                                        </p:attrNameLst>
+                                      </p:cBhvr>
+                                      <p:to>
+                                        <p:strVal val="visible"/>
+                                      </p:to>
+                                    </p:set>
+                                  </p:childTnLst>
+                                </p:cTn>
+                              </p:par>
+                            </p:childTnLst>
+                          </p:cTn>
+                        </p:par>
+                      </p:childTnLst>
+                    </p:cTn>
+                  </p:par>
+                </p:childTnLst>
+              </p:cTn>
+              <p:prevCondLst>
+                <p:cond evt="onPrev" delay="0">
+                  <p:tgtEl>
+                    <p:sldTgt/>
+                  </p:tgtEl>
+                </p:cond>
+              </p:prevCondLst>
+              <p:nextCondLst>
+                <p:cond evt="onNext" delay="0">
+                  <p:tgtEl>
+                    <p:sldTgt/>
+                  </p:tgtEl>
+                </p:cond>
+              </p:nextCondLst>
+            </p:seq>
+          </p:childTnLst>
+        </p:cTn>
+      </p:par>
+    </p:tnLst>
+    <p:bldLst>
+      <p:bldP spid="2" grpId="0"/>
+    </p:bldLst>
   </p:timing>
 </p:sld>
 </file>
@@ -17336,6 +19371,21 @@
 </file>
 
 <file path=customXml/item1.xml><?xml version="1.0" encoding="utf-8"?>
+<p:properties xmlns:p="http://schemas.microsoft.com/office/2006/metadata/properties" xmlns:xsi="http://www.w3.org/2001/XMLSchema-instance" xmlns:pc="http://schemas.microsoft.com/office/infopath/2007/PartnerControls">
+  <documentManagement/>
+</p:properties>
+</file>
+
+<file path=customXml/item2.xml><?xml version="1.0" encoding="utf-8"?>
+<?mso-contentType ?>
+<FormTemplates xmlns="http://schemas.microsoft.com/sharepoint/v3/contenttype/forms">
+  <Display>DocumentLibraryForm</Display>
+  <Edit>DocumentLibraryForm</Edit>
+  <New>DocumentLibraryForm</New>
+</FormTemplates>
+</file>
+
+<file path=customXml/item3.xml><?xml version="1.0" encoding="utf-8"?>
 <ct:contentTypeSchema xmlns:ct="http://schemas.microsoft.com/office/2006/metadata/contentType" xmlns:ma="http://schemas.microsoft.com/office/2006/metadata/properties/metaAttributes" ct:_="" ma:_="" ma:contentTypeName="Document" ma:contentTypeID="0x01010016C8866D03E34B48841686518579C82E" ma:contentTypeVersion="9" ma:contentTypeDescription="Create a new document." ma:contentTypeScope="" ma:versionID="fdc90dfaa38f62fbf710a40f032d942a">
   <xsd:schema xmlns:xsd="http://www.w3.org/2001/XMLSchema" xmlns:xs="http://www.w3.org/2001/XMLSchema" xmlns:p="http://schemas.microsoft.com/office/2006/metadata/properties" xmlns:ns3="d6825be3-6367-44d3-85f5-b39c113bb9e2" xmlns:ns4="fc4421ab-83fb-4986-8788-82ed978005be" targetNamespace="http://schemas.microsoft.com/office/2006/metadata/properties" ma:root="true" ma:fieldsID="23bf39b307e2c9cf8ede89b1c3f8734b" ns3:_="" ns4:_="">
     <xsd:import namespace="d6825be3-6367-44d3-85f5-b39c113bb9e2"/>
@@ -17532,22 +19582,24 @@
 </ct:contentTypeSchema>
 </file>
 
-<file path=customXml/item2.xml><?xml version="1.0" encoding="utf-8"?>
-<?mso-contentType ?>
-<FormTemplates xmlns="http://schemas.microsoft.com/sharepoint/v3/contenttype/forms">
-  <Display>DocumentLibraryForm</Display>
-  <Edit>DocumentLibraryForm</Edit>
-  <New>DocumentLibraryForm</New>
-</FormTemplates>
+<file path=customXml/itemProps1.xml><?xml version="1.0" encoding="utf-8"?>
+<ds:datastoreItem xmlns:ds="http://schemas.openxmlformats.org/officeDocument/2006/customXml" ds:itemID="{28591F37-1B9F-40A3-900D-791619430ABD}">
+  <ds:schemaRefs>
+    <ds:schemaRef ds:uri="http://schemas.microsoft.com/office/2006/metadata/properties"/>
+    <ds:schemaRef ds:uri="http://schemas.microsoft.com/office/infopath/2007/PartnerControls"/>
+  </ds:schemaRefs>
+</ds:datastoreItem>
 </file>
 
-<file path=customXml/item3.xml><?xml version="1.0" encoding="utf-8"?>
-<p:properties xmlns:p="http://schemas.microsoft.com/office/2006/metadata/properties" xmlns:xsi="http://www.w3.org/2001/XMLSchema-instance" xmlns:pc="http://schemas.microsoft.com/office/infopath/2007/PartnerControls">
-  <documentManagement/>
-</p:properties>
+<file path=customXml/itemProps2.xml><?xml version="1.0" encoding="utf-8"?>
+<ds:datastoreItem xmlns:ds="http://schemas.openxmlformats.org/officeDocument/2006/customXml" ds:itemID="{A91E972C-1908-4138-8F23-71EEEC3AAB70}">
+  <ds:schemaRefs>
+    <ds:schemaRef ds:uri="http://schemas.microsoft.com/sharepoint/v3/contenttype/forms"/>
+  </ds:schemaRefs>
+</ds:datastoreItem>
 </file>
 
-<file path=customXml/itemProps1.xml><?xml version="1.0" encoding="utf-8"?>
+<file path=customXml/itemProps3.xml><?xml version="1.0" encoding="utf-8"?>
 <ds:datastoreItem xmlns:ds="http://schemas.openxmlformats.org/officeDocument/2006/customXml" ds:itemID="{EF40A0E1-43B2-4845-A4D9-24DE681333A9}">
   <ds:schemaRefs>
     <ds:schemaRef ds:uri="http://schemas.microsoft.com/office/2006/metadata/contentType"/>
@@ -17564,21 +19616,4 @@
     <ds:schemaRef ds:uri="http://schemas.microsoft.com/internal/obd"/>
   </ds:schemaRefs>
 </ds:datastoreItem>
-</file>
-
-<file path=customXml/itemProps2.xml><?xml version="1.0" encoding="utf-8"?>
-<ds:datastoreItem xmlns:ds="http://schemas.openxmlformats.org/officeDocument/2006/customXml" ds:itemID="{A91E972C-1908-4138-8F23-71EEEC3AAB70}">
-  <ds:schemaRefs>
-    <ds:schemaRef ds:uri="http://schemas.microsoft.com/sharepoint/v3/contenttype/forms"/>
-  </ds:schemaRefs>
-</ds:datastoreItem>
-</file>
-
-<file path=customXml/itemProps3.xml><?xml version="1.0" encoding="utf-8"?>
-<ds:datastoreItem xmlns:ds="http://schemas.openxmlformats.org/officeDocument/2006/customXml" ds:itemID="{28591F37-1B9F-40A3-900D-791619430ABD}">
-  <ds:schemaRefs>
-    <ds:schemaRef ds:uri="http://schemas.microsoft.com/office/2006/metadata/properties"/>
-    <ds:schemaRef ds:uri="http://schemas.microsoft.com/office/infopath/2007/PartnerControls"/>
-  </ds:schemaRefs>
-</ds:datastoreItem>
 </file>
--- a/_drafts/Oppgaver/Workshop/Workshop_2PP.pptx
+++ b/_drafts/Oppgaver/Workshop/Workshop_2PP.pptx
@@ -29,7 +29,7 @@
     <p:sldId id="298" r:id="rId23"/>
     <p:sldId id="299" r:id="rId24"/>
     <p:sldId id="285" r:id="rId25"/>
-    <p:sldId id="286" r:id="rId26"/>
+    <p:sldId id="301" r:id="rId26"/>
     <p:sldId id="270" r:id="rId27"/>
   </p:sldIdLst>
   <p:sldSz cx="12192000" cy="6858000"/>
@@ -140,7 +140,7 @@
 <file path=ppt/revisionInfo.xml><?xml version="1.0" encoding="utf-8"?>
 <p1510:revInfo xmlns:a="http://schemas.openxmlformats.org/drawingml/2006/main" xmlns:r="http://schemas.openxmlformats.org/officeDocument/2006/relationships" xmlns:p1510="http://schemas.microsoft.com/office/powerpoint/2015/10/main">
   <p1510:revLst>
-    <p1510:client id="{CC2E105E-BB4D-42C2-B1F2-7BEBE9E9C317}" v="440" dt="2020-11-24T09:53:59.719"/>
+    <p1510:client id="{CC2E105E-BB4D-42C2-B1F2-7BEBE9E9C317}" v="597" dt="2020-11-25T09:41:11.847"/>
   </p1510:revLst>
 </p1510:revInfo>
 </file>
@@ -213,12 +213,12 @@
   <pc:docChgLst>
     <pc:chgData name="Henrik Løvik Njølstad" userId="778659e2-5eca-412f-ba00-4d07a820fe1f" providerId="ADAL" clId="{CC2E105E-BB4D-42C2-B1F2-7BEBE9E9C317}"/>
     <pc:docChg chg="undo custSel addSld delSld modSld sldOrd">
-      <pc:chgData name="Henrik Løvik Njølstad" userId="778659e2-5eca-412f-ba00-4d07a820fe1f" providerId="ADAL" clId="{CC2E105E-BB4D-42C2-B1F2-7BEBE9E9C317}" dt="2020-11-24T09:50:58.011" v="1555" actId="1076"/>
+      <pc:chgData name="Henrik Løvik Njølstad" userId="778659e2-5eca-412f-ba00-4d07a820fe1f" providerId="ADAL" clId="{CC2E105E-BB4D-42C2-B1F2-7BEBE9E9C317}" dt="2020-11-25T09:41:11.847" v="1782" actId="20577"/>
       <pc:docMkLst>
         <pc:docMk/>
       </pc:docMkLst>
       <pc:sldChg chg="modSp mod">
-        <pc:chgData name="Henrik Løvik Njølstad" userId="778659e2-5eca-412f-ba00-4d07a820fe1f" providerId="ADAL" clId="{CC2E105E-BB4D-42C2-B1F2-7BEBE9E9C317}" dt="2020-11-19T08:50:11.039" v="336" actId="14"/>
+        <pc:chgData name="Henrik Løvik Njølstad" userId="778659e2-5eca-412f-ba00-4d07a820fe1f" providerId="ADAL" clId="{CC2E105E-BB4D-42C2-B1F2-7BEBE9E9C317}" dt="2020-11-25T09:41:11.847" v="1782" actId="20577"/>
         <pc:sldMkLst>
           <pc:docMk/>
           <pc:sldMk cId="1064338250" sldId="257"/>
@@ -229,6 +229,14 @@
             <pc:docMk/>
             <pc:sldMk cId="1064338250" sldId="257"/>
             <ac:spMk id="2" creationId="{5429EE08-D461-496F-87FE-6F7AEE6F7CBF}"/>
+          </ac:spMkLst>
+        </pc:spChg>
+        <pc:spChg chg="mod">
+          <ac:chgData name="Henrik Løvik Njølstad" userId="778659e2-5eca-412f-ba00-4d07a820fe1f" providerId="ADAL" clId="{CC2E105E-BB4D-42C2-B1F2-7BEBE9E9C317}" dt="2020-11-25T09:41:11.847" v="1782" actId="20577"/>
+          <ac:spMkLst>
+            <pc:docMk/>
+            <pc:sldMk cId="1064338250" sldId="257"/>
+            <ac:spMk id="3" creationId="{AF6760FA-DB35-4AD0-9429-ABE5FD342513}"/>
           </ac:spMkLst>
         </pc:spChg>
         <pc:spChg chg="mod">
@@ -348,6 +356,21 @@
           <ac:spMkLst>
             <pc:docMk/>
             <pc:sldMk cId="1391517458" sldId="268"/>
+            <ac:spMk id="3" creationId="{18166937-65B3-4DC8-BB43-63584E0D60E0}"/>
+          </ac:spMkLst>
+        </pc:spChg>
+      </pc:sldChg>
+      <pc:sldChg chg="modSp mod">
+        <pc:chgData name="Henrik Løvik Njølstad" userId="778659e2-5eca-412f-ba00-4d07a820fe1f" providerId="ADAL" clId="{CC2E105E-BB4D-42C2-B1F2-7BEBE9E9C317}" dt="2020-11-25T09:38:20.436" v="1638" actId="20577"/>
+        <pc:sldMkLst>
+          <pc:docMk/>
+          <pc:sldMk cId="2476041199" sldId="270"/>
+        </pc:sldMkLst>
+        <pc:spChg chg="mod">
+          <ac:chgData name="Henrik Løvik Njølstad" userId="778659e2-5eca-412f-ba00-4d07a820fe1f" providerId="ADAL" clId="{CC2E105E-BB4D-42C2-B1F2-7BEBE9E9C317}" dt="2020-11-25T09:38:20.436" v="1638" actId="20577"/>
+          <ac:spMkLst>
+            <pc:docMk/>
+            <pc:sldMk cId="2476041199" sldId="270"/>
             <ac:spMk id="3" creationId="{18166937-65B3-4DC8-BB43-63584E0D60E0}"/>
           </ac:spMkLst>
         </pc:spChg>
@@ -675,8 +698,8 @@
           </ac:spMkLst>
         </pc:spChg>
       </pc:sldChg>
-      <pc:sldChg chg="addSp modSp add mod">
-        <pc:chgData name="Henrik Løvik Njølstad" userId="778659e2-5eca-412f-ba00-4d07a820fe1f" providerId="ADAL" clId="{CC2E105E-BB4D-42C2-B1F2-7BEBE9E9C317}" dt="2020-11-24T09:45:42.783" v="1542"/>
+      <pc:sldChg chg="addSp modSp add del mod">
+        <pc:chgData name="Henrik Løvik Njølstad" userId="778659e2-5eca-412f-ba00-4d07a820fe1f" providerId="ADAL" clId="{CC2E105E-BB4D-42C2-B1F2-7BEBE9E9C317}" dt="2020-11-25T09:36:24.804" v="1569" actId="47"/>
         <pc:sldMkLst>
           <pc:docMk/>
           <pc:sldMk cId="1175986555" sldId="284"/>
@@ -707,13 +730,13 @@
         </pc:picChg>
       </pc:sldChg>
       <pc:sldChg chg="modSp add mod">
-        <pc:chgData name="Henrik Løvik Njølstad" userId="778659e2-5eca-412f-ba00-4d07a820fe1f" providerId="ADAL" clId="{CC2E105E-BB4D-42C2-B1F2-7BEBE9E9C317}" dt="2020-11-24T09:43:08.979" v="1528" actId="20577"/>
+        <pc:chgData name="Henrik Løvik Njølstad" userId="778659e2-5eca-412f-ba00-4d07a820fe1f" providerId="ADAL" clId="{CC2E105E-BB4D-42C2-B1F2-7BEBE9E9C317}" dt="2020-11-25T09:36:46.681" v="1578" actId="20577"/>
         <pc:sldMkLst>
           <pc:docMk/>
           <pc:sldMk cId="1856889016" sldId="285"/>
         </pc:sldMkLst>
         <pc:spChg chg="mod">
-          <ac:chgData name="Henrik Løvik Njølstad" userId="778659e2-5eca-412f-ba00-4d07a820fe1f" providerId="ADAL" clId="{CC2E105E-BB4D-42C2-B1F2-7BEBE9E9C317}" dt="2020-11-24T09:43:08.979" v="1528" actId="20577"/>
+          <ac:chgData name="Henrik Løvik Njølstad" userId="778659e2-5eca-412f-ba00-4d07a820fe1f" providerId="ADAL" clId="{CC2E105E-BB4D-42C2-B1F2-7BEBE9E9C317}" dt="2020-11-25T09:36:46.681" v="1578" actId="20577"/>
           <ac:spMkLst>
             <pc:docMk/>
             <pc:sldMk cId="1856889016" sldId="285"/>
@@ -722,7 +745,7 @@
         </pc:spChg>
       </pc:sldChg>
       <pc:sldChg chg="addSp modSp add del mod">
-        <pc:chgData name="Henrik Løvik Njølstad" userId="778659e2-5eca-412f-ba00-4d07a820fe1f" providerId="ADAL" clId="{CC2E105E-BB4D-42C2-B1F2-7BEBE9E9C317}" dt="2020-11-24T09:43:38.057" v="1539" actId="20577"/>
+        <pc:chgData name="Henrik Løvik Njølstad" userId="778659e2-5eca-412f-ba00-4d07a820fe1f" providerId="ADAL" clId="{CC2E105E-BB4D-42C2-B1F2-7BEBE9E9C317}" dt="2020-11-25T09:37:15.882" v="1579" actId="47"/>
         <pc:sldMkLst>
           <pc:docMk/>
           <pc:sldMk cId="59968565" sldId="286"/>
@@ -903,7 +926,7 @@
         </pc:picChg>
       </pc:sldChg>
       <pc:sldChg chg="addSp delSp modSp add mod ord modAnim">
-        <pc:chgData name="Henrik Løvik Njølstad" userId="778659e2-5eca-412f-ba00-4d07a820fe1f" providerId="ADAL" clId="{CC2E105E-BB4D-42C2-B1F2-7BEBE9E9C317}" dt="2020-11-24T09:30:35.992" v="1467" actId="14100"/>
+        <pc:chgData name="Henrik Løvik Njølstad" userId="778659e2-5eca-412f-ba00-4d07a820fe1f" providerId="ADAL" clId="{CC2E105E-BB4D-42C2-B1F2-7BEBE9E9C317}" dt="2020-11-25T09:35:37.341" v="1567"/>
         <pc:sldMkLst>
           <pc:docMk/>
           <pc:sldMk cId="117971214" sldId="295"/>
@@ -932,6 +955,14 @@
             <ac:spMk id="6" creationId="{824C87E9-B5D1-4B37-A12E-5CBD07C5AC6E}"/>
           </ac:spMkLst>
         </pc:spChg>
+        <pc:picChg chg="add mod">
+          <ac:chgData name="Henrik Løvik Njølstad" userId="778659e2-5eca-412f-ba00-4d07a820fe1f" providerId="ADAL" clId="{CC2E105E-BB4D-42C2-B1F2-7BEBE9E9C317}" dt="2020-11-25T09:35:15.033" v="1565" actId="732"/>
+          <ac:picMkLst>
+            <pc:docMk/>
+            <pc:sldMk cId="117971214" sldId="295"/>
+            <ac:picMk id="7" creationId="{C9592D5A-9DD5-43DA-AED5-B51C3E080197}"/>
+          </ac:picMkLst>
+        </pc:picChg>
       </pc:sldChg>
       <pc:sldChg chg="modSp add mod">
         <pc:chgData name="Henrik Løvik Njølstad" userId="778659e2-5eca-412f-ba00-4d07a820fe1f" providerId="ADAL" clId="{CC2E105E-BB4D-42C2-B1F2-7BEBE9E9C317}" dt="2020-11-24T09:33:07.157" v="1495" actId="207"/>
@@ -1015,6 +1046,21 @@
             <ac:picMk id="6" creationId="{7DDA2FC6-BD13-4600-8F6C-5CC3D71B9F3D}"/>
           </ac:picMkLst>
         </pc:picChg>
+      </pc:sldChg>
+      <pc:sldChg chg="modSp add mod">
+        <pc:chgData name="Henrik Løvik Njølstad" userId="778659e2-5eca-412f-ba00-4d07a820fe1f" providerId="ADAL" clId="{CC2E105E-BB4D-42C2-B1F2-7BEBE9E9C317}" dt="2020-11-25T09:38:11.765" v="1629" actId="20577"/>
+        <pc:sldMkLst>
+          <pc:docMk/>
+          <pc:sldMk cId="1527326233" sldId="301"/>
+        </pc:sldMkLst>
+        <pc:spChg chg="mod">
+          <ac:chgData name="Henrik Løvik Njølstad" userId="778659e2-5eca-412f-ba00-4d07a820fe1f" providerId="ADAL" clId="{CC2E105E-BB4D-42C2-B1F2-7BEBE9E9C317}" dt="2020-11-25T09:38:11.765" v="1629" actId="20577"/>
+          <ac:spMkLst>
+            <pc:docMk/>
+            <pc:sldMk cId="1527326233" sldId="301"/>
+            <ac:spMk id="3" creationId="{18166937-65B3-4DC8-BB43-63584E0D60E0}"/>
+          </ac:spMkLst>
+        </pc:spChg>
       </pc:sldChg>
     </pc:docChg>
   </pc:docChgLst>
@@ -1757,7 +1803,7 @@
           <a:p>
             <a:fld id="{1C183416-4547-4DE4-A491-59E4C0EC875B}" type="datetimeFigureOut">
               <a:rPr lang="nb-NO" smtClean="0"/>
-              <a:t>24.11.2020</a:t>
+              <a:t>25.11.2020</a:t>
             </a:fld>
             <a:endParaRPr lang="nb-NO"/>
           </a:p>
@@ -2266,7 +2312,7 @@
     </p:spTree>
     <p:extLst>
       <p:ext uri="{BB962C8B-B14F-4D97-AF65-F5344CB8AC3E}">
-        <p14:creationId xmlns:p14="http://schemas.microsoft.com/office/powerpoint/2010/main" val="2878090989"/>
+        <p14:creationId xmlns:p14="http://schemas.microsoft.com/office/powerpoint/2010/main" val="622778024"/>
       </p:ext>
     </p:extLst>
   </p:cSld>
@@ -3212,7 +3258,7 @@
           <a:p>
             <a:fld id="{689B78D6-20BD-4846-B0D0-B1807AA89A6A}" type="datetime1">
               <a:rPr lang="en-US" smtClean="0"/>
-              <a:t>11/24/2020</a:t>
+              <a:t>11/25/2020</a:t>
             </a:fld>
             <a:endParaRPr lang="en-US" dirty="0"/>
           </a:p>
@@ -3457,7 +3503,7 @@
           <a:p>
             <a:fld id="{CAC49898-619D-4EBA-9825-E85E94553AD2}" type="datetime1">
               <a:rPr lang="en-US" smtClean="0"/>
-              <a:t>11/24/2020</a:t>
+              <a:t>11/25/2020</a:t>
             </a:fld>
             <a:endParaRPr lang="nb-NO"/>
           </a:p>
@@ -3827,7 +3873,7 @@
           <a:p>
             <a:fld id="{4BBABEDE-746E-4986-ACEC-2DF96833B480}" type="datetime1">
               <a:rPr lang="en-US" smtClean="0"/>
-              <a:t>11/24/2020</a:t>
+              <a:t>11/25/2020</a:t>
             </a:fld>
             <a:endParaRPr lang="nb-NO"/>
           </a:p>
@@ -3948,7 +3994,7 @@
           <a:p>
             <a:fld id="{0B792F04-B201-4600-99E5-FFE097731B7F}" type="datetime1">
               <a:rPr lang="en-US" smtClean="0"/>
-              <a:t>11/24/2020</a:t>
+              <a:t>11/25/2020</a:t>
             </a:fld>
             <a:endParaRPr lang="nb-NO"/>
           </a:p>
@@ -4046,7 +4092,7 @@
           <a:p>
             <a:fld id="{A896B82A-4593-4349-B4F4-52B06B60F019}" type="datetime1">
               <a:rPr lang="en-US" smtClean="0"/>
-              <a:t>11/24/2020</a:t>
+              <a:t>11/25/2020</a:t>
             </a:fld>
             <a:endParaRPr lang="nb-NO"/>
           </a:p>
@@ -4326,7 +4372,7 @@
           <a:p>
             <a:fld id="{83077056-5187-4605-9A04-9F83E59F6785}" type="datetime1">
               <a:rPr lang="en-US" smtClean="0"/>
-              <a:t>11/24/2020</a:t>
+              <a:t>11/25/2020</a:t>
             </a:fld>
             <a:endParaRPr lang="nb-NO"/>
           </a:p>
@@ -4586,7 +4632,7 @@
           <a:p>
             <a:fld id="{1F02436D-1B29-4D0E-A891-F1B8C2AA612D}" type="datetime1">
               <a:rPr lang="en-US" smtClean="0"/>
-              <a:t>11/24/2020</a:t>
+              <a:t>11/25/2020</a:t>
             </a:fld>
             <a:endParaRPr lang="nb-NO"/>
           </a:p>
@@ -4728,7 +4774,7 @@
           <a:p>
             <a:fld id="{7F92C38A-00CC-4578-ABA8-6DDF940EFFC6}" type="datetime1">
               <a:rPr lang="en-US" smtClean="0"/>
-              <a:t>11/24/2020</a:t>
+              <a:t>11/25/2020</a:t>
             </a:fld>
             <a:endParaRPr lang="en-US" dirty="0"/>
           </a:p>
@@ -4922,7 +4968,7 @@
           <a:p>
             <a:fld id="{0F0876E8-1776-4A9D-AA9F-26E16A31783E}" type="datetime1">
               <a:rPr lang="en-US" smtClean="0"/>
-              <a:t>11/24/2020</a:t>
+              <a:t>11/25/2020</a:t>
             </a:fld>
             <a:endParaRPr lang="en-US" dirty="0"/>
           </a:p>
@@ -5167,7 +5213,7 @@
           <a:p>
             <a:fld id="{8B145C51-195A-4AD4-A9E7-5662BE6BA4D0}" type="datetime1">
               <a:rPr lang="en-US" smtClean="0"/>
-              <a:t>11/24/2020</a:t>
+              <a:t>11/25/2020</a:t>
             </a:fld>
             <a:endParaRPr lang="nb-NO"/>
           </a:p>
@@ -5340,7 +5386,7 @@
           <a:p>
             <a:fld id="{8EC67227-D3D4-490D-B16D-FCA5F18FF075}" type="datetime1">
               <a:rPr lang="en-US" smtClean="0"/>
-              <a:t>11/24/2020</a:t>
+              <a:t>11/25/2020</a:t>
             </a:fld>
             <a:endParaRPr lang="en-US" dirty="0"/>
           </a:p>
@@ -5710,7 +5756,7 @@
           <a:p>
             <a:fld id="{0CCFE2AC-89A1-4D53-AF25-27121FF59245}" type="datetime1">
               <a:rPr lang="en-US" smtClean="0"/>
-              <a:t>11/24/2020</a:t>
+              <a:t>11/25/2020</a:t>
             </a:fld>
             <a:endParaRPr lang="nb-NO"/>
           </a:p>
@@ -5831,7 +5877,7 @@
           <a:p>
             <a:fld id="{6B77C13B-6B0A-4B20-A4F5-40FE5F8CF7E5}" type="datetime1">
               <a:rPr lang="en-US" smtClean="0"/>
-              <a:t>11/24/2020</a:t>
+              <a:t>11/25/2020</a:t>
             </a:fld>
             <a:endParaRPr lang="nb-NO"/>
           </a:p>
@@ -5929,7 +5975,7 @@
           <a:p>
             <a:fld id="{09AB79EF-2957-491B-AAC8-322C806EFFD9}" type="datetime1">
               <a:rPr lang="en-US" smtClean="0"/>
-              <a:t>11/24/2020</a:t>
+              <a:t>11/25/2020</a:t>
             </a:fld>
             <a:endParaRPr lang="nb-NO"/>
           </a:p>
@@ -6209,7 +6255,7 @@
           <a:p>
             <a:fld id="{F0E7E48C-2BCC-498B-B35C-B93F7D43789F}" type="datetime1">
               <a:rPr lang="en-US" smtClean="0"/>
-              <a:t>11/24/2020</a:t>
+              <a:t>11/25/2020</a:t>
             </a:fld>
             <a:endParaRPr lang="nb-NO"/>
           </a:p>
@@ -6469,7 +6515,7 @@
           <a:p>
             <a:fld id="{BACB5408-DC42-44CF-8A3B-974FDC745E1A}" type="datetime1">
               <a:rPr lang="en-US" smtClean="0"/>
-              <a:t>11/24/2020</a:t>
+              <a:t>11/25/2020</a:t>
             </a:fld>
             <a:endParaRPr lang="nb-NO"/>
           </a:p>
@@ -6714,7 +6760,7 @@
           <a:p>
             <a:fld id="{0954A5A9-3A74-4FD4-9B3D-84F2CEB8CA5D}" type="datetime1">
               <a:rPr lang="en-US" smtClean="0"/>
-              <a:t>11/24/2020</a:t>
+              <a:t>11/25/2020</a:t>
             </a:fld>
             <a:endParaRPr lang="nb-NO"/>
           </a:p>
@@ -7084,7 +7130,7 @@
           <a:p>
             <a:fld id="{F8E9ACD6-42D8-47F5-88E0-D9CA32C9F8A1}" type="datetime1">
               <a:rPr lang="en-US" smtClean="0"/>
-              <a:t>11/24/2020</a:t>
+              <a:t>11/25/2020</a:t>
             </a:fld>
             <a:endParaRPr lang="nb-NO"/>
           </a:p>
@@ -7205,7 +7251,7 @@
           <a:p>
             <a:fld id="{2CF6ED32-7C1B-4D12-A32C-52A5945BFBE7}" type="datetime1">
               <a:rPr lang="en-US" smtClean="0"/>
-              <a:t>11/24/2020</a:t>
+              <a:t>11/25/2020</a:t>
             </a:fld>
             <a:endParaRPr lang="nb-NO"/>
           </a:p>
@@ -7303,7 +7349,7 @@
           <a:p>
             <a:fld id="{64182CD4-752B-4B6C-9DCC-297F228CBFE6}" type="datetime1">
               <a:rPr lang="en-US" smtClean="0"/>
-              <a:t>11/24/2020</a:t>
+              <a:t>11/25/2020</a:t>
             </a:fld>
             <a:endParaRPr lang="nb-NO"/>
           </a:p>
@@ -7583,7 +7629,7 @@
           <a:p>
             <a:fld id="{FF92BD09-88A7-48A3-9438-8F11B44DB753}" type="datetime1">
               <a:rPr lang="en-US" smtClean="0"/>
-              <a:t>11/24/2020</a:t>
+              <a:t>11/25/2020</a:t>
             </a:fld>
             <a:endParaRPr lang="nb-NO"/>
           </a:p>
@@ -7843,7 +7889,7 @@
           <a:p>
             <a:fld id="{78F519AB-9467-4563-B2E4-E70C348AB1BE}" type="datetime1">
               <a:rPr lang="en-US" smtClean="0"/>
-              <a:t>11/24/2020</a:t>
+              <a:t>11/25/2020</a:t>
             </a:fld>
             <a:endParaRPr lang="nb-NO"/>
           </a:p>
@@ -7985,7 +8031,7 @@
           <a:p>
             <a:fld id="{CDF62041-14DA-4A9B-A639-05A164CA2E4C}" type="datetime1">
               <a:rPr lang="en-US" smtClean="0"/>
-              <a:t>11/24/2020</a:t>
+              <a:t>11/25/2020</a:t>
             </a:fld>
             <a:endParaRPr lang="en-US" dirty="0"/>
           </a:p>
@@ -8261,7 +8307,7 @@
           <a:p>
             <a:fld id="{785B8D15-6870-4E1B-811C-57994D71C5B6}" type="datetime1">
               <a:rPr lang="en-US" smtClean="0"/>
-              <a:t>11/24/2020</a:t>
+              <a:t>11/25/2020</a:t>
             </a:fld>
             <a:endParaRPr lang="en-US" dirty="0"/>
           </a:p>
@@ -8802,7 +8848,7 @@
           <a:p>
             <a:fld id="{60FC07E0-8E40-4B6C-B24F-7CF0305B9C7B}" type="datetime1">
               <a:rPr lang="en-US" smtClean="0"/>
-              <a:t>11/24/2020</a:t>
+              <a:t>11/25/2020</a:t>
             </a:fld>
             <a:endParaRPr lang="en-US" dirty="0"/>
           </a:p>
@@ -9421,7 +9467,7 @@
           <a:p>
             <a:fld id="{BAA7CB9B-2627-411A-9C37-CCC42B5F422C}" type="datetime1">
               <a:rPr lang="en-US" smtClean="0"/>
-              <a:t>11/24/2020</a:t>
+              <a:t>11/25/2020</a:t>
             </a:fld>
             <a:endParaRPr lang="en-US" dirty="0"/>
           </a:p>
@@ -10327,21 +10373,35 @@
           <a:p>
             <a:r>
               <a:rPr lang="nb-NO" sz="2600" dirty="0"/>
-              <a:t>Plan for økta:</a:t>
+              <a:t>Struktur:</a:t>
             </a:r>
           </a:p>
           <a:p>
             <a:pPr lvl="1"/>
             <a:r>
               <a:rPr lang="nb-NO" sz="2600" dirty="0"/>
-              <a:t>Hva er programmering</a:t>
+              <a:t>Intro til pseudokode</a:t>
             </a:r>
           </a:p>
           <a:p>
             <a:pPr lvl="1"/>
             <a:r>
               <a:rPr lang="nb-NO" sz="2600" dirty="0"/>
-              <a:t>Begreper og eksempler</a:t>
+              <a:t>Eksempel på flytdiagram</a:t>
+            </a:r>
+          </a:p>
+          <a:p>
+            <a:pPr lvl="1"/>
+            <a:r>
+              <a:rPr lang="nb-NO" sz="2600" dirty="0"/>
+              <a:t>Hvordan lage egne funksjoner</a:t>
+            </a:r>
+          </a:p>
+          <a:p>
+            <a:pPr lvl="2"/>
+            <a:r>
+              <a:rPr lang="nb-NO" sz="2200" dirty="0"/>
+              <a:t>Syntaks og hvorfor</a:t>
             </a:r>
           </a:p>
           <a:p>
@@ -12547,6 +12607,52 @@
           </a:p>
         </p:txBody>
       </p:sp>
+      <p:pic>
+        <p:nvPicPr>
+          <p:cNvPr id="7" name="Picture 4">
+            <a:extLst>
+              <a:ext uri="{FF2B5EF4-FFF2-40B4-BE49-F238E27FC236}">
+                <a16:creationId xmlns:a16="http://schemas.microsoft.com/office/drawing/2014/main" id="{C9592D5A-9DD5-43DA-AED5-B51C3E080197}"/>
+              </a:ext>
+            </a:extLst>
+          </p:cNvPr>
+          <p:cNvPicPr>
+            <a:picLocks noChangeAspect="1" noChangeArrowheads="1"/>
+          </p:cNvPicPr>
+          <p:nvPr/>
+        </p:nvPicPr>
+        <p:blipFill rotWithShape="1">
+          <a:blip r:embed="rId3">
+            <a:alphaModFix/>
+            <a:extLst>
+              <a:ext uri="{28A0092B-C50C-407E-A947-70E740481C1C}">
+                <a14:useLocalDpi xmlns:a14="http://schemas.microsoft.com/office/drawing/2010/main" val="0"/>
+              </a:ext>
+            </a:extLst>
+          </a:blip>
+          <a:srcRect l="25284" t="51493" r="36532" b="28354"/>
+          <a:stretch/>
+        </p:blipFill>
+        <p:spPr bwMode="auto">
+          <a:xfrm>
+            <a:off x="4871233" y="1391055"/>
+            <a:ext cx="2667703" cy="1591862"/>
+          </a:xfrm>
+          <a:prstGeom prst="rect">
+            <a:avLst/>
+          </a:prstGeom>
+          <a:noFill/>
+          <a:extLst>
+            <a:ext uri="{909E8E84-426E-40DD-AFC4-6F175D3DCCD1}">
+              <a14:hiddenFill xmlns:a14="http://schemas.microsoft.com/office/drawing/2010/main">
+                <a:solidFill>
+                  <a:srgbClr val="FFFFFF"/>
+                </a:solidFill>
+              </a14:hiddenFill>
+            </a:ext>
+          </a:extLst>
+        </p:spPr>
+      </p:pic>
     </p:spTree>
     <p:extLst>
       <p:ext uri="{BB962C8B-B14F-4D97-AF65-F5344CB8AC3E}">
@@ -12611,43 +12717,21 @@
                                   </p:childTnLst>
                                 </p:cTn>
                               </p:par>
-                            </p:childTnLst>
-                          </p:cTn>
-                        </p:par>
-                      </p:childTnLst>
-                    </p:cTn>
-                  </p:par>
-                  <p:par>
-                    <p:cTn id="7" fill="hold">
-                      <p:stCondLst>
-                        <p:cond delay="indefinite"/>
-                      </p:stCondLst>
-                      <p:childTnLst>
-                        <p:par>
-                          <p:cTn id="8" fill="hold">
-                            <p:stCondLst>
-                              <p:cond delay="0"/>
-                            </p:stCondLst>
-                            <p:childTnLst>
                               <p:par>
-                                <p:cTn id="9" presetID="1" presetClass="entr" presetSubtype="0" fill="hold" grpId="0" nodeType="clickEffect">
+                                <p:cTn id="7" presetID="1" presetClass="entr" presetSubtype="0" fill="hold" nodeType="withEffect">
                                   <p:stCondLst>
                                     <p:cond delay="0"/>
                                   </p:stCondLst>
                                   <p:childTnLst>
                                     <p:set>
                                       <p:cBhvr>
-                                        <p:cTn id="10" dur="1" fill="hold">
+                                        <p:cTn id="8" dur="1" fill="hold">
                                           <p:stCondLst>
                                             <p:cond delay="0"/>
                                           </p:stCondLst>
                                         </p:cTn>
                                         <p:tgtEl>
-                                          <p:spTgt spid="3">
-                                            <p:txEl>
-                                              <p:pRg st="3" end="3"/>
-                                            </p:txEl>
-                                          </p:spTgt>
+                                          <p:spTgt spid="7"/>
                                         </p:tgtEl>
                                         <p:attrNameLst>
                                           <p:attrName>style.visibility</p:attrName>
@@ -12660,8 +12744,26 @@
                                   </p:childTnLst>
                                 </p:cTn>
                               </p:par>
+                            </p:childTnLst>
+                          </p:cTn>
+                        </p:par>
+                      </p:childTnLst>
+                    </p:cTn>
+                  </p:par>
+                  <p:par>
+                    <p:cTn id="9" fill="hold">
+                      <p:stCondLst>
+                        <p:cond delay="indefinite"/>
+                      </p:stCondLst>
+                      <p:childTnLst>
+                        <p:par>
+                          <p:cTn id="10" fill="hold">
+                            <p:stCondLst>
+                              <p:cond delay="0"/>
+                            </p:stCondLst>
+                            <p:childTnLst>
                               <p:par>
-                                <p:cTn id="11" presetID="1" presetClass="entr" presetSubtype="0" fill="hold" grpId="0" nodeType="withEffect">
+                                <p:cTn id="11" presetID="1" presetClass="entr" presetSubtype="0" fill="hold" grpId="0" nodeType="clickEffect">
                                   <p:stCondLst>
                                     <p:cond delay="0"/>
                                   </p:stCondLst>
@@ -12676,7 +12778,7 @@
                                         <p:tgtEl>
                                           <p:spTgt spid="3">
                                             <p:txEl>
-                                              <p:pRg st="4" end="4"/>
+                                              <p:pRg st="3" end="3"/>
                                             </p:txEl>
                                           </p:spTgt>
                                         </p:tgtEl>
@@ -12707,7 +12809,7 @@
                                         <p:tgtEl>
                                           <p:spTgt spid="3">
                                             <p:txEl>
-                                              <p:pRg st="5" end="5"/>
+                                              <p:pRg st="4" end="4"/>
                                             </p:txEl>
                                           </p:spTgt>
                                         </p:tgtEl>
@@ -12731,6 +12833,37 @@
                                     <p:set>
                                       <p:cBhvr>
                                         <p:cTn id="16" dur="1" fill="hold">
+                                          <p:stCondLst>
+                                            <p:cond delay="0"/>
+                                          </p:stCondLst>
+                                        </p:cTn>
+                                        <p:tgtEl>
+                                          <p:spTgt spid="3">
+                                            <p:txEl>
+                                              <p:pRg st="5" end="5"/>
+                                            </p:txEl>
+                                          </p:spTgt>
+                                        </p:tgtEl>
+                                        <p:attrNameLst>
+                                          <p:attrName>style.visibility</p:attrName>
+                                        </p:attrNameLst>
+                                      </p:cBhvr>
+                                      <p:to>
+                                        <p:strVal val="visible"/>
+                                      </p:to>
+                                    </p:set>
+                                  </p:childTnLst>
+                                </p:cTn>
+                              </p:par>
+                              <p:par>
+                                <p:cTn id="17" presetID="1" presetClass="entr" presetSubtype="0" fill="hold" grpId="0" nodeType="withEffect">
+                                  <p:stCondLst>
+                                    <p:cond delay="0"/>
+                                  </p:stCondLst>
+                                  <p:childTnLst>
+                                    <p:set>
+                                      <p:cBhvr>
+                                        <p:cTn id="18" dur="1" fill="hold">
                                           <p:stCondLst>
                                             <p:cond delay="0"/>
                                           </p:stCondLst>
@@ -14651,7 +14784,7 @@
                 </a:solidFill>
                 <a:latin typeface="Consolas" panose="020B0609020204030204" pitchFamily="49" charset="0"/>
               </a:rPr>
-              <a:t>ErDeleligMedTo</a:t>
+              <a:t>ErDeleligMedTre</a:t>
             </a:r>
             <a:r>
               <a:rPr lang="nb-NO" dirty="0">
@@ -14683,7 +14816,7 @@
               <a:rPr lang="nb-NO" dirty="0">
                 <a:latin typeface="Consolas" panose="020B0609020204030204" pitchFamily="49" charset="0"/>
               </a:rPr>
-              <a:t> rundenummer % 2 == 0</a:t>
+              <a:t> rundenummer % 3 == 0</a:t>
             </a:r>
             <a:endParaRPr lang="nb-NO" dirty="0"/>
           </a:p>
@@ -15057,10 +15190,9 @@
           <a:lstStyle/>
           <a:p>
             <a:r>
-              <a:rPr lang="nb-NO" dirty="0" err="1"/>
-              <a:t>Mu</a:t>
-            </a:r>
-            <a:endParaRPr lang="nb-NO" dirty="0"/>
+              <a:rPr lang="nb-NO" dirty="0"/>
+              <a:t>Egendefinerte funksjoner</a:t>
+            </a:r>
           </a:p>
         </p:txBody>
       </p:sp>
@@ -15096,80 +15228,41 @@
               <a:buNone/>
             </a:pPr>
             <a:r>
+              <a:rPr lang="nb-NO" dirty="0">
+                <a:solidFill>
+                  <a:srgbClr val="C44026"/>
+                </a:solidFill>
+                <a:latin typeface="Consolas" panose="020B0609020204030204" pitchFamily="49" charset="0"/>
+              </a:rPr>
+              <a:t>&gt;&gt;&gt; test = 4 % 3 == 0</a:t>
+            </a:r>
+          </a:p>
+          <a:p>
+            <a:pPr marL="0" indent="0">
+              <a:buNone/>
+            </a:pPr>
+            <a:r>
               <a:rPr lang="nb-NO" dirty="0" err="1">
                 <a:solidFill>
-                  <a:schemeClr val="bg1"/>
+                  <a:srgbClr val="C44026"/>
                 </a:solidFill>
                 <a:latin typeface="Consolas" panose="020B0609020204030204" pitchFamily="49" charset="0"/>
               </a:rPr>
-              <a:t>def</a:t>
+              <a:t>print</a:t>
             </a:r>
             <a:r>
               <a:rPr lang="nb-NO" dirty="0">
                 <a:solidFill>
-                  <a:schemeClr val="bg1"/>
+                  <a:srgbClr val="C44026"/>
                 </a:solidFill>
                 <a:latin typeface="Consolas" panose="020B0609020204030204" pitchFamily="49" charset="0"/>
               </a:rPr>
-              <a:t> </a:t>
-            </a:r>
-            <a:r>
-              <a:rPr lang="nb-NO" dirty="0" err="1">
-                <a:solidFill>
-                  <a:schemeClr val="bg1"/>
-                </a:solidFill>
-                <a:latin typeface="Consolas" panose="020B0609020204030204" pitchFamily="49" charset="0"/>
-              </a:rPr>
-              <a:t>ErDeleligMedTo</a:t>
-            </a:r>
-            <a:r>
-              <a:rPr lang="nb-NO" dirty="0">
-                <a:solidFill>
-                  <a:schemeClr val="bg1"/>
-                </a:solidFill>
-                <a:latin typeface="Consolas" panose="020B0609020204030204" pitchFamily="49" charset="0"/>
-              </a:rPr>
-              <a:t>(rundenummer):</a:t>
-            </a:r>
-          </a:p>
-          <a:p>
-            <a:pPr marL="0" indent="0">
-              <a:buNone/>
-            </a:pPr>
-            <a:r>
-              <a:rPr lang="nb-NO" dirty="0">
-                <a:latin typeface="Consolas" panose="020B0609020204030204" pitchFamily="49" charset="0"/>
-              </a:rPr>
-              <a:t>	</a:t>
-            </a:r>
-            <a:r>
-              <a:rPr lang="nb-NO" dirty="0" err="1">
-                <a:solidFill>
-                  <a:schemeClr val="bg1"/>
-                </a:solidFill>
-                <a:latin typeface="Consolas" panose="020B0609020204030204" pitchFamily="49" charset="0"/>
-              </a:rPr>
-              <a:t>return</a:t>
-            </a:r>
-            <a:r>
-              <a:rPr lang="nb-NO" dirty="0">
-                <a:latin typeface="Consolas" panose="020B0609020204030204" pitchFamily="49" charset="0"/>
-              </a:rPr>
-              <a:t> rundenummer % 2 == 0</a:t>
-            </a:r>
-          </a:p>
-          <a:p>
-            <a:pPr marL="0" indent="0">
-              <a:buNone/>
-            </a:pPr>
-            <a:endParaRPr lang="nb-NO" dirty="0">
-              <a:latin typeface="Consolas" panose="020B0609020204030204" pitchFamily="49" charset="0"/>
-            </a:endParaRPr>
-          </a:p>
-          <a:p>
-            <a:pPr marL="0" indent="0">
-              <a:buNone/>
-            </a:pPr>
+              <a:t>(test)</a:t>
+            </a:r>
+            <a:endParaRPr lang="nb-NO" dirty="0"/>
+          </a:p>
+          <a:p>
+            <a:pPr lvl="1"/>
             <a:endParaRPr lang="nb-NO" dirty="0"/>
           </a:p>
         </p:txBody>
@@ -15216,57 +15309,10 @@
           </a:p>
         </p:txBody>
       </p:sp>
-      <p:pic>
-        <p:nvPicPr>
-          <p:cNvPr id="2050" name="Picture 2">
-            <a:extLst>
-              <a:ext uri="{FF2B5EF4-FFF2-40B4-BE49-F238E27FC236}">
-                <a16:creationId xmlns:a16="http://schemas.microsoft.com/office/drawing/2014/main" id="{497BAC9D-3202-437C-B12B-E3164F1AB1E7}"/>
-              </a:ext>
-            </a:extLst>
-          </p:cNvPr>
-          <p:cNvPicPr>
-            <a:picLocks noChangeAspect="1" noChangeArrowheads="1"/>
-          </p:cNvPicPr>
-          <p:nvPr/>
-        </p:nvPicPr>
-        <p:blipFill>
-          <a:blip r:embed="rId3">
-            <a:extLst>
-              <a:ext uri="{28A0092B-C50C-407E-A947-70E740481C1C}">
-                <a14:useLocalDpi xmlns:a14="http://schemas.microsoft.com/office/drawing/2010/main" val="0"/>
-              </a:ext>
-            </a:extLst>
-          </a:blip>
-          <a:srcRect/>
-          <a:stretch>
-            <a:fillRect/>
-          </a:stretch>
-        </p:blipFill>
-        <p:spPr bwMode="auto">
-          <a:xfrm>
-            <a:off x="8613475" y="1679068"/>
-            <a:ext cx="2438400" cy="2438400"/>
-          </a:xfrm>
-          <a:prstGeom prst="rect">
-            <a:avLst/>
-          </a:prstGeom>
-          <a:noFill/>
-          <a:extLst>
-            <a:ext uri="{909E8E84-426E-40DD-AFC4-6F175D3DCCD1}">
-              <a14:hiddenFill xmlns:a14="http://schemas.microsoft.com/office/drawing/2010/main">
-                <a:solidFill>
-                  <a:srgbClr val="FFFFFF"/>
-                </a:solidFill>
-              </a14:hiddenFill>
-            </a:ext>
-          </a:extLst>
-        </p:spPr>
-      </p:pic>
     </p:spTree>
     <p:extLst>
       <p:ext uri="{BB962C8B-B14F-4D97-AF65-F5344CB8AC3E}">
-        <p14:creationId xmlns:p14="http://schemas.microsoft.com/office/powerpoint/2010/main" val="59968565"/>
+        <p14:creationId xmlns:p14="http://schemas.microsoft.com/office/powerpoint/2010/main" val="1527326233"/>
       </p:ext>
     </p:extLst>
   </p:cSld>
@@ -15356,7 +15402,7 @@
               <a:rPr lang="nb-NO" sz="4400" dirty="0">
                 <a:latin typeface="Consolas" panose="020B0609020204030204" pitchFamily="49" charset="0"/>
               </a:rPr>
-              <a:t>uia-mn.github.io/workshop</a:t>
+              <a:t>kodelaben.github.io/workshop</a:t>
             </a:r>
           </a:p>
           <a:p>
@@ -19371,21 +19417,6 @@
 </file>
 
 <file path=customXml/item1.xml><?xml version="1.0" encoding="utf-8"?>
-<p:properties xmlns:p="http://schemas.microsoft.com/office/2006/metadata/properties" xmlns:xsi="http://www.w3.org/2001/XMLSchema-instance" xmlns:pc="http://schemas.microsoft.com/office/infopath/2007/PartnerControls">
-  <documentManagement/>
-</p:properties>
-</file>
-
-<file path=customXml/item2.xml><?xml version="1.0" encoding="utf-8"?>
-<?mso-contentType ?>
-<FormTemplates xmlns="http://schemas.microsoft.com/sharepoint/v3/contenttype/forms">
-  <Display>DocumentLibraryForm</Display>
-  <Edit>DocumentLibraryForm</Edit>
-  <New>DocumentLibraryForm</New>
-</FormTemplates>
-</file>
-
-<file path=customXml/item3.xml><?xml version="1.0" encoding="utf-8"?>
 <ct:contentTypeSchema xmlns:ct="http://schemas.microsoft.com/office/2006/metadata/contentType" xmlns:ma="http://schemas.microsoft.com/office/2006/metadata/properties/metaAttributes" ct:_="" ma:_="" ma:contentTypeName="Document" ma:contentTypeID="0x01010016C8866D03E34B48841686518579C82E" ma:contentTypeVersion="9" ma:contentTypeDescription="Create a new document." ma:contentTypeScope="" ma:versionID="fdc90dfaa38f62fbf710a40f032d942a">
   <xsd:schema xmlns:xsd="http://www.w3.org/2001/XMLSchema" xmlns:xs="http://www.w3.org/2001/XMLSchema" xmlns:p="http://schemas.microsoft.com/office/2006/metadata/properties" xmlns:ns3="d6825be3-6367-44d3-85f5-b39c113bb9e2" xmlns:ns4="fc4421ab-83fb-4986-8788-82ed978005be" targetNamespace="http://schemas.microsoft.com/office/2006/metadata/properties" ma:root="true" ma:fieldsID="23bf39b307e2c9cf8ede89b1c3f8734b" ns3:_="" ns4:_="">
     <xsd:import namespace="d6825be3-6367-44d3-85f5-b39c113bb9e2"/>
@@ -19582,24 +19613,22 @@
 </ct:contentTypeSchema>
 </file>
 
-<file path=customXml/itemProps1.xml><?xml version="1.0" encoding="utf-8"?>
-<ds:datastoreItem xmlns:ds="http://schemas.openxmlformats.org/officeDocument/2006/customXml" ds:itemID="{28591F37-1B9F-40A3-900D-791619430ABD}">
-  <ds:schemaRefs>
-    <ds:schemaRef ds:uri="http://schemas.microsoft.com/office/2006/metadata/properties"/>
-    <ds:schemaRef ds:uri="http://schemas.microsoft.com/office/infopath/2007/PartnerControls"/>
-  </ds:schemaRefs>
-</ds:datastoreItem>
+<file path=customXml/item2.xml><?xml version="1.0" encoding="utf-8"?>
+<?mso-contentType ?>
+<FormTemplates xmlns="http://schemas.microsoft.com/sharepoint/v3/contenttype/forms">
+  <Display>DocumentLibraryForm</Display>
+  <Edit>DocumentLibraryForm</Edit>
+  <New>DocumentLibraryForm</New>
+</FormTemplates>
 </file>
 
-<file path=customXml/itemProps2.xml><?xml version="1.0" encoding="utf-8"?>
-<ds:datastoreItem xmlns:ds="http://schemas.openxmlformats.org/officeDocument/2006/customXml" ds:itemID="{A91E972C-1908-4138-8F23-71EEEC3AAB70}">
-  <ds:schemaRefs>
-    <ds:schemaRef ds:uri="http://schemas.microsoft.com/sharepoint/v3/contenttype/forms"/>
-  </ds:schemaRefs>
-</ds:datastoreItem>
+<file path=customXml/item3.xml><?xml version="1.0" encoding="utf-8"?>
+<p:properties xmlns:p="http://schemas.microsoft.com/office/2006/metadata/properties" xmlns:xsi="http://www.w3.org/2001/XMLSchema-instance" xmlns:pc="http://schemas.microsoft.com/office/infopath/2007/PartnerControls">
+  <documentManagement/>
+</p:properties>
 </file>
 
-<file path=customXml/itemProps3.xml><?xml version="1.0" encoding="utf-8"?>
+<file path=customXml/itemProps1.xml><?xml version="1.0" encoding="utf-8"?>
 <ds:datastoreItem xmlns:ds="http://schemas.openxmlformats.org/officeDocument/2006/customXml" ds:itemID="{EF40A0E1-43B2-4845-A4D9-24DE681333A9}">
   <ds:schemaRefs>
     <ds:schemaRef ds:uri="http://schemas.microsoft.com/office/2006/metadata/contentType"/>
@@ -19616,4 +19645,21 @@
     <ds:schemaRef ds:uri="http://schemas.microsoft.com/internal/obd"/>
   </ds:schemaRefs>
 </ds:datastoreItem>
+</file>
+
+<file path=customXml/itemProps2.xml><?xml version="1.0" encoding="utf-8"?>
+<ds:datastoreItem xmlns:ds="http://schemas.openxmlformats.org/officeDocument/2006/customXml" ds:itemID="{A91E972C-1908-4138-8F23-71EEEC3AAB70}">
+  <ds:schemaRefs>
+    <ds:schemaRef ds:uri="http://schemas.microsoft.com/sharepoint/v3/contenttype/forms"/>
+  </ds:schemaRefs>
+</ds:datastoreItem>
+</file>
+
+<file path=customXml/itemProps3.xml><?xml version="1.0" encoding="utf-8"?>
+<ds:datastoreItem xmlns:ds="http://schemas.openxmlformats.org/officeDocument/2006/customXml" ds:itemID="{28591F37-1B9F-40A3-900D-791619430ABD}">
+  <ds:schemaRefs>
+    <ds:schemaRef ds:uri="http://schemas.microsoft.com/office/2006/metadata/properties"/>
+    <ds:schemaRef ds:uri="http://schemas.microsoft.com/office/infopath/2007/PartnerControls"/>
+  </ds:schemaRefs>
+</ds:datastoreItem>
 </file>
--- a/_drafts/Oppgaver/Workshop/Workshop_2PP.pptx
+++ b/_drafts/Oppgaver/Workshop/Workshop_2PP.pptx
@@ -140,13 +140,90 @@
 <file path=ppt/revisionInfo.xml><?xml version="1.0" encoding="utf-8"?>
 <p1510:revInfo xmlns:a="http://schemas.openxmlformats.org/drawingml/2006/main" xmlns:r="http://schemas.openxmlformats.org/officeDocument/2006/relationships" xmlns:p1510="http://schemas.microsoft.com/office/powerpoint/2015/10/main">
   <p1510:revLst>
-    <p1510:client id="{CC2E105E-BB4D-42C2-B1F2-7BEBE9E9C317}" v="597" dt="2020-11-25T09:41:11.847"/>
+    <p1510:client id="{A06ADE92-29B7-4FB5-A4E5-DA80B0B496BE}" v="26" dt="2020-11-29T15:32:20.015"/>
   </p1510:revLst>
 </p1510:revInfo>
 </file>
 
 <file path=ppt/changesInfos/changesInfo1.xml><?xml version="1.0" encoding="utf-8"?>
 <pc:chgInfo xmlns:a="http://schemas.openxmlformats.org/drawingml/2006/main" xmlns:r="http://schemas.openxmlformats.org/officeDocument/2006/relationships" xmlns:ac="http://schemas.microsoft.com/office/drawing/2013/main/command" xmlns:pc="http://schemas.microsoft.com/office/powerpoint/2013/main/command">
+  <pc:docChgLst>
+    <pc:chgData name="Andre Martiny" userId="dcdd23ab-7fdd-467e-8703-94ceab9886ce" providerId="ADAL" clId="{A06ADE92-29B7-4FB5-A4E5-DA80B0B496BE}"/>
+    <pc:docChg chg="custSel modSld">
+      <pc:chgData name="Andre Martiny" userId="dcdd23ab-7fdd-467e-8703-94ceab9886ce" providerId="ADAL" clId="{A06ADE92-29B7-4FB5-A4E5-DA80B0B496BE}" dt="2020-11-29T15:32:20.014" v="30"/>
+      <pc:docMkLst>
+        <pc:docMk/>
+      </pc:docMkLst>
+      <pc:sldChg chg="modSp">
+        <pc:chgData name="Andre Martiny" userId="dcdd23ab-7fdd-467e-8703-94ceab9886ce" providerId="ADAL" clId="{A06ADE92-29B7-4FB5-A4E5-DA80B0B496BE}" dt="2020-11-29T15:18:17.314" v="9" actId="20577"/>
+        <pc:sldMkLst>
+          <pc:docMk/>
+          <pc:sldMk cId="1064338250" sldId="257"/>
+        </pc:sldMkLst>
+        <pc:spChg chg="mod">
+          <ac:chgData name="Andre Martiny" userId="dcdd23ab-7fdd-467e-8703-94ceab9886ce" providerId="ADAL" clId="{A06ADE92-29B7-4FB5-A4E5-DA80B0B496BE}" dt="2020-11-29T15:18:17.314" v="9" actId="20577"/>
+          <ac:spMkLst>
+            <pc:docMk/>
+            <pc:sldMk cId="1064338250" sldId="257"/>
+            <ac:spMk id="11" creationId="{90D1C88A-08F8-4C46-BEE2-ABBDC9A94DC0}"/>
+          </ac:spMkLst>
+        </pc:spChg>
+      </pc:sldChg>
+      <pc:sldChg chg="addSp delSp modSp mod modAnim">
+        <pc:chgData name="Andre Martiny" userId="dcdd23ab-7fdd-467e-8703-94ceab9886ce" providerId="ADAL" clId="{A06ADE92-29B7-4FB5-A4E5-DA80B0B496BE}" dt="2020-11-29T15:27:30.380" v="28"/>
+        <pc:sldMkLst>
+          <pc:docMk/>
+          <pc:sldMk cId="689929228" sldId="260"/>
+        </pc:sldMkLst>
+        <pc:spChg chg="mod">
+          <ac:chgData name="Andre Martiny" userId="dcdd23ab-7fdd-467e-8703-94ceab9886ce" providerId="ADAL" clId="{A06ADE92-29B7-4FB5-A4E5-DA80B0B496BE}" dt="2020-11-29T15:27:07.856" v="26" actId="27636"/>
+          <ac:spMkLst>
+            <pc:docMk/>
+            <pc:sldMk cId="689929228" sldId="260"/>
+            <ac:spMk id="3" creationId="{18166937-65B3-4DC8-BB43-63584E0D60E0}"/>
+          </ac:spMkLst>
+        </pc:spChg>
+        <pc:picChg chg="add del mod">
+          <ac:chgData name="Andre Martiny" userId="dcdd23ab-7fdd-467e-8703-94ceab9886ce" providerId="ADAL" clId="{A06ADE92-29B7-4FB5-A4E5-DA80B0B496BE}" dt="2020-11-29T15:22:22.639" v="12" actId="478"/>
+          <ac:picMkLst>
+            <pc:docMk/>
+            <pc:sldMk cId="689929228" sldId="260"/>
+            <ac:picMk id="4" creationId="{25C904F5-32CE-4B45-BFBC-77DEA47018E8}"/>
+          </ac:picMkLst>
+        </pc:picChg>
+        <pc:picChg chg="add mod">
+          <ac:chgData name="Andre Martiny" userId="dcdd23ab-7fdd-467e-8703-94ceab9886ce" providerId="ADAL" clId="{A06ADE92-29B7-4FB5-A4E5-DA80B0B496BE}" dt="2020-11-29T15:22:28.500" v="14" actId="1076"/>
+          <ac:picMkLst>
+            <pc:docMk/>
+            <pc:sldMk cId="689929228" sldId="260"/>
+            <ac:picMk id="5" creationId="{CD486805-5B4F-4A74-ABEF-7B188928A6A2}"/>
+          </ac:picMkLst>
+        </pc:picChg>
+        <pc:picChg chg="add mod">
+          <ac:chgData name="Andre Martiny" userId="dcdd23ab-7fdd-467e-8703-94ceab9886ce" providerId="ADAL" clId="{A06ADE92-29B7-4FB5-A4E5-DA80B0B496BE}" dt="2020-11-29T15:24:08.700" v="21" actId="1076"/>
+          <ac:picMkLst>
+            <pc:docMk/>
+            <pc:sldMk cId="689929228" sldId="260"/>
+            <ac:picMk id="6" creationId="{C8F958F0-C80C-4545-B1C9-316AFFF39FAF}"/>
+          </ac:picMkLst>
+        </pc:picChg>
+      </pc:sldChg>
+      <pc:sldChg chg="modAnim">
+        <pc:chgData name="Andre Martiny" userId="dcdd23ab-7fdd-467e-8703-94ceab9886ce" providerId="ADAL" clId="{A06ADE92-29B7-4FB5-A4E5-DA80B0B496BE}" dt="2020-11-29T15:29:19.856" v="29"/>
+        <pc:sldMkLst>
+          <pc:docMk/>
+          <pc:sldMk cId="183550044" sldId="262"/>
+        </pc:sldMkLst>
+      </pc:sldChg>
+      <pc:sldChg chg="modAnim">
+        <pc:chgData name="Andre Martiny" userId="dcdd23ab-7fdd-467e-8703-94ceab9886ce" providerId="ADAL" clId="{A06ADE92-29B7-4FB5-A4E5-DA80B0B496BE}" dt="2020-11-29T15:32:20.014" v="30"/>
+        <pc:sldMkLst>
+          <pc:docMk/>
+          <pc:sldMk cId="657060802" sldId="279"/>
+        </pc:sldMkLst>
+      </pc:sldChg>
+    </pc:docChg>
+  </pc:docChgLst>
   <pc:docChgLst>
     <pc:chgData name="Andre Martiny" userId="dcdd23ab-7fdd-467e-8703-94ceab9886ce" providerId="ADAL" clId="{5D6E3F71-8062-422A-AC2C-B4FA3464B478}"/>
     <pc:docChg chg="undo custSel addSld modSld">
@@ -1803,7 +1880,7 @@
           <a:p>
             <a:fld id="{1C183416-4547-4DE4-A491-59E4C0EC875B}" type="datetimeFigureOut">
               <a:rPr lang="nb-NO" smtClean="0"/>
-              <a:t>25.11.2020</a:t>
+              <a:t>29.11.2020</a:t>
             </a:fld>
             <a:endParaRPr lang="nb-NO"/>
           </a:p>
@@ -2089,7 +2166,7 @@
       </p:grpSpPr>
       <p:sp>
         <p:nvSpPr>
-          <p:cNvPr id="2" name="Plassholder for lysbilde 1"/>
+          <p:cNvPr id="2" name="Slide Image Placeholder 1"/>
           <p:cNvSpPr>
             <a:spLocks noGrp="1" noRot="1" noChangeAspect="1"/>
           </p:cNvSpPr>
@@ -2101,7 +2178,7 @@
       </p:sp>
       <p:sp>
         <p:nvSpPr>
-          <p:cNvPr id="3" name="Plassholder for notater 2"/>
+          <p:cNvPr id="3" name="Notes Placeholder 2"/>
           <p:cNvSpPr>
             <a:spLocks noGrp="1"/>
           </p:cNvSpPr>
@@ -2114,13 +2191,13 @@
           <a:bodyPr/>
           <a:lstStyle/>
           <a:p>
-            <a:endParaRPr lang="nb-NO" dirty="0"/>
-          </a:p>
-        </p:txBody>
-      </p:sp>
-      <p:sp>
-        <p:nvSpPr>
-          <p:cNvPr id="4" name="Plassholder for lysbildenummer 3"/>
+            <a:endParaRPr lang="nb-NO"/>
+          </a:p>
+        </p:txBody>
+      </p:sp>
+      <p:sp>
+        <p:nvSpPr>
+          <p:cNvPr id="4" name="Slide Number Placeholder 3"/>
           <p:cNvSpPr>
             <a:spLocks noGrp="1"/>
           </p:cNvSpPr>
@@ -2135,7 +2212,7 @@
           <a:p>
             <a:fld id="{D95B9550-F2AC-4E79-AFA1-DC160CE0C43D}" type="slidenum">
               <a:rPr lang="nb-NO" smtClean="0"/>
-              <a:t>8</a:t>
+              <a:t>6</a:t>
             </a:fld>
             <a:endParaRPr lang="nb-NO"/>
           </a:p>
@@ -2144,7 +2221,7 @@
     </p:spTree>
     <p:extLst>
       <p:ext uri="{BB962C8B-B14F-4D97-AF65-F5344CB8AC3E}">
-        <p14:creationId xmlns:p14="http://schemas.microsoft.com/office/powerpoint/2010/main" val="795777145"/>
+        <p14:creationId xmlns:p14="http://schemas.microsoft.com/office/powerpoint/2010/main" val="2133168881"/>
       </p:ext>
     </p:extLst>
   </p:cSld>
@@ -2219,6 +2296,90 @@
           <a:p>
             <a:fld id="{D95B9550-F2AC-4E79-AFA1-DC160CE0C43D}" type="slidenum">
               <a:rPr lang="nb-NO" smtClean="0"/>
+              <a:t>18</a:t>
+            </a:fld>
+            <a:endParaRPr lang="nb-NO"/>
+          </a:p>
+        </p:txBody>
+      </p:sp>
+    </p:spTree>
+    <p:extLst>
+      <p:ext uri="{BB962C8B-B14F-4D97-AF65-F5344CB8AC3E}">
+        <p14:creationId xmlns:p14="http://schemas.microsoft.com/office/powerpoint/2010/main" val="3382854026"/>
+      </p:ext>
+    </p:extLst>
+  </p:cSld>
+  <p:clrMapOvr>
+    <a:masterClrMapping/>
+  </p:clrMapOvr>
+</p:notes>
+</file>
+
+<file path=ppt/notesSlides/notesSlide11.xml><?xml version="1.0" encoding="utf-8"?>
+<p:notes xmlns:a="http://schemas.openxmlformats.org/drawingml/2006/main" xmlns:r="http://schemas.openxmlformats.org/officeDocument/2006/relationships" xmlns:p="http://schemas.openxmlformats.org/presentationml/2006/main">
+  <p:cSld>
+    <p:spTree>
+      <p:nvGrpSpPr>
+        <p:cNvPr id="1" name=""/>
+        <p:cNvGrpSpPr/>
+        <p:nvPr/>
+      </p:nvGrpSpPr>
+      <p:grpSpPr>
+        <a:xfrm>
+          <a:off x="0" y="0"/>
+          <a:ext cx="0" cy="0"/>
+          <a:chOff x="0" y="0"/>
+          <a:chExt cx="0" cy="0"/>
+        </a:xfrm>
+      </p:grpSpPr>
+      <p:sp>
+        <p:nvSpPr>
+          <p:cNvPr id="2" name="Plassholder for lysbilde 1"/>
+          <p:cNvSpPr>
+            <a:spLocks noGrp="1" noRot="1" noChangeAspect="1"/>
+          </p:cNvSpPr>
+          <p:nvPr>
+            <p:ph type="sldImg"/>
+          </p:nvPr>
+        </p:nvSpPr>
+        <p:spPr/>
+      </p:sp>
+      <p:sp>
+        <p:nvSpPr>
+          <p:cNvPr id="3" name="Plassholder for notater 2"/>
+          <p:cNvSpPr>
+            <a:spLocks noGrp="1"/>
+          </p:cNvSpPr>
+          <p:nvPr>
+            <p:ph type="body" idx="1"/>
+          </p:nvPr>
+        </p:nvSpPr>
+        <p:spPr/>
+        <p:txBody>
+          <a:bodyPr/>
+          <a:lstStyle/>
+          <a:p>
+            <a:endParaRPr lang="nb-NO" dirty="0"/>
+          </a:p>
+        </p:txBody>
+      </p:sp>
+      <p:sp>
+        <p:nvSpPr>
+          <p:cNvPr id="4" name="Plassholder for lysbildenummer 3"/>
+          <p:cNvSpPr>
+            <a:spLocks noGrp="1"/>
+          </p:cNvSpPr>
+          <p:nvPr>
+            <p:ph type="sldNum" sz="quarter" idx="5"/>
+          </p:nvPr>
+        </p:nvSpPr>
+        <p:spPr/>
+        <p:txBody>
+          <a:bodyPr/>
+          <a:lstStyle/>
+          <a:p>
+            <a:fld id="{D95B9550-F2AC-4E79-AFA1-DC160CE0C43D}" type="slidenum">
+              <a:rPr lang="nb-NO" smtClean="0"/>
               <a:t>19</a:t>
             </a:fld>
             <a:endParaRPr lang="nb-NO"/>
@@ -2238,7 +2399,7 @@
 </p:notes>
 </file>
 
-<file path=ppt/notesSlides/notesSlide11.xml><?xml version="1.0" encoding="utf-8"?>
+<file path=ppt/notesSlides/notesSlide12.xml><?xml version="1.0" encoding="utf-8"?>
 <p:notes xmlns:a="http://schemas.openxmlformats.org/drawingml/2006/main" xmlns:r="http://schemas.openxmlformats.org/officeDocument/2006/relationships" xmlns:p="http://schemas.openxmlformats.org/presentationml/2006/main">
   <p:cSld>
     <p:spTree>
@@ -2387,7 +2548,7 @@
           <a:p>
             <a:fld id="{D95B9550-F2AC-4E79-AFA1-DC160CE0C43D}" type="slidenum">
               <a:rPr lang="nb-NO" smtClean="0"/>
-              <a:t>9</a:t>
+              <a:t>8</a:t>
             </a:fld>
             <a:endParaRPr lang="nb-NO"/>
           </a:p>
@@ -2396,7 +2557,7 @@
     </p:spTree>
     <p:extLst>
       <p:ext uri="{BB962C8B-B14F-4D97-AF65-F5344CB8AC3E}">
-        <p14:creationId xmlns:p14="http://schemas.microsoft.com/office/powerpoint/2010/main" val="1342501881"/>
+        <p14:creationId xmlns:p14="http://schemas.microsoft.com/office/powerpoint/2010/main" val="795777145"/>
       </p:ext>
     </p:extLst>
   </p:cSld>
@@ -2471,7 +2632,7 @@
           <a:p>
             <a:fld id="{D95B9550-F2AC-4E79-AFA1-DC160CE0C43D}" type="slidenum">
               <a:rPr lang="nb-NO" smtClean="0"/>
-              <a:t>12</a:t>
+              <a:t>9</a:t>
             </a:fld>
             <a:endParaRPr lang="nb-NO"/>
           </a:p>
@@ -2480,7 +2641,7 @@
     </p:spTree>
     <p:extLst>
       <p:ext uri="{BB962C8B-B14F-4D97-AF65-F5344CB8AC3E}">
-        <p14:creationId xmlns:p14="http://schemas.microsoft.com/office/powerpoint/2010/main" val="3717349871"/>
+        <p14:creationId xmlns:p14="http://schemas.microsoft.com/office/powerpoint/2010/main" val="1342501881"/>
       </p:ext>
     </p:extLst>
   </p:cSld>
@@ -2555,7 +2716,7 @@
           <a:p>
             <a:fld id="{D95B9550-F2AC-4E79-AFA1-DC160CE0C43D}" type="slidenum">
               <a:rPr lang="nb-NO" smtClean="0"/>
-              <a:t>13</a:t>
+              <a:t>12</a:t>
             </a:fld>
             <a:endParaRPr lang="nb-NO"/>
           </a:p>
@@ -2564,7 +2725,7 @@
     </p:spTree>
     <p:extLst>
       <p:ext uri="{BB962C8B-B14F-4D97-AF65-F5344CB8AC3E}">
-        <p14:creationId xmlns:p14="http://schemas.microsoft.com/office/powerpoint/2010/main" val="3588242282"/>
+        <p14:creationId xmlns:p14="http://schemas.microsoft.com/office/powerpoint/2010/main" val="3717349871"/>
       </p:ext>
     </p:extLst>
   </p:cSld>
@@ -2639,7 +2800,7 @@
           <a:p>
             <a:fld id="{D95B9550-F2AC-4E79-AFA1-DC160CE0C43D}" type="slidenum">
               <a:rPr lang="nb-NO" smtClean="0"/>
-              <a:t>14</a:t>
+              <a:t>13</a:t>
             </a:fld>
             <a:endParaRPr lang="nb-NO"/>
           </a:p>
@@ -2648,7 +2809,7 @@
     </p:spTree>
     <p:extLst>
       <p:ext uri="{BB962C8B-B14F-4D97-AF65-F5344CB8AC3E}">
-        <p14:creationId xmlns:p14="http://schemas.microsoft.com/office/powerpoint/2010/main" val="2749309268"/>
+        <p14:creationId xmlns:p14="http://schemas.microsoft.com/office/powerpoint/2010/main" val="3588242282"/>
       </p:ext>
     </p:extLst>
   </p:cSld>
@@ -2723,7 +2884,7 @@
           <a:p>
             <a:fld id="{D95B9550-F2AC-4E79-AFA1-DC160CE0C43D}" type="slidenum">
               <a:rPr lang="nb-NO" smtClean="0"/>
-              <a:t>15</a:t>
+              <a:t>14</a:t>
             </a:fld>
             <a:endParaRPr lang="nb-NO"/>
           </a:p>
@@ -2732,7 +2893,7 @@
     </p:spTree>
     <p:extLst>
       <p:ext uri="{BB962C8B-B14F-4D97-AF65-F5344CB8AC3E}">
-        <p14:creationId xmlns:p14="http://schemas.microsoft.com/office/powerpoint/2010/main" val="691445521"/>
+        <p14:creationId xmlns:p14="http://schemas.microsoft.com/office/powerpoint/2010/main" val="2749309268"/>
       </p:ext>
     </p:extLst>
   </p:cSld>
@@ -2807,7 +2968,7 @@
           <a:p>
             <a:fld id="{D95B9550-F2AC-4E79-AFA1-DC160CE0C43D}" type="slidenum">
               <a:rPr lang="nb-NO" smtClean="0"/>
-              <a:t>16</a:t>
+              <a:t>15</a:t>
             </a:fld>
             <a:endParaRPr lang="nb-NO"/>
           </a:p>
@@ -2816,7 +2977,7 @@
     </p:spTree>
     <p:extLst>
       <p:ext uri="{BB962C8B-B14F-4D97-AF65-F5344CB8AC3E}">
-        <p14:creationId xmlns:p14="http://schemas.microsoft.com/office/powerpoint/2010/main" val="444607585"/>
+        <p14:creationId xmlns:p14="http://schemas.microsoft.com/office/powerpoint/2010/main" val="691445521"/>
       </p:ext>
     </p:extLst>
   </p:cSld>
@@ -2891,7 +3052,7 @@
           <a:p>
             <a:fld id="{D95B9550-F2AC-4E79-AFA1-DC160CE0C43D}" type="slidenum">
               <a:rPr lang="nb-NO" smtClean="0"/>
-              <a:t>17</a:t>
+              <a:t>16</a:t>
             </a:fld>
             <a:endParaRPr lang="nb-NO"/>
           </a:p>
@@ -2900,7 +3061,7 @@
     </p:spTree>
     <p:extLst>
       <p:ext uri="{BB962C8B-B14F-4D97-AF65-F5344CB8AC3E}">
-        <p14:creationId xmlns:p14="http://schemas.microsoft.com/office/powerpoint/2010/main" val="21372367"/>
+        <p14:creationId xmlns:p14="http://schemas.microsoft.com/office/powerpoint/2010/main" val="444607585"/>
       </p:ext>
     </p:extLst>
   </p:cSld>
@@ -2975,7 +3136,7 @@
           <a:p>
             <a:fld id="{D95B9550-F2AC-4E79-AFA1-DC160CE0C43D}" type="slidenum">
               <a:rPr lang="nb-NO" smtClean="0"/>
-              <a:t>18</a:t>
+              <a:t>17</a:t>
             </a:fld>
             <a:endParaRPr lang="nb-NO"/>
           </a:p>
@@ -2984,7 +3145,7 @@
     </p:spTree>
     <p:extLst>
       <p:ext uri="{BB962C8B-B14F-4D97-AF65-F5344CB8AC3E}">
-        <p14:creationId xmlns:p14="http://schemas.microsoft.com/office/powerpoint/2010/main" val="3382854026"/>
+        <p14:creationId xmlns:p14="http://schemas.microsoft.com/office/powerpoint/2010/main" val="21372367"/>
       </p:ext>
     </p:extLst>
   </p:cSld>
@@ -3258,7 +3419,7 @@
           <a:p>
             <a:fld id="{689B78D6-20BD-4846-B0D0-B1807AA89A6A}" type="datetime1">
               <a:rPr lang="en-US" smtClean="0"/>
-              <a:t>11/25/2020</a:t>
+              <a:t>11/29/2020</a:t>
             </a:fld>
             <a:endParaRPr lang="en-US" dirty="0"/>
           </a:p>
@@ -3503,7 +3664,7 @@
           <a:p>
             <a:fld id="{CAC49898-619D-4EBA-9825-E85E94553AD2}" type="datetime1">
               <a:rPr lang="en-US" smtClean="0"/>
-              <a:t>11/25/2020</a:t>
+              <a:t>11/29/2020</a:t>
             </a:fld>
             <a:endParaRPr lang="nb-NO"/>
           </a:p>
@@ -3873,7 +4034,7 @@
           <a:p>
             <a:fld id="{4BBABEDE-746E-4986-ACEC-2DF96833B480}" type="datetime1">
               <a:rPr lang="en-US" smtClean="0"/>
-              <a:t>11/25/2020</a:t>
+              <a:t>11/29/2020</a:t>
             </a:fld>
             <a:endParaRPr lang="nb-NO"/>
           </a:p>
@@ -3994,7 +4155,7 @@
           <a:p>
             <a:fld id="{0B792F04-B201-4600-99E5-FFE097731B7F}" type="datetime1">
               <a:rPr lang="en-US" smtClean="0"/>
-              <a:t>11/25/2020</a:t>
+              <a:t>11/29/2020</a:t>
             </a:fld>
             <a:endParaRPr lang="nb-NO"/>
           </a:p>
@@ -4092,7 +4253,7 @@
           <a:p>
             <a:fld id="{A896B82A-4593-4349-B4F4-52B06B60F019}" type="datetime1">
               <a:rPr lang="en-US" smtClean="0"/>
-              <a:t>11/25/2020</a:t>
+              <a:t>11/29/2020</a:t>
             </a:fld>
             <a:endParaRPr lang="nb-NO"/>
           </a:p>
@@ -4372,7 +4533,7 @@
           <a:p>
             <a:fld id="{83077056-5187-4605-9A04-9F83E59F6785}" type="datetime1">
               <a:rPr lang="en-US" smtClean="0"/>
-              <a:t>11/25/2020</a:t>
+              <a:t>11/29/2020</a:t>
             </a:fld>
             <a:endParaRPr lang="nb-NO"/>
           </a:p>
@@ -4632,7 +4793,7 @@
           <a:p>
             <a:fld id="{1F02436D-1B29-4D0E-A891-F1B8C2AA612D}" type="datetime1">
               <a:rPr lang="en-US" smtClean="0"/>
-              <a:t>11/25/2020</a:t>
+              <a:t>11/29/2020</a:t>
             </a:fld>
             <a:endParaRPr lang="nb-NO"/>
           </a:p>
@@ -4774,7 +4935,7 @@
           <a:p>
             <a:fld id="{7F92C38A-00CC-4578-ABA8-6DDF940EFFC6}" type="datetime1">
               <a:rPr lang="en-US" smtClean="0"/>
-              <a:t>11/25/2020</a:t>
+              <a:t>11/29/2020</a:t>
             </a:fld>
             <a:endParaRPr lang="en-US" dirty="0"/>
           </a:p>
@@ -4968,7 +5129,7 @@
           <a:p>
             <a:fld id="{0F0876E8-1776-4A9D-AA9F-26E16A31783E}" type="datetime1">
               <a:rPr lang="en-US" smtClean="0"/>
-              <a:t>11/25/2020</a:t>
+              <a:t>11/29/2020</a:t>
             </a:fld>
             <a:endParaRPr lang="en-US" dirty="0"/>
           </a:p>
@@ -5213,7 +5374,7 @@
           <a:p>
             <a:fld id="{8B145C51-195A-4AD4-A9E7-5662BE6BA4D0}" type="datetime1">
               <a:rPr lang="en-US" smtClean="0"/>
-              <a:t>11/25/2020</a:t>
+              <a:t>11/29/2020</a:t>
             </a:fld>
             <a:endParaRPr lang="nb-NO"/>
           </a:p>
@@ -5386,7 +5547,7 @@
           <a:p>
             <a:fld id="{8EC67227-D3D4-490D-B16D-FCA5F18FF075}" type="datetime1">
               <a:rPr lang="en-US" smtClean="0"/>
-              <a:t>11/25/2020</a:t>
+              <a:t>11/29/2020</a:t>
             </a:fld>
             <a:endParaRPr lang="en-US" dirty="0"/>
           </a:p>
@@ -5756,7 +5917,7 @@
           <a:p>
             <a:fld id="{0CCFE2AC-89A1-4D53-AF25-27121FF59245}" type="datetime1">
               <a:rPr lang="en-US" smtClean="0"/>
-              <a:t>11/25/2020</a:t>
+              <a:t>11/29/2020</a:t>
             </a:fld>
             <a:endParaRPr lang="nb-NO"/>
           </a:p>
@@ -5877,7 +6038,7 @@
           <a:p>
             <a:fld id="{6B77C13B-6B0A-4B20-A4F5-40FE5F8CF7E5}" type="datetime1">
               <a:rPr lang="en-US" smtClean="0"/>
-              <a:t>11/25/2020</a:t>
+              <a:t>11/29/2020</a:t>
             </a:fld>
             <a:endParaRPr lang="nb-NO"/>
           </a:p>
@@ -5975,7 +6136,7 @@
           <a:p>
             <a:fld id="{09AB79EF-2957-491B-AAC8-322C806EFFD9}" type="datetime1">
               <a:rPr lang="en-US" smtClean="0"/>
-              <a:t>11/25/2020</a:t>
+              <a:t>11/29/2020</a:t>
             </a:fld>
             <a:endParaRPr lang="nb-NO"/>
           </a:p>
@@ -6255,7 +6416,7 @@
           <a:p>
             <a:fld id="{F0E7E48C-2BCC-498B-B35C-B93F7D43789F}" type="datetime1">
               <a:rPr lang="en-US" smtClean="0"/>
-              <a:t>11/25/2020</a:t>
+              <a:t>11/29/2020</a:t>
             </a:fld>
             <a:endParaRPr lang="nb-NO"/>
           </a:p>
@@ -6515,7 +6676,7 @@
           <a:p>
             <a:fld id="{BACB5408-DC42-44CF-8A3B-974FDC745E1A}" type="datetime1">
               <a:rPr lang="en-US" smtClean="0"/>
-              <a:t>11/25/2020</a:t>
+              <a:t>11/29/2020</a:t>
             </a:fld>
             <a:endParaRPr lang="nb-NO"/>
           </a:p>
@@ -6760,7 +6921,7 @@
           <a:p>
             <a:fld id="{0954A5A9-3A74-4FD4-9B3D-84F2CEB8CA5D}" type="datetime1">
               <a:rPr lang="en-US" smtClean="0"/>
-              <a:t>11/25/2020</a:t>
+              <a:t>11/29/2020</a:t>
             </a:fld>
             <a:endParaRPr lang="nb-NO"/>
           </a:p>
@@ -7130,7 +7291,7 @@
           <a:p>
             <a:fld id="{F8E9ACD6-42D8-47F5-88E0-D9CA32C9F8A1}" type="datetime1">
               <a:rPr lang="en-US" smtClean="0"/>
-              <a:t>11/25/2020</a:t>
+              <a:t>11/29/2020</a:t>
             </a:fld>
             <a:endParaRPr lang="nb-NO"/>
           </a:p>
@@ -7251,7 +7412,7 @@
           <a:p>
             <a:fld id="{2CF6ED32-7C1B-4D12-A32C-52A5945BFBE7}" type="datetime1">
               <a:rPr lang="en-US" smtClean="0"/>
-              <a:t>11/25/2020</a:t>
+              <a:t>11/29/2020</a:t>
             </a:fld>
             <a:endParaRPr lang="nb-NO"/>
           </a:p>
@@ -7349,7 +7510,7 @@
           <a:p>
             <a:fld id="{64182CD4-752B-4B6C-9DCC-297F228CBFE6}" type="datetime1">
               <a:rPr lang="en-US" smtClean="0"/>
-              <a:t>11/25/2020</a:t>
+              <a:t>11/29/2020</a:t>
             </a:fld>
             <a:endParaRPr lang="nb-NO"/>
           </a:p>
@@ -7629,7 +7790,7 @@
           <a:p>
             <a:fld id="{FF92BD09-88A7-48A3-9438-8F11B44DB753}" type="datetime1">
               <a:rPr lang="en-US" smtClean="0"/>
-              <a:t>11/25/2020</a:t>
+              <a:t>11/29/2020</a:t>
             </a:fld>
             <a:endParaRPr lang="nb-NO"/>
           </a:p>
@@ -7889,7 +8050,7 @@
           <a:p>
             <a:fld id="{78F519AB-9467-4563-B2E4-E70C348AB1BE}" type="datetime1">
               <a:rPr lang="en-US" smtClean="0"/>
-              <a:t>11/25/2020</a:t>
+              <a:t>11/29/2020</a:t>
             </a:fld>
             <a:endParaRPr lang="nb-NO"/>
           </a:p>
@@ -8031,7 +8192,7 @@
           <a:p>
             <a:fld id="{CDF62041-14DA-4A9B-A639-05A164CA2E4C}" type="datetime1">
               <a:rPr lang="en-US" smtClean="0"/>
-              <a:t>11/25/2020</a:t>
+              <a:t>11/29/2020</a:t>
             </a:fld>
             <a:endParaRPr lang="en-US" dirty="0"/>
           </a:p>
@@ -8307,7 +8468,7 @@
           <a:p>
             <a:fld id="{785B8D15-6870-4E1B-811C-57994D71C5B6}" type="datetime1">
               <a:rPr lang="en-US" smtClean="0"/>
-              <a:t>11/25/2020</a:t>
+              <a:t>11/29/2020</a:t>
             </a:fld>
             <a:endParaRPr lang="en-US" dirty="0"/>
           </a:p>
@@ -8848,7 +9009,7 @@
           <a:p>
             <a:fld id="{60FC07E0-8E40-4B6C-B24F-7CF0305B9C7B}" type="datetime1">
               <a:rPr lang="en-US" smtClean="0"/>
-              <a:t>11/25/2020</a:t>
+              <a:t>11/29/2020</a:t>
             </a:fld>
             <a:endParaRPr lang="en-US" dirty="0"/>
           </a:p>
@@ -9467,7 +9628,7 @@
           <a:p>
             <a:fld id="{BAA7CB9B-2627-411A-9C37-CCC42B5F422C}" type="datetime1">
               <a:rPr lang="en-US" smtClean="0"/>
-              <a:t>11/25/2020</a:t>
+              <a:t>11/29/2020</a:t>
             </a:fld>
             <a:endParaRPr lang="en-US" dirty="0"/>
           </a:p>
@@ -10124,7 +10285,7 @@
             <a:pPr lvl="2"/>
             <a:r>
               <a:rPr lang="nb-NO" sz="2200" dirty="0"/>
-              <a:t>«Pseudokode»</a:t>
+              <a:t>Feilsøking</a:t>
             </a:r>
             <a:endParaRPr lang="nb-NO" sz="3000" dirty="0"/>
           </a:p>
@@ -15650,7 +15811,7 @@
         </p:spPr>
         <p:txBody>
           <a:bodyPr>
-            <a:normAutofit lnSpcReduction="10000"/>
+            <a:normAutofit fontScale="92500" lnSpcReduction="10000"/>
           </a:bodyPr>
           <a:lstStyle/>
           <a:p>
@@ -15748,7 +15909,6 @@
             </a:r>
           </a:p>
           <a:p>
-            <a:pPr lvl="1"/>
             <a:r>
               <a:rPr lang="nb-NO" dirty="0" err="1"/>
               <a:t>Debug</a:t>
@@ -15846,6 +16006,66 @@
           </a:p>
         </p:txBody>
       </p:sp>
+      <p:pic>
+        <p:nvPicPr>
+          <p:cNvPr id="5" name="Picture 4">
+            <a:extLst>
+              <a:ext uri="{FF2B5EF4-FFF2-40B4-BE49-F238E27FC236}">
+                <a16:creationId xmlns:a16="http://schemas.microsoft.com/office/drawing/2014/main" id="{CD486805-5B4F-4A74-ABEF-7B188928A6A2}"/>
+              </a:ext>
+            </a:extLst>
+          </p:cNvPr>
+          <p:cNvPicPr>
+            <a:picLocks noChangeAspect="1"/>
+          </p:cNvPicPr>
+          <p:nvPr/>
+        </p:nvPicPr>
+        <p:blipFill>
+          <a:blip r:embed="rId2"/>
+          <a:stretch>
+            <a:fillRect/>
+          </a:stretch>
+        </p:blipFill>
+        <p:spPr>
+          <a:xfrm>
+            <a:off x="5847134" y="2323639"/>
+            <a:ext cx="5325218" cy="2048161"/>
+          </a:xfrm>
+          <a:prstGeom prst="rect">
+            <a:avLst/>
+          </a:prstGeom>
+        </p:spPr>
+      </p:pic>
+      <p:pic>
+        <p:nvPicPr>
+          <p:cNvPr id="6" name="Picture 5">
+            <a:extLst>
+              <a:ext uri="{FF2B5EF4-FFF2-40B4-BE49-F238E27FC236}">
+                <a16:creationId xmlns:a16="http://schemas.microsoft.com/office/drawing/2014/main" id="{C8F958F0-C80C-4545-B1C9-316AFFF39FAF}"/>
+              </a:ext>
+            </a:extLst>
+          </p:cNvPr>
+          <p:cNvPicPr>
+            <a:picLocks noChangeAspect="1"/>
+          </p:cNvPicPr>
+          <p:nvPr/>
+        </p:nvPicPr>
+        <p:blipFill>
+          <a:blip r:embed="rId3"/>
+          <a:stretch>
+            <a:fillRect/>
+          </a:stretch>
+        </p:blipFill>
+        <p:spPr>
+          <a:xfrm>
+            <a:off x="5847134" y="2323639"/>
+            <a:ext cx="5144218" cy="2086266"/>
+          </a:xfrm>
+          <a:prstGeom prst="rect">
+            <a:avLst/>
+          </a:prstGeom>
+        </p:spPr>
+      </p:pic>
     </p:spTree>
     <p:extLst>
       <p:ext uri="{BB962C8B-B14F-4D97-AF65-F5344CB8AC3E}">
@@ -16418,6 +16638,128 @@
                                           </p:stCondLst>
                                         </p:cTn>
                                         <p:tgtEl>
+                                          <p:spTgt spid="5"/>
+                                        </p:tgtEl>
+                                        <p:attrNameLst>
+                                          <p:attrName>style.visibility</p:attrName>
+                                        </p:attrNameLst>
+                                      </p:cBhvr>
+                                      <p:to>
+                                        <p:strVal val="visible"/>
+                                      </p:to>
+                                    </p:set>
+                                  </p:childTnLst>
+                                  <p:subTnLst>
+                                    <p:set>
+                                      <p:cBhvr override="childStyle">
+                                        <p:cTn dur="1" fill="hold" display="0" masterRel="nextClick" afterEffect="1"/>
+                                        <p:tgtEl>
+                                          <p:spTgt spid="5"/>
+                                        </p:tgtEl>
+                                        <p:attrNameLst>
+                                          <p:attrName>style.visibility</p:attrName>
+                                        </p:attrNameLst>
+                                      </p:cBhvr>
+                                      <p:to>
+                                        <p:strVal val="hidden"/>
+                                      </p:to>
+                                    </p:set>
+                                  </p:subTnLst>
+                                </p:cTn>
+                              </p:par>
+                            </p:childTnLst>
+                          </p:cTn>
+                        </p:par>
+                      </p:childTnLst>
+                    </p:cTn>
+                  </p:par>
+                  <p:par>
+                    <p:cTn id="35" fill="hold">
+                      <p:stCondLst>
+                        <p:cond delay="indefinite"/>
+                      </p:stCondLst>
+                      <p:childTnLst>
+                        <p:par>
+                          <p:cTn id="36" fill="hold">
+                            <p:stCondLst>
+                              <p:cond delay="0"/>
+                            </p:stCondLst>
+                            <p:childTnLst>
+                              <p:par>
+                                <p:cTn id="37" presetID="1" presetClass="entr" presetSubtype="0" fill="hold" nodeType="clickEffect">
+                                  <p:stCondLst>
+                                    <p:cond delay="0"/>
+                                  </p:stCondLst>
+                                  <p:childTnLst>
+                                    <p:set>
+                                      <p:cBhvr>
+                                        <p:cTn id="38" dur="1" fill="hold">
+                                          <p:stCondLst>
+                                            <p:cond delay="0"/>
+                                          </p:stCondLst>
+                                        </p:cTn>
+                                        <p:tgtEl>
+                                          <p:spTgt spid="6"/>
+                                        </p:tgtEl>
+                                        <p:attrNameLst>
+                                          <p:attrName>style.visibility</p:attrName>
+                                        </p:attrNameLst>
+                                      </p:cBhvr>
+                                      <p:to>
+                                        <p:strVal val="visible"/>
+                                      </p:to>
+                                    </p:set>
+                                  </p:childTnLst>
+                                  <p:subTnLst>
+                                    <p:set>
+                                      <p:cBhvr override="childStyle">
+                                        <p:cTn dur="1" fill="hold" display="0" masterRel="nextClick" afterEffect="1"/>
+                                        <p:tgtEl>
+                                          <p:spTgt spid="6"/>
+                                        </p:tgtEl>
+                                        <p:attrNameLst>
+                                          <p:attrName>style.visibility</p:attrName>
+                                        </p:attrNameLst>
+                                      </p:cBhvr>
+                                      <p:to>
+                                        <p:strVal val="hidden"/>
+                                      </p:to>
+                                    </p:set>
+                                  </p:subTnLst>
+                                </p:cTn>
+                              </p:par>
+                            </p:childTnLst>
+                          </p:cTn>
+                        </p:par>
+                      </p:childTnLst>
+                    </p:cTn>
+                  </p:par>
+                  <p:par>
+                    <p:cTn id="39" fill="hold">
+                      <p:stCondLst>
+                        <p:cond delay="indefinite"/>
+                      </p:stCondLst>
+                      <p:childTnLst>
+                        <p:par>
+                          <p:cTn id="40" fill="hold">
+                            <p:stCondLst>
+                              <p:cond delay="0"/>
+                            </p:stCondLst>
+                            <p:childTnLst>
+                              <p:par>
+                                <p:cTn id="41" presetID="1" presetClass="entr" presetSubtype="0" fill="hold" nodeType="clickEffect">
+                                  <p:stCondLst>
+                                    <p:cond delay="0"/>
+                                  </p:stCondLst>
+                                  <p:childTnLst>
+                                    <p:set>
+                                      <p:cBhvr>
+                                        <p:cTn id="42" dur="1" fill="hold">
+                                          <p:stCondLst>
+                                            <p:cond delay="0"/>
+                                          </p:stCondLst>
+                                        </p:cTn>
+                                        <p:tgtEl>
                                           <p:spTgt spid="3">
                                             <p:txEl>
                                               <p:pRg st="8" end="8"/>
@@ -16456,14 +16798,14 @@
                                 </p:cTn>
                               </p:par>
                               <p:par>
-                                <p:cTn id="35" presetID="1" presetClass="entr" presetSubtype="0" fill="hold" nodeType="withEffect">
+                                <p:cTn id="43" presetID="1" presetClass="entr" presetSubtype="0" fill="hold" nodeType="withEffect">
                                   <p:stCondLst>
                                     <p:cond delay="0"/>
                                   </p:stCondLst>
                                   <p:childTnLst>
                                     <p:set>
                                       <p:cBhvr>
-                                        <p:cTn id="36" dur="1" fill="hold">
+                                        <p:cTn id="44" dur="1" fill="hold">
                                           <p:stCondLst>
                                             <p:cond delay="0"/>
                                           </p:stCondLst>
@@ -16506,15 +16848,33 @@
                                   </p:subTnLst>
                                 </p:cTn>
                               </p:par>
+                            </p:childTnLst>
+                          </p:cTn>
+                        </p:par>
+                      </p:childTnLst>
+                    </p:cTn>
+                  </p:par>
+                  <p:par>
+                    <p:cTn id="45" fill="hold">
+                      <p:stCondLst>
+                        <p:cond delay="indefinite"/>
+                      </p:stCondLst>
+                      <p:childTnLst>
+                        <p:par>
+                          <p:cTn id="46" fill="hold">
+                            <p:stCondLst>
+                              <p:cond delay="0"/>
+                            </p:stCondLst>
+                            <p:childTnLst>
                               <p:par>
-                                <p:cTn id="37" presetID="1" presetClass="entr" presetSubtype="0" fill="hold" nodeType="withEffect">
+                                <p:cTn id="47" presetID="1" presetClass="entr" presetSubtype="0" fill="hold" nodeType="clickEffect">
                                   <p:stCondLst>
                                     <p:cond delay="0"/>
                                   </p:stCondLst>
                                   <p:childTnLst>
                                     <p:set>
                                       <p:cBhvr>
-                                        <p:cTn id="38" dur="1" fill="hold">
+                                        <p:cTn id="48" dur="1" fill="hold">
                                           <p:stCondLst>
                                             <p:cond delay="0"/>
                                           </p:stCondLst>
@@ -16564,26 +16924,26 @@
                     </p:cTn>
                   </p:par>
                   <p:par>
-                    <p:cTn id="39" fill="hold">
+                    <p:cTn id="49" fill="hold">
                       <p:stCondLst>
                         <p:cond delay="indefinite"/>
                       </p:stCondLst>
                       <p:childTnLst>
                         <p:par>
-                          <p:cTn id="40" fill="hold">
+                          <p:cTn id="50" fill="hold">
                             <p:stCondLst>
                               <p:cond delay="0"/>
                             </p:stCondLst>
                             <p:childTnLst>
                               <p:par>
-                                <p:cTn id="41" presetID="1" presetClass="entr" presetSubtype="0" fill="hold" nodeType="clickEffect">
+                                <p:cTn id="51" presetID="1" presetClass="entr" presetSubtype="0" fill="hold" nodeType="clickEffect">
                                   <p:stCondLst>
                                     <p:cond delay="0"/>
                                   </p:stCondLst>
                                   <p:childTnLst>
                                     <p:set>
                                       <p:cBhvr>
-                                        <p:cTn id="42" dur="1" fill="hold">
+                                        <p:cTn id="52" dur="1" fill="hold">
                                           <p:stCondLst>
                                             <p:cond delay="0"/>
                                           </p:stCondLst>
@@ -16861,6 +17221,333 @@
   <p:clrMapOvr>
     <a:masterClrMapping/>
   </p:clrMapOvr>
+  <p:timing>
+    <p:tnLst>
+      <p:par>
+        <p:cTn id="1" dur="indefinite" restart="never" nodeType="tmRoot">
+          <p:childTnLst>
+            <p:seq concurrent="1" nextAc="seek">
+              <p:cTn id="2" dur="indefinite" nodeType="mainSeq">
+                <p:childTnLst>
+                  <p:par>
+                    <p:cTn id="3" fill="hold">
+                      <p:stCondLst>
+                        <p:cond delay="indefinite"/>
+                      </p:stCondLst>
+                      <p:childTnLst>
+                        <p:par>
+                          <p:cTn id="4" fill="hold">
+                            <p:stCondLst>
+                              <p:cond delay="0"/>
+                            </p:stCondLst>
+                            <p:childTnLst>
+                              <p:par>
+                                <p:cTn id="5" presetID="1" presetClass="entr" presetSubtype="0" fill="hold" nodeType="clickEffect">
+                                  <p:stCondLst>
+                                    <p:cond delay="0"/>
+                                  </p:stCondLst>
+                                  <p:childTnLst>
+                                    <p:set>
+                                      <p:cBhvr>
+                                        <p:cTn id="6" dur="1" fill="hold">
+                                          <p:stCondLst>
+                                            <p:cond delay="0"/>
+                                          </p:stCondLst>
+                                        </p:cTn>
+                                        <p:tgtEl>
+                                          <p:spTgt spid="3">
+                                            <p:txEl>
+                                              <p:pRg st="1" end="1"/>
+                                            </p:txEl>
+                                          </p:spTgt>
+                                        </p:tgtEl>
+                                        <p:attrNameLst>
+                                          <p:attrName>style.visibility</p:attrName>
+                                        </p:attrNameLst>
+                                      </p:cBhvr>
+                                      <p:to>
+                                        <p:strVal val="visible"/>
+                                      </p:to>
+                                    </p:set>
+                                  </p:childTnLst>
+                                </p:cTn>
+                              </p:par>
+                              <p:par>
+                                <p:cTn id="7" presetID="1" presetClass="entr" presetSubtype="0" fill="hold" nodeType="withEffect">
+                                  <p:stCondLst>
+                                    <p:cond delay="0"/>
+                                  </p:stCondLst>
+                                  <p:childTnLst>
+                                    <p:set>
+                                      <p:cBhvr>
+                                        <p:cTn id="8" dur="1" fill="hold">
+                                          <p:stCondLst>
+                                            <p:cond delay="0"/>
+                                          </p:stCondLst>
+                                        </p:cTn>
+                                        <p:tgtEl>
+                                          <p:spTgt spid="3">
+                                            <p:txEl>
+                                              <p:pRg st="2" end="2"/>
+                                            </p:txEl>
+                                          </p:spTgt>
+                                        </p:tgtEl>
+                                        <p:attrNameLst>
+                                          <p:attrName>style.visibility</p:attrName>
+                                        </p:attrNameLst>
+                                      </p:cBhvr>
+                                      <p:to>
+                                        <p:strVal val="visible"/>
+                                      </p:to>
+                                    </p:set>
+                                  </p:childTnLst>
+                                </p:cTn>
+                              </p:par>
+                              <p:par>
+                                <p:cTn id="9" presetID="1" presetClass="entr" presetSubtype="0" fill="hold" nodeType="withEffect">
+                                  <p:stCondLst>
+                                    <p:cond delay="0"/>
+                                  </p:stCondLst>
+                                  <p:childTnLst>
+                                    <p:set>
+                                      <p:cBhvr>
+                                        <p:cTn id="10" dur="1" fill="hold">
+                                          <p:stCondLst>
+                                            <p:cond delay="0"/>
+                                          </p:stCondLst>
+                                        </p:cTn>
+                                        <p:tgtEl>
+                                          <p:spTgt spid="3">
+                                            <p:txEl>
+                                              <p:pRg st="3" end="3"/>
+                                            </p:txEl>
+                                          </p:spTgt>
+                                        </p:tgtEl>
+                                        <p:attrNameLst>
+                                          <p:attrName>style.visibility</p:attrName>
+                                        </p:attrNameLst>
+                                      </p:cBhvr>
+                                      <p:to>
+                                        <p:strVal val="visible"/>
+                                      </p:to>
+                                    </p:set>
+                                  </p:childTnLst>
+                                </p:cTn>
+                              </p:par>
+                              <p:par>
+                                <p:cTn id="11" presetID="1" presetClass="entr" presetSubtype="0" fill="hold" nodeType="withEffect">
+                                  <p:stCondLst>
+                                    <p:cond delay="0"/>
+                                  </p:stCondLst>
+                                  <p:childTnLst>
+                                    <p:set>
+                                      <p:cBhvr>
+                                        <p:cTn id="12" dur="1" fill="hold">
+                                          <p:stCondLst>
+                                            <p:cond delay="0"/>
+                                          </p:stCondLst>
+                                        </p:cTn>
+                                        <p:tgtEl>
+                                          <p:spTgt spid="3">
+                                            <p:txEl>
+                                              <p:pRg st="4" end="4"/>
+                                            </p:txEl>
+                                          </p:spTgt>
+                                        </p:tgtEl>
+                                        <p:attrNameLst>
+                                          <p:attrName>style.visibility</p:attrName>
+                                        </p:attrNameLst>
+                                      </p:cBhvr>
+                                      <p:to>
+                                        <p:strVal val="visible"/>
+                                      </p:to>
+                                    </p:set>
+                                  </p:childTnLst>
+                                </p:cTn>
+                              </p:par>
+                              <p:par>
+                                <p:cTn id="13" presetID="1" presetClass="entr" presetSubtype="0" fill="hold" nodeType="withEffect">
+                                  <p:stCondLst>
+                                    <p:cond delay="0"/>
+                                  </p:stCondLst>
+                                  <p:childTnLst>
+                                    <p:set>
+                                      <p:cBhvr>
+                                        <p:cTn id="14" dur="1" fill="hold">
+                                          <p:stCondLst>
+                                            <p:cond delay="0"/>
+                                          </p:stCondLst>
+                                        </p:cTn>
+                                        <p:tgtEl>
+                                          <p:spTgt spid="3">
+                                            <p:txEl>
+                                              <p:pRg st="5" end="5"/>
+                                            </p:txEl>
+                                          </p:spTgt>
+                                        </p:tgtEl>
+                                        <p:attrNameLst>
+                                          <p:attrName>style.visibility</p:attrName>
+                                        </p:attrNameLst>
+                                      </p:cBhvr>
+                                      <p:to>
+                                        <p:strVal val="visible"/>
+                                      </p:to>
+                                    </p:set>
+                                  </p:childTnLst>
+                                </p:cTn>
+                              </p:par>
+                              <p:par>
+                                <p:cTn id="15" presetID="1" presetClass="entr" presetSubtype="0" fill="hold" nodeType="withEffect">
+                                  <p:stCondLst>
+                                    <p:cond delay="0"/>
+                                  </p:stCondLst>
+                                  <p:childTnLst>
+                                    <p:set>
+                                      <p:cBhvr>
+                                        <p:cTn id="16" dur="1" fill="hold">
+                                          <p:stCondLst>
+                                            <p:cond delay="0"/>
+                                          </p:stCondLst>
+                                        </p:cTn>
+                                        <p:tgtEl>
+                                          <p:spTgt spid="3">
+                                            <p:txEl>
+                                              <p:pRg st="6" end="6"/>
+                                            </p:txEl>
+                                          </p:spTgt>
+                                        </p:tgtEl>
+                                        <p:attrNameLst>
+                                          <p:attrName>style.visibility</p:attrName>
+                                        </p:attrNameLst>
+                                      </p:cBhvr>
+                                      <p:to>
+                                        <p:strVal val="visible"/>
+                                      </p:to>
+                                    </p:set>
+                                  </p:childTnLst>
+                                </p:cTn>
+                              </p:par>
+                              <p:par>
+                                <p:cTn id="17" presetID="1" presetClass="entr" presetSubtype="0" fill="hold" nodeType="withEffect">
+                                  <p:stCondLst>
+                                    <p:cond delay="0"/>
+                                  </p:stCondLst>
+                                  <p:childTnLst>
+                                    <p:set>
+                                      <p:cBhvr>
+                                        <p:cTn id="18" dur="1" fill="hold">
+                                          <p:stCondLst>
+                                            <p:cond delay="0"/>
+                                          </p:stCondLst>
+                                        </p:cTn>
+                                        <p:tgtEl>
+                                          <p:spTgt spid="3">
+                                            <p:txEl>
+                                              <p:pRg st="7" end="7"/>
+                                            </p:txEl>
+                                          </p:spTgt>
+                                        </p:tgtEl>
+                                        <p:attrNameLst>
+                                          <p:attrName>style.visibility</p:attrName>
+                                        </p:attrNameLst>
+                                      </p:cBhvr>
+                                      <p:to>
+                                        <p:strVal val="visible"/>
+                                      </p:to>
+                                    </p:set>
+                                  </p:childTnLst>
+                                </p:cTn>
+                              </p:par>
+                              <p:par>
+                                <p:cTn id="19" presetID="1" presetClass="entr" presetSubtype="0" fill="hold" nodeType="withEffect">
+                                  <p:stCondLst>
+                                    <p:cond delay="0"/>
+                                  </p:stCondLst>
+                                  <p:childTnLst>
+                                    <p:set>
+                                      <p:cBhvr>
+                                        <p:cTn id="20" dur="1" fill="hold">
+                                          <p:stCondLst>
+                                            <p:cond delay="0"/>
+                                          </p:stCondLst>
+                                        </p:cTn>
+                                        <p:tgtEl>
+                                          <p:spTgt spid="3">
+                                            <p:txEl>
+                                              <p:pRg st="8" end="8"/>
+                                            </p:txEl>
+                                          </p:spTgt>
+                                        </p:tgtEl>
+                                        <p:attrNameLst>
+                                          <p:attrName>style.visibility</p:attrName>
+                                        </p:attrNameLst>
+                                      </p:cBhvr>
+                                      <p:to>
+                                        <p:strVal val="visible"/>
+                                      </p:to>
+                                    </p:set>
+                                  </p:childTnLst>
+                                </p:cTn>
+                              </p:par>
+                              <p:par>
+                                <p:cTn id="21" presetID="1" presetClass="entr" presetSubtype="0" fill="hold" nodeType="withEffect">
+                                  <p:stCondLst>
+                                    <p:cond delay="0"/>
+                                  </p:stCondLst>
+                                  <p:childTnLst>
+                                    <p:set>
+                                      <p:cBhvr>
+                                        <p:cTn id="22" dur="1" fill="hold">
+                                          <p:stCondLst>
+                                            <p:cond delay="0"/>
+                                          </p:stCondLst>
+                                        </p:cTn>
+                                        <p:tgtEl>
+                                          <p:spTgt spid="3">
+                                            <p:txEl>
+                                              <p:pRg st="9" end="9"/>
+                                            </p:txEl>
+                                          </p:spTgt>
+                                        </p:tgtEl>
+                                        <p:attrNameLst>
+                                          <p:attrName>style.visibility</p:attrName>
+                                        </p:attrNameLst>
+                                      </p:cBhvr>
+                                      <p:to>
+                                        <p:strVal val="visible"/>
+                                      </p:to>
+                                    </p:set>
+                                  </p:childTnLst>
+                                </p:cTn>
+                              </p:par>
+                            </p:childTnLst>
+                          </p:cTn>
+                        </p:par>
+                      </p:childTnLst>
+                    </p:cTn>
+                  </p:par>
+                </p:childTnLst>
+              </p:cTn>
+              <p:prevCondLst>
+                <p:cond evt="onPrev" delay="0">
+                  <p:tgtEl>
+                    <p:sldTgt/>
+                  </p:tgtEl>
+                </p:cond>
+              </p:prevCondLst>
+              <p:nextCondLst>
+                <p:cond evt="onNext" delay="0">
+                  <p:tgtEl>
+                    <p:sldTgt/>
+                  </p:tgtEl>
+                </p:cond>
+              </p:nextCondLst>
+            </p:seq>
+          </p:childTnLst>
+        </p:cTn>
+      </p:par>
+    </p:tnLst>
+  </p:timing>
 </p:sld>
 </file>
 
@@ -17549,33 +18236,15 @@
                                   </p:childTnLst>
                                 </p:cTn>
                               </p:par>
-                            </p:childTnLst>
-                          </p:cTn>
-                        </p:par>
-                      </p:childTnLst>
-                    </p:cTn>
-                  </p:par>
-                  <p:par>
-                    <p:cTn id="7" fill="hold">
-                      <p:stCondLst>
-                        <p:cond delay="indefinite"/>
-                      </p:stCondLst>
-                      <p:childTnLst>
-                        <p:par>
-                          <p:cTn id="8" fill="hold">
-                            <p:stCondLst>
-                              <p:cond delay="0"/>
-                            </p:stCondLst>
-                            <p:childTnLst>
                               <p:par>
-                                <p:cTn id="9" presetID="1" presetClass="entr" presetSubtype="0" fill="hold" nodeType="clickEffect">
+                                <p:cTn id="7" presetID="1" presetClass="entr" presetSubtype="0" fill="hold" nodeType="withEffect">
                                   <p:stCondLst>
                                     <p:cond delay="0"/>
                                   </p:stCondLst>
                                   <p:childTnLst>
                                     <p:set>
                                       <p:cBhvr>
-                                        <p:cTn id="10" dur="1" fill="hold">
+                                        <p:cTn id="8" dur="1" fill="hold">
                                           <p:stCondLst>
                                             <p:cond delay="0"/>
                                           </p:stCondLst>
@@ -19417,6 +20086,21 @@
 </file>
 
 <file path=customXml/item1.xml><?xml version="1.0" encoding="utf-8"?>
+<p:properties xmlns:p="http://schemas.microsoft.com/office/2006/metadata/properties" xmlns:xsi="http://www.w3.org/2001/XMLSchema-instance" xmlns:pc="http://schemas.microsoft.com/office/infopath/2007/PartnerControls">
+  <documentManagement/>
+</p:properties>
+</file>
+
+<file path=customXml/item2.xml><?xml version="1.0" encoding="utf-8"?>
+<?mso-contentType ?>
+<FormTemplates xmlns="http://schemas.microsoft.com/sharepoint/v3/contenttype/forms">
+  <Display>DocumentLibraryForm</Display>
+  <Edit>DocumentLibraryForm</Edit>
+  <New>DocumentLibraryForm</New>
+</FormTemplates>
+</file>
+
+<file path=customXml/item3.xml><?xml version="1.0" encoding="utf-8"?>
 <ct:contentTypeSchema xmlns:ct="http://schemas.microsoft.com/office/2006/metadata/contentType" xmlns:ma="http://schemas.microsoft.com/office/2006/metadata/properties/metaAttributes" ct:_="" ma:_="" ma:contentTypeName="Document" ma:contentTypeID="0x01010016C8866D03E34B48841686518579C82E" ma:contentTypeVersion="9" ma:contentTypeDescription="Create a new document." ma:contentTypeScope="" ma:versionID="fdc90dfaa38f62fbf710a40f032d942a">
   <xsd:schema xmlns:xsd="http://www.w3.org/2001/XMLSchema" xmlns:xs="http://www.w3.org/2001/XMLSchema" xmlns:p="http://schemas.microsoft.com/office/2006/metadata/properties" xmlns:ns3="d6825be3-6367-44d3-85f5-b39c113bb9e2" xmlns:ns4="fc4421ab-83fb-4986-8788-82ed978005be" targetNamespace="http://schemas.microsoft.com/office/2006/metadata/properties" ma:root="true" ma:fieldsID="23bf39b307e2c9cf8ede89b1c3f8734b" ns3:_="" ns4:_="">
     <xsd:import namespace="d6825be3-6367-44d3-85f5-b39c113bb9e2"/>
@@ -19613,22 +20297,24 @@
 </ct:contentTypeSchema>
 </file>
 
-<file path=customXml/item2.xml><?xml version="1.0" encoding="utf-8"?>
-<?mso-contentType ?>
-<FormTemplates xmlns="http://schemas.microsoft.com/sharepoint/v3/contenttype/forms">
-  <Display>DocumentLibraryForm</Display>
-  <Edit>DocumentLibraryForm</Edit>
-  <New>DocumentLibraryForm</New>
-</FormTemplates>
+<file path=customXml/itemProps1.xml><?xml version="1.0" encoding="utf-8"?>
+<ds:datastoreItem xmlns:ds="http://schemas.openxmlformats.org/officeDocument/2006/customXml" ds:itemID="{28591F37-1B9F-40A3-900D-791619430ABD}">
+  <ds:schemaRefs>
+    <ds:schemaRef ds:uri="http://schemas.microsoft.com/office/2006/metadata/properties"/>
+    <ds:schemaRef ds:uri="http://schemas.microsoft.com/office/infopath/2007/PartnerControls"/>
+  </ds:schemaRefs>
+</ds:datastoreItem>
 </file>
 
-<file path=customXml/item3.xml><?xml version="1.0" encoding="utf-8"?>
-<p:properties xmlns:p="http://schemas.microsoft.com/office/2006/metadata/properties" xmlns:xsi="http://www.w3.org/2001/XMLSchema-instance" xmlns:pc="http://schemas.microsoft.com/office/infopath/2007/PartnerControls">
-  <documentManagement/>
-</p:properties>
+<file path=customXml/itemProps2.xml><?xml version="1.0" encoding="utf-8"?>
+<ds:datastoreItem xmlns:ds="http://schemas.openxmlformats.org/officeDocument/2006/customXml" ds:itemID="{A91E972C-1908-4138-8F23-71EEEC3AAB70}">
+  <ds:schemaRefs>
+    <ds:schemaRef ds:uri="http://schemas.microsoft.com/sharepoint/v3/contenttype/forms"/>
+  </ds:schemaRefs>
+</ds:datastoreItem>
 </file>
 
-<file path=customXml/itemProps1.xml><?xml version="1.0" encoding="utf-8"?>
+<file path=customXml/itemProps3.xml><?xml version="1.0" encoding="utf-8"?>
 <ds:datastoreItem xmlns:ds="http://schemas.openxmlformats.org/officeDocument/2006/customXml" ds:itemID="{EF40A0E1-43B2-4845-A4D9-24DE681333A9}">
   <ds:schemaRefs>
     <ds:schemaRef ds:uri="http://schemas.microsoft.com/office/2006/metadata/contentType"/>
@@ -19645,21 +20331,4 @@
     <ds:schemaRef ds:uri="http://schemas.microsoft.com/internal/obd"/>
   </ds:schemaRefs>
 </ds:datastoreItem>
-</file>
-
-<file path=customXml/itemProps2.xml><?xml version="1.0" encoding="utf-8"?>
-<ds:datastoreItem xmlns:ds="http://schemas.openxmlformats.org/officeDocument/2006/customXml" ds:itemID="{A91E972C-1908-4138-8F23-71EEEC3AAB70}">
-  <ds:schemaRefs>
-    <ds:schemaRef ds:uri="http://schemas.microsoft.com/sharepoint/v3/contenttype/forms"/>
-  </ds:schemaRefs>
-</ds:datastoreItem>
-</file>
-
-<file path=customXml/itemProps3.xml><?xml version="1.0" encoding="utf-8"?>
-<ds:datastoreItem xmlns:ds="http://schemas.openxmlformats.org/officeDocument/2006/customXml" ds:itemID="{28591F37-1B9F-40A3-900D-791619430ABD}">
-  <ds:schemaRefs>
-    <ds:schemaRef ds:uri="http://schemas.microsoft.com/office/2006/metadata/properties"/>
-    <ds:schemaRef ds:uri="http://schemas.microsoft.com/office/infopath/2007/PartnerControls"/>
-  </ds:schemaRefs>
-</ds:datastoreItem>
 </file>
--- a/_drafts/Oppgaver/Workshop/Workshop_2PP.pptx
+++ b/_drafts/Oppgaver/Workshop/Workshop_2PP.pptx
@@ -140,7 +140,7 @@
 <file path=ppt/revisionInfo.xml><?xml version="1.0" encoding="utf-8"?>
 <p1510:revInfo xmlns:a="http://schemas.openxmlformats.org/drawingml/2006/main" xmlns:r="http://schemas.openxmlformats.org/officeDocument/2006/relationships" xmlns:p1510="http://schemas.microsoft.com/office/powerpoint/2015/10/main">
   <p1510:revLst>
-    <p1510:client id="{A06ADE92-29B7-4FB5-A4E5-DA80B0B496BE}" v="26" dt="2020-11-29T15:32:20.015"/>
+    <p1510:client id="{CC2E105E-BB4D-42C2-B1F2-7BEBE9E9C317}" v="7" dt="2020-12-02T11:41:28.979"/>
   </p1510:revLst>
 </p1510:revInfo>
 </file>
@@ -148,143 +148,657 @@
 <file path=ppt/changesInfos/changesInfo1.xml><?xml version="1.0" encoding="utf-8"?>
 <pc:chgInfo xmlns:a="http://schemas.openxmlformats.org/drawingml/2006/main" xmlns:r="http://schemas.openxmlformats.org/officeDocument/2006/relationships" xmlns:ac="http://schemas.microsoft.com/office/drawing/2013/main/command" xmlns:pc="http://schemas.microsoft.com/office/powerpoint/2013/main/command">
   <pc:docChgLst>
-    <pc:chgData name="Andre Martiny" userId="dcdd23ab-7fdd-467e-8703-94ceab9886ce" providerId="ADAL" clId="{A06ADE92-29B7-4FB5-A4E5-DA80B0B496BE}"/>
-    <pc:docChg chg="custSel modSld">
-      <pc:chgData name="Andre Martiny" userId="dcdd23ab-7fdd-467e-8703-94ceab9886ce" providerId="ADAL" clId="{A06ADE92-29B7-4FB5-A4E5-DA80B0B496BE}" dt="2020-11-29T15:32:20.014" v="30"/>
+    <pc:chgData name="Henrik Løvik Njølstad" userId="778659e2-5eca-412f-ba00-4d07a820fe1f" providerId="ADAL" clId="{25FE1739-1FFC-4EA4-9985-8A24BF43D377}"/>
+    <pc:docChg chg="undo redo custSel mod addSld delSld modSld modMainMaster">
+      <pc:chgData name="Henrik Løvik Njølstad" userId="778659e2-5eca-412f-ba00-4d07a820fe1f" providerId="ADAL" clId="{25FE1739-1FFC-4EA4-9985-8A24BF43D377}" dt="2020-11-10T21:17:08.450" v="2148"/>
       <pc:docMkLst>
         <pc:docMk/>
       </pc:docMkLst>
-      <pc:sldChg chg="modSp">
-        <pc:chgData name="Andre Martiny" userId="dcdd23ab-7fdd-467e-8703-94ceab9886ce" providerId="ADAL" clId="{A06ADE92-29B7-4FB5-A4E5-DA80B0B496BE}" dt="2020-11-29T15:18:17.314" v="9" actId="20577"/>
+      <pc:sldChg chg="addSp delSp modSp mod modClrScheme modAnim chgLayout">
+        <pc:chgData name="Henrik Løvik Njølstad" userId="778659e2-5eca-412f-ba00-4d07a820fe1f" providerId="ADAL" clId="{25FE1739-1FFC-4EA4-9985-8A24BF43D377}" dt="2020-11-10T20:33:58.598" v="1986" actId="20577"/>
         <pc:sldMkLst>
           <pc:docMk/>
           <pc:sldMk cId="1064338250" sldId="257"/>
         </pc:sldMkLst>
-        <pc:spChg chg="mod">
-          <ac:chgData name="Andre Martiny" userId="dcdd23ab-7fdd-467e-8703-94ceab9886ce" providerId="ADAL" clId="{A06ADE92-29B7-4FB5-A4E5-DA80B0B496BE}" dt="2020-11-29T15:18:17.314" v="9" actId="20577"/>
+        <pc:spChg chg="mod ord">
+          <ac:chgData name="Henrik Løvik Njølstad" userId="778659e2-5eca-412f-ba00-4d07a820fe1f" providerId="ADAL" clId="{25FE1739-1FFC-4EA4-9985-8A24BF43D377}" dt="2020-11-10T20:33:51.549" v="1983" actId="14100"/>
+          <ac:spMkLst>
+            <pc:docMk/>
+            <pc:sldMk cId="1064338250" sldId="257"/>
+            <ac:spMk id="2" creationId="{5429EE08-D461-496F-87FE-6F7AEE6F7CBF}"/>
+          </ac:spMkLst>
+        </pc:spChg>
+        <pc:spChg chg="add del mod">
+          <ac:chgData name="Henrik Løvik Njølstad" userId="778659e2-5eca-412f-ba00-4d07a820fe1f" providerId="ADAL" clId="{25FE1739-1FFC-4EA4-9985-8A24BF43D377}" dt="2020-11-01T19:25:37.334" v="1914" actId="26606"/>
+          <ac:spMkLst>
+            <pc:docMk/>
+            <pc:sldMk cId="1064338250" sldId="257"/>
+            <ac:spMk id="3" creationId="{90D1C88A-08F8-4C46-BEE2-ABBDC9A94DC0}"/>
+          </ac:spMkLst>
+        </pc:spChg>
+        <pc:spChg chg="add mod">
+          <ac:chgData name="Henrik Løvik Njølstad" userId="778659e2-5eca-412f-ba00-4d07a820fe1f" providerId="ADAL" clId="{25FE1739-1FFC-4EA4-9985-8A24BF43D377}" dt="2020-11-10T20:32:57.489" v="1970" actId="14100"/>
+          <ac:spMkLst>
+            <pc:docMk/>
+            <pc:sldMk cId="1064338250" sldId="257"/>
+            <ac:spMk id="3" creationId="{AF6760FA-DB35-4AD0-9429-ABE5FD342513}"/>
+          </ac:spMkLst>
+        </pc:spChg>
+        <pc:spChg chg="add del mod ord">
+          <ac:chgData name="Henrik Løvik Njølstad" userId="778659e2-5eca-412f-ba00-4d07a820fe1f" providerId="ADAL" clId="{25FE1739-1FFC-4EA4-9985-8A24BF43D377}" dt="2020-11-01T19:26:41.975" v="1924" actId="700"/>
+          <ac:spMkLst>
+            <pc:docMk/>
+            <pc:sldMk cId="1064338250" sldId="257"/>
+            <ac:spMk id="4" creationId="{1E82D717-A5E7-403C-9DDA-05FCEFD67149}"/>
+          </ac:spMkLst>
+        </pc:spChg>
+        <pc:spChg chg="add del mod ord">
+          <ac:chgData name="Henrik Løvik Njølstad" userId="778659e2-5eca-412f-ba00-4d07a820fe1f" providerId="ADAL" clId="{25FE1739-1FFC-4EA4-9985-8A24BF43D377}" dt="2020-11-01T19:27:47.622" v="1943" actId="478"/>
+          <ac:spMkLst>
+            <pc:docMk/>
+            <pc:sldMk cId="1064338250" sldId="257"/>
+            <ac:spMk id="8" creationId="{5F87B1BE-931A-441F-9485-D15B1A988557}"/>
+          </ac:spMkLst>
+        </pc:spChg>
+        <pc:spChg chg="add del mod">
+          <ac:chgData name="Henrik Løvik Njølstad" userId="778659e2-5eca-412f-ba00-4d07a820fe1f" providerId="ADAL" clId="{25FE1739-1FFC-4EA4-9985-8A24BF43D377}" dt="2020-11-01T19:25:37.304" v="1913" actId="26606"/>
+          <ac:spMkLst>
+            <pc:docMk/>
+            <pc:sldMk cId="1064338250" sldId="257"/>
+            <ac:spMk id="9" creationId="{9404BF23-0128-4C34-875E-8A1049DA8C9A}"/>
+          </ac:spMkLst>
+        </pc:spChg>
+        <pc:spChg chg="add del mod">
+          <ac:chgData name="Henrik Løvik Njølstad" userId="778659e2-5eca-412f-ba00-4d07a820fe1f" providerId="ADAL" clId="{25FE1739-1FFC-4EA4-9985-8A24BF43D377}" dt="2020-11-01T19:27:44.664" v="1942"/>
+          <ac:spMkLst>
+            <pc:docMk/>
+            <pc:sldMk cId="1064338250" sldId="257"/>
+            <ac:spMk id="10" creationId="{5B45EF6A-08E4-4543-A469-2C2E38DE6B30}"/>
+          </ac:spMkLst>
+        </pc:spChg>
+        <pc:spChg chg="add mod">
+          <ac:chgData name="Henrik Løvik Njølstad" userId="778659e2-5eca-412f-ba00-4d07a820fe1f" providerId="ADAL" clId="{25FE1739-1FFC-4EA4-9985-8A24BF43D377}" dt="2020-11-10T20:32:45.769" v="1967" actId="14100"/>
           <ac:spMkLst>
             <pc:docMk/>
             <pc:sldMk cId="1064338250" sldId="257"/>
             <ac:spMk id="11" creationId="{90D1C88A-08F8-4C46-BEE2-ABBDC9A94DC0}"/>
           </ac:spMkLst>
         </pc:spChg>
+        <pc:spChg chg="add mod">
+          <ac:chgData name="Henrik Løvik Njølstad" userId="778659e2-5eca-412f-ba00-4d07a820fe1f" providerId="ADAL" clId="{25FE1739-1FFC-4EA4-9985-8A24BF43D377}" dt="2020-11-10T20:33:58.598" v="1986" actId="20577"/>
+          <ac:spMkLst>
+            <pc:docMk/>
+            <pc:sldMk cId="1064338250" sldId="257"/>
+            <ac:spMk id="12" creationId="{78DE6963-8E1F-4CBC-B8A4-6B221497FE41}"/>
+          </ac:spMkLst>
+        </pc:spChg>
+        <pc:graphicFrameChg chg="add del">
+          <ac:chgData name="Henrik Løvik Njølstad" userId="778659e2-5eca-412f-ba00-4d07a820fe1f" providerId="ADAL" clId="{25FE1739-1FFC-4EA4-9985-8A24BF43D377}" dt="2020-11-01T19:25:37.304" v="1913" actId="26606"/>
+          <ac:graphicFrameMkLst>
+            <pc:docMk/>
+            <pc:sldMk cId="1064338250" sldId="257"/>
+            <ac:graphicFrameMk id="5" creationId="{F120A1CE-A51E-49F3-A92D-DD7272457579}"/>
+          </ac:graphicFrameMkLst>
+        </pc:graphicFrameChg>
       </pc:sldChg>
-      <pc:sldChg chg="addSp delSp modSp mod modAnim">
-        <pc:chgData name="Andre Martiny" userId="dcdd23ab-7fdd-467e-8703-94ceab9886ce" providerId="ADAL" clId="{A06ADE92-29B7-4FB5-A4E5-DA80B0B496BE}" dt="2020-11-29T15:27:30.380" v="28"/>
+      <pc:sldChg chg="addSp delSp modSp add del mod modAnim">
+        <pc:chgData name="Henrik Løvik Njølstad" userId="778659e2-5eca-412f-ba00-4d07a820fe1f" providerId="ADAL" clId="{25FE1739-1FFC-4EA4-9985-8A24BF43D377}" dt="2020-11-01T19:13:14.622" v="1741" actId="47"/>
+        <pc:sldMkLst>
+          <pc:docMk/>
+          <pc:sldMk cId="1851494247" sldId="259"/>
+        </pc:sldMkLst>
+        <pc:spChg chg="mod">
+          <ac:chgData name="Henrik Løvik Njølstad" userId="778659e2-5eca-412f-ba00-4d07a820fe1f" providerId="ADAL" clId="{25FE1739-1FFC-4EA4-9985-8A24BF43D377}" dt="2020-11-01T19:12:47.973" v="1739" actId="20577"/>
+          <ac:spMkLst>
+            <pc:docMk/>
+            <pc:sldMk cId="1851494247" sldId="259"/>
+            <ac:spMk id="2" creationId="{42C3BD53-A9CD-4647-81DB-7A9C336BC0EC}"/>
+          </ac:spMkLst>
+        </pc:spChg>
+        <pc:spChg chg="add del mod">
+          <ac:chgData name="Henrik Løvik Njølstad" userId="778659e2-5eca-412f-ba00-4d07a820fe1f" providerId="ADAL" clId="{25FE1739-1FFC-4EA4-9985-8A24BF43D377}" dt="2020-11-01T18:37:17.714" v="723"/>
+          <ac:spMkLst>
+            <pc:docMk/>
+            <pc:sldMk cId="1851494247" sldId="259"/>
+            <ac:spMk id="3" creationId="{3B64DB8E-5F55-4BAD-9D6F-3B3BB65B069B}"/>
+          </ac:spMkLst>
+        </pc:spChg>
+        <pc:spChg chg="add del">
+          <ac:chgData name="Henrik Løvik Njølstad" userId="778659e2-5eca-412f-ba00-4d07a820fe1f" providerId="ADAL" clId="{25FE1739-1FFC-4EA4-9985-8A24BF43D377}" dt="2020-11-01T18:37:34.518" v="725" actId="22"/>
+          <ac:spMkLst>
+            <pc:docMk/>
+            <pc:sldMk cId="1851494247" sldId="259"/>
+            <ac:spMk id="5" creationId="{0C4B0FAB-3FCD-430C-9DB9-2E49D31025A3}"/>
+          </ac:spMkLst>
+        </pc:spChg>
+      </pc:sldChg>
+      <pc:sldChg chg="addSp delSp modSp mod modClrScheme modAnim chgLayout">
+        <pc:chgData name="Henrik Løvik Njølstad" userId="778659e2-5eca-412f-ba00-4d07a820fe1f" providerId="ADAL" clId="{25FE1739-1FFC-4EA4-9985-8A24BF43D377}" dt="2020-11-01T19:26:54.825" v="1927" actId="1076"/>
         <pc:sldMkLst>
           <pc:docMk/>
           <pc:sldMk cId="689929228" sldId="260"/>
         </pc:sldMkLst>
-        <pc:spChg chg="mod">
-          <ac:chgData name="Andre Martiny" userId="dcdd23ab-7fdd-467e-8703-94ceab9886ce" providerId="ADAL" clId="{A06ADE92-29B7-4FB5-A4E5-DA80B0B496BE}" dt="2020-11-29T15:27:07.856" v="26" actId="27636"/>
+        <pc:spChg chg="mod ord">
+          <ac:chgData name="Henrik Løvik Njølstad" userId="778659e2-5eca-412f-ba00-4d07a820fe1f" providerId="ADAL" clId="{25FE1739-1FFC-4EA4-9985-8A24BF43D377}" dt="2020-11-01T19:26:45.982" v="1926" actId="700"/>
+          <ac:spMkLst>
+            <pc:docMk/>
+            <pc:sldMk cId="689929228" sldId="260"/>
+            <ac:spMk id="2" creationId="{C3E6477F-AED9-484F-9621-C53F564119B4}"/>
+          </ac:spMkLst>
+        </pc:spChg>
+        <pc:spChg chg="mod ord">
+          <ac:chgData name="Henrik Løvik Njølstad" userId="778659e2-5eca-412f-ba00-4d07a820fe1f" providerId="ADAL" clId="{25FE1739-1FFC-4EA4-9985-8A24BF43D377}" dt="2020-11-01T19:26:45.982" v="1926" actId="700"/>
           <ac:spMkLst>
             <pc:docMk/>
             <pc:sldMk cId="689929228" sldId="260"/>
             <ac:spMk id="3" creationId="{18166937-65B3-4DC8-BB43-63584E0D60E0}"/>
           </ac:spMkLst>
         </pc:spChg>
-        <pc:picChg chg="add del mod">
-          <ac:chgData name="Andre Martiny" userId="dcdd23ab-7fdd-467e-8703-94ceab9886ce" providerId="ADAL" clId="{A06ADE92-29B7-4FB5-A4E5-DA80B0B496BE}" dt="2020-11-29T15:22:22.639" v="12" actId="478"/>
-          <ac:picMkLst>
+        <pc:spChg chg="add del mod">
+          <ac:chgData name="Henrik Løvik Njølstad" userId="778659e2-5eca-412f-ba00-4d07a820fe1f" providerId="ADAL" clId="{25FE1739-1FFC-4EA4-9985-8A24BF43D377}" dt="2020-11-01T19:25:54.426" v="1916" actId="478"/>
+          <ac:spMkLst>
             <pc:docMk/>
             <pc:sldMk cId="689929228" sldId="260"/>
-            <ac:picMk id="4" creationId="{25C904F5-32CE-4B45-BFBC-77DEA47018E8}"/>
-          </ac:picMkLst>
-        </pc:picChg>
-        <pc:picChg chg="add mod">
-          <ac:chgData name="Andre Martiny" userId="dcdd23ab-7fdd-467e-8703-94ceab9886ce" providerId="ADAL" clId="{A06ADE92-29B7-4FB5-A4E5-DA80B0B496BE}" dt="2020-11-29T15:22:28.500" v="14" actId="1076"/>
-          <ac:picMkLst>
+            <ac:spMk id="8" creationId="{0BB54B17-0305-4E04-9A0B-AD4A2ABBCEFD}"/>
+          </ac:spMkLst>
+        </pc:spChg>
+        <pc:spChg chg="add mod ord">
+          <ac:chgData name="Henrik Løvik Njølstad" userId="778659e2-5eca-412f-ba00-4d07a820fe1f" providerId="ADAL" clId="{25FE1739-1FFC-4EA4-9985-8A24BF43D377}" dt="2020-11-01T19:26:54.825" v="1927" actId="1076"/>
+          <ac:spMkLst>
             <pc:docMk/>
             <pc:sldMk cId="689929228" sldId="260"/>
-            <ac:picMk id="5" creationId="{CD486805-5B4F-4A74-ABEF-7B188928A6A2}"/>
-          </ac:picMkLst>
-        </pc:picChg>
-        <pc:picChg chg="add mod">
-          <ac:chgData name="Andre Martiny" userId="dcdd23ab-7fdd-467e-8703-94ceab9886ce" providerId="ADAL" clId="{A06ADE92-29B7-4FB5-A4E5-DA80B0B496BE}" dt="2020-11-29T15:24:08.700" v="21" actId="1076"/>
-          <ac:picMkLst>
+            <ac:spMk id="10" creationId="{2691B748-1B48-4443-9DA5-07A203787565}"/>
+          </ac:spMkLst>
+        </pc:spChg>
+      </pc:sldChg>
+      <pc:sldChg chg="addSp modSp mod modClrScheme addAnim delAnim modAnim chgLayout">
+        <pc:chgData name="Henrik Løvik Njølstad" userId="778659e2-5eca-412f-ba00-4d07a820fe1f" providerId="ADAL" clId="{25FE1739-1FFC-4EA4-9985-8A24BF43D377}" dt="2020-11-10T20:39:11.873" v="2029" actId="20577"/>
+        <pc:sldMkLst>
+          <pc:docMk/>
+          <pc:sldMk cId="1022731256" sldId="261"/>
+        </pc:sldMkLst>
+        <pc:spChg chg="mod ord">
+          <ac:chgData name="Henrik Løvik Njølstad" userId="778659e2-5eca-412f-ba00-4d07a820fe1f" providerId="ADAL" clId="{25FE1739-1FFC-4EA4-9985-8A24BF43D377}" dt="2020-11-10T20:39:11.873" v="2029" actId="20577"/>
+          <ac:spMkLst>
             <pc:docMk/>
-            <pc:sldMk cId="689929228" sldId="260"/>
-            <ac:picMk id="6" creationId="{C8F958F0-C80C-4545-B1C9-316AFFF39FAF}"/>
-          </ac:picMkLst>
-        </pc:picChg>
+            <pc:sldMk cId="1022731256" sldId="261"/>
+            <ac:spMk id="2" creationId="{C3E6477F-AED9-484F-9621-C53F564119B4}"/>
+          </ac:spMkLst>
+        </pc:spChg>
+        <pc:spChg chg="mod ord">
+          <ac:chgData name="Henrik Løvik Njølstad" userId="778659e2-5eca-412f-ba00-4d07a820fe1f" providerId="ADAL" clId="{25FE1739-1FFC-4EA4-9985-8A24BF43D377}" dt="2020-11-01T19:26:45.982" v="1926" actId="700"/>
+          <ac:spMkLst>
+            <pc:docMk/>
+            <pc:sldMk cId="1022731256" sldId="261"/>
+            <ac:spMk id="3" creationId="{18166937-65B3-4DC8-BB43-63584E0D60E0}"/>
+          </ac:spMkLst>
+        </pc:spChg>
+        <pc:spChg chg="add mod">
+          <ac:chgData name="Henrik Løvik Njølstad" userId="778659e2-5eca-412f-ba00-4d07a820fe1f" providerId="ADAL" clId="{25FE1739-1FFC-4EA4-9985-8A24BF43D377}" dt="2020-11-10T20:36:47.729" v="2008" actId="14100"/>
+          <ac:spMkLst>
+            <pc:docMk/>
+            <pc:sldMk cId="1022731256" sldId="261"/>
+            <ac:spMk id="5" creationId="{338F9123-111B-4E45-99B8-493FBC6B1A7D}"/>
+          </ac:spMkLst>
+        </pc:spChg>
+        <pc:spChg chg="add mod">
+          <ac:chgData name="Henrik Løvik Njølstad" userId="778659e2-5eca-412f-ba00-4d07a820fe1f" providerId="ADAL" clId="{25FE1739-1FFC-4EA4-9985-8A24BF43D377}" dt="2020-11-01T19:27:19.640" v="1929" actId="207"/>
+          <ac:spMkLst>
+            <pc:docMk/>
+            <pc:sldMk cId="1022731256" sldId="261"/>
+            <ac:spMk id="6" creationId="{DA8F40E6-3661-4044-AE69-7DF09522A652}"/>
+          </ac:spMkLst>
+        </pc:spChg>
       </pc:sldChg>
-      <pc:sldChg chg="modAnim">
-        <pc:chgData name="Andre Martiny" userId="dcdd23ab-7fdd-467e-8703-94ceab9886ce" providerId="ADAL" clId="{A06ADE92-29B7-4FB5-A4E5-DA80B0B496BE}" dt="2020-11-29T15:29:19.856" v="29"/>
+      <pc:sldChg chg="addSp delSp modSp add mod modClrScheme chgLayout">
+        <pc:chgData name="Henrik Løvik Njølstad" userId="778659e2-5eca-412f-ba00-4d07a820fe1f" providerId="ADAL" clId="{25FE1739-1FFC-4EA4-9985-8A24BF43D377}" dt="2020-11-01T19:27:26.814" v="1931"/>
         <pc:sldMkLst>
           <pc:docMk/>
           <pc:sldMk cId="183550044" sldId="262"/>
         </pc:sldMkLst>
-      </pc:sldChg>
-      <pc:sldChg chg="modAnim">
-        <pc:chgData name="Andre Martiny" userId="dcdd23ab-7fdd-467e-8703-94ceab9886ce" providerId="ADAL" clId="{A06ADE92-29B7-4FB5-A4E5-DA80B0B496BE}" dt="2020-11-29T15:32:20.014" v="30"/>
-        <pc:sldMkLst>
-          <pc:docMk/>
-          <pc:sldMk cId="657060802" sldId="279"/>
-        </pc:sldMkLst>
-      </pc:sldChg>
-    </pc:docChg>
-  </pc:docChgLst>
-  <pc:docChgLst>
-    <pc:chgData name="Andre Martiny" userId="dcdd23ab-7fdd-467e-8703-94ceab9886ce" providerId="ADAL" clId="{5D6E3F71-8062-422A-AC2C-B4FA3464B478}"/>
-    <pc:docChg chg="undo custSel addSld modSld">
-      <pc:chgData name="Andre Martiny" userId="dcdd23ab-7fdd-467e-8703-94ceab9886ce" providerId="ADAL" clId="{5D6E3F71-8062-422A-AC2C-B4FA3464B478}" dt="2020-11-11T11:45:13.930" v="19"/>
-      <pc:docMkLst>
-        <pc:docMk/>
-      </pc:docMkLst>
-      <pc:sldChg chg="modAnim">
-        <pc:chgData name="Andre Martiny" userId="dcdd23ab-7fdd-467e-8703-94ceab9886ce" providerId="ADAL" clId="{5D6E3F71-8062-422A-AC2C-B4FA3464B478}" dt="2020-11-11T11:45:13.930" v="19"/>
-        <pc:sldMkLst>
-          <pc:docMk/>
-          <pc:sldMk cId="1064338250" sldId="257"/>
-        </pc:sldMkLst>
-      </pc:sldChg>
-      <pc:sldChg chg="addSp delSp modSp new mod modAnim">
-        <pc:chgData name="Andre Martiny" userId="dcdd23ab-7fdd-467e-8703-94ceab9886ce" providerId="ADAL" clId="{5D6E3F71-8062-422A-AC2C-B4FA3464B478}" dt="2020-11-11T11:44:58.505" v="17"/>
-        <pc:sldMkLst>
-          <pc:docMk/>
-          <pc:sldMk cId="1842476031" sldId="277"/>
-        </pc:sldMkLst>
-        <pc:spChg chg="del">
-          <ac:chgData name="Andre Martiny" userId="dcdd23ab-7fdd-467e-8703-94ceab9886ce" providerId="ADAL" clId="{5D6E3F71-8062-422A-AC2C-B4FA3464B478}" dt="2020-11-11T11:41:42.488" v="1" actId="478"/>
+        <pc:spChg chg="mod ord">
+          <ac:chgData name="Henrik Løvik Njølstad" userId="778659e2-5eca-412f-ba00-4d07a820fe1f" providerId="ADAL" clId="{25FE1739-1FFC-4EA4-9985-8A24BF43D377}" dt="2020-11-01T19:26:45.982" v="1926" actId="700"/>
           <ac:spMkLst>
             <pc:docMk/>
-            <pc:sldMk cId="1842476031" sldId="277"/>
-            <ac:spMk id="2" creationId="{C76BF13E-CF8B-4365-B960-4C47BA25E9BF}"/>
+            <pc:sldMk cId="183550044" sldId="262"/>
+            <ac:spMk id="2" creationId="{C3E6477F-AED9-484F-9621-C53F564119B4}"/>
           </ac:spMkLst>
         </pc:spChg>
-        <pc:spChg chg="del">
-          <ac:chgData name="Andre Martiny" userId="dcdd23ab-7fdd-467e-8703-94ceab9886ce" providerId="ADAL" clId="{5D6E3F71-8062-422A-AC2C-B4FA3464B478}" dt="2020-11-11T11:41:44.599" v="2" actId="478"/>
+        <pc:spChg chg="mod ord">
+          <ac:chgData name="Henrik Løvik Njølstad" userId="778659e2-5eca-412f-ba00-4d07a820fe1f" providerId="ADAL" clId="{25FE1739-1FFC-4EA4-9985-8A24BF43D377}" dt="2020-11-01T19:26:45.982" v="1926" actId="700"/>
           <ac:spMkLst>
             <pc:docMk/>
-            <pc:sldMk cId="1842476031" sldId="277"/>
-            <ac:spMk id="3" creationId="{A0D38DEF-E57F-4AB8-8A0E-DECCC36B86BC}"/>
+            <pc:sldMk cId="183550044" sldId="262"/>
+            <ac:spMk id="3" creationId="{18166937-65B3-4DC8-BB43-63584E0D60E0}"/>
           </ac:spMkLst>
         </pc:spChg>
         <pc:spChg chg="add del mod">
-          <ac:chgData name="Andre Martiny" userId="dcdd23ab-7fdd-467e-8703-94ceab9886ce" providerId="ADAL" clId="{5D6E3F71-8062-422A-AC2C-B4FA3464B478}" dt="2020-11-11T11:43:55.762" v="8" actId="22"/>
+          <ac:chgData name="Henrik Løvik Njølstad" userId="778659e2-5eca-412f-ba00-4d07a820fe1f" providerId="ADAL" clId="{25FE1739-1FFC-4EA4-9985-8A24BF43D377}" dt="2020-11-01T18:39:10.747" v="755" actId="478"/>
           <ac:spMkLst>
             <pc:docMk/>
-            <pc:sldMk cId="1842476031" sldId="277"/>
-            <ac:spMk id="7" creationId="{8D92F936-07EB-4530-9BBE-4243D71C25F8}"/>
+            <pc:sldMk cId="183550044" sldId="262"/>
+            <ac:spMk id="5" creationId="{40EABF8E-E1B6-4772-979B-98A9838BB721}"/>
+          </ac:spMkLst>
+        </pc:spChg>
+        <pc:spChg chg="add mod">
+          <ac:chgData name="Henrik Løvik Njølstad" userId="778659e2-5eca-412f-ba00-4d07a820fe1f" providerId="ADAL" clId="{25FE1739-1FFC-4EA4-9985-8A24BF43D377}" dt="2020-11-01T19:27:26.814" v="1931"/>
+          <ac:spMkLst>
+            <pc:docMk/>
+            <pc:sldMk cId="183550044" sldId="262"/>
+            <ac:spMk id="6" creationId="{6CA5D7D5-B47A-4843-83CE-B9E8391978D9}"/>
+          </ac:spMkLst>
+        </pc:spChg>
+      </pc:sldChg>
+      <pc:sldChg chg="addSp modSp add mod modClrScheme chgLayout">
+        <pc:chgData name="Henrik Løvik Njølstad" userId="778659e2-5eca-412f-ba00-4d07a820fe1f" providerId="ADAL" clId="{25FE1739-1FFC-4EA4-9985-8A24BF43D377}" dt="2020-11-10T20:43:48.272" v="2042" actId="255"/>
+        <pc:sldMkLst>
+          <pc:docMk/>
+          <pc:sldMk cId="1168703115" sldId="263"/>
+        </pc:sldMkLst>
+        <pc:spChg chg="mod ord">
+          <ac:chgData name="Henrik Løvik Njølstad" userId="778659e2-5eca-412f-ba00-4d07a820fe1f" providerId="ADAL" clId="{25FE1739-1FFC-4EA4-9985-8A24BF43D377}" dt="2020-11-01T19:26:45.982" v="1926" actId="700"/>
+          <ac:spMkLst>
+            <pc:docMk/>
+            <pc:sldMk cId="1168703115" sldId="263"/>
+            <ac:spMk id="2" creationId="{C3E6477F-AED9-484F-9621-C53F564119B4}"/>
+          </ac:spMkLst>
+        </pc:spChg>
+        <pc:spChg chg="mod ord">
+          <ac:chgData name="Henrik Løvik Njølstad" userId="778659e2-5eca-412f-ba00-4d07a820fe1f" providerId="ADAL" clId="{25FE1739-1FFC-4EA4-9985-8A24BF43D377}" dt="2020-11-10T20:43:48.272" v="2042" actId="255"/>
+          <ac:spMkLst>
+            <pc:docMk/>
+            <pc:sldMk cId="1168703115" sldId="263"/>
+            <ac:spMk id="3" creationId="{18166937-65B3-4DC8-BB43-63584E0D60E0}"/>
+          </ac:spMkLst>
+        </pc:spChg>
+        <pc:spChg chg="add mod">
+          <ac:chgData name="Henrik Løvik Njølstad" userId="778659e2-5eca-412f-ba00-4d07a820fe1f" providerId="ADAL" clId="{25FE1739-1FFC-4EA4-9985-8A24BF43D377}" dt="2020-11-01T19:27:28.575" v="1932"/>
+          <ac:spMkLst>
+            <pc:docMk/>
+            <pc:sldMk cId="1168703115" sldId="263"/>
+            <ac:spMk id="5" creationId="{D44DA1F1-BA14-4E83-AD27-0C0508B02969}"/>
+          </ac:spMkLst>
+        </pc:spChg>
+      </pc:sldChg>
+      <pc:sldChg chg="addSp modSp add mod modClrScheme chgLayout">
+        <pc:chgData name="Henrik Løvik Njølstad" userId="778659e2-5eca-412f-ba00-4d07a820fe1f" providerId="ADAL" clId="{25FE1739-1FFC-4EA4-9985-8A24BF43D377}" dt="2020-11-10T20:44:06.698" v="2044" actId="255"/>
+        <pc:sldMkLst>
+          <pc:docMk/>
+          <pc:sldMk cId="1669579861" sldId="264"/>
+        </pc:sldMkLst>
+        <pc:spChg chg="mod ord">
+          <ac:chgData name="Henrik Løvik Njølstad" userId="778659e2-5eca-412f-ba00-4d07a820fe1f" providerId="ADAL" clId="{25FE1739-1FFC-4EA4-9985-8A24BF43D377}" dt="2020-11-01T19:26:45.982" v="1926" actId="700"/>
+          <ac:spMkLst>
+            <pc:docMk/>
+            <pc:sldMk cId="1669579861" sldId="264"/>
+            <ac:spMk id="2" creationId="{C3E6477F-AED9-484F-9621-C53F564119B4}"/>
+          </ac:spMkLst>
+        </pc:spChg>
+        <pc:spChg chg="mod ord">
+          <ac:chgData name="Henrik Løvik Njølstad" userId="778659e2-5eca-412f-ba00-4d07a820fe1f" providerId="ADAL" clId="{25FE1739-1FFC-4EA4-9985-8A24BF43D377}" dt="2020-11-10T20:44:06.698" v="2044" actId="255"/>
+          <ac:spMkLst>
+            <pc:docMk/>
+            <pc:sldMk cId="1669579861" sldId="264"/>
+            <ac:spMk id="3" creationId="{18166937-65B3-4DC8-BB43-63584E0D60E0}"/>
+          </ac:spMkLst>
+        </pc:spChg>
+        <pc:spChg chg="add mod">
+          <ac:chgData name="Henrik Løvik Njølstad" userId="778659e2-5eca-412f-ba00-4d07a820fe1f" providerId="ADAL" clId="{25FE1739-1FFC-4EA4-9985-8A24BF43D377}" dt="2020-11-01T19:27:30.948" v="1934"/>
+          <ac:spMkLst>
+            <pc:docMk/>
+            <pc:sldMk cId="1669579861" sldId="264"/>
+            <ac:spMk id="5" creationId="{10DBAB81-3814-4563-BED3-569BCE962398}"/>
+          </ac:spMkLst>
+        </pc:spChg>
+      </pc:sldChg>
+      <pc:sldChg chg="modSp add del mod">
+        <pc:chgData name="Henrik Løvik Njølstad" userId="778659e2-5eca-412f-ba00-4d07a820fe1f" providerId="ADAL" clId="{25FE1739-1FFC-4EA4-9985-8A24BF43D377}" dt="2020-11-01T18:52:49.790" v="1325" actId="47"/>
+        <pc:sldMkLst>
+          <pc:docMk/>
+          <pc:sldMk cId="3703443670" sldId="265"/>
+        </pc:sldMkLst>
+        <pc:spChg chg="mod">
+          <ac:chgData name="Henrik Løvik Njølstad" userId="778659e2-5eca-412f-ba00-4d07a820fe1f" providerId="ADAL" clId="{25FE1739-1FFC-4EA4-9985-8A24BF43D377}" dt="2020-11-01T18:47:45.717" v="1145" actId="14"/>
+          <ac:spMkLst>
+            <pc:docMk/>
+            <pc:sldMk cId="3703443670" sldId="265"/>
+            <ac:spMk id="3" creationId="{18166937-65B3-4DC8-BB43-63584E0D60E0}"/>
+          </ac:spMkLst>
+        </pc:spChg>
+      </pc:sldChg>
+      <pc:sldChg chg="addSp modSp add mod modClrScheme chgLayout">
+        <pc:chgData name="Henrik Løvik Njølstad" userId="778659e2-5eca-412f-ba00-4d07a820fe1f" providerId="ADAL" clId="{25FE1739-1FFC-4EA4-9985-8A24BF43D377}" dt="2020-11-10T20:45:45.404" v="2053" actId="20577"/>
+        <pc:sldMkLst>
+          <pc:docMk/>
+          <pc:sldMk cId="3724844384" sldId="266"/>
+        </pc:sldMkLst>
+        <pc:spChg chg="mod ord">
+          <ac:chgData name="Henrik Løvik Njølstad" userId="778659e2-5eca-412f-ba00-4d07a820fe1f" providerId="ADAL" clId="{25FE1739-1FFC-4EA4-9985-8A24BF43D377}" dt="2020-11-01T19:26:45.982" v="1926" actId="700"/>
+          <ac:spMkLst>
+            <pc:docMk/>
+            <pc:sldMk cId="3724844384" sldId="266"/>
+            <ac:spMk id="2" creationId="{C3E6477F-AED9-484F-9621-C53F564119B4}"/>
+          </ac:spMkLst>
+        </pc:spChg>
+        <pc:spChg chg="mod ord">
+          <ac:chgData name="Henrik Løvik Njølstad" userId="778659e2-5eca-412f-ba00-4d07a820fe1f" providerId="ADAL" clId="{25FE1739-1FFC-4EA4-9985-8A24BF43D377}" dt="2020-11-10T20:45:45.404" v="2053" actId="20577"/>
+          <ac:spMkLst>
+            <pc:docMk/>
+            <pc:sldMk cId="3724844384" sldId="266"/>
+            <ac:spMk id="3" creationId="{18166937-65B3-4DC8-BB43-63584E0D60E0}"/>
+          </ac:spMkLst>
+        </pc:spChg>
+        <pc:spChg chg="add mod">
+          <ac:chgData name="Henrik Løvik Njølstad" userId="778659e2-5eca-412f-ba00-4d07a820fe1f" providerId="ADAL" clId="{25FE1739-1FFC-4EA4-9985-8A24BF43D377}" dt="2020-11-01T19:27:33.746" v="1936"/>
+          <ac:spMkLst>
+            <pc:docMk/>
+            <pc:sldMk cId="3724844384" sldId="266"/>
+            <ac:spMk id="5" creationId="{EE53B70D-2F2D-41B8-92EC-E4B32AFF9E49}"/>
+          </ac:spMkLst>
+        </pc:spChg>
+      </pc:sldChg>
+      <pc:sldChg chg="addSp modSp add mod modClrScheme chgLayout">
+        <pc:chgData name="Henrik Løvik Njølstad" userId="778659e2-5eca-412f-ba00-4d07a820fe1f" providerId="ADAL" clId="{25FE1739-1FFC-4EA4-9985-8A24BF43D377}" dt="2020-11-10T20:46:47.938" v="2063" actId="255"/>
+        <pc:sldMkLst>
+          <pc:docMk/>
+          <pc:sldMk cId="107482372" sldId="267"/>
+        </pc:sldMkLst>
+        <pc:spChg chg="mod ord">
+          <ac:chgData name="Henrik Løvik Njølstad" userId="778659e2-5eca-412f-ba00-4d07a820fe1f" providerId="ADAL" clId="{25FE1739-1FFC-4EA4-9985-8A24BF43D377}" dt="2020-11-01T19:26:45.982" v="1926" actId="700"/>
+          <ac:spMkLst>
+            <pc:docMk/>
+            <pc:sldMk cId="107482372" sldId="267"/>
+            <ac:spMk id="2" creationId="{C3E6477F-AED9-484F-9621-C53F564119B4}"/>
+          </ac:spMkLst>
+        </pc:spChg>
+        <pc:spChg chg="mod ord">
+          <ac:chgData name="Henrik Løvik Njølstad" userId="778659e2-5eca-412f-ba00-4d07a820fe1f" providerId="ADAL" clId="{25FE1739-1FFC-4EA4-9985-8A24BF43D377}" dt="2020-11-10T20:46:47.938" v="2063" actId="255"/>
+          <ac:spMkLst>
+            <pc:docMk/>
+            <pc:sldMk cId="107482372" sldId="267"/>
+            <ac:spMk id="3" creationId="{18166937-65B3-4DC8-BB43-63584E0D60E0}"/>
+          </ac:spMkLst>
+        </pc:spChg>
+        <pc:spChg chg="add mod">
+          <ac:chgData name="Henrik Løvik Njølstad" userId="778659e2-5eca-412f-ba00-4d07a820fe1f" providerId="ADAL" clId="{25FE1739-1FFC-4EA4-9985-8A24BF43D377}" dt="2020-11-01T19:27:36.837" v="1938"/>
+          <ac:spMkLst>
+            <pc:docMk/>
+            <pc:sldMk cId="107482372" sldId="267"/>
+            <ac:spMk id="5" creationId="{E361C35D-F854-46C4-B355-B2E289E9DC23}"/>
+          </ac:spMkLst>
+        </pc:spChg>
+      </pc:sldChg>
+      <pc:sldChg chg="addSp modSp add mod modClrScheme chgLayout">
+        <pc:chgData name="Henrik Løvik Njølstad" userId="778659e2-5eca-412f-ba00-4d07a820fe1f" providerId="ADAL" clId="{25FE1739-1FFC-4EA4-9985-8A24BF43D377}" dt="2020-11-10T20:47:21.939" v="2066" actId="20577"/>
+        <pc:sldMkLst>
+          <pc:docMk/>
+          <pc:sldMk cId="1391517458" sldId="268"/>
+        </pc:sldMkLst>
+        <pc:spChg chg="mod ord">
+          <ac:chgData name="Henrik Løvik Njølstad" userId="778659e2-5eca-412f-ba00-4d07a820fe1f" providerId="ADAL" clId="{25FE1739-1FFC-4EA4-9985-8A24BF43D377}" dt="2020-11-01T19:26:45.982" v="1926" actId="700"/>
+          <ac:spMkLst>
+            <pc:docMk/>
+            <pc:sldMk cId="1391517458" sldId="268"/>
+            <ac:spMk id="2" creationId="{C3E6477F-AED9-484F-9621-C53F564119B4}"/>
+          </ac:spMkLst>
+        </pc:spChg>
+        <pc:spChg chg="mod ord">
+          <ac:chgData name="Henrik Løvik Njølstad" userId="778659e2-5eca-412f-ba00-4d07a820fe1f" providerId="ADAL" clId="{25FE1739-1FFC-4EA4-9985-8A24BF43D377}" dt="2020-11-10T20:47:21.939" v="2066" actId="20577"/>
+          <ac:spMkLst>
+            <pc:docMk/>
+            <pc:sldMk cId="1391517458" sldId="268"/>
+            <ac:spMk id="3" creationId="{18166937-65B3-4DC8-BB43-63584E0D60E0}"/>
+          </ac:spMkLst>
+        </pc:spChg>
+        <pc:spChg chg="add mod">
+          <ac:chgData name="Henrik Løvik Njølstad" userId="778659e2-5eca-412f-ba00-4d07a820fe1f" providerId="ADAL" clId="{25FE1739-1FFC-4EA4-9985-8A24BF43D377}" dt="2020-11-01T19:27:37.884" v="1939"/>
+          <ac:spMkLst>
+            <pc:docMk/>
+            <pc:sldMk cId="1391517458" sldId="268"/>
+            <ac:spMk id="5" creationId="{767B00C4-1DF5-40AA-B029-F4C3630E7C6A}"/>
+          </ac:spMkLst>
+        </pc:spChg>
+      </pc:sldChg>
+      <pc:sldChg chg="new del">
+        <pc:chgData name="Henrik Løvik Njølstad" userId="778659e2-5eca-412f-ba00-4d07a820fe1f" providerId="ADAL" clId="{25FE1739-1FFC-4EA4-9985-8A24BF43D377}" dt="2020-11-01T19:18:58.268" v="1763" actId="47"/>
+        <pc:sldMkLst>
+          <pc:docMk/>
+          <pc:sldMk cId="3801483169" sldId="269"/>
+        </pc:sldMkLst>
+      </pc:sldChg>
+      <pc:sldChg chg="addSp modSp add mod modClrScheme chgLayout">
+        <pc:chgData name="Henrik Løvik Njølstad" userId="778659e2-5eca-412f-ba00-4d07a820fe1f" providerId="ADAL" clId="{25FE1739-1FFC-4EA4-9985-8A24BF43D377}" dt="2020-11-01T19:27:38.813" v="1940"/>
+        <pc:sldMkLst>
+          <pc:docMk/>
+          <pc:sldMk cId="2476041199" sldId="270"/>
+        </pc:sldMkLst>
+        <pc:spChg chg="mod ord">
+          <ac:chgData name="Henrik Løvik Njølstad" userId="778659e2-5eca-412f-ba00-4d07a820fe1f" providerId="ADAL" clId="{25FE1739-1FFC-4EA4-9985-8A24BF43D377}" dt="2020-11-01T19:26:45.982" v="1926" actId="700"/>
+          <ac:spMkLst>
+            <pc:docMk/>
+            <pc:sldMk cId="2476041199" sldId="270"/>
+            <ac:spMk id="2" creationId="{C3E6477F-AED9-484F-9621-C53F564119B4}"/>
+          </ac:spMkLst>
+        </pc:spChg>
+        <pc:spChg chg="mod ord">
+          <ac:chgData name="Henrik Løvik Njølstad" userId="778659e2-5eca-412f-ba00-4d07a820fe1f" providerId="ADAL" clId="{25FE1739-1FFC-4EA4-9985-8A24BF43D377}" dt="2020-11-01T19:26:45.982" v="1926" actId="700"/>
+          <ac:spMkLst>
+            <pc:docMk/>
+            <pc:sldMk cId="2476041199" sldId="270"/>
+            <ac:spMk id="3" creationId="{18166937-65B3-4DC8-BB43-63584E0D60E0}"/>
+          </ac:spMkLst>
+        </pc:spChg>
+        <pc:spChg chg="add mod">
+          <ac:chgData name="Henrik Løvik Njølstad" userId="778659e2-5eca-412f-ba00-4d07a820fe1f" providerId="ADAL" clId="{25FE1739-1FFC-4EA4-9985-8A24BF43D377}" dt="2020-11-01T19:27:38.813" v="1940"/>
+          <ac:spMkLst>
+            <pc:docMk/>
+            <pc:sldMk cId="2476041199" sldId="270"/>
+            <ac:spMk id="5" creationId="{2D147248-02D2-4FB6-802E-640535C4B302}"/>
+          </ac:spMkLst>
+        </pc:spChg>
+      </pc:sldChg>
+      <pc:sldChg chg="addSp delSp modSp add mod modClrScheme chgLayout">
+        <pc:chgData name="Henrik Løvik Njølstad" userId="778659e2-5eca-412f-ba00-4d07a820fe1f" providerId="ADAL" clId="{25FE1739-1FFC-4EA4-9985-8A24BF43D377}" dt="2020-11-10T20:52:50.424" v="2067" actId="478"/>
+        <pc:sldMkLst>
+          <pc:docMk/>
+          <pc:sldMk cId="3516380177" sldId="271"/>
+        </pc:sldMkLst>
+        <pc:spChg chg="mod ord">
+          <ac:chgData name="Henrik Løvik Njølstad" userId="778659e2-5eca-412f-ba00-4d07a820fe1f" providerId="ADAL" clId="{25FE1739-1FFC-4EA4-9985-8A24BF43D377}" dt="2020-11-01T19:26:45.982" v="1926" actId="700"/>
+          <ac:spMkLst>
+            <pc:docMk/>
+            <pc:sldMk cId="3516380177" sldId="271"/>
+            <ac:spMk id="2" creationId="{C3E6477F-AED9-484F-9621-C53F564119B4}"/>
+          </ac:spMkLst>
+        </pc:spChg>
+        <pc:spChg chg="add del mod">
+          <ac:chgData name="Henrik Løvik Njølstad" userId="778659e2-5eca-412f-ba00-4d07a820fe1f" providerId="ADAL" clId="{25FE1739-1FFC-4EA4-9985-8A24BF43D377}" dt="2020-11-10T20:52:50.424" v="2067" actId="478"/>
+          <ac:spMkLst>
+            <pc:docMk/>
+            <pc:sldMk cId="3516380177" sldId="271"/>
+            <ac:spMk id="3" creationId="{18166937-65B3-4DC8-BB43-63584E0D60E0}"/>
+          </ac:spMkLst>
+        </pc:spChg>
+        <pc:spChg chg="add del mod ord">
+          <ac:chgData name="Henrik Løvik Njølstad" userId="778659e2-5eca-412f-ba00-4d07a820fe1f" providerId="ADAL" clId="{25FE1739-1FFC-4EA4-9985-8A24BF43D377}" dt="2020-11-01T19:26:41.975" v="1924" actId="700"/>
+          <ac:spMkLst>
+            <pc:docMk/>
+            <pc:sldMk cId="3516380177" sldId="271"/>
+            <ac:spMk id="5" creationId="{20235948-8753-41AE-90F5-9B5CE330333D}"/>
+          </ac:spMkLst>
+        </pc:spChg>
+        <pc:spChg chg="add mod">
+          <ac:chgData name="Henrik Løvik Njølstad" userId="778659e2-5eca-412f-ba00-4d07a820fe1f" providerId="ADAL" clId="{25FE1739-1FFC-4EA4-9985-8A24BF43D377}" dt="2020-11-01T19:27:25.166" v="1930"/>
+          <ac:spMkLst>
+            <pc:docMk/>
+            <pc:sldMk cId="3516380177" sldId="271"/>
+            <ac:spMk id="6" creationId="{3BB08354-AA73-4489-9BD5-576264F4E158}"/>
+          </ac:spMkLst>
+        </pc:spChg>
+      </pc:sldChg>
+      <pc:sldChg chg="addSp modSp add mod modClrScheme chgLayout">
+        <pc:chgData name="Henrik Løvik Njølstad" userId="778659e2-5eca-412f-ba00-4d07a820fe1f" providerId="ADAL" clId="{25FE1739-1FFC-4EA4-9985-8A24BF43D377}" dt="2020-11-10T20:44:21.325" v="2048" actId="20577"/>
+        <pc:sldMkLst>
+          <pc:docMk/>
+          <pc:sldMk cId="3298582045" sldId="272"/>
+        </pc:sldMkLst>
+        <pc:spChg chg="mod ord">
+          <ac:chgData name="Henrik Løvik Njølstad" userId="778659e2-5eca-412f-ba00-4d07a820fe1f" providerId="ADAL" clId="{25FE1739-1FFC-4EA4-9985-8A24BF43D377}" dt="2020-11-01T19:26:45.982" v="1926" actId="700"/>
+          <ac:spMkLst>
+            <pc:docMk/>
+            <pc:sldMk cId="3298582045" sldId="272"/>
+            <ac:spMk id="2" creationId="{C3E6477F-AED9-484F-9621-C53F564119B4}"/>
+          </ac:spMkLst>
+        </pc:spChg>
+        <pc:spChg chg="mod ord">
+          <ac:chgData name="Henrik Løvik Njølstad" userId="778659e2-5eca-412f-ba00-4d07a820fe1f" providerId="ADAL" clId="{25FE1739-1FFC-4EA4-9985-8A24BF43D377}" dt="2020-11-10T20:44:21.325" v="2048" actId="20577"/>
+          <ac:spMkLst>
+            <pc:docMk/>
+            <pc:sldMk cId="3298582045" sldId="272"/>
+            <ac:spMk id="3" creationId="{18166937-65B3-4DC8-BB43-63584E0D60E0}"/>
+          </ac:spMkLst>
+        </pc:spChg>
+        <pc:spChg chg="add mod">
+          <ac:chgData name="Henrik Løvik Njølstad" userId="778659e2-5eca-412f-ba00-4d07a820fe1f" providerId="ADAL" clId="{25FE1739-1FFC-4EA4-9985-8A24BF43D377}" dt="2020-11-01T19:27:29.463" v="1933"/>
+          <ac:spMkLst>
+            <pc:docMk/>
+            <pc:sldMk cId="3298582045" sldId="272"/>
+            <ac:spMk id="5" creationId="{2E7C6A29-4518-43FB-B616-698ECD5554EE}"/>
+          </ac:spMkLst>
+        </pc:spChg>
+      </pc:sldChg>
+      <pc:sldChg chg="addSp modSp add mod modClrScheme chgLayout">
+        <pc:chgData name="Henrik Løvik Njølstad" userId="778659e2-5eca-412f-ba00-4d07a820fe1f" providerId="ADAL" clId="{25FE1739-1FFC-4EA4-9985-8A24BF43D377}" dt="2020-11-10T20:44:51.869" v="2050" actId="255"/>
+        <pc:sldMkLst>
+          <pc:docMk/>
+          <pc:sldMk cId="1768192261" sldId="273"/>
+        </pc:sldMkLst>
+        <pc:spChg chg="mod ord">
+          <ac:chgData name="Henrik Løvik Njølstad" userId="778659e2-5eca-412f-ba00-4d07a820fe1f" providerId="ADAL" clId="{25FE1739-1FFC-4EA4-9985-8A24BF43D377}" dt="2020-11-01T19:26:45.982" v="1926" actId="700"/>
+          <ac:spMkLst>
+            <pc:docMk/>
+            <pc:sldMk cId="1768192261" sldId="273"/>
+            <ac:spMk id="2" creationId="{C3E6477F-AED9-484F-9621-C53F564119B4}"/>
+          </ac:spMkLst>
+        </pc:spChg>
+        <pc:spChg chg="mod ord">
+          <ac:chgData name="Henrik Løvik Njølstad" userId="778659e2-5eca-412f-ba00-4d07a820fe1f" providerId="ADAL" clId="{25FE1739-1FFC-4EA4-9985-8A24BF43D377}" dt="2020-11-10T20:44:51.869" v="2050" actId="255"/>
+          <ac:spMkLst>
+            <pc:docMk/>
+            <pc:sldMk cId="1768192261" sldId="273"/>
+            <ac:spMk id="3" creationId="{18166937-65B3-4DC8-BB43-63584E0D60E0}"/>
+          </ac:spMkLst>
+        </pc:spChg>
+        <pc:spChg chg="add mod">
+          <ac:chgData name="Henrik Løvik Njølstad" userId="778659e2-5eca-412f-ba00-4d07a820fe1f" providerId="ADAL" clId="{25FE1739-1FFC-4EA4-9985-8A24BF43D377}" dt="2020-11-01T19:27:32.876" v="1935"/>
+          <ac:spMkLst>
+            <pc:docMk/>
+            <pc:sldMk cId="1768192261" sldId="273"/>
+            <ac:spMk id="5" creationId="{FAC8CAAC-AE7C-4431-8415-1EAE49B7BCFA}"/>
+          </ac:spMkLst>
+        </pc:spChg>
+      </pc:sldChg>
+      <pc:sldChg chg="addSp modSp add mod modClrScheme chgLayout">
+        <pc:chgData name="Henrik Løvik Njølstad" userId="778659e2-5eca-412f-ba00-4d07a820fe1f" providerId="ADAL" clId="{25FE1739-1FFC-4EA4-9985-8A24BF43D377}" dt="2020-11-10T20:46:18.494" v="2059" actId="255"/>
+        <pc:sldMkLst>
+          <pc:docMk/>
+          <pc:sldMk cId="573663063" sldId="274"/>
+        </pc:sldMkLst>
+        <pc:spChg chg="mod ord">
+          <ac:chgData name="Henrik Løvik Njølstad" userId="778659e2-5eca-412f-ba00-4d07a820fe1f" providerId="ADAL" clId="{25FE1739-1FFC-4EA4-9985-8A24BF43D377}" dt="2020-11-01T19:26:45.982" v="1926" actId="700"/>
+          <ac:spMkLst>
+            <pc:docMk/>
+            <pc:sldMk cId="573663063" sldId="274"/>
+            <ac:spMk id="2" creationId="{C3E6477F-AED9-484F-9621-C53F564119B4}"/>
+          </ac:spMkLst>
+        </pc:spChg>
+        <pc:spChg chg="mod ord">
+          <ac:chgData name="Henrik Løvik Njølstad" userId="778659e2-5eca-412f-ba00-4d07a820fe1f" providerId="ADAL" clId="{25FE1739-1FFC-4EA4-9985-8A24BF43D377}" dt="2020-11-10T20:46:18.494" v="2059" actId="255"/>
+          <ac:spMkLst>
+            <pc:docMk/>
+            <pc:sldMk cId="573663063" sldId="274"/>
+            <ac:spMk id="3" creationId="{18166937-65B3-4DC8-BB43-63584E0D60E0}"/>
+          </ac:spMkLst>
+        </pc:spChg>
+        <pc:spChg chg="add mod">
+          <ac:chgData name="Henrik Løvik Njølstad" userId="778659e2-5eca-412f-ba00-4d07a820fe1f" providerId="ADAL" clId="{25FE1739-1FFC-4EA4-9985-8A24BF43D377}" dt="2020-11-01T19:27:35.223" v="1937"/>
+          <ac:spMkLst>
+            <pc:docMk/>
+            <pc:sldMk cId="573663063" sldId="274"/>
+            <ac:spMk id="5" creationId="{5F98C037-84E9-43BE-A243-02B50AEF9071}"/>
+          </ac:spMkLst>
+        </pc:spChg>
+      </pc:sldChg>
+      <pc:sldChg chg="modSp add mod">
+        <pc:chgData name="Henrik Løvik Njølstad" userId="778659e2-5eca-412f-ba00-4d07a820fe1f" providerId="ADAL" clId="{25FE1739-1FFC-4EA4-9985-8A24BF43D377}" dt="2020-11-10T20:53:50.394" v="2112" actId="6549"/>
+        <pc:sldMkLst>
+          <pc:docMk/>
+          <pc:sldMk cId="3769457134" sldId="275"/>
+        </pc:sldMkLst>
+        <pc:spChg chg="mod">
+          <ac:chgData name="Henrik Løvik Njølstad" userId="778659e2-5eca-412f-ba00-4d07a820fe1f" providerId="ADAL" clId="{25FE1739-1FFC-4EA4-9985-8A24BF43D377}" dt="2020-11-10T20:53:50.394" v="2112" actId="6549"/>
+          <ac:spMkLst>
+            <pc:docMk/>
+            <pc:sldMk cId="3769457134" sldId="275"/>
+            <ac:spMk id="3" creationId="{18166937-65B3-4DC8-BB43-63584E0D60E0}"/>
+          </ac:spMkLst>
+        </pc:spChg>
+      </pc:sldChg>
+      <pc:sldChg chg="addSp delSp modSp new mod">
+        <pc:chgData name="Henrik Løvik Njølstad" userId="778659e2-5eca-412f-ba00-4d07a820fe1f" providerId="ADAL" clId="{25FE1739-1FFC-4EA4-9985-8A24BF43D377}" dt="2020-11-10T21:17:08.450" v="2148"/>
+        <pc:sldMkLst>
+          <pc:docMk/>
+          <pc:sldMk cId="93119560" sldId="276"/>
+        </pc:sldMkLst>
+        <pc:spChg chg="mod">
+          <ac:chgData name="Henrik Løvik Njølstad" userId="778659e2-5eca-412f-ba00-4d07a820fe1f" providerId="ADAL" clId="{25FE1739-1FFC-4EA4-9985-8A24BF43D377}" dt="2020-11-10T21:13:52.988" v="2141" actId="20577"/>
+          <ac:spMkLst>
+            <pc:docMk/>
+            <pc:sldMk cId="93119560" sldId="276"/>
+            <ac:spMk id="2" creationId="{816A124A-532B-4492-8FE5-0B25E8DD1AA0}"/>
+          </ac:spMkLst>
+        </pc:spChg>
+        <pc:spChg chg="del mod">
+          <ac:chgData name="Henrik Løvik Njølstad" userId="778659e2-5eca-412f-ba00-4d07a820fe1f" providerId="ADAL" clId="{25FE1739-1FFC-4EA4-9985-8A24BF43D377}" dt="2020-11-10T21:14:27.033" v="2144"/>
+          <ac:spMkLst>
+            <pc:docMk/>
+            <pc:sldMk cId="93119560" sldId="276"/>
+            <ac:spMk id="3" creationId="{3EC3F2F8-2324-4994-A295-053637796D00}"/>
           </ac:spMkLst>
         </pc:spChg>
         <pc:picChg chg="add mod">
-          <ac:chgData name="Andre Martiny" userId="dcdd23ab-7fdd-467e-8703-94ceab9886ce" providerId="ADAL" clId="{5D6E3F71-8062-422A-AC2C-B4FA3464B478}" dt="2020-11-11T11:41:52.537" v="4" actId="1076"/>
+          <ac:chgData name="Henrik Løvik Njølstad" userId="778659e2-5eca-412f-ba00-4d07a820fe1f" providerId="ADAL" clId="{25FE1739-1FFC-4EA4-9985-8A24BF43D377}" dt="2020-11-10T21:17:08.450" v="2148"/>
           <ac:picMkLst>
             <pc:docMk/>
-            <pc:sldMk cId="1842476031" sldId="277"/>
-            <ac:picMk id="1026" creationId="{01822AFE-2F96-417B-A58E-4F6B419C0C14}"/>
-          </ac:picMkLst>
-        </pc:picChg>
-        <pc:picChg chg="add mod">
-          <ac:chgData name="Andre Martiny" userId="dcdd23ab-7fdd-467e-8703-94ceab9886ce" providerId="ADAL" clId="{5D6E3F71-8062-422A-AC2C-B4FA3464B478}" dt="2020-11-11T11:44:46.484" v="15" actId="1076"/>
-          <ac:picMkLst>
-            <pc:docMk/>
-            <pc:sldMk cId="1842476031" sldId="277"/>
-            <ac:picMk id="1028" creationId="{8046B53F-6BAB-470A-9CD1-26ADB55D3D03}"/>
+            <pc:sldMk cId="93119560" sldId="276"/>
+            <ac:picMk id="1026" creationId="{4B4B2628-42BD-476D-8349-FCA1700EFAD7}"/>
           </ac:picMkLst>
         </pc:picChg>
       </pc:sldChg>
+      <pc:sldMasterChg chg="setBg modSldLayout">
+        <pc:chgData name="Henrik Løvik Njølstad" userId="778659e2-5eca-412f-ba00-4d07a820fe1f" providerId="ADAL" clId="{25FE1739-1FFC-4EA4-9985-8A24BF43D377}" dt="2020-11-01T19:25:08.124" v="1910"/>
+        <pc:sldMasterMkLst>
+          <pc:docMk/>
+          <pc:sldMasterMk cId="1341230583" sldId="2147483670"/>
+        </pc:sldMasterMkLst>
+        <pc:sldLayoutChg chg="modSp mod setBg">
+          <pc:chgData name="Henrik Løvik Njølstad" userId="778659e2-5eca-412f-ba00-4d07a820fe1f" providerId="ADAL" clId="{25FE1739-1FFC-4EA4-9985-8A24BF43D377}" dt="2020-11-01T19:25:08.124" v="1910"/>
+          <pc:sldLayoutMkLst>
+            <pc:docMk/>
+            <pc:sldMasterMk cId="1341230583" sldId="2147483670"/>
+            <pc:sldLayoutMk cId="676108563" sldId="2147483682"/>
+          </pc:sldLayoutMkLst>
+          <pc:spChg chg="mod">
+            <ac:chgData name="Henrik Løvik Njølstad" userId="778659e2-5eca-412f-ba00-4d07a820fe1f" providerId="ADAL" clId="{25FE1739-1FFC-4EA4-9985-8A24BF43D377}" dt="2020-11-01T19:24:24.902" v="1908" actId="20577"/>
+            <ac:spMkLst>
+              <pc:docMk/>
+              <pc:sldMasterMk cId="1341230583" sldId="2147483670"/>
+              <pc:sldLayoutMk cId="676108563" sldId="2147483682"/>
+              <ac:spMk id="18" creationId="{4ACEA825-E452-4C7A-9EC8-97999EAD2276}"/>
+            </ac:spMkLst>
+          </pc:spChg>
+        </pc:sldLayoutChg>
+      </pc:sldMasterChg>
     </pc:docChg>
   </pc:docChgLst>
   <pc:docChgLst>
@@ -1142,657 +1656,216 @@
     </pc:docChg>
   </pc:docChgLst>
   <pc:docChgLst>
-    <pc:chgData name="Henrik Løvik Njølstad" userId="778659e2-5eca-412f-ba00-4d07a820fe1f" providerId="ADAL" clId="{25FE1739-1FFC-4EA4-9985-8A24BF43D377}"/>
-    <pc:docChg chg="undo redo custSel mod addSld delSld modSld modMainMaster">
-      <pc:chgData name="Henrik Løvik Njølstad" userId="778659e2-5eca-412f-ba00-4d07a820fe1f" providerId="ADAL" clId="{25FE1739-1FFC-4EA4-9985-8A24BF43D377}" dt="2020-11-10T21:17:08.450" v="2148"/>
+    <pc:chgData name="Andre Martiny" userId="dcdd23ab-7fdd-467e-8703-94ceab9886ce" providerId="ADAL" clId="{A06ADE92-29B7-4FB5-A4E5-DA80B0B496BE}"/>
+    <pc:docChg chg="custSel modSld">
+      <pc:chgData name="Andre Martiny" userId="dcdd23ab-7fdd-467e-8703-94ceab9886ce" providerId="ADAL" clId="{A06ADE92-29B7-4FB5-A4E5-DA80B0B496BE}" dt="2020-11-29T15:32:20.014" v="30"/>
       <pc:docMkLst>
         <pc:docMk/>
       </pc:docMkLst>
-      <pc:sldChg chg="addSp delSp modSp mod modClrScheme modAnim chgLayout">
-        <pc:chgData name="Henrik Løvik Njølstad" userId="778659e2-5eca-412f-ba00-4d07a820fe1f" providerId="ADAL" clId="{25FE1739-1FFC-4EA4-9985-8A24BF43D377}" dt="2020-11-10T20:33:58.598" v="1986" actId="20577"/>
+      <pc:sldChg chg="modSp">
+        <pc:chgData name="Andre Martiny" userId="dcdd23ab-7fdd-467e-8703-94ceab9886ce" providerId="ADAL" clId="{A06ADE92-29B7-4FB5-A4E5-DA80B0B496BE}" dt="2020-11-29T15:18:17.314" v="9" actId="20577"/>
         <pc:sldMkLst>
           <pc:docMk/>
           <pc:sldMk cId="1064338250" sldId="257"/>
         </pc:sldMkLst>
-        <pc:spChg chg="mod ord">
-          <ac:chgData name="Henrik Løvik Njølstad" userId="778659e2-5eca-412f-ba00-4d07a820fe1f" providerId="ADAL" clId="{25FE1739-1FFC-4EA4-9985-8A24BF43D377}" dt="2020-11-10T20:33:51.549" v="1983" actId="14100"/>
-          <ac:spMkLst>
-            <pc:docMk/>
-            <pc:sldMk cId="1064338250" sldId="257"/>
-            <ac:spMk id="2" creationId="{5429EE08-D461-496F-87FE-6F7AEE6F7CBF}"/>
-          </ac:spMkLst>
-        </pc:spChg>
-        <pc:spChg chg="add del mod">
-          <ac:chgData name="Henrik Løvik Njølstad" userId="778659e2-5eca-412f-ba00-4d07a820fe1f" providerId="ADAL" clId="{25FE1739-1FFC-4EA4-9985-8A24BF43D377}" dt="2020-11-01T19:25:37.334" v="1914" actId="26606"/>
-          <ac:spMkLst>
-            <pc:docMk/>
-            <pc:sldMk cId="1064338250" sldId="257"/>
-            <ac:spMk id="3" creationId="{90D1C88A-08F8-4C46-BEE2-ABBDC9A94DC0}"/>
-          </ac:spMkLst>
-        </pc:spChg>
-        <pc:spChg chg="add mod">
-          <ac:chgData name="Henrik Løvik Njølstad" userId="778659e2-5eca-412f-ba00-4d07a820fe1f" providerId="ADAL" clId="{25FE1739-1FFC-4EA4-9985-8A24BF43D377}" dt="2020-11-10T20:32:57.489" v="1970" actId="14100"/>
-          <ac:spMkLst>
-            <pc:docMk/>
-            <pc:sldMk cId="1064338250" sldId="257"/>
-            <ac:spMk id="3" creationId="{AF6760FA-DB35-4AD0-9429-ABE5FD342513}"/>
-          </ac:spMkLst>
-        </pc:spChg>
-        <pc:spChg chg="add del mod ord">
-          <ac:chgData name="Henrik Løvik Njølstad" userId="778659e2-5eca-412f-ba00-4d07a820fe1f" providerId="ADAL" clId="{25FE1739-1FFC-4EA4-9985-8A24BF43D377}" dt="2020-11-01T19:26:41.975" v="1924" actId="700"/>
-          <ac:spMkLst>
-            <pc:docMk/>
-            <pc:sldMk cId="1064338250" sldId="257"/>
-            <ac:spMk id="4" creationId="{1E82D717-A5E7-403C-9DDA-05FCEFD67149}"/>
-          </ac:spMkLst>
-        </pc:spChg>
-        <pc:spChg chg="add del mod ord">
-          <ac:chgData name="Henrik Løvik Njølstad" userId="778659e2-5eca-412f-ba00-4d07a820fe1f" providerId="ADAL" clId="{25FE1739-1FFC-4EA4-9985-8A24BF43D377}" dt="2020-11-01T19:27:47.622" v="1943" actId="478"/>
-          <ac:spMkLst>
-            <pc:docMk/>
-            <pc:sldMk cId="1064338250" sldId="257"/>
-            <ac:spMk id="8" creationId="{5F87B1BE-931A-441F-9485-D15B1A988557}"/>
-          </ac:spMkLst>
-        </pc:spChg>
-        <pc:spChg chg="add del mod">
-          <ac:chgData name="Henrik Løvik Njølstad" userId="778659e2-5eca-412f-ba00-4d07a820fe1f" providerId="ADAL" clId="{25FE1739-1FFC-4EA4-9985-8A24BF43D377}" dt="2020-11-01T19:25:37.304" v="1913" actId="26606"/>
-          <ac:spMkLst>
-            <pc:docMk/>
-            <pc:sldMk cId="1064338250" sldId="257"/>
-            <ac:spMk id="9" creationId="{9404BF23-0128-4C34-875E-8A1049DA8C9A}"/>
-          </ac:spMkLst>
-        </pc:spChg>
-        <pc:spChg chg="add del mod">
-          <ac:chgData name="Henrik Løvik Njølstad" userId="778659e2-5eca-412f-ba00-4d07a820fe1f" providerId="ADAL" clId="{25FE1739-1FFC-4EA4-9985-8A24BF43D377}" dt="2020-11-01T19:27:44.664" v="1942"/>
-          <ac:spMkLst>
-            <pc:docMk/>
-            <pc:sldMk cId="1064338250" sldId="257"/>
-            <ac:spMk id="10" creationId="{5B45EF6A-08E4-4543-A469-2C2E38DE6B30}"/>
-          </ac:spMkLst>
-        </pc:spChg>
-        <pc:spChg chg="add mod">
-          <ac:chgData name="Henrik Løvik Njølstad" userId="778659e2-5eca-412f-ba00-4d07a820fe1f" providerId="ADAL" clId="{25FE1739-1FFC-4EA4-9985-8A24BF43D377}" dt="2020-11-10T20:32:45.769" v="1967" actId="14100"/>
+        <pc:spChg chg="mod">
+          <ac:chgData name="Andre Martiny" userId="dcdd23ab-7fdd-467e-8703-94ceab9886ce" providerId="ADAL" clId="{A06ADE92-29B7-4FB5-A4E5-DA80B0B496BE}" dt="2020-11-29T15:18:17.314" v="9" actId="20577"/>
           <ac:spMkLst>
             <pc:docMk/>
             <pc:sldMk cId="1064338250" sldId="257"/>
             <ac:spMk id="11" creationId="{90D1C88A-08F8-4C46-BEE2-ABBDC9A94DC0}"/>
           </ac:spMkLst>
         </pc:spChg>
-        <pc:spChg chg="add mod">
-          <ac:chgData name="Henrik Løvik Njølstad" userId="778659e2-5eca-412f-ba00-4d07a820fe1f" providerId="ADAL" clId="{25FE1739-1FFC-4EA4-9985-8A24BF43D377}" dt="2020-11-10T20:33:58.598" v="1986" actId="20577"/>
-          <ac:spMkLst>
-            <pc:docMk/>
-            <pc:sldMk cId="1064338250" sldId="257"/>
-            <ac:spMk id="12" creationId="{78DE6963-8E1F-4CBC-B8A4-6B221497FE41}"/>
-          </ac:spMkLst>
-        </pc:spChg>
-        <pc:graphicFrameChg chg="add del">
-          <ac:chgData name="Henrik Løvik Njølstad" userId="778659e2-5eca-412f-ba00-4d07a820fe1f" providerId="ADAL" clId="{25FE1739-1FFC-4EA4-9985-8A24BF43D377}" dt="2020-11-01T19:25:37.304" v="1913" actId="26606"/>
-          <ac:graphicFrameMkLst>
-            <pc:docMk/>
-            <pc:sldMk cId="1064338250" sldId="257"/>
-            <ac:graphicFrameMk id="5" creationId="{F120A1CE-A51E-49F3-A92D-DD7272457579}"/>
-          </ac:graphicFrameMkLst>
-        </pc:graphicFrameChg>
       </pc:sldChg>
-      <pc:sldChg chg="addSp delSp modSp add del mod modAnim">
-        <pc:chgData name="Henrik Løvik Njølstad" userId="778659e2-5eca-412f-ba00-4d07a820fe1f" providerId="ADAL" clId="{25FE1739-1FFC-4EA4-9985-8A24BF43D377}" dt="2020-11-01T19:13:14.622" v="1741" actId="47"/>
-        <pc:sldMkLst>
-          <pc:docMk/>
-          <pc:sldMk cId="1851494247" sldId="259"/>
-        </pc:sldMkLst>
-        <pc:spChg chg="mod">
-          <ac:chgData name="Henrik Løvik Njølstad" userId="778659e2-5eca-412f-ba00-4d07a820fe1f" providerId="ADAL" clId="{25FE1739-1FFC-4EA4-9985-8A24BF43D377}" dt="2020-11-01T19:12:47.973" v="1739" actId="20577"/>
-          <ac:spMkLst>
-            <pc:docMk/>
-            <pc:sldMk cId="1851494247" sldId="259"/>
-            <ac:spMk id="2" creationId="{42C3BD53-A9CD-4647-81DB-7A9C336BC0EC}"/>
-          </ac:spMkLst>
-        </pc:spChg>
-        <pc:spChg chg="add del mod">
-          <ac:chgData name="Henrik Løvik Njølstad" userId="778659e2-5eca-412f-ba00-4d07a820fe1f" providerId="ADAL" clId="{25FE1739-1FFC-4EA4-9985-8A24BF43D377}" dt="2020-11-01T18:37:17.714" v="723"/>
-          <ac:spMkLst>
-            <pc:docMk/>
-            <pc:sldMk cId="1851494247" sldId="259"/>
-            <ac:spMk id="3" creationId="{3B64DB8E-5F55-4BAD-9D6F-3B3BB65B069B}"/>
-          </ac:spMkLst>
-        </pc:spChg>
-        <pc:spChg chg="add del">
-          <ac:chgData name="Henrik Løvik Njølstad" userId="778659e2-5eca-412f-ba00-4d07a820fe1f" providerId="ADAL" clId="{25FE1739-1FFC-4EA4-9985-8A24BF43D377}" dt="2020-11-01T18:37:34.518" v="725" actId="22"/>
-          <ac:spMkLst>
-            <pc:docMk/>
-            <pc:sldMk cId="1851494247" sldId="259"/>
-            <ac:spMk id="5" creationId="{0C4B0FAB-3FCD-430C-9DB9-2E49D31025A3}"/>
-          </ac:spMkLst>
-        </pc:spChg>
-      </pc:sldChg>
-      <pc:sldChg chg="addSp delSp modSp mod modClrScheme modAnim chgLayout">
-        <pc:chgData name="Henrik Løvik Njølstad" userId="778659e2-5eca-412f-ba00-4d07a820fe1f" providerId="ADAL" clId="{25FE1739-1FFC-4EA4-9985-8A24BF43D377}" dt="2020-11-01T19:26:54.825" v="1927" actId="1076"/>
+      <pc:sldChg chg="addSp delSp modSp mod modAnim">
+        <pc:chgData name="Andre Martiny" userId="dcdd23ab-7fdd-467e-8703-94ceab9886ce" providerId="ADAL" clId="{A06ADE92-29B7-4FB5-A4E5-DA80B0B496BE}" dt="2020-11-29T15:27:30.380" v="28"/>
         <pc:sldMkLst>
           <pc:docMk/>
           <pc:sldMk cId="689929228" sldId="260"/>
         </pc:sldMkLst>
-        <pc:spChg chg="mod ord">
-          <ac:chgData name="Henrik Løvik Njølstad" userId="778659e2-5eca-412f-ba00-4d07a820fe1f" providerId="ADAL" clId="{25FE1739-1FFC-4EA4-9985-8A24BF43D377}" dt="2020-11-01T19:26:45.982" v="1926" actId="700"/>
-          <ac:spMkLst>
-            <pc:docMk/>
-            <pc:sldMk cId="689929228" sldId="260"/>
-            <ac:spMk id="2" creationId="{C3E6477F-AED9-484F-9621-C53F564119B4}"/>
-          </ac:spMkLst>
-        </pc:spChg>
-        <pc:spChg chg="mod ord">
-          <ac:chgData name="Henrik Løvik Njølstad" userId="778659e2-5eca-412f-ba00-4d07a820fe1f" providerId="ADAL" clId="{25FE1739-1FFC-4EA4-9985-8A24BF43D377}" dt="2020-11-01T19:26:45.982" v="1926" actId="700"/>
+        <pc:spChg chg="mod">
+          <ac:chgData name="Andre Martiny" userId="dcdd23ab-7fdd-467e-8703-94ceab9886ce" providerId="ADAL" clId="{A06ADE92-29B7-4FB5-A4E5-DA80B0B496BE}" dt="2020-11-29T15:27:07.856" v="26" actId="27636"/>
           <ac:spMkLst>
             <pc:docMk/>
             <pc:sldMk cId="689929228" sldId="260"/>
             <ac:spMk id="3" creationId="{18166937-65B3-4DC8-BB43-63584E0D60E0}"/>
           </ac:spMkLst>
         </pc:spChg>
-        <pc:spChg chg="add del mod">
-          <ac:chgData name="Henrik Løvik Njølstad" userId="778659e2-5eca-412f-ba00-4d07a820fe1f" providerId="ADAL" clId="{25FE1739-1FFC-4EA4-9985-8A24BF43D377}" dt="2020-11-01T19:25:54.426" v="1916" actId="478"/>
-          <ac:spMkLst>
+        <pc:picChg chg="add del mod">
+          <ac:chgData name="Andre Martiny" userId="dcdd23ab-7fdd-467e-8703-94ceab9886ce" providerId="ADAL" clId="{A06ADE92-29B7-4FB5-A4E5-DA80B0B496BE}" dt="2020-11-29T15:22:22.639" v="12" actId="478"/>
+          <ac:picMkLst>
             <pc:docMk/>
             <pc:sldMk cId="689929228" sldId="260"/>
-            <ac:spMk id="8" creationId="{0BB54B17-0305-4E04-9A0B-AD4A2ABBCEFD}"/>
-          </ac:spMkLst>
-        </pc:spChg>
-        <pc:spChg chg="add mod ord">
-          <ac:chgData name="Henrik Løvik Njølstad" userId="778659e2-5eca-412f-ba00-4d07a820fe1f" providerId="ADAL" clId="{25FE1739-1FFC-4EA4-9985-8A24BF43D377}" dt="2020-11-01T19:26:54.825" v="1927" actId="1076"/>
-          <ac:spMkLst>
+            <ac:picMk id="4" creationId="{25C904F5-32CE-4B45-BFBC-77DEA47018E8}"/>
+          </ac:picMkLst>
+        </pc:picChg>
+        <pc:picChg chg="add mod">
+          <ac:chgData name="Andre Martiny" userId="dcdd23ab-7fdd-467e-8703-94ceab9886ce" providerId="ADAL" clId="{A06ADE92-29B7-4FB5-A4E5-DA80B0B496BE}" dt="2020-11-29T15:22:28.500" v="14" actId="1076"/>
+          <ac:picMkLst>
             <pc:docMk/>
             <pc:sldMk cId="689929228" sldId="260"/>
-            <ac:spMk id="10" creationId="{2691B748-1B48-4443-9DA5-07A203787565}"/>
-          </ac:spMkLst>
-        </pc:spChg>
+            <ac:picMk id="5" creationId="{CD486805-5B4F-4A74-ABEF-7B188928A6A2}"/>
+          </ac:picMkLst>
+        </pc:picChg>
+        <pc:picChg chg="add mod">
+          <ac:chgData name="Andre Martiny" userId="dcdd23ab-7fdd-467e-8703-94ceab9886ce" providerId="ADAL" clId="{A06ADE92-29B7-4FB5-A4E5-DA80B0B496BE}" dt="2020-11-29T15:24:08.700" v="21" actId="1076"/>
+          <ac:picMkLst>
+            <pc:docMk/>
+            <pc:sldMk cId="689929228" sldId="260"/>
+            <ac:picMk id="6" creationId="{C8F958F0-C80C-4545-B1C9-316AFFF39FAF}"/>
+          </ac:picMkLst>
+        </pc:picChg>
       </pc:sldChg>
-      <pc:sldChg chg="addSp modSp mod modClrScheme addAnim delAnim modAnim chgLayout">
-        <pc:chgData name="Henrik Løvik Njølstad" userId="778659e2-5eca-412f-ba00-4d07a820fe1f" providerId="ADAL" clId="{25FE1739-1FFC-4EA4-9985-8A24BF43D377}" dt="2020-11-10T20:39:11.873" v="2029" actId="20577"/>
-        <pc:sldMkLst>
-          <pc:docMk/>
-          <pc:sldMk cId="1022731256" sldId="261"/>
-        </pc:sldMkLst>
-        <pc:spChg chg="mod ord">
-          <ac:chgData name="Henrik Løvik Njølstad" userId="778659e2-5eca-412f-ba00-4d07a820fe1f" providerId="ADAL" clId="{25FE1739-1FFC-4EA4-9985-8A24BF43D377}" dt="2020-11-10T20:39:11.873" v="2029" actId="20577"/>
-          <ac:spMkLst>
-            <pc:docMk/>
-            <pc:sldMk cId="1022731256" sldId="261"/>
-            <ac:spMk id="2" creationId="{C3E6477F-AED9-484F-9621-C53F564119B4}"/>
-          </ac:spMkLst>
-        </pc:spChg>
-        <pc:spChg chg="mod ord">
-          <ac:chgData name="Henrik Løvik Njølstad" userId="778659e2-5eca-412f-ba00-4d07a820fe1f" providerId="ADAL" clId="{25FE1739-1FFC-4EA4-9985-8A24BF43D377}" dt="2020-11-01T19:26:45.982" v="1926" actId="700"/>
-          <ac:spMkLst>
-            <pc:docMk/>
-            <pc:sldMk cId="1022731256" sldId="261"/>
-            <ac:spMk id="3" creationId="{18166937-65B3-4DC8-BB43-63584E0D60E0}"/>
-          </ac:spMkLst>
-        </pc:spChg>
-        <pc:spChg chg="add mod">
-          <ac:chgData name="Henrik Løvik Njølstad" userId="778659e2-5eca-412f-ba00-4d07a820fe1f" providerId="ADAL" clId="{25FE1739-1FFC-4EA4-9985-8A24BF43D377}" dt="2020-11-10T20:36:47.729" v="2008" actId="14100"/>
-          <ac:spMkLst>
-            <pc:docMk/>
-            <pc:sldMk cId="1022731256" sldId="261"/>
-            <ac:spMk id="5" creationId="{338F9123-111B-4E45-99B8-493FBC6B1A7D}"/>
-          </ac:spMkLst>
-        </pc:spChg>
-        <pc:spChg chg="add mod">
-          <ac:chgData name="Henrik Løvik Njølstad" userId="778659e2-5eca-412f-ba00-4d07a820fe1f" providerId="ADAL" clId="{25FE1739-1FFC-4EA4-9985-8A24BF43D377}" dt="2020-11-01T19:27:19.640" v="1929" actId="207"/>
-          <ac:spMkLst>
-            <pc:docMk/>
-            <pc:sldMk cId="1022731256" sldId="261"/>
-            <ac:spMk id="6" creationId="{DA8F40E6-3661-4044-AE69-7DF09522A652}"/>
-          </ac:spMkLst>
-        </pc:spChg>
-      </pc:sldChg>
-      <pc:sldChg chg="addSp delSp modSp add mod modClrScheme chgLayout">
-        <pc:chgData name="Henrik Løvik Njølstad" userId="778659e2-5eca-412f-ba00-4d07a820fe1f" providerId="ADAL" clId="{25FE1739-1FFC-4EA4-9985-8A24BF43D377}" dt="2020-11-01T19:27:26.814" v="1931"/>
+      <pc:sldChg chg="modAnim">
+        <pc:chgData name="Andre Martiny" userId="dcdd23ab-7fdd-467e-8703-94ceab9886ce" providerId="ADAL" clId="{A06ADE92-29B7-4FB5-A4E5-DA80B0B496BE}" dt="2020-11-29T15:29:19.856" v="29"/>
         <pc:sldMkLst>
           <pc:docMk/>
           <pc:sldMk cId="183550044" sldId="262"/>
         </pc:sldMkLst>
-        <pc:spChg chg="mod ord">
-          <ac:chgData name="Henrik Løvik Njølstad" userId="778659e2-5eca-412f-ba00-4d07a820fe1f" providerId="ADAL" clId="{25FE1739-1FFC-4EA4-9985-8A24BF43D377}" dt="2020-11-01T19:26:45.982" v="1926" actId="700"/>
-          <ac:spMkLst>
-            <pc:docMk/>
-            <pc:sldMk cId="183550044" sldId="262"/>
-            <ac:spMk id="2" creationId="{C3E6477F-AED9-484F-9621-C53F564119B4}"/>
-          </ac:spMkLst>
-        </pc:spChg>
-        <pc:spChg chg="mod ord">
-          <ac:chgData name="Henrik Løvik Njølstad" userId="778659e2-5eca-412f-ba00-4d07a820fe1f" providerId="ADAL" clId="{25FE1739-1FFC-4EA4-9985-8A24BF43D377}" dt="2020-11-01T19:26:45.982" v="1926" actId="700"/>
-          <ac:spMkLst>
-            <pc:docMk/>
-            <pc:sldMk cId="183550044" sldId="262"/>
-            <ac:spMk id="3" creationId="{18166937-65B3-4DC8-BB43-63584E0D60E0}"/>
-          </ac:spMkLst>
-        </pc:spChg>
-        <pc:spChg chg="add del mod">
-          <ac:chgData name="Henrik Løvik Njølstad" userId="778659e2-5eca-412f-ba00-4d07a820fe1f" providerId="ADAL" clId="{25FE1739-1FFC-4EA4-9985-8A24BF43D377}" dt="2020-11-01T18:39:10.747" v="755" actId="478"/>
-          <ac:spMkLst>
-            <pc:docMk/>
-            <pc:sldMk cId="183550044" sldId="262"/>
-            <ac:spMk id="5" creationId="{40EABF8E-E1B6-4772-979B-98A9838BB721}"/>
-          </ac:spMkLst>
-        </pc:spChg>
-        <pc:spChg chg="add mod">
-          <ac:chgData name="Henrik Løvik Njølstad" userId="778659e2-5eca-412f-ba00-4d07a820fe1f" providerId="ADAL" clId="{25FE1739-1FFC-4EA4-9985-8A24BF43D377}" dt="2020-11-01T19:27:26.814" v="1931"/>
-          <ac:spMkLst>
-            <pc:docMk/>
-            <pc:sldMk cId="183550044" sldId="262"/>
-            <ac:spMk id="6" creationId="{6CA5D7D5-B47A-4843-83CE-B9E8391978D9}"/>
-          </ac:spMkLst>
-        </pc:spChg>
       </pc:sldChg>
-      <pc:sldChg chg="addSp modSp add mod modClrScheme chgLayout">
-        <pc:chgData name="Henrik Løvik Njølstad" userId="778659e2-5eca-412f-ba00-4d07a820fe1f" providerId="ADAL" clId="{25FE1739-1FFC-4EA4-9985-8A24BF43D377}" dt="2020-11-10T20:43:48.272" v="2042" actId="255"/>
+      <pc:sldChg chg="modAnim">
+        <pc:chgData name="Andre Martiny" userId="dcdd23ab-7fdd-467e-8703-94ceab9886ce" providerId="ADAL" clId="{A06ADE92-29B7-4FB5-A4E5-DA80B0B496BE}" dt="2020-11-29T15:32:20.014" v="30"/>
         <pc:sldMkLst>
           <pc:docMk/>
-          <pc:sldMk cId="1168703115" sldId="263"/>
-        </pc:sldMkLst>
-        <pc:spChg chg="mod ord">
-          <ac:chgData name="Henrik Løvik Njølstad" userId="778659e2-5eca-412f-ba00-4d07a820fe1f" providerId="ADAL" clId="{25FE1739-1FFC-4EA4-9985-8A24BF43D377}" dt="2020-11-01T19:26:45.982" v="1926" actId="700"/>
-          <ac:spMkLst>
-            <pc:docMk/>
-            <pc:sldMk cId="1168703115" sldId="263"/>
-            <ac:spMk id="2" creationId="{C3E6477F-AED9-484F-9621-C53F564119B4}"/>
-          </ac:spMkLst>
-        </pc:spChg>
-        <pc:spChg chg="mod ord">
-          <ac:chgData name="Henrik Løvik Njølstad" userId="778659e2-5eca-412f-ba00-4d07a820fe1f" providerId="ADAL" clId="{25FE1739-1FFC-4EA4-9985-8A24BF43D377}" dt="2020-11-10T20:43:48.272" v="2042" actId="255"/>
-          <ac:spMkLst>
-            <pc:docMk/>
-            <pc:sldMk cId="1168703115" sldId="263"/>
-            <ac:spMk id="3" creationId="{18166937-65B3-4DC8-BB43-63584E0D60E0}"/>
-          </ac:spMkLst>
-        </pc:spChg>
-        <pc:spChg chg="add mod">
-          <ac:chgData name="Henrik Løvik Njølstad" userId="778659e2-5eca-412f-ba00-4d07a820fe1f" providerId="ADAL" clId="{25FE1739-1FFC-4EA4-9985-8A24BF43D377}" dt="2020-11-01T19:27:28.575" v="1932"/>
-          <ac:spMkLst>
-            <pc:docMk/>
-            <pc:sldMk cId="1168703115" sldId="263"/>
-            <ac:spMk id="5" creationId="{D44DA1F1-BA14-4E83-AD27-0C0508B02969}"/>
-          </ac:spMkLst>
-        </pc:spChg>
-      </pc:sldChg>
-      <pc:sldChg chg="addSp modSp add mod modClrScheme chgLayout">
-        <pc:chgData name="Henrik Løvik Njølstad" userId="778659e2-5eca-412f-ba00-4d07a820fe1f" providerId="ADAL" clId="{25FE1739-1FFC-4EA4-9985-8A24BF43D377}" dt="2020-11-10T20:44:06.698" v="2044" actId="255"/>
-        <pc:sldMkLst>
-          <pc:docMk/>
-          <pc:sldMk cId="1669579861" sldId="264"/>
-        </pc:sldMkLst>
-        <pc:spChg chg="mod ord">
-          <ac:chgData name="Henrik Løvik Njølstad" userId="778659e2-5eca-412f-ba00-4d07a820fe1f" providerId="ADAL" clId="{25FE1739-1FFC-4EA4-9985-8A24BF43D377}" dt="2020-11-01T19:26:45.982" v="1926" actId="700"/>
-          <ac:spMkLst>
-            <pc:docMk/>
-            <pc:sldMk cId="1669579861" sldId="264"/>
-            <ac:spMk id="2" creationId="{C3E6477F-AED9-484F-9621-C53F564119B4}"/>
-          </ac:spMkLst>
-        </pc:spChg>
-        <pc:spChg chg="mod ord">
-          <ac:chgData name="Henrik Løvik Njølstad" userId="778659e2-5eca-412f-ba00-4d07a820fe1f" providerId="ADAL" clId="{25FE1739-1FFC-4EA4-9985-8A24BF43D377}" dt="2020-11-10T20:44:06.698" v="2044" actId="255"/>
-          <ac:spMkLst>
-            <pc:docMk/>
-            <pc:sldMk cId="1669579861" sldId="264"/>
-            <ac:spMk id="3" creationId="{18166937-65B3-4DC8-BB43-63584E0D60E0}"/>
-          </ac:spMkLst>
-        </pc:spChg>
-        <pc:spChg chg="add mod">
-          <ac:chgData name="Henrik Løvik Njølstad" userId="778659e2-5eca-412f-ba00-4d07a820fe1f" providerId="ADAL" clId="{25FE1739-1FFC-4EA4-9985-8A24BF43D377}" dt="2020-11-01T19:27:30.948" v="1934"/>
-          <ac:spMkLst>
-            <pc:docMk/>
-            <pc:sldMk cId="1669579861" sldId="264"/>
-            <ac:spMk id="5" creationId="{10DBAB81-3814-4563-BED3-569BCE962398}"/>
-          </ac:spMkLst>
-        </pc:spChg>
-      </pc:sldChg>
-      <pc:sldChg chg="modSp add del mod">
-        <pc:chgData name="Henrik Løvik Njølstad" userId="778659e2-5eca-412f-ba00-4d07a820fe1f" providerId="ADAL" clId="{25FE1739-1FFC-4EA4-9985-8A24BF43D377}" dt="2020-11-01T18:52:49.790" v="1325" actId="47"/>
-        <pc:sldMkLst>
-          <pc:docMk/>
-          <pc:sldMk cId="3703443670" sldId="265"/>
-        </pc:sldMkLst>
-        <pc:spChg chg="mod">
-          <ac:chgData name="Henrik Løvik Njølstad" userId="778659e2-5eca-412f-ba00-4d07a820fe1f" providerId="ADAL" clId="{25FE1739-1FFC-4EA4-9985-8A24BF43D377}" dt="2020-11-01T18:47:45.717" v="1145" actId="14"/>
-          <ac:spMkLst>
-            <pc:docMk/>
-            <pc:sldMk cId="3703443670" sldId="265"/>
-            <ac:spMk id="3" creationId="{18166937-65B3-4DC8-BB43-63584E0D60E0}"/>
-          </ac:spMkLst>
-        </pc:spChg>
-      </pc:sldChg>
-      <pc:sldChg chg="addSp modSp add mod modClrScheme chgLayout">
-        <pc:chgData name="Henrik Løvik Njølstad" userId="778659e2-5eca-412f-ba00-4d07a820fe1f" providerId="ADAL" clId="{25FE1739-1FFC-4EA4-9985-8A24BF43D377}" dt="2020-11-10T20:45:45.404" v="2053" actId="20577"/>
-        <pc:sldMkLst>
-          <pc:docMk/>
-          <pc:sldMk cId="3724844384" sldId="266"/>
-        </pc:sldMkLst>
-        <pc:spChg chg="mod ord">
-          <ac:chgData name="Henrik Løvik Njølstad" userId="778659e2-5eca-412f-ba00-4d07a820fe1f" providerId="ADAL" clId="{25FE1739-1FFC-4EA4-9985-8A24BF43D377}" dt="2020-11-01T19:26:45.982" v="1926" actId="700"/>
-          <ac:spMkLst>
-            <pc:docMk/>
-            <pc:sldMk cId="3724844384" sldId="266"/>
-            <ac:spMk id="2" creationId="{C3E6477F-AED9-484F-9621-C53F564119B4}"/>
-          </ac:spMkLst>
-        </pc:spChg>
-        <pc:spChg chg="mod ord">
-          <ac:chgData name="Henrik Løvik Njølstad" userId="778659e2-5eca-412f-ba00-4d07a820fe1f" providerId="ADAL" clId="{25FE1739-1FFC-4EA4-9985-8A24BF43D377}" dt="2020-11-10T20:45:45.404" v="2053" actId="20577"/>
-          <ac:spMkLst>
-            <pc:docMk/>
-            <pc:sldMk cId="3724844384" sldId="266"/>
-            <ac:spMk id="3" creationId="{18166937-65B3-4DC8-BB43-63584E0D60E0}"/>
-          </ac:spMkLst>
-        </pc:spChg>
-        <pc:spChg chg="add mod">
-          <ac:chgData name="Henrik Løvik Njølstad" userId="778659e2-5eca-412f-ba00-4d07a820fe1f" providerId="ADAL" clId="{25FE1739-1FFC-4EA4-9985-8A24BF43D377}" dt="2020-11-01T19:27:33.746" v="1936"/>
-          <ac:spMkLst>
-            <pc:docMk/>
-            <pc:sldMk cId="3724844384" sldId="266"/>
-            <ac:spMk id="5" creationId="{EE53B70D-2F2D-41B8-92EC-E4B32AFF9E49}"/>
-          </ac:spMkLst>
-        </pc:spChg>
-      </pc:sldChg>
-      <pc:sldChg chg="addSp modSp add mod modClrScheme chgLayout">
-        <pc:chgData name="Henrik Løvik Njølstad" userId="778659e2-5eca-412f-ba00-4d07a820fe1f" providerId="ADAL" clId="{25FE1739-1FFC-4EA4-9985-8A24BF43D377}" dt="2020-11-10T20:46:47.938" v="2063" actId="255"/>
-        <pc:sldMkLst>
-          <pc:docMk/>
-          <pc:sldMk cId="107482372" sldId="267"/>
-        </pc:sldMkLst>
-        <pc:spChg chg="mod ord">
-          <ac:chgData name="Henrik Løvik Njølstad" userId="778659e2-5eca-412f-ba00-4d07a820fe1f" providerId="ADAL" clId="{25FE1739-1FFC-4EA4-9985-8A24BF43D377}" dt="2020-11-01T19:26:45.982" v="1926" actId="700"/>
-          <ac:spMkLst>
-            <pc:docMk/>
-            <pc:sldMk cId="107482372" sldId="267"/>
-            <ac:spMk id="2" creationId="{C3E6477F-AED9-484F-9621-C53F564119B4}"/>
-          </ac:spMkLst>
-        </pc:spChg>
-        <pc:spChg chg="mod ord">
-          <ac:chgData name="Henrik Løvik Njølstad" userId="778659e2-5eca-412f-ba00-4d07a820fe1f" providerId="ADAL" clId="{25FE1739-1FFC-4EA4-9985-8A24BF43D377}" dt="2020-11-10T20:46:47.938" v="2063" actId="255"/>
-          <ac:spMkLst>
-            <pc:docMk/>
-            <pc:sldMk cId="107482372" sldId="267"/>
-            <ac:spMk id="3" creationId="{18166937-65B3-4DC8-BB43-63584E0D60E0}"/>
-          </ac:spMkLst>
-        </pc:spChg>
-        <pc:spChg chg="add mod">
-          <ac:chgData name="Henrik Løvik Njølstad" userId="778659e2-5eca-412f-ba00-4d07a820fe1f" providerId="ADAL" clId="{25FE1739-1FFC-4EA4-9985-8A24BF43D377}" dt="2020-11-01T19:27:36.837" v="1938"/>
-          <ac:spMkLst>
-            <pc:docMk/>
-            <pc:sldMk cId="107482372" sldId="267"/>
-            <ac:spMk id="5" creationId="{E361C35D-F854-46C4-B355-B2E289E9DC23}"/>
-          </ac:spMkLst>
-        </pc:spChg>
-      </pc:sldChg>
-      <pc:sldChg chg="addSp modSp add mod modClrScheme chgLayout">
-        <pc:chgData name="Henrik Løvik Njølstad" userId="778659e2-5eca-412f-ba00-4d07a820fe1f" providerId="ADAL" clId="{25FE1739-1FFC-4EA4-9985-8A24BF43D377}" dt="2020-11-10T20:47:21.939" v="2066" actId="20577"/>
-        <pc:sldMkLst>
-          <pc:docMk/>
-          <pc:sldMk cId="1391517458" sldId="268"/>
-        </pc:sldMkLst>
-        <pc:spChg chg="mod ord">
-          <ac:chgData name="Henrik Løvik Njølstad" userId="778659e2-5eca-412f-ba00-4d07a820fe1f" providerId="ADAL" clId="{25FE1739-1FFC-4EA4-9985-8A24BF43D377}" dt="2020-11-01T19:26:45.982" v="1926" actId="700"/>
-          <ac:spMkLst>
-            <pc:docMk/>
-            <pc:sldMk cId="1391517458" sldId="268"/>
-            <ac:spMk id="2" creationId="{C3E6477F-AED9-484F-9621-C53F564119B4}"/>
-          </ac:spMkLst>
-        </pc:spChg>
-        <pc:spChg chg="mod ord">
-          <ac:chgData name="Henrik Løvik Njølstad" userId="778659e2-5eca-412f-ba00-4d07a820fe1f" providerId="ADAL" clId="{25FE1739-1FFC-4EA4-9985-8A24BF43D377}" dt="2020-11-10T20:47:21.939" v="2066" actId="20577"/>
-          <ac:spMkLst>
-            <pc:docMk/>
-            <pc:sldMk cId="1391517458" sldId="268"/>
-            <ac:spMk id="3" creationId="{18166937-65B3-4DC8-BB43-63584E0D60E0}"/>
-          </ac:spMkLst>
-        </pc:spChg>
-        <pc:spChg chg="add mod">
-          <ac:chgData name="Henrik Løvik Njølstad" userId="778659e2-5eca-412f-ba00-4d07a820fe1f" providerId="ADAL" clId="{25FE1739-1FFC-4EA4-9985-8A24BF43D377}" dt="2020-11-01T19:27:37.884" v="1939"/>
-          <ac:spMkLst>
-            <pc:docMk/>
-            <pc:sldMk cId="1391517458" sldId="268"/>
-            <ac:spMk id="5" creationId="{767B00C4-1DF5-40AA-B029-F4C3630E7C6A}"/>
-          </ac:spMkLst>
-        </pc:spChg>
-      </pc:sldChg>
-      <pc:sldChg chg="new del">
-        <pc:chgData name="Henrik Løvik Njølstad" userId="778659e2-5eca-412f-ba00-4d07a820fe1f" providerId="ADAL" clId="{25FE1739-1FFC-4EA4-9985-8A24BF43D377}" dt="2020-11-01T19:18:58.268" v="1763" actId="47"/>
-        <pc:sldMkLst>
-          <pc:docMk/>
-          <pc:sldMk cId="3801483169" sldId="269"/>
+          <pc:sldMk cId="657060802" sldId="279"/>
         </pc:sldMkLst>
       </pc:sldChg>
-      <pc:sldChg chg="addSp modSp add mod modClrScheme chgLayout">
-        <pc:chgData name="Henrik Løvik Njølstad" userId="778659e2-5eca-412f-ba00-4d07a820fe1f" providerId="ADAL" clId="{25FE1739-1FFC-4EA4-9985-8A24BF43D377}" dt="2020-11-01T19:27:38.813" v="1940"/>
+    </pc:docChg>
+  </pc:docChgLst>
+  <pc:docChgLst>
+    <pc:chgData name="Henrik Løvik" userId="778659e2-5eca-412f-ba00-4d07a820fe1f" providerId="ADAL" clId="{CC2E105E-BB4D-42C2-B1F2-7BEBE9E9C317}"/>
+    <pc:docChg chg="modSld">
+      <pc:chgData name="Henrik Løvik" userId="778659e2-5eca-412f-ba00-4d07a820fe1f" providerId="ADAL" clId="{CC2E105E-BB4D-42C2-B1F2-7BEBE9E9C317}" dt="2020-12-02T11:40:08.957" v="5" actId="20577"/>
+      <pc:docMkLst>
+        <pc:docMk/>
+      </pc:docMkLst>
+      <pc:sldChg chg="modSp mod">
+        <pc:chgData name="Henrik Løvik" userId="778659e2-5eca-412f-ba00-4d07a820fe1f" providerId="ADAL" clId="{CC2E105E-BB4D-42C2-B1F2-7BEBE9E9C317}" dt="2020-12-02T11:40:08.957" v="5" actId="20577"/>
         <pc:sldMkLst>
           <pc:docMk/>
           <pc:sldMk cId="2476041199" sldId="270"/>
         </pc:sldMkLst>
-        <pc:spChg chg="mod ord">
-          <ac:chgData name="Henrik Løvik Njølstad" userId="778659e2-5eca-412f-ba00-4d07a820fe1f" providerId="ADAL" clId="{25FE1739-1FFC-4EA4-9985-8A24BF43D377}" dt="2020-11-01T19:26:45.982" v="1926" actId="700"/>
-          <ac:spMkLst>
-            <pc:docMk/>
-            <pc:sldMk cId="2476041199" sldId="270"/>
-            <ac:spMk id="2" creationId="{C3E6477F-AED9-484F-9621-C53F564119B4}"/>
-          </ac:spMkLst>
-        </pc:spChg>
-        <pc:spChg chg="mod ord">
-          <ac:chgData name="Henrik Løvik Njølstad" userId="778659e2-5eca-412f-ba00-4d07a820fe1f" providerId="ADAL" clId="{25FE1739-1FFC-4EA4-9985-8A24BF43D377}" dt="2020-11-01T19:26:45.982" v="1926" actId="700"/>
+        <pc:spChg chg="mod">
+          <ac:chgData name="Henrik Løvik" userId="778659e2-5eca-412f-ba00-4d07a820fe1f" providerId="ADAL" clId="{CC2E105E-BB4D-42C2-B1F2-7BEBE9E9C317}" dt="2020-12-02T11:40:08.957" v="5" actId="20577"/>
           <ac:spMkLst>
             <pc:docMk/>
             <pc:sldMk cId="2476041199" sldId="270"/>
             <ac:spMk id="3" creationId="{18166937-65B3-4DC8-BB43-63584E0D60E0}"/>
           </ac:spMkLst>
         </pc:spChg>
-        <pc:spChg chg="add mod">
-          <ac:chgData name="Henrik Løvik Njølstad" userId="778659e2-5eca-412f-ba00-4d07a820fe1f" providerId="ADAL" clId="{25FE1739-1FFC-4EA4-9985-8A24BF43D377}" dt="2020-11-01T19:27:38.813" v="1940"/>
+      </pc:sldChg>
+      <pc:sldChg chg="mod modShow">
+        <pc:chgData name="Henrik Løvik" userId="778659e2-5eca-412f-ba00-4d07a820fe1f" providerId="ADAL" clId="{CC2E105E-BB4D-42C2-B1F2-7BEBE9E9C317}" dt="2020-12-02T11:39:49.319" v="0" actId="729"/>
+        <pc:sldMkLst>
+          <pc:docMk/>
+          <pc:sldMk cId="1175986555" sldId="284"/>
+        </pc:sldMkLst>
+      </pc:sldChg>
+      <pc:sldChg chg="mod modShow">
+        <pc:chgData name="Henrik Løvik" userId="778659e2-5eca-412f-ba00-4d07a820fe1f" providerId="ADAL" clId="{CC2E105E-BB4D-42C2-B1F2-7BEBE9E9C317}" dt="2020-12-02T11:39:49.319" v="0" actId="729"/>
+        <pc:sldMkLst>
+          <pc:docMk/>
+          <pc:sldMk cId="1856889016" sldId="285"/>
+        </pc:sldMkLst>
+      </pc:sldChg>
+      <pc:sldChg chg="mod modShow">
+        <pc:chgData name="Henrik Løvik" userId="778659e2-5eca-412f-ba00-4d07a820fe1f" providerId="ADAL" clId="{CC2E105E-BB4D-42C2-B1F2-7BEBE9E9C317}" dt="2020-12-02T11:39:49.319" v="0" actId="729"/>
+        <pc:sldMkLst>
+          <pc:docMk/>
+          <pc:sldMk cId="388221404" sldId="296"/>
+        </pc:sldMkLst>
+      </pc:sldChg>
+      <pc:sldChg chg="mod modShow">
+        <pc:chgData name="Henrik Løvik" userId="778659e2-5eca-412f-ba00-4d07a820fe1f" providerId="ADAL" clId="{CC2E105E-BB4D-42C2-B1F2-7BEBE9E9C317}" dt="2020-12-02T11:39:49.319" v="0" actId="729"/>
+        <pc:sldMkLst>
+          <pc:docMk/>
+          <pc:sldMk cId="2287785116" sldId="297"/>
+        </pc:sldMkLst>
+      </pc:sldChg>
+      <pc:sldChg chg="mod modShow">
+        <pc:chgData name="Henrik Løvik" userId="778659e2-5eca-412f-ba00-4d07a820fe1f" providerId="ADAL" clId="{CC2E105E-BB4D-42C2-B1F2-7BEBE9E9C317}" dt="2020-12-02T11:39:49.319" v="0" actId="729"/>
+        <pc:sldMkLst>
+          <pc:docMk/>
+          <pc:sldMk cId="4265240899" sldId="298"/>
+        </pc:sldMkLst>
+      </pc:sldChg>
+      <pc:sldChg chg="mod modShow">
+        <pc:chgData name="Henrik Løvik" userId="778659e2-5eca-412f-ba00-4d07a820fe1f" providerId="ADAL" clId="{CC2E105E-BB4D-42C2-B1F2-7BEBE9E9C317}" dt="2020-12-02T11:39:49.319" v="0" actId="729"/>
+        <pc:sldMkLst>
+          <pc:docMk/>
+          <pc:sldMk cId="173324159" sldId="299"/>
+        </pc:sldMkLst>
+      </pc:sldChg>
+      <pc:sldChg chg="mod modShow">
+        <pc:chgData name="Henrik Løvik" userId="778659e2-5eca-412f-ba00-4d07a820fe1f" providerId="ADAL" clId="{CC2E105E-BB4D-42C2-B1F2-7BEBE9E9C317}" dt="2020-12-02T11:39:49.319" v="0" actId="729"/>
+        <pc:sldMkLst>
+          <pc:docMk/>
+          <pc:sldMk cId="1527326233" sldId="301"/>
+        </pc:sldMkLst>
+      </pc:sldChg>
+    </pc:docChg>
+  </pc:docChgLst>
+  <pc:docChgLst>
+    <pc:chgData name="Andre Martiny" userId="dcdd23ab-7fdd-467e-8703-94ceab9886ce" providerId="ADAL" clId="{5D6E3F71-8062-422A-AC2C-B4FA3464B478}"/>
+    <pc:docChg chg="undo custSel addSld modSld">
+      <pc:chgData name="Andre Martiny" userId="dcdd23ab-7fdd-467e-8703-94ceab9886ce" providerId="ADAL" clId="{5D6E3F71-8062-422A-AC2C-B4FA3464B478}" dt="2020-11-11T11:45:13.930" v="19"/>
+      <pc:docMkLst>
+        <pc:docMk/>
+      </pc:docMkLst>
+      <pc:sldChg chg="modAnim">
+        <pc:chgData name="Andre Martiny" userId="dcdd23ab-7fdd-467e-8703-94ceab9886ce" providerId="ADAL" clId="{5D6E3F71-8062-422A-AC2C-B4FA3464B478}" dt="2020-11-11T11:45:13.930" v="19"/>
+        <pc:sldMkLst>
+          <pc:docMk/>
+          <pc:sldMk cId="1064338250" sldId="257"/>
+        </pc:sldMkLst>
+      </pc:sldChg>
+      <pc:sldChg chg="addSp delSp modSp new mod modAnim">
+        <pc:chgData name="Andre Martiny" userId="dcdd23ab-7fdd-467e-8703-94ceab9886ce" providerId="ADAL" clId="{5D6E3F71-8062-422A-AC2C-B4FA3464B478}" dt="2020-11-11T11:44:58.505" v="17"/>
+        <pc:sldMkLst>
+          <pc:docMk/>
+          <pc:sldMk cId="1842476031" sldId="277"/>
+        </pc:sldMkLst>
+        <pc:spChg chg="del">
+          <ac:chgData name="Andre Martiny" userId="dcdd23ab-7fdd-467e-8703-94ceab9886ce" providerId="ADAL" clId="{5D6E3F71-8062-422A-AC2C-B4FA3464B478}" dt="2020-11-11T11:41:42.488" v="1" actId="478"/>
           <ac:spMkLst>
             <pc:docMk/>
-            <pc:sldMk cId="2476041199" sldId="270"/>
-            <ac:spMk id="5" creationId="{2D147248-02D2-4FB6-802E-640535C4B302}"/>
+            <pc:sldMk cId="1842476031" sldId="277"/>
+            <ac:spMk id="2" creationId="{C76BF13E-CF8B-4365-B960-4C47BA25E9BF}"/>
           </ac:spMkLst>
         </pc:spChg>
-      </pc:sldChg>
-      <pc:sldChg chg="addSp delSp modSp add mod modClrScheme chgLayout">
-        <pc:chgData name="Henrik Løvik Njølstad" userId="778659e2-5eca-412f-ba00-4d07a820fe1f" providerId="ADAL" clId="{25FE1739-1FFC-4EA4-9985-8A24BF43D377}" dt="2020-11-10T20:52:50.424" v="2067" actId="478"/>
-        <pc:sldMkLst>
-          <pc:docMk/>
-          <pc:sldMk cId="3516380177" sldId="271"/>
-        </pc:sldMkLst>
-        <pc:spChg chg="mod ord">
-          <ac:chgData name="Henrik Løvik Njølstad" userId="778659e2-5eca-412f-ba00-4d07a820fe1f" providerId="ADAL" clId="{25FE1739-1FFC-4EA4-9985-8A24BF43D377}" dt="2020-11-01T19:26:45.982" v="1926" actId="700"/>
+        <pc:spChg chg="del">
+          <ac:chgData name="Andre Martiny" userId="dcdd23ab-7fdd-467e-8703-94ceab9886ce" providerId="ADAL" clId="{5D6E3F71-8062-422A-AC2C-B4FA3464B478}" dt="2020-11-11T11:41:44.599" v="2" actId="478"/>
           <ac:spMkLst>
             <pc:docMk/>
-            <pc:sldMk cId="3516380177" sldId="271"/>
-            <ac:spMk id="2" creationId="{C3E6477F-AED9-484F-9621-C53F564119B4}"/>
+            <pc:sldMk cId="1842476031" sldId="277"/>
+            <ac:spMk id="3" creationId="{A0D38DEF-E57F-4AB8-8A0E-DECCC36B86BC}"/>
           </ac:spMkLst>
         </pc:spChg>
         <pc:spChg chg="add del mod">
-          <ac:chgData name="Henrik Løvik Njølstad" userId="778659e2-5eca-412f-ba00-4d07a820fe1f" providerId="ADAL" clId="{25FE1739-1FFC-4EA4-9985-8A24BF43D377}" dt="2020-11-10T20:52:50.424" v="2067" actId="478"/>
+          <ac:chgData name="Andre Martiny" userId="dcdd23ab-7fdd-467e-8703-94ceab9886ce" providerId="ADAL" clId="{5D6E3F71-8062-422A-AC2C-B4FA3464B478}" dt="2020-11-11T11:43:55.762" v="8" actId="22"/>
           <ac:spMkLst>
             <pc:docMk/>
-            <pc:sldMk cId="3516380177" sldId="271"/>
-            <ac:spMk id="3" creationId="{18166937-65B3-4DC8-BB43-63584E0D60E0}"/>
-          </ac:spMkLst>
-        </pc:spChg>
-        <pc:spChg chg="add del mod ord">
-          <ac:chgData name="Henrik Løvik Njølstad" userId="778659e2-5eca-412f-ba00-4d07a820fe1f" providerId="ADAL" clId="{25FE1739-1FFC-4EA4-9985-8A24BF43D377}" dt="2020-11-01T19:26:41.975" v="1924" actId="700"/>
-          <ac:spMkLst>
-            <pc:docMk/>
-            <pc:sldMk cId="3516380177" sldId="271"/>
-            <ac:spMk id="5" creationId="{20235948-8753-41AE-90F5-9B5CE330333D}"/>
-          </ac:spMkLst>
-        </pc:spChg>
-        <pc:spChg chg="add mod">
-          <ac:chgData name="Henrik Løvik Njølstad" userId="778659e2-5eca-412f-ba00-4d07a820fe1f" providerId="ADAL" clId="{25FE1739-1FFC-4EA4-9985-8A24BF43D377}" dt="2020-11-01T19:27:25.166" v="1930"/>
-          <ac:spMkLst>
-            <pc:docMk/>
-            <pc:sldMk cId="3516380177" sldId="271"/>
-            <ac:spMk id="6" creationId="{3BB08354-AA73-4489-9BD5-576264F4E158}"/>
-          </ac:spMkLst>
-        </pc:spChg>
-      </pc:sldChg>
-      <pc:sldChg chg="addSp modSp add mod modClrScheme chgLayout">
-        <pc:chgData name="Henrik Løvik Njølstad" userId="778659e2-5eca-412f-ba00-4d07a820fe1f" providerId="ADAL" clId="{25FE1739-1FFC-4EA4-9985-8A24BF43D377}" dt="2020-11-10T20:44:21.325" v="2048" actId="20577"/>
-        <pc:sldMkLst>
-          <pc:docMk/>
-          <pc:sldMk cId="3298582045" sldId="272"/>
-        </pc:sldMkLst>
-        <pc:spChg chg="mod ord">
-          <ac:chgData name="Henrik Løvik Njølstad" userId="778659e2-5eca-412f-ba00-4d07a820fe1f" providerId="ADAL" clId="{25FE1739-1FFC-4EA4-9985-8A24BF43D377}" dt="2020-11-01T19:26:45.982" v="1926" actId="700"/>
-          <ac:spMkLst>
-            <pc:docMk/>
-            <pc:sldMk cId="3298582045" sldId="272"/>
-            <ac:spMk id="2" creationId="{C3E6477F-AED9-484F-9621-C53F564119B4}"/>
-          </ac:spMkLst>
-        </pc:spChg>
-        <pc:spChg chg="mod ord">
-          <ac:chgData name="Henrik Løvik Njølstad" userId="778659e2-5eca-412f-ba00-4d07a820fe1f" providerId="ADAL" clId="{25FE1739-1FFC-4EA4-9985-8A24BF43D377}" dt="2020-11-10T20:44:21.325" v="2048" actId="20577"/>
-          <ac:spMkLst>
-            <pc:docMk/>
-            <pc:sldMk cId="3298582045" sldId="272"/>
-            <ac:spMk id="3" creationId="{18166937-65B3-4DC8-BB43-63584E0D60E0}"/>
-          </ac:spMkLst>
-        </pc:spChg>
-        <pc:spChg chg="add mod">
-          <ac:chgData name="Henrik Løvik Njølstad" userId="778659e2-5eca-412f-ba00-4d07a820fe1f" providerId="ADAL" clId="{25FE1739-1FFC-4EA4-9985-8A24BF43D377}" dt="2020-11-01T19:27:29.463" v="1933"/>
-          <ac:spMkLst>
-            <pc:docMk/>
-            <pc:sldMk cId="3298582045" sldId="272"/>
-            <ac:spMk id="5" creationId="{2E7C6A29-4518-43FB-B616-698ECD5554EE}"/>
-          </ac:spMkLst>
-        </pc:spChg>
-      </pc:sldChg>
-      <pc:sldChg chg="addSp modSp add mod modClrScheme chgLayout">
-        <pc:chgData name="Henrik Løvik Njølstad" userId="778659e2-5eca-412f-ba00-4d07a820fe1f" providerId="ADAL" clId="{25FE1739-1FFC-4EA4-9985-8A24BF43D377}" dt="2020-11-10T20:44:51.869" v="2050" actId="255"/>
-        <pc:sldMkLst>
-          <pc:docMk/>
-          <pc:sldMk cId="1768192261" sldId="273"/>
-        </pc:sldMkLst>
-        <pc:spChg chg="mod ord">
-          <ac:chgData name="Henrik Løvik Njølstad" userId="778659e2-5eca-412f-ba00-4d07a820fe1f" providerId="ADAL" clId="{25FE1739-1FFC-4EA4-9985-8A24BF43D377}" dt="2020-11-01T19:26:45.982" v="1926" actId="700"/>
-          <ac:spMkLst>
-            <pc:docMk/>
-            <pc:sldMk cId="1768192261" sldId="273"/>
-            <ac:spMk id="2" creationId="{C3E6477F-AED9-484F-9621-C53F564119B4}"/>
-          </ac:spMkLst>
-        </pc:spChg>
-        <pc:spChg chg="mod ord">
-          <ac:chgData name="Henrik Løvik Njølstad" userId="778659e2-5eca-412f-ba00-4d07a820fe1f" providerId="ADAL" clId="{25FE1739-1FFC-4EA4-9985-8A24BF43D377}" dt="2020-11-10T20:44:51.869" v="2050" actId="255"/>
-          <ac:spMkLst>
-            <pc:docMk/>
-            <pc:sldMk cId="1768192261" sldId="273"/>
-            <ac:spMk id="3" creationId="{18166937-65B3-4DC8-BB43-63584E0D60E0}"/>
-          </ac:spMkLst>
-        </pc:spChg>
-        <pc:spChg chg="add mod">
-          <ac:chgData name="Henrik Løvik Njølstad" userId="778659e2-5eca-412f-ba00-4d07a820fe1f" providerId="ADAL" clId="{25FE1739-1FFC-4EA4-9985-8A24BF43D377}" dt="2020-11-01T19:27:32.876" v="1935"/>
-          <ac:spMkLst>
-            <pc:docMk/>
-            <pc:sldMk cId="1768192261" sldId="273"/>
-            <ac:spMk id="5" creationId="{FAC8CAAC-AE7C-4431-8415-1EAE49B7BCFA}"/>
-          </ac:spMkLst>
-        </pc:spChg>
-      </pc:sldChg>
-      <pc:sldChg chg="addSp modSp add mod modClrScheme chgLayout">
-        <pc:chgData name="Henrik Løvik Njølstad" userId="778659e2-5eca-412f-ba00-4d07a820fe1f" providerId="ADAL" clId="{25FE1739-1FFC-4EA4-9985-8A24BF43D377}" dt="2020-11-10T20:46:18.494" v="2059" actId="255"/>
-        <pc:sldMkLst>
-          <pc:docMk/>
-          <pc:sldMk cId="573663063" sldId="274"/>
-        </pc:sldMkLst>
-        <pc:spChg chg="mod ord">
-          <ac:chgData name="Henrik Løvik Njølstad" userId="778659e2-5eca-412f-ba00-4d07a820fe1f" providerId="ADAL" clId="{25FE1739-1FFC-4EA4-9985-8A24BF43D377}" dt="2020-11-01T19:26:45.982" v="1926" actId="700"/>
-          <ac:spMkLst>
-            <pc:docMk/>
-            <pc:sldMk cId="573663063" sldId="274"/>
-            <ac:spMk id="2" creationId="{C3E6477F-AED9-484F-9621-C53F564119B4}"/>
-          </ac:spMkLst>
-        </pc:spChg>
-        <pc:spChg chg="mod ord">
-          <ac:chgData name="Henrik Løvik Njølstad" userId="778659e2-5eca-412f-ba00-4d07a820fe1f" providerId="ADAL" clId="{25FE1739-1FFC-4EA4-9985-8A24BF43D377}" dt="2020-11-10T20:46:18.494" v="2059" actId="255"/>
-          <ac:spMkLst>
-            <pc:docMk/>
-            <pc:sldMk cId="573663063" sldId="274"/>
-            <ac:spMk id="3" creationId="{18166937-65B3-4DC8-BB43-63584E0D60E0}"/>
-          </ac:spMkLst>
-        </pc:spChg>
-        <pc:spChg chg="add mod">
-          <ac:chgData name="Henrik Løvik Njølstad" userId="778659e2-5eca-412f-ba00-4d07a820fe1f" providerId="ADAL" clId="{25FE1739-1FFC-4EA4-9985-8A24BF43D377}" dt="2020-11-01T19:27:35.223" v="1937"/>
-          <ac:spMkLst>
-            <pc:docMk/>
-            <pc:sldMk cId="573663063" sldId="274"/>
-            <ac:spMk id="5" creationId="{5F98C037-84E9-43BE-A243-02B50AEF9071}"/>
-          </ac:spMkLst>
-        </pc:spChg>
-      </pc:sldChg>
-      <pc:sldChg chg="modSp add mod">
-        <pc:chgData name="Henrik Løvik Njølstad" userId="778659e2-5eca-412f-ba00-4d07a820fe1f" providerId="ADAL" clId="{25FE1739-1FFC-4EA4-9985-8A24BF43D377}" dt="2020-11-10T20:53:50.394" v="2112" actId="6549"/>
-        <pc:sldMkLst>
-          <pc:docMk/>
-          <pc:sldMk cId="3769457134" sldId="275"/>
-        </pc:sldMkLst>
-        <pc:spChg chg="mod">
-          <ac:chgData name="Henrik Løvik Njølstad" userId="778659e2-5eca-412f-ba00-4d07a820fe1f" providerId="ADAL" clId="{25FE1739-1FFC-4EA4-9985-8A24BF43D377}" dt="2020-11-10T20:53:50.394" v="2112" actId="6549"/>
-          <ac:spMkLst>
-            <pc:docMk/>
-            <pc:sldMk cId="3769457134" sldId="275"/>
-            <ac:spMk id="3" creationId="{18166937-65B3-4DC8-BB43-63584E0D60E0}"/>
-          </ac:spMkLst>
-        </pc:spChg>
-      </pc:sldChg>
-      <pc:sldChg chg="addSp delSp modSp new mod">
-        <pc:chgData name="Henrik Løvik Njølstad" userId="778659e2-5eca-412f-ba00-4d07a820fe1f" providerId="ADAL" clId="{25FE1739-1FFC-4EA4-9985-8A24BF43D377}" dt="2020-11-10T21:17:08.450" v="2148"/>
-        <pc:sldMkLst>
-          <pc:docMk/>
-          <pc:sldMk cId="93119560" sldId="276"/>
-        </pc:sldMkLst>
-        <pc:spChg chg="mod">
-          <ac:chgData name="Henrik Løvik Njølstad" userId="778659e2-5eca-412f-ba00-4d07a820fe1f" providerId="ADAL" clId="{25FE1739-1FFC-4EA4-9985-8A24BF43D377}" dt="2020-11-10T21:13:52.988" v="2141" actId="20577"/>
-          <ac:spMkLst>
-            <pc:docMk/>
-            <pc:sldMk cId="93119560" sldId="276"/>
-            <ac:spMk id="2" creationId="{816A124A-532B-4492-8FE5-0B25E8DD1AA0}"/>
-          </ac:spMkLst>
-        </pc:spChg>
-        <pc:spChg chg="del mod">
-          <ac:chgData name="Henrik Løvik Njølstad" userId="778659e2-5eca-412f-ba00-4d07a820fe1f" providerId="ADAL" clId="{25FE1739-1FFC-4EA4-9985-8A24BF43D377}" dt="2020-11-10T21:14:27.033" v="2144"/>
-          <ac:spMkLst>
-            <pc:docMk/>
-            <pc:sldMk cId="93119560" sldId="276"/>
-            <ac:spMk id="3" creationId="{3EC3F2F8-2324-4994-A295-053637796D00}"/>
+            <pc:sldMk cId="1842476031" sldId="277"/>
+            <ac:spMk id="7" creationId="{8D92F936-07EB-4530-9BBE-4243D71C25F8}"/>
           </ac:spMkLst>
         </pc:spChg>
         <pc:picChg chg="add mod">
-          <ac:chgData name="Henrik Løvik Njølstad" userId="778659e2-5eca-412f-ba00-4d07a820fe1f" providerId="ADAL" clId="{25FE1739-1FFC-4EA4-9985-8A24BF43D377}" dt="2020-11-10T21:17:08.450" v="2148"/>
+          <ac:chgData name="Andre Martiny" userId="dcdd23ab-7fdd-467e-8703-94ceab9886ce" providerId="ADAL" clId="{5D6E3F71-8062-422A-AC2C-B4FA3464B478}" dt="2020-11-11T11:41:52.537" v="4" actId="1076"/>
           <ac:picMkLst>
             <pc:docMk/>
-            <pc:sldMk cId="93119560" sldId="276"/>
-            <ac:picMk id="1026" creationId="{4B4B2628-42BD-476D-8349-FCA1700EFAD7}"/>
+            <pc:sldMk cId="1842476031" sldId="277"/>
+            <ac:picMk id="1026" creationId="{01822AFE-2F96-417B-A58E-4F6B419C0C14}"/>
+          </ac:picMkLst>
+        </pc:picChg>
+        <pc:picChg chg="add mod">
+          <ac:chgData name="Andre Martiny" userId="dcdd23ab-7fdd-467e-8703-94ceab9886ce" providerId="ADAL" clId="{5D6E3F71-8062-422A-AC2C-B4FA3464B478}" dt="2020-11-11T11:44:46.484" v="15" actId="1076"/>
+          <ac:picMkLst>
+            <pc:docMk/>
+            <pc:sldMk cId="1842476031" sldId="277"/>
+            <ac:picMk id="1028" creationId="{8046B53F-6BAB-470A-9CD1-26ADB55D3D03}"/>
           </ac:picMkLst>
         </pc:picChg>
       </pc:sldChg>
-      <pc:sldMasterChg chg="setBg modSldLayout">
-        <pc:chgData name="Henrik Løvik Njølstad" userId="778659e2-5eca-412f-ba00-4d07a820fe1f" providerId="ADAL" clId="{25FE1739-1FFC-4EA4-9985-8A24BF43D377}" dt="2020-11-01T19:25:08.124" v="1910"/>
-        <pc:sldMasterMkLst>
-          <pc:docMk/>
-          <pc:sldMasterMk cId="1341230583" sldId="2147483670"/>
-        </pc:sldMasterMkLst>
-        <pc:sldLayoutChg chg="modSp mod setBg">
-          <pc:chgData name="Henrik Løvik Njølstad" userId="778659e2-5eca-412f-ba00-4d07a820fe1f" providerId="ADAL" clId="{25FE1739-1FFC-4EA4-9985-8A24BF43D377}" dt="2020-11-01T19:25:08.124" v="1910"/>
-          <pc:sldLayoutMkLst>
-            <pc:docMk/>
-            <pc:sldMasterMk cId="1341230583" sldId="2147483670"/>
-            <pc:sldLayoutMk cId="676108563" sldId="2147483682"/>
-          </pc:sldLayoutMkLst>
-          <pc:spChg chg="mod">
-            <ac:chgData name="Henrik Løvik Njølstad" userId="778659e2-5eca-412f-ba00-4d07a820fe1f" providerId="ADAL" clId="{25FE1739-1FFC-4EA4-9985-8A24BF43D377}" dt="2020-11-01T19:24:24.902" v="1908" actId="20577"/>
-            <ac:spMkLst>
-              <pc:docMk/>
-              <pc:sldMasterMk cId="1341230583" sldId="2147483670"/>
-              <pc:sldLayoutMk cId="676108563" sldId="2147483682"/>
-              <ac:spMk id="18" creationId="{4ACEA825-E452-4C7A-9EC8-97999EAD2276}"/>
-            </ac:spMkLst>
-          </pc:spChg>
-        </pc:sldLayoutChg>
-      </pc:sldMasterChg>
     </pc:docChg>
   </pc:docChgLst>
 </pc:chgInfo>
@@ -1880,7 +1953,7 @@
           <a:p>
             <a:fld id="{1C183416-4547-4DE4-A491-59E4C0EC875B}" type="datetimeFigureOut">
               <a:rPr lang="nb-NO" smtClean="0"/>
-              <a:t>29.11.2020</a:t>
+              <a:t>02.12.2020</a:t>
             </a:fld>
             <a:endParaRPr lang="nb-NO"/>
           </a:p>
@@ -3419,7 +3492,7 @@
           <a:p>
             <a:fld id="{689B78D6-20BD-4846-B0D0-B1807AA89A6A}" type="datetime1">
               <a:rPr lang="en-US" smtClean="0"/>
-              <a:t>11/29/2020</a:t>
+              <a:t>12/2/2020</a:t>
             </a:fld>
             <a:endParaRPr lang="en-US" dirty="0"/>
           </a:p>
@@ -3664,7 +3737,7 @@
           <a:p>
             <a:fld id="{CAC49898-619D-4EBA-9825-E85E94553AD2}" type="datetime1">
               <a:rPr lang="en-US" smtClean="0"/>
-              <a:t>11/29/2020</a:t>
+              <a:t>12/2/2020</a:t>
             </a:fld>
             <a:endParaRPr lang="nb-NO"/>
           </a:p>
@@ -4034,7 +4107,7 @@
           <a:p>
             <a:fld id="{4BBABEDE-746E-4986-ACEC-2DF96833B480}" type="datetime1">
               <a:rPr lang="en-US" smtClean="0"/>
-              <a:t>11/29/2020</a:t>
+              <a:t>12/2/2020</a:t>
             </a:fld>
             <a:endParaRPr lang="nb-NO"/>
           </a:p>
@@ -4155,7 +4228,7 @@
           <a:p>
             <a:fld id="{0B792F04-B201-4600-99E5-FFE097731B7F}" type="datetime1">
               <a:rPr lang="en-US" smtClean="0"/>
-              <a:t>11/29/2020</a:t>
+              <a:t>12/2/2020</a:t>
             </a:fld>
             <a:endParaRPr lang="nb-NO"/>
           </a:p>
@@ -4253,7 +4326,7 @@
           <a:p>
             <a:fld id="{A896B82A-4593-4349-B4F4-52B06B60F019}" type="datetime1">
               <a:rPr lang="en-US" smtClean="0"/>
-              <a:t>11/29/2020</a:t>
+              <a:t>12/2/2020</a:t>
             </a:fld>
             <a:endParaRPr lang="nb-NO"/>
           </a:p>
@@ -4533,7 +4606,7 @@
           <a:p>
             <a:fld id="{83077056-5187-4605-9A04-9F83E59F6785}" type="datetime1">
               <a:rPr lang="en-US" smtClean="0"/>
-              <a:t>11/29/2020</a:t>
+              <a:t>12/2/2020</a:t>
             </a:fld>
             <a:endParaRPr lang="nb-NO"/>
           </a:p>
@@ -4793,7 +4866,7 @@
           <a:p>
             <a:fld id="{1F02436D-1B29-4D0E-A891-F1B8C2AA612D}" type="datetime1">
               <a:rPr lang="en-US" smtClean="0"/>
-              <a:t>11/29/2020</a:t>
+              <a:t>12/2/2020</a:t>
             </a:fld>
             <a:endParaRPr lang="nb-NO"/>
           </a:p>
@@ -4935,7 +5008,7 @@
           <a:p>
             <a:fld id="{7F92C38A-00CC-4578-ABA8-6DDF940EFFC6}" type="datetime1">
               <a:rPr lang="en-US" smtClean="0"/>
-              <a:t>11/29/2020</a:t>
+              <a:t>12/2/2020</a:t>
             </a:fld>
             <a:endParaRPr lang="en-US" dirty="0"/>
           </a:p>
@@ -5129,7 +5202,7 @@
           <a:p>
             <a:fld id="{0F0876E8-1776-4A9D-AA9F-26E16A31783E}" type="datetime1">
               <a:rPr lang="en-US" smtClean="0"/>
-              <a:t>11/29/2020</a:t>
+              <a:t>12/2/2020</a:t>
             </a:fld>
             <a:endParaRPr lang="en-US" dirty="0"/>
           </a:p>
@@ -5374,7 +5447,7 @@
           <a:p>
             <a:fld id="{8B145C51-195A-4AD4-A9E7-5662BE6BA4D0}" type="datetime1">
               <a:rPr lang="en-US" smtClean="0"/>
-              <a:t>11/29/2020</a:t>
+              <a:t>12/2/2020</a:t>
             </a:fld>
             <a:endParaRPr lang="nb-NO"/>
           </a:p>
@@ -5547,7 +5620,7 @@
           <a:p>
             <a:fld id="{8EC67227-D3D4-490D-B16D-FCA5F18FF075}" type="datetime1">
               <a:rPr lang="en-US" smtClean="0"/>
-              <a:t>11/29/2020</a:t>
+              <a:t>12/2/2020</a:t>
             </a:fld>
             <a:endParaRPr lang="en-US" dirty="0"/>
           </a:p>
@@ -5917,7 +5990,7 @@
           <a:p>
             <a:fld id="{0CCFE2AC-89A1-4D53-AF25-27121FF59245}" type="datetime1">
               <a:rPr lang="en-US" smtClean="0"/>
-              <a:t>11/29/2020</a:t>
+              <a:t>12/2/2020</a:t>
             </a:fld>
             <a:endParaRPr lang="nb-NO"/>
           </a:p>
@@ -6038,7 +6111,7 @@
           <a:p>
             <a:fld id="{6B77C13B-6B0A-4B20-A4F5-40FE5F8CF7E5}" type="datetime1">
               <a:rPr lang="en-US" smtClean="0"/>
-              <a:t>11/29/2020</a:t>
+              <a:t>12/2/2020</a:t>
             </a:fld>
             <a:endParaRPr lang="nb-NO"/>
           </a:p>
@@ -6136,7 +6209,7 @@
           <a:p>
             <a:fld id="{09AB79EF-2957-491B-AAC8-322C806EFFD9}" type="datetime1">
               <a:rPr lang="en-US" smtClean="0"/>
-              <a:t>11/29/2020</a:t>
+              <a:t>12/2/2020</a:t>
             </a:fld>
             <a:endParaRPr lang="nb-NO"/>
           </a:p>
@@ -6416,7 +6489,7 @@
           <a:p>
             <a:fld id="{F0E7E48C-2BCC-498B-B35C-B93F7D43789F}" type="datetime1">
               <a:rPr lang="en-US" smtClean="0"/>
-              <a:t>11/29/2020</a:t>
+              <a:t>12/2/2020</a:t>
             </a:fld>
             <a:endParaRPr lang="nb-NO"/>
           </a:p>
@@ -6676,7 +6749,7 @@
           <a:p>
             <a:fld id="{BACB5408-DC42-44CF-8A3B-974FDC745E1A}" type="datetime1">
               <a:rPr lang="en-US" smtClean="0"/>
-              <a:t>11/29/2020</a:t>
+              <a:t>12/2/2020</a:t>
             </a:fld>
             <a:endParaRPr lang="nb-NO"/>
           </a:p>
@@ -6921,7 +6994,7 @@
           <a:p>
             <a:fld id="{0954A5A9-3A74-4FD4-9B3D-84F2CEB8CA5D}" type="datetime1">
               <a:rPr lang="en-US" smtClean="0"/>
-              <a:t>11/29/2020</a:t>
+              <a:t>12/2/2020</a:t>
             </a:fld>
             <a:endParaRPr lang="nb-NO"/>
           </a:p>
@@ -7291,7 +7364,7 @@
           <a:p>
             <a:fld id="{F8E9ACD6-42D8-47F5-88E0-D9CA32C9F8A1}" type="datetime1">
               <a:rPr lang="en-US" smtClean="0"/>
-              <a:t>11/29/2020</a:t>
+              <a:t>12/2/2020</a:t>
             </a:fld>
             <a:endParaRPr lang="nb-NO"/>
           </a:p>
@@ -7412,7 +7485,7 @@
           <a:p>
             <a:fld id="{2CF6ED32-7C1B-4D12-A32C-52A5945BFBE7}" type="datetime1">
               <a:rPr lang="en-US" smtClean="0"/>
-              <a:t>11/29/2020</a:t>
+              <a:t>12/2/2020</a:t>
             </a:fld>
             <a:endParaRPr lang="nb-NO"/>
           </a:p>
@@ -7510,7 +7583,7 @@
           <a:p>
             <a:fld id="{64182CD4-752B-4B6C-9DCC-297F228CBFE6}" type="datetime1">
               <a:rPr lang="en-US" smtClean="0"/>
-              <a:t>11/29/2020</a:t>
+              <a:t>12/2/2020</a:t>
             </a:fld>
             <a:endParaRPr lang="nb-NO"/>
           </a:p>
@@ -7790,7 +7863,7 @@
           <a:p>
             <a:fld id="{FF92BD09-88A7-48A3-9438-8F11B44DB753}" type="datetime1">
               <a:rPr lang="en-US" smtClean="0"/>
-              <a:t>11/29/2020</a:t>
+              <a:t>12/2/2020</a:t>
             </a:fld>
             <a:endParaRPr lang="nb-NO"/>
           </a:p>
@@ -8050,7 +8123,7 @@
           <a:p>
             <a:fld id="{78F519AB-9467-4563-B2E4-E70C348AB1BE}" type="datetime1">
               <a:rPr lang="en-US" smtClean="0"/>
-              <a:t>11/29/2020</a:t>
+              <a:t>12/2/2020</a:t>
             </a:fld>
             <a:endParaRPr lang="nb-NO"/>
           </a:p>
@@ -8192,7 +8265,7 @@
           <a:p>
             <a:fld id="{CDF62041-14DA-4A9B-A639-05A164CA2E4C}" type="datetime1">
               <a:rPr lang="en-US" smtClean="0"/>
-              <a:t>11/29/2020</a:t>
+              <a:t>12/2/2020</a:t>
             </a:fld>
             <a:endParaRPr lang="en-US" dirty="0"/>
           </a:p>
@@ -8468,7 +8541,7 @@
           <a:p>
             <a:fld id="{785B8D15-6870-4E1B-811C-57994D71C5B6}" type="datetime1">
               <a:rPr lang="en-US" smtClean="0"/>
-              <a:t>11/29/2020</a:t>
+              <a:t>12/2/2020</a:t>
             </a:fld>
             <a:endParaRPr lang="en-US" dirty="0"/>
           </a:p>
@@ -9009,7 +9082,7 @@
           <a:p>
             <a:fld id="{60FC07E0-8E40-4B6C-B24F-7CF0305B9C7B}" type="datetime1">
               <a:rPr lang="en-US" smtClean="0"/>
-              <a:t>11/29/2020</a:t>
+              <a:t>12/2/2020</a:t>
             </a:fld>
             <a:endParaRPr lang="en-US" dirty="0"/>
           </a:p>
@@ -9628,7 +9701,7 @@
           <a:p>
             <a:fld id="{BAA7CB9B-2627-411A-9C37-CCC42B5F422C}" type="datetime1">
               <a:rPr lang="en-US" smtClean="0"/>
-              <a:t>11/29/2020</a:t>
+              <a:t>12/2/2020</a:t>
             </a:fld>
             <a:endParaRPr lang="en-US" dirty="0"/>
           </a:p>
@@ -10820,16 +10893,10 @@
               <a:buNone/>
             </a:pPr>
             <a:r>
-              <a:rPr lang="nb-NO" dirty="0" err="1">
-                <a:latin typeface="Consolas" panose="020B0609020204030204" pitchFamily="49" charset="0"/>
-              </a:rPr>
-              <a:t>while</a:t>
-            </a:r>
-            <a:r>
               <a:rPr lang="nb-NO" dirty="0">
                 <a:latin typeface="Consolas" panose="020B0609020204030204" pitchFamily="49" charset="0"/>
               </a:rPr>
-              <a:t> rundenummer &lt;= 10: </a:t>
+              <a:t>while rundenummer &lt;= 10: </a:t>
             </a:r>
             <a:r>
               <a:rPr lang="nb-NO" sz="2600" dirty="0">
@@ -10850,28 +10917,10 @@
               <a:t>	</a:t>
             </a:r>
             <a:r>
-              <a:rPr lang="nb-NO" dirty="0" err="1">
-                <a:latin typeface="Consolas" panose="020B0609020204030204" pitchFamily="49" charset="0"/>
-              </a:rPr>
-              <a:t>if</a:t>
-            </a:r>
-            <a:r>
               <a:rPr lang="nb-NO" dirty="0">
                 <a:latin typeface="Consolas" panose="020B0609020204030204" pitchFamily="49" charset="0"/>
               </a:rPr>
-              <a:t> </a:t>
-            </a:r>
-            <a:r>
-              <a:rPr lang="nb-NO" dirty="0" err="1">
-                <a:latin typeface="Consolas" panose="020B0609020204030204" pitchFamily="49" charset="0"/>
-              </a:rPr>
-              <a:t>ErDeleligMedTo</a:t>
-            </a:r>
-            <a:r>
-              <a:rPr lang="nb-NO" dirty="0">
-                <a:latin typeface="Consolas" panose="020B0609020204030204" pitchFamily="49" charset="0"/>
-              </a:rPr>
-              <a:t>(rundenummer): </a:t>
+              <a:t>if ErDeleligMedTo(rundenummer): </a:t>
             </a:r>
             <a:r>
               <a:rPr lang="nb-NO" sz="2600" dirty="0">
@@ -10897,16 +10946,10 @@
               <a:t>	</a:t>
             </a:r>
             <a:r>
-              <a:rPr lang="nb-NO" sz="2800" dirty="0" err="1">
-                <a:latin typeface="Consolas" panose="020B0609020204030204" pitchFamily="49" charset="0"/>
-              </a:rPr>
-              <a:t>print</a:t>
-            </a:r>
-            <a:r>
               <a:rPr lang="nb-NO" sz="2800" dirty="0">
                 <a:latin typeface="Consolas" panose="020B0609020204030204" pitchFamily="49" charset="0"/>
               </a:rPr>
-              <a:t>("FIZZ")</a:t>
+              <a:t>print("FIZZ")</a:t>
             </a:r>
             <a:endParaRPr lang="nb-NO" dirty="0">
               <a:latin typeface="Consolas" panose="020B0609020204030204" pitchFamily="49" charset="0"/>
@@ -10921,28 +10964,41 @@
               <a:t>	</a:t>
             </a:r>
             <a:r>
-              <a:rPr lang="nb-NO" dirty="0" err="1">
-                <a:latin typeface="Consolas" panose="020B0609020204030204" pitchFamily="49" charset="0"/>
-              </a:rPr>
-              <a:t>if</a:t>
-            </a:r>
-            <a:r>
               <a:rPr lang="nb-NO" dirty="0">
                 <a:latin typeface="Consolas" panose="020B0609020204030204" pitchFamily="49" charset="0"/>
               </a:rPr>
-              <a:t> </a:t>
-            </a:r>
-            <a:r>
-              <a:rPr lang="nb-NO" dirty="0" err="1">
+              <a:t>if ErDeleligMedTre(rundenummer): </a:t>
+            </a:r>
+            <a:endParaRPr lang="nb-NO" dirty="0"/>
+          </a:p>
+          <a:p>
+            <a:pPr marL="914400" lvl="2" indent="0">
+              <a:buNone/>
+            </a:pPr>
+            <a:r>
+              <a:rPr lang="nb-NO" dirty="0"/>
+              <a:t>	</a:t>
+            </a:r>
+            <a:r>
+              <a:rPr lang="nb-NO" sz="2800" dirty="0">
                 <a:latin typeface="Consolas" panose="020B0609020204030204" pitchFamily="49" charset="0"/>
               </a:rPr>
-              <a:t>ErDeleligMedTre</a:t>
+              <a:t>print("BUZZ")</a:t>
+            </a:r>
+          </a:p>
+          <a:p>
+            <a:pPr marL="0" indent="0">
+              <a:buNone/>
+            </a:pPr>
+            <a:r>
+              <a:rPr lang="nb-NO" dirty="0"/>
+              <a:t>	</a:t>
             </a:r>
             <a:r>
               <a:rPr lang="nb-NO" dirty="0">
                 <a:latin typeface="Consolas" panose="020B0609020204030204" pitchFamily="49" charset="0"/>
               </a:rPr>
-              <a:t>(rundenummer): </a:t>
+              <a:t>if ErDeleligMedToOgTre(rundenummer): </a:t>
             </a:r>
             <a:endParaRPr lang="nb-NO" dirty="0"/>
           </a:p>
@@ -10953,18 +11009,12 @@
             <a:r>
               <a:rPr lang="nb-NO" dirty="0"/>
               <a:t>	</a:t>
-            </a:r>
-            <a:r>
-              <a:rPr lang="nb-NO" sz="2800" dirty="0" err="1">
-                <a:latin typeface="Consolas" panose="020B0609020204030204" pitchFamily="49" charset="0"/>
-              </a:rPr>
-              <a:t>print</a:t>
             </a:r>
             <a:r>
               <a:rPr lang="nb-NO" sz="2800" dirty="0">
                 <a:latin typeface="Consolas" panose="020B0609020204030204" pitchFamily="49" charset="0"/>
               </a:rPr>
-              <a:t>("BUZZ")</a:t>
+              <a:t>print("FIZZBUZZ")</a:t>
             </a:r>
           </a:p>
           <a:p>
@@ -10974,94 +11024,27 @@
             <a:r>
               <a:rPr lang="nb-NO" dirty="0"/>
               <a:t>	</a:t>
-            </a:r>
-            <a:r>
-              <a:rPr lang="nb-NO" dirty="0" err="1">
-                <a:latin typeface="Consolas" panose="020B0609020204030204" pitchFamily="49" charset="0"/>
-              </a:rPr>
-              <a:t>if</a:t>
             </a:r>
             <a:r>
               <a:rPr lang="nb-NO" dirty="0">
                 <a:latin typeface="Consolas" panose="020B0609020204030204" pitchFamily="49" charset="0"/>
               </a:rPr>
-              <a:t> </a:t>
-            </a:r>
-            <a:r>
-              <a:rPr lang="nb-NO" dirty="0" err="1">
-                <a:latin typeface="Consolas" panose="020B0609020204030204" pitchFamily="49" charset="0"/>
-              </a:rPr>
-              <a:t>ErDeleligMedToOgTre</a:t>
-            </a:r>
-            <a:r>
-              <a:rPr lang="nb-NO" dirty="0">
-                <a:latin typeface="Consolas" panose="020B0609020204030204" pitchFamily="49" charset="0"/>
-              </a:rPr>
-              <a:t>(rundenummer): </a:t>
-            </a:r>
-            <a:endParaRPr lang="nb-NO" dirty="0"/>
-          </a:p>
-          <a:p>
-            <a:pPr marL="914400" lvl="2" indent="0">
+              <a:t>else:</a:t>
+            </a:r>
+          </a:p>
+          <a:p>
+            <a:pPr marL="0" indent="0">
               <a:buNone/>
             </a:pPr>
             <a:r>
               <a:rPr lang="nb-NO" dirty="0"/>
-              <a:t>	</a:t>
-            </a:r>
-            <a:r>
-              <a:rPr lang="nb-NO" sz="2800" dirty="0" err="1">
-                <a:latin typeface="Consolas" panose="020B0609020204030204" pitchFamily="49" charset="0"/>
-              </a:rPr>
-              <a:t>print</a:t>
+              <a:t>		</a:t>
             </a:r>
             <a:r>
               <a:rPr lang="nb-NO" sz="2800" dirty="0">
                 <a:latin typeface="Consolas" panose="020B0609020204030204" pitchFamily="49" charset="0"/>
               </a:rPr>
-              <a:t>("FIZZBUZZ")</a:t>
-            </a:r>
-          </a:p>
-          <a:p>
-            <a:pPr marL="0" indent="0">
-              <a:buNone/>
-            </a:pPr>
-            <a:r>
-              <a:rPr lang="nb-NO" dirty="0"/>
-              <a:t>	</a:t>
-            </a:r>
-            <a:r>
-              <a:rPr lang="nb-NO" dirty="0" err="1">
-                <a:latin typeface="Consolas" panose="020B0609020204030204" pitchFamily="49" charset="0"/>
-              </a:rPr>
-              <a:t>else</a:t>
-            </a:r>
-            <a:r>
-              <a:rPr lang="nb-NO" dirty="0">
-                <a:latin typeface="Consolas" panose="020B0609020204030204" pitchFamily="49" charset="0"/>
-              </a:rPr>
-              <a:t>:</a:t>
-            </a:r>
-          </a:p>
-          <a:p>
-            <a:pPr marL="0" indent="0">
-              <a:buNone/>
-            </a:pPr>
-            <a:r>
-              <a:rPr lang="nb-NO" dirty="0"/>
-              <a:t>		</a:t>
-            </a:r>
-            <a:r>
-              <a:rPr lang="nb-NO" sz="2800" dirty="0" err="1">
-                <a:latin typeface="Consolas" panose="020B0609020204030204" pitchFamily="49" charset="0"/>
-              </a:rPr>
-              <a:t>print</a:t>
-            </a:r>
-            <a:r>
-              <a:rPr lang="nb-NO" sz="2800" dirty="0">
-                <a:latin typeface="Consolas" panose="020B0609020204030204" pitchFamily="49" charset="0"/>
-              </a:rPr>
-              <a:t>("rundenummer")</a:t>
+              <a:t>print("rundenummer")</a:t>
             </a:r>
           </a:p>
           <a:p>
@@ -11725,18 +11708,6 @@
               <a:buNone/>
             </a:pPr>
             <a:r>
-              <a:rPr lang="nb-NO" dirty="0" err="1">
-                <a:solidFill>
-                  <a:schemeClr val="bg1">
-                    <a:lumMod val="75000"/>
-                    <a:lumOff val="25000"/>
-                  </a:schemeClr>
-                </a:solidFill>
-                <a:latin typeface="Consolas" panose="020B0609020204030204" pitchFamily="49" charset="0"/>
-              </a:rPr>
-              <a:t>while</a:t>
-            </a:r>
-            <a:r>
               <a:rPr lang="nb-NO" dirty="0">
                 <a:solidFill>
                   <a:schemeClr val="bg1">
@@ -11746,7 +11717,7 @@
                 </a:solidFill>
                 <a:latin typeface="Consolas" panose="020B0609020204030204" pitchFamily="49" charset="0"/>
               </a:rPr>
-              <a:t> rundenummer &lt;= 10: </a:t>
+              <a:t>while rundenummer &lt;= 10: </a:t>
             </a:r>
             <a:r>
               <a:rPr lang="nb-NO" sz="2600" dirty="0">
@@ -11770,18 +11741,6 @@
               <a:t>	</a:t>
             </a:r>
             <a:r>
-              <a:rPr lang="nb-NO" dirty="0" err="1">
-                <a:solidFill>
-                  <a:schemeClr val="bg1">
-                    <a:lumMod val="75000"/>
-                    <a:lumOff val="25000"/>
-                  </a:schemeClr>
-                </a:solidFill>
-                <a:latin typeface="Consolas" panose="020B0609020204030204" pitchFamily="49" charset="0"/>
-              </a:rPr>
-              <a:t>if</a:t>
-            </a:r>
-            <a:r>
               <a:rPr lang="nb-NO" dirty="0">
                 <a:solidFill>
                   <a:schemeClr val="bg1">
@@ -11791,19 +11750,13 @@
                 </a:solidFill>
                 <a:latin typeface="Consolas" panose="020B0609020204030204" pitchFamily="49" charset="0"/>
               </a:rPr>
-              <a:t> </a:t>
-            </a:r>
-            <a:r>
-              <a:rPr lang="nb-NO" dirty="0" err="1">
-                <a:latin typeface="Consolas" panose="020B0609020204030204" pitchFamily="49" charset="0"/>
-              </a:rPr>
-              <a:t>ErDeleligMedTo</a:t>
+              <a:t>if </a:t>
             </a:r>
             <a:r>
               <a:rPr lang="nb-NO" dirty="0">
                 <a:latin typeface="Consolas" panose="020B0609020204030204" pitchFamily="49" charset="0"/>
               </a:rPr>
-              <a:t>(rundenummer): </a:t>
+              <a:t>ErDeleligMedTo(rundenummer): </a:t>
             </a:r>
             <a:r>
               <a:rPr lang="nb-NO" sz="2600" dirty="0">
@@ -11835,18 +11788,6 @@
               <a:t>	</a:t>
             </a:r>
             <a:r>
-              <a:rPr lang="nb-NO" sz="2800" dirty="0" err="1">
-                <a:solidFill>
-                  <a:schemeClr val="bg1">
-                    <a:lumMod val="75000"/>
-                    <a:lumOff val="25000"/>
-                  </a:schemeClr>
-                </a:solidFill>
-                <a:latin typeface="Consolas" panose="020B0609020204030204" pitchFamily="49" charset="0"/>
-              </a:rPr>
-              <a:t>print</a:t>
-            </a:r>
-            <a:r>
               <a:rPr lang="nb-NO" sz="2800" dirty="0">
                 <a:solidFill>
                   <a:schemeClr val="bg1">
@@ -11856,7 +11797,7 @@
                 </a:solidFill>
                 <a:latin typeface="Consolas" panose="020B0609020204030204" pitchFamily="49" charset="0"/>
               </a:rPr>
-              <a:t>("FIZZ")</a:t>
+              <a:t>print("FIZZ")</a:t>
             </a:r>
             <a:endParaRPr lang="nb-NO" dirty="0">
               <a:solidFill>
@@ -11877,7 +11818,7 @@
               <a:t>	</a:t>
             </a:r>
             <a:r>
-              <a:rPr lang="nb-NO" dirty="0" err="1">
+              <a:rPr lang="nb-NO" dirty="0">
                 <a:solidFill>
                   <a:schemeClr val="bg1">
                     <a:lumMod val="75000"/>
@@ -11892,19 +11833,7 @@
               <a:rPr lang="nb-NO" dirty="0">
                 <a:latin typeface="Consolas" panose="020B0609020204030204" pitchFamily="49" charset="0"/>
               </a:rPr>
-              <a:t> </a:t>
-            </a:r>
-            <a:r>
-              <a:rPr lang="nb-NO" dirty="0" err="1">
-                <a:latin typeface="Consolas" panose="020B0609020204030204" pitchFamily="49" charset="0"/>
-              </a:rPr>
-              <a:t>ErDeleligMedTre</a:t>
-            </a:r>
-            <a:r>
-              <a:rPr lang="nb-NO" dirty="0">
-                <a:latin typeface="Consolas" panose="020B0609020204030204" pitchFamily="49" charset="0"/>
-              </a:rPr>
-              <a:t>(rundenummer): </a:t>
+              <a:t> ErDeleligMedTre(rundenummer): </a:t>
             </a:r>
             <a:endParaRPr lang="nb-NO" dirty="0"/>
           </a:p>
@@ -11915,18 +11844,6 @@
             <a:r>
               <a:rPr lang="nb-NO" dirty="0"/>
               <a:t>	</a:t>
-            </a:r>
-            <a:r>
-              <a:rPr lang="nb-NO" sz="2800" dirty="0" err="1">
-                <a:solidFill>
-                  <a:schemeClr val="bg1">
-                    <a:lumMod val="75000"/>
-                    <a:lumOff val="25000"/>
-                  </a:schemeClr>
-                </a:solidFill>
-                <a:latin typeface="Consolas" panose="020B0609020204030204" pitchFamily="49" charset="0"/>
-              </a:rPr>
-              <a:t>print</a:t>
             </a:r>
             <a:r>
               <a:rPr lang="nb-NO" sz="2800" dirty="0">
@@ -11938,7 +11855,7 @@
                 </a:solidFill>
                 <a:latin typeface="Consolas" panose="020B0609020204030204" pitchFamily="49" charset="0"/>
               </a:rPr>
-              <a:t>("BUZZ")</a:t>
+              <a:t>print("BUZZ")</a:t>
             </a:r>
           </a:p>
           <a:p>
@@ -11950,7 +11867,7 @@
               <a:t>	</a:t>
             </a:r>
             <a:r>
-              <a:rPr lang="nb-NO" dirty="0" err="1">
+              <a:rPr lang="nb-NO" dirty="0">
                 <a:solidFill>
                   <a:schemeClr val="bg1">
                     <a:lumMod val="75000"/>
@@ -11965,19 +11882,7 @@
               <a:rPr lang="nb-NO" dirty="0">
                 <a:latin typeface="Consolas" panose="020B0609020204030204" pitchFamily="49" charset="0"/>
               </a:rPr>
-              <a:t> </a:t>
-            </a:r>
-            <a:r>
-              <a:rPr lang="nb-NO" dirty="0" err="1">
-                <a:latin typeface="Consolas" panose="020B0609020204030204" pitchFamily="49" charset="0"/>
-              </a:rPr>
-              <a:t>ErDeleligMedToOgTre</a:t>
-            </a:r>
-            <a:r>
-              <a:rPr lang="nb-NO" dirty="0">
-                <a:latin typeface="Consolas" panose="020B0609020204030204" pitchFamily="49" charset="0"/>
-              </a:rPr>
-              <a:t>(rundenummer):</a:t>
+              <a:t> ErDeleligMedToOgTre(rundenummer):</a:t>
             </a:r>
             <a:endParaRPr lang="nb-NO" dirty="0"/>
           </a:p>
@@ -11997,18 +11902,6 @@
               <a:t>	</a:t>
             </a:r>
             <a:r>
-              <a:rPr lang="nb-NO" sz="2800" dirty="0" err="1">
-                <a:solidFill>
-                  <a:schemeClr val="bg1">
-                    <a:lumMod val="75000"/>
-                    <a:lumOff val="25000"/>
-                  </a:schemeClr>
-                </a:solidFill>
-                <a:latin typeface="Consolas" panose="020B0609020204030204" pitchFamily="49" charset="0"/>
-              </a:rPr>
-              <a:t>print</a:t>
-            </a:r>
-            <a:r>
               <a:rPr lang="nb-NO" sz="2800" dirty="0">
                 <a:solidFill>
                   <a:schemeClr val="bg1">
@@ -12018,7 +11911,7 @@
                 </a:solidFill>
                 <a:latin typeface="Consolas" panose="020B0609020204030204" pitchFamily="49" charset="0"/>
               </a:rPr>
-              <a:t>("FIZZBUZZ")</a:t>
+              <a:t>print("FIZZBUZZ")</a:t>
             </a:r>
           </a:p>
           <a:p>
@@ -12037,18 +11930,6 @@
               <a:t>	</a:t>
             </a:r>
             <a:r>
-              <a:rPr lang="nb-NO" dirty="0" err="1">
-                <a:solidFill>
-                  <a:schemeClr val="bg1">
-                    <a:lumMod val="75000"/>
-                    <a:lumOff val="25000"/>
-                  </a:schemeClr>
-                </a:solidFill>
-                <a:latin typeface="Consolas" panose="020B0609020204030204" pitchFamily="49" charset="0"/>
-              </a:rPr>
-              <a:t>else</a:t>
-            </a:r>
-            <a:r>
               <a:rPr lang="nb-NO" dirty="0">
                 <a:solidFill>
                   <a:schemeClr val="bg1">
@@ -12058,7 +11939,7 @@
                 </a:solidFill>
                 <a:latin typeface="Consolas" panose="020B0609020204030204" pitchFamily="49" charset="0"/>
               </a:rPr>
-              <a:t>:</a:t>
+              <a:t>else:</a:t>
             </a:r>
           </a:p>
           <a:p>
@@ -12077,18 +11958,6 @@
               <a:t>		</a:t>
             </a:r>
             <a:r>
-              <a:rPr lang="nb-NO" sz="2800" dirty="0" err="1">
-                <a:solidFill>
-                  <a:schemeClr val="bg1">
-                    <a:lumMod val="75000"/>
-                    <a:lumOff val="25000"/>
-                  </a:schemeClr>
-                </a:solidFill>
-                <a:latin typeface="Consolas" panose="020B0609020204030204" pitchFamily="49" charset="0"/>
-              </a:rPr>
-              <a:t>print</a:t>
-            </a:r>
-            <a:r>
               <a:rPr lang="nb-NO" sz="2800" dirty="0">
                 <a:solidFill>
                   <a:schemeClr val="bg1">
@@ -12098,7 +11967,7 @@
                 </a:solidFill>
                 <a:latin typeface="Consolas" panose="020B0609020204030204" pitchFamily="49" charset="0"/>
               </a:rPr>
-              <a:t>("rundenummer")</a:t>
+              <a:t>print("rundenummer")</a:t>
             </a:r>
           </a:p>
           <a:p>
@@ -12306,25 +12175,7 @@
                 </a:solidFill>
                 <a:latin typeface="Consolas" panose="020B0609020204030204" pitchFamily="49" charset="0"/>
               </a:rPr>
-              <a:t> </a:t>
-            </a:r>
-            <a:r>
-              <a:rPr lang="nb-NO" dirty="0" err="1">
-                <a:solidFill>
-                  <a:schemeClr val="bg1"/>
-                </a:solidFill>
-                <a:latin typeface="Consolas" panose="020B0609020204030204" pitchFamily="49" charset="0"/>
-              </a:rPr>
-              <a:t>ErDeleligMedTo</a:t>
-            </a:r>
-            <a:r>
-              <a:rPr lang="nb-NO" dirty="0">
-                <a:solidFill>
-                  <a:schemeClr val="bg1"/>
-                </a:solidFill>
-                <a:latin typeface="Consolas" panose="020B0609020204030204" pitchFamily="49" charset="0"/>
-              </a:rPr>
-              <a:t>(rundenummer):</a:t>
+              <a:t> ErDeleligMedTo(rundenummer):</a:t>
             </a:r>
           </a:p>
           <a:p>
@@ -12739,7 +12590,7 @@
               <a:t> </a:t>
             </a:r>
             <a:r>
-              <a:rPr lang="nb-NO" dirty="0" err="1">
+              <a:rPr lang="nb-NO" dirty="0">
                 <a:solidFill>
                   <a:srgbClr val="9751CB"/>
                 </a:solidFill>
@@ -13246,7 +13097,7 @@
 </file>
 
 <file path=ppt/slides/slide14.xml><?xml version="1.0" encoding="utf-8"?>
-<p:sld xmlns:a="http://schemas.openxmlformats.org/drawingml/2006/main" xmlns:r="http://schemas.openxmlformats.org/officeDocument/2006/relationships" xmlns:p="http://schemas.openxmlformats.org/presentationml/2006/main">
+<p:sld xmlns:a="http://schemas.openxmlformats.org/drawingml/2006/main" xmlns:r="http://schemas.openxmlformats.org/officeDocument/2006/relationships" xmlns:p="http://schemas.openxmlformats.org/presentationml/2006/main" show="0">
   <p:cSld>
     <p:spTree>
       <p:nvGrpSpPr>
@@ -13338,7 +13189,7 @@
               <a:t> </a:t>
             </a:r>
             <a:r>
-              <a:rPr lang="nb-NO" dirty="0" err="1">
+              <a:rPr lang="nb-NO" dirty="0">
                 <a:solidFill>
                   <a:srgbClr val="9751CB"/>
                 </a:solidFill>
@@ -13475,7 +13326,7 @@
 </file>
 
 <file path=ppt/slides/slide15.xml><?xml version="1.0" encoding="utf-8"?>
-<p:sld xmlns:a="http://schemas.openxmlformats.org/drawingml/2006/main" xmlns:r="http://schemas.openxmlformats.org/officeDocument/2006/relationships" xmlns:p="http://schemas.openxmlformats.org/presentationml/2006/main">
+<p:sld xmlns:a="http://schemas.openxmlformats.org/drawingml/2006/main" xmlns:r="http://schemas.openxmlformats.org/officeDocument/2006/relationships" xmlns:p="http://schemas.openxmlformats.org/presentationml/2006/main" show="0">
   <p:cSld>
     <p:spTree>
       <p:nvGrpSpPr>
@@ -13572,31 +13423,7 @@
                 </a:solidFill>
                 <a:latin typeface="Consolas" panose="020B0609020204030204" pitchFamily="49" charset="0"/>
               </a:rPr>
-              <a:t> </a:t>
-            </a:r>
-            <a:r>
-              <a:rPr lang="nb-NO" dirty="0" err="1">
-                <a:solidFill>
-                  <a:schemeClr val="bg1">
-                    <a:lumMod val="50000"/>
-                    <a:lumOff val="50000"/>
-                  </a:schemeClr>
-                </a:solidFill>
-                <a:latin typeface="Consolas" panose="020B0609020204030204" pitchFamily="49" charset="0"/>
-              </a:rPr>
-              <a:t>ErDeleligMedTo</a:t>
-            </a:r>
-            <a:r>
-              <a:rPr lang="nb-NO" dirty="0">
-                <a:solidFill>
-                  <a:schemeClr val="bg1">
-                    <a:lumMod val="50000"/>
-                    <a:lumOff val="50000"/>
-                  </a:schemeClr>
-                </a:solidFill>
-                <a:latin typeface="Consolas" panose="020B0609020204030204" pitchFamily="49" charset="0"/>
-              </a:rPr>
-              <a:t>(rundenummer):</a:t>
+              <a:t> ErDeleligMedTo(rundenummer):</a:t>
             </a:r>
           </a:p>
           <a:p>
@@ -13610,7 +13437,7 @@
               <a:t>	</a:t>
             </a:r>
             <a:r>
-              <a:rPr lang="nb-NO" dirty="0" err="1">
+              <a:rPr lang="nb-NO" dirty="0">
                 <a:solidFill>
                   <a:srgbClr val="C44026"/>
                 </a:solidFill>
@@ -13647,7 +13474,7 @@
               <a:t>	</a:t>
             </a:r>
             <a:r>
-              <a:rPr lang="nb-NO" dirty="0" err="1">
+              <a:rPr lang="nb-NO" dirty="0">
                 <a:solidFill>
                   <a:srgbClr val="C44026"/>
                 </a:solidFill>
@@ -13743,7 +13570,7 @@
 </file>
 
 <file path=ppt/slides/slide16.xml><?xml version="1.0" encoding="utf-8"?>
-<p:sld xmlns:a="http://schemas.openxmlformats.org/drawingml/2006/main" xmlns:r="http://schemas.openxmlformats.org/officeDocument/2006/relationships" xmlns:p="http://schemas.openxmlformats.org/presentationml/2006/main">
+<p:sld xmlns:a="http://schemas.openxmlformats.org/drawingml/2006/main" xmlns:r="http://schemas.openxmlformats.org/officeDocument/2006/relationships" xmlns:p="http://schemas.openxmlformats.org/presentationml/2006/main" show="0">
   <p:cSld>
     <p:spTree>
       <p:nvGrpSpPr>
@@ -13840,31 +13667,7 @@
                 </a:solidFill>
                 <a:latin typeface="Consolas" panose="020B0609020204030204" pitchFamily="49" charset="0"/>
               </a:rPr>
-              <a:t> </a:t>
-            </a:r>
-            <a:r>
-              <a:rPr lang="nb-NO" dirty="0" err="1">
-                <a:solidFill>
-                  <a:schemeClr val="bg1">
-                    <a:lumMod val="50000"/>
-                    <a:lumOff val="50000"/>
-                  </a:schemeClr>
-                </a:solidFill>
-                <a:latin typeface="Consolas" panose="020B0609020204030204" pitchFamily="49" charset="0"/>
-              </a:rPr>
-              <a:t>ErDeleligMedTo</a:t>
-            </a:r>
-            <a:r>
-              <a:rPr lang="nb-NO" dirty="0">
-                <a:solidFill>
-                  <a:schemeClr val="bg1">
-                    <a:lumMod val="50000"/>
-                    <a:lumOff val="50000"/>
-                  </a:schemeClr>
-                </a:solidFill>
-                <a:latin typeface="Consolas" panose="020B0609020204030204" pitchFamily="49" charset="0"/>
-              </a:rPr>
-              <a:t>(rundenummer):</a:t>
+              <a:t> ErDeleligMedTo(rundenummer):</a:t>
             </a:r>
           </a:p>
           <a:p>
@@ -13878,7 +13681,7 @@
               <a:t>	</a:t>
             </a:r>
             <a:r>
-              <a:rPr lang="nb-NO" dirty="0" err="1">
+              <a:rPr lang="nb-NO" dirty="0">
                 <a:solidFill>
                   <a:srgbClr val="C44026"/>
                 </a:solidFill>
@@ -13930,7 +13733,7 @@
               <a:t>	</a:t>
             </a:r>
             <a:r>
-              <a:rPr lang="nb-NO" dirty="0" err="1">
+              <a:rPr lang="nb-NO" dirty="0">
                 <a:solidFill>
                   <a:srgbClr val="C44026"/>
                 </a:solidFill>
@@ -14032,7 +13835,7 @@
 </file>
 
 <file path=ppt/slides/slide17.xml><?xml version="1.0" encoding="utf-8"?>
-<p:sld xmlns:a="http://schemas.openxmlformats.org/drawingml/2006/main" xmlns:r="http://schemas.openxmlformats.org/officeDocument/2006/relationships" xmlns:p="http://schemas.openxmlformats.org/presentationml/2006/main">
+<p:sld xmlns:a="http://schemas.openxmlformats.org/drawingml/2006/main" xmlns:r="http://schemas.openxmlformats.org/officeDocument/2006/relationships" xmlns:p="http://schemas.openxmlformats.org/presentationml/2006/main" show="0">
   <p:cSld>
     <p:spTree>
       <p:nvGrpSpPr>
@@ -14129,31 +13932,7 @@
                 </a:solidFill>
                 <a:latin typeface="Consolas" panose="020B0609020204030204" pitchFamily="49" charset="0"/>
               </a:rPr>
-              <a:t> </a:t>
-            </a:r>
-            <a:r>
-              <a:rPr lang="nb-NO" dirty="0" err="1">
-                <a:solidFill>
-                  <a:schemeClr val="bg1">
-                    <a:lumMod val="50000"/>
-                    <a:lumOff val="50000"/>
-                  </a:schemeClr>
-                </a:solidFill>
-                <a:latin typeface="Consolas" panose="020B0609020204030204" pitchFamily="49" charset="0"/>
-              </a:rPr>
-              <a:t>ErDeleligMedTo</a:t>
-            </a:r>
-            <a:r>
-              <a:rPr lang="nb-NO" dirty="0">
-                <a:solidFill>
-                  <a:schemeClr val="bg1">
-                    <a:lumMod val="50000"/>
-                    <a:lumOff val="50000"/>
-                  </a:schemeClr>
-                </a:solidFill>
-                <a:latin typeface="Consolas" panose="020B0609020204030204" pitchFamily="49" charset="0"/>
-              </a:rPr>
-              <a:t>(rundenummer):</a:t>
+              <a:t> ErDeleligMedTo(rundenummer):</a:t>
             </a:r>
           </a:p>
           <a:p>
@@ -14167,7 +13946,7 @@
               <a:t>	</a:t>
             </a:r>
             <a:r>
-              <a:rPr lang="nb-NO" dirty="0" err="1">
+              <a:rPr lang="nb-NO" dirty="0">
                 <a:solidFill>
                   <a:srgbClr val="C44026"/>
                 </a:solidFill>
@@ -14231,7 +14010,7 @@
               <a:t>	</a:t>
             </a:r>
             <a:r>
-              <a:rPr lang="nb-NO" dirty="0" err="1">
+              <a:rPr lang="nb-NO" dirty="0">
                 <a:solidFill>
                   <a:srgbClr val="C44026"/>
                 </a:solidFill>
@@ -14341,7 +14120,7 @@
 </file>
 
 <file path=ppt/slides/slide18.xml><?xml version="1.0" encoding="utf-8"?>
-<p:sld xmlns:a="http://schemas.openxmlformats.org/drawingml/2006/main" xmlns:r="http://schemas.openxmlformats.org/officeDocument/2006/relationships" xmlns:p="http://schemas.openxmlformats.org/presentationml/2006/main">
+<p:sld xmlns:a="http://schemas.openxmlformats.org/drawingml/2006/main" xmlns:r="http://schemas.openxmlformats.org/officeDocument/2006/relationships" xmlns:p="http://schemas.openxmlformats.org/presentationml/2006/main" show="0">
   <p:cSld>
     <p:spTree>
       <p:nvGrpSpPr>
@@ -14438,31 +14217,7 @@
                 </a:solidFill>
                 <a:latin typeface="Consolas" panose="020B0609020204030204" pitchFamily="49" charset="0"/>
               </a:rPr>
-              <a:t> </a:t>
-            </a:r>
-            <a:r>
-              <a:rPr lang="nb-NO" dirty="0" err="1">
-                <a:solidFill>
-                  <a:schemeClr val="bg1">
-                    <a:lumMod val="50000"/>
-                    <a:lumOff val="50000"/>
-                  </a:schemeClr>
-                </a:solidFill>
-                <a:latin typeface="Consolas" panose="020B0609020204030204" pitchFamily="49" charset="0"/>
-              </a:rPr>
-              <a:t>ErDeleligMedTo</a:t>
-            </a:r>
-            <a:r>
-              <a:rPr lang="nb-NO" dirty="0">
-                <a:solidFill>
-                  <a:schemeClr val="bg1">
-                    <a:lumMod val="50000"/>
-                    <a:lumOff val="50000"/>
-                  </a:schemeClr>
-                </a:solidFill>
-                <a:latin typeface="Consolas" panose="020B0609020204030204" pitchFamily="49" charset="0"/>
-              </a:rPr>
-              <a:t>(rundenummer):</a:t>
+              <a:t> ErDeleligMedTo(rundenummer):</a:t>
             </a:r>
           </a:p>
           <a:p>
@@ -14476,7 +14231,7 @@
               <a:t>	</a:t>
             </a:r>
             <a:r>
-              <a:rPr lang="nb-NO" dirty="0" err="1">
+              <a:rPr lang="nb-NO" dirty="0">
                 <a:solidFill>
                   <a:srgbClr val="C44026"/>
                 </a:solidFill>
@@ -14540,7 +14295,7 @@
               <a:t>	</a:t>
             </a:r>
             <a:r>
-              <a:rPr lang="nb-NO" dirty="0" err="1">
+              <a:rPr lang="nb-NO" dirty="0">
                 <a:solidFill>
                   <a:srgbClr val="C44026"/>
                 </a:solidFill>
@@ -14668,7 +14423,7 @@
 </file>
 
 <file path=ppt/slides/slide19.xml><?xml version="1.0" encoding="utf-8"?>
-<p:sld xmlns:a="http://schemas.openxmlformats.org/drawingml/2006/main" xmlns:r="http://schemas.openxmlformats.org/officeDocument/2006/relationships" xmlns:p="http://schemas.openxmlformats.org/presentationml/2006/main">
+<p:sld xmlns:a="http://schemas.openxmlformats.org/drawingml/2006/main" xmlns:r="http://schemas.openxmlformats.org/officeDocument/2006/relationships" xmlns:p="http://schemas.openxmlformats.org/presentationml/2006/main" show="0">
   <p:cSld>
     <p:spTree>
       <p:nvGrpSpPr>
@@ -14759,7 +14514,7 @@
               <a:t> </a:t>
             </a:r>
             <a:r>
-              <a:rPr lang="nb-NO" dirty="0" err="1">
+              <a:rPr lang="nb-NO" dirty="0">
                 <a:solidFill>
                   <a:srgbClr val="9751CB"/>
                 </a:solidFill>
@@ -14785,7 +14540,7 @@
               <a:t>	</a:t>
             </a:r>
             <a:r>
-              <a:rPr lang="nb-NO" dirty="0" err="1">
+              <a:rPr lang="nb-NO" dirty="0">
                 <a:solidFill>
                   <a:srgbClr val="C44026"/>
                 </a:solidFill>
@@ -14849,7 +14604,7 @@
               <a:t>	</a:t>
             </a:r>
             <a:r>
-              <a:rPr lang="nb-NO" dirty="0" err="1">
+              <a:rPr lang="nb-NO" dirty="0">
                 <a:solidFill>
                   <a:srgbClr val="C44026"/>
                 </a:solidFill>
@@ -14939,7 +14694,7 @@
               <a:t> </a:t>
             </a:r>
             <a:r>
-              <a:rPr lang="nb-NO" dirty="0" err="1">
+              <a:rPr lang="nb-NO" dirty="0">
                 <a:solidFill>
                   <a:srgbClr val="9751CB"/>
                 </a:solidFill>
@@ -15313,7 +15068,7 @@
 </file>
 
 <file path=ppt/slides/slide20.xml><?xml version="1.0" encoding="utf-8"?>
-<p:sld xmlns:a="http://schemas.openxmlformats.org/drawingml/2006/main" xmlns:r="http://schemas.openxmlformats.org/officeDocument/2006/relationships" xmlns:p="http://schemas.openxmlformats.org/presentationml/2006/main">
+<p:sld xmlns:a="http://schemas.openxmlformats.org/drawingml/2006/main" xmlns:r="http://schemas.openxmlformats.org/officeDocument/2006/relationships" xmlns:p="http://schemas.openxmlformats.org/presentationml/2006/main" show="0">
   <p:cSld>
     <p:spTree>
       <p:nvGrpSpPr>
@@ -15403,22 +15158,13 @@
               <a:buNone/>
             </a:pPr>
             <a:r>
-              <a:rPr lang="nb-NO" dirty="0" err="1">
-                <a:solidFill>
-                  <a:srgbClr val="C44026"/>
-                </a:solidFill>
-                <a:latin typeface="Consolas" panose="020B0609020204030204" pitchFamily="49" charset="0"/>
-              </a:rPr>
-              <a:t>print</a:t>
-            </a:r>
-            <a:r>
               <a:rPr lang="nb-NO" dirty="0">
                 <a:solidFill>
                   <a:srgbClr val="C44026"/>
                 </a:solidFill>
                 <a:latin typeface="Consolas" panose="020B0609020204030204" pitchFamily="49" charset="0"/>
               </a:rPr>
-              <a:t>(test)</a:t>
+              <a:t>print(test)</a:t>
             </a:r>
             <a:endParaRPr lang="nb-NO" dirty="0"/>
           </a:p>
@@ -15582,7 +15328,7 @@
               <a:rPr lang="nb-NO" sz="3200" dirty="0">
                 <a:latin typeface="Consolas" panose="020B0609020204030204" pitchFamily="49" charset="0"/>
               </a:rPr>
-              <a:t>Til hver oppgave har vi valgt ut én eller to konsept som du skal bli kjent med. Klikk på lenken i oppgaven mer informasjon om hvordan den fungerer.</a:t>
+              <a:t>Til hver oppgave har vi valgt ut ett eller to konsept som du skal bli kjent med. Klikk på lenken i oppgaven mer informasjon om hvordan den fungerer.</a:t>
             </a:r>
           </a:p>
           <a:p>
@@ -15879,19 +15625,7 @@
               <a:rPr lang="nb-NO" dirty="0">
                 <a:latin typeface="Consolas" panose="020B0609020204030204" pitchFamily="49" charset="0"/>
               </a:rPr>
-              <a:t> </a:t>
-            </a:r>
-            <a:r>
-              <a:rPr lang="nb-NO" dirty="0" err="1">
-                <a:latin typeface="Consolas" panose="020B0609020204030204" pitchFamily="49" charset="0"/>
-              </a:rPr>
-              <a:t>print</a:t>
-            </a:r>
-            <a:r>
-              <a:rPr lang="nb-NO" dirty="0">
-                <a:latin typeface="Consolas" panose="020B0609020204030204" pitchFamily="49" charset="0"/>
-              </a:rPr>
-              <a:t>()</a:t>
+              <a:t> print()</a:t>
             </a:r>
           </a:p>
           <a:p>
@@ -17660,16 +17394,10 @@
               <a:buNone/>
             </a:pPr>
             <a:r>
-              <a:rPr lang="nb-NO" dirty="0" err="1">
-                <a:latin typeface="Consolas" panose="020B0609020204030204" pitchFamily="49" charset="0"/>
-              </a:rPr>
-              <a:t>while</a:t>
-            </a:r>
-            <a:r>
               <a:rPr lang="nb-NO" dirty="0">
                 <a:latin typeface="Consolas" panose="020B0609020204030204" pitchFamily="49" charset="0"/>
               </a:rPr>
-              <a:t> rundenummer &lt;= 10: </a:t>
+              <a:t>while rundenummer &lt;= 10: </a:t>
             </a:r>
             <a:r>
               <a:rPr lang="nb-NO" sz="2600" dirty="0">
@@ -17690,28 +17418,10 @@
               <a:t>	</a:t>
             </a:r>
             <a:r>
-              <a:rPr lang="nb-NO" dirty="0" err="1">
-                <a:latin typeface="Consolas" panose="020B0609020204030204" pitchFamily="49" charset="0"/>
-              </a:rPr>
-              <a:t>if</a:t>
-            </a:r>
-            <a:r>
               <a:rPr lang="nb-NO" dirty="0">
                 <a:latin typeface="Consolas" panose="020B0609020204030204" pitchFamily="49" charset="0"/>
               </a:rPr>
-              <a:t> </a:t>
-            </a:r>
-            <a:r>
-              <a:rPr lang="nb-NO" dirty="0" err="1">
-                <a:latin typeface="Consolas" panose="020B0609020204030204" pitchFamily="49" charset="0"/>
-              </a:rPr>
-              <a:t>ErDeleligMedTo</a:t>
-            </a:r>
-            <a:r>
-              <a:rPr lang="nb-NO" dirty="0">
-                <a:latin typeface="Consolas" panose="020B0609020204030204" pitchFamily="49" charset="0"/>
-              </a:rPr>
-              <a:t>(rundenummer): </a:t>
+              <a:t>if ErDeleligMedTo(rundenummer): </a:t>
             </a:r>
             <a:r>
               <a:rPr lang="nb-NO" sz="2600" dirty="0">
@@ -17737,16 +17447,10 @@
               <a:t>	</a:t>
             </a:r>
             <a:r>
-              <a:rPr lang="nb-NO" sz="2800" dirty="0" err="1">
-                <a:latin typeface="Consolas" panose="020B0609020204030204" pitchFamily="49" charset="0"/>
-              </a:rPr>
-              <a:t>print</a:t>
-            </a:r>
-            <a:r>
               <a:rPr lang="nb-NO" sz="2800" dirty="0">
                 <a:latin typeface="Consolas" panose="020B0609020204030204" pitchFamily="49" charset="0"/>
               </a:rPr>
-              <a:t>("FIZZ")</a:t>
+              <a:t>print("FIZZ")</a:t>
             </a:r>
             <a:endParaRPr lang="nb-NO" dirty="0">
               <a:latin typeface="Consolas" panose="020B0609020204030204" pitchFamily="49" charset="0"/>
@@ -17761,28 +17465,41 @@
               <a:t>	</a:t>
             </a:r>
             <a:r>
-              <a:rPr lang="nb-NO" dirty="0" err="1">
-                <a:latin typeface="Consolas" panose="020B0609020204030204" pitchFamily="49" charset="0"/>
-              </a:rPr>
-              <a:t>if</a:t>
-            </a:r>
-            <a:r>
               <a:rPr lang="nb-NO" dirty="0">
                 <a:latin typeface="Consolas" panose="020B0609020204030204" pitchFamily="49" charset="0"/>
               </a:rPr>
-              <a:t> </a:t>
-            </a:r>
-            <a:r>
-              <a:rPr lang="nb-NO" dirty="0" err="1">
+              <a:t>if ErDeleligMedTre(rundenummer): </a:t>
+            </a:r>
+            <a:endParaRPr lang="nb-NO" dirty="0"/>
+          </a:p>
+          <a:p>
+            <a:pPr marL="914400" lvl="2" indent="0">
+              <a:buNone/>
+            </a:pPr>
+            <a:r>
+              <a:rPr lang="nb-NO" dirty="0"/>
+              <a:t>	</a:t>
+            </a:r>
+            <a:r>
+              <a:rPr lang="nb-NO" sz="2800" dirty="0">
                 <a:latin typeface="Consolas" panose="020B0609020204030204" pitchFamily="49" charset="0"/>
               </a:rPr>
-              <a:t>ErDeleligMedTre</a:t>
+              <a:t>print("BUZZ")</a:t>
+            </a:r>
+          </a:p>
+          <a:p>
+            <a:pPr marL="0" indent="0">
+              <a:buNone/>
+            </a:pPr>
+            <a:r>
+              <a:rPr lang="nb-NO" dirty="0"/>
+              <a:t>	</a:t>
             </a:r>
             <a:r>
               <a:rPr lang="nb-NO" dirty="0">
                 <a:latin typeface="Consolas" panose="020B0609020204030204" pitchFamily="49" charset="0"/>
               </a:rPr>
-              <a:t>(rundenummer): </a:t>
+              <a:t>if ErDeleligMedToOgTre(rundenummer): </a:t>
             </a:r>
             <a:endParaRPr lang="nb-NO" dirty="0"/>
           </a:p>
@@ -17793,18 +17510,12 @@
             <a:r>
               <a:rPr lang="nb-NO" dirty="0"/>
               <a:t>	</a:t>
-            </a:r>
-            <a:r>
-              <a:rPr lang="nb-NO" sz="2800" dirty="0" err="1">
-                <a:latin typeface="Consolas" panose="020B0609020204030204" pitchFamily="49" charset="0"/>
-              </a:rPr>
-              <a:t>print</a:t>
             </a:r>
             <a:r>
               <a:rPr lang="nb-NO" sz="2800" dirty="0">
                 <a:latin typeface="Consolas" panose="020B0609020204030204" pitchFamily="49" charset="0"/>
               </a:rPr>
-              <a:t>("BUZZ")</a:t>
+              <a:t>print("FIZZBUZZ")</a:t>
             </a:r>
           </a:p>
           <a:p>
@@ -17814,94 +17525,27 @@
             <a:r>
               <a:rPr lang="nb-NO" dirty="0"/>
               <a:t>	</a:t>
-            </a:r>
-            <a:r>
-              <a:rPr lang="nb-NO" dirty="0" err="1">
-                <a:latin typeface="Consolas" panose="020B0609020204030204" pitchFamily="49" charset="0"/>
-              </a:rPr>
-              <a:t>if</a:t>
             </a:r>
             <a:r>
               <a:rPr lang="nb-NO" dirty="0">
                 <a:latin typeface="Consolas" panose="020B0609020204030204" pitchFamily="49" charset="0"/>
               </a:rPr>
-              <a:t> </a:t>
-            </a:r>
-            <a:r>
-              <a:rPr lang="nb-NO" dirty="0" err="1">
-                <a:latin typeface="Consolas" panose="020B0609020204030204" pitchFamily="49" charset="0"/>
-              </a:rPr>
-              <a:t>ErDeleligMedToOgTre</a:t>
-            </a:r>
-            <a:r>
-              <a:rPr lang="nb-NO" dirty="0">
-                <a:latin typeface="Consolas" panose="020B0609020204030204" pitchFamily="49" charset="0"/>
-              </a:rPr>
-              <a:t>(rundenummer): </a:t>
-            </a:r>
-            <a:endParaRPr lang="nb-NO" dirty="0"/>
-          </a:p>
-          <a:p>
-            <a:pPr marL="914400" lvl="2" indent="0">
+              <a:t>else:</a:t>
+            </a:r>
+          </a:p>
+          <a:p>
+            <a:pPr marL="0" indent="0">
               <a:buNone/>
             </a:pPr>
             <a:r>
               <a:rPr lang="nb-NO" dirty="0"/>
-              <a:t>	</a:t>
-            </a:r>
-            <a:r>
-              <a:rPr lang="nb-NO" sz="2800" dirty="0" err="1">
-                <a:latin typeface="Consolas" panose="020B0609020204030204" pitchFamily="49" charset="0"/>
-              </a:rPr>
-              <a:t>print</a:t>
+              <a:t>		</a:t>
             </a:r>
             <a:r>
               <a:rPr lang="nb-NO" sz="2800" dirty="0">
                 <a:latin typeface="Consolas" panose="020B0609020204030204" pitchFamily="49" charset="0"/>
               </a:rPr>
-              <a:t>("FIZZBUZZ")</a:t>
-            </a:r>
-          </a:p>
-          <a:p>
-            <a:pPr marL="0" indent="0">
-              <a:buNone/>
-            </a:pPr>
-            <a:r>
-              <a:rPr lang="nb-NO" dirty="0"/>
-              <a:t>	</a:t>
-            </a:r>
-            <a:r>
-              <a:rPr lang="nb-NO" dirty="0" err="1">
-                <a:latin typeface="Consolas" panose="020B0609020204030204" pitchFamily="49" charset="0"/>
-              </a:rPr>
-              <a:t>else</a:t>
-            </a:r>
-            <a:r>
-              <a:rPr lang="nb-NO" dirty="0">
-                <a:latin typeface="Consolas" panose="020B0609020204030204" pitchFamily="49" charset="0"/>
-              </a:rPr>
-              <a:t>:</a:t>
-            </a:r>
-          </a:p>
-          <a:p>
-            <a:pPr marL="0" indent="0">
-              <a:buNone/>
-            </a:pPr>
-            <a:r>
-              <a:rPr lang="nb-NO" dirty="0"/>
-              <a:t>		</a:t>
-            </a:r>
-            <a:r>
-              <a:rPr lang="nb-NO" sz="2800" dirty="0" err="1">
-                <a:latin typeface="Consolas" panose="020B0609020204030204" pitchFamily="49" charset="0"/>
-              </a:rPr>
-              <a:t>print</a:t>
-            </a:r>
-            <a:r>
-              <a:rPr lang="nb-NO" sz="2800" dirty="0">
-                <a:latin typeface="Consolas" panose="020B0609020204030204" pitchFamily="49" charset="0"/>
-              </a:rPr>
-              <a:t>("rundenummer")</a:t>
+              <a:t>print("rundenummer")</a:t>
             </a:r>
           </a:p>
           <a:p>
@@ -20086,21 +19730,6 @@
 </file>
 
 <file path=customXml/item1.xml><?xml version="1.0" encoding="utf-8"?>
-<p:properties xmlns:p="http://schemas.microsoft.com/office/2006/metadata/properties" xmlns:xsi="http://www.w3.org/2001/XMLSchema-instance" xmlns:pc="http://schemas.microsoft.com/office/infopath/2007/PartnerControls">
-  <documentManagement/>
-</p:properties>
-</file>
-
-<file path=customXml/item2.xml><?xml version="1.0" encoding="utf-8"?>
-<?mso-contentType ?>
-<FormTemplates xmlns="http://schemas.microsoft.com/sharepoint/v3/contenttype/forms">
-  <Display>DocumentLibraryForm</Display>
-  <Edit>DocumentLibraryForm</Edit>
-  <New>DocumentLibraryForm</New>
-</FormTemplates>
-</file>
-
-<file path=customXml/item3.xml><?xml version="1.0" encoding="utf-8"?>
 <ct:contentTypeSchema xmlns:ct="http://schemas.microsoft.com/office/2006/metadata/contentType" xmlns:ma="http://schemas.microsoft.com/office/2006/metadata/properties/metaAttributes" ct:_="" ma:_="" ma:contentTypeName="Document" ma:contentTypeID="0x01010016C8866D03E34B48841686518579C82E" ma:contentTypeVersion="9" ma:contentTypeDescription="Create a new document." ma:contentTypeScope="" ma:versionID="fdc90dfaa38f62fbf710a40f032d942a">
   <xsd:schema xmlns:xsd="http://www.w3.org/2001/XMLSchema" xmlns:xs="http://www.w3.org/2001/XMLSchema" xmlns:p="http://schemas.microsoft.com/office/2006/metadata/properties" xmlns:ns3="d6825be3-6367-44d3-85f5-b39c113bb9e2" xmlns:ns4="fc4421ab-83fb-4986-8788-82ed978005be" targetNamespace="http://schemas.microsoft.com/office/2006/metadata/properties" ma:root="true" ma:fieldsID="23bf39b307e2c9cf8ede89b1c3f8734b" ns3:_="" ns4:_="">
     <xsd:import namespace="d6825be3-6367-44d3-85f5-b39c113bb9e2"/>
@@ -20297,24 +19926,22 @@
 </ct:contentTypeSchema>
 </file>
 
-<file path=customXml/itemProps1.xml><?xml version="1.0" encoding="utf-8"?>
-<ds:datastoreItem xmlns:ds="http://schemas.openxmlformats.org/officeDocument/2006/customXml" ds:itemID="{28591F37-1B9F-40A3-900D-791619430ABD}">
-  <ds:schemaRefs>
-    <ds:schemaRef ds:uri="http://schemas.microsoft.com/office/2006/metadata/properties"/>
-    <ds:schemaRef ds:uri="http://schemas.microsoft.com/office/infopath/2007/PartnerControls"/>
-  </ds:schemaRefs>
-</ds:datastoreItem>
+<file path=customXml/item2.xml><?xml version="1.0" encoding="utf-8"?>
+<?mso-contentType ?>
+<FormTemplates xmlns="http://schemas.microsoft.com/sharepoint/v3/contenttype/forms">
+  <Display>DocumentLibraryForm</Display>
+  <Edit>DocumentLibraryForm</Edit>
+  <New>DocumentLibraryForm</New>
+</FormTemplates>
 </file>
 
-<file path=customXml/itemProps2.xml><?xml version="1.0" encoding="utf-8"?>
-<ds:datastoreItem xmlns:ds="http://schemas.openxmlformats.org/officeDocument/2006/customXml" ds:itemID="{A91E972C-1908-4138-8F23-71EEEC3AAB70}">
-  <ds:schemaRefs>
-    <ds:schemaRef ds:uri="http://schemas.microsoft.com/sharepoint/v3/contenttype/forms"/>
-  </ds:schemaRefs>
-</ds:datastoreItem>
+<file path=customXml/item3.xml><?xml version="1.0" encoding="utf-8"?>
+<p:properties xmlns:p="http://schemas.microsoft.com/office/2006/metadata/properties" xmlns:xsi="http://www.w3.org/2001/XMLSchema-instance" xmlns:pc="http://schemas.microsoft.com/office/infopath/2007/PartnerControls">
+  <documentManagement/>
+</p:properties>
 </file>
 
-<file path=customXml/itemProps3.xml><?xml version="1.0" encoding="utf-8"?>
+<file path=customXml/itemProps1.xml><?xml version="1.0" encoding="utf-8"?>
 <ds:datastoreItem xmlns:ds="http://schemas.openxmlformats.org/officeDocument/2006/customXml" ds:itemID="{EF40A0E1-43B2-4845-A4D9-24DE681333A9}">
   <ds:schemaRefs>
     <ds:schemaRef ds:uri="http://schemas.microsoft.com/office/2006/metadata/contentType"/>
@@ -20331,4 +19958,21 @@
     <ds:schemaRef ds:uri="http://schemas.microsoft.com/internal/obd"/>
   </ds:schemaRefs>
 </ds:datastoreItem>
+</file>
+
+<file path=customXml/itemProps2.xml><?xml version="1.0" encoding="utf-8"?>
+<ds:datastoreItem xmlns:ds="http://schemas.openxmlformats.org/officeDocument/2006/customXml" ds:itemID="{A91E972C-1908-4138-8F23-71EEEC3AAB70}">
+  <ds:schemaRefs>
+    <ds:schemaRef ds:uri="http://schemas.microsoft.com/sharepoint/v3/contenttype/forms"/>
+  </ds:schemaRefs>
+</ds:datastoreItem>
+</file>
+
+<file path=customXml/itemProps3.xml><?xml version="1.0" encoding="utf-8"?>
+<ds:datastoreItem xmlns:ds="http://schemas.openxmlformats.org/officeDocument/2006/customXml" ds:itemID="{28591F37-1B9F-40A3-900D-791619430ABD}">
+  <ds:schemaRefs>
+    <ds:schemaRef ds:uri="http://schemas.microsoft.com/office/2006/metadata/properties"/>
+    <ds:schemaRef ds:uri="http://schemas.microsoft.com/office/infopath/2007/PartnerControls"/>
+  </ds:schemaRefs>
+</ds:datastoreItem>
 </file>
--- a/_drafts/Oppgaver/Workshop/Workshop_2PP.pptx
+++ b/_drafts/Oppgaver/Workshop/Workshop_2PP.pptx
@@ -7,7 +7,7 @@
     <p:sldMasterId id="2147483692" r:id="rId6"/>
   </p:sldMasterIdLst>
   <p:notesMasterIdLst>
-    <p:notesMasterId r:id="rId28"/>
+    <p:notesMasterId r:id="rId21"/>
   </p:notesMasterIdLst>
   <p:sldIdLst>
     <p:sldId id="257" r:id="rId7"/>
@@ -23,14 +23,7 @@
     <p:sldId id="283" r:id="rId17"/>
     <p:sldId id="295" r:id="rId18"/>
     <p:sldId id="300" r:id="rId19"/>
-    <p:sldId id="284" r:id="rId20"/>
-    <p:sldId id="296" r:id="rId21"/>
-    <p:sldId id="297" r:id="rId22"/>
-    <p:sldId id="298" r:id="rId23"/>
-    <p:sldId id="299" r:id="rId24"/>
-    <p:sldId id="285" r:id="rId25"/>
-    <p:sldId id="301" r:id="rId26"/>
-    <p:sldId id="270" r:id="rId27"/>
+    <p:sldId id="270" r:id="rId20"/>
   </p:sldIdLst>
   <p:sldSz cx="12192000" cy="6858000"/>
   <p:notesSz cx="6858000" cy="9144000"/>
@@ -1734,8 +1727,8 @@
   </pc:docChgLst>
   <pc:docChgLst>
     <pc:chgData name="Henrik Løvik" userId="778659e2-5eca-412f-ba00-4d07a820fe1f" providerId="ADAL" clId="{CC2E105E-BB4D-42C2-B1F2-7BEBE9E9C317}"/>
-    <pc:docChg chg="modSld">
-      <pc:chgData name="Henrik Løvik" userId="778659e2-5eca-412f-ba00-4d07a820fe1f" providerId="ADAL" clId="{CC2E105E-BB4D-42C2-B1F2-7BEBE9E9C317}" dt="2020-12-02T11:40:08.957" v="5" actId="20577"/>
+    <pc:docChg chg="delSld modSld">
+      <pc:chgData name="Henrik Løvik" userId="778659e2-5eca-412f-ba00-4d07a820fe1f" providerId="ADAL" clId="{CC2E105E-BB4D-42C2-B1F2-7BEBE9E9C317}" dt="2020-12-02T11:50:51.712" v="6" actId="47"/>
       <pc:docMkLst>
         <pc:docMk/>
       </pc:docMkLst>
@@ -1754,50 +1747,50 @@
           </ac:spMkLst>
         </pc:spChg>
       </pc:sldChg>
-      <pc:sldChg chg="mod modShow">
-        <pc:chgData name="Henrik Løvik" userId="778659e2-5eca-412f-ba00-4d07a820fe1f" providerId="ADAL" clId="{CC2E105E-BB4D-42C2-B1F2-7BEBE9E9C317}" dt="2020-12-02T11:39:49.319" v="0" actId="729"/>
+      <pc:sldChg chg="del mod modShow">
+        <pc:chgData name="Henrik Løvik" userId="778659e2-5eca-412f-ba00-4d07a820fe1f" providerId="ADAL" clId="{CC2E105E-BB4D-42C2-B1F2-7BEBE9E9C317}" dt="2020-12-02T11:50:51.712" v="6" actId="47"/>
         <pc:sldMkLst>
           <pc:docMk/>
           <pc:sldMk cId="1175986555" sldId="284"/>
         </pc:sldMkLst>
       </pc:sldChg>
-      <pc:sldChg chg="mod modShow">
-        <pc:chgData name="Henrik Løvik" userId="778659e2-5eca-412f-ba00-4d07a820fe1f" providerId="ADAL" clId="{CC2E105E-BB4D-42C2-B1F2-7BEBE9E9C317}" dt="2020-12-02T11:39:49.319" v="0" actId="729"/>
+      <pc:sldChg chg="del mod modShow">
+        <pc:chgData name="Henrik Løvik" userId="778659e2-5eca-412f-ba00-4d07a820fe1f" providerId="ADAL" clId="{CC2E105E-BB4D-42C2-B1F2-7BEBE9E9C317}" dt="2020-12-02T11:50:51.712" v="6" actId="47"/>
         <pc:sldMkLst>
           <pc:docMk/>
           <pc:sldMk cId="1856889016" sldId="285"/>
         </pc:sldMkLst>
       </pc:sldChg>
-      <pc:sldChg chg="mod modShow">
-        <pc:chgData name="Henrik Løvik" userId="778659e2-5eca-412f-ba00-4d07a820fe1f" providerId="ADAL" clId="{CC2E105E-BB4D-42C2-B1F2-7BEBE9E9C317}" dt="2020-12-02T11:39:49.319" v="0" actId="729"/>
+      <pc:sldChg chg="del mod modShow">
+        <pc:chgData name="Henrik Løvik" userId="778659e2-5eca-412f-ba00-4d07a820fe1f" providerId="ADAL" clId="{CC2E105E-BB4D-42C2-B1F2-7BEBE9E9C317}" dt="2020-12-02T11:50:51.712" v="6" actId="47"/>
         <pc:sldMkLst>
           <pc:docMk/>
           <pc:sldMk cId="388221404" sldId="296"/>
         </pc:sldMkLst>
       </pc:sldChg>
-      <pc:sldChg chg="mod modShow">
-        <pc:chgData name="Henrik Løvik" userId="778659e2-5eca-412f-ba00-4d07a820fe1f" providerId="ADAL" clId="{CC2E105E-BB4D-42C2-B1F2-7BEBE9E9C317}" dt="2020-12-02T11:39:49.319" v="0" actId="729"/>
+      <pc:sldChg chg="del mod modShow">
+        <pc:chgData name="Henrik Løvik" userId="778659e2-5eca-412f-ba00-4d07a820fe1f" providerId="ADAL" clId="{CC2E105E-BB4D-42C2-B1F2-7BEBE9E9C317}" dt="2020-12-02T11:50:51.712" v="6" actId="47"/>
         <pc:sldMkLst>
           <pc:docMk/>
           <pc:sldMk cId="2287785116" sldId="297"/>
         </pc:sldMkLst>
       </pc:sldChg>
-      <pc:sldChg chg="mod modShow">
-        <pc:chgData name="Henrik Løvik" userId="778659e2-5eca-412f-ba00-4d07a820fe1f" providerId="ADAL" clId="{CC2E105E-BB4D-42C2-B1F2-7BEBE9E9C317}" dt="2020-12-02T11:39:49.319" v="0" actId="729"/>
+      <pc:sldChg chg="del mod modShow">
+        <pc:chgData name="Henrik Løvik" userId="778659e2-5eca-412f-ba00-4d07a820fe1f" providerId="ADAL" clId="{CC2E105E-BB4D-42C2-B1F2-7BEBE9E9C317}" dt="2020-12-02T11:50:51.712" v="6" actId="47"/>
         <pc:sldMkLst>
           <pc:docMk/>
           <pc:sldMk cId="4265240899" sldId="298"/>
         </pc:sldMkLst>
       </pc:sldChg>
-      <pc:sldChg chg="mod modShow">
-        <pc:chgData name="Henrik Løvik" userId="778659e2-5eca-412f-ba00-4d07a820fe1f" providerId="ADAL" clId="{CC2E105E-BB4D-42C2-B1F2-7BEBE9E9C317}" dt="2020-12-02T11:39:49.319" v="0" actId="729"/>
+      <pc:sldChg chg="del mod modShow">
+        <pc:chgData name="Henrik Løvik" userId="778659e2-5eca-412f-ba00-4d07a820fe1f" providerId="ADAL" clId="{CC2E105E-BB4D-42C2-B1F2-7BEBE9E9C317}" dt="2020-12-02T11:50:51.712" v="6" actId="47"/>
         <pc:sldMkLst>
           <pc:docMk/>
           <pc:sldMk cId="173324159" sldId="299"/>
         </pc:sldMkLst>
       </pc:sldChg>
-      <pc:sldChg chg="mod modShow">
-        <pc:chgData name="Henrik Løvik" userId="778659e2-5eca-412f-ba00-4d07a820fe1f" providerId="ADAL" clId="{CC2E105E-BB4D-42C2-B1F2-7BEBE9E9C317}" dt="2020-12-02T11:39:49.319" v="0" actId="729"/>
+      <pc:sldChg chg="del mod modShow">
+        <pc:chgData name="Henrik Løvik" userId="778659e2-5eca-412f-ba00-4d07a820fe1f" providerId="ADAL" clId="{CC2E105E-BB4D-42C2-B1F2-7BEBE9E9C317}" dt="2020-12-02T11:50:51.712" v="6" actId="47"/>
         <pc:sldMkLst>
           <pc:docMk/>
           <pc:sldMk cId="1527326233" sldId="301"/>
@@ -2304,258 +2297,6 @@
 </p:notes>
 </file>
 
-<file path=ppt/notesSlides/notesSlide10.xml><?xml version="1.0" encoding="utf-8"?>
-<p:notes xmlns:a="http://schemas.openxmlformats.org/drawingml/2006/main" xmlns:r="http://schemas.openxmlformats.org/officeDocument/2006/relationships" xmlns:p="http://schemas.openxmlformats.org/presentationml/2006/main">
-  <p:cSld>
-    <p:spTree>
-      <p:nvGrpSpPr>
-        <p:cNvPr id="1" name=""/>
-        <p:cNvGrpSpPr/>
-        <p:nvPr/>
-      </p:nvGrpSpPr>
-      <p:grpSpPr>
-        <a:xfrm>
-          <a:off x="0" y="0"/>
-          <a:ext cx="0" cy="0"/>
-          <a:chOff x="0" y="0"/>
-          <a:chExt cx="0" cy="0"/>
-        </a:xfrm>
-      </p:grpSpPr>
-      <p:sp>
-        <p:nvSpPr>
-          <p:cNvPr id="2" name="Plassholder for lysbilde 1"/>
-          <p:cNvSpPr>
-            <a:spLocks noGrp="1" noRot="1" noChangeAspect="1"/>
-          </p:cNvSpPr>
-          <p:nvPr>
-            <p:ph type="sldImg"/>
-          </p:nvPr>
-        </p:nvSpPr>
-        <p:spPr/>
-      </p:sp>
-      <p:sp>
-        <p:nvSpPr>
-          <p:cNvPr id="3" name="Plassholder for notater 2"/>
-          <p:cNvSpPr>
-            <a:spLocks noGrp="1"/>
-          </p:cNvSpPr>
-          <p:nvPr>
-            <p:ph type="body" idx="1"/>
-          </p:nvPr>
-        </p:nvSpPr>
-        <p:spPr/>
-        <p:txBody>
-          <a:bodyPr/>
-          <a:lstStyle/>
-          <a:p>
-            <a:endParaRPr lang="nb-NO" dirty="0"/>
-          </a:p>
-        </p:txBody>
-      </p:sp>
-      <p:sp>
-        <p:nvSpPr>
-          <p:cNvPr id="4" name="Plassholder for lysbildenummer 3"/>
-          <p:cNvSpPr>
-            <a:spLocks noGrp="1"/>
-          </p:cNvSpPr>
-          <p:nvPr>
-            <p:ph type="sldNum" sz="quarter" idx="5"/>
-          </p:nvPr>
-        </p:nvSpPr>
-        <p:spPr/>
-        <p:txBody>
-          <a:bodyPr/>
-          <a:lstStyle/>
-          <a:p>
-            <a:fld id="{D95B9550-F2AC-4E79-AFA1-DC160CE0C43D}" type="slidenum">
-              <a:rPr lang="nb-NO" smtClean="0"/>
-              <a:t>18</a:t>
-            </a:fld>
-            <a:endParaRPr lang="nb-NO"/>
-          </a:p>
-        </p:txBody>
-      </p:sp>
-    </p:spTree>
-    <p:extLst>
-      <p:ext uri="{BB962C8B-B14F-4D97-AF65-F5344CB8AC3E}">
-        <p14:creationId xmlns:p14="http://schemas.microsoft.com/office/powerpoint/2010/main" val="3382854026"/>
-      </p:ext>
-    </p:extLst>
-  </p:cSld>
-  <p:clrMapOvr>
-    <a:masterClrMapping/>
-  </p:clrMapOvr>
-</p:notes>
-</file>
-
-<file path=ppt/notesSlides/notesSlide11.xml><?xml version="1.0" encoding="utf-8"?>
-<p:notes xmlns:a="http://schemas.openxmlformats.org/drawingml/2006/main" xmlns:r="http://schemas.openxmlformats.org/officeDocument/2006/relationships" xmlns:p="http://schemas.openxmlformats.org/presentationml/2006/main">
-  <p:cSld>
-    <p:spTree>
-      <p:nvGrpSpPr>
-        <p:cNvPr id="1" name=""/>
-        <p:cNvGrpSpPr/>
-        <p:nvPr/>
-      </p:nvGrpSpPr>
-      <p:grpSpPr>
-        <a:xfrm>
-          <a:off x="0" y="0"/>
-          <a:ext cx="0" cy="0"/>
-          <a:chOff x="0" y="0"/>
-          <a:chExt cx="0" cy="0"/>
-        </a:xfrm>
-      </p:grpSpPr>
-      <p:sp>
-        <p:nvSpPr>
-          <p:cNvPr id="2" name="Plassholder for lysbilde 1"/>
-          <p:cNvSpPr>
-            <a:spLocks noGrp="1" noRot="1" noChangeAspect="1"/>
-          </p:cNvSpPr>
-          <p:nvPr>
-            <p:ph type="sldImg"/>
-          </p:nvPr>
-        </p:nvSpPr>
-        <p:spPr/>
-      </p:sp>
-      <p:sp>
-        <p:nvSpPr>
-          <p:cNvPr id="3" name="Plassholder for notater 2"/>
-          <p:cNvSpPr>
-            <a:spLocks noGrp="1"/>
-          </p:cNvSpPr>
-          <p:nvPr>
-            <p:ph type="body" idx="1"/>
-          </p:nvPr>
-        </p:nvSpPr>
-        <p:spPr/>
-        <p:txBody>
-          <a:bodyPr/>
-          <a:lstStyle/>
-          <a:p>
-            <a:endParaRPr lang="nb-NO" dirty="0"/>
-          </a:p>
-        </p:txBody>
-      </p:sp>
-      <p:sp>
-        <p:nvSpPr>
-          <p:cNvPr id="4" name="Plassholder for lysbildenummer 3"/>
-          <p:cNvSpPr>
-            <a:spLocks noGrp="1"/>
-          </p:cNvSpPr>
-          <p:nvPr>
-            <p:ph type="sldNum" sz="quarter" idx="5"/>
-          </p:nvPr>
-        </p:nvSpPr>
-        <p:spPr/>
-        <p:txBody>
-          <a:bodyPr/>
-          <a:lstStyle/>
-          <a:p>
-            <a:fld id="{D95B9550-F2AC-4E79-AFA1-DC160CE0C43D}" type="slidenum">
-              <a:rPr lang="nb-NO" smtClean="0"/>
-              <a:t>19</a:t>
-            </a:fld>
-            <a:endParaRPr lang="nb-NO"/>
-          </a:p>
-        </p:txBody>
-      </p:sp>
-    </p:spTree>
-    <p:extLst>
-      <p:ext uri="{BB962C8B-B14F-4D97-AF65-F5344CB8AC3E}">
-        <p14:creationId xmlns:p14="http://schemas.microsoft.com/office/powerpoint/2010/main" val="1708859480"/>
-      </p:ext>
-    </p:extLst>
-  </p:cSld>
-  <p:clrMapOvr>
-    <a:masterClrMapping/>
-  </p:clrMapOvr>
-</p:notes>
-</file>
-
-<file path=ppt/notesSlides/notesSlide12.xml><?xml version="1.0" encoding="utf-8"?>
-<p:notes xmlns:a="http://schemas.openxmlformats.org/drawingml/2006/main" xmlns:r="http://schemas.openxmlformats.org/officeDocument/2006/relationships" xmlns:p="http://schemas.openxmlformats.org/presentationml/2006/main">
-  <p:cSld>
-    <p:spTree>
-      <p:nvGrpSpPr>
-        <p:cNvPr id="1" name=""/>
-        <p:cNvGrpSpPr/>
-        <p:nvPr/>
-      </p:nvGrpSpPr>
-      <p:grpSpPr>
-        <a:xfrm>
-          <a:off x="0" y="0"/>
-          <a:ext cx="0" cy="0"/>
-          <a:chOff x="0" y="0"/>
-          <a:chExt cx="0" cy="0"/>
-        </a:xfrm>
-      </p:grpSpPr>
-      <p:sp>
-        <p:nvSpPr>
-          <p:cNvPr id="2" name="Plassholder for lysbilde 1"/>
-          <p:cNvSpPr>
-            <a:spLocks noGrp="1" noRot="1" noChangeAspect="1"/>
-          </p:cNvSpPr>
-          <p:nvPr>
-            <p:ph type="sldImg"/>
-          </p:nvPr>
-        </p:nvSpPr>
-        <p:spPr/>
-      </p:sp>
-      <p:sp>
-        <p:nvSpPr>
-          <p:cNvPr id="3" name="Plassholder for notater 2"/>
-          <p:cNvSpPr>
-            <a:spLocks noGrp="1"/>
-          </p:cNvSpPr>
-          <p:nvPr>
-            <p:ph type="body" idx="1"/>
-          </p:nvPr>
-        </p:nvSpPr>
-        <p:spPr/>
-        <p:txBody>
-          <a:bodyPr/>
-          <a:lstStyle/>
-          <a:p>
-            <a:endParaRPr lang="nb-NO" dirty="0"/>
-          </a:p>
-        </p:txBody>
-      </p:sp>
-      <p:sp>
-        <p:nvSpPr>
-          <p:cNvPr id="4" name="Plassholder for lysbildenummer 3"/>
-          <p:cNvSpPr>
-            <a:spLocks noGrp="1"/>
-          </p:cNvSpPr>
-          <p:nvPr>
-            <p:ph type="sldNum" sz="quarter" idx="5"/>
-          </p:nvPr>
-        </p:nvSpPr>
-        <p:spPr/>
-        <p:txBody>
-          <a:bodyPr/>
-          <a:lstStyle/>
-          <a:p>
-            <a:fld id="{D95B9550-F2AC-4E79-AFA1-DC160CE0C43D}" type="slidenum">
-              <a:rPr lang="nb-NO" smtClean="0"/>
-              <a:t>20</a:t>
-            </a:fld>
-            <a:endParaRPr lang="nb-NO"/>
-          </a:p>
-        </p:txBody>
-      </p:sp>
-    </p:spTree>
-    <p:extLst>
-      <p:ext uri="{BB962C8B-B14F-4D97-AF65-F5344CB8AC3E}">
-        <p14:creationId xmlns:p14="http://schemas.microsoft.com/office/powerpoint/2010/main" val="622778024"/>
-      </p:ext>
-    </p:extLst>
-  </p:cSld>
-  <p:clrMapOvr>
-    <a:masterClrMapping/>
-  </p:clrMapOvr>
-</p:notes>
-</file>
-
 <file path=ppt/notesSlides/notesSlide2.xml><?xml version="1.0" encoding="utf-8"?>
 <p:notes xmlns:a="http://schemas.openxmlformats.org/drawingml/2006/main" xmlns:r="http://schemas.openxmlformats.org/officeDocument/2006/relationships" xmlns:p="http://schemas.openxmlformats.org/presentationml/2006/main">
   <p:cSld>
@@ -2883,342 +2624,6 @@
     <p:extLst>
       <p:ext uri="{BB962C8B-B14F-4D97-AF65-F5344CB8AC3E}">
         <p14:creationId xmlns:p14="http://schemas.microsoft.com/office/powerpoint/2010/main" val="3588242282"/>
-      </p:ext>
-    </p:extLst>
-  </p:cSld>
-  <p:clrMapOvr>
-    <a:masterClrMapping/>
-  </p:clrMapOvr>
-</p:notes>
-</file>
-
-<file path=ppt/notesSlides/notesSlide6.xml><?xml version="1.0" encoding="utf-8"?>
-<p:notes xmlns:a="http://schemas.openxmlformats.org/drawingml/2006/main" xmlns:r="http://schemas.openxmlformats.org/officeDocument/2006/relationships" xmlns:p="http://schemas.openxmlformats.org/presentationml/2006/main">
-  <p:cSld>
-    <p:spTree>
-      <p:nvGrpSpPr>
-        <p:cNvPr id="1" name=""/>
-        <p:cNvGrpSpPr/>
-        <p:nvPr/>
-      </p:nvGrpSpPr>
-      <p:grpSpPr>
-        <a:xfrm>
-          <a:off x="0" y="0"/>
-          <a:ext cx="0" cy="0"/>
-          <a:chOff x="0" y="0"/>
-          <a:chExt cx="0" cy="0"/>
-        </a:xfrm>
-      </p:grpSpPr>
-      <p:sp>
-        <p:nvSpPr>
-          <p:cNvPr id="2" name="Plassholder for lysbilde 1"/>
-          <p:cNvSpPr>
-            <a:spLocks noGrp="1" noRot="1" noChangeAspect="1"/>
-          </p:cNvSpPr>
-          <p:nvPr>
-            <p:ph type="sldImg"/>
-          </p:nvPr>
-        </p:nvSpPr>
-        <p:spPr/>
-      </p:sp>
-      <p:sp>
-        <p:nvSpPr>
-          <p:cNvPr id="3" name="Plassholder for notater 2"/>
-          <p:cNvSpPr>
-            <a:spLocks noGrp="1"/>
-          </p:cNvSpPr>
-          <p:nvPr>
-            <p:ph type="body" idx="1"/>
-          </p:nvPr>
-        </p:nvSpPr>
-        <p:spPr/>
-        <p:txBody>
-          <a:bodyPr/>
-          <a:lstStyle/>
-          <a:p>
-            <a:endParaRPr lang="nb-NO" dirty="0"/>
-          </a:p>
-        </p:txBody>
-      </p:sp>
-      <p:sp>
-        <p:nvSpPr>
-          <p:cNvPr id="4" name="Plassholder for lysbildenummer 3"/>
-          <p:cNvSpPr>
-            <a:spLocks noGrp="1"/>
-          </p:cNvSpPr>
-          <p:nvPr>
-            <p:ph type="sldNum" sz="quarter" idx="5"/>
-          </p:nvPr>
-        </p:nvSpPr>
-        <p:spPr/>
-        <p:txBody>
-          <a:bodyPr/>
-          <a:lstStyle/>
-          <a:p>
-            <a:fld id="{D95B9550-F2AC-4E79-AFA1-DC160CE0C43D}" type="slidenum">
-              <a:rPr lang="nb-NO" smtClean="0"/>
-              <a:t>14</a:t>
-            </a:fld>
-            <a:endParaRPr lang="nb-NO"/>
-          </a:p>
-        </p:txBody>
-      </p:sp>
-    </p:spTree>
-    <p:extLst>
-      <p:ext uri="{BB962C8B-B14F-4D97-AF65-F5344CB8AC3E}">
-        <p14:creationId xmlns:p14="http://schemas.microsoft.com/office/powerpoint/2010/main" val="2749309268"/>
-      </p:ext>
-    </p:extLst>
-  </p:cSld>
-  <p:clrMapOvr>
-    <a:masterClrMapping/>
-  </p:clrMapOvr>
-</p:notes>
-</file>
-
-<file path=ppt/notesSlides/notesSlide7.xml><?xml version="1.0" encoding="utf-8"?>
-<p:notes xmlns:a="http://schemas.openxmlformats.org/drawingml/2006/main" xmlns:r="http://schemas.openxmlformats.org/officeDocument/2006/relationships" xmlns:p="http://schemas.openxmlformats.org/presentationml/2006/main">
-  <p:cSld>
-    <p:spTree>
-      <p:nvGrpSpPr>
-        <p:cNvPr id="1" name=""/>
-        <p:cNvGrpSpPr/>
-        <p:nvPr/>
-      </p:nvGrpSpPr>
-      <p:grpSpPr>
-        <a:xfrm>
-          <a:off x="0" y="0"/>
-          <a:ext cx="0" cy="0"/>
-          <a:chOff x="0" y="0"/>
-          <a:chExt cx="0" cy="0"/>
-        </a:xfrm>
-      </p:grpSpPr>
-      <p:sp>
-        <p:nvSpPr>
-          <p:cNvPr id="2" name="Plassholder for lysbilde 1"/>
-          <p:cNvSpPr>
-            <a:spLocks noGrp="1" noRot="1" noChangeAspect="1"/>
-          </p:cNvSpPr>
-          <p:nvPr>
-            <p:ph type="sldImg"/>
-          </p:nvPr>
-        </p:nvSpPr>
-        <p:spPr/>
-      </p:sp>
-      <p:sp>
-        <p:nvSpPr>
-          <p:cNvPr id="3" name="Plassholder for notater 2"/>
-          <p:cNvSpPr>
-            <a:spLocks noGrp="1"/>
-          </p:cNvSpPr>
-          <p:nvPr>
-            <p:ph type="body" idx="1"/>
-          </p:nvPr>
-        </p:nvSpPr>
-        <p:spPr/>
-        <p:txBody>
-          <a:bodyPr/>
-          <a:lstStyle/>
-          <a:p>
-            <a:endParaRPr lang="nb-NO" dirty="0"/>
-          </a:p>
-        </p:txBody>
-      </p:sp>
-      <p:sp>
-        <p:nvSpPr>
-          <p:cNvPr id="4" name="Plassholder for lysbildenummer 3"/>
-          <p:cNvSpPr>
-            <a:spLocks noGrp="1"/>
-          </p:cNvSpPr>
-          <p:nvPr>
-            <p:ph type="sldNum" sz="quarter" idx="5"/>
-          </p:nvPr>
-        </p:nvSpPr>
-        <p:spPr/>
-        <p:txBody>
-          <a:bodyPr/>
-          <a:lstStyle/>
-          <a:p>
-            <a:fld id="{D95B9550-F2AC-4E79-AFA1-DC160CE0C43D}" type="slidenum">
-              <a:rPr lang="nb-NO" smtClean="0"/>
-              <a:t>15</a:t>
-            </a:fld>
-            <a:endParaRPr lang="nb-NO"/>
-          </a:p>
-        </p:txBody>
-      </p:sp>
-    </p:spTree>
-    <p:extLst>
-      <p:ext uri="{BB962C8B-B14F-4D97-AF65-F5344CB8AC3E}">
-        <p14:creationId xmlns:p14="http://schemas.microsoft.com/office/powerpoint/2010/main" val="691445521"/>
-      </p:ext>
-    </p:extLst>
-  </p:cSld>
-  <p:clrMapOvr>
-    <a:masterClrMapping/>
-  </p:clrMapOvr>
-</p:notes>
-</file>
-
-<file path=ppt/notesSlides/notesSlide8.xml><?xml version="1.0" encoding="utf-8"?>
-<p:notes xmlns:a="http://schemas.openxmlformats.org/drawingml/2006/main" xmlns:r="http://schemas.openxmlformats.org/officeDocument/2006/relationships" xmlns:p="http://schemas.openxmlformats.org/presentationml/2006/main">
-  <p:cSld>
-    <p:spTree>
-      <p:nvGrpSpPr>
-        <p:cNvPr id="1" name=""/>
-        <p:cNvGrpSpPr/>
-        <p:nvPr/>
-      </p:nvGrpSpPr>
-      <p:grpSpPr>
-        <a:xfrm>
-          <a:off x="0" y="0"/>
-          <a:ext cx="0" cy="0"/>
-          <a:chOff x="0" y="0"/>
-          <a:chExt cx="0" cy="0"/>
-        </a:xfrm>
-      </p:grpSpPr>
-      <p:sp>
-        <p:nvSpPr>
-          <p:cNvPr id="2" name="Plassholder for lysbilde 1"/>
-          <p:cNvSpPr>
-            <a:spLocks noGrp="1" noRot="1" noChangeAspect="1"/>
-          </p:cNvSpPr>
-          <p:nvPr>
-            <p:ph type="sldImg"/>
-          </p:nvPr>
-        </p:nvSpPr>
-        <p:spPr/>
-      </p:sp>
-      <p:sp>
-        <p:nvSpPr>
-          <p:cNvPr id="3" name="Plassholder for notater 2"/>
-          <p:cNvSpPr>
-            <a:spLocks noGrp="1"/>
-          </p:cNvSpPr>
-          <p:nvPr>
-            <p:ph type="body" idx="1"/>
-          </p:nvPr>
-        </p:nvSpPr>
-        <p:spPr/>
-        <p:txBody>
-          <a:bodyPr/>
-          <a:lstStyle/>
-          <a:p>
-            <a:endParaRPr lang="nb-NO" dirty="0"/>
-          </a:p>
-        </p:txBody>
-      </p:sp>
-      <p:sp>
-        <p:nvSpPr>
-          <p:cNvPr id="4" name="Plassholder for lysbildenummer 3"/>
-          <p:cNvSpPr>
-            <a:spLocks noGrp="1"/>
-          </p:cNvSpPr>
-          <p:nvPr>
-            <p:ph type="sldNum" sz="quarter" idx="5"/>
-          </p:nvPr>
-        </p:nvSpPr>
-        <p:spPr/>
-        <p:txBody>
-          <a:bodyPr/>
-          <a:lstStyle/>
-          <a:p>
-            <a:fld id="{D95B9550-F2AC-4E79-AFA1-DC160CE0C43D}" type="slidenum">
-              <a:rPr lang="nb-NO" smtClean="0"/>
-              <a:t>16</a:t>
-            </a:fld>
-            <a:endParaRPr lang="nb-NO"/>
-          </a:p>
-        </p:txBody>
-      </p:sp>
-    </p:spTree>
-    <p:extLst>
-      <p:ext uri="{BB962C8B-B14F-4D97-AF65-F5344CB8AC3E}">
-        <p14:creationId xmlns:p14="http://schemas.microsoft.com/office/powerpoint/2010/main" val="444607585"/>
-      </p:ext>
-    </p:extLst>
-  </p:cSld>
-  <p:clrMapOvr>
-    <a:masterClrMapping/>
-  </p:clrMapOvr>
-</p:notes>
-</file>
-
-<file path=ppt/notesSlides/notesSlide9.xml><?xml version="1.0" encoding="utf-8"?>
-<p:notes xmlns:a="http://schemas.openxmlformats.org/drawingml/2006/main" xmlns:r="http://schemas.openxmlformats.org/officeDocument/2006/relationships" xmlns:p="http://schemas.openxmlformats.org/presentationml/2006/main">
-  <p:cSld>
-    <p:spTree>
-      <p:nvGrpSpPr>
-        <p:cNvPr id="1" name=""/>
-        <p:cNvGrpSpPr/>
-        <p:nvPr/>
-      </p:nvGrpSpPr>
-      <p:grpSpPr>
-        <a:xfrm>
-          <a:off x="0" y="0"/>
-          <a:ext cx="0" cy="0"/>
-          <a:chOff x="0" y="0"/>
-          <a:chExt cx="0" cy="0"/>
-        </a:xfrm>
-      </p:grpSpPr>
-      <p:sp>
-        <p:nvSpPr>
-          <p:cNvPr id="2" name="Plassholder for lysbilde 1"/>
-          <p:cNvSpPr>
-            <a:spLocks noGrp="1" noRot="1" noChangeAspect="1"/>
-          </p:cNvSpPr>
-          <p:nvPr>
-            <p:ph type="sldImg"/>
-          </p:nvPr>
-        </p:nvSpPr>
-        <p:spPr/>
-      </p:sp>
-      <p:sp>
-        <p:nvSpPr>
-          <p:cNvPr id="3" name="Plassholder for notater 2"/>
-          <p:cNvSpPr>
-            <a:spLocks noGrp="1"/>
-          </p:cNvSpPr>
-          <p:nvPr>
-            <p:ph type="body" idx="1"/>
-          </p:nvPr>
-        </p:nvSpPr>
-        <p:spPr/>
-        <p:txBody>
-          <a:bodyPr/>
-          <a:lstStyle/>
-          <a:p>
-            <a:endParaRPr lang="nb-NO" dirty="0"/>
-          </a:p>
-        </p:txBody>
-      </p:sp>
-      <p:sp>
-        <p:nvSpPr>
-          <p:cNvPr id="4" name="Plassholder for lysbildenummer 3"/>
-          <p:cNvSpPr>
-            <a:spLocks noGrp="1"/>
-          </p:cNvSpPr>
-          <p:nvPr>
-            <p:ph type="sldNum" sz="quarter" idx="5"/>
-          </p:nvPr>
-        </p:nvSpPr>
-        <p:spPr/>
-        <p:txBody>
-          <a:bodyPr/>
-          <a:lstStyle/>
-          <a:p>
-            <a:fld id="{D95B9550-F2AC-4E79-AFA1-DC160CE0C43D}" type="slidenum">
-              <a:rPr lang="nb-NO" smtClean="0"/>
-              <a:t>17</a:t>
-            </a:fld>
-            <a:endParaRPr lang="nb-NO"/>
-          </a:p>
-        </p:txBody>
-      </p:sp>
-    </p:spTree>
-    <p:extLst>
-      <p:ext uri="{BB962C8B-B14F-4D97-AF65-F5344CB8AC3E}">
-        <p14:creationId xmlns:p14="http://schemas.microsoft.com/office/powerpoint/2010/main" val="21372367"/>
       </p:ext>
     </p:extLst>
   </p:cSld>
@@ -13097,7 +12502,7 @@
 </file>
 
 <file path=ppt/slides/slide14.xml><?xml version="1.0" encoding="utf-8"?>
-<p:sld xmlns:a="http://schemas.openxmlformats.org/drawingml/2006/main" xmlns:r="http://schemas.openxmlformats.org/officeDocument/2006/relationships" xmlns:p="http://schemas.openxmlformats.org/presentationml/2006/main" show="0">
+<p:sld xmlns:a="http://schemas.openxmlformats.org/drawingml/2006/main" xmlns:r="http://schemas.openxmlformats.org/officeDocument/2006/relationships" xmlns:p="http://schemas.openxmlformats.org/presentationml/2006/main">
   <p:cSld>
     <p:spTree>
       <p:nvGrpSpPr>
@@ -13135,10 +12540,9 @@
           <a:lstStyle/>
           <a:p>
             <a:r>
-              <a:rPr lang="nb-NO" dirty="0" err="1"/>
-              <a:t>Mu</a:t>
-            </a:r>
-            <a:endParaRPr lang="nb-NO" dirty="0"/>
+              <a:rPr lang="nb-NO" dirty="0"/>
+              <a:t>Prøv selv</a:t>
+            </a:r>
           </a:p>
         </p:txBody>
       </p:sp>
@@ -13160,64 +12564,65 @@
         </p:nvSpPr>
         <p:spPr>
           <a:xfrm>
-            <a:off x="838200" y="1572705"/>
-            <a:ext cx="11130280" cy="4370895"/>
+            <a:off x="762000" y="2411952"/>
+            <a:ext cx="10515600" cy="3003328"/>
           </a:xfrm>
         </p:spPr>
         <p:txBody>
           <a:bodyPr>
-            <a:normAutofit/>
+            <a:normAutofit lnSpcReduction="10000"/>
           </a:bodyPr>
           <a:lstStyle/>
           <a:p>
-            <a:pPr marL="0" indent="0">
+            <a:pPr marL="0" indent="0" algn="ctr">
               <a:buNone/>
             </a:pPr>
             <a:r>
-              <a:rPr lang="nb-NO" dirty="0" err="1">
-                <a:solidFill>
-                  <a:srgbClr val="C44026"/>
-                </a:solidFill>
+              <a:rPr lang="nb-NO" sz="4400" dirty="0">
                 <a:latin typeface="Consolas" panose="020B0609020204030204" pitchFamily="49" charset="0"/>
               </a:rPr>
-              <a:t>def</a:t>
-            </a:r>
-            <a:r>
-              <a:rPr lang="nb-NO" dirty="0">
+              <a:t>kodelaben.github.io/workshop</a:t>
+            </a:r>
+          </a:p>
+          <a:p>
+            <a:pPr marL="0" indent="0">
+              <a:buNone/>
+            </a:pPr>
+            <a:endParaRPr lang="nb-NO" sz="4000" dirty="0">
+              <a:latin typeface="Consolas" panose="020B0609020204030204" pitchFamily="49" charset="0"/>
+            </a:endParaRPr>
+          </a:p>
+          <a:p>
+            <a:pPr marL="0" indent="0">
+              <a:buNone/>
+            </a:pPr>
+            <a:r>
+              <a:rPr lang="nb-NO" sz="3200" dirty="0">
                 <a:latin typeface="Consolas" panose="020B0609020204030204" pitchFamily="49" charset="0"/>
               </a:rPr>
-              <a:t> </a:t>
-            </a:r>
-            <a:r>
-              <a:rPr lang="nb-NO" dirty="0">
-                <a:solidFill>
-                  <a:srgbClr val="9751CB"/>
-                </a:solidFill>
-                <a:latin typeface="Consolas" panose="020B0609020204030204" pitchFamily="49" charset="0"/>
-              </a:rPr>
-              <a:t>ErDeleligMedTo</a:t>
-            </a:r>
-            <a:r>
-              <a:rPr lang="nb-NO" dirty="0">
-                <a:latin typeface="Consolas" panose="020B0609020204030204" pitchFamily="49" charset="0"/>
-              </a:rPr>
-              <a:t>(rundenummer):</a:t>
-            </a:r>
-          </a:p>
-          <a:p>
-            <a:pPr marL="0" indent="0">
-              <a:buNone/>
-            </a:pPr>
-            <a:r>
-              <a:rPr lang="nb-NO" dirty="0">
-                <a:latin typeface="Consolas" panose="020B0609020204030204" pitchFamily="49" charset="0"/>
-              </a:rPr>
-              <a:t>	</a:t>
-            </a:r>
-            <a:endParaRPr lang="nb-NO" dirty="0">
-              <a:solidFill>
-                <a:srgbClr val="C44026"/>
-              </a:solidFill>
+              <a:t>Til hver oppgave har vi valgt ut ett eller to konsept som du skal bli kjent med. Klikk på lenken i oppgaven mer informasjon om hvordan den fungerer.</a:t>
+            </a:r>
+          </a:p>
+          <a:p>
+            <a:endParaRPr lang="nb-NO" sz="4000" dirty="0">
+              <a:latin typeface="Consolas" panose="020B0609020204030204" pitchFamily="49" charset="0"/>
+            </a:endParaRPr>
+          </a:p>
+          <a:p>
+            <a:pPr lvl="1"/>
+            <a:endParaRPr lang="nb-NO" sz="3600" dirty="0">
+              <a:latin typeface="Consolas" panose="020B0609020204030204" pitchFamily="49" charset="0"/>
+            </a:endParaRPr>
+          </a:p>
+          <a:p>
+            <a:pPr lvl="1"/>
+            <a:endParaRPr lang="nb-NO" sz="3600" dirty="0">
+              <a:latin typeface="Consolas" panose="020B0609020204030204" pitchFamily="49" charset="0"/>
+            </a:endParaRPr>
+          </a:p>
+          <a:p>
+            <a:pPr lvl="1"/>
+            <a:endParaRPr lang="nb-NO" sz="3600" dirty="0">
               <a:latin typeface="Consolas" panose="020B0609020204030204" pitchFamily="49" charset="0"/>
             </a:endParaRPr>
           </a:p>
@@ -13228,7 +12633,7 @@
           <p:cNvPr id="5" name="Footer Placeholder 4">
             <a:extLst>
               <a:ext uri="{FF2B5EF4-FFF2-40B4-BE49-F238E27FC236}">
-                <a16:creationId xmlns:a16="http://schemas.microsoft.com/office/drawing/2014/main" id="{767B00C4-1DF5-40AA-B029-F4C3630E7C6A}"/>
+                <a16:creationId xmlns:a16="http://schemas.microsoft.com/office/drawing/2014/main" id="{2D147248-02D2-4FB6-802E-640535C4B302}"/>
               </a:ext>
             </a:extLst>
           </p:cNvPr>
@@ -13265,1529 +12670,10 @@
           </a:p>
         </p:txBody>
       </p:sp>
-      <p:pic>
-        <p:nvPicPr>
-          <p:cNvPr id="6" name="Picture 2">
-            <a:extLst>
-              <a:ext uri="{FF2B5EF4-FFF2-40B4-BE49-F238E27FC236}">
-                <a16:creationId xmlns:a16="http://schemas.microsoft.com/office/drawing/2014/main" id="{7DDA2FC6-BD13-4600-8F6C-5CC3D71B9F3D}"/>
-              </a:ext>
-            </a:extLst>
-          </p:cNvPr>
-          <p:cNvPicPr>
-            <a:picLocks noChangeAspect="1" noChangeArrowheads="1"/>
-          </p:cNvPicPr>
-          <p:nvPr/>
-        </p:nvPicPr>
-        <p:blipFill>
-          <a:blip r:embed="rId3">
-            <a:extLst>
-              <a:ext uri="{28A0092B-C50C-407E-A947-70E740481C1C}">
-                <a14:useLocalDpi xmlns:a14="http://schemas.microsoft.com/office/drawing/2010/main" val="0"/>
-              </a:ext>
-            </a:extLst>
-          </a:blip>
-          <a:srcRect/>
-          <a:stretch>
-            <a:fillRect/>
-          </a:stretch>
-        </p:blipFill>
-        <p:spPr bwMode="auto">
-          <a:xfrm>
-            <a:off x="8613475" y="1679068"/>
-            <a:ext cx="2438400" cy="2438400"/>
-          </a:xfrm>
-          <a:prstGeom prst="rect">
-            <a:avLst/>
-          </a:prstGeom>
-          <a:noFill/>
-          <a:extLst>
-            <a:ext uri="{909E8E84-426E-40DD-AFC4-6F175D3DCCD1}">
-              <a14:hiddenFill xmlns:a14="http://schemas.microsoft.com/office/drawing/2010/main">
-                <a:solidFill>
-                  <a:srgbClr val="FFFFFF"/>
-                </a:solidFill>
-              </a14:hiddenFill>
-            </a:ext>
-          </a:extLst>
-        </p:spPr>
-      </p:pic>
     </p:spTree>
     <p:extLst>
       <p:ext uri="{BB962C8B-B14F-4D97-AF65-F5344CB8AC3E}">
-        <p14:creationId xmlns:p14="http://schemas.microsoft.com/office/powerpoint/2010/main" val="1175986555"/>
-      </p:ext>
-    </p:extLst>
-  </p:cSld>
-  <p:clrMapOvr>
-    <a:masterClrMapping/>
-  </p:clrMapOvr>
-</p:sld>
-</file>
-
-<file path=ppt/slides/slide15.xml><?xml version="1.0" encoding="utf-8"?>
-<p:sld xmlns:a="http://schemas.openxmlformats.org/drawingml/2006/main" xmlns:r="http://schemas.openxmlformats.org/officeDocument/2006/relationships" xmlns:p="http://schemas.openxmlformats.org/presentationml/2006/main" show="0">
-  <p:cSld>
-    <p:spTree>
-      <p:nvGrpSpPr>
-        <p:cNvPr id="1" name=""/>
-        <p:cNvGrpSpPr/>
-        <p:nvPr/>
-      </p:nvGrpSpPr>
-      <p:grpSpPr>
-        <a:xfrm>
-          <a:off x="0" y="0"/>
-          <a:ext cx="0" cy="0"/>
-          <a:chOff x="0" y="0"/>
-          <a:chExt cx="0" cy="0"/>
-        </a:xfrm>
-      </p:grpSpPr>
-      <p:sp>
-        <p:nvSpPr>
-          <p:cNvPr id="2" name="Tittel 1">
-            <a:extLst>
-              <a:ext uri="{FF2B5EF4-FFF2-40B4-BE49-F238E27FC236}">
-                <a16:creationId xmlns:a16="http://schemas.microsoft.com/office/drawing/2014/main" id="{C3E6477F-AED9-484F-9621-C53F564119B4}"/>
-              </a:ext>
-            </a:extLst>
-          </p:cNvPr>
-          <p:cNvSpPr>
-            <a:spLocks noGrp="1"/>
-          </p:cNvSpPr>
-          <p:nvPr>
-            <p:ph type="title"/>
-          </p:nvPr>
-        </p:nvSpPr>
-        <p:spPr/>
-        <p:txBody>
-          <a:bodyPr/>
-          <a:lstStyle/>
-          <a:p>
-            <a:r>
-              <a:rPr lang="nb-NO" dirty="0"/>
-              <a:t>Egendefinerte funksjoner</a:t>
-            </a:r>
-          </a:p>
-        </p:txBody>
-      </p:sp>
-      <p:sp>
-        <p:nvSpPr>
-          <p:cNvPr id="3" name="Plassholder for innhold 2">
-            <a:extLst>
-              <a:ext uri="{FF2B5EF4-FFF2-40B4-BE49-F238E27FC236}">
-                <a16:creationId xmlns:a16="http://schemas.microsoft.com/office/drawing/2014/main" id="{18166937-65B3-4DC8-BB43-63584E0D60E0}"/>
-              </a:ext>
-            </a:extLst>
-          </p:cNvPr>
-          <p:cNvSpPr>
-            <a:spLocks noGrp="1"/>
-          </p:cNvSpPr>
-          <p:nvPr>
-            <p:ph idx="4294967295"/>
-          </p:nvPr>
-        </p:nvSpPr>
-        <p:spPr>
-          <a:xfrm>
-            <a:off x="838200" y="1572705"/>
-            <a:ext cx="11130280" cy="4370895"/>
-          </a:xfrm>
-        </p:spPr>
-        <p:txBody>
-          <a:bodyPr>
-            <a:normAutofit/>
-          </a:bodyPr>
-          <a:lstStyle/>
-          <a:p>
-            <a:pPr marL="0" indent="0">
-              <a:buNone/>
-            </a:pPr>
-            <a:r>
-              <a:rPr lang="nb-NO" dirty="0" err="1">
-                <a:solidFill>
-                  <a:schemeClr val="bg1">
-                    <a:lumMod val="50000"/>
-                    <a:lumOff val="50000"/>
-                  </a:schemeClr>
-                </a:solidFill>
-                <a:latin typeface="Consolas" panose="020B0609020204030204" pitchFamily="49" charset="0"/>
-              </a:rPr>
-              <a:t>def</a:t>
-            </a:r>
-            <a:r>
-              <a:rPr lang="nb-NO" dirty="0">
-                <a:solidFill>
-                  <a:schemeClr val="bg1">
-                    <a:lumMod val="50000"/>
-                    <a:lumOff val="50000"/>
-                  </a:schemeClr>
-                </a:solidFill>
-                <a:latin typeface="Consolas" panose="020B0609020204030204" pitchFamily="49" charset="0"/>
-              </a:rPr>
-              <a:t> ErDeleligMedTo(rundenummer):</a:t>
-            </a:r>
-          </a:p>
-          <a:p>
-            <a:pPr marL="0" indent="0">
-              <a:buNone/>
-            </a:pPr>
-            <a:r>
-              <a:rPr lang="nb-NO" dirty="0">
-                <a:latin typeface="Consolas" panose="020B0609020204030204" pitchFamily="49" charset="0"/>
-              </a:rPr>
-              <a:t>	</a:t>
-            </a:r>
-            <a:r>
-              <a:rPr lang="nb-NO" dirty="0">
-                <a:solidFill>
-                  <a:srgbClr val="C44026"/>
-                </a:solidFill>
-                <a:latin typeface="Consolas" panose="020B0609020204030204" pitchFamily="49" charset="0"/>
-              </a:rPr>
-              <a:t>if</a:t>
-            </a:r>
-            <a:r>
-              <a:rPr lang="nb-NO" dirty="0">
-                <a:latin typeface="Consolas" panose="020B0609020204030204" pitchFamily="49" charset="0"/>
-              </a:rPr>
-              <a:t> rundenummer % 2 == 0:</a:t>
-            </a:r>
-          </a:p>
-          <a:p>
-            <a:pPr marL="0" indent="0">
-              <a:buNone/>
-            </a:pPr>
-            <a:r>
-              <a:rPr lang="nb-NO" dirty="0">
-                <a:latin typeface="Consolas" panose="020B0609020204030204" pitchFamily="49" charset="0"/>
-              </a:rPr>
-              <a:t>		...</a:t>
-            </a:r>
-          </a:p>
-          <a:p>
-            <a:pPr marL="0" indent="0">
-              <a:buNone/>
-            </a:pPr>
-            <a:r>
-              <a:rPr lang="nb-NO" dirty="0">
-                <a:latin typeface="Consolas" panose="020B0609020204030204" pitchFamily="49" charset="0"/>
-              </a:rPr>
-              <a:t>	</a:t>
-            </a:r>
-            <a:r>
-              <a:rPr lang="nb-NO" dirty="0">
-                <a:solidFill>
-                  <a:srgbClr val="C44026"/>
-                </a:solidFill>
-                <a:latin typeface="Consolas" panose="020B0609020204030204" pitchFamily="49" charset="0"/>
-              </a:rPr>
-              <a:t>else</a:t>
-            </a:r>
-            <a:r>
-              <a:rPr lang="nb-NO" dirty="0">
-                <a:latin typeface="Consolas" panose="020B0609020204030204" pitchFamily="49" charset="0"/>
-              </a:rPr>
-              <a:t>:</a:t>
-            </a:r>
-          </a:p>
-          <a:p>
-            <a:pPr marL="0" indent="0">
-              <a:buNone/>
-            </a:pPr>
-            <a:r>
-              <a:rPr lang="nb-NO" dirty="0">
-                <a:solidFill>
-                  <a:srgbClr val="C44026"/>
-                </a:solidFill>
-                <a:latin typeface="Consolas" panose="020B0609020204030204" pitchFamily="49" charset="0"/>
-              </a:rPr>
-              <a:t>		</a:t>
-            </a:r>
-            <a:r>
-              <a:rPr lang="nb-NO" dirty="0">
-                <a:solidFill>
-                  <a:schemeClr val="tx2"/>
-                </a:solidFill>
-                <a:latin typeface="Consolas" panose="020B0609020204030204" pitchFamily="49" charset="0"/>
-              </a:rPr>
-              <a:t>...</a:t>
-            </a:r>
-          </a:p>
-        </p:txBody>
-      </p:sp>
-      <p:sp>
-        <p:nvSpPr>
-          <p:cNvPr id="5" name="Footer Placeholder 4">
-            <a:extLst>
-              <a:ext uri="{FF2B5EF4-FFF2-40B4-BE49-F238E27FC236}">
-                <a16:creationId xmlns:a16="http://schemas.microsoft.com/office/drawing/2014/main" id="{767B00C4-1DF5-40AA-B029-F4C3630E7C6A}"/>
-              </a:ext>
-            </a:extLst>
-          </p:cNvPr>
-          <p:cNvSpPr>
-            <a:spLocks noGrp="1"/>
-          </p:cNvSpPr>
-          <p:nvPr>
-            <p:ph type="ftr" sz="quarter" idx="11"/>
-          </p:nvPr>
-        </p:nvSpPr>
-        <p:spPr>
-          <a:xfrm>
-            <a:off x="6937075" y="6310312"/>
-            <a:ext cx="4114800" cy="365125"/>
-          </a:xfrm>
-        </p:spPr>
-        <p:txBody>
-          <a:bodyPr/>
-          <a:lstStyle/>
-          <a:p>
-            <a:pPr>
-              <a:spcAft>
-                <a:spcPts val="600"/>
-              </a:spcAft>
-            </a:pPr>
-            <a:r>
-              <a:rPr lang="nb-NO" dirty="0">
-                <a:solidFill>
-                  <a:schemeClr val="tx1"/>
-                </a:solidFill>
-              </a:rPr>
-              <a:t>Henrik Njølstad &amp; André Martiny</a:t>
-            </a:r>
-          </a:p>
-        </p:txBody>
-      </p:sp>
-    </p:spTree>
-    <p:extLst>
-      <p:ext uri="{BB962C8B-B14F-4D97-AF65-F5344CB8AC3E}">
-        <p14:creationId xmlns:p14="http://schemas.microsoft.com/office/powerpoint/2010/main" val="388221404"/>
-      </p:ext>
-    </p:extLst>
-  </p:cSld>
-  <p:clrMapOvr>
-    <a:masterClrMapping/>
-  </p:clrMapOvr>
-</p:sld>
-</file>
-
-<file path=ppt/slides/slide16.xml><?xml version="1.0" encoding="utf-8"?>
-<p:sld xmlns:a="http://schemas.openxmlformats.org/drawingml/2006/main" xmlns:r="http://schemas.openxmlformats.org/officeDocument/2006/relationships" xmlns:p="http://schemas.openxmlformats.org/presentationml/2006/main" show="0">
-  <p:cSld>
-    <p:spTree>
-      <p:nvGrpSpPr>
-        <p:cNvPr id="1" name=""/>
-        <p:cNvGrpSpPr/>
-        <p:nvPr/>
-      </p:nvGrpSpPr>
-      <p:grpSpPr>
-        <a:xfrm>
-          <a:off x="0" y="0"/>
-          <a:ext cx="0" cy="0"/>
-          <a:chOff x="0" y="0"/>
-          <a:chExt cx="0" cy="0"/>
-        </a:xfrm>
-      </p:grpSpPr>
-      <p:sp>
-        <p:nvSpPr>
-          <p:cNvPr id="2" name="Tittel 1">
-            <a:extLst>
-              <a:ext uri="{FF2B5EF4-FFF2-40B4-BE49-F238E27FC236}">
-                <a16:creationId xmlns:a16="http://schemas.microsoft.com/office/drawing/2014/main" id="{C3E6477F-AED9-484F-9621-C53F564119B4}"/>
-              </a:ext>
-            </a:extLst>
-          </p:cNvPr>
-          <p:cNvSpPr>
-            <a:spLocks noGrp="1"/>
-          </p:cNvSpPr>
-          <p:nvPr>
-            <p:ph type="title"/>
-          </p:nvPr>
-        </p:nvSpPr>
-        <p:spPr/>
-        <p:txBody>
-          <a:bodyPr/>
-          <a:lstStyle/>
-          <a:p>
-            <a:r>
-              <a:rPr lang="nb-NO" dirty="0"/>
-              <a:t>Egendefinerte funksjoner</a:t>
-            </a:r>
-          </a:p>
-        </p:txBody>
-      </p:sp>
-      <p:sp>
-        <p:nvSpPr>
-          <p:cNvPr id="3" name="Plassholder for innhold 2">
-            <a:extLst>
-              <a:ext uri="{FF2B5EF4-FFF2-40B4-BE49-F238E27FC236}">
-                <a16:creationId xmlns:a16="http://schemas.microsoft.com/office/drawing/2014/main" id="{18166937-65B3-4DC8-BB43-63584E0D60E0}"/>
-              </a:ext>
-            </a:extLst>
-          </p:cNvPr>
-          <p:cNvSpPr>
-            <a:spLocks noGrp="1"/>
-          </p:cNvSpPr>
-          <p:nvPr>
-            <p:ph idx="4294967295"/>
-          </p:nvPr>
-        </p:nvSpPr>
-        <p:spPr>
-          <a:xfrm>
-            <a:off x="838200" y="1572705"/>
-            <a:ext cx="11130280" cy="4370895"/>
-          </a:xfrm>
-        </p:spPr>
-        <p:txBody>
-          <a:bodyPr>
-            <a:normAutofit/>
-          </a:bodyPr>
-          <a:lstStyle/>
-          <a:p>
-            <a:pPr marL="0" indent="0">
-              <a:buNone/>
-            </a:pPr>
-            <a:r>
-              <a:rPr lang="nb-NO" dirty="0" err="1">
-                <a:solidFill>
-                  <a:schemeClr val="bg1">
-                    <a:lumMod val="50000"/>
-                    <a:lumOff val="50000"/>
-                  </a:schemeClr>
-                </a:solidFill>
-                <a:latin typeface="Consolas" panose="020B0609020204030204" pitchFamily="49" charset="0"/>
-              </a:rPr>
-              <a:t>def</a:t>
-            </a:r>
-            <a:r>
-              <a:rPr lang="nb-NO" dirty="0">
-                <a:solidFill>
-                  <a:schemeClr val="bg1">
-                    <a:lumMod val="50000"/>
-                    <a:lumOff val="50000"/>
-                  </a:schemeClr>
-                </a:solidFill>
-                <a:latin typeface="Consolas" panose="020B0609020204030204" pitchFamily="49" charset="0"/>
-              </a:rPr>
-              <a:t> ErDeleligMedTo(rundenummer):</a:t>
-            </a:r>
-          </a:p>
-          <a:p>
-            <a:pPr marL="0" indent="0">
-              <a:buNone/>
-            </a:pPr>
-            <a:r>
-              <a:rPr lang="nb-NO" dirty="0">
-                <a:latin typeface="Consolas" panose="020B0609020204030204" pitchFamily="49" charset="0"/>
-              </a:rPr>
-              <a:t>	</a:t>
-            </a:r>
-            <a:r>
-              <a:rPr lang="nb-NO" dirty="0">
-                <a:solidFill>
-                  <a:srgbClr val="C44026"/>
-                </a:solidFill>
-                <a:latin typeface="Consolas" panose="020B0609020204030204" pitchFamily="49" charset="0"/>
-              </a:rPr>
-              <a:t>if</a:t>
-            </a:r>
-            <a:r>
-              <a:rPr lang="nb-NO" dirty="0">
-                <a:latin typeface="Consolas" panose="020B0609020204030204" pitchFamily="49" charset="0"/>
-              </a:rPr>
-              <a:t> rundenummer % 2 == 0:</a:t>
-            </a:r>
-          </a:p>
-          <a:p>
-            <a:pPr marL="0" indent="0">
-              <a:buNone/>
-            </a:pPr>
-            <a:r>
-              <a:rPr lang="nb-NO" dirty="0">
-                <a:latin typeface="Consolas" panose="020B0609020204030204" pitchFamily="49" charset="0"/>
-              </a:rPr>
-              <a:t>		</a:t>
-            </a:r>
-            <a:r>
-              <a:rPr lang="nb-NO" dirty="0" err="1">
-                <a:solidFill>
-                  <a:srgbClr val="C44026"/>
-                </a:solidFill>
-                <a:latin typeface="Consolas" panose="020B0609020204030204" pitchFamily="49" charset="0"/>
-              </a:rPr>
-              <a:t>return</a:t>
-            </a:r>
-            <a:r>
-              <a:rPr lang="nb-NO" dirty="0">
-                <a:latin typeface="Consolas" panose="020B0609020204030204" pitchFamily="49" charset="0"/>
-              </a:rPr>
-              <a:t> </a:t>
-            </a:r>
-          </a:p>
-          <a:p>
-            <a:pPr marL="0" indent="0">
-              <a:buNone/>
-            </a:pPr>
-            <a:r>
-              <a:rPr lang="nb-NO" dirty="0">
-                <a:latin typeface="Consolas" panose="020B0609020204030204" pitchFamily="49" charset="0"/>
-              </a:rPr>
-              <a:t>	</a:t>
-            </a:r>
-            <a:r>
-              <a:rPr lang="nb-NO" dirty="0">
-                <a:solidFill>
-                  <a:srgbClr val="C44026"/>
-                </a:solidFill>
-                <a:latin typeface="Consolas" panose="020B0609020204030204" pitchFamily="49" charset="0"/>
-              </a:rPr>
-              <a:t>else</a:t>
-            </a:r>
-            <a:r>
-              <a:rPr lang="nb-NO" dirty="0">
-                <a:latin typeface="Consolas" panose="020B0609020204030204" pitchFamily="49" charset="0"/>
-              </a:rPr>
-              <a:t>:</a:t>
-            </a:r>
-          </a:p>
-          <a:p>
-            <a:pPr marL="0" indent="0">
-              <a:buNone/>
-            </a:pPr>
-            <a:r>
-              <a:rPr lang="nb-NO" dirty="0">
-                <a:solidFill>
-                  <a:srgbClr val="C44026"/>
-                </a:solidFill>
-                <a:latin typeface="Consolas" panose="020B0609020204030204" pitchFamily="49" charset="0"/>
-              </a:rPr>
-              <a:t>		</a:t>
-            </a:r>
-            <a:r>
-              <a:rPr lang="nb-NO" dirty="0" err="1">
-                <a:solidFill>
-                  <a:srgbClr val="C44026"/>
-                </a:solidFill>
-                <a:latin typeface="Consolas" panose="020B0609020204030204" pitchFamily="49" charset="0"/>
-              </a:rPr>
-              <a:t>return</a:t>
-            </a:r>
-            <a:endParaRPr lang="nb-NO" dirty="0">
-              <a:solidFill>
-                <a:srgbClr val="C44026"/>
-              </a:solidFill>
-              <a:latin typeface="Consolas" panose="020B0609020204030204" pitchFamily="49" charset="0"/>
-            </a:endParaRPr>
-          </a:p>
-        </p:txBody>
-      </p:sp>
-      <p:sp>
-        <p:nvSpPr>
-          <p:cNvPr id="5" name="Footer Placeholder 4">
-            <a:extLst>
-              <a:ext uri="{FF2B5EF4-FFF2-40B4-BE49-F238E27FC236}">
-                <a16:creationId xmlns:a16="http://schemas.microsoft.com/office/drawing/2014/main" id="{767B00C4-1DF5-40AA-B029-F4C3630E7C6A}"/>
-              </a:ext>
-            </a:extLst>
-          </p:cNvPr>
-          <p:cNvSpPr>
-            <a:spLocks noGrp="1"/>
-          </p:cNvSpPr>
-          <p:nvPr>
-            <p:ph type="ftr" sz="quarter" idx="11"/>
-          </p:nvPr>
-        </p:nvSpPr>
-        <p:spPr>
-          <a:xfrm>
-            <a:off x="6937075" y="6310312"/>
-            <a:ext cx="4114800" cy="365125"/>
-          </a:xfrm>
-        </p:spPr>
-        <p:txBody>
-          <a:bodyPr/>
-          <a:lstStyle/>
-          <a:p>
-            <a:pPr>
-              <a:spcAft>
-                <a:spcPts val="600"/>
-              </a:spcAft>
-            </a:pPr>
-            <a:r>
-              <a:rPr lang="nb-NO" dirty="0">
-                <a:solidFill>
-                  <a:schemeClr val="tx1"/>
-                </a:solidFill>
-              </a:rPr>
-              <a:t>Henrik Njølstad &amp; André Martiny</a:t>
-            </a:r>
-          </a:p>
-        </p:txBody>
-      </p:sp>
-    </p:spTree>
-    <p:extLst>
-      <p:ext uri="{BB962C8B-B14F-4D97-AF65-F5344CB8AC3E}">
-        <p14:creationId xmlns:p14="http://schemas.microsoft.com/office/powerpoint/2010/main" val="2287785116"/>
-      </p:ext>
-    </p:extLst>
-  </p:cSld>
-  <p:clrMapOvr>
-    <a:masterClrMapping/>
-  </p:clrMapOvr>
-</p:sld>
-</file>
-
-<file path=ppt/slides/slide17.xml><?xml version="1.0" encoding="utf-8"?>
-<p:sld xmlns:a="http://schemas.openxmlformats.org/drawingml/2006/main" xmlns:r="http://schemas.openxmlformats.org/officeDocument/2006/relationships" xmlns:p="http://schemas.openxmlformats.org/presentationml/2006/main" show="0">
-  <p:cSld>
-    <p:spTree>
-      <p:nvGrpSpPr>
-        <p:cNvPr id="1" name=""/>
-        <p:cNvGrpSpPr/>
-        <p:nvPr/>
-      </p:nvGrpSpPr>
-      <p:grpSpPr>
-        <a:xfrm>
-          <a:off x="0" y="0"/>
-          <a:ext cx="0" cy="0"/>
-          <a:chOff x="0" y="0"/>
-          <a:chExt cx="0" cy="0"/>
-        </a:xfrm>
-      </p:grpSpPr>
-      <p:sp>
-        <p:nvSpPr>
-          <p:cNvPr id="2" name="Tittel 1">
-            <a:extLst>
-              <a:ext uri="{FF2B5EF4-FFF2-40B4-BE49-F238E27FC236}">
-                <a16:creationId xmlns:a16="http://schemas.microsoft.com/office/drawing/2014/main" id="{C3E6477F-AED9-484F-9621-C53F564119B4}"/>
-              </a:ext>
-            </a:extLst>
-          </p:cNvPr>
-          <p:cNvSpPr>
-            <a:spLocks noGrp="1"/>
-          </p:cNvSpPr>
-          <p:nvPr>
-            <p:ph type="title"/>
-          </p:nvPr>
-        </p:nvSpPr>
-        <p:spPr/>
-        <p:txBody>
-          <a:bodyPr/>
-          <a:lstStyle/>
-          <a:p>
-            <a:r>
-              <a:rPr lang="nb-NO" dirty="0"/>
-              <a:t>Egendefinerte funksjoner</a:t>
-            </a:r>
-          </a:p>
-        </p:txBody>
-      </p:sp>
-      <p:sp>
-        <p:nvSpPr>
-          <p:cNvPr id="3" name="Plassholder for innhold 2">
-            <a:extLst>
-              <a:ext uri="{FF2B5EF4-FFF2-40B4-BE49-F238E27FC236}">
-                <a16:creationId xmlns:a16="http://schemas.microsoft.com/office/drawing/2014/main" id="{18166937-65B3-4DC8-BB43-63584E0D60E0}"/>
-              </a:ext>
-            </a:extLst>
-          </p:cNvPr>
-          <p:cNvSpPr>
-            <a:spLocks noGrp="1"/>
-          </p:cNvSpPr>
-          <p:nvPr>
-            <p:ph idx="4294967295"/>
-          </p:nvPr>
-        </p:nvSpPr>
-        <p:spPr>
-          <a:xfrm>
-            <a:off x="838200" y="1572705"/>
-            <a:ext cx="11130280" cy="4370895"/>
-          </a:xfrm>
-        </p:spPr>
-        <p:txBody>
-          <a:bodyPr>
-            <a:normAutofit/>
-          </a:bodyPr>
-          <a:lstStyle/>
-          <a:p>
-            <a:pPr marL="0" indent="0">
-              <a:buNone/>
-            </a:pPr>
-            <a:r>
-              <a:rPr lang="nb-NO" dirty="0" err="1">
-                <a:solidFill>
-                  <a:schemeClr val="bg1">
-                    <a:lumMod val="50000"/>
-                    <a:lumOff val="50000"/>
-                  </a:schemeClr>
-                </a:solidFill>
-                <a:latin typeface="Consolas" panose="020B0609020204030204" pitchFamily="49" charset="0"/>
-              </a:rPr>
-              <a:t>def</a:t>
-            </a:r>
-            <a:r>
-              <a:rPr lang="nb-NO" dirty="0">
-                <a:solidFill>
-                  <a:schemeClr val="bg1">
-                    <a:lumMod val="50000"/>
-                    <a:lumOff val="50000"/>
-                  </a:schemeClr>
-                </a:solidFill>
-                <a:latin typeface="Consolas" panose="020B0609020204030204" pitchFamily="49" charset="0"/>
-              </a:rPr>
-              <a:t> ErDeleligMedTo(rundenummer):</a:t>
-            </a:r>
-          </a:p>
-          <a:p>
-            <a:pPr marL="0" indent="0">
-              <a:buNone/>
-            </a:pPr>
-            <a:r>
-              <a:rPr lang="nb-NO" dirty="0">
-                <a:latin typeface="Consolas" panose="020B0609020204030204" pitchFamily="49" charset="0"/>
-              </a:rPr>
-              <a:t>	</a:t>
-            </a:r>
-            <a:r>
-              <a:rPr lang="nb-NO" dirty="0">
-                <a:solidFill>
-                  <a:srgbClr val="C44026"/>
-                </a:solidFill>
-                <a:latin typeface="Consolas" panose="020B0609020204030204" pitchFamily="49" charset="0"/>
-              </a:rPr>
-              <a:t>if</a:t>
-            </a:r>
-            <a:r>
-              <a:rPr lang="nb-NO" dirty="0">
-                <a:latin typeface="Consolas" panose="020B0609020204030204" pitchFamily="49" charset="0"/>
-              </a:rPr>
-              <a:t> rundenummer % 2 == 0:</a:t>
-            </a:r>
-          </a:p>
-          <a:p>
-            <a:pPr marL="0" indent="0">
-              <a:buNone/>
-            </a:pPr>
-            <a:r>
-              <a:rPr lang="nb-NO" dirty="0">
-                <a:latin typeface="Consolas" panose="020B0609020204030204" pitchFamily="49" charset="0"/>
-              </a:rPr>
-              <a:t>		</a:t>
-            </a:r>
-            <a:r>
-              <a:rPr lang="nb-NO" dirty="0">
-                <a:solidFill>
-                  <a:srgbClr val="C44026"/>
-                </a:solidFill>
-                <a:latin typeface="Consolas" panose="020B0609020204030204" pitchFamily="49" charset="0"/>
-              </a:rPr>
-              <a:t>      </a:t>
-            </a:r>
-            <a:r>
-              <a:rPr lang="nb-NO" dirty="0">
-                <a:latin typeface="Consolas" panose="020B0609020204030204" pitchFamily="49" charset="0"/>
-              </a:rPr>
-              <a:t> </a:t>
-            </a:r>
-            <a:r>
-              <a:rPr lang="nb-NO" dirty="0">
-                <a:solidFill>
-                  <a:schemeClr val="accent4">
-                    <a:lumMod val="60000"/>
-                    <a:lumOff val="40000"/>
-                  </a:schemeClr>
-                </a:solidFill>
-                <a:latin typeface="Consolas" panose="020B0609020204030204" pitchFamily="49" charset="0"/>
-              </a:rPr>
-              <a:t>True</a:t>
-            </a:r>
-          </a:p>
-          <a:p>
-            <a:pPr marL="0" indent="0">
-              <a:buNone/>
-            </a:pPr>
-            <a:r>
-              <a:rPr lang="nb-NO" dirty="0">
-                <a:latin typeface="Consolas" panose="020B0609020204030204" pitchFamily="49" charset="0"/>
-              </a:rPr>
-              <a:t>	</a:t>
-            </a:r>
-            <a:r>
-              <a:rPr lang="nb-NO" dirty="0">
-                <a:solidFill>
-                  <a:srgbClr val="C44026"/>
-                </a:solidFill>
-                <a:latin typeface="Consolas" panose="020B0609020204030204" pitchFamily="49" charset="0"/>
-              </a:rPr>
-              <a:t>else</a:t>
-            </a:r>
-            <a:r>
-              <a:rPr lang="nb-NO" dirty="0">
-                <a:latin typeface="Consolas" panose="020B0609020204030204" pitchFamily="49" charset="0"/>
-              </a:rPr>
-              <a:t>:</a:t>
-            </a:r>
-          </a:p>
-          <a:p>
-            <a:pPr marL="0" indent="0">
-              <a:buNone/>
-            </a:pPr>
-            <a:r>
-              <a:rPr lang="nb-NO" dirty="0">
-                <a:solidFill>
-                  <a:srgbClr val="C44026"/>
-                </a:solidFill>
-                <a:latin typeface="Consolas" panose="020B0609020204030204" pitchFamily="49" charset="0"/>
-              </a:rPr>
-              <a:t>		       </a:t>
-            </a:r>
-            <a:r>
-              <a:rPr lang="nb-NO" dirty="0">
-                <a:solidFill>
-                  <a:schemeClr val="accent4">
-                    <a:lumMod val="60000"/>
-                    <a:lumOff val="40000"/>
-                  </a:schemeClr>
-                </a:solidFill>
-                <a:latin typeface="Consolas" panose="020B0609020204030204" pitchFamily="49" charset="0"/>
-              </a:rPr>
-              <a:t>False</a:t>
-            </a:r>
-          </a:p>
-          <a:p>
-            <a:pPr marL="0" indent="0">
-              <a:buNone/>
-            </a:pPr>
-            <a:endParaRPr lang="nb-NO" dirty="0">
-              <a:solidFill>
-                <a:srgbClr val="C44026"/>
-              </a:solidFill>
-              <a:latin typeface="Consolas" panose="020B0609020204030204" pitchFamily="49" charset="0"/>
-            </a:endParaRPr>
-          </a:p>
-        </p:txBody>
-      </p:sp>
-      <p:sp>
-        <p:nvSpPr>
-          <p:cNvPr id="5" name="Footer Placeholder 4">
-            <a:extLst>
-              <a:ext uri="{FF2B5EF4-FFF2-40B4-BE49-F238E27FC236}">
-                <a16:creationId xmlns:a16="http://schemas.microsoft.com/office/drawing/2014/main" id="{767B00C4-1DF5-40AA-B029-F4C3630E7C6A}"/>
-              </a:ext>
-            </a:extLst>
-          </p:cNvPr>
-          <p:cNvSpPr>
-            <a:spLocks noGrp="1"/>
-          </p:cNvSpPr>
-          <p:nvPr>
-            <p:ph type="ftr" sz="quarter" idx="11"/>
-          </p:nvPr>
-        </p:nvSpPr>
-        <p:spPr>
-          <a:xfrm>
-            <a:off x="6937075" y="6310312"/>
-            <a:ext cx="4114800" cy="365125"/>
-          </a:xfrm>
-        </p:spPr>
-        <p:txBody>
-          <a:bodyPr/>
-          <a:lstStyle/>
-          <a:p>
-            <a:pPr>
-              <a:spcAft>
-                <a:spcPts val="600"/>
-              </a:spcAft>
-            </a:pPr>
-            <a:r>
-              <a:rPr lang="nb-NO" dirty="0">
-                <a:solidFill>
-                  <a:schemeClr val="tx1"/>
-                </a:solidFill>
-              </a:rPr>
-              <a:t>Henrik Njølstad &amp; André Martiny</a:t>
-            </a:r>
-          </a:p>
-        </p:txBody>
-      </p:sp>
-    </p:spTree>
-    <p:extLst>
-      <p:ext uri="{BB962C8B-B14F-4D97-AF65-F5344CB8AC3E}">
-        <p14:creationId xmlns:p14="http://schemas.microsoft.com/office/powerpoint/2010/main" val="4265240899"/>
-      </p:ext>
-    </p:extLst>
-  </p:cSld>
-  <p:clrMapOvr>
-    <a:masterClrMapping/>
-  </p:clrMapOvr>
-</p:sld>
-</file>
-
-<file path=ppt/slides/slide18.xml><?xml version="1.0" encoding="utf-8"?>
-<p:sld xmlns:a="http://schemas.openxmlformats.org/drawingml/2006/main" xmlns:r="http://schemas.openxmlformats.org/officeDocument/2006/relationships" xmlns:p="http://schemas.openxmlformats.org/presentationml/2006/main" show="0">
-  <p:cSld>
-    <p:spTree>
-      <p:nvGrpSpPr>
-        <p:cNvPr id="1" name=""/>
-        <p:cNvGrpSpPr/>
-        <p:nvPr/>
-      </p:nvGrpSpPr>
-      <p:grpSpPr>
-        <a:xfrm>
-          <a:off x="0" y="0"/>
-          <a:ext cx="0" cy="0"/>
-          <a:chOff x="0" y="0"/>
-          <a:chExt cx="0" cy="0"/>
-        </a:xfrm>
-      </p:grpSpPr>
-      <p:sp>
-        <p:nvSpPr>
-          <p:cNvPr id="2" name="Tittel 1">
-            <a:extLst>
-              <a:ext uri="{FF2B5EF4-FFF2-40B4-BE49-F238E27FC236}">
-                <a16:creationId xmlns:a16="http://schemas.microsoft.com/office/drawing/2014/main" id="{C3E6477F-AED9-484F-9621-C53F564119B4}"/>
-              </a:ext>
-            </a:extLst>
-          </p:cNvPr>
-          <p:cNvSpPr>
-            <a:spLocks noGrp="1"/>
-          </p:cNvSpPr>
-          <p:nvPr>
-            <p:ph type="title"/>
-          </p:nvPr>
-        </p:nvSpPr>
-        <p:spPr/>
-        <p:txBody>
-          <a:bodyPr/>
-          <a:lstStyle/>
-          <a:p>
-            <a:r>
-              <a:rPr lang="nb-NO" dirty="0"/>
-              <a:t>Egendefinerte funksjoner</a:t>
-            </a:r>
-          </a:p>
-        </p:txBody>
-      </p:sp>
-      <p:sp>
-        <p:nvSpPr>
-          <p:cNvPr id="3" name="Plassholder for innhold 2">
-            <a:extLst>
-              <a:ext uri="{FF2B5EF4-FFF2-40B4-BE49-F238E27FC236}">
-                <a16:creationId xmlns:a16="http://schemas.microsoft.com/office/drawing/2014/main" id="{18166937-65B3-4DC8-BB43-63584E0D60E0}"/>
-              </a:ext>
-            </a:extLst>
-          </p:cNvPr>
-          <p:cNvSpPr>
-            <a:spLocks noGrp="1"/>
-          </p:cNvSpPr>
-          <p:nvPr>
-            <p:ph idx="4294967295"/>
-          </p:nvPr>
-        </p:nvSpPr>
-        <p:spPr>
-          <a:xfrm>
-            <a:off x="838200" y="1572705"/>
-            <a:ext cx="11130280" cy="4370895"/>
-          </a:xfrm>
-        </p:spPr>
-        <p:txBody>
-          <a:bodyPr>
-            <a:normAutofit/>
-          </a:bodyPr>
-          <a:lstStyle/>
-          <a:p>
-            <a:pPr marL="0" indent="0">
-              <a:buNone/>
-            </a:pPr>
-            <a:r>
-              <a:rPr lang="nb-NO" dirty="0" err="1">
-                <a:solidFill>
-                  <a:schemeClr val="bg1">
-                    <a:lumMod val="50000"/>
-                    <a:lumOff val="50000"/>
-                  </a:schemeClr>
-                </a:solidFill>
-                <a:latin typeface="Consolas" panose="020B0609020204030204" pitchFamily="49" charset="0"/>
-              </a:rPr>
-              <a:t>def</a:t>
-            </a:r>
-            <a:r>
-              <a:rPr lang="nb-NO" dirty="0">
-                <a:solidFill>
-                  <a:schemeClr val="bg1">
-                    <a:lumMod val="50000"/>
-                    <a:lumOff val="50000"/>
-                  </a:schemeClr>
-                </a:solidFill>
-                <a:latin typeface="Consolas" panose="020B0609020204030204" pitchFamily="49" charset="0"/>
-              </a:rPr>
-              <a:t> ErDeleligMedTo(rundenummer):</a:t>
-            </a:r>
-          </a:p>
-          <a:p>
-            <a:pPr marL="0" indent="0">
-              <a:buNone/>
-            </a:pPr>
-            <a:r>
-              <a:rPr lang="nb-NO" dirty="0">
-                <a:latin typeface="Consolas" panose="020B0609020204030204" pitchFamily="49" charset="0"/>
-              </a:rPr>
-              <a:t>	</a:t>
-            </a:r>
-            <a:r>
-              <a:rPr lang="nb-NO" dirty="0">
-                <a:solidFill>
-                  <a:srgbClr val="C44026"/>
-                </a:solidFill>
-                <a:latin typeface="Consolas" panose="020B0609020204030204" pitchFamily="49" charset="0"/>
-              </a:rPr>
-              <a:t>if</a:t>
-            </a:r>
-            <a:r>
-              <a:rPr lang="nb-NO" dirty="0">
-                <a:latin typeface="Consolas" panose="020B0609020204030204" pitchFamily="49" charset="0"/>
-              </a:rPr>
-              <a:t> rundenummer % 2 == 0:</a:t>
-            </a:r>
-          </a:p>
-          <a:p>
-            <a:pPr marL="0" indent="0">
-              <a:buNone/>
-            </a:pPr>
-            <a:r>
-              <a:rPr lang="nb-NO" dirty="0">
-                <a:latin typeface="Consolas" panose="020B0609020204030204" pitchFamily="49" charset="0"/>
-              </a:rPr>
-              <a:t>		</a:t>
-            </a:r>
-            <a:r>
-              <a:rPr lang="nb-NO" dirty="0" err="1">
-                <a:solidFill>
-                  <a:srgbClr val="C44026"/>
-                </a:solidFill>
-                <a:latin typeface="Consolas" panose="020B0609020204030204" pitchFamily="49" charset="0"/>
-              </a:rPr>
-              <a:t>return</a:t>
-            </a:r>
-            <a:r>
-              <a:rPr lang="nb-NO" dirty="0">
-                <a:latin typeface="Consolas" panose="020B0609020204030204" pitchFamily="49" charset="0"/>
-              </a:rPr>
-              <a:t> </a:t>
-            </a:r>
-            <a:r>
-              <a:rPr lang="nb-NO" dirty="0">
-                <a:solidFill>
-                  <a:schemeClr val="accent4">
-                    <a:lumMod val="60000"/>
-                    <a:lumOff val="40000"/>
-                  </a:schemeClr>
-                </a:solidFill>
-                <a:latin typeface="Consolas" panose="020B0609020204030204" pitchFamily="49" charset="0"/>
-              </a:rPr>
-              <a:t>True</a:t>
-            </a:r>
-          </a:p>
-          <a:p>
-            <a:pPr marL="0" indent="0">
-              <a:buNone/>
-            </a:pPr>
-            <a:r>
-              <a:rPr lang="nb-NO" dirty="0">
-                <a:latin typeface="Consolas" panose="020B0609020204030204" pitchFamily="49" charset="0"/>
-              </a:rPr>
-              <a:t>	</a:t>
-            </a:r>
-            <a:r>
-              <a:rPr lang="nb-NO" dirty="0">
-                <a:solidFill>
-                  <a:srgbClr val="C44026"/>
-                </a:solidFill>
-                <a:latin typeface="Consolas" panose="020B0609020204030204" pitchFamily="49" charset="0"/>
-              </a:rPr>
-              <a:t>else</a:t>
-            </a:r>
-            <a:r>
-              <a:rPr lang="nb-NO" dirty="0">
-                <a:latin typeface="Consolas" panose="020B0609020204030204" pitchFamily="49" charset="0"/>
-              </a:rPr>
-              <a:t>:</a:t>
-            </a:r>
-          </a:p>
-          <a:p>
-            <a:pPr marL="0" indent="0">
-              <a:buNone/>
-            </a:pPr>
-            <a:r>
-              <a:rPr lang="nb-NO" dirty="0">
-                <a:solidFill>
-                  <a:srgbClr val="C44026"/>
-                </a:solidFill>
-                <a:latin typeface="Consolas" panose="020B0609020204030204" pitchFamily="49" charset="0"/>
-              </a:rPr>
-              <a:t>		</a:t>
-            </a:r>
-            <a:r>
-              <a:rPr lang="nb-NO" dirty="0" err="1">
-                <a:solidFill>
-                  <a:srgbClr val="C44026"/>
-                </a:solidFill>
-                <a:latin typeface="Consolas" panose="020B0609020204030204" pitchFamily="49" charset="0"/>
-              </a:rPr>
-              <a:t>return</a:t>
-            </a:r>
-            <a:r>
-              <a:rPr lang="nb-NO" dirty="0">
-                <a:solidFill>
-                  <a:srgbClr val="C44026"/>
-                </a:solidFill>
-                <a:latin typeface="Consolas" panose="020B0609020204030204" pitchFamily="49" charset="0"/>
-              </a:rPr>
-              <a:t> </a:t>
-            </a:r>
-            <a:r>
-              <a:rPr lang="nb-NO" dirty="0">
-                <a:solidFill>
-                  <a:schemeClr val="accent4">
-                    <a:lumMod val="60000"/>
-                    <a:lumOff val="40000"/>
-                  </a:schemeClr>
-                </a:solidFill>
-                <a:latin typeface="Consolas" panose="020B0609020204030204" pitchFamily="49" charset="0"/>
-              </a:rPr>
-              <a:t>False</a:t>
-            </a:r>
-          </a:p>
-          <a:p>
-            <a:pPr marL="0" indent="0">
-              <a:buNone/>
-            </a:pPr>
-            <a:endParaRPr lang="nb-NO" dirty="0">
-              <a:solidFill>
-                <a:srgbClr val="C44026"/>
-              </a:solidFill>
-              <a:latin typeface="Consolas" panose="020B0609020204030204" pitchFamily="49" charset="0"/>
-            </a:endParaRPr>
-          </a:p>
-        </p:txBody>
-      </p:sp>
-      <p:sp>
-        <p:nvSpPr>
-          <p:cNvPr id="5" name="Footer Placeholder 4">
-            <a:extLst>
-              <a:ext uri="{FF2B5EF4-FFF2-40B4-BE49-F238E27FC236}">
-                <a16:creationId xmlns:a16="http://schemas.microsoft.com/office/drawing/2014/main" id="{767B00C4-1DF5-40AA-B029-F4C3630E7C6A}"/>
-              </a:ext>
-            </a:extLst>
-          </p:cNvPr>
-          <p:cNvSpPr>
-            <a:spLocks noGrp="1"/>
-          </p:cNvSpPr>
-          <p:nvPr>
-            <p:ph type="ftr" sz="quarter" idx="11"/>
-          </p:nvPr>
-        </p:nvSpPr>
-        <p:spPr>
-          <a:xfrm>
-            <a:off x="6937075" y="6310312"/>
-            <a:ext cx="4114800" cy="365125"/>
-          </a:xfrm>
-        </p:spPr>
-        <p:txBody>
-          <a:bodyPr/>
-          <a:lstStyle/>
-          <a:p>
-            <a:pPr>
-              <a:spcAft>
-                <a:spcPts val="600"/>
-              </a:spcAft>
-            </a:pPr>
-            <a:r>
-              <a:rPr lang="nb-NO" dirty="0">
-                <a:solidFill>
-                  <a:schemeClr val="tx1"/>
-                </a:solidFill>
-              </a:rPr>
-              <a:t>Henrik Njølstad &amp; André Martiny</a:t>
-            </a:r>
-          </a:p>
-        </p:txBody>
-      </p:sp>
-    </p:spTree>
-    <p:extLst>
-      <p:ext uri="{BB962C8B-B14F-4D97-AF65-F5344CB8AC3E}">
-        <p14:creationId xmlns:p14="http://schemas.microsoft.com/office/powerpoint/2010/main" val="173324159"/>
-      </p:ext>
-    </p:extLst>
-  </p:cSld>
-  <p:clrMapOvr>
-    <a:masterClrMapping/>
-  </p:clrMapOvr>
-</p:sld>
-</file>
-
-<file path=ppt/slides/slide19.xml><?xml version="1.0" encoding="utf-8"?>
-<p:sld xmlns:a="http://schemas.openxmlformats.org/drawingml/2006/main" xmlns:r="http://schemas.openxmlformats.org/officeDocument/2006/relationships" xmlns:p="http://schemas.openxmlformats.org/presentationml/2006/main" show="0">
-  <p:cSld>
-    <p:spTree>
-      <p:nvGrpSpPr>
-        <p:cNvPr id="1" name=""/>
-        <p:cNvGrpSpPr/>
-        <p:nvPr/>
-      </p:nvGrpSpPr>
-      <p:grpSpPr>
-        <a:xfrm>
-          <a:off x="0" y="0"/>
-          <a:ext cx="0" cy="0"/>
-          <a:chOff x="0" y="0"/>
-          <a:chExt cx="0" cy="0"/>
-        </a:xfrm>
-      </p:grpSpPr>
-      <p:sp>
-        <p:nvSpPr>
-          <p:cNvPr id="2" name="Tittel 1">
-            <a:extLst>
-              <a:ext uri="{FF2B5EF4-FFF2-40B4-BE49-F238E27FC236}">
-                <a16:creationId xmlns:a16="http://schemas.microsoft.com/office/drawing/2014/main" id="{C3E6477F-AED9-484F-9621-C53F564119B4}"/>
-              </a:ext>
-            </a:extLst>
-          </p:cNvPr>
-          <p:cNvSpPr>
-            <a:spLocks noGrp="1"/>
-          </p:cNvSpPr>
-          <p:nvPr>
-            <p:ph type="title"/>
-          </p:nvPr>
-        </p:nvSpPr>
-        <p:spPr/>
-        <p:txBody>
-          <a:bodyPr/>
-          <a:lstStyle/>
-          <a:p>
-            <a:r>
-              <a:rPr lang="nb-NO" dirty="0"/>
-              <a:t>Egendefinerte funksjoner</a:t>
-            </a:r>
-          </a:p>
-        </p:txBody>
-      </p:sp>
-      <p:sp>
-        <p:nvSpPr>
-          <p:cNvPr id="3" name="Plassholder for innhold 2">
-            <a:extLst>
-              <a:ext uri="{FF2B5EF4-FFF2-40B4-BE49-F238E27FC236}">
-                <a16:creationId xmlns:a16="http://schemas.microsoft.com/office/drawing/2014/main" id="{18166937-65B3-4DC8-BB43-63584E0D60E0}"/>
-              </a:ext>
-            </a:extLst>
-          </p:cNvPr>
-          <p:cNvSpPr>
-            <a:spLocks noGrp="1"/>
-          </p:cNvSpPr>
-          <p:nvPr>
-            <p:ph idx="4294967295"/>
-          </p:nvPr>
-        </p:nvSpPr>
-        <p:spPr>
-          <a:xfrm>
-            <a:off x="838200" y="1572705"/>
-            <a:ext cx="11130280" cy="4370895"/>
-          </a:xfrm>
-        </p:spPr>
-        <p:txBody>
-          <a:bodyPr>
-            <a:normAutofit/>
-          </a:bodyPr>
-          <a:lstStyle/>
-          <a:p>
-            <a:pPr marL="0" indent="0">
-              <a:buNone/>
-            </a:pPr>
-            <a:r>
-              <a:rPr lang="nb-NO" dirty="0" err="1">
-                <a:solidFill>
-                  <a:srgbClr val="C44026"/>
-                </a:solidFill>
-                <a:latin typeface="Consolas" panose="020B0609020204030204" pitchFamily="49" charset="0"/>
-              </a:rPr>
-              <a:t>def</a:t>
-            </a:r>
-            <a:r>
-              <a:rPr lang="nb-NO" dirty="0">
-                <a:latin typeface="Consolas" panose="020B0609020204030204" pitchFamily="49" charset="0"/>
-              </a:rPr>
-              <a:t> </a:t>
-            </a:r>
-            <a:r>
-              <a:rPr lang="nb-NO" dirty="0">
-                <a:solidFill>
-                  <a:srgbClr val="9751CB"/>
-                </a:solidFill>
-                <a:latin typeface="Consolas" panose="020B0609020204030204" pitchFamily="49" charset="0"/>
-              </a:rPr>
-              <a:t>ErDeleligMedTo</a:t>
-            </a:r>
-            <a:r>
-              <a:rPr lang="nb-NO" dirty="0">
-                <a:latin typeface="Consolas" panose="020B0609020204030204" pitchFamily="49" charset="0"/>
-              </a:rPr>
-              <a:t>(rundenummer):</a:t>
-            </a:r>
-          </a:p>
-          <a:p>
-            <a:pPr marL="0" indent="0">
-              <a:buNone/>
-            </a:pPr>
-            <a:r>
-              <a:rPr lang="nb-NO" dirty="0">
-                <a:latin typeface="Consolas" panose="020B0609020204030204" pitchFamily="49" charset="0"/>
-              </a:rPr>
-              <a:t>	</a:t>
-            </a:r>
-            <a:r>
-              <a:rPr lang="nb-NO" dirty="0">
-                <a:solidFill>
-                  <a:srgbClr val="C44026"/>
-                </a:solidFill>
-                <a:latin typeface="Consolas" panose="020B0609020204030204" pitchFamily="49" charset="0"/>
-              </a:rPr>
-              <a:t>if</a:t>
-            </a:r>
-            <a:r>
-              <a:rPr lang="nb-NO" dirty="0">
-                <a:latin typeface="Consolas" panose="020B0609020204030204" pitchFamily="49" charset="0"/>
-              </a:rPr>
-              <a:t> rundenummer % 2 == 0:</a:t>
-            </a:r>
-          </a:p>
-          <a:p>
-            <a:pPr marL="0" indent="0">
-              <a:buNone/>
-            </a:pPr>
-            <a:r>
-              <a:rPr lang="nb-NO" dirty="0">
-                <a:latin typeface="Consolas" panose="020B0609020204030204" pitchFamily="49" charset="0"/>
-              </a:rPr>
-              <a:t>		</a:t>
-            </a:r>
-            <a:r>
-              <a:rPr lang="nb-NO" dirty="0" err="1">
-                <a:solidFill>
-                  <a:srgbClr val="C44026"/>
-                </a:solidFill>
-                <a:latin typeface="Consolas" panose="020B0609020204030204" pitchFamily="49" charset="0"/>
-              </a:rPr>
-              <a:t>return</a:t>
-            </a:r>
-            <a:r>
-              <a:rPr lang="nb-NO" dirty="0">
-                <a:latin typeface="Consolas" panose="020B0609020204030204" pitchFamily="49" charset="0"/>
-              </a:rPr>
-              <a:t> </a:t>
-            </a:r>
-            <a:r>
-              <a:rPr lang="nb-NO" dirty="0">
-                <a:solidFill>
-                  <a:schemeClr val="accent4">
-                    <a:lumMod val="60000"/>
-                    <a:lumOff val="40000"/>
-                  </a:schemeClr>
-                </a:solidFill>
-                <a:latin typeface="Consolas" panose="020B0609020204030204" pitchFamily="49" charset="0"/>
-              </a:rPr>
-              <a:t>True</a:t>
-            </a:r>
-          </a:p>
-          <a:p>
-            <a:pPr marL="0" indent="0">
-              <a:buNone/>
-            </a:pPr>
-            <a:r>
-              <a:rPr lang="nb-NO" dirty="0">
-                <a:latin typeface="Consolas" panose="020B0609020204030204" pitchFamily="49" charset="0"/>
-              </a:rPr>
-              <a:t>	</a:t>
-            </a:r>
-            <a:r>
-              <a:rPr lang="nb-NO" dirty="0">
-                <a:solidFill>
-                  <a:srgbClr val="C44026"/>
-                </a:solidFill>
-                <a:latin typeface="Consolas" panose="020B0609020204030204" pitchFamily="49" charset="0"/>
-              </a:rPr>
-              <a:t>else</a:t>
-            </a:r>
-            <a:r>
-              <a:rPr lang="nb-NO" dirty="0">
-                <a:latin typeface="Consolas" panose="020B0609020204030204" pitchFamily="49" charset="0"/>
-              </a:rPr>
-              <a:t>:</a:t>
-            </a:r>
-          </a:p>
-          <a:p>
-            <a:pPr marL="0" indent="0">
-              <a:buNone/>
-            </a:pPr>
-            <a:r>
-              <a:rPr lang="nb-NO" dirty="0">
-                <a:solidFill>
-                  <a:srgbClr val="C44026"/>
-                </a:solidFill>
-                <a:latin typeface="Consolas" panose="020B0609020204030204" pitchFamily="49" charset="0"/>
-              </a:rPr>
-              <a:t>		</a:t>
-            </a:r>
-            <a:r>
-              <a:rPr lang="nb-NO" dirty="0" err="1">
-                <a:solidFill>
-                  <a:srgbClr val="C44026"/>
-                </a:solidFill>
-                <a:latin typeface="Consolas" panose="020B0609020204030204" pitchFamily="49" charset="0"/>
-              </a:rPr>
-              <a:t>return</a:t>
-            </a:r>
-            <a:r>
-              <a:rPr lang="nb-NO" dirty="0">
-                <a:solidFill>
-                  <a:srgbClr val="C44026"/>
-                </a:solidFill>
-                <a:latin typeface="Consolas" panose="020B0609020204030204" pitchFamily="49" charset="0"/>
-              </a:rPr>
-              <a:t> </a:t>
-            </a:r>
-            <a:r>
-              <a:rPr lang="nb-NO" dirty="0">
-                <a:solidFill>
-                  <a:schemeClr val="accent4">
-                    <a:lumMod val="60000"/>
-                    <a:lumOff val="40000"/>
-                  </a:schemeClr>
-                </a:solidFill>
-                <a:latin typeface="Consolas" panose="020B0609020204030204" pitchFamily="49" charset="0"/>
-              </a:rPr>
-              <a:t>False</a:t>
-            </a:r>
-          </a:p>
-          <a:p>
-            <a:pPr marL="0" indent="0">
-              <a:buNone/>
-            </a:pPr>
-            <a:endParaRPr lang="nb-NO" dirty="0">
-              <a:solidFill>
-                <a:srgbClr val="C44026"/>
-              </a:solidFill>
-              <a:latin typeface="Consolas" panose="020B0609020204030204" pitchFamily="49" charset="0"/>
-            </a:endParaRPr>
-          </a:p>
-          <a:p>
-            <a:pPr marL="0" indent="0">
-              <a:buNone/>
-            </a:pPr>
-            <a:r>
-              <a:rPr lang="nb-NO" dirty="0" err="1">
-                <a:solidFill>
-                  <a:srgbClr val="C44026"/>
-                </a:solidFill>
-                <a:latin typeface="Consolas" panose="020B0609020204030204" pitchFamily="49" charset="0"/>
-              </a:rPr>
-              <a:t>def</a:t>
-            </a:r>
-            <a:r>
-              <a:rPr lang="nb-NO" dirty="0">
-                <a:latin typeface="Consolas" panose="020B0609020204030204" pitchFamily="49" charset="0"/>
-              </a:rPr>
-              <a:t> </a:t>
-            </a:r>
-            <a:r>
-              <a:rPr lang="nb-NO" dirty="0">
-                <a:solidFill>
-                  <a:srgbClr val="9751CB"/>
-                </a:solidFill>
-                <a:latin typeface="Consolas" panose="020B0609020204030204" pitchFamily="49" charset="0"/>
-              </a:rPr>
-              <a:t>ErDeleligMedTre</a:t>
-            </a:r>
-            <a:r>
-              <a:rPr lang="nb-NO" dirty="0">
-                <a:latin typeface="Consolas" panose="020B0609020204030204" pitchFamily="49" charset="0"/>
-              </a:rPr>
-              <a:t>(rundenummer):</a:t>
-            </a:r>
-          </a:p>
-          <a:p>
-            <a:pPr marL="0" indent="0">
-              <a:buNone/>
-            </a:pPr>
-            <a:r>
-              <a:rPr lang="nb-NO" dirty="0">
-                <a:latin typeface="Consolas" panose="020B0609020204030204" pitchFamily="49" charset="0"/>
-              </a:rPr>
-              <a:t>	</a:t>
-            </a:r>
-            <a:r>
-              <a:rPr lang="nb-NO" dirty="0" err="1">
-                <a:solidFill>
-                  <a:srgbClr val="C44026"/>
-                </a:solidFill>
-                <a:latin typeface="Consolas" panose="020B0609020204030204" pitchFamily="49" charset="0"/>
-              </a:rPr>
-              <a:t>return</a:t>
-            </a:r>
-            <a:r>
-              <a:rPr lang="nb-NO" dirty="0">
-                <a:latin typeface="Consolas" panose="020B0609020204030204" pitchFamily="49" charset="0"/>
-              </a:rPr>
-              <a:t> rundenummer % 3 == 0</a:t>
-            </a:r>
-            <a:endParaRPr lang="nb-NO" dirty="0"/>
-          </a:p>
-          <a:p>
-            <a:pPr lvl="1"/>
-            <a:endParaRPr lang="nb-NO" dirty="0"/>
-          </a:p>
-        </p:txBody>
-      </p:sp>
-      <p:sp>
-        <p:nvSpPr>
-          <p:cNvPr id="5" name="Footer Placeholder 4">
-            <a:extLst>
-              <a:ext uri="{FF2B5EF4-FFF2-40B4-BE49-F238E27FC236}">
-                <a16:creationId xmlns:a16="http://schemas.microsoft.com/office/drawing/2014/main" id="{767B00C4-1DF5-40AA-B029-F4C3630E7C6A}"/>
-              </a:ext>
-            </a:extLst>
-          </p:cNvPr>
-          <p:cNvSpPr>
-            <a:spLocks noGrp="1"/>
-          </p:cNvSpPr>
-          <p:nvPr>
-            <p:ph type="ftr" sz="quarter" idx="11"/>
-          </p:nvPr>
-        </p:nvSpPr>
-        <p:spPr>
-          <a:xfrm>
-            <a:off x="6937075" y="6310312"/>
-            <a:ext cx="4114800" cy="365125"/>
-          </a:xfrm>
-        </p:spPr>
-        <p:txBody>
-          <a:bodyPr/>
-          <a:lstStyle/>
-          <a:p>
-            <a:pPr>
-              <a:spcAft>
-                <a:spcPts val="600"/>
-              </a:spcAft>
-            </a:pPr>
-            <a:r>
-              <a:rPr lang="nb-NO" dirty="0">
-                <a:solidFill>
-                  <a:schemeClr val="tx1"/>
-                </a:solidFill>
-              </a:rPr>
-              <a:t>Henrik Njølstad &amp; André Martiny</a:t>
-            </a:r>
-          </a:p>
-        </p:txBody>
-      </p:sp>
-    </p:spTree>
-    <p:extLst>
-      <p:ext uri="{BB962C8B-B14F-4D97-AF65-F5344CB8AC3E}">
-        <p14:creationId xmlns:p14="http://schemas.microsoft.com/office/powerpoint/2010/main" val="1856889016"/>
+        <p14:creationId xmlns:p14="http://schemas.microsoft.com/office/powerpoint/2010/main" val="2476041199"/>
       </p:ext>
     </p:extLst>
   </p:cSld>
@@ -15064,350 +12950,6 @@
       </p:par>
     </p:tnLst>
   </p:timing>
-</p:sld>
-</file>
-
-<file path=ppt/slides/slide20.xml><?xml version="1.0" encoding="utf-8"?>
-<p:sld xmlns:a="http://schemas.openxmlformats.org/drawingml/2006/main" xmlns:r="http://schemas.openxmlformats.org/officeDocument/2006/relationships" xmlns:p="http://schemas.openxmlformats.org/presentationml/2006/main" show="0">
-  <p:cSld>
-    <p:spTree>
-      <p:nvGrpSpPr>
-        <p:cNvPr id="1" name=""/>
-        <p:cNvGrpSpPr/>
-        <p:nvPr/>
-      </p:nvGrpSpPr>
-      <p:grpSpPr>
-        <a:xfrm>
-          <a:off x="0" y="0"/>
-          <a:ext cx="0" cy="0"/>
-          <a:chOff x="0" y="0"/>
-          <a:chExt cx="0" cy="0"/>
-        </a:xfrm>
-      </p:grpSpPr>
-      <p:sp>
-        <p:nvSpPr>
-          <p:cNvPr id="2" name="Tittel 1">
-            <a:extLst>
-              <a:ext uri="{FF2B5EF4-FFF2-40B4-BE49-F238E27FC236}">
-                <a16:creationId xmlns:a16="http://schemas.microsoft.com/office/drawing/2014/main" id="{C3E6477F-AED9-484F-9621-C53F564119B4}"/>
-              </a:ext>
-            </a:extLst>
-          </p:cNvPr>
-          <p:cNvSpPr>
-            <a:spLocks noGrp="1"/>
-          </p:cNvSpPr>
-          <p:nvPr>
-            <p:ph type="title"/>
-          </p:nvPr>
-        </p:nvSpPr>
-        <p:spPr/>
-        <p:txBody>
-          <a:bodyPr/>
-          <a:lstStyle/>
-          <a:p>
-            <a:r>
-              <a:rPr lang="nb-NO" dirty="0"/>
-              <a:t>Egendefinerte funksjoner</a:t>
-            </a:r>
-          </a:p>
-        </p:txBody>
-      </p:sp>
-      <p:sp>
-        <p:nvSpPr>
-          <p:cNvPr id="3" name="Plassholder for innhold 2">
-            <a:extLst>
-              <a:ext uri="{FF2B5EF4-FFF2-40B4-BE49-F238E27FC236}">
-                <a16:creationId xmlns:a16="http://schemas.microsoft.com/office/drawing/2014/main" id="{18166937-65B3-4DC8-BB43-63584E0D60E0}"/>
-              </a:ext>
-            </a:extLst>
-          </p:cNvPr>
-          <p:cNvSpPr>
-            <a:spLocks noGrp="1"/>
-          </p:cNvSpPr>
-          <p:nvPr>
-            <p:ph idx="4294967295"/>
-          </p:nvPr>
-        </p:nvSpPr>
-        <p:spPr>
-          <a:xfrm>
-            <a:off x="838200" y="1572705"/>
-            <a:ext cx="11130280" cy="4370895"/>
-          </a:xfrm>
-        </p:spPr>
-        <p:txBody>
-          <a:bodyPr>
-            <a:normAutofit/>
-          </a:bodyPr>
-          <a:lstStyle/>
-          <a:p>
-            <a:pPr marL="0" indent="0">
-              <a:buNone/>
-            </a:pPr>
-            <a:r>
-              <a:rPr lang="nb-NO" dirty="0">
-                <a:solidFill>
-                  <a:srgbClr val="C44026"/>
-                </a:solidFill>
-                <a:latin typeface="Consolas" panose="020B0609020204030204" pitchFamily="49" charset="0"/>
-              </a:rPr>
-              <a:t>&gt;&gt;&gt; test = 4 % 3 == 0</a:t>
-            </a:r>
-          </a:p>
-          <a:p>
-            <a:pPr marL="0" indent="0">
-              <a:buNone/>
-            </a:pPr>
-            <a:r>
-              <a:rPr lang="nb-NO" dirty="0">
-                <a:solidFill>
-                  <a:srgbClr val="C44026"/>
-                </a:solidFill>
-                <a:latin typeface="Consolas" panose="020B0609020204030204" pitchFamily="49" charset="0"/>
-              </a:rPr>
-              <a:t>print(test)</a:t>
-            </a:r>
-            <a:endParaRPr lang="nb-NO" dirty="0"/>
-          </a:p>
-          <a:p>
-            <a:pPr lvl="1"/>
-            <a:endParaRPr lang="nb-NO" dirty="0"/>
-          </a:p>
-        </p:txBody>
-      </p:sp>
-      <p:sp>
-        <p:nvSpPr>
-          <p:cNvPr id="5" name="Footer Placeholder 4">
-            <a:extLst>
-              <a:ext uri="{FF2B5EF4-FFF2-40B4-BE49-F238E27FC236}">
-                <a16:creationId xmlns:a16="http://schemas.microsoft.com/office/drawing/2014/main" id="{767B00C4-1DF5-40AA-B029-F4C3630E7C6A}"/>
-              </a:ext>
-            </a:extLst>
-          </p:cNvPr>
-          <p:cNvSpPr>
-            <a:spLocks noGrp="1"/>
-          </p:cNvSpPr>
-          <p:nvPr>
-            <p:ph type="ftr" sz="quarter" idx="11"/>
-          </p:nvPr>
-        </p:nvSpPr>
-        <p:spPr>
-          <a:xfrm>
-            <a:off x="6937075" y="6310312"/>
-            <a:ext cx="4114800" cy="365125"/>
-          </a:xfrm>
-        </p:spPr>
-        <p:txBody>
-          <a:bodyPr/>
-          <a:lstStyle/>
-          <a:p>
-            <a:pPr>
-              <a:spcAft>
-                <a:spcPts val="600"/>
-              </a:spcAft>
-            </a:pPr>
-            <a:r>
-              <a:rPr lang="nb-NO" dirty="0">
-                <a:solidFill>
-                  <a:schemeClr val="tx1"/>
-                </a:solidFill>
-              </a:rPr>
-              <a:t>Henrik Njølstad &amp; André Martiny</a:t>
-            </a:r>
-          </a:p>
-        </p:txBody>
-      </p:sp>
-    </p:spTree>
-    <p:extLst>
-      <p:ext uri="{BB962C8B-B14F-4D97-AF65-F5344CB8AC3E}">
-        <p14:creationId xmlns:p14="http://schemas.microsoft.com/office/powerpoint/2010/main" val="1527326233"/>
-      </p:ext>
-    </p:extLst>
-  </p:cSld>
-  <p:clrMapOvr>
-    <a:masterClrMapping/>
-  </p:clrMapOvr>
-</p:sld>
-</file>
-
-<file path=ppt/slides/slide21.xml><?xml version="1.0" encoding="utf-8"?>
-<p:sld xmlns:a="http://schemas.openxmlformats.org/drawingml/2006/main" xmlns:r="http://schemas.openxmlformats.org/officeDocument/2006/relationships" xmlns:p="http://schemas.openxmlformats.org/presentationml/2006/main">
-  <p:cSld>
-    <p:spTree>
-      <p:nvGrpSpPr>
-        <p:cNvPr id="1" name=""/>
-        <p:cNvGrpSpPr/>
-        <p:nvPr/>
-      </p:nvGrpSpPr>
-      <p:grpSpPr>
-        <a:xfrm>
-          <a:off x="0" y="0"/>
-          <a:ext cx="0" cy="0"/>
-          <a:chOff x="0" y="0"/>
-          <a:chExt cx="0" cy="0"/>
-        </a:xfrm>
-      </p:grpSpPr>
-      <p:sp>
-        <p:nvSpPr>
-          <p:cNvPr id="2" name="Tittel 1">
-            <a:extLst>
-              <a:ext uri="{FF2B5EF4-FFF2-40B4-BE49-F238E27FC236}">
-                <a16:creationId xmlns:a16="http://schemas.microsoft.com/office/drawing/2014/main" id="{C3E6477F-AED9-484F-9621-C53F564119B4}"/>
-              </a:ext>
-            </a:extLst>
-          </p:cNvPr>
-          <p:cNvSpPr>
-            <a:spLocks noGrp="1"/>
-          </p:cNvSpPr>
-          <p:nvPr>
-            <p:ph type="title"/>
-          </p:nvPr>
-        </p:nvSpPr>
-        <p:spPr/>
-        <p:txBody>
-          <a:bodyPr/>
-          <a:lstStyle/>
-          <a:p>
-            <a:r>
-              <a:rPr lang="nb-NO" dirty="0"/>
-              <a:t>Prøv selv</a:t>
-            </a:r>
-          </a:p>
-        </p:txBody>
-      </p:sp>
-      <p:sp>
-        <p:nvSpPr>
-          <p:cNvPr id="3" name="Plassholder for innhold 2">
-            <a:extLst>
-              <a:ext uri="{FF2B5EF4-FFF2-40B4-BE49-F238E27FC236}">
-                <a16:creationId xmlns:a16="http://schemas.microsoft.com/office/drawing/2014/main" id="{18166937-65B3-4DC8-BB43-63584E0D60E0}"/>
-              </a:ext>
-            </a:extLst>
-          </p:cNvPr>
-          <p:cNvSpPr>
-            <a:spLocks noGrp="1"/>
-          </p:cNvSpPr>
-          <p:nvPr>
-            <p:ph idx="4294967295"/>
-          </p:nvPr>
-        </p:nvSpPr>
-        <p:spPr>
-          <a:xfrm>
-            <a:off x="762000" y="2411952"/>
-            <a:ext cx="10515600" cy="3003328"/>
-          </a:xfrm>
-        </p:spPr>
-        <p:txBody>
-          <a:bodyPr>
-            <a:normAutofit lnSpcReduction="10000"/>
-          </a:bodyPr>
-          <a:lstStyle/>
-          <a:p>
-            <a:pPr marL="0" indent="0" algn="ctr">
-              <a:buNone/>
-            </a:pPr>
-            <a:r>
-              <a:rPr lang="nb-NO" sz="4400" dirty="0">
-                <a:latin typeface="Consolas" panose="020B0609020204030204" pitchFamily="49" charset="0"/>
-              </a:rPr>
-              <a:t>kodelaben.github.io/workshop</a:t>
-            </a:r>
-          </a:p>
-          <a:p>
-            <a:pPr marL="0" indent="0">
-              <a:buNone/>
-            </a:pPr>
-            <a:endParaRPr lang="nb-NO" sz="4000" dirty="0">
-              <a:latin typeface="Consolas" panose="020B0609020204030204" pitchFamily="49" charset="0"/>
-            </a:endParaRPr>
-          </a:p>
-          <a:p>
-            <a:pPr marL="0" indent="0">
-              <a:buNone/>
-            </a:pPr>
-            <a:r>
-              <a:rPr lang="nb-NO" sz="3200" dirty="0">
-                <a:latin typeface="Consolas" panose="020B0609020204030204" pitchFamily="49" charset="0"/>
-              </a:rPr>
-              <a:t>Til hver oppgave har vi valgt ut ett eller to konsept som du skal bli kjent med. Klikk på lenken i oppgaven mer informasjon om hvordan den fungerer.</a:t>
-            </a:r>
-          </a:p>
-          <a:p>
-            <a:endParaRPr lang="nb-NO" sz="4000" dirty="0">
-              <a:latin typeface="Consolas" panose="020B0609020204030204" pitchFamily="49" charset="0"/>
-            </a:endParaRPr>
-          </a:p>
-          <a:p>
-            <a:pPr lvl="1"/>
-            <a:endParaRPr lang="nb-NO" sz="3600" dirty="0">
-              <a:latin typeface="Consolas" panose="020B0609020204030204" pitchFamily="49" charset="0"/>
-            </a:endParaRPr>
-          </a:p>
-          <a:p>
-            <a:pPr lvl="1"/>
-            <a:endParaRPr lang="nb-NO" sz="3600" dirty="0">
-              <a:latin typeface="Consolas" panose="020B0609020204030204" pitchFamily="49" charset="0"/>
-            </a:endParaRPr>
-          </a:p>
-          <a:p>
-            <a:pPr lvl="1"/>
-            <a:endParaRPr lang="nb-NO" sz="3600" dirty="0">
-              <a:latin typeface="Consolas" panose="020B0609020204030204" pitchFamily="49" charset="0"/>
-            </a:endParaRPr>
-          </a:p>
-        </p:txBody>
-      </p:sp>
-      <p:sp>
-        <p:nvSpPr>
-          <p:cNvPr id="5" name="Footer Placeholder 4">
-            <a:extLst>
-              <a:ext uri="{FF2B5EF4-FFF2-40B4-BE49-F238E27FC236}">
-                <a16:creationId xmlns:a16="http://schemas.microsoft.com/office/drawing/2014/main" id="{2D147248-02D2-4FB6-802E-640535C4B302}"/>
-              </a:ext>
-            </a:extLst>
-          </p:cNvPr>
-          <p:cNvSpPr>
-            <a:spLocks noGrp="1"/>
-          </p:cNvSpPr>
-          <p:nvPr>
-            <p:ph type="ftr" sz="quarter" idx="11"/>
-          </p:nvPr>
-        </p:nvSpPr>
-        <p:spPr>
-          <a:xfrm>
-            <a:off x="6937075" y="6310312"/>
-            <a:ext cx="4114800" cy="365125"/>
-          </a:xfrm>
-        </p:spPr>
-        <p:txBody>
-          <a:bodyPr/>
-          <a:lstStyle/>
-          <a:p>
-            <a:pPr>
-              <a:spcAft>
-                <a:spcPts val="600"/>
-              </a:spcAft>
-            </a:pPr>
-            <a:r>
-              <a:rPr lang="nb-NO" dirty="0">
-                <a:solidFill>
-                  <a:schemeClr val="tx1"/>
-                </a:solidFill>
-              </a:rPr>
-              <a:t>Henrik Njølstad &amp; André Martiny</a:t>
-            </a:r>
-          </a:p>
-        </p:txBody>
-      </p:sp>
-    </p:spTree>
-    <p:extLst>
-      <p:ext uri="{BB962C8B-B14F-4D97-AF65-F5344CB8AC3E}">
-        <p14:creationId xmlns:p14="http://schemas.microsoft.com/office/powerpoint/2010/main" val="2476041199"/>
-      </p:ext>
-    </p:extLst>
-  </p:cSld>
-  <p:clrMapOvr>
-    <a:masterClrMapping/>
-  </p:clrMapOvr>
 </p:sld>
 </file>
 
@@ -19730,6 +17272,21 @@
 </file>
 
 <file path=customXml/item1.xml><?xml version="1.0" encoding="utf-8"?>
+<p:properties xmlns:p="http://schemas.microsoft.com/office/2006/metadata/properties" xmlns:xsi="http://www.w3.org/2001/XMLSchema-instance" xmlns:pc="http://schemas.microsoft.com/office/infopath/2007/PartnerControls">
+  <documentManagement/>
+</p:properties>
+</file>
+
+<file path=customXml/item2.xml><?xml version="1.0" encoding="utf-8"?>
+<?mso-contentType ?>
+<FormTemplates xmlns="http://schemas.microsoft.com/sharepoint/v3/contenttype/forms">
+  <Display>DocumentLibraryForm</Display>
+  <Edit>DocumentLibraryForm</Edit>
+  <New>DocumentLibraryForm</New>
+</FormTemplates>
+</file>
+
+<file path=customXml/item3.xml><?xml version="1.0" encoding="utf-8"?>
 <ct:contentTypeSchema xmlns:ct="http://schemas.microsoft.com/office/2006/metadata/contentType" xmlns:ma="http://schemas.microsoft.com/office/2006/metadata/properties/metaAttributes" ct:_="" ma:_="" ma:contentTypeName="Document" ma:contentTypeID="0x01010016C8866D03E34B48841686518579C82E" ma:contentTypeVersion="9" ma:contentTypeDescription="Create a new document." ma:contentTypeScope="" ma:versionID="fdc90dfaa38f62fbf710a40f032d942a">
   <xsd:schema xmlns:xsd="http://www.w3.org/2001/XMLSchema" xmlns:xs="http://www.w3.org/2001/XMLSchema" xmlns:p="http://schemas.microsoft.com/office/2006/metadata/properties" xmlns:ns3="d6825be3-6367-44d3-85f5-b39c113bb9e2" xmlns:ns4="fc4421ab-83fb-4986-8788-82ed978005be" targetNamespace="http://schemas.microsoft.com/office/2006/metadata/properties" ma:root="true" ma:fieldsID="23bf39b307e2c9cf8ede89b1c3f8734b" ns3:_="" ns4:_="">
     <xsd:import namespace="d6825be3-6367-44d3-85f5-b39c113bb9e2"/>
@@ -19926,22 +17483,24 @@
 </ct:contentTypeSchema>
 </file>
 
-<file path=customXml/item2.xml><?xml version="1.0" encoding="utf-8"?>
-<?mso-contentType ?>
-<FormTemplates xmlns="http://schemas.microsoft.com/sharepoint/v3/contenttype/forms">
-  <Display>DocumentLibraryForm</Display>
-  <Edit>DocumentLibraryForm</Edit>
-  <New>DocumentLibraryForm</New>
-</FormTemplates>
+<file path=customXml/itemProps1.xml><?xml version="1.0" encoding="utf-8"?>
+<ds:datastoreItem xmlns:ds="http://schemas.openxmlformats.org/officeDocument/2006/customXml" ds:itemID="{28591F37-1B9F-40A3-900D-791619430ABD}">
+  <ds:schemaRefs>
+    <ds:schemaRef ds:uri="http://schemas.microsoft.com/office/2006/metadata/properties"/>
+    <ds:schemaRef ds:uri="http://schemas.microsoft.com/office/infopath/2007/PartnerControls"/>
+  </ds:schemaRefs>
+</ds:datastoreItem>
 </file>
 
-<file path=customXml/item3.xml><?xml version="1.0" encoding="utf-8"?>
-<p:properties xmlns:p="http://schemas.microsoft.com/office/2006/metadata/properties" xmlns:xsi="http://www.w3.org/2001/XMLSchema-instance" xmlns:pc="http://schemas.microsoft.com/office/infopath/2007/PartnerControls">
-  <documentManagement/>
-</p:properties>
+<file path=customXml/itemProps2.xml><?xml version="1.0" encoding="utf-8"?>
+<ds:datastoreItem xmlns:ds="http://schemas.openxmlformats.org/officeDocument/2006/customXml" ds:itemID="{A91E972C-1908-4138-8F23-71EEEC3AAB70}">
+  <ds:schemaRefs>
+    <ds:schemaRef ds:uri="http://schemas.microsoft.com/sharepoint/v3/contenttype/forms"/>
+  </ds:schemaRefs>
+</ds:datastoreItem>
 </file>
 
-<file path=customXml/itemProps1.xml><?xml version="1.0" encoding="utf-8"?>
+<file path=customXml/itemProps3.xml><?xml version="1.0" encoding="utf-8"?>
 <ds:datastoreItem xmlns:ds="http://schemas.openxmlformats.org/officeDocument/2006/customXml" ds:itemID="{EF40A0E1-43B2-4845-A4D9-24DE681333A9}">
   <ds:schemaRefs>
     <ds:schemaRef ds:uri="http://schemas.microsoft.com/office/2006/metadata/contentType"/>
@@ -19958,21 +17517,4 @@
     <ds:schemaRef ds:uri="http://schemas.microsoft.com/internal/obd"/>
   </ds:schemaRefs>
 </ds:datastoreItem>
-</file>
-
-<file path=customXml/itemProps2.xml><?xml version="1.0" encoding="utf-8"?>
-<ds:datastoreItem xmlns:ds="http://schemas.openxmlformats.org/officeDocument/2006/customXml" ds:itemID="{A91E972C-1908-4138-8F23-71EEEC3AAB70}">
-  <ds:schemaRefs>
-    <ds:schemaRef ds:uri="http://schemas.microsoft.com/sharepoint/v3/contenttype/forms"/>
-  </ds:schemaRefs>
-</ds:datastoreItem>
-</file>
-
-<file path=customXml/itemProps3.xml><?xml version="1.0" encoding="utf-8"?>
-<ds:datastoreItem xmlns:ds="http://schemas.openxmlformats.org/officeDocument/2006/customXml" ds:itemID="{28591F37-1B9F-40A3-900D-791619430ABD}">
-  <ds:schemaRefs>
-    <ds:schemaRef ds:uri="http://schemas.microsoft.com/office/2006/metadata/properties"/>
-    <ds:schemaRef ds:uri="http://schemas.microsoft.com/office/infopath/2007/PartnerControls"/>
-  </ds:schemaRefs>
-</ds:datastoreItem>
 </file>